--- a/KitakyusyuOpen2022/PresentationSeat/PresentationSeet.pptx
+++ b/KitakyusyuOpen2022/PresentationSeat/PresentationSeet.pptx
@@ -197,7 +197,7 @@
           <a:p>
             <a:fld id="{112A8008-FDA3-410E-9738-B862D3BEBCE1}" type="datetimeFigureOut">
               <a:rPr kumimoji="1" lang="ja-JP" altLang="en-US" smtClean="0"/>
-              <a:t>2022/7/31</a:t>
+              <a:t>2022/8/2</a:t>
             </a:fld>
             <a:endParaRPr kumimoji="1" lang="ja-JP" altLang="en-US"/>
           </a:p>
@@ -717,7 +717,7 @@
           <a:p>
             <a:fld id="{7A01C935-5042-4AD5-A86E-5E275E957866}" type="datetimeFigureOut">
               <a:rPr kumimoji="1" lang="ja-JP" altLang="en-US" smtClean="0"/>
-              <a:t>2022/7/31</a:t>
+              <a:t>2022/8/2</a:t>
             </a:fld>
             <a:endParaRPr kumimoji="1" lang="ja-JP" altLang="en-US"/>
           </a:p>
@@ -919,7 +919,7 @@
           <a:p>
             <a:fld id="{7A01C935-5042-4AD5-A86E-5E275E957866}" type="datetimeFigureOut">
               <a:rPr kumimoji="1" lang="ja-JP" altLang="en-US" smtClean="0"/>
-              <a:t>2022/7/31</a:t>
+              <a:t>2022/8/2</a:t>
             </a:fld>
             <a:endParaRPr kumimoji="1" lang="ja-JP" altLang="en-US"/>
           </a:p>
@@ -1131,7 +1131,7 @@
           <a:p>
             <a:fld id="{7A01C935-5042-4AD5-A86E-5E275E957866}" type="datetimeFigureOut">
               <a:rPr kumimoji="1" lang="ja-JP" altLang="en-US" smtClean="0"/>
-              <a:t>2022/7/31</a:t>
+              <a:t>2022/8/2</a:t>
             </a:fld>
             <a:endParaRPr kumimoji="1" lang="ja-JP" altLang="en-US"/>
           </a:p>
@@ -1333,7 +1333,7 @@
           <a:p>
             <a:fld id="{7A01C935-5042-4AD5-A86E-5E275E957866}" type="datetimeFigureOut">
               <a:rPr kumimoji="1" lang="ja-JP" altLang="en-US" smtClean="0"/>
-              <a:t>2022/7/31</a:t>
+              <a:t>2022/8/2</a:t>
             </a:fld>
             <a:endParaRPr kumimoji="1" lang="ja-JP" altLang="en-US"/>
           </a:p>
@@ -1577,7 +1577,7 @@
           <a:p>
             <a:fld id="{7A01C935-5042-4AD5-A86E-5E275E957866}" type="datetimeFigureOut">
               <a:rPr kumimoji="1" lang="ja-JP" altLang="en-US" smtClean="0"/>
-              <a:t>2022/7/31</a:t>
+              <a:t>2022/8/2</a:t>
             </a:fld>
             <a:endParaRPr kumimoji="1" lang="ja-JP" altLang="en-US"/>
           </a:p>
@@ -1873,7 +1873,7 @@
           <a:p>
             <a:fld id="{7A01C935-5042-4AD5-A86E-5E275E957866}" type="datetimeFigureOut">
               <a:rPr kumimoji="1" lang="ja-JP" altLang="en-US" smtClean="0"/>
-              <a:t>2022/7/31</a:t>
+              <a:t>2022/8/2</a:t>
             </a:fld>
             <a:endParaRPr kumimoji="1" lang="ja-JP" altLang="en-US"/>
           </a:p>
@@ -2304,7 +2304,7 @@
           <a:p>
             <a:fld id="{7A01C935-5042-4AD5-A86E-5E275E957866}" type="datetimeFigureOut">
               <a:rPr kumimoji="1" lang="ja-JP" altLang="en-US" smtClean="0"/>
-              <a:t>2022/7/31</a:t>
+              <a:t>2022/8/2</a:t>
             </a:fld>
             <a:endParaRPr kumimoji="1" lang="ja-JP" altLang="en-US"/>
           </a:p>
@@ -2422,7 +2422,7 @@
           <a:p>
             <a:fld id="{7A01C935-5042-4AD5-A86E-5E275E957866}" type="datetimeFigureOut">
               <a:rPr kumimoji="1" lang="ja-JP" altLang="en-US" smtClean="0"/>
-              <a:t>2022/7/31</a:t>
+              <a:t>2022/8/2</a:t>
             </a:fld>
             <a:endParaRPr kumimoji="1" lang="ja-JP" altLang="en-US"/>
           </a:p>
@@ -2517,7 +2517,7 @@
           <a:p>
             <a:fld id="{7A01C935-5042-4AD5-A86E-5E275E957866}" type="datetimeFigureOut">
               <a:rPr kumimoji="1" lang="ja-JP" altLang="en-US" smtClean="0"/>
-              <a:t>2022/7/31</a:t>
+              <a:t>2022/8/2</a:t>
             </a:fld>
             <a:endParaRPr kumimoji="1" lang="ja-JP" altLang="en-US"/>
           </a:p>
@@ -2826,7 +2826,7 @@
           <a:p>
             <a:fld id="{7A01C935-5042-4AD5-A86E-5E275E957866}" type="datetimeFigureOut">
               <a:rPr kumimoji="1" lang="ja-JP" altLang="en-US" smtClean="0"/>
-              <a:t>2022/7/31</a:t>
+              <a:t>2022/8/2</a:t>
             </a:fld>
             <a:endParaRPr kumimoji="1" lang="ja-JP" altLang="en-US"/>
           </a:p>
@@ -3083,7 +3083,7 @@
           <a:p>
             <a:fld id="{7A01C935-5042-4AD5-A86E-5E275E957866}" type="datetimeFigureOut">
               <a:rPr kumimoji="1" lang="ja-JP" altLang="en-US" smtClean="0"/>
-              <a:t>2022/7/31</a:t>
+              <a:t>2022/8/2</a:t>
             </a:fld>
             <a:endParaRPr kumimoji="1" lang="ja-JP" altLang="en-US"/>
           </a:p>
@@ -3328,7 +3328,7 @@
           <a:p>
             <a:fld id="{7A01C935-5042-4AD5-A86E-5E275E957866}" type="datetimeFigureOut">
               <a:rPr kumimoji="1" lang="ja-JP" altLang="en-US" smtClean="0"/>
-              <a:t>2022/7/31</a:t>
+              <a:t>2022/8/2</a:t>
             </a:fld>
             <a:endParaRPr kumimoji="1" lang="ja-JP" altLang="en-US"/>
           </a:p>
@@ -3735,6 +3735,263 @@
       </p:grpSpPr>
       <p:sp>
         <p:nvSpPr>
+          <p:cNvPr id="57" name="角丸四角形 56"/>
+          <p:cNvSpPr/>
+          <p:nvPr/>
+        </p:nvSpPr>
+        <p:spPr>
+          <a:xfrm>
+            <a:off x="10061002" y="747555"/>
+            <a:ext cx="4905689" cy="3069245"/>
+          </a:xfrm>
+          <a:prstGeom prst="roundRect">
+            <a:avLst>
+              <a:gd name="adj" fmla="val 5861"/>
+            </a:avLst>
+          </a:prstGeom>
+          <a:solidFill>
+            <a:schemeClr val="bg1">
+              <a:lumMod val="95000"/>
+            </a:schemeClr>
+          </a:solidFill>
+          <a:ln>
+            <a:solidFill>
+              <a:schemeClr val="tx1">
+                <a:lumMod val="50000"/>
+                <a:lumOff val="50000"/>
+              </a:schemeClr>
+            </a:solidFill>
+          </a:ln>
+        </p:spPr>
+        <p:style>
+          <a:lnRef idx="2">
+            <a:schemeClr val="accent1">
+              <a:shade val="50000"/>
+            </a:schemeClr>
+          </a:lnRef>
+          <a:fillRef idx="1">
+            <a:schemeClr val="accent1"/>
+          </a:fillRef>
+          <a:effectRef idx="0">
+            <a:schemeClr val="accent1"/>
+          </a:effectRef>
+          <a:fontRef idx="minor">
+            <a:schemeClr val="lt1"/>
+          </a:fontRef>
+        </p:style>
+        <p:txBody>
+          <a:bodyPr rot="0" spcFirstLastPara="0" vertOverflow="overflow" horzOverflow="overflow" vert="horz" wrap="square" lIns="101827" tIns="50913" rIns="101827" bIns="50913" numCol="1" spcCol="0" rtlCol="0" fromWordArt="0" anchor="ctr" anchorCtr="0" forceAA="0" compatLnSpc="1">
+            <a:prstTxWarp prst="textNoShape">
+              <a:avLst/>
+            </a:prstTxWarp>
+            <a:noAutofit/>
+          </a:bodyPr>
+          <a:lstStyle/>
+          <a:p>
+            <a:endParaRPr lang="en-US" altLang="ja-JP" sz="1225" dirty="0">
+              <a:solidFill>
+                <a:schemeClr val="tx1">
+                  <a:lumMod val="85000"/>
+                  <a:lumOff val="15000"/>
+                </a:schemeClr>
+              </a:solidFill>
+              <a:latin typeface="源ノ角ゴシック Light" panose="020B0300000000000000" pitchFamily="34" charset="-128"/>
+              <a:ea typeface="源ノ角ゴシック Light" panose="020B0300000000000000" pitchFamily="34" charset="-128"/>
+            </a:endParaRPr>
+          </a:p>
+          <a:p>
+            <a:endParaRPr lang="ja-JP" altLang="en-US" sz="1225" dirty="0">
+              <a:solidFill>
+                <a:schemeClr val="tx1">
+                  <a:lumMod val="85000"/>
+                  <a:lumOff val="15000"/>
+                </a:schemeClr>
+              </a:solidFill>
+              <a:latin typeface="源ノ角ゴシック Light" panose="020B0300000000000000" pitchFamily="34" charset="-128"/>
+              <a:ea typeface="源ノ角ゴシック Light" panose="020B0300000000000000" pitchFamily="34" charset="-128"/>
+            </a:endParaRPr>
+          </a:p>
+        </p:txBody>
+      </p:sp>
+      <p:sp>
+        <p:nvSpPr>
+          <p:cNvPr id="198" name="正方形/長方形 197"/>
+          <p:cNvSpPr/>
+          <p:nvPr/>
+        </p:nvSpPr>
+        <p:spPr>
+          <a:xfrm rot="16200000">
+            <a:off x="13372041" y="3202134"/>
+            <a:ext cx="87688" cy="280318"/>
+          </a:xfrm>
+          <a:prstGeom prst="rect">
+            <a:avLst/>
+          </a:prstGeom>
+          <a:solidFill>
+            <a:schemeClr val="accent6">
+              <a:lumMod val="60000"/>
+              <a:lumOff val="40000"/>
+            </a:schemeClr>
+          </a:solidFill>
+          <a:ln>
+            <a:solidFill>
+              <a:schemeClr val="accent6">
+                <a:lumMod val="60000"/>
+                <a:lumOff val="40000"/>
+              </a:schemeClr>
+            </a:solidFill>
+          </a:ln>
+        </p:spPr>
+        <p:style>
+          <a:lnRef idx="2">
+            <a:schemeClr val="accent1">
+              <a:shade val="50000"/>
+            </a:schemeClr>
+          </a:lnRef>
+          <a:fillRef idx="1">
+            <a:schemeClr val="accent1"/>
+          </a:fillRef>
+          <a:effectRef idx="0">
+            <a:schemeClr val="accent1"/>
+          </a:effectRef>
+          <a:fontRef idx="minor">
+            <a:schemeClr val="lt1"/>
+          </a:fontRef>
+        </p:style>
+        <p:txBody>
+          <a:bodyPr rot="0" spcFirstLastPara="0" vertOverflow="overflow" horzOverflow="overflow" vert="horz" wrap="square" lIns="101827" tIns="50913" rIns="101827" bIns="50913" numCol="1" spcCol="0" rtlCol="0" fromWordArt="0" anchor="ctr" anchorCtr="0" forceAA="0" compatLnSpc="1">
+            <a:prstTxWarp prst="textNoShape">
+              <a:avLst/>
+            </a:prstTxWarp>
+            <a:noAutofit/>
+          </a:bodyPr>
+          <a:lstStyle/>
+          <a:p>
+            <a:pPr algn="ctr"/>
+            <a:endParaRPr lang="ja-JP" altLang="en-US" sz="3086"/>
+          </a:p>
+        </p:txBody>
+      </p:sp>
+      <p:sp>
+        <p:nvSpPr>
+          <p:cNvPr id="190" name="正方形/長方形 189"/>
+          <p:cNvSpPr/>
+          <p:nvPr/>
+        </p:nvSpPr>
+        <p:spPr>
+          <a:xfrm rot="5400000">
+            <a:off x="13269352" y="2167450"/>
+            <a:ext cx="87688" cy="485691"/>
+          </a:xfrm>
+          <a:prstGeom prst="rect">
+            <a:avLst/>
+          </a:prstGeom>
+          <a:solidFill>
+            <a:schemeClr val="accent6">
+              <a:lumMod val="60000"/>
+              <a:lumOff val="40000"/>
+            </a:schemeClr>
+          </a:solidFill>
+          <a:ln>
+            <a:solidFill>
+              <a:schemeClr val="accent6">
+                <a:lumMod val="60000"/>
+                <a:lumOff val="40000"/>
+              </a:schemeClr>
+            </a:solidFill>
+          </a:ln>
+        </p:spPr>
+        <p:style>
+          <a:lnRef idx="2">
+            <a:schemeClr val="accent1">
+              <a:shade val="50000"/>
+            </a:schemeClr>
+          </a:lnRef>
+          <a:fillRef idx="1">
+            <a:schemeClr val="accent1"/>
+          </a:fillRef>
+          <a:effectRef idx="0">
+            <a:schemeClr val="accent1"/>
+          </a:effectRef>
+          <a:fontRef idx="minor">
+            <a:schemeClr val="lt1"/>
+          </a:fontRef>
+        </p:style>
+        <p:txBody>
+          <a:bodyPr rot="0" spcFirstLastPara="0" vertOverflow="overflow" horzOverflow="overflow" vert="horz" wrap="square" lIns="101827" tIns="50913" rIns="101827" bIns="50913" numCol="1" spcCol="0" rtlCol="0" fromWordArt="0" anchor="ctr" anchorCtr="0" forceAA="0" compatLnSpc="1">
+            <a:prstTxWarp prst="textNoShape">
+              <a:avLst/>
+            </a:prstTxWarp>
+            <a:noAutofit/>
+          </a:bodyPr>
+          <a:lstStyle/>
+          <a:p>
+            <a:pPr algn="ctr"/>
+            <a:endParaRPr lang="ja-JP" altLang="en-US" sz="3086"/>
+          </a:p>
+        </p:txBody>
+      </p:sp>
+      <p:sp>
+        <p:nvSpPr>
+          <p:cNvPr id="139" name="正方形/長方形 138"/>
+          <p:cNvSpPr/>
+          <p:nvPr/>
+        </p:nvSpPr>
+        <p:spPr>
+          <a:xfrm>
+            <a:off x="11072637" y="2162829"/>
+            <a:ext cx="87688" cy="690770"/>
+          </a:xfrm>
+          <a:prstGeom prst="rect">
+            <a:avLst/>
+          </a:prstGeom>
+          <a:solidFill>
+            <a:schemeClr val="accent4">
+              <a:lumMod val="60000"/>
+              <a:lumOff val="40000"/>
+            </a:schemeClr>
+          </a:solidFill>
+          <a:ln>
+            <a:solidFill>
+              <a:schemeClr val="accent4">
+                <a:lumMod val="60000"/>
+                <a:lumOff val="40000"/>
+              </a:schemeClr>
+            </a:solidFill>
+          </a:ln>
+        </p:spPr>
+        <p:style>
+          <a:lnRef idx="2">
+            <a:schemeClr val="accent1">
+              <a:shade val="50000"/>
+            </a:schemeClr>
+          </a:lnRef>
+          <a:fillRef idx="1">
+            <a:schemeClr val="accent1"/>
+          </a:fillRef>
+          <a:effectRef idx="0">
+            <a:schemeClr val="accent1"/>
+          </a:effectRef>
+          <a:fontRef idx="minor">
+            <a:schemeClr val="lt1"/>
+          </a:fontRef>
+        </p:style>
+        <p:txBody>
+          <a:bodyPr rot="0" spcFirstLastPara="0" vertOverflow="overflow" horzOverflow="overflow" vert="horz" wrap="square" lIns="101827" tIns="50913" rIns="101827" bIns="50913" numCol="1" spcCol="0" rtlCol="0" fromWordArt="0" anchor="ctr" anchorCtr="0" forceAA="0" compatLnSpc="1">
+            <a:prstTxWarp prst="textNoShape">
+              <a:avLst/>
+            </a:prstTxWarp>
+            <a:noAutofit/>
+          </a:bodyPr>
+          <a:lstStyle/>
+          <a:p>
+            <a:pPr algn="ctr"/>
+            <a:endParaRPr lang="ja-JP" altLang="en-US" sz="3086"/>
+          </a:p>
+        </p:txBody>
+      </p:sp>
+      <p:sp>
+        <p:nvSpPr>
           <p:cNvPr id="5" name="正方形/長方形 4"/>
           <p:cNvSpPr/>
           <p:nvPr/>
@@ -3990,8 +4247,8 @@
         </p:nvSpPr>
         <p:spPr>
           <a:xfrm>
-            <a:off x="2660080" y="769355"/>
-            <a:ext cx="4819964" cy="3069245"/>
+            <a:off x="2660080" y="731497"/>
+            <a:ext cx="4819964" cy="3107103"/>
           </a:xfrm>
           <a:prstGeom prst="roundRect">
             <a:avLst>
@@ -4555,7 +4812,7 @@
         </p:nvSpPr>
         <p:spPr>
           <a:xfrm rot="16200000">
-            <a:off x="2761407" y="1594018"/>
+            <a:off x="2769833" y="1593516"/>
             <a:ext cx="429524" cy="195118"/>
           </a:xfrm>
           <a:prstGeom prst="rect">
@@ -6249,7 +6506,7 @@
         </p:nvSpPr>
         <p:spPr>
           <a:xfrm>
-            <a:off x="7527517" y="747554"/>
+            <a:off x="7519963" y="731497"/>
             <a:ext cx="2501120" cy="3101363"/>
           </a:xfrm>
           <a:prstGeom prst="roundRect">
@@ -6290,86 +6547,6 @@
       </p:sp>
       <p:sp>
         <p:nvSpPr>
-          <p:cNvPr id="57" name="角丸四角形 56"/>
-          <p:cNvSpPr/>
-          <p:nvPr/>
-        </p:nvSpPr>
-        <p:spPr>
-          <a:xfrm>
-            <a:off x="10078383" y="747554"/>
-            <a:ext cx="4905689" cy="3069245"/>
-          </a:xfrm>
-          <a:prstGeom prst="roundRect">
-            <a:avLst>
-              <a:gd name="adj" fmla="val 5861"/>
-            </a:avLst>
-          </a:prstGeom>
-          <a:solidFill>
-            <a:schemeClr val="bg1">
-              <a:lumMod val="95000"/>
-            </a:schemeClr>
-          </a:solidFill>
-          <a:ln>
-            <a:solidFill>
-              <a:schemeClr val="tx1">
-                <a:lumMod val="50000"/>
-                <a:lumOff val="50000"/>
-              </a:schemeClr>
-            </a:solidFill>
-          </a:ln>
-        </p:spPr>
-        <p:style>
-          <a:lnRef idx="2">
-            <a:schemeClr val="accent1">
-              <a:shade val="50000"/>
-            </a:schemeClr>
-          </a:lnRef>
-          <a:fillRef idx="1">
-            <a:schemeClr val="accent1"/>
-          </a:fillRef>
-          <a:effectRef idx="0">
-            <a:schemeClr val="accent1"/>
-          </a:effectRef>
-          <a:fontRef idx="minor">
-            <a:schemeClr val="lt1"/>
-          </a:fontRef>
-        </p:style>
-        <p:txBody>
-          <a:bodyPr rot="0" spcFirstLastPara="0" vertOverflow="overflow" horzOverflow="overflow" vert="horz" wrap="square" lIns="101827" tIns="50913" rIns="101827" bIns="50913" numCol="1" spcCol="0" rtlCol="0" fromWordArt="0" anchor="ctr" anchorCtr="0" forceAA="0" compatLnSpc="1">
-            <a:prstTxWarp prst="textNoShape">
-              <a:avLst/>
-            </a:prstTxWarp>
-            <a:noAutofit/>
-          </a:bodyPr>
-          <a:lstStyle/>
-          <a:p>
-            <a:endParaRPr lang="en-US" altLang="ja-JP" sz="1225" dirty="0">
-              <a:solidFill>
-                <a:schemeClr val="tx1">
-                  <a:lumMod val="85000"/>
-                  <a:lumOff val="15000"/>
-                </a:schemeClr>
-              </a:solidFill>
-              <a:latin typeface="源ノ角ゴシック Light" panose="020B0300000000000000" pitchFamily="34" charset="-128"/>
-              <a:ea typeface="源ノ角ゴシック Light" panose="020B0300000000000000" pitchFamily="34" charset="-128"/>
-            </a:endParaRPr>
-          </a:p>
-          <a:p>
-            <a:endParaRPr lang="ja-JP" altLang="en-US" sz="1225" dirty="0">
-              <a:solidFill>
-                <a:schemeClr val="tx1">
-                  <a:lumMod val="85000"/>
-                  <a:lumOff val="15000"/>
-                </a:schemeClr>
-              </a:solidFill>
-              <a:latin typeface="源ノ角ゴシック Light" panose="020B0300000000000000" pitchFamily="34" charset="-128"/>
-              <a:ea typeface="源ノ角ゴシック Light" panose="020B0300000000000000" pitchFamily="34" charset="-128"/>
-            </a:endParaRPr>
-          </a:p>
-        </p:txBody>
-      </p:sp>
-      <p:sp>
-        <p:nvSpPr>
           <p:cNvPr id="58" name="正方形/長方形 57"/>
           <p:cNvSpPr/>
           <p:nvPr/>
@@ -6530,7 +6707,7 @@
         </p:nvSpPr>
         <p:spPr>
           <a:xfrm>
-            <a:off x="6097846" y="2108710"/>
+            <a:off x="6094050" y="2102814"/>
             <a:ext cx="429524" cy="195118"/>
           </a:xfrm>
           <a:prstGeom prst="rect">
@@ -6547,14 +6724,20 @@
             <a:r>
               <a:rPr lang="en-US" altLang="ja-JP" sz="668" dirty="0" smtClean="0">
                 <a:solidFill>
-                  <a:schemeClr val="bg1"/>
+                  <a:schemeClr val="tx1">
+                    <a:lumMod val="65000"/>
+                    <a:lumOff val="35000"/>
+                  </a:schemeClr>
                 </a:solidFill>
               </a:rPr>
               <a:t>Analog</a:t>
             </a:r>
             <a:endParaRPr lang="ja-JP" altLang="en-US" sz="668" dirty="0">
               <a:solidFill>
-                <a:schemeClr val="bg1"/>
+                <a:schemeClr val="tx1">
+                  <a:lumMod val="65000"/>
+                  <a:lumOff val="35000"/>
+                </a:schemeClr>
               </a:solidFill>
             </a:endParaRPr>
           </a:p>
@@ -6680,52 +6863,14 @@
       </p:sp>
       <p:sp>
         <p:nvSpPr>
-          <p:cNvPr id="69" name="テキスト ボックス 68"/>
-          <p:cNvSpPr txBox="1"/>
-          <p:nvPr/>
-        </p:nvSpPr>
-        <p:spPr>
-          <a:xfrm>
-            <a:off x="4287468" y="2873647"/>
-            <a:ext cx="429524" cy="195118"/>
-          </a:xfrm>
-          <a:prstGeom prst="rect">
-            <a:avLst/>
-          </a:prstGeom>
-          <a:noFill/>
-        </p:spPr>
-        <p:txBody>
-          <a:bodyPr wrap="square" rtlCol="0">
-            <a:spAutoFit/>
-          </a:bodyPr>
-          <a:lstStyle/>
-          <a:p>
-            <a:r>
-              <a:rPr lang="en-US" altLang="ja-JP" sz="668" dirty="0" smtClean="0">
-                <a:solidFill>
-                  <a:schemeClr val="bg1"/>
-                </a:solidFill>
-              </a:rPr>
-              <a:t>I2C</a:t>
-            </a:r>
-            <a:endParaRPr lang="ja-JP" altLang="en-US" sz="668" dirty="0">
-              <a:solidFill>
-                <a:schemeClr val="bg1"/>
-              </a:solidFill>
-            </a:endParaRPr>
-          </a:p>
-        </p:txBody>
-      </p:sp>
-      <p:sp>
-        <p:nvSpPr>
           <p:cNvPr id="70" name="正方形/長方形 69"/>
           <p:cNvSpPr/>
           <p:nvPr/>
         </p:nvSpPr>
         <p:spPr>
           <a:xfrm rot="16200000">
-            <a:off x="4489325" y="2997985"/>
-            <a:ext cx="91657" cy="634723"/>
+            <a:off x="4487779" y="2996438"/>
+            <a:ext cx="91657" cy="637816"/>
           </a:xfrm>
           <a:prstGeom prst="rect">
             <a:avLst/>
@@ -6973,7 +7118,7 @@
         </p:nvSpPr>
         <p:spPr>
           <a:xfrm>
-            <a:off x="11522942" y="184695"/>
+            <a:off x="11575926" y="212999"/>
             <a:ext cx="2492559" cy="297902"/>
           </a:xfrm>
           <a:prstGeom prst="rect">
@@ -7015,7 +7160,7 @@
         </p:nvSpPr>
         <p:spPr>
           <a:xfrm>
-            <a:off x="8542595" y="82795"/>
+            <a:off x="8436068" y="71538"/>
             <a:ext cx="2762945" cy="544123"/>
           </a:xfrm>
           <a:prstGeom prst="rect">
@@ -7069,7 +7214,7 @@
                 <a:latin typeface="源ノ角ゴシック Code JP R" panose="020B0500000000000000" pitchFamily="34" charset="-128"/>
                 <a:ea typeface="源ノ角ゴシック Code JP R" panose="020B0500000000000000" pitchFamily="34" charset="-128"/>
               </a:rPr>
-              <a:t>   </a:t>
+              <a:t>  </a:t>
             </a:r>
             <a:r>
               <a:rPr lang="ja-JP" altLang="en-US" sz="1336" dirty="0" smtClean="0">
@@ -7426,14 +7571,20 @@
             <a:r>
               <a:rPr lang="en-US" altLang="ja-JP" sz="500" dirty="0" smtClean="0">
                 <a:solidFill>
-                  <a:schemeClr val="bg1"/>
+                  <a:schemeClr val="tx1">
+                    <a:lumMod val="65000"/>
+                    <a:lumOff val="35000"/>
+                  </a:schemeClr>
                 </a:solidFill>
               </a:rPr>
               <a:t>Analog</a:t>
             </a:r>
             <a:endParaRPr lang="ja-JP" altLang="en-US" sz="500" dirty="0">
               <a:solidFill>
-                <a:schemeClr val="bg1"/>
+                <a:schemeClr val="tx1">
+                  <a:lumMod val="65000"/>
+                  <a:lumOff val="35000"/>
+                </a:schemeClr>
               </a:solidFill>
             </a:endParaRPr>
           </a:p>
@@ -7464,14 +7615,20 @@
             <a:r>
               <a:rPr lang="en-US" altLang="ja-JP" sz="500" dirty="0" smtClean="0">
                 <a:solidFill>
-                  <a:schemeClr val="bg1"/>
+                  <a:schemeClr val="tx1">
+                    <a:lumMod val="65000"/>
+                    <a:lumOff val="35000"/>
+                  </a:schemeClr>
                 </a:solidFill>
               </a:rPr>
               <a:t>Analog</a:t>
             </a:r>
             <a:endParaRPr lang="ja-JP" altLang="en-US" sz="500" dirty="0">
               <a:solidFill>
-                <a:schemeClr val="bg1"/>
+                <a:schemeClr val="tx1">
+                  <a:lumMod val="65000"/>
+                  <a:lumOff val="35000"/>
+                </a:schemeClr>
               </a:solidFill>
             </a:endParaRPr>
           </a:p>
@@ -7485,7 +7642,7 @@
         </p:nvSpPr>
         <p:spPr>
           <a:xfrm rot="16200000">
-            <a:off x="4448673" y="1668302"/>
+            <a:off x="4463202" y="1663506"/>
             <a:ext cx="429524" cy="169277"/>
           </a:xfrm>
           <a:prstGeom prst="rect">
@@ -7502,14 +7659,20 @@
             <a:r>
               <a:rPr lang="en-US" altLang="ja-JP" sz="500" dirty="0" smtClean="0">
                 <a:solidFill>
-                  <a:schemeClr val="bg1"/>
+                  <a:schemeClr val="tx1">
+                    <a:lumMod val="65000"/>
+                    <a:lumOff val="35000"/>
+                  </a:schemeClr>
                 </a:solidFill>
               </a:rPr>
               <a:t>Serial</a:t>
             </a:r>
             <a:endParaRPr lang="ja-JP" altLang="en-US" sz="500" dirty="0">
               <a:solidFill>
-                <a:schemeClr val="bg1"/>
+                <a:schemeClr val="tx1">
+                  <a:lumMod val="65000"/>
+                  <a:lumOff val="35000"/>
+                </a:schemeClr>
               </a:solidFill>
             </a:endParaRPr>
           </a:p>
@@ -7658,14 +7821,20 @@
             <a:r>
               <a:rPr lang="en-US" altLang="ja-JP" sz="500" dirty="0" smtClean="0">
                 <a:solidFill>
-                  <a:schemeClr val="bg1"/>
+                  <a:schemeClr val="tx1">
+                    <a:lumMod val="65000"/>
+                    <a:lumOff val="35000"/>
+                  </a:schemeClr>
                 </a:solidFill>
               </a:rPr>
               <a:t>Analog</a:t>
             </a:r>
             <a:endParaRPr lang="ja-JP" altLang="en-US" sz="500" dirty="0">
               <a:solidFill>
-                <a:schemeClr val="bg1"/>
+                <a:schemeClr val="tx1">
+                  <a:lumMod val="65000"/>
+                  <a:lumOff val="35000"/>
+                </a:schemeClr>
               </a:solidFill>
             </a:endParaRPr>
           </a:p>
@@ -7696,14 +7865,20 @@
             <a:r>
               <a:rPr lang="en-US" altLang="ja-JP" sz="500" dirty="0" smtClean="0">
                 <a:solidFill>
-                  <a:schemeClr val="bg1"/>
+                  <a:schemeClr val="tx1">
+                    <a:lumMod val="65000"/>
+                    <a:lumOff val="35000"/>
+                  </a:schemeClr>
                 </a:solidFill>
               </a:rPr>
               <a:t>Analog</a:t>
             </a:r>
             <a:endParaRPr lang="ja-JP" altLang="en-US" sz="500" dirty="0">
               <a:solidFill>
-                <a:schemeClr val="bg1"/>
+                <a:schemeClr val="tx1">
+                  <a:lumMod val="65000"/>
+                  <a:lumOff val="35000"/>
+                </a:schemeClr>
               </a:solidFill>
             </a:endParaRPr>
           </a:p>
@@ -7717,7 +7892,7 @@
           </p:cNvPicPr>
           <p:nvPr/>
         </p:nvPicPr>
-        <p:blipFill>
+        <p:blipFill rotWithShape="1">
           <a:blip r:embed="rId7" cstate="print">
             <a:extLst>
               <a:ext uri="{28A0092B-C50C-407E-A947-70E740481C1C}">
@@ -7725,14 +7900,13 @@
               </a:ext>
             </a:extLst>
           </a:blip>
-          <a:stretch>
-            <a:fillRect/>
-          </a:stretch>
+          <a:srcRect l="19183" t="20521" r="7594" b="20150"/>
+          <a:stretch/>
         </p:blipFill>
         <p:spPr>
           <a:xfrm>
-            <a:off x="4819591" y="3018064"/>
-            <a:ext cx="1014628" cy="733151"/>
+            <a:off x="4977523" y="3124295"/>
+            <a:ext cx="742950" cy="434975"/>
           </a:xfrm>
           <a:prstGeom prst="rect">
             <a:avLst/>
@@ -7790,7 +7964,7 @@
           </a:stretch>
         </p:blipFill>
         <p:spPr>
-          <a:xfrm>
+          <a:xfrm rot="10800000">
             <a:off x="3045140" y="2009531"/>
             <a:ext cx="848870" cy="682753"/>
           </a:xfrm>
@@ -7950,6 +8124,3968 @@
           </a:p>
         </p:txBody>
       </p:sp>
+      <p:sp>
+        <p:nvSpPr>
+          <p:cNvPr id="79" name="角丸四角形 78"/>
+          <p:cNvSpPr/>
+          <p:nvPr/>
+        </p:nvSpPr>
+        <p:spPr>
+          <a:xfrm>
+            <a:off x="10250991" y="828654"/>
+            <a:ext cx="1166309" cy="647658"/>
+          </a:xfrm>
+          <a:prstGeom prst="roundRect">
+            <a:avLst>
+              <a:gd name="adj" fmla="val 5861"/>
+            </a:avLst>
+          </a:prstGeom>
+          <a:solidFill>
+            <a:srgbClr val="F06E6E"/>
+          </a:solidFill>
+          <a:ln>
+            <a:noFill/>
+          </a:ln>
+        </p:spPr>
+        <p:style>
+          <a:lnRef idx="2">
+            <a:schemeClr val="accent1">
+              <a:shade val="50000"/>
+            </a:schemeClr>
+          </a:lnRef>
+          <a:fillRef idx="1">
+            <a:schemeClr val="accent1"/>
+          </a:fillRef>
+          <a:effectRef idx="0">
+            <a:schemeClr val="accent1"/>
+          </a:effectRef>
+          <a:fontRef idx="minor">
+            <a:schemeClr val="lt1"/>
+          </a:fontRef>
+        </p:style>
+        <p:txBody>
+          <a:bodyPr rot="0" spcFirstLastPara="0" vertOverflow="overflow" horzOverflow="overflow" vert="horz" wrap="square" lIns="101827" tIns="50913" rIns="101827" bIns="50913" numCol="1" spcCol="0" rtlCol="0" fromWordArt="0" anchor="ctr" anchorCtr="0" forceAA="0" compatLnSpc="1">
+            <a:prstTxWarp prst="textNoShape">
+              <a:avLst/>
+            </a:prstTxWarp>
+            <a:noAutofit/>
+          </a:bodyPr>
+          <a:lstStyle/>
+          <a:p>
+            <a:endParaRPr lang="en-US" altLang="ja-JP" sz="1225" dirty="0">
+              <a:solidFill>
+                <a:schemeClr val="tx1">
+                  <a:lumMod val="85000"/>
+                  <a:lumOff val="15000"/>
+                </a:schemeClr>
+              </a:solidFill>
+              <a:latin typeface="源ノ角ゴシック Light" panose="020B0300000000000000" pitchFamily="34" charset="-128"/>
+              <a:ea typeface="源ノ角ゴシック Light" panose="020B0300000000000000" pitchFamily="34" charset="-128"/>
+            </a:endParaRPr>
+          </a:p>
+          <a:p>
+            <a:endParaRPr lang="ja-JP" altLang="en-US" sz="1225" dirty="0">
+              <a:solidFill>
+                <a:schemeClr val="tx1">
+                  <a:lumMod val="85000"/>
+                  <a:lumOff val="15000"/>
+                </a:schemeClr>
+              </a:solidFill>
+              <a:latin typeface="源ノ角ゴシック Light" panose="020B0300000000000000" pitchFamily="34" charset="-128"/>
+              <a:ea typeface="源ノ角ゴシック Light" panose="020B0300000000000000" pitchFamily="34" charset="-128"/>
+            </a:endParaRPr>
+          </a:p>
+        </p:txBody>
+      </p:sp>
+      <p:sp>
+        <p:nvSpPr>
+          <p:cNvPr id="84" name="テキスト ボックス 83"/>
+          <p:cNvSpPr txBox="1"/>
+          <p:nvPr/>
+        </p:nvSpPr>
+        <p:spPr>
+          <a:xfrm>
+            <a:off x="10201245" y="828654"/>
+            <a:ext cx="1320882" cy="212366"/>
+          </a:xfrm>
+          <a:prstGeom prst="rect">
+            <a:avLst/>
+          </a:prstGeom>
+          <a:noFill/>
+        </p:spPr>
+        <p:txBody>
+          <a:bodyPr wrap="square" rtlCol="0">
+            <a:spAutoFit/>
+          </a:bodyPr>
+          <a:lstStyle/>
+          <a:p>
+            <a:r>
+              <a:rPr lang="en-US" altLang="ja-JP" sz="780" dirty="0" smtClean="0">
+                <a:solidFill>
+                  <a:schemeClr val="bg1"/>
+                </a:solidFill>
+                <a:latin typeface="源ノ角ゴシック Code JP H" panose="020B0A00000000000000" pitchFamily="34" charset="-128"/>
+                <a:ea typeface="源ノ角ゴシック Code JP H" panose="020B0A00000000000000" pitchFamily="34" charset="-128"/>
+              </a:rPr>
+              <a:t>Dry cell</a:t>
+            </a:r>
+            <a:endParaRPr lang="ja-JP" altLang="en-US" sz="780" dirty="0">
+              <a:solidFill>
+                <a:schemeClr val="bg1"/>
+              </a:solidFill>
+              <a:latin typeface="源ノ角ゴシック Code JP H" panose="020B0A00000000000000" pitchFamily="34" charset="-128"/>
+              <a:ea typeface="源ノ角ゴシック Code JP H" panose="020B0A00000000000000" pitchFamily="34" charset="-128"/>
+            </a:endParaRPr>
+          </a:p>
+        </p:txBody>
+      </p:sp>
+      <p:sp>
+        <p:nvSpPr>
+          <p:cNvPr id="85" name="テキスト ボックス 84"/>
+          <p:cNvSpPr txBox="1"/>
+          <p:nvPr/>
+        </p:nvSpPr>
+        <p:spPr>
+          <a:xfrm>
+            <a:off x="10210812" y="952184"/>
+            <a:ext cx="1451558" cy="200055"/>
+          </a:xfrm>
+          <a:prstGeom prst="rect">
+            <a:avLst/>
+          </a:prstGeom>
+          <a:noFill/>
+        </p:spPr>
+        <p:txBody>
+          <a:bodyPr wrap="square" rtlCol="0">
+            <a:spAutoFit/>
+          </a:bodyPr>
+          <a:lstStyle/>
+          <a:p>
+            <a:r>
+              <a:rPr lang="en-US" altLang="ja-JP" sz="700" dirty="0" smtClean="0">
+                <a:solidFill>
+                  <a:schemeClr val="bg1"/>
+                </a:solidFill>
+                <a:latin typeface="源ノ角ゴシック Code JP R" panose="020B0500000000000000" pitchFamily="34" charset="-128"/>
+                <a:ea typeface="源ノ角ゴシック Code JP R" panose="020B0500000000000000" pitchFamily="34" charset="-128"/>
+              </a:rPr>
+              <a:t>1.5V x 4 x 2 = 12V</a:t>
+            </a:r>
+            <a:endParaRPr lang="ja-JP" altLang="en-US" sz="700" dirty="0">
+              <a:solidFill>
+                <a:schemeClr val="bg1"/>
+              </a:solidFill>
+              <a:latin typeface="源ノ角ゴシック Code JP R" panose="020B0500000000000000" pitchFamily="34" charset="-128"/>
+              <a:ea typeface="源ノ角ゴシック Code JP R" panose="020B0500000000000000" pitchFamily="34" charset="-128"/>
+            </a:endParaRPr>
+          </a:p>
+        </p:txBody>
+      </p:sp>
+      <p:pic>
+        <p:nvPicPr>
+          <p:cNvPr id="104" name="図 103"/>
+          <p:cNvPicPr>
+            <a:picLocks noChangeAspect="1"/>
+          </p:cNvPicPr>
+          <p:nvPr/>
+        </p:nvPicPr>
+        <p:blipFill>
+          <a:blip r:embed="rId11" cstate="print">
+            <a:extLst>
+              <a:ext uri="{28A0092B-C50C-407E-A947-70E740481C1C}">
+                <a14:useLocalDpi xmlns:a14="http://schemas.microsoft.com/office/drawing/2010/main" val="0"/>
+              </a:ext>
+            </a:extLst>
+          </a:blip>
+          <a:stretch>
+            <a:fillRect/>
+          </a:stretch>
+        </p:blipFill>
+        <p:spPr>
+          <a:xfrm>
+            <a:off x="10196154" y="1077988"/>
+            <a:ext cx="368048" cy="368048"/>
+          </a:xfrm>
+          <a:prstGeom prst="rect">
+            <a:avLst/>
+          </a:prstGeom>
+        </p:spPr>
+      </p:pic>
+      <p:sp>
+        <p:nvSpPr>
+          <p:cNvPr id="105" name="正方形/長方形 104"/>
+          <p:cNvSpPr/>
+          <p:nvPr/>
+        </p:nvSpPr>
+        <p:spPr>
+          <a:xfrm>
+            <a:off x="10580654" y="1476312"/>
+            <a:ext cx="126891" cy="1377287"/>
+          </a:xfrm>
+          <a:prstGeom prst="rect">
+            <a:avLst/>
+          </a:prstGeom>
+          <a:solidFill>
+            <a:srgbClr val="F06E6E"/>
+          </a:solidFill>
+          <a:ln>
+            <a:solidFill>
+              <a:srgbClr val="F06E6E"/>
+            </a:solidFill>
+          </a:ln>
+        </p:spPr>
+        <p:style>
+          <a:lnRef idx="2">
+            <a:schemeClr val="accent1">
+              <a:shade val="50000"/>
+            </a:schemeClr>
+          </a:lnRef>
+          <a:fillRef idx="1">
+            <a:schemeClr val="accent1"/>
+          </a:fillRef>
+          <a:effectRef idx="0">
+            <a:schemeClr val="accent1"/>
+          </a:effectRef>
+          <a:fontRef idx="minor">
+            <a:schemeClr val="lt1"/>
+          </a:fontRef>
+        </p:style>
+        <p:txBody>
+          <a:bodyPr rot="0" spcFirstLastPara="0" vertOverflow="overflow" horzOverflow="overflow" vert="horz" wrap="square" lIns="101827" tIns="50913" rIns="101827" bIns="50913" numCol="1" spcCol="0" rtlCol="0" fromWordArt="0" anchor="ctr" anchorCtr="0" forceAA="0" compatLnSpc="1">
+            <a:prstTxWarp prst="textNoShape">
+              <a:avLst/>
+            </a:prstTxWarp>
+            <a:noAutofit/>
+          </a:bodyPr>
+          <a:lstStyle/>
+          <a:p>
+            <a:pPr algn="ctr"/>
+            <a:endParaRPr lang="ja-JP" altLang="en-US" sz="3086"/>
+          </a:p>
+        </p:txBody>
+      </p:sp>
+      <p:sp>
+        <p:nvSpPr>
+          <p:cNvPr id="106" name="テキスト ボックス 105"/>
+          <p:cNvSpPr txBox="1"/>
+          <p:nvPr/>
+        </p:nvSpPr>
+        <p:spPr>
+          <a:xfrm rot="16200000">
+            <a:off x="10425476" y="1977933"/>
+            <a:ext cx="429524" cy="195118"/>
+          </a:xfrm>
+          <a:prstGeom prst="rect">
+            <a:avLst/>
+          </a:prstGeom>
+          <a:noFill/>
+        </p:spPr>
+        <p:txBody>
+          <a:bodyPr wrap="square" rtlCol="0">
+            <a:spAutoFit/>
+          </a:bodyPr>
+          <a:lstStyle/>
+          <a:p>
+            <a:r>
+              <a:rPr lang="en-US" altLang="ja-JP" sz="668" dirty="0">
+                <a:solidFill>
+                  <a:schemeClr val="bg1"/>
+                </a:solidFill>
+              </a:rPr>
+              <a:t>Power</a:t>
+            </a:r>
+            <a:endParaRPr lang="ja-JP" altLang="en-US" sz="668" dirty="0">
+              <a:solidFill>
+                <a:schemeClr val="bg1"/>
+              </a:solidFill>
+            </a:endParaRPr>
+          </a:p>
+        </p:txBody>
+      </p:sp>
+      <p:sp>
+        <p:nvSpPr>
+          <p:cNvPr id="107" name="角丸四角形 106"/>
+          <p:cNvSpPr/>
+          <p:nvPr/>
+        </p:nvSpPr>
+        <p:spPr>
+          <a:xfrm>
+            <a:off x="10270030" y="2853599"/>
+            <a:ext cx="970407" cy="800166"/>
+          </a:xfrm>
+          <a:prstGeom prst="roundRect">
+            <a:avLst>
+              <a:gd name="adj" fmla="val 5861"/>
+            </a:avLst>
+          </a:prstGeom>
+          <a:solidFill>
+            <a:schemeClr val="bg2">
+              <a:lumMod val="75000"/>
+            </a:schemeClr>
+          </a:solidFill>
+          <a:ln>
+            <a:solidFill>
+              <a:schemeClr val="bg2">
+                <a:lumMod val="75000"/>
+              </a:schemeClr>
+            </a:solidFill>
+          </a:ln>
+        </p:spPr>
+        <p:style>
+          <a:lnRef idx="2">
+            <a:schemeClr val="accent1">
+              <a:shade val="50000"/>
+            </a:schemeClr>
+          </a:lnRef>
+          <a:fillRef idx="1">
+            <a:schemeClr val="accent1"/>
+          </a:fillRef>
+          <a:effectRef idx="0">
+            <a:schemeClr val="accent1"/>
+          </a:effectRef>
+          <a:fontRef idx="minor">
+            <a:schemeClr val="lt1"/>
+          </a:fontRef>
+        </p:style>
+        <p:txBody>
+          <a:bodyPr rot="0" spcFirstLastPara="0" vertOverflow="overflow" horzOverflow="overflow" vert="horz" wrap="square" lIns="101827" tIns="50913" rIns="101827" bIns="50913" numCol="1" spcCol="0" rtlCol="0" fromWordArt="0" anchor="ctr" anchorCtr="0" forceAA="0" compatLnSpc="1">
+            <a:prstTxWarp prst="textNoShape">
+              <a:avLst/>
+            </a:prstTxWarp>
+            <a:noAutofit/>
+          </a:bodyPr>
+          <a:lstStyle/>
+          <a:p>
+            <a:endParaRPr lang="en-US" altLang="ja-JP" sz="1225" dirty="0">
+              <a:solidFill>
+                <a:schemeClr val="tx1">
+                  <a:lumMod val="85000"/>
+                  <a:lumOff val="15000"/>
+                </a:schemeClr>
+              </a:solidFill>
+              <a:latin typeface="源ノ角ゴシック Light" panose="020B0300000000000000" pitchFamily="34" charset="-128"/>
+              <a:ea typeface="源ノ角ゴシック Light" panose="020B0300000000000000" pitchFamily="34" charset="-128"/>
+            </a:endParaRPr>
+          </a:p>
+          <a:p>
+            <a:endParaRPr lang="ja-JP" altLang="en-US" sz="1225" dirty="0">
+              <a:solidFill>
+                <a:schemeClr val="tx1">
+                  <a:lumMod val="85000"/>
+                  <a:lumOff val="15000"/>
+                </a:schemeClr>
+              </a:solidFill>
+              <a:latin typeface="源ノ角ゴシック Light" panose="020B0300000000000000" pitchFamily="34" charset="-128"/>
+              <a:ea typeface="源ノ角ゴシック Light" panose="020B0300000000000000" pitchFamily="34" charset="-128"/>
+            </a:endParaRPr>
+          </a:p>
+        </p:txBody>
+      </p:sp>
+      <p:sp>
+        <p:nvSpPr>
+          <p:cNvPr id="108" name="テキスト ボックス 107"/>
+          <p:cNvSpPr txBox="1"/>
+          <p:nvPr/>
+        </p:nvSpPr>
+        <p:spPr>
+          <a:xfrm>
+            <a:off x="10202319" y="2853599"/>
+            <a:ext cx="1113581" cy="229294"/>
+          </a:xfrm>
+          <a:prstGeom prst="rect">
+            <a:avLst/>
+          </a:prstGeom>
+          <a:noFill/>
+        </p:spPr>
+        <p:txBody>
+          <a:bodyPr wrap="square" rtlCol="0">
+            <a:spAutoFit/>
+          </a:bodyPr>
+          <a:lstStyle/>
+          <a:p>
+            <a:r>
+              <a:rPr lang="en-US" altLang="ja-JP" sz="445" b="1" dirty="0">
+                <a:solidFill>
+                  <a:schemeClr val="bg1"/>
+                </a:solidFill>
+                <a:latin typeface="源ノ角ゴシック Code JP M" panose="020B0600000000000000" pitchFamily="34" charset="-128"/>
+                <a:ea typeface="源ノ角ゴシック Code JP M" panose="020B0600000000000000" pitchFamily="34" charset="-128"/>
+              </a:rPr>
+              <a:t>6</a:t>
+            </a:r>
+            <a:r>
+              <a:rPr lang="en-US" altLang="ja-JP" sz="445" b="1" dirty="0" smtClean="0">
+                <a:solidFill>
+                  <a:schemeClr val="bg1"/>
+                </a:solidFill>
+                <a:latin typeface="源ノ角ゴシック Code JP M" panose="020B0600000000000000" pitchFamily="34" charset="-128"/>
+                <a:ea typeface="源ノ角ゴシック Code JP M" panose="020B0600000000000000" pitchFamily="34" charset="-128"/>
+              </a:rPr>
+              <a:t>ch </a:t>
+            </a:r>
+            <a:r>
+              <a:rPr lang="en-US" altLang="ja-JP" sz="445" b="1" dirty="0">
+                <a:solidFill>
+                  <a:schemeClr val="bg1"/>
+                </a:solidFill>
+                <a:latin typeface="源ノ角ゴシック Code JP M" panose="020B0600000000000000" pitchFamily="34" charset="-128"/>
+                <a:ea typeface="源ノ角ゴシック Code JP M" panose="020B0600000000000000" pitchFamily="34" charset="-128"/>
+              </a:rPr>
+              <a:t>Motor Control Board</a:t>
+            </a:r>
+          </a:p>
+          <a:p>
+            <a:r>
+              <a:rPr lang="en-US" altLang="ja-JP" sz="445" b="1" dirty="0">
+                <a:solidFill>
+                  <a:schemeClr val="bg1"/>
+                </a:solidFill>
+                <a:latin typeface="源ノ角ゴシック Code JP M" panose="020B0600000000000000" pitchFamily="34" charset="-128"/>
+                <a:ea typeface="源ノ角ゴシック Code JP M" panose="020B0600000000000000" pitchFamily="34" charset="-128"/>
+              </a:rPr>
+              <a:t>      (DAISEN </a:t>
+            </a:r>
+            <a:r>
+              <a:rPr lang="en-US" altLang="ja-JP" sz="445" b="1" dirty="0" smtClean="0">
+                <a:solidFill>
+                  <a:schemeClr val="bg1"/>
+                </a:solidFill>
+                <a:latin typeface="源ノ角ゴシック Code JP M" panose="020B0600000000000000" pitchFamily="34" charset="-128"/>
+                <a:ea typeface="源ノ角ゴシック Code JP M" panose="020B0600000000000000" pitchFamily="34" charset="-128"/>
+              </a:rPr>
+              <a:t>DSR-1203) </a:t>
+            </a:r>
+            <a:endParaRPr lang="ja-JP" altLang="en-US" sz="334" b="1" dirty="0">
+              <a:solidFill>
+                <a:schemeClr val="bg1"/>
+              </a:solidFill>
+              <a:latin typeface="源ノ角ゴシック Code JP M" panose="020B0600000000000000" pitchFamily="34" charset="-128"/>
+              <a:ea typeface="源ノ角ゴシック Code JP M" panose="020B0600000000000000" pitchFamily="34" charset="-128"/>
+            </a:endParaRPr>
+          </a:p>
+        </p:txBody>
+      </p:sp>
+      <p:pic>
+        <p:nvPicPr>
+          <p:cNvPr id="14" name="図 13"/>
+          <p:cNvPicPr>
+            <a:picLocks noChangeAspect="1"/>
+          </p:cNvPicPr>
+          <p:nvPr/>
+        </p:nvPicPr>
+        <p:blipFill>
+          <a:blip r:embed="rId12" cstate="print">
+            <a:extLst>
+              <a:ext uri="{28A0092B-C50C-407E-A947-70E740481C1C}">
+                <a14:useLocalDpi xmlns:a14="http://schemas.microsoft.com/office/drawing/2010/main" val="0"/>
+              </a:ext>
+            </a:extLst>
+          </a:blip>
+          <a:stretch>
+            <a:fillRect/>
+          </a:stretch>
+        </p:blipFill>
+        <p:spPr>
+          <a:xfrm>
+            <a:off x="10328294" y="2919184"/>
+            <a:ext cx="832031" cy="832031"/>
+          </a:xfrm>
+          <a:prstGeom prst="rect">
+            <a:avLst/>
+          </a:prstGeom>
+        </p:spPr>
+      </p:pic>
+      <p:sp>
+        <p:nvSpPr>
+          <p:cNvPr id="110" name="角丸四角形 109"/>
+          <p:cNvSpPr/>
+          <p:nvPr/>
+        </p:nvSpPr>
+        <p:spPr>
+          <a:xfrm>
+            <a:off x="11798016" y="2853599"/>
+            <a:ext cx="970407" cy="800166"/>
+          </a:xfrm>
+          <a:prstGeom prst="roundRect">
+            <a:avLst>
+              <a:gd name="adj" fmla="val 5861"/>
+            </a:avLst>
+          </a:prstGeom>
+          <a:solidFill>
+            <a:schemeClr val="bg2">
+              <a:lumMod val="75000"/>
+            </a:schemeClr>
+          </a:solidFill>
+          <a:ln>
+            <a:solidFill>
+              <a:schemeClr val="bg2">
+                <a:lumMod val="75000"/>
+              </a:schemeClr>
+            </a:solidFill>
+          </a:ln>
+        </p:spPr>
+        <p:style>
+          <a:lnRef idx="2">
+            <a:schemeClr val="accent1">
+              <a:shade val="50000"/>
+            </a:schemeClr>
+          </a:lnRef>
+          <a:fillRef idx="1">
+            <a:schemeClr val="accent1"/>
+          </a:fillRef>
+          <a:effectRef idx="0">
+            <a:schemeClr val="accent1"/>
+          </a:effectRef>
+          <a:fontRef idx="minor">
+            <a:schemeClr val="lt1"/>
+          </a:fontRef>
+        </p:style>
+        <p:txBody>
+          <a:bodyPr rot="0" spcFirstLastPara="0" vertOverflow="overflow" horzOverflow="overflow" vert="horz" wrap="square" lIns="101827" tIns="50913" rIns="101827" bIns="50913" numCol="1" spcCol="0" rtlCol="0" fromWordArt="0" anchor="ctr" anchorCtr="0" forceAA="0" compatLnSpc="1">
+            <a:prstTxWarp prst="textNoShape">
+              <a:avLst/>
+            </a:prstTxWarp>
+            <a:noAutofit/>
+          </a:bodyPr>
+          <a:lstStyle/>
+          <a:p>
+            <a:endParaRPr lang="en-US" altLang="ja-JP" sz="1225" dirty="0">
+              <a:solidFill>
+                <a:schemeClr val="tx1">
+                  <a:lumMod val="85000"/>
+                  <a:lumOff val="15000"/>
+                </a:schemeClr>
+              </a:solidFill>
+              <a:latin typeface="源ノ角ゴシック Light" panose="020B0300000000000000" pitchFamily="34" charset="-128"/>
+              <a:ea typeface="源ノ角ゴシック Light" panose="020B0300000000000000" pitchFamily="34" charset="-128"/>
+            </a:endParaRPr>
+          </a:p>
+          <a:p>
+            <a:endParaRPr lang="ja-JP" altLang="en-US" sz="1225" dirty="0">
+              <a:solidFill>
+                <a:schemeClr val="tx1">
+                  <a:lumMod val="85000"/>
+                  <a:lumOff val="15000"/>
+                </a:schemeClr>
+              </a:solidFill>
+              <a:latin typeface="源ノ角ゴシック Light" panose="020B0300000000000000" pitchFamily="34" charset="-128"/>
+              <a:ea typeface="源ノ角ゴシック Light" panose="020B0300000000000000" pitchFamily="34" charset="-128"/>
+            </a:endParaRPr>
+          </a:p>
+        </p:txBody>
+      </p:sp>
+      <p:sp>
+        <p:nvSpPr>
+          <p:cNvPr id="111" name="正方形/長方形 110"/>
+          <p:cNvSpPr/>
+          <p:nvPr/>
+        </p:nvSpPr>
+        <p:spPr>
+          <a:xfrm rot="16200000">
+            <a:off x="11471377" y="2940681"/>
+            <a:ext cx="91657" cy="535823"/>
+          </a:xfrm>
+          <a:prstGeom prst="rect">
+            <a:avLst/>
+          </a:prstGeom>
+          <a:solidFill>
+            <a:srgbClr val="F66E6E"/>
+          </a:solidFill>
+          <a:ln>
+            <a:solidFill>
+              <a:srgbClr val="F06E6E"/>
+            </a:solidFill>
+          </a:ln>
+        </p:spPr>
+        <p:style>
+          <a:lnRef idx="2">
+            <a:schemeClr val="accent1">
+              <a:shade val="50000"/>
+            </a:schemeClr>
+          </a:lnRef>
+          <a:fillRef idx="1">
+            <a:schemeClr val="accent1"/>
+          </a:fillRef>
+          <a:effectRef idx="0">
+            <a:schemeClr val="accent1"/>
+          </a:effectRef>
+          <a:fontRef idx="minor">
+            <a:schemeClr val="lt1"/>
+          </a:fontRef>
+        </p:style>
+        <p:txBody>
+          <a:bodyPr rot="0" spcFirstLastPara="0" vertOverflow="overflow" horzOverflow="overflow" vert="horz" wrap="square" lIns="101827" tIns="50913" rIns="101827" bIns="50913" numCol="1" spcCol="0" rtlCol="0" fromWordArt="0" anchor="ctr" anchorCtr="0" forceAA="0" compatLnSpc="1">
+            <a:prstTxWarp prst="textNoShape">
+              <a:avLst/>
+            </a:prstTxWarp>
+            <a:noAutofit/>
+          </a:bodyPr>
+          <a:lstStyle/>
+          <a:p>
+            <a:pPr algn="ctr"/>
+            <a:endParaRPr lang="ja-JP" altLang="en-US" sz="3086"/>
+          </a:p>
+        </p:txBody>
+      </p:sp>
+      <p:sp>
+        <p:nvSpPr>
+          <p:cNvPr id="112" name="テキスト ボックス 111"/>
+          <p:cNvSpPr txBox="1"/>
+          <p:nvPr/>
+        </p:nvSpPr>
+        <p:spPr>
+          <a:xfrm>
+            <a:off x="11312741" y="3111033"/>
+            <a:ext cx="429524" cy="195118"/>
+          </a:xfrm>
+          <a:prstGeom prst="rect">
+            <a:avLst/>
+          </a:prstGeom>
+          <a:noFill/>
+        </p:spPr>
+        <p:txBody>
+          <a:bodyPr wrap="square" rtlCol="0">
+            <a:spAutoFit/>
+          </a:bodyPr>
+          <a:lstStyle/>
+          <a:p>
+            <a:r>
+              <a:rPr lang="en-US" altLang="ja-JP" sz="668" dirty="0">
+                <a:solidFill>
+                  <a:schemeClr val="bg1"/>
+                </a:solidFill>
+              </a:rPr>
+              <a:t>Power</a:t>
+            </a:r>
+            <a:endParaRPr lang="ja-JP" altLang="en-US" sz="668" dirty="0">
+              <a:solidFill>
+                <a:schemeClr val="bg1"/>
+              </a:solidFill>
+            </a:endParaRPr>
+          </a:p>
+        </p:txBody>
+      </p:sp>
+      <p:sp>
+        <p:nvSpPr>
+          <p:cNvPr id="113" name="テキスト ボックス 112"/>
+          <p:cNvSpPr txBox="1"/>
+          <p:nvPr/>
+        </p:nvSpPr>
+        <p:spPr>
+          <a:xfrm>
+            <a:off x="11769915" y="2898227"/>
+            <a:ext cx="1086763" cy="184666"/>
+          </a:xfrm>
+          <a:prstGeom prst="rect">
+            <a:avLst/>
+          </a:prstGeom>
+          <a:noFill/>
+        </p:spPr>
+        <p:txBody>
+          <a:bodyPr wrap="square" rtlCol="0">
+            <a:spAutoFit/>
+          </a:bodyPr>
+          <a:lstStyle/>
+          <a:p>
+            <a:r>
+              <a:rPr lang="en-US" altLang="ja-JP" sz="600" b="1" dirty="0" smtClean="0">
+                <a:solidFill>
+                  <a:schemeClr val="bg1"/>
+                </a:solidFill>
+                <a:latin typeface="源ノ角ゴシック Code JP M" panose="020B0600000000000000" pitchFamily="34" charset="-128"/>
+                <a:ea typeface="源ノ角ゴシック Code JP M" panose="020B0600000000000000" pitchFamily="34" charset="-128"/>
+              </a:rPr>
+              <a:t>DAISEN MOTOR x 4</a:t>
+            </a:r>
+            <a:endParaRPr lang="ja-JP" altLang="en-US" sz="500" b="1" dirty="0">
+              <a:solidFill>
+                <a:schemeClr val="bg1"/>
+              </a:solidFill>
+              <a:latin typeface="源ノ角ゴシック Code JP M" panose="020B0600000000000000" pitchFamily="34" charset="-128"/>
+              <a:ea typeface="源ノ角ゴシック Code JP M" panose="020B0600000000000000" pitchFamily="34" charset="-128"/>
+            </a:endParaRPr>
+          </a:p>
+        </p:txBody>
+      </p:sp>
+      <p:pic>
+        <p:nvPicPr>
+          <p:cNvPr id="17" name="図 16"/>
+          <p:cNvPicPr>
+            <a:picLocks noChangeAspect="1"/>
+          </p:cNvPicPr>
+          <p:nvPr/>
+        </p:nvPicPr>
+        <p:blipFill rotWithShape="1">
+          <a:blip r:embed="rId13" cstate="print">
+            <a:extLst>
+              <a:ext uri="{28A0092B-C50C-407E-A947-70E740481C1C}">
+                <a14:useLocalDpi xmlns:a14="http://schemas.microsoft.com/office/drawing/2010/main" val="0"/>
+              </a:ext>
+            </a:extLst>
+          </a:blip>
+          <a:srcRect t="22905" r="3721" b="28490"/>
+          <a:stretch/>
+        </p:blipFill>
+        <p:spPr>
+          <a:xfrm>
+            <a:off x="11951219" y="3158955"/>
+            <a:ext cx="710664" cy="358775"/>
+          </a:xfrm>
+          <a:prstGeom prst="rect">
+            <a:avLst/>
+          </a:prstGeom>
+        </p:spPr>
+      </p:pic>
+      <p:pic>
+        <p:nvPicPr>
+          <p:cNvPr id="114" name="図 113"/>
+          <p:cNvPicPr>
+            <a:picLocks noChangeAspect="1"/>
+          </p:cNvPicPr>
+          <p:nvPr/>
+        </p:nvPicPr>
+        <p:blipFill>
+          <a:blip r:embed="rId11" cstate="print">
+            <a:extLst>
+              <a:ext uri="{28A0092B-C50C-407E-A947-70E740481C1C}">
+                <a14:useLocalDpi xmlns:a14="http://schemas.microsoft.com/office/drawing/2010/main" val="0"/>
+              </a:ext>
+            </a:extLst>
+          </a:blip>
+          <a:stretch>
+            <a:fillRect/>
+          </a:stretch>
+        </p:blipFill>
+        <p:spPr>
+          <a:xfrm>
+            <a:off x="10319814" y="1077988"/>
+            <a:ext cx="368048" cy="368048"/>
+          </a:xfrm>
+          <a:prstGeom prst="rect">
+            <a:avLst/>
+          </a:prstGeom>
+        </p:spPr>
+      </p:pic>
+      <p:pic>
+        <p:nvPicPr>
+          <p:cNvPr id="115" name="図 114"/>
+          <p:cNvPicPr>
+            <a:picLocks noChangeAspect="1"/>
+          </p:cNvPicPr>
+          <p:nvPr/>
+        </p:nvPicPr>
+        <p:blipFill>
+          <a:blip r:embed="rId11" cstate="print">
+            <a:extLst>
+              <a:ext uri="{28A0092B-C50C-407E-A947-70E740481C1C}">
+                <a14:useLocalDpi xmlns:a14="http://schemas.microsoft.com/office/drawing/2010/main" val="0"/>
+              </a:ext>
+            </a:extLst>
+          </a:blip>
+          <a:stretch>
+            <a:fillRect/>
+          </a:stretch>
+        </p:blipFill>
+        <p:spPr>
+          <a:xfrm>
+            <a:off x="10440050" y="1077988"/>
+            <a:ext cx="368048" cy="368048"/>
+          </a:xfrm>
+          <a:prstGeom prst="rect">
+            <a:avLst/>
+          </a:prstGeom>
+        </p:spPr>
+      </p:pic>
+      <p:pic>
+        <p:nvPicPr>
+          <p:cNvPr id="116" name="図 115"/>
+          <p:cNvPicPr>
+            <a:picLocks noChangeAspect="1"/>
+          </p:cNvPicPr>
+          <p:nvPr/>
+        </p:nvPicPr>
+        <p:blipFill>
+          <a:blip r:embed="rId11" cstate="print">
+            <a:extLst>
+              <a:ext uri="{28A0092B-C50C-407E-A947-70E740481C1C}">
+                <a14:useLocalDpi xmlns:a14="http://schemas.microsoft.com/office/drawing/2010/main" val="0"/>
+              </a:ext>
+            </a:extLst>
+          </a:blip>
+          <a:stretch>
+            <a:fillRect/>
+          </a:stretch>
+        </p:blipFill>
+        <p:spPr>
+          <a:xfrm>
+            <a:off x="10560286" y="1077988"/>
+            <a:ext cx="368048" cy="368048"/>
+          </a:xfrm>
+          <a:prstGeom prst="rect">
+            <a:avLst/>
+          </a:prstGeom>
+        </p:spPr>
+      </p:pic>
+      <p:pic>
+        <p:nvPicPr>
+          <p:cNvPr id="117" name="図 116"/>
+          <p:cNvPicPr>
+            <a:picLocks noChangeAspect="1"/>
+          </p:cNvPicPr>
+          <p:nvPr/>
+        </p:nvPicPr>
+        <p:blipFill>
+          <a:blip r:embed="rId11" cstate="print">
+            <a:extLst>
+              <a:ext uri="{28A0092B-C50C-407E-A947-70E740481C1C}">
+                <a14:useLocalDpi xmlns:a14="http://schemas.microsoft.com/office/drawing/2010/main" val="0"/>
+              </a:ext>
+            </a:extLst>
+          </a:blip>
+          <a:stretch>
+            <a:fillRect/>
+          </a:stretch>
+        </p:blipFill>
+        <p:spPr>
+          <a:xfrm>
+            <a:off x="10747196" y="1077988"/>
+            <a:ext cx="368048" cy="368048"/>
+          </a:xfrm>
+          <a:prstGeom prst="rect">
+            <a:avLst/>
+          </a:prstGeom>
+        </p:spPr>
+      </p:pic>
+      <p:pic>
+        <p:nvPicPr>
+          <p:cNvPr id="118" name="図 117"/>
+          <p:cNvPicPr>
+            <a:picLocks noChangeAspect="1"/>
+          </p:cNvPicPr>
+          <p:nvPr/>
+        </p:nvPicPr>
+        <p:blipFill>
+          <a:blip r:embed="rId11" cstate="print">
+            <a:extLst>
+              <a:ext uri="{28A0092B-C50C-407E-A947-70E740481C1C}">
+                <a14:useLocalDpi xmlns:a14="http://schemas.microsoft.com/office/drawing/2010/main" val="0"/>
+              </a:ext>
+            </a:extLst>
+          </a:blip>
+          <a:stretch>
+            <a:fillRect/>
+          </a:stretch>
+        </p:blipFill>
+        <p:spPr>
+          <a:xfrm>
+            <a:off x="10870856" y="1077988"/>
+            <a:ext cx="368048" cy="368048"/>
+          </a:xfrm>
+          <a:prstGeom prst="rect">
+            <a:avLst/>
+          </a:prstGeom>
+        </p:spPr>
+      </p:pic>
+      <p:pic>
+        <p:nvPicPr>
+          <p:cNvPr id="119" name="図 118"/>
+          <p:cNvPicPr>
+            <a:picLocks noChangeAspect="1"/>
+          </p:cNvPicPr>
+          <p:nvPr/>
+        </p:nvPicPr>
+        <p:blipFill>
+          <a:blip r:embed="rId11" cstate="print">
+            <a:extLst>
+              <a:ext uri="{28A0092B-C50C-407E-A947-70E740481C1C}">
+                <a14:useLocalDpi xmlns:a14="http://schemas.microsoft.com/office/drawing/2010/main" val="0"/>
+              </a:ext>
+            </a:extLst>
+          </a:blip>
+          <a:stretch>
+            <a:fillRect/>
+          </a:stretch>
+        </p:blipFill>
+        <p:spPr>
+          <a:xfrm>
+            <a:off x="10991092" y="1077988"/>
+            <a:ext cx="368048" cy="368048"/>
+          </a:xfrm>
+          <a:prstGeom prst="rect">
+            <a:avLst/>
+          </a:prstGeom>
+        </p:spPr>
+      </p:pic>
+      <p:pic>
+        <p:nvPicPr>
+          <p:cNvPr id="120" name="図 119"/>
+          <p:cNvPicPr>
+            <a:picLocks noChangeAspect="1"/>
+          </p:cNvPicPr>
+          <p:nvPr/>
+        </p:nvPicPr>
+        <p:blipFill>
+          <a:blip r:embed="rId11" cstate="print">
+            <a:extLst>
+              <a:ext uri="{28A0092B-C50C-407E-A947-70E740481C1C}">
+                <a14:useLocalDpi xmlns:a14="http://schemas.microsoft.com/office/drawing/2010/main" val="0"/>
+              </a:ext>
+            </a:extLst>
+          </a:blip>
+          <a:stretch>
+            <a:fillRect/>
+          </a:stretch>
+        </p:blipFill>
+        <p:spPr>
+          <a:xfrm>
+            <a:off x="11111328" y="1077988"/>
+            <a:ext cx="368048" cy="368048"/>
+          </a:xfrm>
+          <a:prstGeom prst="rect">
+            <a:avLst/>
+          </a:prstGeom>
+        </p:spPr>
+      </p:pic>
+      <p:sp>
+        <p:nvSpPr>
+          <p:cNvPr id="121" name="角丸四角形 120"/>
+          <p:cNvSpPr/>
+          <p:nvPr/>
+        </p:nvSpPr>
+        <p:spPr>
+          <a:xfrm>
+            <a:off x="11510634" y="830848"/>
+            <a:ext cx="882741" cy="647658"/>
+          </a:xfrm>
+          <a:prstGeom prst="roundRect">
+            <a:avLst>
+              <a:gd name="adj" fmla="val 5861"/>
+            </a:avLst>
+          </a:prstGeom>
+          <a:solidFill>
+            <a:srgbClr val="F06E6E"/>
+          </a:solidFill>
+          <a:ln>
+            <a:noFill/>
+          </a:ln>
+        </p:spPr>
+        <p:style>
+          <a:lnRef idx="2">
+            <a:schemeClr val="accent1">
+              <a:shade val="50000"/>
+            </a:schemeClr>
+          </a:lnRef>
+          <a:fillRef idx="1">
+            <a:schemeClr val="accent1"/>
+          </a:fillRef>
+          <a:effectRef idx="0">
+            <a:schemeClr val="accent1"/>
+          </a:effectRef>
+          <a:fontRef idx="minor">
+            <a:schemeClr val="lt1"/>
+          </a:fontRef>
+        </p:style>
+        <p:txBody>
+          <a:bodyPr rot="0" spcFirstLastPara="0" vertOverflow="overflow" horzOverflow="overflow" vert="horz" wrap="square" lIns="101827" tIns="50913" rIns="101827" bIns="50913" numCol="1" spcCol="0" rtlCol="0" fromWordArt="0" anchor="ctr" anchorCtr="0" forceAA="0" compatLnSpc="1">
+            <a:prstTxWarp prst="textNoShape">
+              <a:avLst/>
+            </a:prstTxWarp>
+            <a:noAutofit/>
+          </a:bodyPr>
+          <a:lstStyle/>
+          <a:p>
+            <a:endParaRPr lang="en-US" altLang="ja-JP" sz="1225" dirty="0">
+              <a:solidFill>
+                <a:schemeClr val="tx1">
+                  <a:lumMod val="85000"/>
+                  <a:lumOff val="15000"/>
+                </a:schemeClr>
+              </a:solidFill>
+              <a:latin typeface="源ノ角ゴシック Light" panose="020B0300000000000000" pitchFamily="34" charset="-128"/>
+              <a:ea typeface="源ノ角ゴシック Light" panose="020B0300000000000000" pitchFamily="34" charset="-128"/>
+            </a:endParaRPr>
+          </a:p>
+          <a:p>
+            <a:endParaRPr lang="ja-JP" altLang="en-US" sz="1225" dirty="0">
+              <a:solidFill>
+                <a:schemeClr val="tx1">
+                  <a:lumMod val="85000"/>
+                  <a:lumOff val="15000"/>
+                </a:schemeClr>
+              </a:solidFill>
+              <a:latin typeface="源ノ角ゴシック Light" panose="020B0300000000000000" pitchFamily="34" charset="-128"/>
+              <a:ea typeface="源ノ角ゴシック Light" panose="020B0300000000000000" pitchFamily="34" charset="-128"/>
+            </a:endParaRPr>
+          </a:p>
+        </p:txBody>
+      </p:sp>
+      <p:sp>
+        <p:nvSpPr>
+          <p:cNvPr id="122" name="テキスト ボックス 121"/>
+          <p:cNvSpPr txBox="1"/>
+          <p:nvPr/>
+        </p:nvSpPr>
+        <p:spPr>
+          <a:xfrm>
+            <a:off x="11479376" y="819022"/>
+            <a:ext cx="1320882" cy="212366"/>
+          </a:xfrm>
+          <a:prstGeom prst="rect">
+            <a:avLst/>
+          </a:prstGeom>
+          <a:noFill/>
+        </p:spPr>
+        <p:txBody>
+          <a:bodyPr wrap="square" rtlCol="0">
+            <a:spAutoFit/>
+          </a:bodyPr>
+          <a:lstStyle/>
+          <a:p>
+            <a:r>
+              <a:rPr lang="en-US" altLang="ja-JP" sz="780" dirty="0" smtClean="0">
+                <a:solidFill>
+                  <a:schemeClr val="bg1"/>
+                </a:solidFill>
+                <a:latin typeface="源ノ角ゴシック Code JP H" panose="020B0A00000000000000" pitchFamily="34" charset="-128"/>
+                <a:ea typeface="源ノ角ゴシック Code JP H" panose="020B0A00000000000000" pitchFamily="34" charset="-128"/>
+              </a:rPr>
+              <a:t>Dry cell</a:t>
+            </a:r>
+            <a:endParaRPr lang="ja-JP" altLang="en-US" sz="780" dirty="0">
+              <a:solidFill>
+                <a:schemeClr val="bg1"/>
+              </a:solidFill>
+              <a:latin typeface="源ノ角ゴシック Code JP H" panose="020B0A00000000000000" pitchFamily="34" charset="-128"/>
+              <a:ea typeface="源ノ角ゴシック Code JP H" panose="020B0A00000000000000" pitchFamily="34" charset="-128"/>
+            </a:endParaRPr>
+          </a:p>
+        </p:txBody>
+      </p:sp>
+      <p:sp>
+        <p:nvSpPr>
+          <p:cNvPr id="123" name="テキスト ボックス 122"/>
+          <p:cNvSpPr txBox="1"/>
+          <p:nvPr/>
+        </p:nvSpPr>
+        <p:spPr>
+          <a:xfrm>
+            <a:off x="12084076" y="828654"/>
+            <a:ext cx="1451558" cy="200055"/>
+          </a:xfrm>
+          <a:prstGeom prst="rect">
+            <a:avLst/>
+          </a:prstGeom>
+          <a:noFill/>
+        </p:spPr>
+        <p:txBody>
+          <a:bodyPr wrap="square" rtlCol="0">
+            <a:spAutoFit/>
+          </a:bodyPr>
+          <a:lstStyle/>
+          <a:p>
+            <a:r>
+              <a:rPr lang="en-US" altLang="ja-JP" sz="700" dirty="0" smtClean="0">
+                <a:solidFill>
+                  <a:schemeClr val="bg1"/>
+                </a:solidFill>
+                <a:latin typeface="源ノ角ゴシック Code JP R" panose="020B0500000000000000" pitchFamily="34" charset="-128"/>
+                <a:ea typeface="源ノ角ゴシック Code JP R" panose="020B0500000000000000" pitchFamily="34" charset="-128"/>
+              </a:rPr>
+              <a:t>9V</a:t>
+            </a:r>
+            <a:endParaRPr lang="ja-JP" altLang="en-US" sz="700" dirty="0">
+              <a:solidFill>
+                <a:schemeClr val="bg1"/>
+              </a:solidFill>
+              <a:latin typeface="源ノ角ゴシック Code JP R" panose="020B0500000000000000" pitchFamily="34" charset="-128"/>
+              <a:ea typeface="源ノ角ゴシック Code JP R" panose="020B0500000000000000" pitchFamily="34" charset="-128"/>
+            </a:endParaRPr>
+          </a:p>
+        </p:txBody>
+      </p:sp>
+      <p:pic>
+        <p:nvPicPr>
+          <p:cNvPr id="18" name="図 17"/>
+          <p:cNvPicPr>
+            <a:picLocks noChangeAspect="1"/>
+          </p:cNvPicPr>
+          <p:nvPr/>
+        </p:nvPicPr>
+        <p:blipFill>
+          <a:blip r:embed="rId14" cstate="print">
+            <a:extLst>
+              <a:ext uri="{28A0092B-C50C-407E-A947-70E740481C1C}">
+                <a14:useLocalDpi xmlns:a14="http://schemas.microsoft.com/office/drawing/2010/main" val="0"/>
+              </a:ext>
+            </a:extLst>
+          </a:blip>
+          <a:stretch>
+            <a:fillRect/>
+          </a:stretch>
+        </p:blipFill>
+        <p:spPr>
+          <a:xfrm>
+            <a:off x="11643107" y="882382"/>
+            <a:ext cx="590392" cy="590392"/>
+          </a:xfrm>
+          <a:prstGeom prst="rect">
+            <a:avLst/>
+          </a:prstGeom>
+        </p:spPr>
+      </p:pic>
+      <p:sp>
+        <p:nvSpPr>
+          <p:cNvPr id="124" name="正方形/長方形 123"/>
+          <p:cNvSpPr/>
+          <p:nvPr/>
+        </p:nvSpPr>
+        <p:spPr>
+          <a:xfrm rot="5400000">
+            <a:off x="12541845" y="952445"/>
+            <a:ext cx="126891" cy="419473"/>
+          </a:xfrm>
+          <a:prstGeom prst="rect">
+            <a:avLst/>
+          </a:prstGeom>
+          <a:solidFill>
+            <a:srgbClr val="F06E6E"/>
+          </a:solidFill>
+          <a:ln>
+            <a:solidFill>
+              <a:srgbClr val="F06E6E"/>
+            </a:solidFill>
+          </a:ln>
+        </p:spPr>
+        <p:style>
+          <a:lnRef idx="2">
+            <a:schemeClr val="accent1">
+              <a:shade val="50000"/>
+            </a:schemeClr>
+          </a:lnRef>
+          <a:fillRef idx="1">
+            <a:schemeClr val="accent1"/>
+          </a:fillRef>
+          <a:effectRef idx="0">
+            <a:schemeClr val="accent1"/>
+          </a:effectRef>
+          <a:fontRef idx="minor">
+            <a:schemeClr val="lt1"/>
+          </a:fontRef>
+        </p:style>
+        <p:txBody>
+          <a:bodyPr rot="0" spcFirstLastPara="0" vertOverflow="overflow" horzOverflow="overflow" vert="horz" wrap="square" lIns="101827" tIns="50913" rIns="101827" bIns="50913" numCol="1" spcCol="0" rtlCol="0" fromWordArt="0" anchor="ctr" anchorCtr="0" forceAA="0" compatLnSpc="1">
+            <a:prstTxWarp prst="textNoShape">
+              <a:avLst/>
+            </a:prstTxWarp>
+            <a:noAutofit/>
+          </a:bodyPr>
+          <a:lstStyle/>
+          <a:p>
+            <a:pPr algn="ctr"/>
+            <a:endParaRPr lang="ja-JP" altLang="en-US" sz="3086"/>
+          </a:p>
+        </p:txBody>
+      </p:sp>
+      <p:sp>
+        <p:nvSpPr>
+          <p:cNvPr id="126" name="正方形/長方形 125"/>
+          <p:cNvSpPr/>
+          <p:nvPr/>
+        </p:nvSpPr>
+        <p:spPr>
+          <a:xfrm>
+            <a:off x="12689365" y="1101715"/>
+            <a:ext cx="126891" cy="444421"/>
+          </a:xfrm>
+          <a:prstGeom prst="rect">
+            <a:avLst/>
+          </a:prstGeom>
+          <a:solidFill>
+            <a:srgbClr val="F06E6E"/>
+          </a:solidFill>
+          <a:ln>
+            <a:solidFill>
+              <a:srgbClr val="F06E6E"/>
+            </a:solidFill>
+          </a:ln>
+        </p:spPr>
+        <p:style>
+          <a:lnRef idx="2">
+            <a:schemeClr val="accent1">
+              <a:shade val="50000"/>
+            </a:schemeClr>
+          </a:lnRef>
+          <a:fillRef idx="1">
+            <a:schemeClr val="accent1"/>
+          </a:fillRef>
+          <a:effectRef idx="0">
+            <a:schemeClr val="accent1"/>
+          </a:effectRef>
+          <a:fontRef idx="minor">
+            <a:schemeClr val="lt1"/>
+          </a:fontRef>
+        </p:style>
+        <p:txBody>
+          <a:bodyPr rot="0" spcFirstLastPara="0" vertOverflow="overflow" horzOverflow="overflow" vert="horz" wrap="square" lIns="101827" tIns="50913" rIns="101827" bIns="50913" numCol="1" spcCol="0" rtlCol="0" fromWordArt="0" anchor="ctr" anchorCtr="0" forceAA="0" compatLnSpc="1">
+            <a:prstTxWarp prst="textNoShape">
+              <a:avLst/>
+            </a:prstTxWarp>
+            <a:noAutofit/>
+          </a:bodyPr>
+          <a:lstStyle/>
+          <a:p>
+            <a:pPr algn="ctr"/>
+            <a:endParaRPr lang="ja-JP" altLang="en-US" sz="3086"/>
+          </a:p>
+        </p:txBody>
+      </p:sp>
+      <p:sp>
+        <p:nvSpPr>
+          <p:cNvPr id="127" name="テキスト ボックス 126"/>
+          <p:cNvSpPr txBox="1"/>
+          <p:nvPr/>
+        </p:nvSpPr>
+        <p:spPr>
+          <a:xfrm>
+            <a:off x="12424633" y="1069434"/>
+            <a:ext cx="429524" cy="195118"/>
+          </a:xfrm>
+          <a:prstGeom prst="rect">
+            <a:avLst/>
+          </a:prstGeom>
+          <a:noFill/>
+        </p:spPr>
+        <p:txBody>
+          <a:bodyPr wrap="square" rtlCol="0">
+            <a:spAutoFit/>
+          </a:bodyPr>
+          <a:lstStyle/>
+          <a:p>
+            <a:r>
+              <a:rPr lang="en-US" altLang="ja-JP" sz="668" dirty="0">
+                <a:solidFill>
+                  <a:schemeClr val="bg1"/>
+                </a:solidFill>
+              </a:rPr>
+              <a:t>Power</a:t>
+            </a:r>
+            <a:endParaRPr lang="ja-JP" altLang="en-US" sz="668" dirty="0">
+              <a:solidFill>
+                <a:schemeClr val="bg1"/>
+              </a:solidFill>
+            </a:endParaRPr>
+          </a:p>
+        </p:txBody>
+      </p:sp>
+      <p:sp>
+        <p:nvSpPr>
+          <p:cNvPr id="128" name="角丸四角形 127"/>
+          <p:cNvSpPr/>
+          <p:nvPr/>
+        </p:nvSpPr>
+        <p:spPr>
+          <a:xfrm>
+            <a:off x="10928334" y="1548815"/>
+            <a:ext cx="2134125" cy="604411"/>
+          </a:xfrm>
+          <a:prstGeom prst="roundRect">
+            <a:avLst>
+              <a:gd name="adj" fmla="val 5861"/>
+            </a:avLst>
+          </a:prstGeom>
+          <a:solidFill>
+            <a:schemeClr val="tx1">
+              <a:lumMod val="65000"/>
+              <a:lumOff val="35000"/>
+            </a:schemeClr>
+          </a:solidFill>
+          <a:ln>
+            <a:solidFill>
+              <a:schemeClr val="tx1">
+                <a:lumMod val="65000"/>
+                <a:lumOff val="35000"/>
+              </a:schemeClr>
+            </a:solidFill>
+          </a:ln>
+        </p:spPr>
+        <p:style>
+          <a:lnRef idx="2">
+            <a:schemeClr val="accent1">
+              <a:shade val="50000"/>
+            </a:schemeClr>
+          </a:lnRef>
+          <a:fillRef idx="1">
+            <a:schemeClr val="accent1"/>
+          </a:fillRef>
+          <a:effectRef idx="0">
+            <a:schemeClr val="accent1"/>
+          </a:effectRef>
+          <a:fontRef idx="minor">
+            <a:schemeClr val="lt1"/>
+          </a:fontRef>
+        </p:style>
+        <p:txBody>
+          <a:bodyPr rot="0" spcFirstLastPara="0" vertOverflow="overflow" horzOverflow="overflow" vert="horz" wrap="square" lIns="101827" tIns="50913" rIns="101827" bIns="50913" numCol="1" spcCol="0" rtlCol="0" fromWordArt="0" anchor="ctr" anchorCtr="0" forceAA="0" compatLnSpc="1">
+            <a:prstTxWarp prst="textNoShape">
+              <a:avLst/>
+            </a:prstTxWarp>
+            <a:noAutofit/>
+          </a:bodyPr>
+          <a:lstStyle/>
+          <a:p>
+            <a:endParaRPr lang="en-US" altLang="ja-JP" sz="1225" dirty="0">
+              <a:solidFill>
+                <a:schemeClr val="tx1">
+                  <a:lumMod val="85000"/>
+                  <a:lumOff val="15000"/>
+                </a:schemeClr>
+              </a:solidFill>
+              <a:latin typeface="源ノ角ゴシック Light" panose="020B0300000000000000" pitchFamily="34" charset="-128"/>
+              <a:ea typeface="源ノ角ゴシック Light" panose="020B0300000000000000" pitchFamily="34" charset="-128"/>
+            </a:endParaRPr>
+          </a:p>
+          <a:p>
+            <a:endParaRPr lang="ja-JP" altLang="en-US" sz="1225" dirty="0">
+              <a:solidFill>
+                <a:schemeClr val="tx1">
+                  <a:lumMod val="85000"/>
+                  <a:lumOff val="15000"/>
+                </a:schemeClr>
+              </a:solidFill>
+              <a:latin typeface="源ノ角ゴシック Light" panose="020B0300000000000000" pitchFamily="34" charset="-128"/>
+              <a:ea typeface="源ノ角ゴシック Light" panose="020B0300000000000000" pitchFamily="34" charset="-128"/>
+            </a:endParaRPr>
+          </a:p>
+        </p:txBody>
+      </p:sp>
+      <p:sp>
+        <p:nvSpPr>
+          <p:cNvPr id="130" name="テキスト ボックス 129"/>
+          <p:cNvSpPr txBox="1"/>
+          <p:nvPr/>
+        </p:nvSpPr>
+        <p:spPr>
+          <a:xfrm>
+            <a:off x="11490822" y="1554491"/>
+            <a:ext cx="1557174" cy="229422"/>
+          </a:xfrm>
+          <a:prstGeom prst="rect">
+            <a:avLst/>
+          </a:prstGeom>
+          <a:noFill/>
+        </p:spPr>
+        <p:txBody>
+          <a:bodyPr wrap="square" rtlCol="0">
+            <a:spAutoFit/>
+          </a:bodyPr>
+          <a:lstStyle/>
+          <a:p>
+            <a:r>
+              <a:rPr lang="en-US" altLang="ja-JP" sz="891" b="1" dirty="0">
+                <a:solidFill>
+                  <a:schemeClr val="bg1"/>
+                </a:solidFill>
+                <a:latin typeface="源ノ角ゴシック Code JP M" panose="020B0600000000000000" pitchFamily="34" charset="-128"/>
+                <a:ea typeface="源ノ角ゴシック Code JP M" panose="020B0600000000000000" pitchFamily="34" charset="-128"/>
+              </a:rPr>
+              <a:t>Main Board</a:t>
+            </a:r>
+            <a:endParaRPr lang="ja-JP" altLang="en-US" sz="780" b="1" dirty="0">
+              <a:solidFill>
+                <a:schemeClr val="bg1"/>
+              </a:solidFill>
+              <a:latin typeface="源ノ角ゴシック Code JP M" panose="020B0600000000000000" pitchFamily="34" charset="-128"/>
+              <a:ea typeface="源ノ角ゴシック Code JP M" panose="020B0600000000000000" pitchFamily="34" charset="-128"/>
+            </a:endParaRPr>
+          </a:p>
+        </p:txBody>
+      </p:sp>
+      <p:sp>
+        <p:nvSpPr>
+          <p:cNvPr id="109" name="角丸四角形 108"/>
+          <p:cNvSpPr/>
+          <p:nvPr/>
+        </p:nvSpPr>
+        <p:spPr>
+          <a:xfrm>
+            <a:off x="11315792" y="1761514"/>
+            <a:ext cx="1384142" cy="342595"/>
+          </a:xfrm>
+          <a:prstGeom prst="roundRect">
+            <a:avLst>
+              <a:gd name="adj" fmla="val 5861"/>
+            </a:avLst>
+          </a:prstGeom>
+          <a:solidFill>
+            <a:schemeClr val="bg1">
+              <a:lumMod val="65000"/>
+            </a:schemeClr>
+          </a:solidFill>
+          <a:ln>
+            <a:solidFill>
+              <a:schemeClr val="bg1">
+                <a:lumMod val="65000"/>
+              </a:schemeClr>
+            </a:solidFill>
+          </a:ln>
+        </p:spPr>
+        <p:style>
+          <a:lnRef idx="2">
+            <a:schemeClr val="accent1">
+              <a:shade val="50000"/>
+            </a:schemeClr>
+          </a:lnRef>
+          <a:fillRef idx="1">
+            <a:schemeClr val="accent1"/>
+          </a:fillRef>
+          <a:effectRef idx="0">
+            <a:schemeClr val="accent1"/>
+          </a:effectRef>
+          <a:fontRef idx="minor">
+            <a:schemeClr val="lt1"/>
+          </a:fontRef>
+        </p:style>
+        <p:txBody>
+          <a:bodyPr rot="0" spcFirstLastPara="0" vertOverflow="overflow" horzOverflow="overflow" vert="horz" wrap="square" lIns="101827" tIns="50913" rIns="101827" bIns="50913" numCol="1" spcCol="0" rtlCol="0" fromWordArt="0" anchor="ctr" anchorCtr="0" forceAA="0" compatLnSpc="1">
+            <a:prstTxWarp prst="textNoShape">
+              <a:avLst/>
+            </a:prstTxWarp>
+            <a:noAutofit/>
+          </a:bodyPr>
+          <a:lstStyle/>
+          <a:p>
+            <a:endParaRPr lang="en-US" altLang="ja-JP" sz="1225" dirty="0">
+              <a:solidFill>
+                <a:schemeClr val="tx1">
+                  <a:lumMod val="85000"/>
+                  <a:lumOff val="15000"/>
+                </a:schemeClr>
+              </a:solidFill>
+              <a:latin typeface="源ノ角ゴシック Light" panose="020B0300000000000000" pitchFamily="34" charset="-128"/>
+              <a:ea typeface="源ノ角ゴシック Light" panose="020B0300000000000000" pitchFamily="34" charset="-128"/>
+            </a:endParaRPr>
+          </a:p>
+          <a:p>
+            <a:endParaRPr lang="ja-JP" altLang="en-US" sz="1225" dirty="0">
+              <a:solidFill>
+                <a:schemeClr val="tx1">
+                  <a:lumMod val="85000"/>
+                  <a:lumOff val="15000"/>
+                </a:schemeClr>
+              </a:solidFill>
+              <a:latin typeface="源ノ角ゴシック Light" panose="020B0300000000000000" pitchFamily="34" charset="-128"/>
+              <a:ea typeface="源ノ角ゴシック Light" panose="020B0300000000000000" pitchFamily="34" charset="-128"/>
+            </a:endParaRPr>
+          </a:p>
+        </p:txBody>
+      </p:sp>
+      <p:pic>
+        <p:nvPicPr>
+          <p:cNvPr id="133" name="図 132"/>
+          <p:cNvPicPr>
+            <a:picLocks noChangeAspect="1"/>
+          </p:cNvPicPr>
+          <p:nvPr/>
+        </p:nvPicPr>
+        <p:blipFill>
+          <a:blip r:embed="rId5" cstate="print">
+            <a:extLst>
+              <a:ext uri="{28A0092B-C50C-407E-A947-70E740481C1C}">
+                <a14:useLocalDpi xmlns:a14="http://schemas.microsoft.com/office/drawing/2010/main" val="0"/>
+              </a:ext>
+            </a:extLst>
+          </a:blip>
+          <a:stretch>
+            <a:fillRect/>
+          </a:stretch>
+        </p:blipFill>
+        <p:spPr>
+          <a:xfrm>
+            <a:off x="11519639" y="1888541"/>
+            <a:ext cx="1030830" cy="193280"/>
+          </a:xfrm>
+          <a:prstGeom prst="rect">
+            <a:avLst/>
+          </a:prstGeom>
+        </p:spPr>
+      </p:pic>
+      <p:sp>
+        <p:nvSpPr>
+          <p:cNvPr id="134" name="テキスト ボックス 133"/>
+          <p:cNvSpPr txBox="1"/>
+          <p:nvPr/>
+        </p:nvSpPr>
+        <p:spPr>
+          <a:xfrm>
+            <a:off x="11669364" y="1736632"/>
+            <a:ext cx="730550" cy="195118"/>
+          </a:xfrm>
+          <a:prstGeom prst="rect">
+            <a:avLst/>
+          </a:prstGeom>
+          <a:noFill/>
+        </p:spPr>
+        <p:txBody>
+          <a:bodyPr wrap="square" rtlCol="0">
+            <a:spAutoFit/>
+          </a:bodyPr>
+          <a:lstStyle/>
+          <a:p>
+            <a:r>
+              <a:rPr lang="en-US" altLang="ja-JP" sz="668" dirty="0">
+                <a:solidFill>
+                  <a:schemeClr val="bg1"/>
+                </a:solidFill>
+                <a:latin typeface="源ノ角ゴシック Code JP M" panose="020B0600000000000000" pitchFamily="34" charset="-128"/>
+                <a:ea typeface="源ノ角ゴシック Code JP M" panose="020B0600000000000000" pitchFamily="34" charset="-128"/>
+              </a:rPr>
+              <a:t>Processer</a:t>
+            </a:r>
+            <a:endParaRPr lang="ja-JP" altLang="en-US" sz="557" dirty="0">
+              <a:solidFill>
+                <a:schemeClr val="bg1"/>
+              </a:solidFill>
+              <a:latin typeface="源ノ角ゴシック Code JP M" panose="020B0600000000000000" pitchFamily="34" charset="-128"/>
+              <a:ea typeface="源ノ角ゴシック Code JP M" panose="020B0600000000000000" pitchFamily="34" charset="-128"/>
+            </a:endParaRPr>
+          </a:p>
+        </p:txBody>
+      </p:sp>
+      <p:sp>
+        <p:nvSpPr>
+          <p:cNvPr id="142" name="角丸四角形 141"/>
+          <p:cNvSpPr/>
+          <p:nvPr/>
+        </p:nvSpPr>
+        <p:spPr>
+          <a:xfrm>
+            <a:off x="11677128" y="2198521"/>
+            <a:ext cx="1383043" cy="604411"/>
+          </a:xfrm>
+          <a:prstGeom prst="roundRect">
+            <a:avLst>
+              <a:gd name="adj" fmla="val 5861"/>
+            </a:avLst>
+          </a:prstGeom>
+          <a:solidFill>
+            <a:schemeClr val="tx1">
+              <a:lumMod val="65000"/>
+              <a:lumOff val="35000"/>
+            </a:schemeClr>
+          </a:solidFill>
+          <a:ln>
+            <a:solidFill>
+              <a:schemeClr val="tx1">
+                <a:lumMod val="65000"/>
+                <a:lumOff val="35000"/>
+              </a:schemeClr>
+            </a:solidFill>
+          </a:ln>
+        </p:spPr>
+        <p:style>
+          <a:lnRef idx="2">
+            <a:schemeClr val="accent1">
+              <a:shade val="50000"/>
+            </a:schemeClr>
+          </a:lnRef>
+          <a:fillRef idx="1">
+            <a:schemeClr val="accent1"/>
+          </a:fillRef>
+          <a:effectRef idx="0">
+            <a:schemeClr val="accent1"/>
+          </a:effectRef>
+          <a:fontRef idx="minor">
+            <a:schemeClr val="lt1"/>
+          </a:fontRef>
+        </p:style>
+        <p:txBody>
+          <a:bodyPr rot="0" spcFirstLastPara="0" vertOverflow="overflow" horzOverflow="overflow" vert="horz" wrap="square" lIns="101827" tIns="50913" rIns="101827" bIns="50913" numCol="1" spcCol="0" rtlCol="0" fromWordArt="0" anchor="ctr" anchorCtr="0" forceAA="0" compatLnSpc="1">
+            <a:prstTxWarp prst="textNoShape">
+              <a:avLst/>
+            </a:prstTxWarp>
+            <a:noAutofit/>
+          </a:bodyPr>
+          <a:lstStyle/>
+          <a:p>
+            <a:endParaRPr lang="en-US" altLang="ja-JP" sz="1225" dirty="0">
+              <a:solidFill>
+                <a:schemeClr val="tx1">
+                  <a:lumMod val="85000"/>
+                  <a:lumOff val="15000"/>
+                </a:schemeClr>
+              </a:solidFill>
+              <a:latin typeface="源ノ角ゴシック Light" panose="020B0300000000000000" pitchFamily="34" charset="-128"/>
+              <a:ea typeface="源ノ角ゴシック Light" panose="020B0300000000000000" pitchFamily="34" charset="-128"/>
+            </a:endParaRPr>
+          </a:p>
+          <a:p>
+            <a:endParaRPr lang="ja-JP" altLang="en-US" sz="1225" dirty="0">
+              <a:solidFill>
+                <a:schemeClr val="tx1">
+                  <a:lumMod val="85000"/>
+                  <a:lumOff val="15000"/>
+                </a:schemeClr>
+              </a:solidFill>
+              <a:latin typeface="源ノ角ゴシック Light" panose="020B0300000000000000" pitchFamily="34" charset="-128"/>
+              <a:ea typeface="源ノ角ゴシック Light" panose="020B0300000000000000" pitchFamily="34" charset="-128"/>
+            </a:endParaRPr>
+          </a:p>
+        </p:txBody>
+      </p:sp>
+      <p:sp>
+        <p:nvSpPr>
+          <p:cNvPr id="143" name="テキスト ボックス 142"/>
+          <p:cNvSpPr txBox="1"/>
+          <p:nvPr/>
+        </p:nvSpPr>
+        <p:spPr>
+          <a:xfrm>
+            <a:off x="12067406" y="2192505"/>
+            <a:ext cx="571989" cy="229422"/>
+          </a:xfrm>
+          <a:prstGeom prst="rect">
+            <a:avLst/>
+          </a:prstGeom>
+          <a:noFill/>
+        </p:spPr>
+        <p:txBody>
+          <a:bodyPr wrap="square" rtlCol="0">
+            <a:spAutoFit/>
+          </a:bodyPr>
+          <a:lstStyle/>
+          <a:p>
+            <a:r>
+              <a:rPr lang="en-US" altLang="ja-JP" sz="891" b="1" dirty="0" smtClean="0">
+                <a:solidFill>
+                  <a:schemeClr val="bg1"/>
+                </a:solidFill>
+                <a:latin typeface="源ノ角ゴシック Code JP M" panose="020B0600000000000000" pitchFamily="34" charset="-128"/>
+                <a:ea typeface="源ノ角ゴシック Code JP M" panose="020B0600000000000000" pitchFamily="34" charset="-128"/>
+              </a:rPr>
+              <a:t>Slave</a:t>
+            </a:r>
+            <a:endParaRPr lang="ja-JP" altLang="en-US" sz="780" b="1" dirty="0">
+              <a:solidFill>
+                <a:schemeClr val="bg1"/>
+              </a:solidFill>
+              <a:latin typeface="源ノ角ゴシック Code JP M" panose="020B0600000000000000" pitchFamily="34" charset="-128"/>
+              <a:ea typeface="源ノ角ゴシック Code JP M" panose="020B0600000000000000" pitchFamily="34" charset="-128"/>
+            </a:endParaRPr>
+          </a:p>
+        </p:txBody>
+      </p:sp>
+      <p:sp>
+        <p:nvSpPr>
+          <p:cNvPr id="152" name="角丸四角形 151"/>
+          <p:cNvSpPr/>
+          <p:nvPr/>
+        </p:nvSpPr>
+        <p:spPr>
+          <a:xfrm>
+            <a:off x="11772966" y="2403596"/>
+            <a:ext cx="1181490" cy="342595"/>
+          </a:xfrm>
+          <a:prstGeom prst="roundRect">
+            <a:avLst>
+              <a:gd name="adj" fmla="val 5861"/>
+            </a:avLst>
+          </a:prstGeom>
+          <a:solidFill>
+            <a:schemeClr val="bg1">
+              <a:lumMod val="65000"/>
+            </a:schemeClr>
+          </a:solidFill>
+          <a:ln>
+            <a:solidFill>
+              <a:schemeClr val="bg1">
+                <a:lumMod val="65000"/>
+              </a:schemeClr>
+            </a:solidFill>
+          </a:ln>
+        </p:spPr>
+        <p:style>
+          <a:lnRef idx="2">
+            <a:schemeClr val="accent1">
+              <a:shade val="50000"/>
+            </a:schemeClr>
+          </a:lnRef>
+          <a:fillRef idx="1">
+            <a:schemeClr val="accent1"/>
+          </a:fillRef>
+          <a:effectRef idx="0">
+            <a:schemeClr val="accent1"/>
+          </a:effectRef>
+          <a:fontRef idx="minor">
+            <a:schemeClr val="lt1"/>
+          </a:fontRef>
+        </p:style>
+        <p:txBody>
+          <a:bodyPr rot="0" spcFirstLastPara="0" vertOverflow="overflow" horzOverflow="overflow" vert="horz" wrap="square" lIns="101827" tIns="50913" rIns="101827" bIns="50913" numCol="1" spcCol="0" rtlCol="0" fromWordArt="0" anchor="ctr" anchorCtr="0" forceAA="0" compatLnSpc="1">
+            <a:prstTxWarp prst="textNoShape">
+              <a:avLst/>
+            </a:prstTxWarp>
+            <a:noAutofit/>
+          </a:bodyPr>
+          <a:lstStyle/>
+          <a:p>
+            <a:endParaRPr lang="en-US" altLang="ja-JP" sz="1225" dirty="0">
+              <a:solidFill>
+                <a:schemeClr val="tx1">
+                  <a:lumMod val="85000"/>
+                  <a:lumOff val="15000"/>
+                </a:schemeClr>
+              </a:solidFill>
+              <a:latin typeface="源ノ角ゴシック Light" panose="020B0300000000000000" pitchFamily="34" charset="-128"/>
+              <a:ea typeface="源ノ角ゴシック Light" panose="020B0300000000000000" pitchFamily="34" charset="-128"/>
+            </a:endParaRPr>
+          </a:p>
+          <a:p>
+            <a:endParaRPr lang="ja-JP" altLang="en-US" sz="1225" dirty="0">
+              <a:solidFill>
+                <a:schemeClr val="tx1">
+                  <a:lumMod val="85000"/>
+                  <a:lumOff val="15000"/>
+                </a:schemeClr>
+              </a:solidFill>
+              <a:latin typeface="源ノ角ゴシック Light" panose="020B0300000000000000" pitchFamily="34" charset="-128"/>
+              <a:ea typeface="源ノ角ゴシック Light" panose="020B0300000000000000" pitchFamily="34" charset="-128"/>
+            </a:endParaRPr>
+          </a:p>
+        </p:txBody>
+      </p:sp>
+      <p:pic>
+        <p:nvPicPr>
+          <p:cNvPr id="155" name="図 154"/>
+          <p:cNvPicPr>
+            <a:picLocks noChangeAspect="1"/>
+          </p:cNvPicPr>
+          <p:nvPr/>
+        </p:nvPicPr>
+        <p:blipFill>
+          <a:blip r:embed="rId5" cstate="print">
+            <a:extLst>
+              <a:ext uri="{28A0092B-C50C-407E-A947-70E740481C1C}">
+                <a14:useLocalDpi xmlns:a14="http://schemas.microsoft.com/office/drawing/2010/main" val="0"/>
+              </a:ext>
+            </a:extLst>
+          </a:blip>
+          <a:stretch>
+            <a:fillRect/>
+          </a:stretch>
+        </p:blipFill>
+        <p:spPr>
+          <a:xfrm>
+            <a:off x="11835487" y="2533107"/>
+            <a:ext cx="1030830" cy="193280"/>
+          </a:xfrm>
+          <a:prstGeom prst="rect">
+            <a:avLst/>
+          </a:prstGeom>
+        </p:spPr>
+      </p:pic>
+      <p:sp>
+        <p:nvSpPr>
+          <p:cNvPr id="163" name="テキスト ボックス 162"/>
+          <p:cNvSpPr txBox="1"/>
+          <p:nvPr/>
+        </p:nvSpPr>
+        <p:spPr>
+          <a:xfrm>
+            <a:off x="11991021" y="2378807"/>
+            <a:ext cx="730550" cy="195118"/>
+          </a:xfrm>
+          <a:prstGeom prst="rect">
+            <a:avLst/>
+          </a:prstGeom>
+          <a:noFill/>
+        </p:spPr>
+        <p:txBody>
+          <a:bodyPr wrap="square" rtlCol="0">
+            <a:spAutoFit/>
+          </a:bodyPr>
+          <a:lstStyle/>
+          <a:p>
+            <a:r>
+              <a:rPr lang="en-US" altLang="ja-JP" sz="668" dirty="0">
+                <a:solidFill>
+                  <a:schemeClr val="bg1"/>
+                </a:solidFill>
+                <a:latin typeface="源ノ角ゴシック Code JP M" panose="020B0600000000000000" pitchFamily="34" charset="-128"/>
+                <a:ea typeface="源ノ角ゴシック Code JP M" panose="020B0600000000000000" pitchFamily="34" charset="-128"/>
+              </a:rPr>
+              <a:t>Processer</a:t>
+            </a:r>
+            <a:endParaRPr lang="ja-JP" altLang="en-US" sz="557" dirty="0">
+              <a:solidFill>
+                <a:schemeClr val="bg1"/>
+              </a:solidFill>
+              <a:latin typeface="源ノ角ゴシック Code JP M" panose="020B0600000000000000" pitchFamily="34" charset="-128"/>
+              <a:ea typeface="源ノ角ゴシック Code JP M" panose="020B0600000000000000" pitchFamily="34" charset="-128"/>
+            </a:endParaRPr>
+          </a:p>
+        </p:txBody>
+      </p:sp>
+      <p:sp>
+        <p:nvSpPr>
+          <p:cNvPr id="167" name="正方形/長方形 166"/>
+          <p:cNvSpPr/>
+          <p:nvPr/>
+        </p:nvSpPr>
+        <p:spPr>
+          <a:xfrm>
+            <a:off x="11362589" y="2164955"/>
+            <a:ext cx="87688" cy="397465"/>
+          </a:xfrm>
+          <a:prstGeom prst="rect">
+            <a:avLst/>
+          </a:prstGeom>
+          <a:solidFill>
+            <a:schemeClr val="accent4">
+              <a:lumMod val="60000"/>
+              <a:lumOff val="40000"/>
+            </a:schemeClr>
+          </a:solidFill>
+          <a:ln>
+            <a:solidFill>
+              <a:schemeClr val="accent4">
+                <a:lumMod val="60000"/>
+                <a:lumOff val="40000"/>
+              </a:schemeClr>
+            </a:solidFill>
+          </a:ln>
+        </p:spPr>
+        <p:style>
+          <a:lnRef idx="2">
+            <a:schemeClr val="accent1">
+              <a:shade val="50000"/>
+            </a:schemeClr>
+          </a:lnRef>
+          <a:fillRef idx="1">
+            <a:schemeClr val="accent1"/>
+          </a:fillRef>
+          <a:effectRef idx="0">
+            <a:schemeClr val="accent1"/>
+          </a:effectRef>
+          <a:fontRef idx="minor">
+            <a:schemeClr val="lt1"/>
+          </a:fontRef>
+        </p:style>
+        <p:txBody>
+          <a:bodyPr rot="0" spcFirstLastPara="0" vertOverflow="overflow" horzOverflow="overflow" vert="horz" wrap="square" lIns="101827" tIns="50913" rIns="101827" bIns="50913" numCol="1" spcCol="0" rtlCol="0" fromWordArt="0" anchor="ctr" anchorCtr="0" forceAA="0" compatLnSpc="1">
+            <a:prstTxWarp prst="textNoShape">
+              <a:avLst/>
+            </a:prstTxWarp>
+            <a:noAutofit/>
+          </a:bodyPr>
+          <a:lstStyle/>
+          <a:p>
+            <a:pPr algn="ctr"/>
+            <a:endParaRPr lang="ja-JP" altLang="en-US" sz="3086"/>
+          </a:p>
+        </p:txBody>
+      </p:sp>
+      <p:sp>
+        <p:nvSpPr>
+          <p:cNvPr id="170" name="正方形/長方形 169"/>
+          <p:cNvSpPr/>
+          <p:nvPr/>
+        </p:nvSpPr>
+        <p:spPr>
+          <a:xfrm rot="16200000">
+            <a:off x="11468637" y="2368684"/>
+            <a:ext cx="87688" cy="299783"/>
+          </a:xfrm>
+          <a:prstGeom prst="rect">
+            <a:avLst/>
+          </a:prstGeom>
+          <a:solidFill>
+            <a:schemeClr val="accent4">
+              <a:lumMod val="60000"/>
+              <a:lumOff val="40000"/>
+            </a:schemeClr>
+          </a:solidFill>
+          <a:ln>
+            <a:solidFill>
+              <a:schemeClr val="accent4">
+                <a:lumMod val="60000"/>
+                <a:lumOff val="40000"/>
+              </a:schemeClr>
+            </a:solidFill>
+          </a:ln>
+        </p:spPr>
+        <p:style>
+          <a:lnRef idx="2">
+            <a:schemeClr val="accent1">
+              <a:shade val="50000"/>
+            </a:schemeClr>
+          </a:lnRef>
+          <a:fillRef idx="1">
+            <a:schemeClr val="accent1"/>
+          </a:fillRef>
+          <a:effectRef idx="0">
+            <a:schemeClr val="accent1"/>
+          </a:effectRef>
+          <a:fontRef idx="minor">
+            <a:schemeClr val="lt1"/>
+          </a:fontRef>
+        </p:style>
+        <p:txBody>
+          <a:bodyPr rot="0" spcFirstLastPara="0" vertOverflow="overflow" horzOverflow="overflow" vert="horz" wrap="square" lIns="101827" tIns="50913" rIns="101827" bIns="50913" numCol="1" spcCol="0" rtlCol="0" fromWordArt="0" anchor="ctr" anchorCtr="0" forceAA="0" compatLnSpc="1">
+            <a:prstTxWarp prst="textNoShape">
+              <a:avLst/>
+            </a:prstTxWarp>
+            <a:noAutofit/>
+          </a:bodyPr>
+          <a:lstStyle/>
+          <a:p>
+            <a:pPr algn="ctr"/>
+            <a:endParaRPr lang="ja-JP" altLang="en-US" sz="3086"/>
+          </a:p>
+        </p:txBody>
+      </p:sp>
+      <p:sp>
+        <p:nvSpPr>
+          <p:cNvPr id="175" name="角丸四角形 174"/>
+          <p:cNvSpPr/>
+          <p:nvPr/>
+        </p:nvSpPr>
+        <p:spPr>
+          <a:xfrm>
+            <a:off x="13561440" y="919840"/>
+            <a:ext cx="1266161" cy="625516"/>
+          </a:xfrm>
+          <a:prstGeom prst="roundRect">
+            <a:avLst>
+              <a:gd name="adj" fmla="val 5861"/>
+            </a:avLst>
+          </a:prstGeom>
+          <a:solidFill>
+            <a:schemeClr val="bg1">
+              <a:lumMod val="65000"/>
+            </a:schemeClr>
+          </a:solidFill>
+          <a:ln>
+            <a:solidFill>
+              <a:schemeClr val="bg1">
+                <a:lumMod val="65000"/>
+              </a:schemeClr>
+            </a:solidFill>
+          </a:ln>
+        </p:spPr>
+        <p:style>
+          <a:lnRef idx="2">
+            <a:schemeClr val="accent1">
+              <a:shade val="50000"/>
+            </a:schemeClr>
+          </a:lnRef>
+          <a:fillRef idx="1">
+            <a:schemeClr val="accent1"/>
+          </a:fillRef>
+          <a:effectRef idx="0">
+            <a:schemeClr val="accent1"/>
+          </a:effectRef>
+          <a:fontRef idx="minor">
+            <a:schemeClr val="lt1"/>
+          </a:fontRef>
+        </p:style>
+        <p:txBody>
+          <a:bodyPr rot="0" spcFirstLastPara="0" vertOverflow="overflow" horzOverflow="overflow" vert="horz" wrap="square" lIns="101827" tIns="50913" rIns="101827" bIns="50913" numCol="1" spcCol="0" rtlCol="0" fromWordArt="0" anchor="ctr" anchorCtr="0" forceAA="0" compatLnSpc="1">
+            <a:prstTxWarp prst="textNoShape">
+              <a:avLst/>
+            </a:prstTxWarp>
+            <a:noAutofit/>
+          </a:bodyPr>
+          <a:lstStyle/>
+          <a:p>
+            <a:endParaRPr lang="en-US" altLang="ja-JP" sz="1225" dirty="0">
+              <a:solidFill>
+                <a:schemeClr val="tx1">
+                  <a:lumMod val="85000"/>
+                  <a:lumOff val="15000"/>
+                </a:schemeClr>
+              </a:solidFill>
+              <a:latin typeface="源ノ角ゴシック Light" panose="020B0300000000000000" pitchFamily="34" charset="-128"/>
+              <a:ea typeface="源ノ角ゴシック Light" panose="020B0300000000000000" pitchFamily="34" charset="-128"/>
+            </a:endParaRPr>
+          </a:p>
+          <a:p>
+            <a:endParaRPr lang="ja-JP" altLang="en-US" sz="1225" dirty="0">
+              <a:solidFill>
+                <a:schemeClr val="tx1">
+                  <a:lumMod val="85000"/>
+                  <a:lumOff val="15000"/>
+                </a:schemeClr>
+              </a:solidFill>
+              <a:latin typeface="源ノ角ゴシック Light" panose="020B0300000000000000" pitchFamily="34" charset="-128"/>
+              <a:ea typeface="源ノ角ゴシック Light" panose="020B0300000000000000" pitchFamily="34" charset="-128"/>
+            </a:endParaRPr>
+          </a:p>
+        </p:txBody>
+      </p:sp>
+      <p:sp>
+        <p:nvSpPr>
+          <p:cNvPr id="178" name="角丸四角形 177"/>
+          <p:cNvSpPr/>
+          <p:nvPr/>
+        </p:nvSpPr>
+        <p:spPr>
+          <a:xfrm>
+            <a:off x="13561440" y="1627339"/>
+            <a:ext cx="1266161" cy="625516"/>
+          </a:xfrm>
+          <a:prstGeom prst="roundRect">
+            <a:avLst>
+              <a:gd name="adj" fmla="val 5861"/>
+            </a:avLst>
+          </a:prstGeom>
+          <a:solidFill>
+            <a:schemeClr val="bg1">
+              <a:lumMod val="65000"/>
+            </a:schemeClr>
+          </a:solidFill>
+          <a:ln>
+            <a:solidFill>
+              <a:schemeClr val="bg1">
+                <a:lumMod val="65000"/>
+              </a:schemeClr>
+            </a:solidFill>
+          </a:ln>
+        </p:spPr>
+        <p:style>
+          <a:lnRef idx="2">
+            <a:schemeClr val="accent1">
+              <a:shade val="50000"/>
+            </a:schemeClr>
+          </a:lnRef>
+          <a:fillRef idx="1">
+            <a:schemeClr val="accent1"/>
+          </a:fillRef>
+          <a:effectRef idx="0">
+            <a:schemeClr val="accent1"/>
+          </a:effectRef>
+          <a:fontRef idx="minor">
+            <a:schemeClr val="lt1"/>
+          </a:fontRef>
+        </p:style>
+        <p:txBody>
+          <a:bodyPr rot="0" spcFirstLastPara="0" vertOverflow="overflow" horzOverflow="overflow" vert="horz" wrap="square" lIns="101827" tIns="50913" rIns="101827" bIns="50913" numCol="1" spcCol="0" rtlCol="0" fromWordArt="0" anchor="ctr" anchorCtr="0" forceAA="0" compatLnSpc="1">
+            <a:prstTxWarp prst="textNoShape">
+              <a:avLst/>
+            </a:prstTxWarp>
+            <a:noAutofit/>
+          </a:bodyPr>
+          <a:lstStyle/>
+          <a:p>
+            <a:endParaRPr lang="en-US" altLang="ja-JP" sz="1225" dirty="0">
+              <a:solidFill>
+                <a:schemeClr val="tx1">
+                  <a:lumMod val="85000"/>
+                  <a:lumOff val="15000"/>
+                </a:schemeClr>
+              </a:solidFill>
+              <a:latin typeface="源ノ角ゴシック Light" panose="020B0300000000000000" pitchFamily="34" charset="-128"/>
+              <a:ea typeface="源ノ角ゴシック Light" panose="020B0300000000000000" pitchFamily="34" charset="-128"/>
+            </a:endParaRPr>
+          </a:p>
+          <a:p>
+            <a:endParaRPr lang="ja-JP" altLang="en-US" sz="1225" dirty="0">
+              <a:solidFill>
+                <a:schemeClr val="tx1">
+                  <a:lumMod val="85000"/>
+                  <a:lumOff val="15000"/>
+                </a:schemeClr>
+              </a:solidFill>
+              <a:latin typeface="源ノ角ゴシック Light" panose="020B0300000000000000" pitchFamily="34" charset="-128"/>
+              <a:ea typeface="源ノ角ゴシック Light" panose="020B0300000000000000" pitchFamily="34" charset="-128"/>
+            </a:endParaRPr>
+          </a:p>
+        </p:txBody>
+      </p:sp>
+      <p:sp>
+        <p:nvSpPr>
+          <p:cNvPr id="179" name="角丸四角形 178"/>
+          <p:cNvSpPr/>
+          <p:nvPr/>
+        </p:nvSpPr>
+        <p:spPr>
+          <a:xfrm>
+            <a:off x="13562811" y="2328489"/>
+            <a:ext cx="1266161" cy="625516"/>
+          </a:xfrm>
+          <a:prstGeom prst="roundRect">
+            <a:avLst>
+              <a:gd name="adj" fmla="val 5861"/>
+            </a:avLst>
+          </a:prstGeom>
+          <a:solidFill>
+            <a:schemeClr val="bg1">
+              <a:lumMod val="65000"/>
+            </a:schemeClr>
+          </a:solidFill>
+          <a:ln>
+            <a:solidFill>
+              <a:schemeClr val="bg1">
+                <a:lumMod val="65000"/>
+              </a:schemeClr>
+            </a:solidFill>
+          </a:ln>
+        </p:spPr>
+        <p:style>
+          <a:lnRef idx="2">
+            <a:schemeClr val="accent1">
+              <a:shade val="50000"/>
+            </a:schemeClr>
+          </a:lnRef>
+          <a:fillRef idx="1">
+            <a:schemeClr val="accent1"/>
+          </a:fillRef>
+          <a:effectRef idx="0">
+            <a:schemeClr val="accent1"/>
+          </a:effectRef>
+          <a:fontRef idx="minor">
+            <a:schemeClr val="lt1"/>
+          </a:fontRef>
+        </p:style>
+        <p:txBody>
+          <a:bodyPr rot="0" spcFirstLastPara="0" vertOverflow="overflow" horzOverflow="overflow" vert="horz" wrap="square" lIns="101827" tIns="50913" rIns="101827" bIns="50913" numCol="1" spcCol="0" rtlCol="0" fromWordArt="0" anchor="ctr" anchorCtr="0" forceAA="0" compatLnSpc="1">
+            <a:prstTxWarp prst="textNoShape">
+              <a:avLst/>
+            </a:prstTxWarp>
+            <a:noAutofit/>
+          </a:bodyPr>
+          <a:lstStyle/>
+          <a:p>
+            <a:endParaRPr lang="en-US" altLang="ja-JP" sz="1225" dirty="0">
+              <a:solidFill>
+                <a:schemeClr val="tx1">
+                  <a:lumMod val="85000"/>
+                  <a:lumOff val="15000"/>
+                </a:schemeClr>
+              </a:solidFill>
+              <a:latin typeface="源ノ角ゴシック Light" panose="020B0300000000000000" pitchFamily="34" charset="-128"/>
+              <a:ea typeface="源ノ角ゴシック Light" panose="020B0300000000000000" pitchFamily="34" charset="-128"/>
+            </a:endParaRPr>
+          </a:p>
+          <a:p>
+            <a:endParaRPr lang="ja-JP" altLang="en-US" sz="1225" dirty="0">
+              <a:solidFill>
+                <a:schemeClr val="tx1">
+                  <a:lumMod val="85000"/>
+                  <a:lumOff val="15000"/>
+                </a:schemeClr>
+              </a:solidFill>
+              <a:latin typeface="源ノ角ゴシック Light" panose="020B0300000000000000" pitchFamily="34" charset="-128"/>
+              <a:ea typeface="源ノ角ゴシック Light" panose="020B0300000000000000" pitchFamily="34" charset="-128"/>
+            </a:endParaRPr>
+          </a:p>
+        </p:txBody>
+      </p:sp>
+      <p:sp>
+        <p:nvSpPr>
+          <p:cNvPr id="180" name="角丸四角形 179"/>
+          <p:cNvSpPr/>
+          <p:nvPr/>
+        </p:nvSpPr>
+        <p:spPr>
+          <a:xfrm>
+            <a:off x="13558916" y="3035988"/>
+            <a:ext cx="1266161" cy="625516"/>
+          </a:xfrm>
+          <a:prstGeom prst="roundRect">
+            <a:avLst>
+              <a:gd name="adj" fmla="val 5861"/>
+            </a:avLst>
+          </a:prstGeom>
+          <a:solidFill>
+            <a:schemeClr val="bg1">
+              <a:lumMod val="65000"/>
+            </a:schemeClr>
+          </a:solidFill>
+          <a:ln>
+            <a:solidFill>
+              <a:schemeClr val="bg1">
+                <a:lumMod val="65000"/>
+              </a:schemeClr>
+            </a:solidFill>
+          </a:ln>
+        </p:spPr>
+        <p:style>
+          <a:lnRef idx="2">
+            <a:schemeClr val="accent1">
+              <a:shade val="50000"/>
+            </a:schemeClr>
+          </a:lnRef>
+          <a:fillRef idx="1">
+            <a:schemeClr val="accent1"/>
+          </a:fillRef>
+          <a:effectRef idx="0">
+            <a:schemeClr val="accent1"/>
+          </a:effectRef>
+          <a:fontRef idx="minor">
+            <a:schemeClr val="lt1"/>
+          </a:fontRef>
+        </p:style>
+        <p:txBody>
+          <a:bodyPr rot="0" spcFirstLastPara="0" vertOverflow="overflow" horzOverflow="overflow" vert="horz" wrap="square" lIns="101827" tIns="50913" rIns="101827" bIns="50913" numCol="1" spcCol="0" rtlCol="0" fromWordArt="0" anchor="ctr" anchorCtr="0" forceAA="0" compatLnSpc="1">
+            <a:prstTxWarp prst="textNoShape">
+              <a:avLst/>
+            </a:prstTxWarp>
+            <a:noAutofit/>
+          </a:bodyPr>
+          <a:lstStyle/>
+          <a:p>
+            <a:endParaRPr lang="en-US" altLang="ja-JP" sz="1225" dirty="0">
+              <a:solidFill>
+                <a:schemeClr val="tx1">
+                  <a:lumMod val="85000"/>
+                  <a:lumOff val="15000"/>
+                </a:schemeClr>
+              </a:solidFill>
+              <a:latin typeface="源ノ角ゴシック Light" panose="020B0300000000000000" pitchFamily="34" charset="-128"/>
+              <a:ea typeface="源ノ角ゴシック Light" panose="020B0300000000000000" pitchFamily="34" charset="-128"/>
+            </a:endParaRPr>
+          </a:p>
+          <a:p>
+            <a:endParaRPr lang="ja-JP" altLang="en-US" sz="1225" dirty="0">
+              <a:solidFill>
+                <a:schemeClr val="tx1">
+                  <a:lumMod val="85000"/>
+                  <a:lumOff val="15000"/>
+                </a:schemeClr>
+              </a:solidFill>
+              <a:latin typeface="源ノ角ゴシック Light" panose="020B0300000000000000" pitchFamily="34" charset="-128"/>
+              <a:ea typeface="源ノ角ゴシック Light" panose="020B0300000000000000" pitchFamily="34" charset="-128"/>
+            </a:endParaRPr>
+          </a:p>
+        </p:txBody>
+      </p:sp>
+      <p:sp>
+        <p:nvSpPr>
+          <p:cNvPr id="181" name="テキスト ボックス 180"/>
+          <p:cNvSpPr txBox="1"/>
+          <p:nvPr/>
+        </p:nvSpPr>
+        <p:spPr>
+          <a:xfrm>
+            <a:off x="13631480" y="2342051"/>
+            <a:ext cx="1125826" cy="215444"/>
+          </a:xfrm>
+          <a:prstGeom prst="rect">
+            <a:avLst/>
+          </a:prstGeom>
+          <a:noFill/>
+        </p:spPr>
+        <p:txBody>
+          <a:bodyPr wrap="square" rtlCol="0">
+            <a:spAutoFit/>
+          </a:bodyPr>
+          <a:lstStyle/>
+          <a:p>
+            <a:r>
+              <a:rPr lang="en-US" altLang="ja-JP" sz="800" b="1" dirty="0" smtClean="0">
+                <a:solidFill>
+                  <a:schemeClr val="bg1"/>
+                </a:solidFill>
+                <a:latin typeface="源ノ角ゴシック Code JP M" panose="020B0600000000000000" pitchFamily="34" charset="-128"/>
+                <a:ea typeface="源ノ角ゴシック Code JP M" panose="020B0600000000000000" pitchFamily="34" charset="-128"/>
+              </a:rPr>
+              <a:t>IR Sensor x 6</a:t>
+            </a:r>
+            <a:endParaRPr lang="ja-JP" altLang="en-US" sz="700" b="1" dirty="0">
+              <a:solidFill>
+                <a:schemeClr val="bg1"/>
+              </a:solidFill>
+              <a:latin typeface="源ノ角ゴシック Code JP M" panose="020B0600000000000000" pitchFamily="34" charset="-128"/>
+              <a:ea typeface="源ノ角ゴシック Code JP M" panose="020B0600000000000000" pitchFamily="34" charset="-128"/>
+            </a:endParaRPr>
+          </a:p>
+        </p:txBody>
+      </p:sp>
+      <p:sp>
+        <p:nvSpPr>
+          <p:cNvPr id="182" name="正方形/長方形 181"/>
+          <p:cNvSpPr/>
+          <p:nvPr/>
+        </p:nvSpPr>
+        <p:spPr>
+          <a:xfrm rot="5400000">
+            <a:off x="13124968" y="1564633"/>
+            <a:ext cx="87688" cy="191174"/>
+          </a:xfrm>
+          <a:prstGeom prst="rect">
+            <a:avLst/>
+          </a:prstGeom>
+          <a:solidFill>
+            <a:schemeClr val="accent6">
+              <a:lumMod val="60000"/>
+              <a:lumOff val="40000"/>
+            </a:schemeClr>
+          </a:solidFill>
+          <a:ln>
+            <a:solidFill>
+              <a:schemeClr val="accent6">
+                <a:lumMod val="60000"/>
+                <a:lumOff val="40000"/>
+              </a:schemeClr>
+            </a:solidFill>
+          </a:ln>
+        </p:spPr>
+        <p:style>
+          <a:lnRef idx="2">
+            <a:schemeClr val="accent1">
+              <a:shade val="50000"/>
+            </a:schemeClr>
+          </a:lnRef>
+          <a:fillRef idx="1">
+            <a:schemeClr val="accent1"/>
+          </a:fillRef>
+          <a:effectRef idx="0">
+            <a:schemeClr val="accent1"/>
+          </a:effectRef>
+          <a:fontRef idx="minor">
+            <a:schemeClr val="lt1"/>
+          </a:fontRef>
+        </p:style>
+        <p:txBody>
+          <a:bodyPr rot="0" spcFirstLastPara="0" vertOverflow="overflow" horzOverflow="overflow" vert="horz" wrap="square" lIns="101827" tIns="50913" rIns="101827" bIns="50913" numCol="1" spcCol="0" rtlCol="0" fromWordArt="0" anchor="ctr" anchorCtr="0" forceAA="0" compatLnSpc="1">
+            <a:prstTxWarp prst="textNoShape">
+              <a:avLst/>
+            </a:prstTxWarp>
+            <a:noAutofit/>
+          </a:bodyPr>
+          <a:lstStyle/>
+          <a:p>
+            <a:pPr algn="ctr"/>
+            <a:endParaRPr lang="ja-JP" altLang="en-US" sz="3086"/>
+          </a:p>
+        </p:txBody>
+      </p:sp>
+      <p:sp>
+        <p:nvSpPr>
+          <p:cNvPr id="183" name="テキスト ボックス 182"/>
+          <p:cNvSpPr txBox="1"/>
+          <p:nvPr/>
+        </p:nvSpPr>
+        <p:spPr>
+          <a:xfrm>
+            <a:off x="13571063" y="927771"/>
+            <a:ext cx="1236636" cy="215444"/>
+          </a:xfrm>
+          <a:prstGeom prst="rect">
+            <a:avLst/>
+          </a:prstGeom>
+          <a:noFill/>
+        </p:spPr>
+        <p:txBody>
+          <a:bodyPr wrap="square" rtlCol="0">
+            <a:spAutoFit/>
+          </a:bodyPr>
+          <a:lstStyle/>
+          <a:p>
+            <a:r>
+              <a:rPr lang="en-US" altLang="ja-JP" sz="800" b="1" dirty="0" smtClean="0">
+                <a:solidFill>
+                  <a:schemeClr val="bg1"/>
+                </a:solidFill>
+                <a:latin typeface="源ノ角ゴシック Code JP M" panose="020B0600000000000000" pitchFamily="34" charset="-128"/>
+                <a:ea typeface="源ノ角ゴシック Code JP M" panose="020B0600000000000000" pitchFamily="34" charset="-128"/>
+              </a:rPr>
+              <a:t>LINE Sensor x 4</a:t>
+            </a:r>
+            <a:endParaRPr lang="ja-JP" altLang="en-US" sz="700" b="1" dirty="0">
+              <a:solidFill>
+                <a:schemeClr val="bg1"/>
+              </a:solidFill>
+              <a:latin typeface="源ノ角ゴシック Code JP M" panose="020B0600000000000000" pitchFamily="34" charset="-128"/>
+              <a:ea typeface="源ノ角ゴシック Code JP M" panose="020B0600000000000000" pitchFamily="34" charset="-128"/>
+            </a:endParaRPr>
+          </a:p>
+        </p:txBody>
+      </p:sp>
+      <p:sp>
+        <p:nvSpPr>
+          <p:cNvPr id="184" name="正方形/長方形 183"/>
+          <p:cNvSpPr/>
+          <p:nvPr/>
+        </p:nvSpPr>
+        <p:spPr>
+          <a:xfrm rot="5400000">
+            <a:off x="13397590" y="1137814"/>
+            <a:ext cx="87688" cy="214207"/>
+          </a:xfrm>
+          <a:prstGeom prst="rect">
+            <a:avLst/>
+          </a:prstGeom>
+          <a:solidFill>
+            <a:schemeClr val="accent6">
+              <a:lumMod val="60000"/>
+              <a:lumOff val="40000"/>
+            </a:schemeClr>
+          </a:solidFill>
+          <a:ln>
+            <a:solidFill>
+              <a:schemeClr val="accent6">
+                <a:lumMod val="60000"/>
+                <a:lumOff val="40000"/>
+              </a:schemeClr>
+            </a:solidFill>
+          </a:ln>
+        </p:spPr>
+        <p:style>
+          <a:lnRef idx="2">
+            <a:schemeClr val="accent1">
+              <a:shade val="50000"/>
+            </a:schemeClr>
+          </a:lnRef>
+          <a:fillRef idx="1">
+            <a:schemeClr val="accent1"/>
+          </a:fillRef>
+          <a:effectRef idx="0">
+            <a:schemeClr val="accent1"/>
+          </a:effectRef>
+          <a:fontRef idx="minor">
+            <a:schemeClr val="lt1"/>
+          </a:fontRef>
+        </p:style>
+        <p:txBody>
+          <a:bodyPr rot="0" spcFirstLastPara="0" vertOverflow="overflow" horzOverflow="overflow" vert="horz" wrap="square" lIns="101827" tIns="50913" rIns="101827" bIns="50913" numCol="1" spcCol="0" rtlCol="0" fromWordArt="0" anchor="ctr" anchorCtr="0" forceAA="0" compatLnSpc="1">
+            <a:prstTxWarp prst="textNoShape">
+              <a:avLst/>
+            </a:prstTxWarp>
+            <a:noAutofit/>
+          </a:bodyPr>
+          <a:lstStyle/>
+          <a:p>
+            <a:pPr algn="ctr"/>
+            <a:endParaRPr lang="ja-JP" altLang="en-US" sz="3086"/>
+          </a:p>
+        </p:txBody>
+      </p:sp>
+      <p:sp>
+        <p:nvSpPr>
+          <p:cNvPr id="185" name="正方形/長方形 184"/>
+          <p:cNvSpPr/>
+          <p:nvPr/>
+        </p:nvSpPr>
+        <p:spPr>
+          <a:xfrm>
+            <a:off x="13246642" y="1201074"/>
+            <a:ext cx="87688" cy="502990"/>
+          </a:xfrm>
+          <a:prstGeom prst="rect">
+            <a:avLst/>
+          </a:prstGeom>
+          <a:solidFill>
+            <a:schemeClr val="accent6">
+              <a:lumMod val="60000"/>
+              <a:lumOff val="40000"/>
+            </a:schemeClr>
+          </a:solidFill>
+          <a:ln>
+            <a:solidFill>
+              <a:schemeClr val="accent6">
+                <a:lumMod val="60000"/>
+                <a:lumOff val="40000"/>
+              </a:schemeClr>
+            </a:solidFill>
+          </a:ln>
+        </p:spPr>
+        <p:style>
+          <a:lnRef idx="2">
+            <a:schemeClr val="accent1">
+              <a:shade val="50000"/>
+            </a:schemeClr>
+          </a:lnRef>
+          <a:fillRef idx="1">
+            <a:schemeClr val="accent1"/>
+          </a:fillRef>
+          <a:effectRef idx="0">
+            <a:schemeClr val="accent1"/>
+          </a:effectRef>
+          <a:fontRef idx="minor">
+            <a:schemeClr val="lt1"/>
+          </a:fontRef>
+        </p:style>
+        <p:txBody>
+          <a:bodyPr rot="0" spcFirstLastPara="0" vertOverflow="overflow" horzOverflow="overflow" vert="horz" wrap="square" lIns="101827" tIns="50913" rIns="101827" bIns="50913" numCol="1" spcCol="0" rtlCol="0" fromWordArt="0" anchor="ctr" anchorCtr="0" forceAA="0" compatLnSpc="1">
+            <a:prstTxWarp prst="textNoShape">
+              <a:avLst/>
+            </a:prstTxWarp>
+            <a:noAutofit/>
+          </a:bodyPr>
+          <a:lstStyle/>
+          <a:p>
+            <a:pPr algn="ctr"/>
+            <a:endParaRPr lang="ja-JP" altLang="en-US" sz="3086"/>
+          </a:p>
+        </p:txBody>
+      </p:sp>
+      <p:sp>
+        <p:nvSpPr>
+          <p:cNvPr id="188" name="テキスト ボックス 187"/>
+          <p:cNvSpPr txBox="1"/>
+          <p:nvPr/>
+        </p:nvSpPr>
+        <p:spPr>
+          <a:xfrm rot="16200000">
+            <a:off x="13073320" y="1381755"/>
+            <a:ext cx="429524" cy="195118"/>
+          </a:xfrm>
+          <a:prstGeom prst="rect">
+            <a:avLst/>
+          </a:prstGeom>
+          <a:noFill/>
+        </p:spPr>
+        <p:txBody>
+          <a:bodyPr wrap="square" rtlCol="0">
+            <a:spAutoFit/>
+          </a:bodyPr>
+          <a:lstStyle/>
+          <a:p>
+            <a:r>
+              <a:rPr lang="en-US" altLang="ja-JP" sz="668" dirty="0" smtClean="0">
+                <a:solidFill>
+                  <a:schemeClr val="tx1">
+                    <a:lumMod val="65000"/>
+                    <a:lumOff val="35000"/>
+                  </a:schemeClr>
+                </a:solidFill>
+              </a:rPr>
+              <a:t>Analog</a:t>
+            </a:r>
+            <a:endParaRPr lang="ja-JP" altLang="en-US" sz="668" dirty="0">
+              <a:solidFill>
+                <a:schemeClr val="tx1">
+                  <a:lumMod val="65000"/>
+                  <a:lumOff val="35000"/>
+                </a:schemeClr>
+              </a:solidFill>
+            </a:endParaRPr>
+          </a:p>
+        </p:txBody>
+      </p:sp>
+      <p:pic>
+        <p:nvPicPr>
+          <p:cNvPr id="2" name="図 1"/>
+          <p:cNvPicPr>
+            <a:picLocks noChangeAspect="1"/>
+          </p:cNvPicPr>
+          <p:nvPr/>
+        </p:nvPicPr>
+        <p:blipFill>
+          <a:blip r:embed="rId15" cstate="print">
+            <a:extLst>
+              <a:ext uri="{28A0092B-C50C-407E-A947-70E740481C1C}">
+                <a14:useLocalDpi xmlns:a14="http://schemas.microsoft.com/office/drawing/2010/main" val="0"/>
+              </a:ext>
+            </a:extLst>
+          </a:blip>
+          <a:stretch>
+            <a:fillRect/>
+          </a:stretch>
+        </p:blipFill>
+        <p:spPr>
+          <a:xfrm rot="18402144">
+            <a:off x="13729930" y="997287"/>
+            <a:ext cx="536720" cy="536720"/>
+          </a:xfrm>
+          <a:prstGeom prst="rect">
+            <a:avLst/>
+          </a:prstGeom>
+        </p:spPr>
+      </p:pic>
+      <p:sp>
+        <p:nvSpPr>
+          <p:cNvPr id="189" name="正方形/長方形 188"/>
+          <p:cNvSpPr/>
+          <p:nvPr/>
+        </p:nvSpPr>
+        <p:spPr>
+          <a:xfrm rot="5400000">
+            <a:off x="13128007" y="1936934"/>
+            <a:ext cx="87688" cy="191174"/>
+          </a:xfrm>
+          <a:prstGeom prst="rect">
+            <a:avLst/>
+          </a:prstGeom>
+          <a:solidFill>
+            <a:schemeClr val="accent6">
+              <a:lumMod val="60000"/>
+              <a:lumOff val="40000"/>
+            </a:schemeClr>
+          </a:solidFill>
+          <a:ln>
+            <a:solidFill>
+              <a:schemeClr val="accent6">
+                <a:lumMod val="60000"/>
+                <a:lumOff val="40000"/>
+              </a:schemeClr>
+            </a:solidFill>
+          </a:ln>
+        </p:spPr>
+        <p:style>
+          <a:lnRef idx="2">
+            <a:schemeClr val="accent1">
+              <a:shade val="50000"/>
+            </a:schemeClr>
+          </a:lnRef>
+          <a:fillRef idx="1">
+            <a:schemeClr val="accent1"/>
+          </a:fillRef>
+          <a:effectRef idx="0">
+            <a:schemeClr val="accent1"/>
+          </a:effectRef>
+          <a:fontRef idx="minor">
+            <a:schemeClr val="lt1"/>
+          </a:fontRef>
+        </p:style>
+        <p:txBody>
+          <a:bodyPr rot="0" spcFirstLastPara="0" vertOverflow="overflow" horzOverflow="overflow" vert="horz" wrap="square" lIns="101827" tIns="50913" rIns="101827" bIns="50913" numCol="1" spcCol="0" rtlCol="0" fromWordArt="0" anchor="ctr" anchorCtr="0" forceAA="0" compatLnSpc="1">
+            <a:prstTxWarp prst="textNoShape">
+              <a:avLst/>
+            </a:prstTxWarp>
+            <a:noAutofit/>
+          </a:bodyPr>
+          <a:lstStyle/>
+          <a:p>
+            <a:pPr algn="ctr"/>
+            <a:endParaRPr lang="ja-JP" altLang="en-US" sz="3086"/>
+          </a:p>
+        </p:txBody>
+      </p:sp>
+      <p:sp>
+        <p:nvSpPr>
+          <p:cNvPr id="191" name="テキスト ボックス 190"/>
+          <p:cNvSpPr txBox="1"/>
+          <p:nvPr/>
+        </p:nvSpPr>
+        <p:spPr>
+          <a:xfrm>
+            <a:off x="13096079" y="2312736"/>
+            <a:ext cx="429524" cy="195118"/>
+          </a:xfrm>
+          <a:prstGeom prst="rect">
+            <a:avLst/>
+          </a:prstGeom>
+          <a:noFill/>
+        </p:spPr>
+        <p:txBody>
+          <a:bodyPr wrap="square" rtlCol="0">
+            <a:spAutoFit/>
+          </a:bodyPr>
+          <a:lstStyle/>
+          <a:p>
+            <a:r>
+              <a:rPr lang="en-US" altLang="ja-JP" sz="668" dirty="0" smtClean="0">
+                <a:solidFill>
+                  <a:schemeClr val="tx1">
+                    <a:lumMod val="65000"/>
+                    <a:lumOff val="35000"/>
+                  </a:schemeClr>
+                </a:solidFill>
+              </a:rPr>
+              <a:t>Analog</a:t>
+            </a:r>
+            <a:endParaRPr lang="ja-JP" altLang="en-US" sz="668" dirty="0">
+              <a:solidFill>
+                <a:schemeClr val="tx1">
+                  <a:lumMod val="65000"/>
+                  <a:lumOff val="35000"/>
+                </a:schemeClr>
+              </a:solidFill>
+            </a:endParaRPr>
+          </a:p>
+        </p:txBody>
+      </p:sp>
+      <p:sp>
+        <p:nvSpPr>
+          <p:cNvPr id="192" name="正方形/長方形 191"/>
+          <p:cNvSpPr/>
+          <p:nvPr/>
+        </p:nvSpPr>
+        <p:spPr>
+          <a:xfrm>
+            <a:off x="13254968" y="1988874"/>
+            <a:ext cx="87688" cy="376486"/>
+          </a:xfrm>
+          <a:prstGeom prst="rect">
+            <a:avLst/>
+          </a:prstGeom>
+          <a:solidFill>
+            <a:schemeClr val="accent6">
+              <a:lumMod val="60000"/>
+              <a:lumOff val="40000"/>
+            </a:schemeClr>
+          </a:solidFill>
+          <a:ln>
+            <a:solidFill>
+              <a:schemeClr val="accent6">
+                <a:lumMod val="60000"/>
+                <a:lumOff val="40000"/>
+              </a:schemeClr>
+            </a:solidFill>
+          </a:ln>
+        </p:spPr>
+        <p:style>
+          <a:lnRef idx="2">
+            <a:schemeClr val="accent1">
+              <a:shade val="50000"/>
+            </a:schemeClr>
+          </a:lnRef>
+          <a:fillRef idx="1">
+            <a:schemeClr val="accent1"/>
+          </a:fillRef>
+          <a:effectRef idx="0">
+            <a:schemeClr val="accent1"/>
+          </a:effectRef>
+          <a:fontRef idx="minor">
+            <a:schemeClr val="lt1"/>
+          </a:fontRef>
+        </p:style>
+        <p:txBody>
+          <a:bodyPr rot="0" spcFirstLastPara="0" vertOverflow="overflow" horzOverflow="overflow" vert="horz" wrap="square" lIns="101827" tIns="50913" rIns="101827" bIns="50913" numCol="1" spcCol="0" rtlCol="0" fromWordArt="0" anchor="ctr" anchorCtr="0" forceAA="0" compatLnSpc="1">
+            <a:prstTxWarp prst="textNoShape">
+              <a:avLst/>
+            </a:prstTxWarp>
+            <a:noAutofit/>
+          </a:bodyPr>
+          <a:lstStyle/>
+          <a:p>
+            <a:pPr algn="ctr"/>
+            <a:endParaRPr lang="ja-JP" altLang="en-US" sz="3086"/>
+          </a:p>
+        </p:txBody>
+      </p:sp>
+      <p:sp>
+        <p:nvSpPr>
+          <p:cNvPr id="193" name="テキスト ボックス 192"/>
+          <p:cNvSpPr txBox="1"/>
+          <p:nvPr/>
+        </p:nvSpPr>
+        <p:spPr>
+          <a:xfrm>
+            <a:off x="13522059" y="1633824"/>
+            <a:ext cx="1365092" cy="184666"/>
+          </a:xfrm>
+          <a:prstGeom prst="rect">
+            <a:avLst/>
+          </a:prstGeom>
+          <a:noFill/>
+        </p:spPr>
+        <p:txBody>
+          <a:bodyPr wrap="square" rtlCol="0">
+            <a:spAutoFit/>
+          </a:bodyPr>
+          <a:lstStyle/>
+          <a:p>
+            <a:r>
+              <a:rPr lang="en-US" altLang="ja-JP" sz="600" b="1" dirty="0" smtClean="0">
+                <a:solidFill>
+                  <a:schemeClr val="bg1"/>
+                </a:solidFill>
+                <a:latin typeface="源ノ角ゴシック Code JP M" panose="020B0600000000000000" pitchFamily="34" charset="-128"/>
+                <a:ea typeface="源ノ角ゴシック Code JP M" panose="020B0600000000000000" pitchFamily="34" charset="-128"/>
+              </a:rPr>
+              <a:t>Ultra Sonic Sensor x 4</a:t>
+            </a:r>
+            <a:endParaRPr lang="ja-JP" altLang="en-US" sz="500" b="1" dirty="0">
+              <a:solidFill>
+                <a:schemeClr val="bg1"/>
+              </a:solidFill>
+              <a:latin typeface="源ノ角ゴシック Code JP M" panose="020B0600000000000000" pitchFamily="34" charset="-128"/>
+              <a:ea typeface="源ノ角ゴシック Code JP M" panose="020B0600000000000000" pitchFamily="34" charset="-128"/>
+            </a:endParaRPr>
+          </a:p>
+        </p:txBody>
+      </p:sp>
+      <p:pic>
+        <p:nvPicPr>
+          <p:cNvPr id="19" name="図 18"/>
+          <p:cNvPicPr>
+            <a:picLocks noChangeAspect="1"/>
+          </p:cNvPicPr>
+          <p:nvPr/>
+        </p:nvPicPr>
+        <p:blipFill>
+          <a:blip r:embed="rId16" cstate="print">
+            <a:extLst>
+              <a:ext uri="{28A0092B-C50C-407E-A947-70E740481C1C}">
+                <a14:useLocalDpi xmlns:a14="http://schemas.microsoft.com/office/drawing/2010/main" val="0"/>
+              </a:ext>
+            </a:extLst>
+          </a:blip>
+          <a:stretch>
+            <a:fillRect/>
+          </a:stretch>
+        </p:blipFill>
+        <p:spPr>
+          <a:xfrm rot="20363920">
+            <a:off x="13614979" y="1742122"/>
+            <a:ext cx="613714" cy="613714"/>
+          </a:xfrm>
+          <a:prstGeom prst="rect">
+            <a:avLst/>
+          </a:prstGeom>
+        </p:spPr>
+      </p:pic>
+      <p:sp>
+        <p:nvSpPr>
+          <p:cNvPr id="194" name="正方形/長方形 193"/>
+          <p:cNvSpPr/>
+          <p:nvPr/>
+        </p:nvSpPr>
+        <p:spPr>
+          <a:xfrm rot="5400000">
+            <a:off x="13268382" y="1623985"/>
+            <a:ext cx="87688" cy="472623"/>
+          </a:xfrm>
+          <a:prstGeom prst="rect">
+            <a:avLst/>
+          </a:prstGeom>
+          <a:solidFill>
+            <a:schemeClr val="accent6">
+              <a:lumMod val="60000"/>
+              <a:lumOff val="40000"/>
+            </a:schemeClr>
+          </a:solidFill>
+          <a:ln>
+            <a:solidFill>
+              <a:schemeClr val="accent6">
+                <a:lumMod val="60000"/>
+                <a:lumOff val="40000"/>
+              </a:schemeClr>
+            </a:solidFill>
+          </a:ln>
+        </p:spPr>
+        <p:style>
+          <a:lnRef idx="2">
+            <a:schemeClr val="accent1">
+              <a:shade val="50000"/>
+            </a:schemeClr>
+          </a:lnRef>
+          <a:fillRef idx="1">
+            <a:schemeClr val="accent1"/>
+          </a:fillRef>
+          <a:effectRef idx="0">
+            <a:schemeClr val="accent1"/>
+          </a:effectRef>
+          <a:fontRef idx="minor">
+            <a:schemeClr val="lt1"/>
+          </a:fontRef>
+        </p:style>
+        <p:txBody>
+          <a:bodyPr rot="0" spcFirstLastPara="0" vertOverflow="overflow" horzOverflow="overflow" vert="horz" wrap="square" lIns="101827" tIns="50913" rIns="101827" bIns="50913" numCol="1" spcCol="0" rtlCol="0" fromWordArt="0" anchor="ctr" anchorCtr="0" forceAA="0" compatLnSpc="1">
+            <a:prstTxWarp prst="textNoShape">
+              <a:avLst/>
+            </a:prstTxWarp>
+            <a:noAutofit/>
+          </a:bodyPr>
+          <a:lstStyle/>
+          <a:p>
+            <a:pPr algn="ctr"/>
+            <a:endParaRPr lang="ja-JP" altLang="en-US" sz="3086"/>
+          </a:p>
+        </p:txBody>
+      </p:sp>
+      <p:sp>
+        <p:nvSpPr>
+          <p:cNvPr id="195" name="テキスト ボックス 194"/>
+          <p:cNvSpPr txBox="1"/>
+          <p:nvPr/>
+        </p:nvSpPr>
+        <p:spPr>
+          <a:xfrm>
+            <a:off x="13114562" y="1765589"/>
+            <a:ext cx="429524" cy="195118"/>
+          </a:xfrm>
+          <a:prstGeom prst="rect">
+            <a:avLst/>
+          </a:prstGeom>
+          <a:noFill/>
+        </p:spPr>
+        <p:txBody>
+          <a:bodyPr wrap="square" rtlCol="0">
+            <a:spAutoFit/>
+          </a:bodyPr>
+          <a:lstStyle/>
+          <a:p>
+            <a:r>
+              <a:rPr lang="en-US" altLang="ja-JP" sz="668" dirty="0" smtClean="0">
+                <a:solidFill>
+                  <a:schemeClr val="tx1">
+                    <a:lumMod val="65000"/>
+                    <a:lumOff val="35000"/>
+                  </a:schemeClr>
+                </a:solidFill>
+              </a:rPr>
+              <a:t>Analog</a:t>
+            </a:r>
+            <a:endParaRPr lang="ja-JP" altLang="en-US" sz="668" dirty="0">
+              <a:solidFill>
+                <a:schemeClr val="tx1">
+                  <a:lumMod val="65000"/>
+                  <a:lumOff val="35000"/>
+                </a:schemeClr>
+              </a:solidFill>
+            </a:endParaRPr>
+          </a:p>
+        </p:txBody>
+      </p:sp>
+      <p:pic>
+        <p:nvPicPr>
+          <p:cNvPr id="20" name="図 19"/>
+          <p:cNvPicPr>
+            <a:picLocks noChangeAspect="1"/>
+          </p:cNvPicPr>
+          <p:nvPr/>
+        </p:nvPicPr>
+        <p:blipFill>
+          <a:blip r:embed="rId17" cstate="print">
+            <a:extLst>
+              <a:ext uri="{28A0092B-C50C-407E-A947-70E740481C1C}">
+                <a14:useLocalDpi xmlns:a14="http://schemas.microsoft.com/office/drawing/2010/main" val="0"/>
+              </a:ext>
+            </a:extLst>
+          </a:blip>
+          <a:stretch>
+            <a:fillRect/>
+          </a:stretch>
+        </p:blipFill>
+        <p:spPr>
+          <a:xfrm>
+            <a:off x="13639533" y="2486636"/>
+            <a:ext cx="398336" cy="423454"/>
+          </a:xfrm>
+          <a:prstGeom prst="rect">
+            <a:avLst/>
+          </a:prstGeom>
+        </p:spPr>
+      </p:pic>
+      <p:sp>
+        <p:nvSpPr>
+          <p:cNvPr id="196" name="正方形/長方形 195"/>
+          <p:cNvSpPr/>
+          <p:nvPr/>
+        </p:nvSpPr>
+        <p:spPr>
+          <a:xfrm rot="16200000">
+            <a:off x="13164632" y="2463222"/>
+            <a:ext cx="87688" cy="268361"/>
+          </a:xfrm>
+          <a:prstGeom prst="rect">
+            <a:avLst/>
+          </a:prstGeom>
+          <a:solidFill>
+            <a:schemeClr val="accent6">
+              <a:lumMod val="60000"/>
+              <a:lumOff val="40000"/>
+            </a:schemeClr>
+          </a:solidFill>
+          <a:ln>
+            <a:solidFill>
+              <a:schemeClr val="accent6">
+                <a:lumMod val="60000"/>
+                <a:lumOff val="40000"/>
+              </a:schemeClr>
+            </a:solidFill>
+          </a:ln>
+        </p:spPr>
+        <p:style>
+          <a:lnRef idx="2">
+            <a:schemeClr val="accent1">
+              <a:shade val="50000"/>
+            </a:schemeClr>
+          </a:lnRef>
+          <a:fillRef idx="1">
+            <a:schemeClr val="accent1"/>
+          </a:fillRef>
+          <a:effectRef idx="0">
+            <a:schemeClr val="accent1"/>
+          </a:effectRef>
+          <a:fontRef idx="minor">
+            <a:schemeClr val="lt1"/>
+          </a:fontRef>
+        </p:style>
+        <p:txBody>
+          <a:bodyPr rot="0" spcFirstLastPara="0" vertOverflow="overflow" horzOverflow="overflow" vert="horz" wrap="square" lIns="101827" tIns="50913" rIns="101827" bIns="50913" numCol="1" spcCol="0" rtlCol="0" fromWordArt="0" anchor="ctr" anchorCtr="0" forceAA="0" compatLnSpc="1">
+            <a:prstTxWarp prst="textNoShape">
+              <a:avLst/>
+            </a:prstTxWarp>
+            <a:noAutofit/>
+          </a:bodyPr>
+          <a:lstStyle/>
+          <a:p>
+            <a:pPr algn="ctr"/>
+            <a:endParaRPr lang="ja-JP" altLang="en-US" sz="3086"/>
+          </a:p>
+        </p:txBody>
+      </p:sp>
+      <p:sp>
+        <p:nvSpPr>
+          <p:cNvPr id="197" name="正方形/長方形 196"/>
+          <p:cNvSpPr/>
+          <p:nvPr/>
+        </p:nvSpPr>
+        <p:spPr>
+          <a:xfrm>
+            <a:off x="13257767" y="2553558"/>
+            <a:ext cx="87688" cy="830542"/>
+          </a:xfrm>
+          <a:prstGeom prst="rect">
+            <a:avLst/>
+          </a:prstGeom>
+          <a:solidFill>
+            <a:schemeClr val="accent6">
+              <a:lumMod val="60000"/>
+              <a:lumOff val="40000"/>
+            </a:schemeClr>
+          </a:solidFill>
+          <a:ln>
+            <a:solidFill>
+              <a:schemeClr val="accent6">
+                <a:lumMod val="60000"/>
+                <a:lumOff val="40000"/>
+              </a:schemeClr>
+            </a:solidFill>
+          </a:ln>
+        </p:spPr>
+        <p:style>
+          <a:lnRef idx="2">
+            <a:schemeClr val="accent1">
+              <a:shade val="50000"/>
+            </a:schemeClr>
+          </a:lnRef>
+          <a:fillRef idx="1">
+            <a:schemeClr val="accent1"/>
+          </a:fillRef>
+          <a:effectRef idx="0">
+            <a:schemeClr val="accent1"/>
+          </a:effectRef>
+          <a:fontRef idx="minor">
+            <a:schemeClr val="lt1"/>
+          </a:fontRef>
+        </p:style>
+        <p:txBody>
+          <a:bodyPr rot="0" spcFirstLastPara="0" vertOverflow="overflow" horzOverflow="overflow" vert="horz" wrap="square" lIns="101827" tIns="50913" rIns="101827" bIns="50913" numCol="1" spcCol="0" rtlCol="0" fromWordArt="0" anchor="ctr" anchorCtr="0" forceAA="0" compatLnSpc="1">
+            <a:prstTxWarp prst="textNoShape">
+              <a:avLst/>
+            </a:prstTxWarp>
+            <a:noAutofit/>
+          </a:bodyPr>
+          <a:lstStyle/>
+          <a:p>
+            <a:pPr algn="ctr"/>
+            <a:endParaRPr lang="ja-JP" altLang="en-US" sz="3086"/>
+          </a:p>
+        </p:txBody>
+      </p:sp>
+      <p:sp>
+        <p:nvSpPr>
+          <p:cNvPr id="199" name="テキスト ボックス 198"/>
+          <p:cNvSpPr txBox="1"/>
+          <p:nvPr/>
+        </p:nvSpPr>
+        <p:spPr>
+          <a:xfrm rot="16200000">
+            <a:off x="13085861" y="2872289"/>
+            <a:ext cx="429524" cy="195118"/>
+          </a:xfrm>
+          <a:prstGeom prst="rect">
+            <a:avLst/>
+          </a:prstGeom>
+          <a:noFill/>
+        </p:spPr>
+        <p:txBody>
+          <a:bodyPr wrap="square" rtlCol="0">
+            <a:spAutoFit/>
+          </a:bodyPr>
+          <a:lstStyle/>
+          <a:p>
+            <a:r>
+              <a:rPr lang="en-US" altLang="ja-JP" sz="668" dirty="0" smtClean="0">
+                <a:solidFill>
+                  <a:schemeClr val="tx1">
+                    <a:lumMod val="65000"/>
+                    <a:lumOff val="35000"/>
+                  </a:schemeClr>
+                </a:solidFill>
+              </a:rPr>
+              <a:t>Analog</a:t>
+            </a:r>
+            <a:endParaRPr lang="ja-JP" altLang="en-US" sz="668" dirty="0">
+              <a:solidFill>
+                <a:schemeClr val="tx1">
+                  <a:lumMod val="65000"/>
+                  <a:lumOff val="35000"/>
+                </a:schemeClr>
+              </a:solidFill>
+            </a:endParaRPr>
+          </a:p>
+        </p:txBody>
+      </p:sp>
+      <p:sp>
+        <p:nvSpPr>
+          <p:cNvPr id="200" name="テキスト ボックス 199"/>
+          <p:cNvSpPr txBox="1"/>
+          <p:nvPr/>
+        </p:nvSpPr>
+        <p:spPr>
+          <a:xfrm>
+            <a:off x="13701775" y="3045465"/>
+            <a:ext cx="1125826" cy="215444"/>
+          </a:xfrm>
+          <a:prstGeom prst="rect">
+            <a:avLst/>
+          </a:prstGeom>
+          <a:noFill/>
+        </p:spPr>
+        <p:txBody>
+          <a:bodyPr wrap="square" rtlCol="0">
+            <a:spAutoFit/>
+          </a:bodyPr>
+          <a:lstStyle/>
+          <a:p>
+            <a:r>
+              <a:rPr lang="en-US" altLang="ja-JP" sz="800" b="1" dirty="0" smtClean="0">
+                <a:solidFill>
+                  <a:schemeClr val="bg1"/>
+                </a:solidFill>
+                <a:latin typeface="源ノ角ゴシック Code JP M" panose="020B0600000000000000" pitchFamily="34" charset="-128"/>
+                <a:ea typeface="源ノ角ゴシック Code JP M" panose="020B0600000000000000" pitchFamily="34" charset="-128"/>
+              </a:rPr>
+              <a:t>Gyro Sensor</a:t>
+            </a:r>
+            <a:endParaRPr lang="ja-JP" altLang="en-US" sz="700" b="1" dirty="0">
+              <a:solidFill>
+                <a:schemeClr val="bg1"/>
+              </a:solidFill>
+              <a:latin typeface="源ノ角ゴシック Code JP M" panose="020B0600000000000000" pitchFamily="34" charset="-128"/>
+              <a:ea typeface="源ノ角ゴシック Code JP M" panose="020B0600000000000000" pitchFamily="34" charset="-128"/>
+            </a:endParaRPr>
+          </a:p>
+        </p:txBody>
+      </p:sp>
+      <p:sp>
+        <p:nvSpPr>
+          <p:cNvPr id="202" name="角丸四角形 201"/>
+          <p:cNvSpPr/>
+          <p:nvPr/>
+        </p:nvSpPr>
+        <p:spPr>
+          <a:xfrm>
+            <a:off x="13604143" y="3235750"/>
+            <a:ext cx="456601" cy="390894"/>
+          </a:xfrm>
+          <a:prstGeom prst="roundRect">
+            <a:avLst>
+              <a:gd name="adj" fmla="val 5861"/>
+            </a:avLst>
+          </a:prstGeom>
+          <a:solidFill>
+            <a:schemeClr val="bg1"/>
+          </a:solidFill>
+          <a:ln>
+            <a:solidFill>
+              <a:schemeClr val="bg1">
+                <a:lumMod val="65000"/>
+              </a:schemeClr>
+            </a:solidFill>
+          </a:ln>
+        </p:spPr>
+        <p:style>
+          <a:lnRef idx="2">
+            <a:schemeClr val="accent1">
+              <a:shade val="50000"/>
+            </a:schemeClr>
+          </a:lnRef>
+          <a:fillRef idx="1">
+            <a:schemeClr val="accent1"/>
+          </a:fillRef>
+          <a:effectRef idx="0">
+            <a:schemeClr val="accent1"/>
+          </a:effectRef>
+          <a:fontRef idx="minor">
+            <a:schemeClr val="lt1"/>
+          </a:fontRef>
+        </p:style>
+        <p:txBody>
+          <a:bodyPr rot="0" spcFirstLastPara="0" vertOverflow="overflow" horzOverflow="overflow" vert="horz" wrap="square" lIns="101827" tIns="50913" rIns="101827" bIns="50913" numCol="1" spcCol="0" rtlCol="0" fromWordArt="0" anchor="ctr" anchorCtr="0" forceAA="0" compatLnSpc="1">
+            <a:prstTxWarp prst="textNoShape">
+              <a:avLst/>
+            </a:prstTxWarp>
+            <a:noAutofit/>
+          </a:bodyPr>
+          <a:lstStyle/>
+          <a:p>
+            <a:endParaRPr lang="en-US" altLang="ja-JP" sz="1225" dirty="0">
+              <a:solidFill>
+                <a:schemeClr val="tx1">
+                  <a:lumMod val="85000"/>
+                  <a:lumOff val="15000"/>
+                </a:schemeClr>
+              </a:solidFill>
+              <a:latin typeface="源ノ角ゴシック Light" panose="020B0300000000000000" pitchFamily="34" charset="-128"/>
+              <a:ea typeface="源ノ角ゴシック Light" panose="020B0300000000000000" pitchFamily="34" charset="-128"/>
+            </a:endParaRPr>
+          </a:p>
+          <a:p>
+            <a:endParaRPr lang="ja-JP" altLang="en-US" sz="1225" dirty="0">
+              <a:solidFill>
+                <a:schemeClr val="tx1">
+                  <a:lumMod val="85000"/>
+                  <a:lumOff val="15000"/>
+                </a:schemeClr>
+              </a:solidFill>
+              <a:latin typeface="源ノ角ゴシック Light" panose="020B0300000000000000" pitchFamily="34" charset="-128"/>
+              <a:ea typeface="源ノ角ゴシック Light" panose="020B0300000000000000" pitchFamily="34" charset="-128"/>
+            </a:endParaRPr>
+          </a:p>
+        </p:txBody>
+      </p:sp>
+      <p:sp>
+        <p:nvSpPr>
+          <p:cNvPr id="201" name="テキスト ボックス 200"/>
+          <p:cNvSpPr txBox="1"/>
+          <p:nvPr/>
+        </p:nvSpPr>
+        <p:spPr>
+          <a:xfrm>
+            <a:off x="13585496" y="3327514"/>
+            <a:ext cx="493893" cy="215444"/>
+          </a:xfrm>
+          <a:prstGeom prst="rect">
+            <a:avLst/>
+          </a:prstGeom>
+          <a:noFill/>
+        </p:spPr>
+        <p:txBody>
+          <a:bodyPr wrap="square" rtlCol="0">
+            <a:spAutoFit/>
+          </a:bodyPr>
+          <a:lstStyle/>
+          <a:p>
+            <a:pPr algn="ctr"/>
+            <a:r>
+              <a:rPr lang="en-US" altLang="ja-JP" sz="400" b="1" dirty="0" smtClean="0">
+                <a:solidFill>
+                  <a:schemeClr val="tx1">
+                    <a:lumMod val="65000"/>
+                    <a:lumOff val="35000"/>
+                  </a:schemeClr>
+                </a:solidFill>
+                <a:latin typeface="源ノ角ゴシック Code JP R" panose="020B0500000000000000" pitchFamily="34" charset="-128"/>
+                <a:ea typeface="源ノ角ゴシック Code JP R" panose="020B0500000000000000" pitchFamily="34" charset="-128"/>
+              </a:rPr>
+              <a:t>Seeeduino </a:t>
+            </a:r>
+          </a:p>
+          <a:p>
+            <a:pPr algn="ctr"/>
+            <a:r>
+              <a:rPr lang="en-US" altLang="ja-JP" sz="400" b="1" dirty="0" smtClean="0">
+                <a:solidFill>
+                  <a:schemeClr val="tx1">
+                    <a:lumMod val="65000"/>
+                    <a:lumOff val="35000"/>
+                  </a:schemeClr>
+                </a:solidFill>
+                <a:latin typeface="源ノ角ゴシック Code JP R" panose="020B0500000000000000" pitchFamily="34" charset="-128"/>
+                <a:ea typeface="源ノ角ゴシック Code JP R" panose="020B0500000000000000" pitchFamily="34" charset="-128"/>
+              </a:rPr>
+              <a:t>Xiao</a:t>
+            </a:r>
+            <a:endParaRPr lang="ja-JP" altLang="en-US" sz="400" b="1" dirty="0">
+              <a:latin typeface="源ノ角ゴシック Code JP R" panose="020B0500000000000000" pitchFamily="34" charset="-128"/>
+              <a:ea typeface="源ノ角ゴシック Code JP R" panose="020B0500000000000000" pitchFamily="34" charset="-128"/>
+            </a:endParaRPr>
+          </a:p>
+        </p:txBody>
+      </p:sp>
+      <p:sp>
+        <p:nvSpPr>
+          <p:cNvPr id="203" name="角丸四角形 202"/>
+          <p:cNvSpPr/>
+          <p:nvPr/>
+        </p:nvSpPr>
+        <p:spPr>
+          <a:xfrm>
+            <a:off x="14317942" y="3235750"/>
+            <a:ext cx="456601" cy="390894"/>
+          </a:xfrm>
+          <a:prstGeom prst="roundRect">
+            <a:avLst>
+              <a:gd name="adj" fmla="val 5861"/>
+            </a:avLst>
+          </a:prstGeom>
+          <a:solidFill>
+            <a:schemeClr val="bg1"/>
+          </a:solidFill>
+          <a:ln>
+            <a:solidFill>
+              <a:schemeClr val="bg1">
+                <a:lumMod val="65000"/>
+              </a:schemeClr>
+            </a:solidFill>
+          </a:ln>
+        </p:spPr>
+        <p:style>
+          <a:lnRef idx="2">
+            <a:schemeClr val="accent1">
+              <a:shade val="50000"/>
+            </a:schemeClr>
+          </a:lnRef>
+          <a:fillRef idx="1">
+            <a:schemeClr val="accent1"/>
+          </a:fillRef>
+          <a:effectRef idx="0">
+            <a:schemeClr val="accent1"/>
+          </a:effectRef>
+          <a:fontRef idx="minor">
+            <a:schemeClr val="lt1"/>
+          </a:fontRef>
+        </p:style>
+        <p:txBody>
+          <a:bodyPr rot="0" spcFirstLastPara="0" vertOverflow="overflow" horzOverflow="overflow" vert="horz" wrap="square" lIns="101827" tIns="50913" rIns="101827" bIns="50913" numCol="1" spcCol="0" rtlCol="0" fromWordArt="0" anchor="ctr" anchorCtr="0" forceAA="0" compatLnSpc="1">
+            <a:prstTxWarp prst="textNoShape">
+              <a:avLst/>
+            </a:prstTxWarp>
+            <a:noAutofit/>
+          </a:bodyPr>
+          <a:lstStyle/>
+          <a:p>
+            <a:endParaRPr lang="en-US" altLang="ja-JP" sz="1225" dirty="0">
+              <a:solidFill>
+                <a:schemeClr val="tx1">
+                  <a:lumMod val="85000"/>
+                  <a:lumOff val="15000"/>
+                </a:schemeClr>
+              </a:solidFill>
+              <a:latin typeface="源ノ角ゴシック Light" panose="020B0300000000000000" pitchFamily="34" charset="-128"/>
+              <a:ea typeface="源ノ角ゴシック Light" panose="020B0300000000000000" pitchFamily="34" charset="-128"/>
+            </a:endParaRPr>
+          </a:p>
+          <a:p>
+            <a:endParaRPr lang="ja-JP" altLang="en-US" sz="1225" dirty="0">
+              <a:solidFill>
+                <a:schemeClr val="tx1">
+                  <a:lumMod val="85000"/>
+                  <a:lumOff val="15000"/>
+                </a:schemeClr>
+              </a:solidFill>
+              <a:latin typeface="源ノ角ゴシック Light" panose="020B0300000000000000" pitchFamily="34" charset="-128"/>
+              <a:ea typeface="源ノ角ゴシック Light" panose="020B0300000000000000" pitchFamily="34" charset="-128"/>
+            </a:endParaRPr>
+          </a:p>
+        </p:txBody>
+      </p:sp>
+      <p:sp>
+        <p:nvSpPr>
+          <p:cNvPr id="205" name="正方形/長方形 204"/>
+          <p:cNvSpPr/>
+          <p:nvPr/>
+        </p:nvSpPr>
+        <p:spPr>
+          <a:xfrm rot="5400000">
+            <a:off x="14145499" y="3299346"/>
+            <a:ext cx="87688" cy="257198"/>
+          </a:xfrm>
+          <a:prstGeom prst="rect">
+            <a:avLst/>
+          </a:prstGeom>
+          <a:solidFill>
+            <a:schemeClr val="accent4">
+              <a:lumMod val="60000"/>
+              <a:lumOff val="40000"/>
+            </a:schemeClr>
+          </a:solidFill>
+          <a:ln>
+            <a:solidFill>
+              <a:schemeClr val="accent4">
+                <a:lumMod val="60000"/>
+                <a:lumOff val="40000"/>
+              </a:schemeClr>
+            </a:solidFill>
+          </a:ln>
+        </p:spPr>
+        <p:style>
+          <a:lnRef idx="2">
+            <a:schemeClr val="accent1">
+              <a:shade val="50000"/>
+            </a:schemeClr>
+          </a:lnRef>
+          <a:fillRef idx="1">
+            <a:schemeClr val="accent1"/>
+          </a:fillRef>
+          <a:effectRef idx="0">
+            <a:schemeClr val="accent1"/>
+          </a:effectRef>
+          <a:fontRef idx="minor">
+            <a:schemeClr val="lt1"/>
+          </a:fontRef>
+        </p:style>
+        <p:txBody>
+          <a:bodyPr rot="0" spcFirstLastPara="0" vertOverflow="overflow" horzOverflow="overflow" vert="horz" wrap="square" lIns="101827" tIns="50913" rIns="101827" bIns="50913" numCol="1" spcCol="0" rtlCol="0" fromWordArt="0" anchor="ctr" anchorCtr="0" forceAA="0" compatLnSpc="1">
+            <a:prstTxWarp prst="textNoShape">
+              <a:avLst/>
+            </a:prstTxWarp>
+            <a:noAutofit/>
+          </a:bodyPr>
+          <a:lstStyle/>
+          <a:p>
+            <a:pPr algn="ctr"/>
+            <a:endParaRPr lang="ja-JP" altLang="en-US" sz="3086"/>
+          </a:p>
+        </p:txBody>
+      </p:sp>
+      <p:sp>
+        <p:nvSpPr>
+          <p:cNvPr id="206" name="テキスト ボックス 205"/>
+          <p:cNvSpPr txBox="1"/>
+          <p:nvPr/>
+        </p:nvSpPr>
+        <p:spPr>
+          <a:xfrm>
+            <a:off x="14060744" y="3330386"/>
+            <a:ext cx="429524" cy="195118"/>
+          </a:xfrm>
+          <a:prstGeom prst="rect">
+            <a:avLst/>
+          </a:prstGeom>
+          <a:noFill/>
+        </p:spPr>
+        <p:txBody>
+          <a:bodyPr wrap="square" rtlCol="0">
+            <a:spAutoFit/>
+          </a:bodyPr>
+          <a:lstStyle/>
+          <a:p>
+            <a:r>
+              <a:rPr lang="en-US" altLang="ja-JP" sz="668" dirty="0" smtClean="0">
+                <a:solidFill>
+                  <a:schemeClr val="tx1">
+                    <a:lumMod val="65000"/>
+                    <a:lumOff val="35000"/>
+                  </a:schemeClr>
+                </a:solidFill>
+              </a:rPr>
+              <a:t>I²C</a:t>
+            </a:r>
+            <a:endParaRPr lang="ja-JP" altLang="en-US" sz="668" dirty="0">
+              <a:solidFill>
+                <a:schemeClr val="tx1">
+                  <a:lumMod val="65000"/>
+                  <a:lumOff val="35000"/>
+                </a:schemeClr>
+              </a:solidFill>
+            </a:endParaRPr>
+          </a:p>
+        </p:txBody>
+      </p:sp>
+      <p:sp>
+        <p:nvSpPr>
+          <p:cNvPr id="207" name="テキスト ボックス 206"/>
+          <p:cNvSpPr txBox="1"/>
+          <p:nvPr/>
+        </p:nvSpPr>
+        <p:spPr>
+          <a:xfrm>
+            <a:off x="11371629" y="2425634"/>
+            <a:ext cx="429524" cy="195118"/>
+          </a:xfrm>
+          <a:prstGeom prst="rect">
+            <a:avLst/>
+          </a:prstGeom>
+          <a:noFill/>
+        </p:spPr>
+        <p:txBody>
+          <a:bodyPr wrap="square" rtlCol="0">
+            <a:spAutoFit/>
+          </a:bodyPr>
+          <a:lstStyle/>
+          <a:p>
+            <a:r>
+              <a:rPr lang="en-US" altLang="ja-JP" sz="668" dirty="0" smtClean="0">
+                <a:solidFill>
+                  <a:schemeClr val="tx1">
+                    <a:lumMod val="65000"/>
+                    <a:lumOff val="35000"/>
+                  </a:schemeClr>
+                </a:solidFill>
+              </a:rPr>
+              <a:t>I²C</a:t>
+            </a:r>
+            <a:endParaRPr lang="ja-JP" altLang="en-US" sz="668" dirty="0">
+              <a:solidFill>
+                <a:schemeClr val="tx1">
+                  <a:lumMod val="65000"/>
+                  <a:lumOff val="35000"/>
+                </a:schemeClr>
+              </a:solidFill>
+            </a:endParaRPr>
+          </a:p>
+        </p:txBody>
+      </p:sp>
+      <p:sp>
+        <p:nvSpPr>
+          <p:cNvPr id="208" name="テキスト ボックス 207"/>
+          <p:cNvSpPr txBox="1"/>
+          <p:nvPr/>
+        </p:nvSpPr>
+        <p:spPr>
+          <a:xfrm rot="16200000">
+            <a:off x="10980864" y="2418831"/>
+            <a:ext cx="277377" cy="195118"/>
+          </a:xfrm>
+          <a:prstGeom prst="rect">
+            <a:avLst/>
+          </a:prstGeom>
+          <a:noFill/>
+        </p:spPr>
+        <p:txBody>
+          <a:bodyPr wrap="square" rtlCol="0">
+            <a:spAutoFit/>
+          </a:bodyPr>
+          <a:lstStyle/>
+          <a:p>
+            <a:r>
+              <a:rPr lang="en-US" altLang="ja-JP" sz="668" dirty="0" smtClean="0">
+                <a:solidFill>
+                  <a:schemeClr val="tx1">
+                    <a:lumMod val="65000"/>
+                    <a:lumOff val="35000"/>
+                  </a:schemeClr>
+                </a:solidFill>
+              </a:rPr>
+              <a:t>I²C</a:t>
+            </a:r>
+            <a:endParaRPr lang="ja-JP" altLang="en-US" sz="668" dirty="0">
+              <a:solidFill>
+                <a:schemeClr val="tx1">
+                  <a:lumMod val="65000"/>
+                  <a:lumOff val="35000"/>
+                </a:schemeClr>
+              </a:solidFill>
+            </a:endParaRPr>
+          </a:p>
+        </p:txBody>
+      </p:sp>
+      <p:sp>
+        <p:nvSpPr>
+          <p:cNvPr id="209" name="テキスト ボックス 208"/>
+          <p:cNvSpPr txBox="1"/>
+          <p:nvPr/>
+        </p:nvSpPr>
+        <p:spPr>
+          <a:xfrm>
+            <a:off x="4313725" y="2872289"/>
+            <a:ext cx="277377" cy="195118"/>
+          </a:xfrm>
+          <a:prstGeom prst="rect">
+            <a:avLst/>
+          </a:prstGeom>
+          <a:noFill/>
+        </p:spPr>
+        <p:txBody>
+          <a:bodyPr wrap="square" rtlCol="0">
+            <a:spAutoFit/>
+          </a:bodyPr>
+          <a:lstStyle/>
+          <a:p>
+            <a:r>
+              <a:rPr lang="en-US" altLang="ja-JP" sz="668" dirty="0" smtClean="0">
+                <a:solidFill>
+                  <a:schemeClr val="tx1">
+                    <a:lumMod val="65000"/>
+                    <a:lumOff val="35000"/>
+                  </a:schemeClr>
+                </a:solidFill>
+              </a:rPr>
+              <a:t>I²C</a:t>
+            </a:r>
+            <a:endParaRPr lang="ja-JP" altLang="en-US" sz="668" dirty="0">
+              <a:solidFill>
+                <a:schemeClr val="tx1">
+                  <a:lumMod val="65000"/>
+                  <a:lumOff val="35000"/>
+                </a:schemeClr>
+              </a:solidFill>
+            </a:endParaRPr>
+          </a:p>
+        </p:txBody>
+      </p:sp>
+      <p:sp>
+        <p:nvSpPr>
+          <p:cNvPr id="210" name="テキスト ボックス 209"/>
+          <p:cNvSpPr txBox="1"/>
+          <p:nvPr/>
+        </p:nvSpPr>
+        <p:spPr>
+          <a:xfrm>
+            <a:off x="14165652" y="3351187"/>
+            <a:ext cx="761179" cy="184666"/>
+          </a:xfrm>
+          <a:prstGeom prst="rect">
+            <a:avLst/>
+          </a:prstGeom>
+          <a:noFill/>
+        </p:spPr>
+        <p:txBody>
+          <a:bodyPr wrap="square" rtlCol="0">
+            <a:spAutoFit/>
+          </a:bodyPr>
+          <a:lstStyle/>
+          <a:p>
+            <a:pPr algn="ctr"/>
+            <a:r>
+              <a:rPr lang="en-US" altLang="ja-JP" sz="600" b="1" dirty="0" smtClean="0">
+                <a:solidFill>
+                  <a:schemeClr val="tx1">
+                    <a:lumMod val="65000"/>
+                    <a:lumOff val="35000"/>
+                  </a:schemeClr>
+                </a:solidFill>
+                <a:latin typeface="源ノ角ゴシック Code JP R" panose="020B0500000000000000" pitchFamily="34" charset="-128"/>
+                <a:ea typeface="源ノ角ゴシック Code JP R" panose="020B0500000000000000" pitchFamily="34" charset="-128"/>
+              </a:rPr>
+              <a:t>L3GD20H</a:t>
+            </a:r>
+            <a:endParaRPr lang="ja-JP" altLang="en-US" sz="600" b="1" dirty="0">
+              <a:latin typeface="源ノ角ゴシック Code JP R" panose="020B0500000000000000" pitchFamily="34" charset="-128"/>
+              <a:ea typeface="源ノ角ゴシック Code JP R" panose="020B0500000000000000" pitchFamily="34" charset="-128"/>
+            </a:endParaRPr>
+          </a:p>
+        </p:txBody>
+      </p:sp>
+      <p:pic>
+        <p:nvPicPr>
+          <p:cNvPr id="211" name="図 210"/>
+          <p:cNvPicPr>
+            <a:picLocks noChangeAspect="1"/>
+          </p:cNvPicPr>
+          <p:nvPr/>
+        </p:nvPicPr>
+        <p:blipFill>
+          <a:blip r:embed="rId15" cstate="print">
+            <a:extLst>
+              <a:ext uri="{28A0092B-C50C-407E-A947-70E740481C1C}">
+                <a14:useLocalDpi xmlns:a14="http://schemas.microsoft.com/office/drawing/2010/main" val="0"/>
+              </a:ext>
+            </a:extLst>
+          </a:blip>
+          <a:stretch>
+            <a:fillRect/>
+          </a:stretch>
+        </p:blipFill>
+        <p:spPr>
+          <a:xfrm rot="18402144">
+            <a:off x="13881099" y="1005497"/>
+            <a:ext cx="536720" cy="536720"/>
+          </a:xfrm>
+          <a:prstGeom prst="rect">
+            <a:avLst/>
+          </a:prstGeom>
+        </p:spPr>
+      </p:pic>
+      <p:pic>
+        <p:nvPicPr>
+          <p:cNvPr id="212" name="図 211"/>
+          <p:cNvPicPr>
+            <a:picLocks noChangeAspect="1"/>
+          </p:cNvPicPr>
+          <p:nvPr/>
+        </p:nvPicPr>
+        <p:blipFill>
+          <a:blip r:embed="rId15" cstate="print">
+            <a:extLst>
+              <a:ext uri="{28A0092B-C50C-407E-A947-70E740481C1C}">
+                <a14:useLocalDpi xmlns:a14="http://schemas.microsoft.com/office/drawing/2010/main" val="0"/>
+              </a:ext>
+            </a:extLst>
+          </a:blip>
+          <a:stretch>
+            <a:fillRect/>
+          </a:stretch>
+        </p:blipFill>
+        <p:spPr>
+          <a:xfrm rot="18402144">
+            <a:off x="14039331" y="1016011"/>
+            <a:ext cx="536720" cy="536720"/>
+          </a:xfrm>
+          <a:prstGeom prst="rect">
+            <a:avLst/>
+          </a:prstGeom>
+        </p:spPr>
+      </p:pic>
+      <p:pic>
+        <p:nvPicPr>
+          <p:cNvPr id="213" name="図 212"/>
+          <p:cNvPicPr>
+            <a:picLocks noChangeAspect="1"/>
+          </p:cNvPicPr>
+          <p:nvPr/>
+        </p:nvPicPr>
+        <p:blipFill>
+          <a:blip r:embed="rId15" cstate="print">
+            <a:extLst>
+              <a:ext uri="{28A0092B-C50C-407E-A947-70E740481C1C}">
+                <a14:useLocalDpi xmlns:a14="http://schemas.microsoft.com/office/drawing/2010/main" val="0"/>
+              </a:ext>
+            </a:extLst>
+          </a:blip>
+          <a:stretch>
+            <a:fillRect/>
+          </a:stretch>
+        </p:blipFill>
+        <p:spPr>
+          <a:xfrm rot="18402144">
+            <a:off x="14203713" y="1010417"/>
+            <a:ext cx="536720" cy="536720"/>
+          </a:xfrm>
+          <a:prstGeom prst="rect">
+            <a:avLst/>
+          </a:prstGeom>
+        </p:spPr>
+      </p:pic>
+      <p:pic>
+        <p:nvPicPr>
+          <p:cNvPr id="214" name="図 213"/>
+          <p:cNvPicPr>
+            <a:picLocks noChangeAspect="1"/>
+          </p:cNvPicPr>
+          <p:nvPr/>
+        </p:nvPicPr>
+        <p:blipFill>
+          <a:blip r:embed="rId16" cstate="print">
+            <a:extLst>
+              <a:ext uri="{28A0092B-C50C-407E-A947-70E740481C1C}">
+                <a14:useLocalDpi xmlns:a14="http://schemas.microsoft.com/office/drawing/2010/main" val="0"/>
+              </a:ext>
+            </a:extLst>
+          </a:blip>
+          <a:stretch>
+            <a:fillRect/>
+          </a:stretch>
+        </p:blipFill>
+        <p:spPr>
+          <a:xfrm rot="20363920">
+            <a:off x="13798076" y="1754452"/>
+            <a:ext cx="613714" cy="613714"/>
+          </a:xfrm>
+          <a:prstGeom prst="rect">
+            <a:avLst/>
+          </a:prstGeom>
+        </p:spPr>
+      </p:pic>
+      <p:pic>
+        <p:nvPicPr>
+          <p:cNvPr id="215" name="図 214"/>
+          <p:cNvPicPr>
+            <a:picLocks noChangeAspect="1"/>
+          </p:cNvPicPr>
+          <p:nvPr/>
+        </p:nvPicPr>
+        <p:blipFill>
+          <a:blip r:embed="rId16" cstate="print">
+            <a:extLst>
+              <a:ext uri="{28A0092B-C50C-407E-A947-70E740481C1C}">
+                <a14:useLocalDpi xmlns:a14="http://schemas.microsoft.com/office/drawing/2010/main" val="0"/>
+              </a:ext>
+            </a:extLst>
+          </a:blip>
+          <a:stretch>
+            <a:fillRect/>
+          </a:stretch>
+        </p:blipFill>
+        <p:spPr>
+          <a:xfrm rot="20363920">
+            <a:off x="13998007" y="1754199"/>
+            <a:ext cx="613714" cy="613714"/>
+          </a:xfrm>
+          <a:prstGeom prst="rect">
+            <a:avLst/>
+          </a:prstGeom>
+        </p:spPr>
+      </p:pic>
+      <p:pic>
+        <p:nvPicPr>
+          <p:cNvPr id="216" name="図 215"/>
+          <p:cNvPicPr>
+            <a:picLocks noChangeAspect="1"/>
+          </p:cNvPicPr>
+          <p:nvPr/>
+        </p:nvPicPr>
+        <p:blipFill>
+          <a:blip r:embed="rId16" cstate="print">
+            <a:extLst>
+              <a:ext uri="{28A0092B-C50C-407E-A947-70E740481C1C}">
+                <a14:useLocalDpi xmlns:a14="http://schemas.microsoft.com/office/drawing/2010/main" val="0"/>
+              </a:ext>
+            </a:extLst>
+          </a:blip>
+          <a:stretch>
+            <a:fillRect/>
+          </a:stretch>
+        </p:blipFill>
+        <p:spPr>
+          <a:xfrm rot="20363920">
+            <a:off x="14206101" y="1754749"/>
+            <a:ext cx="613714" cy="613714"/>
+          </a:xfrm>
+          <a:prstGeom prst="rect">
+            <a:avLst/>
+          </a:prstGeom>
+        </p:spPr>
+      </p:pic>
+      <p:pic>
+        <p:nvPicPr>
+          <p:cNvPr id="226" name="図 225"/>
+          <p:cNvPicPr>
+            <a:picLocks noChangeAspect="1"/>
+          </p:cNvPicPr>
+          <p:nvPr/>
+        </p:nvPicPr>
+        <p:blipFill>
+          <a:blip r:embed="rId17" cstate="print">
+            <a:extLst>
+              <a:ext uri="{28A0092B-C50C-407E-A947-70E740481C1C}">
+                <a14:useLocalDpi xmlns:a14="http://schemas.microsoft.com/office/drawing/2010/main" val="0"/>
+              </a:ext>
+            </a:extLst>
+          </a:blip>
+          <a:stretch>
+            <a:fillRect/>
+          </a:stretch>
+        </p:blipFill>
+        <p:spPr>
+          <a:xfrm>
+            <a:off x="13786818" y="2486636"/>
+            <a:ext cx="398336" cy="423454"/>
+          </a:xfrm>
+          <a:prstGeom prst="rect">
+            <a:avLst/>
+          </a:prstGeom>
+        </p:spPr>
+      </p:pic>
+      <p:pic>
+        <p:nvPicPr>
+          <p:cNvPr id="227" name="図 226"/>
+          <p:cNvPicPr>
+            <a:picLocks noChangeAspect="1"/>
+          </p:cNvPicPr>
+          <p:nvPr/>
+        </p:nvPicPr>
+        <p:blipFill>
+          <a:blip r:embed="rId17" cstate="print">
+            <a:extLst>
+              <a:ext uri="{28A0092B-C50C-407E-A947-70E740481C1C}">
+                <a14:useLocalDpi xmlns:a14="http://schemas.microsoft.com/office/drawing/2010/main" val="0"/>
+              </a:ext>
+            </a:extLst>
+          </a:blip>
+          <a:stretch>
+            <a:fillRect/>
+          </a:stretch>
+        </p:blipFill>
+        <p:spPr>
+          <a:xfrm>
+            <a:off x="13933980" y="2486636"/>
+            <a:ext cx="398336" cy="423454"/>
+          </a:xfrm>
+          <a:prstGeom prst="rect">
+            <a:avLst/>
+          </a:prstGeom>
+        </p:spPr>
+      </p:pic>
+      <p:pic>
+        <p:nvPicPr>
+          <p:cNvPr id="228" name="図 227"/>
+          <p:cNvPicPr>
+            <a:picLocks noChangeAspect="1"/>
+          </p:cNvPicPr>
+          <p:nvPr/>
+        </p:nvPicPr>
+        <p:blipFill>
+          <a:blip r:embed="rId17" cstate="print">
+            <a:extLst>
+              <a:ext uri="{28A0092B-C50C-407E-A947-70E740481C1C}">
+                <a14:useLocalDpi xmlns:a14="http://schemas.microsoft.com/office/drawing/2010/main" val="0"/>
+              </a:ext>
+            </a:extLst>
+          </a:blip>
+          <a:stretch>
+            <a:fillRect/>
+          </a:stretch>
+        </p:blipFill>
+        <p:spPr>
+          <a:xfrm>
+            <a:off x="14087442" y="2486636"/>
+            <a:ext cx="398336" cy="423454"/>
+          </a:xfrm>
+          <a:prstGeom prst="rect">
+            <a:avLst/>
+          </a:prstGeom>
+        </p:spPr>
+      </p:pic>
+      <p:pic>
+        <p:nvPicPr>
+          <p:cNvPr id="229" name="図 228"/>
+          <p:cNvPicPr>
+            <a:picLocks noChangeAspect="1"/>
+          </p:cNvPicPr>
+          <p:nvPr/>
+        </p:nvPicPr>
+        <p:blipFill>
+          <a:blip r:embed="rId17" cstate="print">
+            <a:extLst>
+              <a:ext uri="{28A0092B-C50C-407E-A947-70E740481C1C}">
+                <a14:useLocalDpi xmlns:a14="http://schemas.microsoft.com/office/drawing/2010/main" val="0"/>
+              </a:ext>
+            </a:extLst>
+          </a:blip>
+          <a:stretch>
+            <a:fillRect/>
+          </a:stretch>
+        </p:blipFill>
+        <p:spPr>
+          <a:xfrm>
+            <a:off x="14238279" y="2492714"/>
+            <a:ext cx="398336" cy="423454"/>
+          </a:xfrm>
+          <a:prstGeom prst="rect">
+            <a:avLst/>
+          </a:prstGeom>
+        </p:spPr>
+      </p:pic>
+      <p:pic>
+        <p:nvPicPr>
+          <p:cNvPr id="230" name="図 229"/>
+          <p:cNvPicPr>
+            <a:picLocks noChangeAspect="1"/>
+          </p:cNvPicPr>
+          <p:nvPr/>
+        </p:nvPicPr>
+        <p:blipFill>
+          <a:blip r:embed="rId17" cstate="print">
+            <a:extLst>
+              <a:ext uri="{28A0092B-C50C-407E-A947-70E740481C1C}">
+                <a14:useLocalDpi xmlns:a14="http://schemas.microsoft.com/office/drawing/2010/main" val="0"/>
+              </a:ext>
+            </a:extLst>
+          </a:blip>
+          <a:stretch>
+            <a:fillRect/>
+          </a:stretch>
+        </p:blipFill>
+        <p:spPr>
+          <a:xfrm>
+            <a:off x="14378591" y="2486636"/>
+            <a:ext cx="398336" cy="423454"/>
+          </a:xfrm>
+          <a:prstGeom prst="rect">
+            <a:avLst/>
+          </a:prstGeom>
+        </p:spPr>
+      </p:pic>
     </p:spTree>
     <p:extLst>
       <p:ext uri="{BB962C8B-B14F-4D97-AF65-F5344CB8AC3E}">

--- a/KitakyusyuOpen2022/PresentationSeat/PresentationSeet.pptx
+++ b/KitakyusyuOpen2022/PresentationSeat/PresentationSeet.pptx
@@ -3735,6 +3735,332 @@
       </p:grpSpPr>
       <p:sp>
         <p:nvSpPr>
+          <p:cNvPr id="177" name="角丸四角形 176"/>
+          <p:cNvSpPr/>
+          <p:nvPr/>
+        </p:nvSpPr>
+        <p:spPr>
+          <a:xfrm>
+            <a:off x="-1080698" y="3501880"/>
+            <a:ext cx="17201322" cy="7835107"/>
+          </a:xfrm>
+          <a:prstGeom prst="roundRect">
+            <a:avLst>
+              <a:gd name="adj" fmla="val 0"/>
+            </a:avLst>
+          </a:prstGeom>
+          <a:solidFill>
+            <a:schemeClr val="tx1"/>
+          </a:solidFill>
+          <a:ln>
+            <a:solidFill>
+              <a:schemeClr val="tx1">
+                <a:lumMod val="65000"/>
+                <a:lumOff val="35000"/>
+              </a:schemeClr>
+            </a:solidFill>
+          </a:ln>
+          <a:effectLst>
+            <a:softEdge rad="444500"/>
+          </a:effectLst>
+        </p:spPr>
+        <p:style>
+          <a:lnRef idx="2">
+            <a:schemeClr val="dk1">
+              <a:shade val="50000"/>
+            </a:schemeClr>
+          </a:lnRef>
+          <a:fillRef idx="1">
+            <a:schemeClr val="dk1"/>
+          </a:fillRef>
+          <a:effectRef idx="0">
+            <a:schemeClr val="dk1"/>
+          </a:effectRef>
+          <a:fontRef idx="minor">
+            <a:schemeClr val="lt1"/>
+          </a:fontRef>
+        </p:style>
+        <p:txBody>
+          <a:bodyPr rot="0" spcFirstLastPara="0" vertOverflow="overflow" horzOverflow="overflow" vert="horz" wrap="square" lIns="101827" tIns="50913" rIns="101827" bIns="50913" numCol="1" spcCol="0" rtlCol="0" fromWordArt="0" anchor="ctr" anchorCtr="0" forceAA="0" compatLnSpc="1">
+            <a:prstTxWarp prst="textNoShape">
+              <a:avLst/>
+            </a:prstTxWarp>
+            <a:noAutofit/>
+          </a:bodyPr>
+          <a:lstStyle/>
+          <a:p>
+            <a:pPr algn="ctr"/>
+            <a:endParaRPr lang="ja-JP" altLang="en-US" sz="3086"/>
+          </a:p>
+        </p:txBody>
+      </p:sp>
+      <p:sp>
+        <p:nvSpPr>
+          <p:cNvPr id="219" name="角丸四角形 218"/>
+          <p:cNvSpPr/>
+          <p:nvPr/>
+        </p:nvSpPr>
+        <p:spPr>
+          <a:xfrm>
+            <a:off x="4185193" y="4234983"/>
+            <a:ext cx="8048306" cy="3101597"/>
+          </a:xfrm>
+          <a:prstGeom prst="roundRect">
+            <a:avLst>
+              <a:gd name="adj" fmla="val 8185"/>
+            </a:avLst>
+          </a:prstGeom>
+          <a:solidFill>
+            <a:schemeClr val="tx1">
+              <a:lumMod val="85000"/>
+              <a:lumOff val="15000"/>
+            </a:schemeClr>
+          </a:solidFill>
+        </p:spPr>
+        <p:style>
+          <a:lnRef idx="2">
+            <a:schemeClr val="dk1">
+              <a:shade val="50000"/>
+            </a:schemeClr>
+          </a:lnRef>
+          <a:fillRef idx="1">
+            <a:schemeClr val="dk1"/>
+          </a:fillRef>
+          <a:effectRef idx="0">
+            <a:schemeClr val="dk1"/>
+          </a:effectRef>
+          <a:fontRef idx="minor">
+            <a:schemeClr val="lt1"/>
+          </a:fontRef>
+        </p:style>
+        <p:txBody>
+          <a:bodyPr rot="0" spcFirstLastPara="0" vertOverflow="overflow" horzOverflow="overflow" vert="horz" wrap="square" lIns="101827" tIns="50913" rIns="101827" bIns="50913" numCol="1" spcCol="0" rtlCol="0" fromWordArt="0" anchor="ctr" anchorCtr="0" forceAA="0" compatLnSpc="1">
+            <a:prstTxWarp prst="textNoShape">
+              <a:avLst/>
+            </a:prstTxWarp>
+            <a:noAutofit/>
+          </a:bodyPr>
+          <a:lstStyle/>
+          <a:p>
+            <a:pPr algn="ctr"/>
+            <a:endParaRPr lang="ja-JP" altLang="en-US" sz="3086"/>
+          </a:p>
+        </p:txBody>
+      </p:sp>
+      <p:sp>
+        <p:nvSpPr>
+          <p:cNvPr id="221" name="角丸四角形 220"/>
+          <p:cNvSpPr/>
+          <p:nvPr/>
+        </p:nvSpPr>
+        <p:spPr>
+          <a:xfrm>
+            <a:off x="184942" y="4235217"/>
+            <a:ext cx="3882390" cy="3101363"/>
+          </a:xfrm>
+          <a:prstGeom prst="roundRect">
+            <a:avLst>
+              <a:gd name="adj" fmla="val 8185"/>
+            </a:avLst>
+          </a:prstGeom>
+          <a:solidFill>
+            <a:schemeClr val="tx1">
+              <a:lumMod val="85000"/>
+              <a:lumOff val="15000"/>
+            </a:schemeClr>
+          </a:solidFill>
+        </p:spPr>
+        <p:style>
+          <a:lnRef idx="2">
+            <a:schemeClr val="dk1">
+              <a:shade val="50000"/>
+            </a:schemeClr>
+          </a:lnRef>
+          <a:fillRef idx="1">
+            <a:schemeClr val="dk1"/>
+          </a:fillRef>
+          <a:effectRef idx="0">
+            <a:schemeClr val="dk1"/>
+          </a:effectRef>
+          <a:fontRef idx="minor">
+            <a:schemeClr val="lt1"/>
+          </a:fontRef>
+        </p:style>
+        <p:txBody>
+          <a:bodyPr rot="0" spcFirstLastPara="0" vertOverflow="overflow" horzOverflow="overflow" vert="horz" wrap="square" lIns="101827" tIns="50913" rIns="101827" bIns="50913" numCol="1" spcCol="0" rtlCol="0" fromWordArt="0" anchor="ctr" anchorCtr="0" forceAA="0" compatLnSpc="1">
+            <a:prstTxWarp prst="textNoShape">
+              <a:avLst/>
+            </a:prstTxWarp>
+            <a:noAutofit/>
+          </a:bodyPr>
+          <a:lstStyle/>
+          <a:p>
+            <a:pPr algn="ctr"/>
+            <a:endParaRPr lang="ja-JP" altLang="en-US" sz="3086"/>
+          </a:p>
+        </p:txBody>
+      </p:sp>
+      <p:sp>
+        <p:nvSpPr>
+          <p:cNvPr id="222" name="角丸四角形 221"/>
+          <p:cNvSpPr/>
+          <p:nvPr/>
+        </p:nvSpPr>
+        <p:spPr>
+          <a:xfrm>
+            <a:off x="189747" y="7485839"/>
+            <a:ext cx="3995827" cy="3101363"/>
+          </a:xfrm>
+          <a:prstGeom prst="roundRect">
+            <a:avLst>
+              <a:gd name="adj" fmla="val 8185"/>
+            </a:avLst>
+          </a:prstGeom>
+          <a:solidFill>
+            <a:schemeClr val="tx1">
+              <a:lumMod val="85000"/>
+              <a:lumOff val="15000"/>
+            </a:schemeClr>
+          </a:solidFill>
+        </p:spPr>
+        <p:style>
+          <a:lnRef idx="2">
+            <a:schemeClr val="dk1">
+              <a:shade val="50000"/>
+            </a:schemeClr>
+          </a:lnRef>
+          <a:fillRef idx="1">
+            <a:schemeClr val="dk1"/>
+          </a:fillRef>
+          <a:effectRef idx="0">
+            <a:schemeClr val="dk1"/>
+          </a:effectRef>
+          <a:fontRef idx="minor">
+            <a:schemeClr val="lt1"/>
+          </a:fontRef>
+        </p:style>
+        <p:txBody>
+          <a:bodyPr rot="0" spcFirstLastPara="0" vertOverflow="overflow" horzOverflow="overflow" vert="horz" wrap="square" lIns="101827" tIns="50913" rIns="101827" bIns="50913" numCol="1" spcCol="0" rtlCol="0" fromWordArt="0" anchor="ctr" anchorCtr="0" forceAA="0" compatLnSpc="1">
+            <a:prstTxWarp prst="textNoShape">
+              <a:avLst/>
+            </a:prstTxWarp>
+            <a:noAutofit/>
+          </a:bodyPr>
+          <a:lstStyle/>
+          <a:p>
+            <a:pPr algn="ctr"/>
+            <a:endParaRPr lang="ja-JP" altLang="en-US" sz="3086"/>
+          </a:p>
+        </p:txBody>
+      </p:sp>
+      <p:sp>
+        <p:nvSpPr>
+          <p:cNvPr id="223" name="角丸四角形 222"/>
+          <p:cNvSpPr/>
+          <p:nvPr/>
+        </p:nvSpPr>
+        <p:spPr>
+          <a:xfrm>
+            <a:off x="4319119" y="7481494"/>
+            <a:ext cx="7423146" cy="3101363"/>
+          </a:xfrm>
+          <a:prstGeom prst="roundRect">
+            <a:avLst>
+              <a:gd name="adj" fmla="val 8185"/>
+            </a:avLst>
+          </a:prstGeom>
+          <a:solidFill>
+            <a:schemeClr val="tx1">
+              <a:lumMod val="85000"/>
+              <a:lumOff val="15000"/>
+            </a:schemeClr>
+          </a:solidFill>
+        </p:spPr>
+        <p:style>
+          <a:lnRef idx="2">
+            <a:schemeClr val="dk1">
+              <a:shade val="50000"/>
+            </a:schemeClr>
+          </a:lnRef>
+          <a:fillRef idx="1">
+            <a:schemeClr val="dk1"/>
+          </a:fillRef>
+          <a:effectRef idx="0">
+            <a:schemeClr val="dk1"/>
+          </a:effectRef>
+          <a:fontRef idx="minor">
+            <a:schemeClr val="lt1"/>
+          </a:fontRef>
+        </p:style>
+        <p:txBody>
+          <a:bodyPr rot="0" spcFirstLastPara="0" vertOverflow="overflow" horzOverflow="overflow" vert="horz" wrap="square" lIns="101827" tIns="50913" rIns="101827" bIns="50913" numCol="1" spcCol="0" rtlCol="0" fromWordArt="0" anchor="ctr" anchorCtr="0" forceAA="0" compatLnSpc="1">
+            <a:prstTxWarp prst="textNoShape">
+              <a:avLst/>
+            </a:prstTxWarp>
+            <a:noAutofit/>
+          </a:bodyPr>
+          <a:lstStyle/>
+          <a:p>
+            <a:pPr algn="ctr"/>
+            <a:endParaRPr lang="ja-JP" altLang="en-US" sz="3086"/>
+          </a:p>
+        </p:txBody>
+      </p:sp>
+      <p:sp>
+        <p:nvSpPr>
+          <p:cNvPr id="224" name="角丸四角形 223"/>
+          <p:cNvSpPr/>
+          <p:nvPr/>
+        </p:nvSpPr>
+        <p:spPr>
+          <a:xfrm>
+            <a:off x="12404907" y="4222942"/>
+            <a:ext cx="2561784" cy="3101363"/>
+          </a:xfrm>
+          <a:prstGeom prst="roundRect">
+            <a:avLst>
+              <a:gd name="adj" fmla="val 8185"/>
+            </a:avLst>
+          </a:prstGeom>
+          <a:solidFill>
+            <a:schemeClr val="tx1">
+              <a:lumMod val="85000"/>
+              <a:lumOff val="15000"/>
+            </a:schemeClr>
+          </a:solidFill>
+        </p:spPr>
+        <p:style>
+          <a:lnRef idx="2">
+            <a:schemeClr val="dk1">
+              <a:shade val="50000"/>
+            </a:schemeClr>
+          </a:lnRef>
+          <a:fillRef idx="1">
+            <a:schemeClr val="dk1"/>
+          </a:fillRef>
+          <a:effectRef idx="0">
+            <a:schemeClr val="dk1"/>
+          </a:effectRef>
+          <a:fontRef idx="minor">
+            <a:schemeClr val="lt1"/>
+          </a:fontRef>
+        </p:style>
+        <p:txBody>
+          <a:bodyPr rot="0" spcFirstLastPara="0" vertOverflow="overflow" horzOverflow="overflow" vert="horz" wrap="square" lIns="101827" tIns="50913" rIns="101827" bIns="50913" numCol="1" spcCol="0" rtlCol="0" fromWordArt="0" anchor="ctr" anchorCtr="0" forceAA="0" compatLnSpc="1">
+            <a:prstTxWarp prst="textNoShape">
+              <a:avLst/>
+            </a:prstTxWarp>
+            <a:noAutofit/>
+          </a:bodyPr>
+          <a:lstStyle/>
+          <a:p>
+            <a:pPr algn="ctr"/>
+            <a:endParaRPr lang="ja-JP" altLang="en-US" sz="3086"/>
+          </a:p>
+        </p:txBody>
+      </p:sp>
+      <p:sp>
+        <p:nvSpPr>
           <p:cNvPr id="57" name="角丸四角形 56"/>
           <p:cNvSpPr/>
           <p:nvPr/>
@@ -12080,6 +12406,3709 @@
           <a:xfrm>
             <a:off x="14378591" y="2486636"/>
             <a:ext cx="398336" cy="423454"/>
+          </a:xfrm>
+          <a:prstGeom prst="rect">
+            <a:avLst/>
+          </a:prstGeom>
+        </p:spPr>
+      </p:pic>
+      <p:sp>
+        <p:nvSpPr>
+          <p:cNvPr id="174" name="テキスト ボックス 173"/>
+          <p:cNvSpPr txBox="1"/>
+          <p:nvPr/>
+        </p:nvSpPr>
+        <p:spPr>
+          <a:xfrm>
+            <a:off x="246449" y="4346998"/>
+            <a:ext cx="3706029" cy="2923877"/>
+          </a:xfrm>
+          <a:prstGeom prst="rect">
+            <a:avLst/>
+          </a:prstGeom>
+          <a:noFill/>
+        </p:spPr>
+        <p:txBody>
+          <a:bodyPr wrap="square" rtlCol="0">
+            <a:spAutoFit/>
+          </a:bodyPr>
+          <a:lstStyle/>
+          <a:p>
+            <a:r>
+              <a:rPr lang="ja-JP" altLang="en-US" sz="2800" dirty="0">
+                <a:solidFill>
+                  <a:schemeClr val="bg1"/>
+                </a:solidFill>
+                <a:latin typeface="源ノ角ゴシック Code JP M" panose="020B0600000000000000" pitchFamily="34" charset="-128"/>
+                <a:ea typeface="源ノ角ゴシック Code JP M" panose="020B0600000000000000" pitchFamily="34" charset="-128"/>
+              </a:rPr>
+              <a:t>電源基盤 </a:t>
+            </a:r>
+            <a:r>
+              <a:rPr lang="ja-JP" altLang="en-US" sz="1200" dirty="0">
+                <a:solidFill>
+                  <a:schemeClr val="bg1"/>
+                </a:solidFill>
+                <a:latin typeface="源ノ角ゴシック Code JP L" panose="020B0300000000000000" pitchFamily="34" charset="-128"/>
+                <a:ea typeface="源ノ角ゴシック Code JP L" panose="020B0300000000000000" pitchFamily="34" charset="-128"/>
+              </a:rPr>
+              <a:t>　　</a:t>
+            </a:r>
+            <a:endParaRPr lang="en-US" altLang="ja-JP" sz="1200" dirty="0" smtClean="0">
+              <a:solidFill>
+                <a:schemeClr val="bg1"/>
+              </a:solidFill>
+              <a:latin typeface="源ノ角ゴシック Code JP L" panose="020B0300000000000000" pitchFamily="34" charset="-128"/>
+              <a:ea typeface="源ノ角ゴシック Code JP L" panose="020B0300000000000000" pitchFamily="34" charset="-128"/>
+            </a:endParaRPr>
+          </a:p>
+          <a:p>
+            <a:r>
+              <a:rPr lang="ja-JP" altLang="en-US" sz="1200" dirty="0" smtClean="0">
+                <a:solidFill>
+                  <a:schemeClr val="bg1"/>
+                </a:solidFill>
+                <a:latin typeface="源ノ角ゴシック Code JP L" panose="020B0300000000000000" pitchFamily="34" charset="-128"/>
+                <a:ea typeface="源ノ角ゴシック Code JP L" panose="020B0300000000000000" pitchFamily="34" charset="-128"/>
+              </a:rPr>
+              <a:t>これ</a:t>
+            </a:r>
+            <a:r>
+              <a:rPr lang="ja-JP" altLang="en-US" sz="1200" dirty="0">
+                <a:solidFill>
+                  <a:schemeClr val="bg1"/>
+                </a:solidFill>
+                <a:latin typeface="源ノ角ゴシック Code JP L" panose="020B0300000000000000" pitchFamily="34" charset="-128"/>
+                <a:ea typeface="源ノ角ゴシック Code JP L" panose="020B0300000000000000" pitchFamily="34" charset="-128"/>
+              </a:rPr>
+              <a:t>までは、電源を</a:t>
+            </a:r>
+            <a:r>
+              <a:rPr lang="en-US" altLang="ja-JP" sz="1200" dirty="0">
+                <a:solidFill>
+                  <a:schemeClr val="bg1"/>
+                </a:solidFill>
+                <a:latin typeface="源ノ角ゴシック Code JP L" panose="020B0300000000000000" pitchFamily="34" charset="-128"/>
+                <a:ea typeface="源ノ角ゴシック Code JP L" panose="020B0300000000000000" pitchFamily="34" charset="-128"/>
+              </a:rPr>
+              <a:t>1</a:t>
+            </a:r>
+            <a:r>
+              <a:rPr lang="ja-JP" altLang="en-US" sz="1200" dirty="0" err="1">
+                <a:solidFill>
+                  <a:schemeClr val="bg1"/>
+                </a:solidFill>
+                <a:latin typeface="源ノ角ゴシック Code JP L" panose="020B0300000000000000" pitchFamily="34" charset="-128"/>
+                <a:ea typeface="源ノ角ゴシック Code JP L" panose="020B0300000000000000" pitchFamily="34" charset="-128"/>
+              </a:rPr>
+              <a:t>つの</a:t>
+            </a:r>
+            <a:r>
+              <a:rPr lang="ja-JP" altLang="en-US" sz="1200" dirty="0">
+                <a:solidFill>
+                  <a:schemeClr val="bg1"/>
+                </a:solidFill>
+                <a:latin typeface="源ノ角ゴシック Code JP L" panose="020B0300000000000000" pitchFamily="34" charset="-128"/>
+                <a:ea typeface="源ノ角ゴシック Code JP L" panose="020B0300000000000000" pitchFamily="34" charset="-128"/>
+              </a:rPr>
+              <a:t>バッテリーから取ると</a:t>
+            </a:r>
+            <a:r>
+              <a:rPr lang="ja-JP" altLang="en-US" sz="1200" dirty="0" smtClean="0">
+                <a:solidFill>
+                  <a:schemeClr val="bg1"/>
+                </a:solidFill>
+                <a:latin typeface="源ノ角ゴシック Code JP L" panose="020B0300000000000000" pitchFamily="34" charset="-128"/>
+                <a:ea typeface="源ノ角ゴシック Code JP L" panose="020B0300000000000000" pitchFamily="34" charset="-128"/>
+              </a:rPr>
+              <a:t>、</a:t>
+            </a:r>
+            <a:endParaRPr lang="en-US" altLang="ja-JP" sz="1200" dirty="0" smtClean="0">
+              <a:solidFill>
+                <a:schemeClr val="bg1"/>
+              </a:solidFill>
+              <a:latin typeface="源ノ角ゴシック Code JP L" panose="020B0300000000000000" pitchFamily="34" charset="-128"/>
+              <a:ea typeface="源ノ角ゴシック Code JP L" panose="020B0300000000000000" pitchFamily="34" charset="-128"/>
+            </a:endParaRPr>
+          </a:p>
+          <a:p>
+            <a:r>
+              <a:rPr lang="ja-JP" altLang="en-US" sz="1200" dirty="0" smtClean="0">
+                <a:solidFill>
+                  <a:schemeClr val="bg1"/>
+                </a:solidFill>
+                <a:latin typeface="源ノ角ゴシック Code JP L" panose="020B0300000000000000" pitchFamily="34" charset="-128"/>
+                <a:ea typeface="源ノ角ゴシック Code JP L" panose="020B0300000000000000" pitchFamily="34" charset="-128"/>
+              </a:rPr>
+              <a:t>モータ</a:t>
+            </a:r>
+            <a:r>
+              <a:rPr lang="ja-JP" altLang="en-US" sz="1200" dirty="0">
+                <a:solidFill>
+                  <a:schemeClr val="bg1"/>
+                </a:solidFill>
+                <a:latin typeface="源ノ角ゴシック Code JP L" panose="020B0300000000000000" pitchFamily="34" charset="-128"/>
+                <a:ea typeface="源ノ角ゴシック Code JP L" panose="020B0300000000000000" pitchFamily="34" charset="-128"/>
+              </a:rPr>
+              <a:t>の電圧降下により</a:t>
+            </a:r>
+            <a:r>
+              <a:rPr lang="ja-JP" altLang="en-US" sz="1200" dirty="0" smtClean="0">
+                <a:solidFill>
+                  <a:schemeClr val="bg1"/>
+                </a:solidFill>
+                <a:latin typeface="源ノ角ゴシック Code JP L" panose="020B0300000000000000" pitchFamily="34" charset="-128"/>
+                <a:ea typeface="源ノ角ゴシック Code JP L" panose="020B0300000000000000" pitchFamily="34" charset="-128"/>
+              </a:rPr>
+              <a:t>、制</a:t>
+            </a:r>
+            <a:r>
+              <a:rPr lang="ja-JP" altLang="en-US" sz="1200" dirty="0">
+                <a:solidFill>
+                  <a:schemeClr val="bg1"/>
+                </a:solidFill>
+                <a:latin typeface="源ノ角ゴシック Code JP L" panose="020B0300000000000000" pitchFamily="34" charset="-128"/>
+                <a:ea typeface="源ノ角ゴシック Code JP L" panose="020B0300000000000000" pitchFamily="34" charset="-128"/>
+              </a:rPr>
+              <a:t>御部分</a:t>
+            </a:r>
+            <a:r>
+              <a:rPr lang="ja-JP" altLang="en-US" sz="1200" dirty="0" smtClean="0">
+                <a:solidFill>
+                  <a:schemeClr val="bg1"/>
+                </a:solidFill>
+                <a:latin typeface="源ノ角ゴシック Code JP L" panose="020B0300000000000000" pitchFamily="34" charset="-128"/>
+                <a:ea typeface="源ノ角ゴシック Code JP L" panose="020B0300000000000000" pitchFamily="34" charset="-128"/>
+              </a:rPr>
+              <a:t>のリセットが</a:t>
+            </a:r>
+            <a:endParaRPr lang="en-US" altLang="ja-JP" sz="1200" dirty="0" smtClean="0">
+              <a:solidFill>
+                <a:schemeClr val="bg1"/>
+              </a:solidFill>
+              <a:latin typeface="源ノ角ゴシック Code JP L" panose="020B0300000000000000" pitchFamily="34" charset="-128"/>
+              <a:ea typeface="源ノ角ゴシック Code JP L" panose="020B0300000000000000" pitchFamily="34" charset="-128"/>
+            </a:endParaRPr>
+          </a:p>
+          <a:p>
+            <a:r>
+              <a:rPr lang="ja-JP" altLang="en-US" sz="1200" dirty="0" smtClean="0">
+                <a:solidFill>
+                  <a:schemeClr val="bg1"/>
+                </a:solidFill>
+                <a:latin typeface="源ノ角ゴシック Code JP L" panose="020B0300000000000000" pitchFamily="34" charset="-128"/>
+                <a:ea typeface="源ノ角ゴシック Code JP L" panose="020B0300000000000000" pitchFamily="34" charset="-128"/>
+              </a:rPr>
+              <a:t>かかる</a:t>
+            </a:r>
+            <a:r>
+              <a:rPr lang="ja-JP" altLang="en-US" sz="1200" dirty="0">
+                <a:solidFill>
+                  <a:schemeClr val="bg1"/>
+                </a:solidFill>
+                <a:latin typeface="源ノ角ゴシック Code JP L" panose="020B0300000000000000" pitchFamily="34" charset="-128"/>
+                <a:ea typeface="源ノ角ゴシック Code JP L" panose="020B0300000000000000" pitchFamily="34" charset="-128"/>
+              </a:rPr>
+              <a:t>という問題があったため、電源</a:t>
+            </a:r>
+            <a:r>
+              <a:rPr lang="ja-JP" altLang="en-US" sz="1200" dirty="0" smtClean="0">
+                <a:solidFill>
+                  <a:schemeClr val="bg1"/>
+                </a:solidFill>
+                <a:latin typeface="源ノ角ゴシック Code JP L" panose="020B0300000000000000" pitchFamily="34" charset="-128"/>
+                <a:ea typeface="源ノ角ゴシック Code JP L" panose="020B0300000000000000" pitchFamily="34" charset="-128"/>
+              </a:rPr>
+              <a:t>を制御用、</a:t>
+            </a:r>
+            <a:endParaRPr lang="en-US" altLang="ja-JP" sz="1200" dirty="0" smtClean="0">
+              <a:solidFill>
+                <a:schemeClr val="bg1"/>
+              </a:solidFill>
+              <a:latin typeface="源ノ角ゴシック Code JP L" panose="020B0300000000000000" pitchFamily="34" charset="-128"/>
+              <a:ea typeface="源ノ角ゴシック Code JP L" panose="020B0300000000000000" pitchFamily="34" charset="-128"/>
+            </a:endParaRPr>
+          </a:p>
+          <a:p>
+            <a:r>
+              <a:rPr lang="ja-JP" altLang="en-US" sz="1200" dirty="0" smtClean="0">
+                <a:solidFill>
+                  <a:schemeClr val="bg1"/>
+                </a:solidFill>
+                <a:latin typeface="源ノ角ゴシック Code JP L" panose="020B0300000000000000" pitchFamily="34" charset="-128"/>
+                <a:ea typeface="源ノ角ゴシック Code JP L" panose="020B0300000000000000" pitchFamily="34" charset="-128"/>
+              </a:rPr>
+              <a:t>駆動用</a:t>
+            </a:r>
+            <a:r>
+              <a:rPr lang="ja-JP" altLang="en-US" sz="1200" dirty="0">
+                <a:solidFill>
+                  <a:schemeClr val="bg1"/>
+                </a:solidFill>
+                <a:latin typeface="源ノ角ゴシック Code JP L" panose="020B0300000000000000" pitchFamily="34" charset="-128"/>
+                <a:ea typeface="源ノ角ゴシック Code JP L" panose="020B0300000000000000" pitchFamily="34" charset="-128"/>
+              </a:rPr>
+              <a:t>と</a:t>
+            </a:r>
+            <a:r>
+              <a:rPr lang="en-US" altLang="ja-JP" sz="1200" dirty="0">
+                <a:solidFill>
+                  <a:schemeClr val="bg1"/>
+                </a:solidFill>
+                <a:latin typeface="源ノ角ゴシック Code JP L" panose="020B0300000000000000" pitchFamily="34" charset="-128"/>
+                <a:ea typeface="源ノ角ゴシック Code JP L" panose="020B0300000000000000" pitchFamily="34" charset="-128"/>
+              </a:rPr>
+              <a:t>2</a:t>
+            </a:r>
+            <a:r>
+              <a:rPr lang="ja-JP" altLang="en-US" sz="1200" dirty="0" err="1" smtClean="0">
+                <a:solidFill>
+                  <a:schemeClr val="bg1"/>
+                </a:solidFill>
+                <a:latin typeface="源ノ角ゴシック Code JP L" panose="020B0300000000000000" pitchFamily="34" charset="-128"/>
+                <a:ea typeface="源ノ角ゴシック Code JP L" panose="020B0300000000000000" pitchFamily="34" charset="-128"/>
+              </a:rPr>
+              <a:t>つに</a:t>
+            </a:r>
+            <a:r>
+              <a:rPr lang="ja-JP" altLang="en-US" sz="1200" dirty="0" smtClean="0">
+                <a:solidFill>
+                  <a:schemeClr val="bg1"/>
+                </a:solidFill>
+                <a:latin typeface="源ノ角ゴシック Code JP L" panose="020B0300000000000000" pitchFamily="34" charset="-128"/>
+                <a:ea typeface="源ノ角ゴシック Code JP L" panose="020B0300000000000000" pitchFamily="34" charset="-128"/>
+              </a:rPr>
+              <a:t>分ける</a:t>
+            </a:r>
+            <a:r>
+              <a:rPr lang="ja-JP" altLang="en-US" sz="1200" dirty="0">
+                <a:solidFill>
+                  <a:schemeClr val="bg1"/>
+                </a:solidFill>
+                <a:latin typeface="源ノ角ゴシック Code JP L" panose="020B0300000000000000" pitchFamily="34" charset="-128"/>
+                <a:ea typeface="源ノ角ゴシック Code JP L" panose="020B0300000000000000" pitchFamily="34" charset="-128"/>
+              </a:rPr>
+              <a:t>必要がありました</a:t>
+            </a:r>
+            <a:r>
+              <a:rPr lang="ja-JP" altLang="en-US" sz="1200" dirty="0" smtClean="0">
+                <a:solidFill>
+                  <a:schemeClr val="bg1"/>
+                </a:solidFill>
+                <a:latin typeface="源ノ角ゴシック Code JP L" panose="020B0300000000000000" pitchFamily="34" charset="-128"/>
+                <a:ea typeface="源ノ角ゴシック Code JP L" panose="020B0300000000000000" pitchFamily="34" charset="-128"/>
+              </a:rPr>
+              <a:t>。</a:t>
+            </a:r>
+            <a:endParaRPr lang="en-US" altLang="ja-JP" sz="1200" dirty="0" smtClean="0">
+              <a:solidFill>
+                <a:schemeClr val="bg1"/>
+              </a:solidFill>
+              <a:latin typeface="源ノ角ゴシック Code JP L" panose="020B0300000000000000" pitchFamily="34" charset="-128"/>
+              <a:ea typeface="源ノ角ゴシック Code JP L" panose="020B0300000000000000" pitchFamily="34" charset="-128"/>
+            </a:endParaRPr>
+          </a:p>
+          <a:p>
+            <a:r>
+              <a:rPr lang="ja-JP" altLang="en-US" sz="1200" dirty="0" smtClean="0">
+                <a:solidFill>
+                  <a:schemeClr val="bg1"/>
+                </a:solidFill>
+                <a:latin typeface="源ノ角ゴシック Code JP L" panose="020B0300000000000000" pitchFamily="34" charset="-128"/>
+                <a:ea typeface="源ノ角ゴシック Code JP L" panose="020B0300000000000000" pitchFamily="34" charset="-128"/>
+              </a:rPr>
+              <a:t>今年</a:t>
+            </a:r>
+            <a:r>
+              <a:rPr lang="ja-JP" altLang="en-US" sz="1200" dirty="0">
+                <a:solidFill>
+                  <a:schemeClr val="bg1"/>
+                </a:solidFill>
+                <a:latin typeface="源ノ角ゴシック Code JP L" panose="020B0300000000000000" pitchFamily="34" charset="-128"/>
+                <a:ea typeface="源ノ角ゴシック Code JP L" panose="020B0300000000000000" pitchFamily="34" charset="-128"/>
+              </a:rPr>
+              <a:t>は</a:t>
+            </a:r>
+            <a:r>
+              <a:rPr lang="ja-JP" altLang="en-US" sz="1200" dirty="0" smtClean="0">
+                <a:solidFill>
+                  <a:schemeClr val="bg1"/>
+                </a:solidFill>
+                <a:latin typeface="源ノ角ゴシック Code JP L" panose="020B0300000000000000" pitchFamily="34" charset="-128"/>
+                <a:ea typeface="源ノ角ゴシック Code JP L" panose="020B0300000000000000" pitchFamily="34" charset="-128"/>
+              </a:rPr>
+              <a:t>、安定化</a:t>
+            </a:r>
+            <a:r>
+              <a:rPr lang="ja-JP" altLang="en-US" sz="1200" dirty="0">
+                <a:solidFill>
+                  <a:schemeClr val="bg1"/>
+                </a:solidFill>
+                <a:latin typeface="源ノ角ゴシック Code JP L" panose="020B0300000000000000" pitchFamily="34" charset="-128"/>
+                <a:ea typeface="源ノ角ゴシック Code JP L" panose="020B0300000000000000" pitchFamily="34" charset="-128"/>
+              </a:rPr>
+              <a:t>に</a:t>
+            </a:r>
+            <a:r>
+              <a:rPr lang="en-US" altLang="ja-JP" sz="1200" dirty="0">
+                <a:solidFill>
+                  <a:schemeClr val="bg1"/>
+                </a:solidFill>
+                <a:latin typeface="源ノ角ゴシック Code JP L" panose="020B0300000000000000" pitchFamily="34" charset="-128"/>
+                <a:ea typeface="源ノ角ゴシック Code JP L" panose="020B0300000000000000" pitchFamily="34" charset="-128"/>
+              </a:rPr>
+              <a:t>DCDC</a:t>
+            </a:r>
+            <a:r>
+              <a:rPr lang="ja-JP" altLang="en-US" sz="1200" dirty="0">
+                <a:solidFill>
+                  <a:schemeClr val="bg1"/>
+                </a:solidFill>
+                <a:latin typeface="源ノ角ゴシック Code JP L" panose="020B0300000000000000" pitchFamily="34" charset="-128"/>
+                <a:ea typeface="源ノ角ゴシック Code JP L" panose="020B0300000000000000" pitchFamily="34" charset="-128"/>
+              </a:rPr>
+              <a:t>コンバータ</a:t>
+            </a:r>
+            <a:r>
+              <a:rPr lang="ja-JP" altLang="en-US" sz="1200" dirty="0" smtClean="0">
+                <a:solidFill>
+                  <a:schemeClr val="bg1"/>
+                </a:solidFill>
+                <a:latin typeface="源ノ角ゴシック Code JP L" panose="020B0300000000000000" pitchFamily="34" charset="-128"/>
+                <a:ea typeface="源ノ角ゴシック Code JP L" panose="020B0300000000000000" pitchFamily="34" charset="-128"/>
+              </a:rPr>
+              <a:t>を</a:t>
+            </a:r>
+            <a:endParaRPr lang="en-US" altLang="ja-JP" sz="1200" dirty="0" smtClean="0">
+              <a:solidFill>
+                <a:schemeClr val="bg1"/>
+              </a:solidFill>
+              <a:latin typeface="源ノ角ゴシック Code JP L" panose="020B0300000000000000" pitchFamily="34" charset="-128"/>
+              <a:ea typeface="源ノ角ゴシック Code JP L" panose="020B0300000000000000" pitchFamily="34" charset="-128"/>
+            </a:endParaRPr>
+          </a:p>
+          <a:p>
+            <a:r>
+              <a:rPr lang="ja-JP" altLang="en-US" sz="1200" dirty="0" smtClean="0">
+                <a:solidFill>
+                  <a:schemeClr val="bg1"/>
+                </a:solidFill>
+                <a:latin typeface="源ノ角ゴシック Code JP L" panose="020B0300000000000000" pitchFamily="34" charset="-128"/>
+                <a:ea typeface="源ノ角ゴシック Code JP L" panose="020B0300000000000000" pitchFamily="34" charset="-128"/>
+              </a:rPr>
+              <a:t>採用すること</a:t>
+            </a:r>
+            <a:r>
+              <a:rPr lang="ja-JP" altLang="en-US" sz="1200" dirty="0">
+                <a:solidFill>
+                  <a:schemeClr val="bg1"/>
+                </a:solidFill>
+                <a:latin typeface="源ノ角ゴシック Code JP L" panose="020B0300000000000000" pitchFamily="34" charset="-128"/>
+                <a:ea typeface="源ノ角ゴシック Code JP L" panose="020B0300000000000000" pitchFamily="34" charset="-128"/>
+              </a:rPr>
+              <a:t>で</a:t>
+            </a:r>
+            <a:r>
+              <a:rPr lang="ja-JP" altLang="en-US" sz="1200" dirty="0" smtClean="0">
+                <a:solidFill>
+                  <a:schemeClr val="bg1"/>
+                </a:solidFill>
+                <a:latin typeface="源ノ角ゴシック Code JP L" panose="020B0300000000000000" pitchFamily="34" charset="-128"/>
+                <a:ea typeface="源ノ角ゴシック Code JP L" panose="020B0300000000000000" pitchFamily="34" charset="-128"/>
+              </a:rPr>
+              <a:t>、</a:t>
+            </a:r>
+            <a:r>
+              <a:rPr lang="en-US" altLang="ja-JP" sz="1200" dirty="0" smtClean="0">
+                <a:solidFill>
+                  <a:schemeClr val="bg1"/>
+                </a:solidFill>
+                <a:latin typeface="源ノ角ゴシック Code JP L" panose="020B0300000000000000" pitchFamily="34" charset="-128"/>
+                <a:ea typeface="源ノ角ゴシック Code JP L" panose="020B0300000000000000" pitchFamily="34" charset="-128"/>
+              </a:rPr>
+              <a:t>1</a:t>
+            </a:r>
+            <a:r>
+              <a:rPr lang="ja-JP" altLang="en-US" sz="1200" dirty="0" err="1" smtClean="0">
+                <a:solidFill>
+                  <a:schemeClr val="bg1"/>
+                </a:solidFill>
+                <a:latin typeface="源ノ角ゴシック Code JP L" panose="020B0300000000000000" pitchFamily="34" charset="-128"/>
+                <a:ea typeface="源ノ角ゴシック Code JP L" panose="020B0300000000000000" pitchFamily="34" charset="-128"/>
+              </a:rPr>
+              <a:t>つの</a:t>
+            </a:r>
+            <a:endParaRPr lang="en-US" altLang="ja-JP" sz="1200" dirty="0" smtClean="0">
+              <a:solidFill>
+                <a:schemeClr val="bg1"/>
+              </a:solidFill>
+              <a:latin typeface="源ノ角ゴシック Code JP L" panose="020B0300000000000000" pitchFamily="34" charset="-128"/>
+              <a:ea typeface="源ノ角ゴシック Code JP L" panose="020B0300000000000000" pitchFamily="34" charset="-128"/>
+            </a:endParaRPr>
+          </a:p>
+          <a:p>
+            <a:r>
+              <a:rPr lang="ja-JP" altLang="en-US" sz="1200" dirty="0" smtClean="0">
+                <a:solidFill>
+                  <a:schemeClr val="bg1"/>
+                </a:solidFill>
+                <a:latin typeface="源ノ角ゴシック Code JP L" panose="020B0300000000000000" pitchFamily="34" charset="-128"/>
+                <a:ea typeface="源ノ角ゴシック Code JP L" panose="020B0300000000000000" pitchFamily="34" charset="-128"/>
+              </a:rPr>
+              <a:t>バッテリー</a:t>
+            </a:r>
+            <a:r>
+              <a:rPr lang="ja-JP" altLang="en-US" sz="1200" dirty="0">
+                <a:solidFill>
+                  <a:schemeClr val="bg1"/>
+                </a:solidFill>
+                <a:latin typeface="源ノ角ゴシック Code JP L" panose="020B0300000000000000" pitchFamily="34" charset="-128"/>
+                <a:ea typeface="源ノ角ゴシック Code JP L" panose="020B0300000000000000" pitchFamily="34" charset="-128"/>
+              </a:rPr>
+              <a:t>から電源</a:t>
+            </a:r>
+            <a:r>
+              <a:rPr lang="ja-JP" altLang="en-US" sz="1200" dirty="0" smtClean="0">
+                <a:solidFill>
+                  <a:schemeClr val="bg1"/>
+                </a:solidFill>
+                <a:latin typeface="源ノ角ゴシック Code JP L" panose="020B0300000000000000" pitchFamily="34" charset="-128"/>
+                <a:ea typeface="源ノ角ゴシック Code JP L" panose="020B0300000000000000" pitchFamily="34" charset="-128"/>
+              </a:rPr>
+              <a:t>を取って</a:t>
+            </a:r>
+            <a:endParaRPr lang="en-US" altLang="ja-JP" sz="1200" dirty="0" smtClean="0">
+              <a:solidFill>
+                <a:schemeClr val="bg1"/>
+              </a:solidFill>
+              <a:latin typeface="源ノ角ゴシック Code JP L" panose="020B0300000000000000" pitchFamily="34" charset="-128"/>
+              <a:ea typeface="源ノ角ゴシック Code JP L" panose="020B0300000000000000" pitchFamily="34" charset="-128"/>
+            </a:endParaRPr>
+          </a:p>
+          <a:p>
+            <a:r>
+              <a:rPr lang="ja-JP" altLang="en-US" sz="1200" dirty="0" smtClean="0">
+                <a:solidFill>
+                  <a:schemeClr val="bg1"/>
+                </a:solidFill>
+                <a:latin typeface="源ノ角ゴシック Code JP L" panose="020B0300000000000000" pitchFamily="34" charset="-128"/>
+                <a:ea typeface="源ノ角ゴシック Code JP L" panose="020B0300000000000000" pitchFamily="34" charset="-128"/>
+              </a:rPr>
+              <a:t>もモータ</a:t>
+            </a:r>
+            <a:r>
+              <a:rPr lang="ja-JP" altLang="en-US" sz="1200" dirty="0">
+                <a:solidFill>
+                  <a:schemeClr val="bg1"/>
+                </a:solidFill>
+                <a:latin typeface="源ノ角ゴシック Code JP L" panose="020B0300000000000000" pitchFamily="34" charset="-128"/>
+                <a:ea typeface="源ノ角ゴシック Code JP L" panose="020B0300000000000000" pitchFamily="34" charset="-128"/>
+              </a:rPr>
+              <a:t>の電圧降下</a:t>
+            </a:r>
+            <a:r>
+              <a:rPr lang="ja-JP" altLang="en-US" sz="1200" dirty="0" smtClean="0">
+                <a:solidFill>
+                  <a:schemeClr val="bg1"/>
+                </a:solidFill>
+                <a:latin typeface="源ノ角ゴシック Code JP L" panose="020B0300000000000000" pitchFamily="34" charset="-128"/>
+                <a:ea typeface="源ノ角ゴシック Code JP L" panose="020B0300000000000000" pitchFamily="34" charset="-128"/>
+              </a:rPr>
+              <a:t>による</a:t>
+            </a:r>
+            <a:endParaRPr lang="en-US" altLang="ja-JP" sz="1200" dirty="0" smtClean="0">
+              <a:solidFill>
+                <a:schemeClr val="bg1"/>
+              </a:solidFill>
+              <a:latin typeface="源ノ角ゴシック Code JP L" panose="020B0300000000000000" pitchFamily="34" charset="-128"/>
+              <a:ea typeface="源ノ角ゴシック Code JP L" panose="020B0300000000000000" pitchFamily="34" charset="-128"/>
+            </a:endParaRPr>
+          </a:p>
+          <a:p>
+            <a:r>
+              <a:rPr lang="ja-JP" altLang="en-US" sz="1200" dirty="0" smtClean="0">
+                <a:solidFill>
+                  <a:schemeClr val="bg1"/>
+                </a:solidFill>
+                <a:latin typeface="源ノ角ゴシック Code JP L" panose="020B0300000000000000" pitchFamily="34" charset="-128"/>
+                <a:ea typeface="源ノ角ゴシック Code JP L" panose="020B0300000000000000" pitchFamily="34" charset="-128"/>
+              </a:rPr>
+              <a:t>制</a:t>
+            </a:r>
+            <a:r>
+              <a:rPr lang="ja-JP" altLang="en-US" sz="1200" dirty="0">
+                <a:solidFill>
+                  <a:schemeClr val="bg1"/>
+                </a:solidFill>
+                <a:latin typeface="源ノ角ゴシック Code JP L" panose="020B0300000000000000" pitchFamily="34" charset="-128"/>
+                <a:ea typeface="源ノ角ゴシック Code JP L" panose="020B0300000000000000" pitchFamily="34" charset="-128"/>
+              </a:rPr>
+              <a:t>御部分のリセット</a:t>
+            </a:r>
+            <a:r>
+              <a:rPr lang="ja-JP" altLang="en-US" sz="1200" dirty="0" smtClean="0">
+                <a:solidFill>
+                  <a:schemeClr val="bg1"/>
+                </a:solidFill>
+                <a:latin typeface="源ノ角ゴシック Code JP L" panose="020B0300000000000000" pitchFamily="34" charset="-128"/>
+                <a:ea typeface="源ノ角ゴシック Code JP L" panose="020B0300000000000000" pitchFamily="34" charset="-128"/>
+              </a:rPr>
+              <a:t>に対応</a:t>
+            </a:r>
+            <a:endParaRPr lang="en-US" altLang="ja-JP" sz="1200" dirty="0" smtClean="0">
+              <a:solidFill>
+                <a:schemeClr val="bg1"/>
+              </a:solidFill>
+              <a:latin typeface="源ノ角ゴシック Code JP L" panose="020B0300000000000000" pitchFamily="34" charset="-128"/>
+              <a:ea typeface="源ノ角ゴシック Code JP L" panose="020B0300000000000000" pitchFamily="34" charset="-128"/>
+            </a:endParaRPr>
+          </a:p>
+          <a:p>
+            <a:r>
+              <a:rPr lang="ja-JP" altLang="en-US" sz="1200" dirty="0" smtClean="0">
+                <a:solidFill>
+                  <a:schemeClr val="bg1"/>
+                </a:solidFill>
+                <a:latin typeface="源ノ角ゴシック Code JP L" panose="020B0300000000000000" pitchFamily="34" charset="-128"/>
+                <a:ea typeface="源ノ角ゴシック Code JP L" panose="020B0300000000000000" pitchFamily="34" charset="-128"/>
+              </a:rPr>
+              <a:t>しました。これ</a:t>
+            </a:r>
+            <a:r>
+              <a:rPr lang="ja-JP" altLang="en-US" sz="1200" dirty="0">
+                <a:solidFill>
+                  <a:schemeClr val="bg1"/>
+                </a:solidFill>
+                <a:latin typeface="源ノ角ゴシック Code JP L" panose="020B0300000000000000" pitchFamily="34" charset="-128"/>
+                <a:ea typeface="源ノ角ゴシック Code JP L" panose="020B0300000000000000" pitchFamily="34" charset="-128"/>
+              </a:rPr>
+              <a:t>により</a:t>
+            </a:r>
+            <a:r>
+              <a:rPr lang="ja-JP" altLang="en-US" sz="1200" dirty="0" smtClean="0">
+                <a:solidFill>
+                  <a:schemeClr val="bg1"/>
+                </a:solidFill>
+                <a:latin typeface="源ノ角ゴシック Code JP L" panose="020B0300000000000000" pitchFamily="34" charset="-128"/>
+                <a:ea typeface="源ノ角ゴシック Code JP L" panose="020B0300000000000000" pitchFamily="34" charset="-128"/>
+              </a:rPr>
+              <a:t>、</a:t>
+            </a:r>
+            <a:endParaRPr lang="en-US" altLang="ja-JP" sz="1200" dirty="0" smtClean="0">
+              <a:solidFill>
+                <a:schemeClr val="bg1"/>
+              </a:solidFill>
+              <a:latin typeface="源ノ角ゴシック Code JP L" panose="020B0300000000000000" pitchFamily="34" charset="-128"/>
+              <a:ea typeface="源ノ角ゴシック Code JP L" panose="020B0300000000000000" pitchFamily="34" charset="-128"/>
+            </a:endParaRPr>
+          </a:p>
+          <a:p>
+            <a:r>
+              <a:rPr lang="ja-JP" altLang="en-US" sz="1200" dirty="0" smtClean="0">
+                <a:solidFill>
+                  <a:schemeClr val="bg1"/>
+                </a:solidFill>
+                <a:latin typeface="源ノ角ゴシック Code JP L" panose="020B0300000000000000" pitchFamily="34" charset="-128"/>
+                <a:ea typeface="源ノ角ゴシック Code JP L" panose="020B0300000000000000" pitchFamily="34" charset="-128"/>
+              </a:rPr>
+              <a:t>回路の</a:t>
+            </a:r>
+            <a:r>
+              <a:rPr lang="ja-JP" altLang="en-US" sz="1200" dirty="0">
+                <a:solidFill>
+                  <a:schemeClr val="bg1"/>
+                </a:solidFill>
+                <a:latin typeface="源ノ角ゴシック Code JP L" panose="020B0300000000000000" pitchFamily="34" charset="-128"/>
+                <a:ea typeface="源ノ角ゴシック Code JP L" panose="020B0300000000000000" pitchFamily="34" charset="-128"/>
+              </a:rPr>
+              <a:t>簡易化</a:t>
+            </a:r>
+            <a:r>
+              <a:rPr lang="ja-JP" altLang="en-US" sz="1200" dirty="0" smtClean="0">
+                <a:solidFill>
+                  <a:schemeClr val="bg1"/>
+                </a:solidFill>
+                <a:latin typeface="源ノ角ゴシック Code JP L" panose="020B0300000000000000" pitchFamily="34" charset="-128"/>
+                <a:ea typeface="源ノ角ゴシック Code JP L" panose="020B0300000000000000" pitchFamily="34" charset="-128"/>
+              </a:rPr>
+              <a:t>、基板の</a:t>
+            </a:r>
+            <a:endParaRPr lang="en-US" altLang="ja-JP" sz="1200" dirty="0" smtClean="0">
+              <a:solidFill>
+                <a:schemeClr val="bg1"/>
+              </a:solidFill>
+              <a:latin typeface="源ノ角ゴシック Code JP L" panose="020B0300000000000000" pitchFamily="34" charset="-128"/>
+              <a:ea typeface="源ノ角ゴシック Code JP L" panose="020B0300000000000000" pitchFamily="34" charset="-128"/>
+            </a:endParaRPr>
+          </a:p>
+          <a:p>
+            <a:r>
+              <a:rPr lang="ja-JP" altLang="en-US" sz="1200" dirty="0" smtClean="0">
+                <a:solidFill>
+                  <a:schemeClr val="bg1"/>
+                </a:solidFill>
+                <a:latin typeface="源ノ角ゴシック Code JP L" panose="020B0300000000000000" pitchFamily="34" charset="-128"/>
+                <a:ea typeface="源ノ角ゴシック Code JP L" panose="020B0300000000000000" pitchFamily="34" charset="-128"/>
+              </a:rPr>
+              <a:t>省スペース化</a:t>
+            </a:r>
+            <a:r>
+              <a:rPr lang="ja-JP" altLang="en-US" sz="1200" dirty="0">
+                <a:solidFill>
+                  <a:schemeClr val="bg1"/>
+                </a:solidFill>
+                <a:latin typeface="源ノ角ゴシック Code JP L" panose="020B0300000000000000" pitchFamily="34" charset="-128"/>
+                <a:ea typeface="源ノ角ゴシック Code JP L" panose="020B0300000000000000" pitchFamily="34" charset="-128"/>
+              </a:rPr>
+              <a:t>を</a:t>
+            </a:r>
+            <a:r>
+              <a:rPr lang="ja-JP" altLang="en-US" sz="1200" dirty="0" smtClean="0">
+                <a:solidFill>
+                  <a:schemeClr val="bg1"/>
+                </a:solidFill>
+                <a:latin typeface="源ノ角ゴシック Code JP L" panose="020B0300000000000000" pitchFamily="34" charset="-128"/>
+                <a:ea typeface="源ノ角ゴシック Code JP L" panose="020B0300000000000000" pitchFamily="34" charset="-128"/>
+              </a:rPr>
+              <a:t>実現</a:t>
+            </a:r>
+            <a:endParaRPr lang="en-US" altLang="ja-JP" sz="1200" dirty="0" smtClean="0">
+              <a:solidFill>
+                <a:schemeClr val="bg1"/>
+              </a:solidFill>
+              <a:latin typeface="源ノ角ゴシック Code JP L" panose="020B0300000000000000" pitchFamily="34" charset="-128"/>
+              <a:ea typeface="源ノ角ゴシック Code JP L" panose="020B0300000000000000" pitchFamily="34" charset="-128"/>
+            </a:endParaRPr>
+          </a:p>
+          <a:p>
+            <a:r>
+              <a:rPr lang="ja-JP" altLang="en-US" sz="1200" dirty="0" smtClean="0">
+                <a:solidFill>
+                  <a:schemeClr val="bg1"/>
+                </a:solidFill>
+                <a:latin typeface="源ノ角ゴシック Code JP L" panose="020B0300000000000000" pitchFamily="34" charset="-128"/>
+                <a:ea typeface="源ノ角ゴシック Code JP L" panose="020B0300000000000000" pitchFamily="34" charset="-128"/>
+              </a:rPr>
+              <a:t>しました</a:t>
+            </a:r>
+            <a:r>
+              <a:rPr lang="ja-JP" altLang="en-US" sz="1200" dirty="0">
+                <a:solidFill>
+                  <a:schemeClr val="bg1"/>
+                </a:solidFill>
+                <a:latin typeface="源ノ角ゴシック Code JP L" panose="020B0300000000000000" pitchFamily="34" charset="-128"/>
+                <a:ea typeface="源ノ角ゴシック Code JP L" panose="020B0300000000000000" pitchFamily="34" charset="-128"/>
+              </a:rPr>
+              <a:t>。</a:t>
+            </a:r>
+            <a:endParaRPr lang="ja-JP" altLang="en-US" sz="1200" dirty="0">
+              <a:solidFill>
+                <a:schemeClr val="bg1"/>
+              </a:solidFill>
+              <a:latin typeface="源ノ角ゴシック Code JP L" panose="020B0300000000000000" pitchFamily="34" charset="-128"/>
+              <a:ea typeface="源ノ角ゴシック Code JP L" panose="020B0300000000000000" pitchFamily="34" charset="-128"/>
+            </a:endParaRPr>
+          </a:p>
+        </p:txBody>
+      </p:sp>
+      <p:sp>
+        <p:nvSpPr>
+          <p:cNvPr id="225" name="テキスト ボックス 224"/>
+          <p:cNvSpPr txBox="1"/>
+          <p:nvPr/>
+        </p:nvSpPr>
+        <p:spPr>
+          <a:xfrm>
+            <a:off x="4285168" y="4342462"/>
+            <a:ext cx="2955192" cy="2862322"/>
+          </a:xfrm>
+          <a:prstGeom prst="rect">
+            <a:avLst/>
+          </a:prstGeom>
+          <a:noFill/>
+        </p:spPr>
+        <p:txBody>
+          <a:bodyPr wrap="square" rtlCol="0">
+            <a:spAutoFit/>
+          </a:bodyPr>
+          <a:lstStyle/>
+          <a:p>
+            <a:r>
+              <a:rPr lang="ja-JP" altLang="en-US" sz="2400" dirty="0">
+                <a:solidFill>
+                  <a:schemeClr val="bg1"/>
+                </a:solidFill>
+                <a:latin typeface="源ノ角ゴシック Code JP M" panose="020B0600000000000000" pitchFamily="34" charset="-128"/>
+                <a:ea typeface="源ノ角ゴシック Code JP M" panose="020B0600000000000000" pitchFamily="34" charset="-128"/>
+              </a:rPr>
+              <a:t>カメラのライン</a:t>
+            </a:r>
+            <a:r>
+              <a:rPr lang="ja-JP" altLang="en-US" sz="2400" dirty="0" smtClean="0">
+                <a:solidFill>
+                  <a:schemeClr val="bg1"/>
+                </a:solidFill>
+                <a:latin typeface="源ノ角ゴシック Code JP M" panose="020B0600000000000000" pitchFamily="34" charset="-128"/>
+                <a:ea typeface="源ノ角ゴシック Code JP M" panose="020B0600000000000000" pitchFamily="34" charset="-128"/>
+              </a:rPr>
+              <a:t>制御</a:t>
+            </a:r>
+            <a:endParaRPr lang="en-US" altLang="ja-JP" sz="1200" dirty="0" smtClean="0">
+              <a:solidFill>
+                <a:schemeClr val="bg1"/>
+              </a:solidFill>
+              <a:latin typeface="源ノ角ゴシック Code JP L" panose="020B0300000000000000" pitchFamily="34" charset="-128"/>
+              <a:ea typeface="源ノ角ゴシック Code JP L" panose="020B0300000000000000" pitchFamily="34" charset="-128"/>
+            </a:endParaRPr>
+          </a:p>
+          <a:p>
+            <a:r>
+              <a:rPr lang="ja-JP" altLang="en-US" sz="1200" dirty="0">
+                <a:solidFill>
+                  <a:schemeClr val="bg1"/>
+                </a:solidFill>
+                <a:latin typeface="源ノ角ゴシック Code JP L" panose="020B0300000000000000" pitchFamily="34" charset="-128"/>
+                <a:ea typeface="源ノ角ゴシック Code JP L" panose="020B0300000000000000" pitchFamily="34" charset="-128"/>
+              </a:rPr>
+              <a:t>超音波センサーで壁との距離</a:t>
+            </a:r>
+            <a:r>
+              <a:rPr lang="ja-JP" altLang="en-US" sz="1200" dirty="0" smtClean="0">
+                <a:solidFill>
+                  <a:schemeClr val="bg1"/>
+                </a:solidFill>
+                <a:latin typeface="源ノ角ゴシック Code JP L" panose="020B0300000000000000" pitchFamily="34" charset="-128"/>
+                <a:ea typeface="源ノ角ゴシック Code JP L" panose="020B0300000000000000" pitchFamily="34" charset="-128"/>
+              </a:rPr>
+              <a:t>を測って</a:t>
+            </a:r>
+            <a:endParaRPr lang="en-US" altLang="ja-JP" sz="1200" dirty="0" smtClean="0">
+              <a:solidFill>
+                <a:schemeClr val="bg1"/>
+              </a:solidFill>
+              <a:latin typeface="源ノ角ゴシック Code JP L" panose="020B0300000000000000" pitchFamily="34" charset="-128"/>
+              <a:ea typeface="源ノ角ゴシック Code JP L" panose="020B0300000000000000" pitchFamily="34" charset="-128"/>
+            </a:endParaRPr>
+          </a:p>
+          <a:p>
+            <a:r>
+              <a:rPr lang="ja-JP" altLang="en-US" sz="1200" dirty="0" smtClean="0">
+                <a:solidFill>
+                  <a:schemeClr val="bg1"/>
+                </a:solidFill>
+                <a:latin typeface="源ノ角ゴシック Code JP L" panose="020B0300000000000000" pitchFamily="34" charset="-128"/>
+                <a:ea typeface="源ノ角ゴシック Code JP L" panose="020B0300000000000000" pitchFamily="34" charset="-128"/>
+              </a:rPr>
+              <a:t>ライン制御をする</a:t>
+            </a:r>
+            <a:r>
+              <a:rPr lang="ja-JP" altLang="en-US" sz="1200" dirty="0">
+                <a:solidFill>
+                  <a:schemeClr val="bg1"/>
+                </a:solidFill>
+                <a:latin typeface="源ノ角ゴシック Code JP L" panose="020B0300000000000000" pitchFamily="34" charset="-128"/>
+                <a:ea typeface="源ノ角ゴシック Code JP L" panose="020B0300000000000000" pitchFamily="34" charset="-128"/>
+              </a:rPr>
+              <a:t>と</a:t>
+            </a:r>
+            <a:r>
+              <a:rPr lang="ja-JP" altLang="en-US" sz="1200" dirty="0" smtClean="0">
+                <a:solidFill>
+                  <a:schemeClr val="bg1"/>
+                </a:solidFill>
+                <a:latin typeface="源ノ角ゴシック Code JP L" panose="020B0300000000000000" pitchFamily="34" charset="-128"/>
+                <a:ea typeface="源ノ角ゴシック Code JP L" panose="020B0300000000000000" pitchFamily="34" charset="-128"/>
+              </a:rPr>
+              <a:t>いう制</a:t>
+            </a:r>
+            <a:r>
+              <a:rPr lang="ja-JP" altLang="en-US" sz="1200" dirty="0">
+                <a:solidFill>
+                  <a:schemeClr val="bg1"/>
+                </a:solidFill>
+                <a:latin typeface="源ノ角ゴシック Code JP L" panose="020B0300000000000000" pitchFamily="34" charset="-128"/>
+                <a:ea typeface="源ノ角ゴシック Code JP L" panose="020B0300000000000000" pitchFamily="34" charset="-128"/>
+              </a:rPr>
+              <a:t>御方法から</a:t>
+            </a:r>
+            <a:r>
+              <a:rPr lang="ja-JP" altLang="en-US" sz="1200" dirty="0" smtClean="0">
+                <a:solidFill>
+                  <a:schemeClr val="bg1"/>
+                </a:solidFill>
+                <a:latin typeface="源ノ角ゴシック Code JP L" panose="020B0300000000000000" pitchFamily="34" charset="-128"/>
+                <a:ea typeface="源ノ角ゴシック Code JP L" panose="020B0300000000000000" pitchFamily="34" charset="-128"/>
+              </a:rPr>
+              <a:t>、カメラを用いてライン制御</a:t>
+            </a:r>
+            <a:r>
+              <a:rPr lang="ja-JP" altLang="en-US" sz="1200" dirty="0">
+                <a:solidFill>
+                  <a:schemeClr val="bg1"/>
+                </a:solidFill>
+                <a:latin typeface="源ノ角ゴシック Code JP L" panose="020B0300000000000000" pitchFamily="34" charset="-128"/>
+                <a:ea typeface="源ノ角ゴシック Code JP L" panose="020B0300000000000000" pitchFamily="34" charset="-128"/>
+              </a:rPr>
+              <a:t>をする</a:t>
+            </a:r>
+            <a:r>
+              <a:rPr lang="ja-JP" altLang="en-US" sz="1200" dirty="0" smtClean="0">
+                <a:solidFill>
+                  <a:schemeClr val="bg1"/>
+                </a:solidFill>
+                <a:latin typeface="源ノ角ゴシック Code JP L" panose="020B0300000000000000" pitchFamily="34" charset="-128"/>
+                <a:ea typeface="源ノ角ゴシック Code JP L" panose="020B0300000000000000" pitchFamily="34" charset="-128"/>
+              </a:rPr>
+              <a:t>方法に変更</a:t>
+            </a:r>
+            <a:r>
+              <a:rPr lang="ja-JP" altLang="en-US" sz="1200" dirty="0">
+                <a:solidFill>
+                  <a:schemeClr val="bg1"/>
+                </a:solidFill>
+                <a:latin typeface="源ノ角ゴシック Code JP L" panose="020B0300000000000000" pitchFamily="34" charset="-128"/>
+                <a:ea typeface="源ノ角ゴシック Code JP L" panose="020B0300000000000000" pitchFamily="34" charset="-128"/>
+              </a:rPr>
+              <a:t>し</a:t>
+            </a:r>
+            <a:r>
+              <a:rPr lang="ja-JP" altLang="en-US" sz="1200" dirty="0" smtClean="0">
+                <a:solidFill>
+                  <a:schemeClr val="bg1"/>
+                </a:solidFill>
+                <a:latin typeface="源ノ角ゴシック Code JP L" panose="020B0300000000000000" pitchFamily="34" charset="-128"/>
+                <a:ea typeface="源ノ角ゴシック Code JP L" panose="020B0300000000000000" pitchFamily="34" charset="-128"/>
+              </a:rPr>
+              <a:t>、コート</a:t>
+            </a:r>
+            <a:r>
+              <a:rPr lang="ja-JP" altLang="en-US" sz="1200" dirty="0">
+                <a:solidFill>
+                  <a:schemeClr val="bg1"/>
+                </a:solidFill>
+                <a:latin typeface="源ノ角ゴシック Code JP L" panose="020B0300000000000000" pitchFamily="34" charset="-128"/>
+                <a:ea typeface="源ノ角ゴシック Code JP L" panose="020B0300000000000000" pitchFamily="34" charset="-128"/>
+              </a:rPr>
+              <a:t>の中心方向に移動</a:t>
+            </a:r>
+            <a:r>
+              <a:rPr lang="ja-JP" altLang="en-US" sz="1200" dirty="0" smtClean="0">
+                <a:solidFill>
+                  <a:schemeClr val="bg1"/>
+                </a:solidFill>
+                <a:latin typeface="源ノ角ゴシック Code JP L" panose="020B0300000000000000" pitchFamily="34" charset="-128"/>
+                <a:ea typeface="源ノ角ゴシック Code JP L" panose="020B0300000000000000" pitchFamily="34" charset="-128"/>
+              </a:rPr>
+              <a:t>する</a:t>
+            </a:r>
+            <a:endParaRPr lang="en-US" altLang="ja-JP" sz="1200" dirty="0" smtClean="0">
+              <a:solidFill>
+                <a:schemeClr val="bg1"/>
+              </a:solidFill>
+              <a:latin typeface="源ノ角ゴシック Code JP L" panose="020B0300000000000000" pitchFamily="34" charset="-128"/>
+              <a:ea typeface="源ノ角ゴシック Code JP L" panose="020B0300000000000000" pitchFamily="34" charset="-128"/>
+            </a:endParaRPr>
+          </a:p>
+          <a:p>
+            <a:r>
+              <a:rPr lang="ja-JP" altLang="en-US" sz="1200" dirty="0" smtClean="0">
+                <a:solidFill>
+                  <a:schemeClr val="bg1"/>
+                </a:solidFill>
+                <a:latin typeface="源ノ角ゴシック Code JP L" panose="020B0300000000000000" pitchFamily="34" charset="-128"/>
+                <a:ea typeface="源ノ角ゴシック Code JP L" panose="020B0300000000000000" pitchFamily="34" charset="-128"/>
+              </a:rPr>
+              <a:t>アルゴリズムを実装</a:t>
+            </a:r>
+            <a:r>
+              <a:rPr lang="ja-JP" altLang="en-US" sz="1200" dirty="0">
+                <a:solidFill>
+                  <a:schemeClr val="bg1"/>
+                </a:solidFill>
+                <a:latin typeface="源ノ角ゴシック Code JP L" panose="020B0300000000000000" pitchFamily="34" charset="-128"/>
+                <a:ea typeface="源ノ角ゴシック Code JP L" panose="020B0300000000000000" pitchFamily="34" charset="-128"/>
+              </a:rPr>
+              <a:t>しました</a:t>
+            </a:r>
+            <a:r>
+              <a:rPr lang="ja-JP" altLang="en-US" sz="1200" dirty="0" smtClean="0">
+                <a:solidFill>
+                  <a:schemeClr val="bg1"/>
+                </a:solidFill>
+                <a:latin typeface="源ノ角ゴシック Code JP L" panose="020B0300000000000000" pitchFamily="34" charset="-128"/>
+                <a:ea typeface="源ノ角ゴシック Code JP L" panose="020B0300000000000000" pitchFamily="34" charset="-128"/>
+              </a:rPr>
+              <a:t>。常に</a:t>
+            </a:r>
+            <a:endParaRPr lang="en-US" altLang="ja-JP" sz="1200" dirty="0" smtClean="0">
+              <a:solidFill>
+                <a:schemeClr val="bg1"/>
+              </a:solidFill>
+              <a:latin typeface="源ノ角ゴシック Code JP L" panose="020B0300000000000000" pitchFamily="34" charset="-128"/>
+              <a:ea typeface="源ノ角ゴシック Code JP L" panose="020B0300000000000000" pitchFamily="34" charset="-128"/>
+            </a:endParaRPr>
+          </a:p>
+          <a:p>
+            <a:r>
+              <a:rPr lang="ja-JP" altLang="en-US" sz="1200" dirty="0" smtClean="0">
+                <a:solidFill>
+                  <a:schemeClr val="bg1"/>
+                </a:solidFill>
+                <a:latin typeface="源ノ角ゴシック Code JP L" panose="020B0300000000000000" pitchFamily="34" charset="-128"/>
+                <a:ea typeface="源ノ角ゴシック Code JP L" panose="020B0300000000000000" pitchFamily="34" charset="-128"/>
+              </a:rPr>
+              <a:t>カメラ</a:t>
+            </a:r>
+            <a:r>
+              <a:rPr lang="ja-JP" altLang="en-US" sz="1200" dirty="0">
+                <a:solidFill>
+                  <a:schemeClr val="bg1"/>
+                </a:solidFill>
+                <a:latin typeface="源ノ角ゴシック Code JP L" panose="020B0300000000000000" pitchFamily="34" charset="-128"/>
+                <a:ea typeface="源ノ角ゴシック Code JP L" panose="020B0300000000000000" pitchFamily="34" charset="-128"/>
+              </a:rPr>
+              <a:t>でコート</a:t>
+            </a:r>
+            <a:r>
+              <a:rPr lang="ja-JP" altLang="en-US" sz="1200" dirty="0" smtClean="0">
+                <a:solidFill>
+                  <a:schemeClr val="bg1"/>
+                </a:solidFill>
+                <a:latin typeface="源ノ角ゴシック Code JP L" panose="020B0300000000000000" pitchFamily="34" charset="-128"/>
+                <a:ea typeface="源ノ角ゴシック Code JP L" panose="020B0300000000000000" pitchFamily="34" charset="-128"/>
+              </a:rPr>
+              <a:t>の中心を取り続け、</a:t>
+            </a:r>
+            <a:endParaRPr lang="en-US" altLang="ja-JP" sz="1200" dirty="0" smtClean="0">
+              <a:solidFill>
+                <a:schemeClr val="bg1"/>
+              </a:solidFill>
+              <a:latin typeface="源ノ角ゴシック Code JP L" panose="020B0300000000000000" pitchFamily="34" charset="-128"/>
+              <a:ea typeface="源ノ角ゴシック Code JP L" panose="020B0300000000000000" pitchFamily="34" charset="-128"/>
+            </a:endParaRPr>
+          </a:p>
+          <a:p>
+            <a:r>
+              <a:rPr lang="ja-JP" altLang="en-US" sz="1200" dirty="0" smtClean="0">
+                <a:solidFill>
+                  <a:schemeClr val="bg1"/>
+                </a:solidFill>
+                <a:latin typeface="源ノ角ゴシック Code JP L" panose="020B0300000000000000" pitchFamily="34" charset="-128"/>
+                <a:ea typeface="源ノ角ゴシック Code JP L" panose="020B0300000000000000" pitchFamily="34" charset="-128"/>
+              </a:rPr>
+              <a:t>ロボット</a:t>
+            </a:r>
+            <a:r>
+              <a:rPr lang="ja-JP" altLang="en-US" sz="1200" dirty="0">
+                <a:solidFill>
+                  <a:schemeClr val="bg1"/>
+                </a:solidFill>
+                <a:latin typeface="源ノ角ゴシック Code JP L" panose="020B0300000000000000" pitchFamily="34" charset="-128"/>
+                <a:ea typeface="源ノ角ゴシック Code JP L" panose="020B0300000000000000" pitchFamily="34" charset="-128"/>
+              </a:rPr>
+              <a:t>から</a:t>
+            </a:r>
+            <a:r>
+              <a:rPr lang="ja-JP" altLang="en-US" sz="1200" dirty="0" smtClean="0">
+                <a:solidFill>
+                  <a:schemeClr val="bg1"/>
+                </a:solidFill>
+                <a:latin typeface="源ノ角ゴシック Code JP L" panose="020B0300000000000000" pitchFamily="34" charset="-128"/>
+                <a:ea typeface="源ノ角ゴシック Code JP L" panose="020B0300000000000000" pitchFamily="34" charset="-128"/>
+              </a:rPr>
+              <a:t>コートの中心</a:t>
+            </a:r>
+            <a:r>
+              <a:rPr lang="ja-JP" altLang="en-US" sz="1200" dirty="0">
+                <a:solidFill>
+                  <a:schemeClr val="bg1"/>
+                </a:solidFill>
+                <a:latin typeface="源ノ角ゴシック Code JP L" panose="020B0300000000000000" pitchFamily="34" charset="-128"/>
+                <a:ea typeface="源ノ角ゴシック Code JP L" panose="020B0300000000000000" pitchFamily="34" charset="-128"/>
+              </a:rPr>
+              <a:t>へ</a:t>
+            </a:r>
+            <a:r>
+              <a:rPr lang="ja-JP" altLang="en-US" sz="1200" dirty="0" smtClean="0">
+                <a:solidFill>
+                  <a:schemeClr val="bg1"/>
+                </a:solidFill>
+                <a:latin typeface="源ノ角ゴシック Code JP L" panose="020B0300000000000000" pitchFamily="34" charset="-128"/>
+                <a:ea typeface="源ノ角ゴシック Code JP L" panose="020B0300000000000000" pitchFamily="34" charset="-128"/>
+              </a:rPr>
+              <a:t>の角度を</a:t>
+            </a:r>
+            <a:endParaRPr lang="en-US" altLang="ja-JP" sz="1200" dirty="0" smtClean="0">
+              <a:solidFill>
+                <a:schemeClr val="bg1"/>
+              </a:solidFill>
+              <a:latin typeface="源ノ角ゴシック Code JP L" panose="020B0300000000000000" pitchFamily="34" charset="-128"/>
+              <a:ea typeface="源ノ角ゴシック Code JP L" panose="020B0300000000000000" pitchFamily="34" charset="-128"/>
+            </a:endParaRPr>
+          </a:p>
+          <a:p>
+            <a:r>
+              <a:rPr lang="ja-JP" altLang="en-US" sz="1200" dirty="0" smtClean="0">
+                <a:solidFill>
+                  <a:schemeClr val="bg1"/>
+                </a:solidFill>
+                <a:latin typeface="源ノ角ゴシック Code JP L" panose="020B0300000000000000" pitchFamily="34" charset="-128"/>
+                <a:ea typeface="源ノ角ゴシック Code JP L" panose="020B0300000000000000" pitchFamily="34" charset="-128"/>
+              </a:rPr>
+              <a:t>算出することによって</a:t>
+            </a:r>
+            <a:r>
+              <a:rPr lang="ja-JP" altLang="en-US" sz="1200" dirty="0">
+                <a:solidFill>
+                  <a:schemeClr val="bg1"/>
+                </a:solidFill>
+                <a:latin typeface="源ノ角ゴシック Code JP L" panose="020B0300000000000000" pitchFamily="34" charset="-128"/>
+                <a:ea typeface="源ノ角ゴシック Code JP L" panose="020B0300000000000000" pitchFamily="34" charset="-128"/>
+              </a:rPr>
+              <a:t>ラインが</a:t>
+            </a:r>
+            <a:r>
+              <a:rPr lang="ja-JP" altLang="en-US" sz="1200" dirty="0" smtClean="0">
+                <a:solidFill>
+                  <a:schemeClr val="bg1"/>
+                </a:solidFill>
+                <a:latin typeface="源ノ角ゴシック Code JP L" panose="020B0300000000000000" pitchFamily="34" charset="-128"/>
+                <a:ea typeface="源ノ角ゴシック Code JP L" panose="020B0300000000000000" pitchFamily="34" charset="-128"/>
+              </a:rPr>
+              <a:t>反応</a:t>
+            </a:r>
+            <a:endParaRPr lang="en-US" altLang="ja-JP" sz="1200" dirty="0" smtClean="0">
+              <a:solidFill>
+                <a:schemeClr val="bg1"/>
+              </a:solidFill>
+              <a:latin typeface="源ノ角ゴシック Code JP L" panose="020B0300000000000000" pitchFamily="34" charset="-128"/>
+              <a:ea typeface="源ノ角ゴシック Code JP L" panose="020B0300000000000000" pitchFamily="34" charset="-128"/>
+            </a:endParaRPr>
+          </a:p>
+          <a:p>
+            <a:r>
+              <a:rPr lang="ja-JP" altLang="en-US" sz="1200" dirty="0" smtClean="0">
+                <a:solidFill>
+                  <a:schemeClr val="bg1"/>
+                </a:solidFill>
+                <a:latin typeface="源ノ角ゴシック Code JP L" panose="020B0300000000000000" pitchFamily="34" charset="-128"/>
+                <a:ea typeface="源ノ角ゴシック Code JP L" panose="020B0300000000000000" pitchFamily="34" charset="-128"/>
+              </a:rPr>
+              <a:t>したときに</a:t>
+            </a:r>
+            <a:r>
+              <a:rPr lang="ja-JP" altLang="en-US" sz="1200" dirty="0">
+                <a:solidFill>
+                  <a:schemeClr val="bg1"/>
+                </a:solidFill>
+                <a:latin typeface="源ノ角ゴシック Code JP L" panose="020B0300000000000000" pitchFamily="34" charset="-128"/>
+                <a:ea typeface="源ノ角ゴシック Code JP L" panose="020B0300000000000000" pitchFamily="34" charset="-128"/>
+              </a:rPr>
+              <a:t>コートの中心方向へ移動</a:t>
+            </a:r>
+            <a:r>
+              <a:rPr lang="ja-JP" altLang="en-US" sz="1200" dirty="0" smtClean="0">
+                <a:solidFill>
+                  <a:schemeClr val="bg1"/>
+                </a:solidFill>
+                <a:latin typeface="源ノ角ゴシック Code JP L" panose="020B0300000000000000" pitchFamily="34" charset="-128"/>
+                <a:ea typeface="源ノ角ゴシック Code JP L" panose="020B0300000000000000" pitchFamily="34" charset="-128"/>
+              </a:rPr>
+              <a:t>する</a:t>
+            </a:r>
+            <a:endParaRPr lang="en-US" altLang="ja-JP" sz="1200" dirty="0" smtClean="0">
+              <a:solidFill>
+                <a:schemeClr val="bg1"/>
+              </a:solidFill>
+              <a:latin typeface="源ノ角ゴシック Code JP L" panose="020B0300000000000000" pitchFamily="34" charset="-128"/>
+              <a:ea typeface="源ノ角ゴシック Code JP L" panose="020B0300000000000000" pitchFamily="34" charset="-128"/>
+            </a:endParaRPr>
+          </a:p>
+          <a:p>
+            <a:r>
+              <a:rPr lang="ja-JP" altLang="en-US" sz="1200" dirty="0" smtClean="0">
+                <a:solidFill>
+                  <a:schemeClr val="bg1"/>
+                </a:solidFill>
+                <a:latin typeface="源ノ角ゴシック Code JP L" panose="020B0300000000000000" pitchFamily="34" charset="-128"/>
+                <a:ea typeface="源ノ角ゴシック Code JP L" panose="020B0300000000000000" pitchFamily="34" charset="-128"/>
+              </a:rPr>
+              <a:t>こと</a:t>
+            </a:r>
+            <a:r>
+              <a:rPr lang="ja-JP" altLang="en-US" sz="1200" dirty="0">
+                <a:solidFill>
+                  <a:schemeClr val="bg1"/>
+                </a:solidFill>
+                <a:latin typeface="源ノ角ゴシック Code JP L" panose="020B0300000000000000" pitchFamily="34" charset="-128"/>
+                <a:ea typeface="源ノ角ゴシック Code JP L" panose="020B0300000000000000" pitchFamily="34" charset="-128"/>
+              </a:rPr>
+              <a:t>が可能になるだけ</a:t>
+            </a:r>
+            <a:r>
+              <a:rPr lang="ja-JP" altLang="en-US" sz="1200" dirty="0" smtClean="0">
+                <a:solidFill>
+                  <a:schemeClr val="bg1"/>
+                </a:solidFill>
+                <a:latin typeface="源ノ角ゴシック Code JP L" panose="020B0300000000000000" pitchFamily="34" charset="-128"/>
+                <a:ea typeface="源ノ角ゴシック Code JP L" panose="020B0300000000000000" pitchFamily="34" charset="-128"/>
+              </a:rPr>
+              <a:t>でなく、</a:t>
+            </a:r>
+            <a:endParaRPr lang="en-US" altLang="ja-JP" sz="1200" dirty="0" smtClean="0">
+              <a:solidFill>
+                <a:schemeClr val="bg1"/>
+              </a:solidFill>
+              <a:latin typeface="源ノ角ゴシック Code JP L" panose="020B0300000000000000" pitchFamily="34" charset="-128"/>
+              <a:ea typeface="源ノ角ゴシック Code JP L" panose="020B0300000000000000" pitchFamily="34" charset="-128"/>
+            </a:endParaRPr>
+          </a:p>
+          <a:p>
+            <a:r>
+              <a:rPr lang="ja-JP" altLang="en-US" sz="1200" dirty="0" smtClean="0">
+                <a:solidFill>
+                  <a:schemeClr val="bg1"/>
+                </a:solidFill>
+                <a:latin typeface="源ノ角ゴシック Code JP L" panose="020B0300000000000000" pitchFamily="34" charset="-128"/>
+                <a:ea typeface="源ノ角ゴシック Code JP L" panose="020B0300000000000000" pitchFamily="34" charset="-128"/>
+              </a:rPr>
+              <a:t>ラインにどの</a:t>
+            </a:r>
+            <a:r>
+              <a:rPr lang="ja-JP" altLang="en-US" sz="1200" dirty="0">
+                <a:solidFill>
+                  <a:schemeClr val="bg1"/>
+                </a:solidFill>
+                <a:latin typeface="源ノ角ゴシック Code JP L" panose="020B0300000000000000" pitchFamily="34" charset="-128"/>
+                <a:ea typeface="源ノ角ゴシック Code JP L" panose="020B0300000000000000" pitchFamily="34" charset="-128"/>
+              </a:rPr>
+              <a:t>角度で乗って</a:t>
+            </a:r>
+            <a:r>
+              <a:rPr lang="ja-JP" altLang="en-US" sz="1200" dirty="0" smtClean="0">
+                <a:solidFill>
+                  <a:schemeClr val="bg1"/>
+                </a:solidFill>
+                <a:latin typeface="源ノ角ゴシック Code JP L" panose="020B0300000000000000" pitchFamily="34" charset="-128"/>
+                <a:ea typeface="源ノ角ゴシック Code JP L" panose="020B0300000000000000" pitchFamily="34" charset="-128"/>
+              </a:rPr>
+              <a:t>も</a:t>
+            </a:r>
+            <a:endParaRPr lang="en-US" altLang="ja-JP" sz="1200" dirty="0" smtClean="0">
+              <a:solidFill>
+                <a:schemeClr val="bg1"/>
+              </a:solidFill>
+              <a:latin typeface="源ノ角ゴシック Code JP L" panose="020B0300000000000000" pitchFamily="34" charset="-128"/>
+              <a:ea typeface="源ノ角ゴシック Code JP L" panose="020B0300000000000000" pitchFamily="34" charset="-128"/>
+            </a:endParaRPr>
+          </a:p>
+          <a:p>
+            <a:r>
+              <a:rPr lang="ja-JP" altLang="en-US" sz="1200" dirty="0" smtClean="0">
+                <a:solidFill>
+                  <a:schemeClr val="bg1"/>
+                </a:solidFill>
+                <a:latin typeface="源ノ角ゴシック Code JP L" panose="020B0300000000000000" pitchFamily="34" charset="-128"/>
+                <a:ea typeface="源ノ角ゴシック Code JP L" panose="020B0300000000000000" pitchFamily="34" charset="-128"/>
+              </a:rPr>
+              <a:t>正確にコート内</a:t>
+            </a:r>
+            <a:r>
+              <a:rPr lang="ja-JP" altLang="en-US" sz="1200" dirty="0">
+                <a:solidFill>
+                  <a:schemeClr val="bg1"/>
+                </a:solidFill>
+                <a:latin typeface="源ノ角ゴシック Code JP L" panose="020B0300000000000000" pitchFamily="34" charset="-128"/>
+                <a:ea typeface="源ノ角ゴシック Code JP L" panose="020B0300000000000000" pitchFamily="34" charset="-128"/>
+              </a:rPr>
+              <a:t>に</a:t>
+            </a:r>
+            <a:r>
+              <a:rPr lang="ja-JP" altLang="en-US" sz="1200" dirty="0" smtClean="0">
+                <a:solidFill>
+                  <a:schemeClr val="bg1"/>
+                </a:solidFill>
+                <a:latin typeface="源ノ角ゴシック Code JP L" panose="020B0300000000000000" pitchFamily="34" charset="-128"/>
+                <a:ea typeface="源ノ角ゴシック Code JP L" panose="020B0300000000000000" pitchFamily="34" charset="-128"/>
+              </a:rPr>
+              <a:t>移動する</a:t>
+            </a:r>
+            <a:r>
+              <a:rPr lang="ja-JP" altLang="en-US" sz="1200" dirty="0">
+                <a:solidFill>
+                  <a:schemeClr val="bg1"/>
+                </a:solidFill>
+                <a:latin typeface="源ノ角ゴシック Code JP L" panose="020B0300000000000000" pitchFamily="34" charset="-128"/>
+                <a:ea typeface="源ノ角ゴシック Code JP L" panose="020B0300000000000000" pitchFamily="34" charset="-128"/>
+              </a:rPr>
+              <a:t>ことが可能になりました。</a:t>
+            </a:r>
+            <a:endParaRPr lang="ja-JP" altLang="en-US" sz="1200" dirty="0">
+              <a:solidFill>
+                <a:schemeClr val="bg1"/>
+              </a:solidFill>
+              <a:latin typeface="源ノ角ゴシック Code JP L" panose="020B0300000000000000" pitchFamily="34" charset="-128"/>
+              <a:ea typeface="源ノ角ゴシック Code JP L" panose="020B0300000000000000" pitchFamily="34" charset="-128"/>
+            </a:endParaRPr>
+          </a:p>
+        </p:txBody>
+      </p:sp>
+      <p:sp>
+        <p:nvSpPr>
+          <p:cNvPr id="232" name="角丸四角形 231"/>
+          <p:cNvSpPr/>
+          <p:nvPr/>
+        </p:nvSpPr>
+        <p:spPr>
+          <a:xfrm>
+            <a:off x="2359934" y="5740850"/>
+            <a:ext cx="1592544" cy="1490415"/>
+          </a:xfrm>
+          <a:prstGeom prst="roundRect">
+            <a:avLst>
+              <a:gd name="adj" fmla="val 8185"/>
+            </a:avLst>
+          </a:prstGeom>
+          <a:solidFill>
+            <a:schemeClr val="bg2">
+              <a:lumMod val="25000"/>
+            </a:schemeClr>
+          </a:solidFill>
+        </p:spPr>
+        <p:style>
+          <a:lnRef idx="2">
+            <a:schemeClr val="dk1">
+              <a:shade val="50000"/>
+            </a:schemeClr>
+          </a:lnRef>
+          <a:fillRef idx="1">
+            <a:schemeClr val="dk1"/>
+          </a:fillRef>
+          <a:effectRef idx="0">
+            <a:schemeClr val="dk1"/>
+          </a:effectRef>
+          <a:fontRef idx="minor">
+            <a:schemeClr val="lt1"/>
+          </a:fontRef>
+        </p:style>
+        <p:txBody>
+          <a:bodyPr rot="0" spcFirstLastPara="0" vertOverflow="overflow" horzOverflow="overflow" vert="horz" wrap="square" lIns="101827" tIns="50913" rIns="101827" bIns="50913" numCol="1" spcCol="0" rtlCol="0" fromWordArt="0" anchor="ctr" anchorCtr="0" forceAA="0" compatLnSpc="1">
+            <a:prstTxWarp prst="textNoShape">
+              <a:avLst/>
+            </a:prstTxWarp>
+            <a:noAutofit/>
+          </a:bodyPr>
+          <a:lstStyle/>
+          <a:p>
+            <a:pPr algn="ctr"/>
+            <a:endParaRPr lang="ja-JP" altLang="en-US" sz="3086"/>
+          </a:p>
+        </p:txBody>
+      </p:sp>
+      <p:pic>
+        <p:nvPicPr>
+          <p:cNvPr id="231" name="図 230"/>
+          <p:cNvPicPr>
+            <a:picLocks noChangeAspect="1"/>
+          </p:cNvPicPr>
+          <p:nvPr/>
+        </p:nvPicPr>
+        <p:blipFill>
+          <a:blip r:embed="rId9" cstate="print">
+            <a:extLst>
+              <a:ext uri="{28A0092B-C50C-407E-A947-70E740481C1C}">
+                <a14:useLocalDpi xmlns:a14="http://schemas.microsoft.com/office/drawing/2010/main" val="0"/>
+              </a:ext>
+            </a:extLst>
+          </a:blip>
+          <a:stretch>
+            <a:fillRect/>
+          </a:stretch>
+        </p:blipFill>
+        <p:spPr>
+          <a:xfrm rot="10800000">
+            <a:off x="2303397" y="5785898"/>
+            <a:ext cx="1763935" cy="1418747"/>
+          </a:xfrm>
+          <a:prstGeom prst="rect">
+            <a:avLst/>
+          </a:prstGeom>
+        </p:spPr>
+      </p:pic>
+      <p:sp>
+        <p:nvSpPr>
+          <p:cNvPr id="233" name="テキスト ボックス 232"/>
+          <p:cNvSpPr txBox="1"/>
+          <p:nvPr/>
+        </p:nvSpPr>
+        <p:spPr>
+          <a:xfrm>
+            <a:off x="12452762" y="4333696"/>
+            <a:ext cx="2513930" cy="2800767"/>
+          </a:xfrm>
+          <a:prstGeom prst="rect">
+            <a:avLst/>
+          </a:prstGeom>
+          <a:noFill/>
+        </p:spPr>
+        <p:txBody>
+          <a:bodyPr wrap="square" rtlCol="0">
+            <a:spAutoFit/>
+          </a:bodyPr>
+          <a:lstStyle/>
+          <a:p>
+            <a:r>
+              <a:rPr lang="ja-JP" altLang="en-US" sz="2000" dirty="0">
+                <a:solidFill>
+                  <a:schemeClr val="bg1"/>
+                </a:solidFill>
+                <a:latin typeface="源ノ角ゴシック Code JP M" panose="020B0600000000000000" pitchFamily="34" charset="-128"/>
+                <a:ea typeface="源ノ角ゴシック Code JP M" panose="020B0600000000000000" pitchFamily="34" charset="-128"/>
+              </a:rPr>
+              <a:t>ボールセンサ</a:t>
+            </a:r>
+            <a:r>
+              <a:rPr lang="ja-JP" altLang="en-US" sz="2000" dirty="0" smtClean="0">
+                <a:solidFill>
+                  <a:schemeClr val="bg1"/>
+                </a:solidFill>
+                <a:latin typeface="源ノ角ゴシック Code JP M" panose="020B0600000000000000" pitchFamily="34" charset="-128"/>
+                <a:ea typeface="源ノ角ゴシック Code JP M" panose="020B0600000000000000" pitchFamily="34" charset="-128"/>
+              </a:rPr>
+              <a:t>の</a:t>
+            </a:r>
+            <a:r>
+              <a:rPr lang="ja-JP" altLang="en-US" sz="2000" dirty="0">
+                <a:solidFill>
+                  <a:schemeClr val="bg1"/>
+                </a:solidFill>
+                <a:latin typeface="源ノ角ゴシック Code JP M" panose="020B0600000000000000" pitchFamily="34" charset="-128"/>
+                <a:ea typeface="源ノ角ゴシック Code JP M" panose="020B0600000000000000" pitchFamily="34" charset="-128"/>
+              </a:rPr>
+              <a:t>制御 </a:t>
+            </a:r>
+            <a:r>
+              <a:rPr lang="ja-JP" altLang="en-US" sz="2000" dirty="0" smtClean="0">
+                <a:solidFill>
+                  <a:schemeClr val="bg1"/>
+                </a:solidFill>
+                <a:latin typeface="源ノ角ゴシック Code JP M" panose="020B0600000000000000" pitchFamily="34" charset="-128"/>
+                <a:ea typeface="源ノ角ゴシック Code JP M" panose="020B0600000000000000" pitchFamily="34" charset="-128"/>
+              </a:rPr>
+              <a:t> </a:t>
+            </a:r>
+            <a:r>
+              <a:rPr lang="ja-JP" altLang="en-US" sz="1200" dirty="0">
+                <a:solidFill>
+                  <a:schemeClr val="bg1"/>
+                </a:solidFill>
+                <a:latin typeface="源ノ角ゴシック Code JP L" panose="020B0300000000000000" pitchFamily="34" charset="-128"/>
+                <a:ea typeface="源ノ角ゴシック Code JP L" panose="020B0300000000000000" pitchFamily="34" charset="-128"/>
+              </a:rPr>
+              <a:t>　　</a:t>
+            </a:r>
+            <a:endParaRPr lang="en-US" altLang="ja-JP" sz="1200" dirty="0" smtClean="0">
+              <a:solidFill>
+                <a:schemeClr val="bg1"/>
+              </a:solidFill>
+              <a:latin typeface="源ノ角ゴシック Code JP L" panose="020B0300000000000000" pitchFamily="34" charset="-128"/>
+              <a:ea typeface="源ノ角ゴシック Code JP L" panose="020B0300000000000000" pitchFamily="34" charset="-128"/>
+            </a:endParaRPr>
+          </a:p>
+          <a:p>
+            <a:r>
+              <a:rPr lang="ja-JP" altLang="en-US" sz="1200" dirty="0">
+                <a:solidFill>
+                  <a:schemeClr val="bg1"/>
+                </a:solidFill>
+                <a:latin typeface="源ノ角ゴシック Code JP L" panose="020B0300000000000000" pitchFamily="34" charset="-128"/>
+                <a:ea typeface="源ノ角ゴシック Code JP L" panose="020B0300000000000000" pitchFamily="34" charset="-128"/>
+              </a:rPr>
+              <a:t>今まで</a:t>
+            </a:r>
+            <a:r>
+              <a:rPr lang="ja-JP" altLang="en-US" sz="1200" dirty="0" smtClean="0">
+                <a:solidFill>
+                  <a:schemeClr val="bg1"/>
+                </a:solidFill>
+                <a:latin typeface="源ノ角ゴシック Code JP L" panose="020B0300000000000000" pitchFamily="34" charset="-128"/>
+                <a:ea typeface="源ノ角ゴシック Code JP L" panose="020B0300000000000000" pitchFamily="34" charset="-128"/>
+              </a:rPr>
+              <a:t>はボールセンサー</a:t>
+            </a:r>
+            <a:r>
+              <a:rPr lang="ja-JP" altLang="en-US" sz="1200" dirty="0">
+                <a:solidFill>
+                  <a:schemeClr val="bg1"/>
+                </a:solidFill>
+                <a:latin typeface="源ノ角ゴシック Code JP L" panose="020B0300000000000000" pitchFamily="34" charset="-128"/>
+                <a:ea typeface="源ノ角ゴシック Code JP L" panose="020B0300000000000000" pitchFamily="34" charset="-128"/>
+              </a:rPr>
+              <a:t>を</a:t>
+            </a:r>
+            <a:r>
+              <a:rPr lang="ja-JP" altLang="en-US" sz="1200" dirty="0" smtClean="0">
+                <a:solidFill>
+                  <a:schemeClr val="bg1"/>
+                </a:solidFill>
+                <a:latin typeface="源ノ角ゴシック Code JP L" panose="020B0300000000000000" pitchFamily="34" charset="-128"/>
+                <a:ea typeface="源ノ角ゴシック Code JP L" panose="020B0300000000000000" pitchFamily="34" charset="-128"/>
+              </a:rPr>
+              <a:t>すべて</a:t>
+            </a:r>
+            <a:endParaRPr lang="en-US" altLang="ja-JP" sz="1200" dirty="0" smtClean="0">
+              <a:solidFill>
+                <a:schemeClr val="bg1"/>
+              </a:solidFill>
+              <a:latin typeface="源ノ角ゴシック Code JP L" panose="020B0300000000000000" pitchFamily="34" charset="-128"/>
+              <a:ea typeface="源ノ角ゴシック Code JP L" panose="020B0300000000000000" pitchFamily="34" charset="-128"/>
+            </a:endParaRPr>
+          </a:p>
+          <a:p>
+            <a:r>
+              <a:rPr lang="ja-JP" altLang="en-US" sz="1200" dirty="0" smtClean="0">
+                <a:solidFill>
+                  <a:schemeClr val="bg1"/>
+                </a:solidFill>
+                <a:latin typeface="源ノ角ゴシック Code JP L" panose="020B0300000000000000" pitchFamily="34" charset="-128"/>
+                <a:ea typeface="源ノ角ゴシック Code JP L" panose="020B0300000000000000" pitchFamily="34" charset="-128"/>
+              </a:rPr>
+              <a:t>メインマイコンに接続</a:t>
+            </a:r>
+            <a:r>
+              <a:rPr lang="ja-JP" altLang="en-US" sz="1200" dirty="0">
+                <a:solidFill>
+                  <a:schemeClr val="bg1"/>
+                </a:solidFill>
+                <a:latin typeface="源ノ角ゴシック Code JP L" panose="020B0300000000000000" pitchFamily="34" charset="-128"/>
+                <a:ea typeface="源ノ角ゴシック Code JP L" panose="020B0300000000000000" pitchFamily="34" charset="-128"/>
+              </a:rPr>
+              <a:t>し、反応</a:t>
+            </a:r>
+            <a:r>
+              <a:rPr lang="ja-JP" altLang="en-US" sz="1200" dirty="0" smtClean="0">
+                <a:solidFill>
+                  <a:schemeClr val="bg1"/>
+                </a:solidFill>
+                <a:latin typeface="源ノ角ゴシック Code JP L" panose="020B0300000000000000" pitchFamily="34" charset="-128"/>
+                <a:ea typeface="源ノ角ゴシック Code JP L" panose="020B0300000000000000" pitchFamily="34" charset="-128"/>
+              </a:rPr>
+              <a:t>したものの組み合わせ</a:t>
+            </a:r>
+            <a:r>
+              <a:rPr lang="ja-JP" altLang="en-US" sz="1200" dirty="0">
+                <a:solidFill>
+                  <a:schemeClr val="bg1"/>
+                </a:solidFill>
+                <a:latin typeface="源ノ角ゴシック Code JP L" panose="020B0300000000000000" pitchFamily="34" charset="-128"/>
+                <a:ea typeface="源ノ角ゴシック Code JP L" panose="020B0300000000000000" pitchFamily="34" charset="-128"/>
+              </a:rPr>
+              <a:t>で移動方向を</a:t>
+            </a:r>
+            <a:r>
+              <a:rPr lang="ja-JP" altLang="en-US" sz="1200" dirty="0" smtClean="0">
+                <a:solidFill>
+                  <a:schemeClr val="bg1"/>
+                </a:solidFill>
+                <a:latin typeface="源ノ角ゴシック Code JP L" panose="020B0300000000000000" pitchFamily="34" charset="-128"/>
+                <a:ea typeface="源ノ角ゴシック Code JP L" panose="020B0300000000000000" pitchFamily="34" charset="-128"/>
+              </a:rPr>
+              <a:t>判断する制御</a:t>
+            </a:r>
+            <a:r>
+              <a:rPr lang="ja-JP" altLang="en-US" sz="1200" dirty="0">
+                <a:solidFill>
+                  <a:schemeClr val="bg1"/>
+                </a:solidFill>
+                <a:latin typeface="源ノ角ゴシック Code JP L" panose="020B0300000000000000" pitchFamily="34" charset="-128"/>
+                <a:ea typeface="源ノ角ゴシック Code JP L" panose="020B0300000000000000" pitchFamily="34" charset="-128"/>
+              </a:rPr>
+              <a:t>方法</a:t>
+            </a:r>
+            <a:r>
+              <a:rPr lang="ja-JP" altLang="en-US" sz="1200" dirty="0" smtClean="0">
+                <a:solidFill>
+                  <a:schemeClr val="bg1"/>
+                </a:solidFill>
+                <a:latin typeface="源ノ角ゴシック Code JP L" panose="020B0300000000000000" pitchFamily="34" charset="-128"/>
+                <a:ea typeface="源ノ角ゴシック Code JP L" panose="020B0300000000000000" pitchFamily="34" charset="-128"/>
+              </a:rPr>
+              <a:t>を使用</a:t>
+            </a:r>
+            <a:r>
+              <a:rPr lang="ja-JP" altLang="en-US" sz="1200" dirty="0">
+                <a:solidFill>
+                  <a:schemeClr val="bg1"/>
+                </a:solidFill>
+                <a:latin typeface="源ノ角ゴシック Code JP L" panose="020B0300000000000000" pitchFamily="34" charset="-128"/>
+                <a:ea typeface="源ノ角ゴシック Code JP L" panose="020B0300000000000000" pitchFamily="34" charset="-128"/>
+              </a:rPr>
+              <a:t>してきました</a:t>
+            </a:r>
+            <a:r>
+              <a:rPr lang="ja-JP" altLang="en-US" sz="1200" dirty="0" smtClean="0">
+                <a:solidFill>
+                  <a:schemeClr val="bg1"/>
+                </a:solidFill>
+                <a:latin typeface="源ノ角ゴシック Code JP L" panose="020B0300000000000000" pitchFamily="34" charset="-128"/>
+                <a:ea typeface="源ノ角ゴシック Code JP L" panose="020B0300000000000000" pitchFamily="34" charset="-128"/>
+              </a:rPr>
+              <a:t>。今</a:t>
+            </a:r>
+            <a:r>
+              <a:rPr lang="ja-JP" altLang="en-US" sz="1200" dirty="0">
+                <a:solidFill>
+                  <a:schemeClr val="bg1"/>
+                </a:solidFill>
+                <a:latin typeface="源ノ角ゴシック Code JP L" panose="020B0300000000000000" pitchFamily="34" charset="-128"/>
+                <a:ea typeface="源ノ角ゴシック Code JP L" panose="020B0300000000000000" pitchFamily="34" charset="-128"/>
+              </a:rPr>
+              <a:t>シーズン</a:t>
+            </a:r>
+            <a:r>
+              <a:rPr lang="ja-JP" altLang="en-US" sz="1200" dirty="0" smtClean="0">
+                <a:solidFill>
+                  <a:schemeClr val="bg1"/>
+                </a:solidFill>
+                <a:latin typeface="源ノ角ゴシック Code JP L" panose="020B0300000000000000" pitchFamily="34" charset="-128"/>
+                <a:ea typeface="源ノ角ゴシック Code JP L" panose="020B0300000000000000" pitchFamily="34" charset="-128"/>
+              </a:rPr>
+              <a:t>からボールセンサーを一度別</a:t>
+            </a:r>
+            <a:r>
+              <a:rPr lang="ja-JP" altLang="en-US" sz="1200" dirty="0">
+                <a:solidFill>
+                  <a:schemeClr val="bg1"/>
+                </a:solidFill>
+                <a:latin typeface="源ノ角ゴシック Code JP L" panose="020B0300000000000000" pitchFamily="34" charset="-128"/>
+                <a:ea typeface="源ノ角ゴシック Code JP L" panose="020B0300000000000000" pitchFamily="34" charset="-128"/>
+              </a:rPr>
+              <a:t>マイコンに接続</a:t>
+            </a:r>
+            <a:r>
+              <a:rPr lang="ja-JP" altLang="en-US" sz="1200" dirty="0" smtClean="0">
+                <a:solidFill>
+                  <a:schemeClr val="bg1"/>
+                </a:solidFill>
+                <a:latin typeface="源ノ角ゴシック Code JP L" panose="020B0300000000000000" pitchFamily="34" charset="-128"/>
+                <a:ea typeface="源ノ角ゴシック Code JP L" panose="020B0300000000000000" pitchFamily="34" charset="-128"/>
+              </a:rPr>
+              <a:t>し、各ボールセンサの反応値から</a:t>
+            </a:r>
+            <a:endParaRPr lang="en-US" altLang="ja-JP" sz="1200" dirty="0" smtClean="0">
+              <a:solidFill>
+                <a:schemeClr val="bg1"/>
+              </a:solidFill>
+              <a:latin typeface="源ノ角ゴシック Code JP L" panose="020B0300000000000000" pitchFamily="34" charset="-128"/>
+              <a:ea typeface="源ノ角ゴシック Code JP L" panose="020B0300000000000000" pitchFamily="34" charset="-128"/>
+            </a:endParaRPr>
+          </a:p>
+          <a:p>
+            <a:r>
+              <a:rPr lang="ja-JP" altLang="en-US" sz="1200" dirty="0" smtClean="0">
+                <a:solidFill>
+                  <a:schemeClr val="bg1"/>
+                </a:solidFill>
+                <a:latin typeface="源ノ角ゴシック Code JP L" panose="020B0300000000000000" pitchFamily="34" charset="-128"/>
+                <a:ea typeface="源ノ角ゴシック Code JP L" panose="020B0300000000000000" pitchFamily="34" charset="-128"/>
+              </a:rPr>
+              <a:t>ボールの角度を算出・出力</a:t>
+            </a:r>
+            <a:r>
+              <a:rPr lang="ja-JP" altLang="en-US" sz="1200" dirty="0">
+                <a:solidFill>
+                  <a:schemeClr val="bg1"/>
+                </a:solidFill>
+                <a:latin typeface="源ノ角ゴシック Code JP L" panose="020B0300000000000000" pitchFamily="34" charset="-128"/>
+                <a:ea typeface="源ノ角ゴシック Code JP L" panose="020B0300000000000000" pitchFamily="34" charset="-128"/>
+              </a:rPr>
+              <a:t>し</a:t>
+            </a:r>
+            <a:r>
+              <a:rPr lang="ja-JP" altLang="en-US" sz="1200" dirty="0" smtClean="0">
+                <a:solidFill>
+                  <a:schemeClr val="bg1"/>
+                </a:solidFill>
+                <a:latin typeface="源ノ角ゴシック Code JP L" panose="020B0300000000000000" pitchFamily="34" charset="-128"/>
+                <a:ea typeface="源ノ角ゴシック Code JP L" panose="020B0300000000000000" pitchFamily="34" charset="-128"/>
+              </a:rPr>
+              <a:t>、</a:t>
+            </a:r>
+            <a:endParaRPr lang="en-US" altLang="ja-JP" sz="1200" dirty="0" smtClean="0">
+              <a:solidFill>
+                <a:schemeClr val="bg1"/>
+              </a:solidFill>
+              <a:latin typeface="源ノ角ゴシック Code JP L" panose="020B0300000000000000" pitchFamily="34" charset="-128"/>
+              <a:ea typeface="源ノ角ゴシック Code JP L" panose="020B0300000000000000" pitchFamily="34" charset="-128"/>
+            </a:endParaRPr>
+          </a:p>
+          <a:p>
+            <a:r>
+              <a:rPr lang="ja-JP" altLang="en-US" sz="1200" dirty="0" smtClean="0">
+                <a:solidFill>
+                  <a:schemeClr val="bg1"/>
+                </a:solidFill>
+                <a:latin typeface="源ノ角ゴシック Code JP L" panose="020B0300000000000000" pitchFamily="34" charset="-128"/>
+                <a:ea typeface="源ノ角ゴシック Code JP L" panose="020B0300000000000000" pitchFamily="34" charset="-128"/>
+              </a:rPr>
+              <a:t>それ</a:t>
+            </a:r>
+            <a:r>
+              <a:rPr lang="ja-JP" altLang="en-US" sz="1200" dirty="0">
+                <a:solidFill>
+                  <a:schemeClr val="bg1"/>
+                </a:solidFill>
+                <a:latin typeface="源ノ角ゴシック Code JP L" panose="020B0300000000000000" pitchFamily="34" charset="-128"/>
+                <a:ea typeface="源ノ角ゴシック Code JP L" panose="020B0300000000000000" pitchFamily="34" charset="-128"/>
+              </a:rPr>
+              <a:t>をもと</a:t>
+            </a:r>
+            <a:r>
+              <a:rPr lang="ja-JP" altLang="en-US" sz="1200" dirty="0" smtClean="0">
+                <a:solidFill>
+                  <a:schemeClr val="bg1"/>
+                </a:solidFill>
+                <a:latin typeface="源ノ角ゴシック Code JP L" panose="020B0300000000000000" pitchFamily="34" charset="-128"/>
+                <a:ea typeface="源ノ角ゴシック Code JP L" panose="020B0300000000000000" pitchFamily="34" charset="-128"/>
+              </a:rPr>
+              <a:t>に移動する制御</a:t>
+            </a:r>
+            <a:r>
+              <a:rPr lang="ja-JP" altLang="en-US" sz="1200" dirty="0">
+                <a:solidFill>
+                  <a:schemeClr val="bg1"/>
+                </a:solidFill>
+                <a:latin typeface="源ノ角ゴシック Code JP L" panose="020B0300000000000000" pitchFamily="34" charset="-128"/>
+                <a:ea typeface="源ノ角ゴシック Code JP L" panose="020B0300000000000000" pitchFamily="34" charset="-128"/>
+              </a:rPr>
+              <a:t>方法に</a:t>
+            </a:r>
+            <a:r>
+              <a:rPr lang="ja-JP" altLang="en-US" sz="1200" dirty="0" smtClean="0">
+                <a:solidFill>
+                  <a:schemeClr val="bg1"/>
+                </a:solidFill>
+                <a:latin typeface="源ノ角ゴシック Code JP L" panose="020B0300000000000000" pitchFamily="34" charset="-128"/>
+                <a:ea typeface="源ノ角ゴシック Code JP L" panose="020B0300000000000000" pitchFamily="34" charset="-128"/>
+              </a:rPr>
+              <a:t>変更しました。センサーの数を</a:t>
+            </a:r>
+            <a:endParaRPr lang="en-US" altLang="ja-JP" sz="1200" dirty="0" smtClean="0">
+              <a:solidFill>
+                <a:schemeClr val="bg1"/>
+              </a:solidFill>
+              <a:latin typeface="源ノ角ゴシック Code JP L" panose="020B0300000000000000" pitchFamily="34" charset="-128"/>
+              <a:ea typeface="源ノ角ゴシック Code JP L" panose="020B0300000000000000" pitchFamily="34" charset="-128"/>
+            </a:endParaRPr>
+          </a:p>
+          <a:p>
+            <a:r>
+              <a:rPr lang="ja-JP" altLang="en-US" sz="1200" dirty="0" smtClean="0">
+                <a:solidFill>
+                  <a:schemeClr val="bg1"/>
+                </a:solidFill>
+                <a:latin typeface="源ノ角ゴシック Code JP L" panose="020B0300000000000000" pitchFamily="34" charset="-128"/>
+                <a:ea typeface="源ノ角ゴシック Code JP L" panose="020B0300000000000000" pitchFamily="34" charset="-128"/>
+              </a:rPr>
+              <a:t>以前</a:t>
+            </a:r>
+            <a:r>
+              <a:rPr lang="ja-JP" altLang="en-US" sz="1200" dirty="0">
+                <a:solidFill>
+                  <a:schemeClr val="bg1"/>
+                </a:solidFill>
+                <a:latin typeface="源ノ角ゴシック Code JP L" panose="020B0300000000000000" pitchFamily="34" charset="-128"/>
+                <a:ea typeface="源ノ角ゴシック Code JP L" panose="020B0300000000000000" pitchFamily="34" charset="-128"/>
+              </a:rPr>
+              <a:t>より追加</a:t>
+            </a:r>
+            <a:r>
+              <a:rPr lang="ja-JP" altLang="en-US" sz="1200" dirty="0" smtClean="0">
+                <a:solidFill>
+                  <a:schemeClr val="bg1"/>
+                </a:solidFill>
+                <a:latin typeface="源ノ角ゴシック Code JP L" panose="020B0300000000000000" pitchFamily="34" charset="-128"/>
+                <a:ea typeface="源ノ角ゴシック Code JP L" panose="020B0300000000000000" pitchFamily="34" charset="-128"/>
+              </a:rPr>
+              <a:t>したこと</a:t>
+            </a:r>
+            <a:r>
+              <a:rPr lang="ja-JP" altLang="en-US" sz="1200" dirty="0">
+                <a:solidFill>
+                  <a:schemeClr val="bg1"/>
+                </a:solidFill>
+                <a:latin typeface="源ノ角ゴシック Code JP L" panose="020B0300000000000000" pitchFamily="34" charset="-128"/>
+                <a:ea typeface="源ノ角ゴシック Code JP L" panose="020B0300000000000000" pitchFamily="34" charset="-128"/>
+              </a:rPr>
+              <a:t>で、</a:t>
+            </a:r>
+            <a:r>
+              <a:rPr lang="ja-JP" altLang="en-US" sz="1200" dirty="0" smtClean="0">
+                <a:solidFill>
+                  <a:schemeClr val="bg1"/>
+                </a:solidFill>
+                <a:latin typeface="源ノ角ゴシック Code JP L" panose="020B0300000000000000" pitchFamily="34" charset="-128"/>
+                <a:ea typeface="源ノ角ゴシック Code JP L" panose="020B0300000000000000" pitchFamily="34" charset="-128"/>
+              </a:rPr>
+              <a:t>より</a:t>
+            </a:r>
+            <a:endParaRPr lang="en-US" altLang="ja-JP" sz="1200" dirty="0" smtClean="0">
+              <a:solidFill>
+                <a:schemeClr val="bg1"/>
+              </a:solidFill>
+              <a:latin typeface="源ノ角ゴシック Code JP L" panose="020B0300000000000000" pitchFamily="34" charset="-128"/>
+              <a:ea typeface="源ノ角ゴシック Code JP L" panose="020B0300000000000000" pitchFamily="34" charset="-128"/>
+            </a:endParaRPr>
+          </a:p>
+          <a:p>
+            <a:r>
+              <a:rPr lang="ja-JP" altLang="en-US" sz="1200" dirty="0" smtClean="0">
+                <a:solidFill>
+                  <a:schemeClr val="bg1"/>
+                </a:solidFill>
+                <a:latin typeface="源ノ角ゴシック Code JP L" panose="020B0300000000000000" pitchFamily="34" charset="-128"/>
+                <a:ea typeface="源ノ角ゴシック Code JP L" panose="020B0300000000000000" pitchFamily="34" charset="-128"/>
+              </a:rPr>
+              <a:t>正確なボール</a:t>
+            </a:r>
+            <a:r>
+              <a:rPr lang="ja-JP" altLang="en-US" sz="1200" dirty="0">
+                <a:solidFill>
+                  <a:schemeClr val="bg1"/>
+                </a:solidFill>
+                <a:latin typeface="源ノ角ゴシック Code JP L" panose="020B0300000000000000" pitchFamily="34" charset="-128"/>
+                <a:ea typeface="源ノ角ゴシック Code JP L" panose="020B0300000000000000" pitchFamily="34" charset="-128"/>
+              </a:rPr>
+              <a:t>の</a:t>
+            </a:r>
+            <a:r>
+              <a:rPr lang="ja-JP" altLang="en-US" sz="1200" dirty="0" smtClean="0">
+                <a:solidFill>
+                  <a:schemeClr val="bg1"/>
+                </a:solidFill>
+                <a:latin typeface="源ノ角ゴシック Code JP L" panose="020B0300000000000000" pitchFamily="34" charset="-128"/>
+                <a:ea typeface="源ノ角ゴシック Code JP L" panose="020B0300000000000000" pitchFamily="34" charset="-128"/>
+              </a:rPr>
+              <a:t>位置の把握、回り込みができるように</a:t>
+            </a:r>
+            <a:r>
+              <a:rPr lang="ja-JP" altLang="en-US" sz="1200" dirty="0">
+                <a:solidFill>
+                  <a:schemeClr val="bg1"/>
+                </a:solidFill>
+                <a:latin typeface="源ノ角ゴシック Code JP L" panose="020B0300000000000000" pitchFamily="34" charset="-128"/>
+                <a:ea typeface="源ノ角ゴシック Code JP L" panose="020B0300000000000000" pitchFamily="34" charset="-128"/>
+              </a:rPr>
+              <a:t>なりました。</a:t>
+            </a:r>
+            <a:endParaRPr lang="ja-JP" altLang="en-US" sz="1200" dirty="0">
+              <a:solidFill>
+                <a:schemeClr val="bg1"/>
+              </a:solidFill>
+              <a:latin typeface="源ノ角ゴシック Code JP L" panose="020B0300000000000000" pitchFamily="34" charset="-128"/>
+              <a:ea typeface="源ノ角ゴシック Code JP L" panose="020B0300000000000000" pitchFamily="34" charset="-128"/>
+            </a:endParaRPr>
+          </a:p>
+        </p:txBody>
+      </p:sp>
+      <p:sp>
+        <p:nvSpPr>
+          <p:cNvPr id="235" name="テキスト ボックス 234"/>
+          <p:cNvSpPr txBox="1"/>
+          <p:nvPr/>
+        </p:nvSpPr>
+        <p:spPr>
+          <a:xfrm>
+            <a:off x="237203" y="7541968"/>
+            <a:ext cx="3934941" cy="2893100"/>
+          </a:xfrm>
+          <a:prstGeom prst="rect">
+            <a:avLst/>
+          </a:prstGeom>
+          <a:noFill/>
+        </p:spPr>
+        <p:txBody>
+          <a:bodyPr wrap="square" rtlCol="0">
+            <a:spAutoFit/>
+          </a:bodyPr>
+          <a:lstStyle/>
+          <a:p>
+            <a:r>
+              <a:rPr lang="ja-JP" altLang="en-US" sz="2800" dirty="0" smtClean="0">
+                <a:solidFill>
+                  <a:schemeClr val="bg1"/>
+                </a:solidFill>
+                <a:latin typeface="源ノ角ゴシック Code JP M" panose="020B0600000000000000" pitchFamily="34" charset="-128"/>
+                <a:ea typeface="源ノ角ゴシック Code JP M" panose="020B0600000000000000" pitchFamily="34" charset="-128"/>
+              </a:rPr>
+              <a:t>円形</a:t>
+            </a:r>
+            <a:r>
+              <a:rPr lang="ja-JP" altLang="en-US" sz="2800" dirty="0">
+                <a:solidFill>
+                  <a:schemeClr val="bg1"/>
+                </a:solidFill>
+                <a:latin typeface="源ノ角ゴシック Code JP M" panose="020B0600000000000000" pitchFamily="34" charset="-128"/>
+                <a:ea typeface="源ノ角ゴシック Code JP M" panose="020B0600000000000000" pitchFamily="34" charset="-128"/>
+              </a:rPr>
+              <a:t>ライン</a:t>
+            </a:r>
+            <a:r>
+              <a:rPr lang="ja-JP" altLang="en-US" sz="1200" dirty="0">
+                <a:solidFill>
+                  <a:schemeClr val="bg1"/>
+                </a:solidFill>
+                <a:latin typeface="源ノ角ゴシック Code JP L" panose="020B0300000000000000" pitchFamily="34" charset="-128"/>
+                <a:ea typeface="源ノ角ゴシック Code JP L" panose="020B0300000000000000" pitchFamily="34" charset="-128"/>
+              </a:rPr>
+              <a:t>　　</a:t>
+            </a:r>
+            <a:endParaRPr lang="en-US" altLang="ja-JP" sz="1200" dirty="0" smtClean="0">
+              <a:solidFill>
+                <a:schemeClr val="bg1"/>
+              </a:solidFill>
+              <a:latin typeface="源ノ角ゴシック Code JP L" panose="020B0300000000000000" pitchFamily="34" charset="-128"/>
+              <a:ea typeface="源ノ角ゴシック Code JP L" panose="020B0300000000000000" pitchFamily="34" charset="-128"/>
+            </a:endParaRPr>
+          </a:p>
+          <a:p>
+            <a:r>
+              <a:rPr lang="ja-JP" altLang="en-US" sz="1400" dirty="0">
+                <a:solidFill>
+                  <a:schemeClr val="bg1"/>
+                </a:solidFill>
+                <a:latin typeface="源ノ角ゴシック Code JP L" panose="020B0300000000000000" pitchFamily="34" charset="-128"/>
+                <a:ea typeface="源ノ角ゴシック Code JP L" panose="020B0300000000000000" pitchFamily="34" charset="-128"/>
+              </a:rPr>
+              <a:t>今年は</a:t>
+            </a:r>
+            <a:r>
+              <a:rPr lang="ja-JP" altLang="en-US" sz="1400" dirty="0" smtClean="0">
+                <a:solidFill>
+                  <a:schemeClr val="bg1"/>
+                </a:solidFill>
+                <a:latin typeface="源ノ角ゴシック Code JP L" panose="020B0300000000000000" pitchFamily="34" charset="-128"/>
+                <a:ea typeface="源ノ角ゴシック Code JP L" panose="020B0300000000000000" pitchFamily="34" charset="-128"/>
+              </a:rPr>
+              <a:t>、小サイズのラインセンサー</a:t>
+            </a:r>
+            <a:r>
+              <a:rPr lang="ja-JP" altLang="en-US" sz="1400" dirty="0">
+                <a:solidFill>
+                  <a:schemeClr val="bg1"/>
+                </a:solidFill>
+                <a:latin typeface="源ノ角ゴシック Code JP L" panose="020B0300000000000000" pitchFamily="34" charset="-128"/>
+                <a:ea typeface="源ノ角ゴシック Code JP L" panose="020B0300000000000000" pitchFamily="34" charset="-128"/>
+              </a:rPr>
+              <a:t>数個から、センサー</a:t>
+            </a:r>
+            <a:r>
+              <a:rPr lang="en-US" altLang="ja-JP" sz="1400" dirty="0">
+                <a:solidFill>
+                  <a:schemeClr val="bg1"/>
+                </a:solidFill>
+                <a:latin typeface="源ノ角ゴシック Code JP L" panose="020B0300000000000000" pitchFamily="34" charset="-128"/>
+                <a:ea typeface="源ノ角ゴシック Code JP L" panose="020B0300000000000000" pitchFamily="34" charset="-128"/>
+              </a:rPr>
+              <a:t>16</a:t>
+            </a:r>
+            <a:r>
+              <a:rPr lang="ja-JP" altLang="en-US" sz="1400" dirty="0">
+                <a:solidFill>
+                  <a:schemeClr val="bg1"/>
+                </a:solidFill>
+                <a:latin typeface="源ノ角ゴシック Code JP L" panose="020B0300000000000000" pitchFamily="34" charset="-128"/>
+                <a:ea typeface="源ノ角ゴシック Code JP L" panose="020B0300000000000000" pitchFamily="34" charset="-128"/>
+              </a:rPr>
+              <a:t>個を円形に配置したものに変更</a:t>
+            </a:r>
+            <a:r>
+              <a:rPr lang="ja-JP" altLang="en-US" sz="1400" dirty="0" smtClean="0">
+                <a:solidFill>
+                  <a:schemeClr val="bg1"/>
+                </a:solidFill>
+                <a:latin typeface="源ノ角ゴシック Code JP L" panose="020B0300000000000000" pitchFamily="34" charset="-128"/>
+                <a:ea typeface="源ノ角ゴシック Code JP L" panose="020B0300000000000000" pitchFamily="34" charset="-128"/>
+              </a:rPr>
+              <a:t>。円形する</a:t>
+            </a:r>
+            <a:r>
+              <a:rPr lang="ja-JP" altLang="en-US" sz="1400" dirty="0">
+                <a:solidFill>
+                  <a:schemeClr val="bg1"/>
+                </a:solidFill>
+                <a:latin typeface="源ノ角ゴシック Code JP L" panose="020B0300000000000000" pitchFamily="34" charset="-128"/>
+                <a:ea typeface="源ノ角ゴシック Code JP L" panose="020B0300000000000000" pitchFamily="34" charset="-128"/>
+              </a:rPr>
+              <a:t>こと</a:t>
+            </a:r>
+            <a:r>
+              <a:rPr lang="ja-JP" altLang="en-US" sz="1400" dirty="0" smtClean="0">
+                <a:solidFill>
+                  <a:schemeClr val="bg1"/>
+                </a:solidFill>
+                <a:latin typeface="源ノ角ゴシック Code JP L" panose="020B0300000000000000" pitchFamily="34" charset="-128"/>
+                <a:ea typeface="源ノ角ゴシック Code JP L" panose="020B0300000000000000" pitchFamily="34" charset="-128"/>
+              </a:rPr>
+              <a:t>でどのような状態でもラインに</a:t>
+            </a:r>
+            <a:endParaRPr lang="en-US" altLang="ja-JP" sz="1400" dirty="0" smtClean="0">
+              <a:solidFill>
+                <a:schemeClr val="bg1"/>
+              </a:solidFill>
+              <a:latin typeface="源ノ角ゴシック Code JP L" panose="020B0300000000000000" pitchFamily="34" charset="-128"/>
+              <a:ea typeface="源ノ角ゴシック Code JP L" panose="020B0300000000000000" pitchFamily="34" charset="-128"/>
+            </a:endParaRPr>
+          </a:p>
+          <a:p>
+            <a:r>
+              <a:rPr lang="ja-JP" altLang="en-US" sz="1400" dirty="0" smtClean="0">
+                <a:solidFill>
+                  <a:schemeClr val="bg1"/>
+                </a:solidFill>
+                <a:latin typeface="源ノ角ゴシック Code JP L" panose="020B0300000000000000" pitchFamily="34" charset="-128"/>
+                <a:ea typeface="源ノ角ゴシック Code JP L" panose="020B0300000000000000" pitchFamily="34" charset="-128"/>
+              </a:rPr>
+              <a:t>反応するようになり</a:t>
+            </a:r>
+            <a:endParaRPr lang="en-US" altLang="ja-JP" sz="1400" dirty="0" smtClean="0">
+              <a:solidFill>
+                <a:schemeClr val="bg1"/>
+              </a:solidFill>
+              <a:latin typeface="源ノ角ゴシック Code JP L" panose="020B0300000000000000" pitchFamily="34" charset="-128"/>
+              <a:ea typeface="源ノ角ゴシック Code JP L" panose="020B0300000000000000" pitchFamily="34" charset="-128"/>
+            </a:endParaRPr>
+          </a:p>
+          <a:p>
+            <a:r>
+              <a:rPr lang="ja-JP" altLang="en-US" sz="1400" dirty="0" smtClean="0">
+                <a:solidFill>
+                  <a:schemeClr val="bg1"/>
+                </a:solidFill>
+                <a:latin typeface="源ノ角ゴシック Code JP L" panose="020B0300000000000000" pitchFamily="34" charset="-128"/>
+                <a:ea typeface="源ノ角ゴシック Code JP L" panose="020B0300000000000000" pitchFamily="34" charset="-128"/>
+              </a:rPr>
+              <a:t>ました。前年からの</a:t>
+            </a:r>
+            <a:endParaRPr lang="en-US" altLang="ja-JP" sz="1400" dirty="0" smtClean="0">
+              <a:solidFill>
+                <a:schemeClr val="bg1"/>
+              </a:solidFill>
+              <a:latin typeface="源ノ角ゴシック Code JP L" panose="020B0300000000000000" pitchFamily="34" charset="-128"/>
+              <a:ea typeface="源ノ角ゴシック Code JP L" panose="020B0300000000000000" pitchFamily="34" charset="-128"/>
+            </a:endParaRPr>
+          </a:p>
+          <a:p>
+            <a:r>
+              <a:rPr lang="ja-JP" altLang="en-US" sz="1400" dirty="0" smtClean="0">
+                <a:solidFill>
+                  <a:schemeClr val="bg1"/>
+                </a:solidFill>
+                <a:latin typeface="源ノ角ゴシック Code JP L" panose="020B0300000000000000" pitchFamily="34" charset="-128"/>
+                <a:ea typeface="源ノ角ゴシック Code JP L" panose="020B0300000000000000" pitchFamily="34" charset="-128"/>
+              </a:rPr>
+              <a:t>課題の「</a:t>
+            </a:r>
+            <a:r>
+              <a:rPr lang="ja-JP" altLang="en-US" sz="1400" dirty="0">
+                <a:solidFill>
+                  <a:schemeClr val="bg1"/>
+                </a:solidFill>
+                <a:latin typeface="源ノ角ゴシック Code JP L" panose="020B0300000000000000" pitchFamily="34" charset="-128"/>
+                <a:ea typeface="源ノ角ゴシック Code JP L" panose="020B0300000000000000" pitchFamily="34" charset="-128"/>
+              </a:rPr>
+              <a:t>スピード</a:t>
+            </a:r>
+            <a:r>
+              <a:rPr lang="ja-JP" altLang="en-US" sz="1400" dirty="0" smtClean="0">
+                <a:solidFill>
+                  <a:schemeClr val="bg1"/>
+                </a:solidFill>
+                <a:latin typeface="源ノ角ゴシック Code JP L" panose="020B0300000000000000" pitchFamily="34" charset="-128"/>
+                <a:ea typeface="源ノ角ゴシック Code JP L" panose="020B0300000000000000" pitchFamily="34" charset="-128"/>
+              </a:rPr>
+              <a:t>が</a:t>
+            </a:r>
+            <a:endParaRPr lang="en-US" altLang="ja-JP" sz="1400" dirty="0" smtClean="0">
+              <a:solidFill>
+                <a:schemeClr val="bg1"/>
+              </a:solidFill>
+              <a:latin typeface="源ノ角ゴシック Code JP L" panose="020B0300000000000000" pitchFamily="34" charset="-128"/>
+              <a:ea typeface="源ノ角ゴシック Code JP L" panose="020B0300000000000000" pitchFamily="34" charset="-128"/>
+            </a:endParaRPr>
+          </a:p>
+          <a:p>
+            <a:r>
+              <a:rPr lang="ja-JP" altLang="en-US" sz="1400" dirty="0" smtClean="0">
+                <a:solidFill>
+                  <a:schemeClr val="bg1"/>
+                </a:solidFill>
+                <a:latin typeface="源ノ角ゴシック Code JP L" panose="020B0300000000000000" pitchFamily="34" charset="-128"/>
+                <a:ea typeface="源ノ角ゴシック Code JP L" panose="020B0300000000000000" pitchFamily="34" charset="-128"/>
+              </a:rPr>
+              <a:t>速すぎて</a:t>
+            </a:r>
+            <a:r>
+              <a:rPr lang="ja-JP" altLang="en-US" sz="1400" dirty="0">
+                <a:solidFill>
+                  <a:schemeClr val="bg1"/>
+                </a:solidFill>
+                <a:latin typeface="源ノ角ゴシック Code JP L" panose="020B0300000000000000" pitchFamily="34" charset="-128"/>
+                <a:ea typeface="源ノ角ゴシック Code JP L" panose="020B0300000000000000" pitchFamily="34" charset="-128"/>
+              </a:rPr>
+              <a:t>ライン</a:t>
+            </a:r>
+            <a:r>
+              <a:rPr lang="ja-JP" altLang="en-US" sz="1400" dirty="0" smtClean="0">
+                <a:solidFill>
+                  <a:schemeClr val="bg1"/>
+                </a:solidFill>
+                <a:latin typeface="源ノ角ゴシック Code JP L" panose="020B0300000000000000" pitchFamily="34" charset="-128"/>
+                <a:ea typeface="源ノ角ゴシック Code JP L" panose="020B0300000000000000" pitchFamily="34" charset="-128"/>
+              </a:rPr>
+              <a:t>から</a:t>
+            </a:r>
+            <a:endParaRPr lang="en-US" altLang="ja-JP" sz="1400" dirty="0" smtClean="0">
+              <a:solidFill>
+                <a:schemeClr val="bg1"/>
+              </a:solidFill>
+              <a:latin typeface="源ノ角ゴシック Code JP L" panose="020B0300000000000000" pitchFamily="34" charset="-128"/>
+              <a:ea typeface="源ノ角ゴシック Code JP L" panose="020B0300000000000000" pitchFamily="34" charset="-128"/>
+            </a:endParaRPr>
+          </a:p>
+          <a:p>
+            <a:r>
+              <a:rPr lang="ja-JP" altLang="en-US" sz="1400" dirty="0" smtClean="0">
+                <a:solidFill>
+                  <a:schemeClr val="bg1"/>
+                </a:solidFill>
+                <a:latin typeface="源ノ角ゴシック Code JP L" panose="020B0300000000000000" pitchFamily="34" charset="-128"/>
+                <a:ea typeface="源ノ角ゴシック Code JP L" panose="020B0300000000000000" pitchFamily="34" charset="-128"/>
+              </a:rPr>
+              <a:t>出る</a:t>
+            </a:r>
+            <a:r>
+              <a:rPr lang="ja-JP" altLang="en-US" sz="1400" dirty="0">
+                <a:solidFill>
+                  <a:schemeClr val="bg1"/>
+                </a:solidFill>
+                <a:latin typeface="源ノ角ゴシック Code JP L" panose="020B0300000000000000" pitchFamily="34" charset="-128"/>
+                <a:ea typeface="源ノ角ゴシック Code JP L" panose="020B0300000000000000" pitchFamily="34" charset="-128"/>
+              </a:rPr>
+              <a:t>」というの</a:t>
+            </a:r>
+            <a:r>
+              <a:rPr lang="ja-JP" altLang="en-US" sz="1400" dirty="0" smtClean="0">
+                <a:solidFill>
+                  <a:schemeClr val="bg1"/>
+                </a:solidFill>
+                <a:latin typeface="源ノ角ゴシック Code JP L" panose="020B0300000000000000" pitchFamily="34" charset="-128"/>
+                <a:ea typeface="源ノ角ゴシック Code JP L" panose="020B0300000000000000" pitchFamily="34" charset="-128"/>
+              </a:rPr>
+              <a:t>も</a:t>
+            </a:r>
+            <a:endParaRPr lang="en-US" altLang="ja-JP" sz="1400" dirty="0" smtClean="0">
+              <a:solidFill>
+                <a:schemeClr val="bg1"/>
+              </a:solidFill>
+              <a:latin typeface="源ノ角ゴシック Code JP L" panose="020B0300000000000000" pitchFamily="34" charset="-128"/>
+              <a:ea typeface="源ノ角ゴシック Code JP L" panose="020B0300000000000000" pitchFamily="34" charset="-128"/>
+            </a:endParaRPr>
+          </a:p>
+          <a:p>
+            <a:r>
+              <a:rPr lang="ja-JP" altLang="en-US" sz="1400" dirty="0" smtClean="0">
+                <a:solidFill>
+                  <a:schemeClr val="bg1"/>
+                </a:solidFill>
+                <a:latin typeface="源ノ角ゴシック Code JP L" panose="020B0300000000000000" pitchFamily="34" charset="-128"/>
+                <a:ea typeface="源ノ角ゴシック Code JP L" panose="020B0300000000000000" pitchFamily="34" charset="-128"/>
+              </a:rPr>
+              <a:t>解決</a:t>
+            </a:r>
+            <a:r>
+              <a:rPr lang="ja-JP" altLang="en-US" sz="1400" dirty="0">
+                <a:solidFill>
+                  <a:schemeClr val="bg1"/>
+                </a:solidFill>
+                <a:latin typeface="源ノ角ゴシック Code JP L" panose="020B0300000000000000" pitchFamily="34" charset="-128"/>
+                <a:ea typeface="源ノ角ゴシック Code JP L" panose="020B0300000000000000" pitchFamily="34" charset="-128"/>
+              </a:rPr>
+              <a:t>し、スピード</a:t>
+            </a:r>
+            <a:r>
+              <a:rPr lang="ja-JP" altLang="en-US" sz="1400" dirty="0" smtClean="0">
+                <a:solidFill>
+                  <a:schemeClr val="bg1"/>
+                </a:solidFill>
+                <a:latin typeface="源ノ角ゴシック Code JP L" panose="020B0300000000000000" pitchFamily="34" charset="-128"/>
+                <a:ea typeface="源ノ角ゴシック Code JP L" panose="020B0300000000000000" pitchFamily="34" charset="-128"/>
+              </a:rPr>
+              <a:t>を</a:t>
+            </a:r>
+            <a:endParaRPr lang="en-US" altLang="ja-JP" sz="1400" dirty="0" smtClean="0">
+              <a:solidFill>
+                <a:schemeClr val="bg1"/>
+              </a:solidFill>
+              <a:latin typeface="源ノ角ゴシック Code JP L" panose="020B0300000000000000" pitchFamily="34" charset="-128"/>
+              <a:ea typeface="源ノ角ゴシック Code JP L" panose="020B0300000000000000" pitchFamily="34" charset="-128"/>
+            </a:endParaRPr>
+          </a:p>
+          <a:p>
+            <a:r>
+              <a:rPr lang="ja-JP" altLang="en-US" sz="1400" dirty="0" smtClean="0">
+                <a:solidFill>
+                  <a:schemeClr val="bg1"/>
+                </a:solidFill>
+                <a:latin typeface="源ノ角ゴシック Code JP L" panose="020B0300000000000000" pitchFamily="34" charset="-128"/>
+                <a:ea typeface="源ノ角ゴシック Code JP L" panose="020B0300000000000000" pitchFamily="34" charset="-128"/>
+              </a:rPr>
+              <a:t>気</a:t>
+            </a:r>
+            <a:r>
+              <a:rPr lang="ja-JP" altLang="en-US" sz="1400" dirty="0">
+                <a:solidFill>
+                  <a:schemeClr val="bg1"/>
+                </a:solidFill>
+                <a:latin typeface="源ノ角ゴシック Code JP L" panose="020B0300000000000000" pitchFamily="34" charset="-128"/>
+                <a:ea typeface="源ノ角ゴシック Code JP L" panose="020B0300000000000000" pitchFamily="34" charset="-128"/>
+              </a:rPr>
+              <a:t>にせず</a:t>
+            </a:r>
+            <a:r>
+              <a:rPr lang="ja-JP" altLang="en-US" sz="1400" dirty="0" smtClean="0">
+                <a:solidFill>
+                  <a:schemeClr val="bg1"/>
+                </a:solidFill>
+                <a:latin typeface="源ノ角ゴシック Code JP L" panose="020B0300000000000000" pitchFamily="34" charset="-128"/>
+                <a:ea typeface="源ノ角ゴシック Code JP L" panose="020B0300000000000000" pitchFamily="34" charset="-128"/>
+              </a:rPr>
+              <a:t>に制御が</a:t>
+            </a:r>
+            <a:endParaRPr lang="en-US" altLang="ja-JP" sz="1400" dirty="0" smtClean="0">
+              <a:solidFill>
+                <a:schemeClr val="bg1"/>
+              </a:solidFill>
+              <a:latin typeface="源ノ角ゴシック Code JP L" panose="020B0300000000000000" pitchFamily="34" charset="-128"/>
+              <a:ea typeface="源ノ角ゴシック Code JP L" panose="020B0300000000000000" pitchFamily="34" charset="-128"/>
+            </a:endParaRPr>
+          </a:p>
+          <a:p>
+            <a:r>
+              <a:rPr lang="ja-JP" altLang="en-US" sz="1400" dirty="0" smtClean="0">
+                <a:solidFill>
+                  <a:schemeClr val="bg1"/>
+                </a:solidFill>
+                <a:latin typeface="源ノ角ゴシック Code JP L" panose="020B0300000000000000" pitchFamily="34" charset="-128"/>
+                <a:ea typeface="源ノ角ゴシック Code JP L" panose="020B0300000000000000" pitchFamily="34" charset="-128"/>
+              </a:rPr>
+              <a:t>可能</a:t>
+            </a:r>
+            <a:r>
+              <a:rPr lang="ja-JP" altLang="en-US" sz="1400" dirty="0">
+                <a:solidFill>
+                  <a:schemeClr val="bg1"/>
+                </a:solidFill>
+                <a:latin typeface="源ノ角ゴシック Code JP L" panose="020B0300000000000000" pitchFamily="34" charset="-128"/>
+                <a:ea typeface="源ノ角ゴシック Code JP L" panose="020B0300000000000000" pitchFamily="34" charset="-128"/>
+              </a:rPr>
+              <a:t>になりました。</a:t>
+            </a:r>
+            <a:endParaRPr lang="ja-JP" altLang="en-US" sz="1400" dirty="0">
+              <a:solidFill>
+                <a:schemeClr val="bg1"/>
+              </a:solidFill>
+              <a:latin typeface="源ノ角ゴシック Code JP L" panose="020B0300000000000000" pitchFamily="34" charset="-128"/>
+              <a:ea typeface="源ノ角ゴシック Code JP L" panose="020B0300000000000000" pitchFamily="34" charset="-128"/>
+            </a:endParaRPr>
+          </a:p>
+        </p:txBody>
+      </p:sp>
+      <p:sp>
+        <p:nvSpPr>
+          <p:cNvPr id="236" name="角丸四角形 235"/>
+          <p:cNvSpPr/>
+          <p:nvPr/>
+        </p:nvSpPr>
+        <p:spPr>
+          <a:xfrm>
+            <a:off x="2042159" y="8700755"/>
+            <a:ext cx="1961539" cy="1717570"/>
+          </a:xfrm>
+          <a:prstGeom prst="roundRect">
+            <a:avLst>
+              <a:gd name="adj" fmla="val 8185"/>
+            </a:avLst>
+          </a:prstGeom>
+          <a:solidFill>
+            <a:schemeClr val="bg2">
+              <a:lumMod val="25000"/>
+            </a:schemeClr>
+          </a:solidFill>
+        </p:spPr>
+        <p:style>
+          <a:lnRef idx="2">
+            <a:schemeClr val="dk1">
+              <a:shade val="50000"/>
+            </a:schemeClr>
+          </a:lnRef>
+          <a:fillRef idx="1">
+            <a:schemeClr val="dk1"/>
+          </a:fillRef>
+          <a:effectRef idx="0">
+            <a:schemeClr val="dk1"/>
+          </a:effectRef>
+          <a:fontRef idx="minor">
+            <a:schemeClr val="lt1"/>
+          </a:fontRef>
+        </p:style>
+        <p:txBody>
+          <a:bodyPr rot="0" spcFirstLastPara="0" vertOverflow="overflow" horzOverflow="overflow" vert="horz" wrap="square" lIns="101827" tIns="50913" rIns="101827" bIns="50913" numCol="1" spcCol="0" rtlCol="0" fromWordArt="0" anchor="ctr" anchorCtr="0" forceAA="0" compatLnSpc="1">
+            <a:prstTxWarp prst="textNoShape">
+              <a:avLst/>
+            </a:prstTxWarp>
+            <a:noAutofit/>
+          </a:bodyPr>
+          <a:lstStyle/>
+          <a:p>
+            <a:pPr algn="ctr"/>
+            <a:endParaRPr lang="ja-JP" altLang="en-US" sz="3086"/>
+          </a:p>
+        </p:txBody>
+      </p:sp>
+      <p:pic>
+        <p:nvPicPr>
+          <p:cNvPr id="237" name="図 236"/>
+          <p:cNvPicPr>
+            <a:picLocks noChangeAspect="1"/>
+          </p:cNvPicPr>
+          <p:nvPr/>
+        </p:nvPicPr>
+        <p:blipFill rotWithShape="1">
+          <a:blip r:embed="rId8" cstate="print">
+            <a:extLst>
+              <a:ext uri="{28A0092B-C50C-407E-A947-70E740481C1C}">
+                <a14:useLocalDpi xmlns:a14="http://schemas.microsoft.com/office/drawing/2010/main" val="0"/>
+              </a:ext>
+            </a:extLst>
+          </a:blip>
+          <a:srcRect l="9730" r="11306"/>
+          <a:stretch/>
+        </p:blipFill>
+        <p:spPr>
+          <a:xfrm>
+            <a:off x="2118909" y="8655574"/>
+            <a:ext cx="1798320" cy="1824361"/>
+          </a:xfrm>
+          <a:prstGeom prst="rect">
+            <a:avLst/>
+          </a:prstGeom>
+        </p:spPr>
+      </p:pic>
+      <p:sp>
+        <p:nvSpPr>
+          <p:cNvPr id="240" name="テキスト ボックス 239"/>
+          <p:cNvSpPr txBox="1"/>
+          <p:nvPr/>
+        </p:nvSpPr>
+        <p:spPr>
+          <a:xfrm>
+            <a:off x="4428374" y="7549324"/>
+            <a:ext cx="7117816" cy="3016210"/>
+          </a:xfrm>
+          <a:prstGeom prst="rect">
+            <a:avLst/>
+          </a:prstGeom>
+          <a:noFill/>
+        </p:spPr>
+        <p:txBody>
+          <a:bodyPr wrap="square" rtlCol="0">
+            <a:spAutoFit/>
+          </a:bodyPr>
+          <a:lstStyle/>
+          <a:p>
+            <a:r>
+              <a:rPr lang="ja-JP" altLang="en-US" sz="2800" dirty="0" smtClean="0">
+                <a:solidFill>
+                  <a:schemeClr val="bg1"/>
+                </a:solidFill>
+                <a:latin typeface="源ノ角ゴシック Code JP M" panose="020B0600000000000000" pitchFamily="34" charset="-128"/>
+                <a:ea typeface="源ノ角ゴシック Code JP M" panose="020B0600000000000000" pitchFamily="34" charset="-128"/>
+              </a:rPr>
+              <a:t>技術の駆使、そして最適化へ</a:t>
+            </a:r>
+            <a:r>
+              <a:rPr lang="ja-JP" altLang="en-US" sz="1050" dirty="0">
+                <a:solidFill>
+                  <a:schemeClr val="bg1"/>
+                </a:solidFill>
+                <a:latin typeface="源ノ角ゴシック Code JP L" panose="020B0300000000000000" pitchFamily="34" charset="-128"/>
+                <a:ea typeface="源ノ角ゴシック Code JP L" panose="020B0300000000000000" pitchFamily="34" charset="-128"/>
+              </a:rPr>
+              <a:t>　</a:t>
+            </a:r>
+            <a:endParaRPr lang="en-US" altLang="ja-JP" sz="1050" dirty="0" smtClean="0">
+              <a:solidFill>
+                <a:schemeClr val="bg1"/>
+              </a:solidFill>
+              <a:latin typeface="源ノ角ゴシック Code JP L" panose="020B0300000000000000" pitchFamily="34" charset="-128"/>
+              <a:ea typeface="源ノ角ゴシック Code JP L" panose="020B0300000000000000" pitchFamily="34" charset="-128"/>
+            </a:endParaRPr>
+          </a:p>
+          <a:p>
+            <a:r>
+              <a:rPr lang="en-US" altLang="ja-JP" sz="1200" dirty="0">
+                <a:solidFill>
+                  <a:schemeClr val="bg1"/>
+                </a:solidFill>
+                <a:latin typeface="源ノ角ゴシック Code JP L" panose="020B0300000000000000" pitchFamily="34" charset="-128"/>
+                <a:ea typeface="源ノ角ゴシック Code JP L" panose="020B0300000000000000" pitchFamily="34" charset="-128"/>
+              </a:rPr>
+              <a:t>Fusion360</a:t>
+            </a:r>
+            <a:r>
+              <a:rPr lang="ja-JP" altLang="en-US" sz="1200" dirty="0">
+                <a:solidFill>
+                  <a:schemeClr val="bg1"/>
+                </a:solidFill>
+                <a:latin typeface="源ノ角ゴシック Code JP L" panose="020B0300000000000000" pitchFamily="34" charset="-128"/>
+                <a:ea typeface="源ノ角ゴシック Code JP L" panose="020B0300000000000000" pitchFamily="34" charset="-128"/>
+              </a:rPr>
+              <a:t>や</a:t>
+            </a:r>
+            <a:r>
+              <a:rPr lang="en-US" altLang="ja-JP" sz="1200" dirty="0">
+                <a:solidFill>
+                  <a:schemeClr val="bg1"/>
+                </a:solidFill>
+                <a:latin typeface="源ノ角ゴシック Code JP L" panose="020B0300000000000000" pitchFamily="34" charset="-128"/>
+                <a:ea typeface="源ノ角ゴシック Code JP L" panose="020B0300000000000000" pitchFamily="34" charset="-128"/>
+              </a:rPr>
+              <a:t>KiCad</a:t>
+            </a:r>
+            <a:r>
+              <a:rPr lang="ja-JP" altLang="en-US" sz="1200" dirty="0">
+                <a:solidFill>
+                  <a:schemeClr val="bg1"/>
+                </a:solidFill>
+                <a:latin typeface="源ノ角ゴシック Code JP L" panose="020B0300000000000000" pitchFamily="34" charset="-128"/>
+                <a:ea typeface="源ノ角ゴシック Code JP L" panose="020B0300000000000000" pitchFamily="34" charset="-128"/>
+              </a:rPr>
+              <a:t>を用いてほぼすべての部品を独自</a:t>
+            </a:r>
+            <a:r>
+              <a:rPr lang="ja-JP" altLang="en-US" sz="1200" dirty="0" smtClean="0">
+                <a:solidFill>
+                  <a:schemeClr val="bg1"/>
+                </a:solidFill>
+                <a:latin typeface="源ノ角ゴシック Code JP L" panose="020B0300000000000000" pitchFamily="34" charset="-128"/>
+                <a:ea typeface="源ノ角ゴシック Code JP L" panose="020B0300000000000000" pitchFamily="34" charset="-128"/>
+              </a:rPr>
+              <a:t>で</a:t>
+            </a:r>
+            <a:endParaRPr lang="en-US" altLang="ja-JP" sz="1200" dirty="0" smtClean="0">
+              <a:solidFill>
+                <a:schemeClr val="bg1"/>
+              </a:solidFill>
+              <a:latin typeface="源ノ角ゴシック Code JP L" panose="020B0300000000000000" pitchFamily="34" charset="-128"/>
+              <a:ea typeface="源ノ角ゴシック Code JP L" panose="020B0300000000000000" pitchFamily="34" charset="-128"/>
+            </a:endParaRPr>
+          </a:p>
+          <a:p>
+            <a:r>
+              <a:rPr lang="ja-JP" altLang="en-US" sz="1200" dirty="0" smtClean="0">
+                <a:solidFill>
+                  <a:schemeClr val="bg1"/>
+                </a:solidFill>
+                <a:latin typeface="源ノ角ゴシック Code JP L" panose="020B0300000000000000" pitchFamily="34" charset="-128"/>
+                <a:ea typeface="源ノ角ゴシック Code JP L" panose="020B0300000000000000" pitchFamily="34" charset="-128"/>
+              </a:rPr>
+              <a:t>設計</a:t>
+            </a:r>
+            <a:r>
+              <a:rPr lang="ja-JP" altLang="en-US" sz="1200" dirty="0">
+                <a:solidFill>
+                  <a:schemeClr val="bg1"/>
+                </a:solidFill>
+                <a:latin typeface="源ノ角ゴシック Code JP L" panose="020B0300000000000000" pitchFamily="34" charset="-128"/>
+                <a:ea typeface="源ノ角ゴシック Code JP L" panose="020B0300000000000000" pitchFamily="34" charset="-128"/>
+              </a:rPr>
+              <a:t>しています</a:t>
+            </a:r>
+            <a:r>
+              <a:rPr lang="ja-JP" altLang="en-US" sz="1200" dirty="0" smtClean="0">
+                <a:solidFill>
+                  <a:schemeClr val="bg1"/>
+                </a:solidFill>
+                <a:latin typeface="源ノ角ゴシック Code JP L" panose="020B0300000000000000" pitchFamily="34" charset="-128"/>
+                <a:ea typeface="源ノ角ゴシック Code JP L" panose="020B0300000000000000" pitchFamily="34" charset="-128"/>
+              </a:rPr>
+              <a:t>。また、</a:t>
+            </a:r>
+            <a:r>
+              <a:rPr lang="en-US" altLang="ja-JP" sz="1200" dirty="0" smtClean="0">
+                <a:solidFill>
+                  <a:schemeClr val="bg1"/>
+                </a:solidFill>
+                <a:latin typeface="源ノ角ゴシック Code JP L" panose="020B0300000000000000" pitchFamily="34" charset="-128"/>
+                <a:ea typeface="源ノ角ゴシック Code JP L" panose="020B0300000000000000" pitchFamily="34" charset="-128"/>
+              </a:rPr>
+              <a:t>3D</a:t>
+            </a:r>
+            <a:r>
+              <a:rPr lang="ja-JP" altLang="en-US" sz="1200" dirty="0">
+                <a:solidFill>
+                  <a:schemeClr val="bg1"/>
+                </a:solidFill>
+                <a:latin typeface="源ノ角ゴシック Code JP L" panose="020B0300000000000000" pitchFamily="34" charset="-128"/>
+                <a:ea typeface="源ノ角ゴシック Code JP L" panose="020B0300000000000000" pitchFamily="34" charset="-128"/>
+              </a:rPr>
+              <a:t>プリンタや</a:t>
+            </a:r>
+            <a:r>
+              <a:rPr lang="en-US" altLang="ja-JP" sz="1200" dirty="0">
+                <a:solidFill>
+                  <a:schemeClr val="bg1"/>
+                </a:solidFill>
+                <a:latin typeface="源ノ角ゴシック Code JP L" panose="020B0300000000000000" pitchFamily="34" charset="-128"/>
+                <a:ea typeface="源ノ角ゴシック Code JP L" panose="020B0300000000000000" pitchFamily="34" charset="-128"/>
+              </a:rPr>
+              <a:t>CNC</a:t>
+            </a:r>
+            <a:r>
+              <a:rPr lang="ja-JP" altLang="en-US" sz="1200" dirty="0">
+                <a:solidFill>
+                  <a:schemeClr val="bg1"/>
+                </a:solidFill>
+                <a:latin typeface="源ノ角ゴシック Code JP L" panose="020B0300000000000000" pitchFamily="34" charset="-128"/>
+                <a:ea typeface="源ノ角ゴシック Code JP L" panose="020B0300000000000000" pitchFamily="34" charset="-128"/>
+              </a:rPr>
+              <a:t>を使用することで</a:t>
+            </a:r>
+            <a:r>
+              <a:rPr lang="ja-JP" altLang="en-US" sz="1200" dirty="0" smtClean="0">
+                <a:solidFill>
+                  <a:schemeClr val="bg1"/>
+                </a:solidFill>
+                <a:latin typeface="源ノ角ゴシック Code JP L" panose="020B0300000000000000" pitchFamily="34" charset="-128"/>
+                <a:ea typeface="源ノ角ゴシック Code JP L" panose="020B0300000000000000" pitchFamily="34" charset="-128"/>
+              </a:rPr>
+              <a:t>、</a:t>
+            </a:r>
+            <a:endParaRPr lang="en-US" altLang="ja-JP" sz="1200" dirty="0" smtClean="0">
+              <a:solidFill>
+                <a:schemeClr val="bg1"/>
+              </a:solidFill>
+              <a:latin typeface="源ノ角ゴシック Code JP L" panose="020B0300000000000000" pitchFamily="34" charset="-128"/>
+              <a:ea typeface="源ノ角ゴシック Code JP L" panose="020B0300000000000000" pitchFamily="34" charset="-128"/>
+            </a:endParaRPr>
+          </a:p>
+          <a:p>
+            <a:r>
+              <a:rPr lang="ja-JP" altLang="en-US" sz="1200" dirty="0" smtClean="0">
+                <a:solidFill>
+                  <a:schemeClr val="bg1"/>
+                </a:solidFill>
+                <a:latin typeface="源ノ角ゴシック Code JP L" panose="020B0300000000000000" pitchFamily="34" charset="-128"/>
+                <a:ea typeface="源ノ角ゴシック Code JP L" panose="020B0300000000000000" pitchFamily="34" charset="-128"/>
+              </a:rPr>
+              <a:t>さらに</a:t>
+            </a:r>
+            <a:r>
+              <a:rPr lang="ja-JP" altLang="en-US" sz="1200" dirty="0">
+                <a:solidFill>
+                  <a:schemeClr val="bg1"/>
+                </a:solidFill>
+                <a:latin typeface="源ノ角ゴシック Code JP L" panose="020B0300000000000000" pitchFamily="34" charset="-128"/>
+                <a:ea typeface="源ノ角ゴシック Code JP L" panose="020B0300000000000000" pitchFamily="34" charset="-128"/>
+              </a:rPr>
+              <a:t>正確に短時間での部品の製作、量産</a:t>
+            </a:r>
+            <a:r>
+              <a:rPr lang="ja-JP" altLang="en-US" sz="1200" dirty="0" smtClean="0">
+                <a:solidFill>
+                  <a:schemeClr val="bg1"/>
+                </a:solidFill>
+                <a:latin typeface="源ノ角ゴシック Code JP L" panose="020B0300000000000000" pitchFamily="34" charset="-128"/>
+                <a:ea typeface="源ノ角ゴシック Code JP L" panose="020B0300000000000000" pitchFamily="34" charset="-128"/>
+              </a:rPr>
+              <a:t>が可能</a:t>
+            </a:r>
+            <a:r>
+              <a:rPr lang="ja-JP" altLang="en-US" sz="1200" dirty="0">
+                <a:solidFill>
+                  <a:schemeClr val="bg1"/>
+                </a:solidFill>
+                <a:latin typeface="源ノ角ゴシック Code JP L" panose="020B0300000000000000" pitchFamily="34" charset="-128"/>
+                <a:ea typeface="源ノ角ゴシック Code JP L" panose="020B0300000000000000" pitchFamily="34" charset="-128"/>
+              </a:rPr>
+              <a:t>に</a:t>
+            </a:r>
+            <a:r>
+              <a:rPr lang="ja-JP" altLang="en-US" sz="1200" dirty="0" smtClean="0">
+                <a:solidFill>
+                  <a:schemeClr val="bg1"/>
+                </a:solidFill>
+                <a:latin typeface="源ノ角ゴシック Code JP L" panose="020B0300000000000000" pitchFamily="34" charset="-128"/>
+                <a:ea typeface="源ノ角ゴシック Code JP L" panose="020B0300000000000000" pitchFamily="34" charset="-128"/>
+              </a:rPr>
+              <a:t>なりました。</a:t>
+            </a:r>
+            <a:endParaRPr lang="en-US" altLang="ja-JP" sz="1200" dirty="0" smtClean="0">
+              <a:solidFill>
+                <a:schemeClr val="bg1"/>
+              </a:solidFill>
+              <a:latin typeface="源ノ角ゴシック Code JP L" panose="020B0300000000000000" pitchFamily="34" charset="-128"/>
+              <a:ea typeface="源ノ角ゴシック Code JP L" panose="020B0300000000000000" pitchFamily="34" charset="-128"/>
+            </a:endParaRPr>
+          </a:p>
+          <a:p>
+            <a:r>
+              <a:rPr lang="ja-JP" altLang="en-US" sz="1200" dirty="0" smtClean="0">
+                <a:solidFill>
+                  <a:schemeClr val="bg1"/>
+                </a:solidFill>
+                <a:latin typeface="源ノ角ゴシック Code JP L" panose="020B0300000000000000" pitchFamily="34" charset="-128"/>
+                <a:ea typeface="源ノ角ゴシック Code JP L" panose="020B0300000000000000" pitchFamily="34" charset="-128"/>
+              </a:rPr>
+              <a:t>基板類</a:t>
+            </a:r>
+            <a:r>
+              <a:rPr lang="ja-JP" altLang="en-US" sz="1200" dirty="0">
+                <a:solidFill>
+                  <a:schemeClr val="bg1"/>
+                </a:solidFill>
+                <a:latin typeface="源ノ角ゴシック Code JP L" panose="020B0300000000000000" pitchFamily="34" charset="-128"/>
+                <a:ea typeface="源ノ角ゴシック Code JP L" panose="020B0300000000000000" pitchFamily="34" charset="-128"/>
+              </a:rPr>
+              <a:t>も</a:t>
+            </a:r>
+            <a:r>
+              <a:rPr lang="ja-JP" altLang="en-US" sz="1200" dirty="0" smtClean="0">
+                <a:solidFill>
+                  <a:schemeClr val="bg1"/>
+                </a:solidFill>
+                <a:latin typeface="源ノ角ゴシック Code JP L" panose="020B0300000000000000" pitchFamily="34" charset="-128"/>
+                <a:ea typeface="源ノ角ゴシック Code JP L" panose="020B0300000000000000" pitchFamily="34" charset="-128"/>
+              </a:rPr>
+              <a:t>、発注</a:t>
+            </a:r>
+            <a:r>
+              <a:rPr lang="ja-JP" altLang="en-US" sz="1200" dirty="0">
+                <a:solidFill>
+                  <a:schemeClr val="bg1"/>
+                </a:solidFill>
+                <a:latin typeface="源ノ角ゴシック Code JP L" panose="020B0300000000000000" pitchFamily="34" charset="-128"/>
+                <a:ea typeface="源ノ角ゴシック Code JP L" panose="020B0300000000000000" pitchFamily="34" charset="-128"/>
+              </a:rPr>
+              <a:t>基板によって自分たちのロボットに特化</a:t>
+            </a:r>
+            <a:r>
+              <a:rPr lang="ja-JP" altLang="en-US" sz="1200" dirty="0" smtClean="0">
+                <a:solidFill>
+                  <a:schemeClr val="bg1"/>
+                </a:solidFill>
+                <a:latin typeface="源ノ角ゴシック Code JP L" panose="020B0300000000000000" pitchFamily="34" charset="-128"/>
+                <a:ea typeface="源ノ角ゴシック Code JP L" panose="020B0300000000000000" pitchFamily="34" charset="-128"/>
+              </a:rPr>
+              <a:t>した</a:t>
+            </a:r>
+            <a:endParaRPr lang="en-US" altLang="ja-JP" sz="1200" dirty="0" smtClean="0">
+              <a:solidFill>
+                <a:schemeClr val="bg1"/>
+              </a:solidFill>
+              <a:latin typeface="源ノ角ゴシック Code JP L" panose="020B0300000000000000" pitchFamily="34" charset="-128"/>
+              <a:ea typeface="源ノ角ゴシック Code JP L" panose="020B0300000000000000" pitchFamily="34" charset="-128"/>
+            </a:endParaRPr>
+          </a:p>
+          <a:p>
+            <a:r>
+              <a:rPr lang="ja-JP" altLang="en-US" sz="1200" dirty="0" smtClean="0">
+                <a:solidFill>
+                  <a:schemeClr val="bg1"/>
+                </a:solidFill>
+                <a:latin typeface="源ノ角ゴシック Code JP L" panose="020B0300000000000000" pitchFamily="34" charset="-128"/>
+                <a:ea typeface="源ノ角ゴシック Code JP L" panose="020B0300000000000000" pitchFamily="34" charset="-128"/>
+              </a:rPr>
+              <a:t>機能</a:t>
+            </a:r>
+            <a:r>
+              <a:rPr lang="ja-JP" altLang="en-US" sz="1200" dirty="0">
+                <a:solidFill>
+                  <a:schemeClr val="bg1"/>
+                </a:solidFill>
+                <a:latin typeface="源ノ角ゴシック Code JP L" panose="020B0300000000000000" pitchFamily="34" charset="-128"/>
+                <a:ea typeface="源ノ角ゴシック Code JP L" panose="020B0300000000000000" pitchFamily="34" charset="-128"/>
+              </a:rPr>
+              <a:t>、形のものを実現可能になりました</a:t>
+            </a:r>
+            <a:r>
+              <a:rPr lang="ja-JP" altLang="en-US" sz="1200" dirty="0" smtClean="0">
+                <a:solidFill>
+                  <a:schemeClr val="bg1"/>
+                </a:solidFill>
+                <a:latin typeface="源ノ角ゴシック Code JP L" panose="020B0300000000000000" pitchFamily="34" charset="-128"/>
+                <a:ea typeface="源ノ角ゴシック Code JP L" panose="020B0300000000000000" pitchFamily="34" charset="-128"/>
+              </a:rPr>
+              <a:t>。また、チーム内での</a:t>
+            </a:r>
+            <a:endParaRPr lang="en-US" altLang="ja-JP" sz="1200" dirty="0" smtClean="0">
+              <a:solidFill>
+                <a:schemeClr val="bg1"/>
+              </a:solidFill>
+              <a:latin typeface="源ノ角ゴシック Code JP L" panose="020B0300000000000000" pitchFamily="34" charset="-128"/>
+              <a:ea typeface="源ノ角ゴシック Code JP L" panose="020B0300000000000000" pitchFamily="34" charset="-128"/>
+            </a:endParaRPr>
+          </a:p>
+          <a:p>
+            <a:r>
+              <a:rPr lang="ja-JP" altLang="en-US" sz="1200" dirty="0" smtClean="0">
+                <a:solidFill>
+                  <a:schemeClr val="bg1"/>
+                </a:solidFill>
+                <a:latin typeface="源ノ角ゴシック Code JP L" panose="020B0300000000000000" pitchFamily="34" charset="-128"/>
+                <a:ea typeface="源ノ角ゴシック Code JP L" panose="020B0300000000000000" pitchFamily="34" charset="-128"/>
+              </a:rPr>
+              <a:t>ファイル共有のために</a:t>
+            </a:r>
+            <a:r>
+              <a:rPr lang="en-US" altLang="ja-JP" sz="1200" dirty="0" err="1" smtClean="0">
+                <a:solidFill>
+                  <a:schemeClr val="bg1"/>
+                </a:solidFill>
+                <a:latin typeface="源ノ角ゴシック Code JP L" panose="020B0300000000000000" pitchFamily="34" charset="-128"/>
+                <a:ea typeface="源ノ角ゴシック Code JP L" panose="020B0300000000000000" pitchFamily="34" charset="-128"/>
+              </a:rPr>
+              <a:t>Github</a:t>
+            </a:r>
+            <a:r>
+              <a:rPr lang="ja-JP" altLang="en-US" sz="1200" dirty="0" smtClean="0">
+                <a:solidFill>
+                  <a:schemeClr val="bg1"/>
+                </a:solidFill>
+                <a:latin typeface="源ノ角ゴシック Code JP L" panose="020B0300000000000000" pitchFamily="34" charset="-128"/>
+                <a:ea typeface="源ノ角ゴシック Code JP L" panose="020B0300000000000000" pitchFamily="34" charset="-128"/>
+              </a:rPr>
+              <a:t>を用いることで、複数での</a:t>
+            </a:r>
+            <a:endParaRPr lang="en-US" altLang="ja-JP" sz="1200" dirty="0" smtClean="0">
+              <a:solidFill>
+                <a:schemeClr val="bg1"/>
+              </a:solidFill>
+              <a:latin typeface="源ノ角ゴシック Code JP L" panose="020B0300000000000000" pitchFamily="34" charset="-128"/>
+              <a:ea typeface="源ノ角ゴシック Code JP L" panose="020B0300000000000000" pitchFamily="34" charset="-128"/>
+            </a:endParaRPr>
+          </a:p>
+          <a:p>
+            <a:r>
+              <a:rPr lang="ja-JP" altLang="en-US" sz="1200" dirty="0" smtClean="0">
+                <a:solidFill>
+                  <a:schemeClr val="bg1"/>
+                </a:solidFill>
+                <a:latin typeface="源ノ角ゴシック Code JP L" panose="020B0300000000000000" pitchFamily="34" charset="-128"/>
+                <a:ea typeface="源ノ角ゴシック Code JP L" panose="020B0300000000000000" pitchFamily="34" charset="-128"/>
+              </a:rPr>
+              <a:t>大規模プロジェクト開発が容易に行えるようになりました。</a:t>
+            </a:r>
+            <a:endParaRPr lang="en-US" altLang="ja-JP" sz="1200" dirty="0" smtClean="0">
+              <a:solidFill>
+                <a:schemeClr val="bg1"/>
+              </a:solidFill>
+              <a:latin typeface="源ノ角ゴシック Code JP L" panose="020B0300000000000000" pitchFamily="34" charset="-128"/>
+              <a:ea typeface="源ノ角ゴシック Code JP L" panose="020B0300000000000000" pitchFamily="34" charset="-128"/>
+            </a:endParaRPr>
+          </a:p>
+          <a:p>
+            <a:endParaRPr lang="en-US" altLang="ja-JP" sz="1200" dirty="0" smtClean="0">
+              <a:solidFill>
+                <a:schemeClr val="bg1"/>
+              </a:solidFill>
+              <a:latin typeface="源ノ角ゴシック Code JP L" panose="020B0300000000000000" pitchFamily="34" charset="-128"/>
+              <a:ea typeface="源ノ角ゴシック Code JP L" panose="020B0300000000000000" pitchFamily="34" charset="-128"/>
+            </a:endParaRPr>
+          </a:p>
+          <a:p>
+            <a:r>
+              <a:rPr lang="ja-JP" altLang="en-US" sz="1100" dirty="0" smtClean="0">
+                <a:solidFill>
+                  <a:schemeClr val="bg1"/>
+                </a:solidFill>
+                <a:latin typeface="源ノ角ゴシック Code JP L" panose="020B0300000000000000" pitchFamily="34" charset="-128"/>
+                <a:ea typeface="源ノ角ゴシック Code JP L" panose="020B0300000000000000" pitchFamily="34" charset="-128"/>
+              </a:rPr>
+              <a:t>部品</a:t>
+            </a:r>
+            <a:r>
+              <a:rPr lang="ja-JP" altLang="en-US" sz="1100" dirty="0">
+                <a:solidFill>
+                  <a:schemeClr val="bg1"/>
+                </a:solidFill>
+                <a:latin typeface="源ノ角ゴシック Code JP L" panose="020B0300000000000000" pitchFamily="34" charset="-128"/>
+                <a:ea typeface="源ノ角ゴシック Code JP L" panose="020B0300000000000000" pitchFamily="34" charset="-128"/>
+              </a:rPr>
+              <a:t>設計：</a:t>
+            </a:r>
+            <a:r>
+              <a:rPr lang="en-US" altLang="ja-JP" sz="1100" dirty="0">
+                <a:solidFill>
+                  <a:schemeClr val="bg1"/>
+                </a:solidFill>
+                <a:latin typeface="源ノ角ゴシック Code JP L" panose="020B0300000000000000" pitchFamily="34" charset="-128"/>
+                <a:ea typeface="源ノ角ゴシック Code JP L" panose="020B0300000000000000" pitchFamily="34" charset="-128"/>
+              </a:rPr>
+              <a:t>Fusion360</a:t>
+            </a:r>
+          </a:p>
+          <a:p>
+            <a:r>
+              <a:rPr lang="ja-JP" altLang="en-US" sz="1100" dirty="0" smtClean="0">
+                <a:solidFill>
+                  <a:schemeClr val="bg1"/>
+                </a:solidFill>
+                <a:latin typeface="源ノ角ゴシック Code JP L" panose="020B0300000000000000" pitchFamily="34" charset="-128"/>
+                <a:ea typeface="源ノ角ゴシック Code JP L" panose="020B0300000000000000" pitchFamily="34" charset="-128"/>
+              </a:rPr>
+              <a:t>基板</a:t>
+            </a:r>
+            <a:r>
+              <a:rPr lang="ja-JP" altLang="en-US" sz="1100" dirty="0">
+                <a:solidFill>
+                  <a:schemeClr val="bg1"/>
+                </a:solidFill>
+                <a:latin typeface="源ノ角ゴシック Code JP L" panose="020B0300000000000000" pitchFamily="34" charset="-128"/>
+                <a:ea typeface="源ノ角ゴシック Code JP L" panose="020B0300000000000000" pitchFamily="34" charset="-128"/>
+              </a:rPr>
+              <a:t>設計：</a:t>
+            </a:r>
+            <a:r>
+              <a:rPr lang="en-US" altLang="ja-JP" sz="1100" dirty="0">
+                <a:solidFill>
+                  <a:schemeClr val="bg1"/>
+                </a:solidFill>
+                <a:latin typeface="源ノ角ゴシック Code JP L" panose="020B0300000000000000" pitchFamily="34" charset="-128"/>
+                <a:ea typeface="源ノ角ゴシック Code JP L" panose="020B0300000000000000" pitchFamily="34" charset="-128"/>
+              </a:rPr>
+              <a:t>KiCad</a:t>
+            </a:r>
+          </a:p>
+          <a:p>
+            <a:r>
+              <a:rPr lang="ja-JP" altLang="en-US" sz="1100" dirty="0" smtClean="0">
+                <a:solidFill>
+                  <a:schemeClr val="bg1"/>
+                </a:solidFill>
+                <a:latin typeface="源ノ角ゴシック Code JP L" panose="020B0300000000000000" pitchFamily="34" charset="-128"/>
+                <a:ea typeface="源ノ角ゴシック Code JP L" panose="020B0300000000000000" pitchFamily="34" charset="-128"/>
+              </a:rPr>
+              <a:t>基板</a:t>
+            </a:r>
+            <a:r>
+              <a:rPr lang="ja-JP" altLang="en-US" sz="1100" dirty="0">
+                <a:solidFill>
+                  <a:schemeClr val="bg1"/>
+                </a:solidFill>
+                <a:latin typeface="源ノ角ゴシック Code JP L" panose="020B0300000000000000" pitchFamily="34" charset="-128"/>
+                <a:ea typeface="源ノ角ゴシック Code JP L" panose="020B0300000000000000" pitchFamily="34" charset="-128"/>
+              </a:rPr>
+              <a:t>発注：</a:t>
+            </a:r>
+            <a:r>
+              <a:rPr lang="en-US" altLang="ja-JP" sz="1100" dirty="0">
+                <a:solidFill>
+                  <a:schemeClr val="bg1"/>
+                </a:solidFill>
+                <a:latin typeface="源ノ角ゴシック Code JP L" panose="020B0300000000000000" pitchFamily="34" charset="-128"/>
+                <a:ea typeface="源ノ角ゴシック Code JP L" panose="020B0300000000000000" pitchFamily="34" charset="-128"/>
+              </a:rPr>
+              <a:t>JLCPCB</a:t>
+            </a:r>
+          </a:p>
+          <a:p>
+            <a:r>
+              <a:rPr lang="ja-JP" altLang="en-US" sz="1100" dirty="0" smtClean="0">
+                <a:solidFill>
+                  <a:schemeClr val="bg1"/>
+                </a:solidFill>
+                <a:latin typeface="源ノ角ゴシック Code JP L" panose="020B0300000000000000" pitchFamily="34" charset="-128"/>
+                <a:ea typeface="源ノ角ゴシック Code JP L" panose="020B0300000000000000" pitchFamily="34" charset="-128"/>
+              </a:rPr>
+              <a:t>部品</a:t>
+            </a:r>
+            <a:r>
+              <a:rPr lang="ja-JP" altLang="en-US" sz="1100" dirty="0">
+                <a:solidFill>
+                  <a:schemeClr val="bg1"/>
+                </a:solidFill>
+                <a:latin typeface="源ノ角ゴシック Code JP L" panose="020B0300000000000000" pitchFamily="34" charset="-128"/>
+                <a:ea typeface="源ノ角ゴシック Code JP L" panose="020B0300000000000000" pitchFamily="34" charset="-128"/>
+              </a:rPr>
+              <a:t>製作：</a:t>
+            </a:r>
+            <a:r>
+              <a:rPr lang="en-US" altLang="ja-JP" sz="1050" dirty="0">
+                <a:solidFill>
+                  <a:schemeClr val="bg1"/>
+                </a:solidFill>
+                <a:latin typeface="源ノ角ゴシック Code JP L" panose="020B0300000000000000" pitchFamily="34" charset="-128"/>
+                <a:ea typeface="源ノ角ゴシック Code JP L" panose="020B0300000000000000" pitchFamily="34" charset="-128"/>
+              </a:rPr>
+              <a:t>Originalmind </a:t>
+            </a:r>
+            <a:r>
+              <a:rPr lang="en-US" altLang="ja-JP" sz="1050" dirty="0" smtClean="0">
+                <a:solidFill>
+                  <a:schemeClr val="bg1"/>
+                </a:solidFill>
+                <a:latin typeface="源ノ角ゴシック Code JP L" panose="020B0300000000000000" pitchFamily="34" charset="-128"/>
+                <a:ea typeface="源ノ角ゴシック Code JP L" panose="020B0300000000000000" pitchFamily="34" charset="-128"/>
+              </a:rPr>
+              <a:t>kitmill </a:t>
+            </a:r>
+            <a:r>
+              <a:rPr lang="en-US" altLang="ja-JP" sz="1050" dirty="0">
+                <a:solidFill>
+                  <a:schemeClr val="bg1"/>
+                </a:solidFill>
+                <a:latin typeface="源ノ角ゴシック Code JP L" panose="020B0300000000000000" pitchFamily="34" charset="-128"/>
+                <a:ea typeface="源ノ角ゴシック Code JP L" panose="020B0300000000000000" pitchFamily="34" charset="-128"/>
+              </a:rPr>
+              <a:t>CL100</a:t>
+            </a:r>
+          </a:p>
+          <a:p>
+            <a:r>
+              <a:rPr lang="ja-JP" altLang="en-US" sz="1100" dirty="0">
+                <a:solidFill>
+                  <a:schemeClr val="bg1"/>
+                </a:solidFill>
+                <a:latin typeface="源ノ角ゴシック Code JP L" panose="020B0300000000000000" pitchFamily="34" charset="-128"/>
+                <a:ea typeface="源ノ角ゴシック Code JP L" panose="020B0300000000000000" pitchFamily="34" charset="-128"/>
+              </a:rPr>
+              <a:t>　　　　　</a:t>
+            </a:r>
+            <a:r>
+              <a:rPr lang="en-US" altLang="ja-JP" sz="1050" dirty="0">
+                <a:solidFill>
+                  <a:schemeClr val="bg1"/>
+                </a:solidFill>
+                <a:latin typeface="源ノ角ゴシック Code JP L" panose="020B0300000000000000" pitchFamily="34" charset="-128"/>
+                <a:ea typeface="源ノ角ゴシック Code JP L" panose="020B0300000000000000" pitchFamily="34" charset="-128"/>
+              </a:rPr>
+              <a:t>FLASHFORGE </a:t>
+            </a:r>
+            <a:r>
+              <a:rPr lang="en-US" altLang="ja-JP" sz="1050" dirty="0" smtClean="0">
+                <a:solidFill>
+                  <a:schemeClr val="bg1"/>
+                </a:solidFill>
+                <a:latin typeface="源ノ角ゴシック Code JP L" panose="020B0300000000000000" pitchFamily="34" charset="-128"/>
+                <a:ea typeface="源ノ角ゴシック Code JP L" panose="020B0300000000000000" pitchFamily="34" charset="-128"/>
+              </a:rPr>
+              <a:t>Adventurer3 </a:t>
+            </a:r>
+            <a:r>
+              <a:rPr lang="en-US" altLang="ja-JP" sz="1050" dirty="0">
+                <a:solidFill>
+                  <a:schemeClr val="bg1"/>
+                </a:solidFill>
+                <a:latin typeface="源ノ角ゴシック Code JP L" panose="020B0300000000000000" pitchFamily="34" charset="-128"/>
+                <a:ea typeface="源ノ角ゴシック Code JP L" panose="020B0300000000000000" pitchFamily="34" charset="-128"/>
+              </a:rPr>
+              <a:t>lite</a:t>
+            </a:r>
+          </a:p>
+          <a:p>
+            <a:r>
+              <a:rPr lang="ja-JP" altLang="en-US" sz="1100" dirty="0" smtClean="0">
+                <a:solidFill>
+                  <a:schemeClr val="bg1"/>
+                </a:solidFill>
+                <a:latin typeface="源ノ角ゴシック Code JP L" panose="020B0300000000000000" pitchFamily="34" charset="-128"/>
+                <a:ea typeface="源ノ角ゴシック Code JP L" panose="020B0300000000000000" pitchFamily="34" charset="-128"/>
+              </a:rPr>
+              <a:t>基盤制作</a:t>
+            </a:r>
+            <a:r>
+              <a:rPr lang="ja-JP" altLang="en-US" sz="1100" dirty="0">
+                <a:solidFill>
+                  <a:schemeClr val="bg1"/>
+                </a:solidFill>
+                <a:latin typeface="源ノ角ゴシック Code JP L" panose="020B0300000000000000" pitchFamily="34" charset="-128"/>
+                <a:ea typeface="源ノ角ゴシック Code JP L" panose="020B0300000000000000" pitchFamily="34" charset="-128"/>
+              </a:rPr>
+              <a:t>：</a:t>
+            </a:r>
+            <a:r>
+              <a:rPr lang="en-US" altLang="ja-JP" sz="1050" dirty="0">
+                <a:solidFill>
+                  <a:schemeClr val="bg1"/>
+                </a:solidFill>
+                <a:latin typeface="源ノ角ゴシック Code JP L" panose="020B0300000000000000" pitchFamily="34" charset="-128"/>
+                <a:ea typeface="源ノ角ゴシック Code JP L" panose="020B0300000000000000" pitchFamily="34" charset="-128"/>
+              </a:rPr>
+              <a:t>Originalmind kitmill BS200</a:t>
+            </a:r>
+            <a:endParaRPr lang="ja-JP" altLang="en-US" sz="1050" dirty="0">
+              <a:solidFill>
+                <a:schemeClr val="bg1"/>
+              </a:solidFill>
+              <a:latin typeface="源ノ角ゴシック Code JP L" panose="020B0300000000000000" pitchFamily="34" charset="-128"/>
+              <a:ea typeface="源ノ角ゴシック Code JP L" panose="020B0300000000000000" pitchFamily="34" charset="-128"/>
+            </a:endParaRPr>
+          </a:p>
+        </p:txBody>
+      </p:sp>
+      <p:pic>
+        <p:nvPicPr>
+          <p:cNvPr id="22" name="図 21"/>
+          <p:cNvPicPr>
+            <a:picLocks noChangeAspect="1"/>
+          </p:cNvPicPr>
+          <p:nvPr/>
+        </p:nvPicPr>
+        <p:blipFill rotWithShape="1">
+          <a:blip r:embed="rId18">
+            <a:extLst>
+              <a:ext uri="{28A0092B-C50C-407E-A947-70E740481C1C}">
+                <a14:useLocalDpi xmlns:a14="http://schemas.microsoft.com/office/drawing/2010/main" val="0"/>
+              </a:ext>
+            </a:extLst>
+          </a:blip>
+          <a:srcRect r="49972"/>
+          <a:stretch/>
+        </p:blipFill>
+        <p:spPr>
+          <a:xfrm rot="5400000">
+            <a:off x="7217417" y="4604435"/>
+            <a:ext cx="2437301" cy="2413060"/>
+          </a:xfrm>
+          <a:prstGeom prst="rect">
+            <a:avLst/>
+          </a:prstGeom>
+        </p:spPr>
+      </p:pic>
+      <p:cxnSp>
+        <p:nvCxnSpPr>
+          <p:cNvPr id="27" name="直線矢印コネクタ 26"/>
+          <p:cNvCxnSpPr>
+            <a:endCxn id="22" idx="3"/>
+          </p:cNvCxnSpPr>
+          <p:nvPr/>
+        </p:nvCxnSpPr>
+        <p:spPr>
+          <a:xfrm>
+            <a:off x="7621666" y="4960517"/>
+            <a:ext cx="814402" cy="2069099"/>
+          </a:xfrm>
+          <a:prstGeom prst="straightConnector1">
+            <a:avLst/>
+          </a:prstGeom>
+          <a:ln w="38100">
+            <a:solidFill>
+              <a:srgbClr val="F33939"/>
+            </a:solidFill>
+            <a:tailEnd type="triangle"/>
+          </a:ln>
+        </p:spPr>
+        <p:style>
+          <a:lnRef idx="1">
+            <a:schemeClr val="accent1"/>
+          </a:lnRef>
+          <a:fillRef idx="0">
+            <a:schemeClr val="accent1"/>
+          </a:fillRef>
+          <a:effectRef idx="0">
+            <a:schemeClr val="accent1"/>
+          </a:effectRef>
+          <a:fontRef idx="minor">
+            <a:schemeClr val="tx1"/>
+          </a:fontRef>
+        </p:style>
+      </p:cxnSp>
+      <p:cxnSp>
+        <p:nvCxnSpPr>
+          <p:cNvPr id="243" name="直線矢印コネクタ 242"/>
+          <p:cNvCxnSpPr>
+            <a:endCxn id="22" idx="3"/>
+          </p:cNvCxnSpPr>
+          <p:nvPr/>
+        </p:nvCxnSpPr>
+        <p:spPr>
+          <a:xfrm flipH="1">
+            <a:off x="8436068" y="5937182"/>
+            <a:ext cx="825224" cy="1092434"/>
+          </a:xfrm>
+          <a:prstGeom prst="straightConnector1">
+            <a:avLst/>
+          </a:prstGeom>
+          <a:ln w="38100">
+            <a:solidFill>
+              <a:srgbClr val="F33939"/>
+            </a:solidFill>
+            <a:tailEnd type="triangle"/>
+          </a:ln>
+        </p:spPr>
+        <p:style>
+          <a:lnRef idx="1">
+            <a:schemeClr val="accent1"/>
+          </a:lnRef>
+          <a:fillRef idx="0">
+            <a:schemeClr val="accent1"/>
+          </a:fillRef>
+          <a:effectRef idx="0">
+            <a:schemeClr val="accent1"/>
+          </a:effectRef>
+          <a:fontRef idx="minor">
+            <a:schemeClr val="tx1"/>
+          </a:fontRef>
+        </p:style>
+      </p:cxnSp>
+      <p:pic>
+        <p:nvPicPr>
+          <p:cNvPr id="21" name="図 20"/>
+          <p:cNvPicPr>
+            <a:picLocks noChangeAspect="1"/>
+          </p:cNvPicPr>
+          <p:nvPr/>
+        </p:nvPicPr>
+        <p:blipFill rotWithShape="1">
+          <a:blip r:embed="rId19" cstate="print">
+            <a:extLst>
+              <a:ext uri="{28A0092B-C50C-407E-A947-70E740481C1C}">
+                <a14:useLocalDpi xmlns:a14="http://schemas.microsoft.com/office/drawing/2010/main" val="0"/>
+              </a:ext>
+            </a:extLst>
+          </a:blip>
+          <a:srcRect l="23256" t="23564" r="21678" b="25303"/>
+          <a:stretch/>
+        </p:blipFill>
+        <p:spPr>
+          <a:xfrm>
+            <a:off x="7209860" y="4629430"/>
+            <a:ext cx="823612" cy="764783"/>
+          </a:xfrm>
+          <a:prstGeom prst="rect">
+            <a:avLst/>
+          </a:prstGeom>
+        </p:spPr>
+      </p:pic>
+      <p:pic>
+        <p:nvPicPr>
+          <p:cNvPr id="242" name="図 241"/>
+          <p:cNvPicPr>
+            <a:picLocks noChangeAspect="1"/>
+          </p:cNvPicPr>
+          <p:nvPr/>
+        </p:nvPicPr>
+        <p:blipFill rotWithShape="1">
+          <a:blip r:embed="rId19" cstate="print">
+            <a:extLst>
+              <a:ext uri="{28A0092B-C50C-407E-A947-70E740481C1C}">
+                <a14:useLocalDpi xmlns:a14="http://schemas.microsoft.com/office/drawing/2010/main" val="0"/>
+              </a:ext>
+            </a:extLst>
+          </a:blip>
+          <a:srcRect l="23256" t="23564" r="21678" b="25303"/>
+          <a:stretch/>
+        </p:blipFill>
+        <p:spPr>
+          <a:xfrm>
+            <a:off x="8836997" y="5597759"/>
+            <a:ext cx="823612" cy="764783"/>
+          </a:xfrm>
+          <a:prstGeom prst="rect">
+            <a:avLst/>
+          </a:prstGeom>
+        </p:spPr>
+      </p:pic>
+      <p:sp>
+        <p:nvSpPr>
+          <p:cNvPr id="244" name="角丸四角形 243"/>
+          <p:cNvSpPr/>
+          <p:nvPr/>
+        </p:nvSpPr>
+        <p:spPr>
+          <a:xfrm>
+            <a:off x="11890179" y="7481493"/>
+            <a:ext cx="3076511" cy="3101363"/>
+          </a:xfrm>
+          <a:prstGeom prst="roundRect">
+            <a:avLst>
+              <a:gd name="adj" fmla="val 8185"/>
+            </a:avLst>
+          </a:prstGeom>
+          <a:solidFill>
+            <a:schemeClr val="tx1">
+              <a:lumMod val="85000"/>
+              <a:lumOff val="15000"/>
+            </a:schemeClr>
+          </a:solidFill>
+        </p:spPr>
+        <p:style>
+          <a:lnRef idx="2">
+            <a:schemeClr val="dk1">
+              <a:shade val="50000"/>
+            </a:schemeClr>
+          </a:lnRef>
+          <a:fillRef idx="1">
+            <a:schemeClr val="dk1"/>
+          </a:fillRef>
+          <a:effectRef idx="0">
+            <a:schemeClr val="dk1"/>
+          </a:effectRef>
+          <a:fontRef idx="minor">
+            <a:schemeClr val="lt1"/>
+          </a:fontRef>
+        </p:style>
+        <p:txBody>
+          <a:bodyPr rot="0" spcFirstLastPara="0" vertOverflow="overflow" horzOverflow="overflow" vert="horz" wrap="square" lIns="101827" tIns="50913" rIns="101827" bIns="50913" numCol="1" spcCol="0" rtlCol="0" fromWordArt="0" anchor="ctr" anchorCtr="0" forceAA="0" compatLnSpc="1">
+            <a:prstTxWarp prst="textNoShape">
+              <a:avLst/>
+            </a:prstTxWarp>
+            <a:noAutofit/>
+          </a:bodyPr>
+          <a:lstStyle/>
+          <a:p>
+            <a:pPr algn="ctr"/>
+            <a:endParaRPr lang="ja-JP" altLang="en-US" sz="3086"/>
+          </a:p>
+        </p:txBody>
+      </p:sp>
+      <p:sp>
+        <p:nvSpPr>
+          <p:cNvPr id="245" name="テキスト ボックス 244"/>
+          <p:cNvSpPr txBox="1"/>
+          <p:nvPr/>
+        </p:nvSpPr>
+        <p:spPr>
+          <a:xfrm>
+            <a:off x="11944890" y="7499733"/>
+            <a:ext cx="2981941" cy="2308324"/>
+          </a:xfrm>
+          <a:prstGeom prst="rect">
+            <a:avLst/>
+          </a:prstGeom>
+          <a:noFill/>
+        </p:spPr>
+        <p:txBody>
+          <a:bodyPr wrap="square" rtlCol="0">
+            <a:spAutoFit/>
+          </a:bodyPr>
+          <a:lstStyle/>
+          <a:p>
+            <a:r>
+              <a:rPr lang="ja-JP" altLang="en-US" sz="2400" dirty="0" smtClean="0">
+                <a:solidFill>
+                  <a:schemeClr val="bg1"/>
+                </a:solidFill>
+                <a:latin typeface="源ノ角ゴシック Code JP M" panose="020B0600000000000000" pitchFamily="34" charset="-128"/>
+                <a:ea typeface="源ノ角ゴシック Code JP M" panose="020B0600000000000000" pitchFamily="34" charset="-128"/>
+              </a:rPr>
+              <a:t>技術共有</a:t>
+            </a:r>
+            <a:endParaRPr lang="en-US" altLang="ja-JP" sz="2400" dirty="0" smtClean="0">
+              <a:solidFill>
+                <a:schemeClr val="bg1"/>
+              </a:solidFill>
+              <a:latin typeface="源ノ角ゴシック Code JP M" panose="020B0600000000000000" pitchFamily="34" charset="-128"/>
+              <a:ea typeface="源ノ角ゴシック Code JP M" panose="020B0600000000000000" pitchFamily="34" charset="-128"/>
+            </a:endParaRPr>
+          </a:p>
+          <a:p>
+            <a:r>
+              <a:rPr lang="ja-JP" altLang="en-US" sz="1200" dirty="0">
+                <a:solidFill>
+                  <a:schemeClr val="bg1"/>
+                </a:solidFill>
+                <a:latin typeface="源ノ角ゴシック Code JP L" panose="020B0300000000000000" pitchFamily="34" charset="-128"/>
+                <a:ea typeface="源ノ角ゴシック Code JP L" panose="020B0300000000000000" pitchFamily="34" charset="-128"/>
+              </a:rPr>
+              <a:t>私たち</a:t>
+            </a:r>
+            <a:r>
+              <a:rPr lang="ja-JP" altLang="en-US" sz="1200" dirty="0" smtClean="0">
+                <a:solidFill>
+                  <a:schemeClr val="bg1"/>
+                </a:solidFill>
+                <a:latin typeface="源ノ角ゴシック Code JP L" panose="020B0300000000000000" pitchFamily="34" charset="-128"/>
+                <a:ea typeface="源ノ角ゴシック Code JP L" panose="020B0300000000000000" pitchFamily="34" charset="-128"/>
+              </a:rPr>
+              <a:t>は、</a:t>
+            </a:r>
+            <a:r>
+              <a:rPr lang="en-US" altLang="ja-JP" sz="1200" dirty="0" err="1" smtClean="0">
+                <a:solidFill>
+                  <a:schemeClr val="bg1"/>
+                </a:solidFill>
+                <a:latin typeface="源ノ角ゴシック Code JP L" panose="020B0300000000000000" pitchFamily="34" charset="-128"/>
+                <a:ea typeface="源ノ角ゴシック Code JP L" panose="020B0300000000000000" pitchFamily="34" charset="-128"/>
+              </a:rPr>
+              <a:t>RoboCupJunior</a:t>
+            </a:r>
+            <a:r>
+              <a:rPr lang="ja-JP" altLang="en-US" sz="1200" dirty="0" smtClean="0">
+                <a:solidFill>
+                  <a:schemeClr val="bg1"/>
+                </a:solidFill>
+                <a:latin typeface="源ノ角ゴシック Code JP L" panose="020B0300000000000000" pitchFamily="34" charset="-128"/>
+                <a:ea typeface="源ノ角ゴシック Code JP L" panose="020B0300000000000000" pitchFamily="34" charset="-128"/>
+              </a:rPr>
+              <a:t>に参加</a:t>
+            </a:r>
+            <a:endParaRPr lang="en-US" altLang="ja-JP" sz="1200" dirty="0" smtClean="0">
+              <a:solidFill>
+                <a:schemeClr val="bg1"/>
+              </a:solidFill>
+              <a:latin typeface="源ノ角ゴシック Code JP L" panose="020B0300000000000000" pitchFamily="34" charset="-128"/>
+              <a:ea typeface="源ノ角ゴシック Code JP L" panose="020B0300000000000000" pitchFamily="34" charset="-128"/>
+            </a:endParaRPr>
+          </a:p>
+          <a:p>
+            <a:r>
+              <a:rPr lang="ja-JP" altLang="en-US" sz="1200" dirty="0" smtClean="0">
+                <a:solidFill>
+                  <a:schemeClr val="bg1"/>
+                </a:solidFill>
+                <a:latin typeface="源ノ角ゴシック Code JP L" panose="020B0300000000000000" pitchFamily="34" charset="-128"/>
+                <a:ea typeface="源ノ角ゴシック Code JP L" panose="020B0300000000000000" pitchFamily="34" charset="-128"/>
+              </a:rPr>
+              <a:t>する上で、技術の共有をすることは必要</a:t>
+            </a:r>
+            <a:endParaRPr lang="en-US" altLang="ja-JP" sz="1200" dirty="0" smtClean="0">
+              <a:solidFill>
+                <a:schemeClr val="bg1"/>
+              </a:solidFill>
+              <a:latin typeface="源ノ角ゴシック Code JP L" panose="020B0300000000000000" pitchFamily="34" charset="-128"/>
+              <a:ea typeface="源ノ角ゴシック Code JP L" panose="020B0300000000000000" pitchFamily="34" charset="-128"/>
+            </a:endParaRPr>
+          </a:p>
+          <a:p>
+            <a:r>
+              <a:rPr lang="ja-JP" altLang="en-US" sz="1200" dirty="0" smtClean="0">
+                <a:solidFill>
+                  <a:schemeClr val="bg1"/>
+                </a:solidFill>
+                <a:latin typeface="源ノ角ゴシック Code JP L" panose="020B0300000000000000" pitchFamily="34" charset="-128"/>
+                <a:ea typeface="源ノ角ゴシック Code JP L" panose="020B0300000000000000" pitchFamily="34" charset="-128"/>
+              </a:rPr>
+              <a:t>不可欠であると考えました。そこで、</a:t>
+            </a:r>
+            <a:endParaRPr lang="en-US" altLang="ja-JP" sz="1200" dirty="0" smtClean="0">
+              <a:solidFill>
+                <a:schemeClr val="bg1"/>
+              </a:solidFill>
+              <a:latin typeface="源ノ角ゴシック Code JP L" panose="020B0300000000000000" pitchFamily="34" charset="-128"/>
+              <a:ea typeface="源ノ角ゴシック Code JP L" panose="020B0300000000000000" pitchFamily="34" charset="-128"/>
+            </a:endParaRPr>
+          </a:p>
+          <a:p>
+            <a:r>
+              <a:rPr lang="ja-JP" altLang="en-US" sz="1200" dirty="0" smtClean="0">
+                <a:solidFill>
+                  <a:schemeClr val="bg1"/>
+                </a:solidFill>
+                <a:latin typeface="源ノ角ゴシック Code JP L" panose="020B0300000000000000" pitchFamily="34" charset="-128"/>
+                <a:ea typeface="源ノ角ゴシック Code JP L" panose="020B0300000000000000" pitchFamily="34" charset="-128"/>
+              </a:rPr>
+              <a:t>私たちで</a:t>
+            </a:r>
+            <a:r>
+              <a:rPr lang="en-US" altLang="ja-JP" sz="1200" dirty="0" smtClean="0">
+                <a:solidFill>
+                  <a:schemeClr val="bg1"/>
+                </a:solidFill>
+                <a:latin typeface="源ノ角ゴシック Code JP L" panose="020B0300000000000000" pitchFamily="34" charset="-128"/>
+                <a:ea typeface="源ノ角ゴシック Code JP L" panose="020B0300000000000000" pitchFamily="34" charset="-128"/>
+              </a:rPr>
+              <a:t>Twitter</a:t>
+            </a:r>
+            <a:r>
+              <a:rPr lang="ja-JP" altLang="en-US" sz="1200" dirty="0" smtClean="0">
+                <a:solidFill>
+                  <a:schemeClr val="bg1"/>
+                </a:solidFill>
+                <a:latin typeface="源ノ角ゴシック Code JP L" panose="020B0300000000000000" pitchFamily="34" charset="-128"/>
+                <a:ea typeface="源ノ角ゴシック Code JP L" panose="020B0300000000000000" pitchFamily="34" charset="-128"/>
+              </a:rPr>
+              <a:t>のアカウント</a:t>
+            </a:r>
+            <a:r>
+              <a:rPr lang="ja-JP" altLang="en-US" sz="1200" dirty="0">
+                <a:solidFill>
+                  <a:schemeClr val="bg1"/>
+                </a:solidFill>
+                <a:latin typeface="源ノ角ゴシック Code JP L" panose="020B0300000000000000" pitchFamily="34" charset="-128"/>
+                <a:ea typeface="源ノ角ゴシック Code JP L" panose="020B0300000000000000" pitchFamily="34" charset="-128"/>
+              </a:rPr>
+              <a:t>、</a:t>
+            </a:r>
+            <a:endParaRPr lang="en-US" altLang="ja-JP" sz="1200" dirty="0" smtClean="0">
+              <a:solidFill>
+                <a:schemeClr val="bg1"/>
+              </a:solidFill>
+              <a:latin typeface="源ノ角ゴシック Code JP L" panose="020B0300000000000000" pitchFamily="34" charset="-128"/>
+              <a:ea typeface="源ノ角ゴシック Code JP L" panose="020B0300000000000000" pitchFamily="34" charset="-128"/>
+            </a:endParaRPr>
+          </a:p>
+          <a:p>
+            <a:r>
+              <a:rPr lang="ja-JP" altLang="en-US" sz="1200" dirty="0">
+                <a:solidFill>
+                  <a:schemeClr val="bg1"/>
+                </a:solidFill>
+                <a:latin typeface="源ノ角ゴシック Code JP L" panose="020B0300000000000000" pitchFamily="34" charset="-128"/>
+                <a:ea typeface="源ノ角ゴシック Code JP L" panose="020B0300000000000000" pitchFamily="34" charset="-128"/>
+              </a:rPr>
+              <a:t>ウェブ</a:t>
+            </a:r>
+            <a:r>
+              <a:rPr lang="ja-JP" altLang="en-US" sz="1200" dirty="0" smtClean="0">
+                <a:solidFill>
+                  <a:schemeClr val="bg1"/>
+                </a:solidFill>
+                <a:latin typeface="源ノ角ゴシック Code JP L" panose="020B0300000000000000" pitchFamily="34" charset="-128"/>
+                <a:ea typeface="源ノ角ゴシック Code JP L" panose="020B0300000000000000" pitchFamily="34" charset="-128"/>
+              </a:rPr>
+              <a:t>ブログを作成し、私たちが</a:t>
+            </a:r>
+            <a:endParaRPr lang="en-US" altLang="ja-JP" sz="1200" dirty="0" smtClean="0">
+              <a:solidFill>
+                <a:schemeClr val="bg1"/>
+              </a:solidFill>
+              <a:latin typeface="源ノ角ゴシック Code JP L" panose="020B0300000000000000" pitchFamily="34" charset="-128"/>
+              <a:ea typeface="源ノ角ゴシック Code JP L" panose="020B0300000000000000" pitchFamily="34" charset="-128"/>
+            </a:endParaRPr>
+          </a:p>
+          <a:p>
+            <a:r>
+              <a:rPr lang="ja-JP" altLang="en-US" sz="1200" dirty="0" smtClean="0">
+                <a:solidFill>
+                  <a:schemeClr val="bg1"/>
+                </a:solidFill>
+                <a:latin typeface="源ノ角ゴシック Code JP L" panose="020B0300000000000000" pitchFamily="34" charset="-128"/>
+                <a:ea typeface="源ノ角ゴシック Code JP L" panose="020B0300000000000000" pitchFamily="34" charset="-128"/>
+              </a:rPr>
+              <a:t>持っている技術を公開・共有することで</a:t>
+            </a:r>
+            <a:endParaRPr lang="en-US" altLang="ja-JP" sz="1200" dirty="0" smtClean="0">
+              <a:solidFill>
+                <a:schemeClr val="bg1"/>
+              </a:solidFill>
+              <a:latin typeface="源ノ角ゴシック Code JP L" panose="020B0300000000000000" pitchFamily="34" charset="-128"/>
+              <a:ea typeface="源ノ角ゴシック Code JP L" panose="020B0300000000000000" pitchFamily="34" charset="-128"/>
+            </a:endParaRPr>
+          </a:p>
+          <a:p>
+            <a:r>
+              <a:rPr lang="ja-JP" altLang="en-US" sz="1200" dirty="0" smtClean="0">
+                <a:solidFill>
+                  <a:schemeClr val="bg1"/>
+                </a:solidFill>
+                <a:latin typeface="源ノ角ゴシック Code JP L" panose="020B0300000000000000" pitchFamily="34" charset="-128"/>
+                <a:ea typeface="源ノ角ゴシック Code JP L" panose="020B0300000000000000" pitchFamily="34" charset="-128"/>
+              </a:rPr>
+              <a:t>チームの力を伸ばすことができます。</a:t>
+            </a:r>
+            <a:endParaRPr lang="en-US" altLang="ja-JP" sz="1200" dirty="0" smtClean="0">
+              <a:solidFill>
+                <a:schemeClr val="bg1"/>
+              </a:solidFill>
+              <a:latin typeface="源ノ角ゴシック Code JP L" panose="020B0300000000000000" pitchFamily="34" charset="-128"/>
+              <a:ea typeface="源ノ角ゴシック Code JP L" panose="020B0300000000000000" pitchFamily="34" charset="-128"/>
+            </a:endParaRPr>
+          </a:p>
+          <a:p>
+            <a:r>
+              <a:rPr lang="ja-JP" altLang="en-US" sz="1200" dirty="0" smtClean="0">
+                <a:solidFill>
+                  <a:schemeClr val="bg1"/>
+                </a:solidFill>
+                <a:latin typeface="源ノ角ゴシック Code JP L" panose="020B0300000000000000" pitchFamily="34" charset="-128"/>
+                <a:ea typeface="源ノ角ゴシック Code JP L" panose="020B0300000000000000" pitchFamily="34" charset="-128"/>
+              </a:rPr>
+              <a:t>ロボットのハードウェア面、ソフト</a:t>
+            </a:r>
+            <a:endParaRPr lang="en-US" altLang="ja-JP" sz="1200" dirty="0" smtClean="0">
+              <a:solidFill>
+                <a:schemeClr val="bg1"/>
+              </a:solidFill>
+              <a:latin typeface="源ノ角ゴシック Code JP L" panose="020B0300000000000000" pitchFamily="34" charset="-128"/>
+              <a:ea typeface="源ノ角ゴシック Code JP L" panose="020B0300000000000000" pitchFamily="34" charset="-128"/>
+            </a:endParaRPr>
+          </a:p>
+          <a:p>
+            <a:r>
+              <a:rPr lang="ja-JP" altLang="en-US" sz="1200" dirty="0" smtClean="0">
+                <a:solidFill>
+                  <a:schemeClr val="bg1"/>
+                </a:solidFill>
+                <a:latin typeface="源ノ角ゴシック Code JP L" panose="020B0300000000000000" pitchFamily="34" charset="-128"/>
+                <a:ea typeface="源ノ角ゴシック Code JP L" panose="020B0300000000000000" pitchFamily="34" charset="-128"/>
+              </a:rPr>
+              <a:t>ウェア面からの共有をすることも考えて</a:t>
+            </a:r>
+            <a:endParaRPr lang="en-US" altLang="ja-JP" sz="1200" dirty="0" smtClean="0">
+              <a:solidFill>
+                <a:schemeClr val="bg1"/>
+              </a:solidFill>
+              <a:latin typeface="源ノ角ゴシック Code JP L" panose="020B0300000000000000" pitchFamily="34" charset="-128"/>
+              <a:ea typeface="源ノ角ゴシック Code JP L" panose="020B0300000000000000" pitchFamily="34" charset="-128"/>
+            </a:endParaRPr>
+          </a:p>
+          <a:p>
+            <a:r>
+              <a:rPr lang="ja-JP" altLang="en-US" sz="1200" dirty="0">
+                <a:solidFill>
+                  <a:schemeClr val="bg1"/>
+                </a:solidFill>
+                <a:latin typeface="源ノ角ゴシック Code JP L" panose="020B0300000000000000" pitchFamily="34" charset="-128"/>
+                <a:ea typeface="源ノ角ゴシック Code JP L" panose="020B0300000000000000" pitchFamily="34" charset="-128"/>
+              </a:rPr>
+              <a:t>いる</a:t>
+            </a:r>
+            <a:r>
+              <a:rPr lang="ja-JP" altLang="en-US" sz="1200" dirty="0" smtClean="0">
+                <a:solidFill>
+                  <a:schemeClr val="bg1"/>
+                </a:solidFill>
+                <a:latin typeface="源ノ角ゴシック Code JP L" panose="020B0300000000000000" pitchFamily="34" charset="-128"/>
+                <a:ea typeface="源ノ角ゴシック Code JP L" panose="020B0300000000000000" pitchFamily="34" charset="-128"/>
+              </a:rPr>
+              <a:t>ため、ぜひ一度お越しください。</a:t>
+            </a:r>
+            <a:endParaRPr lang="ja-JP" altLang="en-US" sz="1200" dirty="0">
+              <a:solidFill>
+                <a:schemeClr val="bg1"/>
+              </a:solidFill>
+              <a:latin typeface="源ノ角ゴシック Code JP L" panose="020B0300000000000000" pitchFamily="34" charset="-128"/>
+              <a:ea typeface="源ノ角ゴシック Code JP L" panose="020B0300000000000000" pitchFamily="34" charset="-128"/>
+            </a:endParaRPr>
+          </a:p>
+        </p:txBody>
+      </p:sp>
+      <p:pic>
+        <p:nvPicPr>
+          <p:cNvPr id="38" name="図 37"/>
+          <p:cNvPicPr>
+            <a:picLocks noChangeAspect="1"/>
+          </p:cNvPicPr>
+          <p:nvPr/>
+        </p:nvPicPr>
+        <p:blipFill rotWithShape="1">
+          <a:blip r:embed="rId20">
+            <a:extLst>
+              <a:ext uri="{28A0092B-C50C-407E-A947-70E740481C1C}">
+                <a14:useLocalDpi xmlns:a14="http://schemas.microsoft.com/office/drawing/2010/main" val="0"/>
+              </a:ext>
+            </a:extLst>
+          </a:blip>
+          <a:srcRect l="15594" r="5142"/>
+          <a:stretch/>
+        </p:blipFill>
+        <p:spPr>
+          <a:xfrm>
+            <a:off x="9778470" y="4728690"/>
+            <a:ext cx="2368249" cy="2240860"/>
+          </a:xfrm>
+          <a:prstGeom prst="rect">
+            <a:avLst/>
+          </a:prstGeom>
+        </p:spPr>
+      </p:pic>
+      <p:sp>
+        <p:nvSpPr>
+          <p:cNvPr id="246" name="テキスト ボックス 245"/>
+          <p:cNvSpPr txBox="1"/>
+          <p:nvPr/>
+        </p:nvSpPr>
+        <p:spPr>
+          <a:xfrm>
+            <a:off x="11891550" y="9917578"/>
+            <a:ext cx="3521271" cy="415498"/>
+          </a:xfrm>
+          <a:prstGeom prst="rect">
+            <a:avLst/>
+          </a:prstGeom>
+          <a:noFill/>
+        </p:spPr>
+        <p:txBody>
+          <a:bodyPr wrap="square" rtlCol="0">
+            <a:spAutoFit/>
+          </a:bodyPr>
+          <a:lstStyle/>
+          <a:p>
+            <a:r>
+              <a:rPr lang="en-US" altLang="ja-JP" sz="1050" b="1" dirty="0" smtClean="0">
+                <a:solidFill>
+                  <a:schemeClr val="bg1"/>
+                </a:solidFill>
+                <a:latin typeface="源ノ角ゴシック Code JP L" panose="020B0300000000000000" pitchFamily="34" charset="-128"/>
+                <a:ea typeface="源ノ角ゴシック Code JP L" panose="020B0300000000000000" pitchFamily="34" charset="-128"/>
+              </a:rPr>
+              <a:t>Twitter:@</a:t>
+            </a:r>
+            <a:r>
+              <a:rPr lang="en-US" altLang="ja-JP" sz="1050" b="1" dirty="0" err="1" smtClean="0">
+                <a:solidFill>
+                  <a:schemeClr val="bg1"/>
+                </a:solidFill>
+                <a:latin typeface="源ノ角ゴシック Code JP L" panose="020B0300000000000000" pitchFamily="34" charset="-128"/>
+                <a:ea typeface="源ノ角ゴシック Code JP L" panose="020B0300000000000000" pitchFamily="34" charset="-128"/>
+              </a:rPr>
+              <a:t>munachu_artemis</a:t>
+            </a:r>
+            <a:endParaRPr lang="en-US" altLang="ja-JP" sz="1050" b="1" dirty="0" smtClean="0">
+              <a:solidFill>
+                <a:schemeClr val="bg1"/>
+              </a:solidFill>
+              <a:latin typeface="源ノ角ゴシック Code JP L" panose="020B0300000000000000" pitchFamily="34" charset="-128"/>
+              <a:ea typeface="源ノ角ゴシック Code JP L" panose="020B0300000000000000" pitchFamily="34" charset="-128"/>
+            </a:endParaRPr>
+          </a:p>
+          <a:p>
+            <a:r>
+              <a:rPr lang="en-US" altLang="ja-JP" sz="1050" b="1" dirty="0" err="1" smtClean="0">
+                <a:solidFill>
+                  <a:schemeClr val="bg1"/>
+                </a:solidFill>
+                <a:latin typeface="源ノ角ゴシック Code JP L" panose="020B0300000000000000" pitchFamily="34" charset="-128"/>
+                <a:ea typeface="源ノ角ゴシック Code JP L" panose="020B0300000000000000" pitchFamily="34" charset="-128"/>
+              </a:rPr>
+              <a:t>Blog:https</a:t>
+            </a:r>
+            <a:r>
+              <a:rPr lang="en-US" altLang="ja-JP" sz="1050" b="1" dirty="0" smtClean="0">
+                <a:solidFill>
+                  <a:schemeClr val="bg1"/>
+                </a:solidFill>
+                <a:latin typeface="源ノ角ゴシック Code JP L" panose="020B0300000000000000" pitchFamily="34" charset="-128"/>
+                <a:ea typeface="源ノ角ゴシック Code JP L" panose="020B0300000000000000" pitchFamily="34" charset="-128"/>
+              </a:rPr>
+              <a:t>://asahi-rcj.github.io</a:t>
+            </a:r>
+            <a:endParaRPr lang="ja-JP" altLang="en-US" sz="1050" b="1" dirty="0">
+              <a:solidFill>
+                <a:schemeClr val="bg1"/>
+              </a:solidFill>
+              <a:latin typeface="源ノ角ゴシック Code JP L" panose="020B0300000000000000" pitchFamily="34" charset="-128"/>
+              <a:ea typeface="源ノ角ゴシック Code JP L" panose="020B0300000000000000" pitchFamily="34" charset="-128"/>
+            </a:endParaRPr>
+          </a:p>
+        </p:txBody>
+      </p:sp>
+      <p:pic>
+        <p:nvPicPr>
+          <p:cNvPr id="46" name="図 45"/>
+          <p:cNvPicPr>
+            <a:picLocks noChangeAspect="1"/>
+          </p:cNvPicPr>
+          <p:nvPr/>
+        </p:nvPicPr>
+        <p:blipFill rotWithShape="1">
+          <a:blip r:embed="rId21" cstate="print">
+            <a:extLst>
+              <a:ext uri="{28A0092B-C50C-407E-A947-70E740481C1C}">
+                <a14:useLocalDpi xmlns:a14="http://schemas.microsoft.com/office/drawing/2010/main" val="0"/>
+              </a:ext>
+            </a:extLst>
+          </a:blip>
+          <a:srcRect l="18278" r="18222"/>
+          <a:stretch/>
+        </p:blipFill>
+        <p:spPr>
+          <a:xfrm>
+            <a:off x="8210724" y="9961152"/>
+            <a:ext cx="606776" cy="535110"/>
+          </a:xfrm>
+          <a:prstGeom prst="rect">
+            <a:avLst/>
+          </a:prstGeom>
+        </p:spPr>
+      </p:pic>
+      <p:pic>
+        <p:nvPicPr>
+          <p:cNvPr id="39" name="図 38"/>
+          <p:cNvPicPr>
+            <a:picLocks noChangeAspect="1"/>
+          </p:cNvPicPr>
+          <p:nvPr/>
+        </p:nvPicPr>
+        <p:blipFill>
+          <a:blip r:embed="rId22" cstate="print">
+            <a:extLst>
+              <a:ext uri="{28A0092B-C50C-407E-A947-70E740481C1C}">
+                <a14:useLocalDpi xmlns:a14="http://schemas.microsoft.com/office/drawing/2010/main" val="0"/>
+              </a:ext>
+            </a:extLst>
+          </a:blip>
+          <a:stretch>
+            <a:fillRect/>
+          </a:stretch>
+        </p:blipFill>
+        <p:spPr>
+          <a:xfrm>
+            <a:off x="8698217" y="9521788"/>
+            <a:ext cx="682999" cy="682999"/>
+          </a:xfrm>
+          <a:prstGeom prst="rect">
+            <a:avLst/>
+          </a:prstGeom>
+        </p:spPr>
+      </p:pic>
+      <p:pic>
+        <p:nvPicPr>
+          <p:cNvPr id="44" name="図 43"/>
+          <p:cNvPicPr>
+            <a:picLocks noChangeAspect="1"/>
+          </p:cNvPicPr>
+          <p:nvPr/>
+        </p:nvPicPr>
+        <p:blipFill>
+          <a:blip r:embed="rId23" cstate="print">
+            <a:extLst>
+              <a:ext uri="{28A0092B-C50C-407E-A947-70E740481C1C}">
+                <a14:useLocalDpi xmlns:a14="http://schemas.microsoft.com/office/drawing/2010/main" val="0"/>
+              </a:ext>
+            </a:extLst>
+          </a:blip>
+          <a:stretch>
+            <a:fillRect/>
+          </a:stretch>
+        </p:blipFill>
+        <p:spPr>
+          <a:xfrm>
+            <a:off x="9221401" y="9826365"/>
+            <a:ext cx="2325383" cy="682264"/>
+          </a:xfrm>
+          <a:prstGeom prst="rect">
+            <a:avLst/>
+          </a:prstGeom>
+        </p:spPr>
+      </p:pic>
+      <p:pic>
+        <p:nvPicPr>
+          <p:cNvPr id="37" name="図 36"/>
+          <p:cNvPicPr>
+            <a:picLocks noChangeAspect="1"/>
+          </p:cNvPicPr>
+          <p:nvPr/>
+        </p:nvPicPr>
+        <p:blipFill>
+          <a:blip r:embed="rId24" cstate="print">
+            <a:extLst>
+              <a:ext uri="{28A0092B-C50C-407E-A947-70E740481C1C}">
+                <a14:useLocalDpi xmlns:a14="http://schemas.microsoft.com/office/drawing/2010/main" val="0"/>
+              </a:ext>
+            </a:extLst>
+          </a:blip>
+          <a:stretch>
+            <a:fillRect/>
+          </a:stretch>
+        </p:blipFill>
+        <p:spPr>
+          <a:xfrm>
+            <a:off x="7591048" y="9360293"/>
+            <a:ext cx="1003386" cy="885163"/>
           </a:xfrm>
           <a:prstGeom prst="rect">
             <a:avLst/>

--- a/KitakyusyuOpen2022/PresentationSeat/PresentationSeet.pptx
+++ b/KitakyusyuOpen2022/PresentationSeat/PresentationSeet.pptx
@@ -197,7 +197,7 @@
           <a:p>
             <a:fld id="{112A8008-FDA3-410E-9738-B862D3BEBCE1}" type="datetimeFigureOut">
               <a:rPr kumimoji="1" lang="ja-JP" altLang="en-US" smtClean="0"/>
-              <a:t>2022/8/2</a:t>
+              <a:t>2022/8/3</a:t>
             </a:fld>
             <a:endParaRPr kumimoji="1" lang="ja-JP" altLang="en-US"/>
           </a:p>
@@ -717,7 +717,7 @@
           <a:p>
             <a:fld id="{7A01C935-5042-4AD5-A86E-5E275E957866}" type="datetimeFigureOut">
               <a:rPr kumimoji="1" lang="ja-JP" altLang="en-US" smtClean="0"/>
-              <a:t>2022/8/2</a:t>
+              <a:t>2022/8/3</a:t>
             </a:fld>
             <a:endParaRPr kumimoji="1" lang="ja-JP" altLang="en-US"/>
           </a:p>
@@ -919,7 +919,7 @@
           <a:p>
             <a:fld id="{7A01C935-5042-4AD5-A86E-5E275E957866}" type="datetimeFigureOut">
               <a:rPr kumimoji="1" lang="ja-JP" altLang="en-US" smtClean="0"/>
-              <a:t>2022/8/2</a:t>
+              <a:t>2022/8/3</a:t>
             </a:fld>
             <a:endParaRPr kumimoji="1" lang="ja-JP" altLang="en-US"/>
           </a:p>
@@ -1131,7 +1131,7 @@
           <a:p>
             <a:fld id="{7A01C935-5042-4AD5-A86E-5E275E957866}" type="datetimeFigureOut">
               <a:rPr kumimoji="1" lang="ja-JP" altLang="en-US" smtClean="0"/>
-              <a:t>2022/8/2</a:t>
+              <a:t>2022/8/3</a:t>
             </a:fld>
             <a:endParaRPr kumimoji="1" lang="ja-JP" altLang="en-US"/>
           </a:p>
@@ -1333,7 +1333,7 @@
           <a:p>
             <a:fld id="{7A01C935-5042-4AD5-A86E-5E275E957866}" type="datetimeFigureOut">
               <a:rPr kumimoji="1" lang="ja-JP" altLang="en-US" smtClean="0"/>
-              <a:t>2022/8/2</a:t>
+              <a:t>2022/8/3</a:t>
             </a:fld>
             <a:endParaRPr kumimoji="1" lang="ja-JP" altLang="en-US"/>
           </a:p>
@@ -1577,7 +1577,7 @@
           <a:p>
             <a:fld id="{7A01C935-5042-4AD5-A86E-5E275E957866}" type="datetimeFigureOut">
               <a:rPr kumimoji="1" lang="ja-JP" altLang="en-US" smtClean="0"/>
-              <a:t>2022/8/2</a:t>
+              <a:t>2022/8/3</a:t>
             </a:fld>
             <a:endParaRPr kumimoji="1" lang="ja-JP" altLang="en-US"/>
           </a:p>
@@ -1873,7 +1873,7 @@
           <a:p>
             <a:fld id="{7A01C935-5042-4AD5-A86E-5E275E957866}" type="datetimeFigureOut">
               <a:rPr kumimoji="1" lang="ja-JP" altLang="en-US" smtClean="0"/>
-              <a:t>2022/8/2</a:t>
+              <a:t>2022/8/3</a:t>
             </a:fld>
             <a:endParaRPr kumimoji="1" lang="ja-JP" altLang="en-US"/>
           </a:p>
@@ -2304,7 +2304,7 @@
           <a:p>
             <a:fld id="{7A01C935-5042-4AD5-A86E-5E275E957866}" type="datetimeFigureOut">
               <a:rPr kumimoji="1" lang="ja-JP" altLang="en-US" smtClean="0"/>
-              <a:t>2022/8/2</a:t>
+              <a:t>2022/8/3</a:t>
             </a:fld>
             <a:endParaRPr kumimoji="1" lang="ja-JP" altLang="en-US"/>
           </a:p>
@@ -2422,7 +2422,7 @@
           <a:p>
             <a:fld id="{7A01C935-5042-4AD5-A86E-5E275E957866}" type="datetimeFigureOut">
               <a:rPr kumimoji="1" lang="ja-JP" altLang="en-US" smtClean="0"/>
-              <a:t>2022/8/2</a:t>
+              <a:t>2022/8/3</a:t>
             </a:fld>
             <a:endParaRPr kumimoji="1" lang="ja-JP" altLang="en-US"/>
           </a:p>
@@ -2517,7 +2517,7 @@
           <a:p>
             <a:fld id="{7A01C935-5042-4AD5-A86E-5E275E957866}" type="datetimeFigureOut">
               <a:rPr kumimoji="1" lang="ja-JP" altLang="en-US" smtClean="0"/>
-              <a:t>2022/8/2</a:t>
+              <a:t>2022/8/3</a:t>
             </a:fld>
             <a:endParaRPr kumimoji="1" lang="ja-JP" altLang="en-US"/>
           </a:p>
@@ -2826,7 +2826,7 @@
           <a:p>
             <a:fld id="{7A01C935-5042-4AD5-A86E-5E275E957866}" type="datetimeFigureOut">
               <a:rPr kumimoji="1" lang="ja-JP" altLang="en-US" smtClean="0"/>
-              <a:t>2022/8/2</a:t>
+              <a:t>2022/8/3</a:t>
             </a:fld>
             <a:endParaRPr kumimoji="1" lang="ja-JP" altLang="en-US"/>
           </a:p>
@@ -3083,7 +3083,7 @@
           <a:p>
             <a:fld id="{7A01C935-5042-4AD5-A86E-5E275E957866}" type="datetimeFigureOut">
               <a:rPr kumimoji="1" lang="ja-JP" altLang="en-US" smtClean="0"/>
-              <a:t>2022/8/2</a:t>
+              <a:t>2022/8/3</a:t>
             </a:fld>
             <a:endParaRPr kumimoji="1" lang="ja-JP" altLang="en-US"/>
           </a:p>
@@ -3328,7 +3328,7 @@
           <a:p>
             <a:fld id="{7A01C935-5042-4AD5-A86E-5E275E957866}" type="datetimeFigureOut">
               <a:rPr kumimoji="1" lang="ja-JP" altLang="en-US" smtClean="0"/>
-              <a:t>2022/8/2</a:t>
+              <a:t>2022/8/3</a:t>
             </a:fld>
             <a:endParaRPr kumimoji="1" lang="ja-JP" altLang="en-US"/>
           </a:p>
@@ -3735,13 +3735,152 @@
       </p:grpSpPr>
       <p:sp>
         <p:nvSpPr>
+          <p:cNvPr id="98" name="角丸四角形 97"/>
+          <p:cNvSpPr/>
+          <p:nvPr/>
+        </p:nvSpPr>
+        <p:spPr>
+          <a:xfrm>
+            <a:off x="2660080" y="731497"/>
+            <a:ext cx="4819964" cy="3107103"/>
+          </a:xfrm>
+          <a:prstGeom prst="roundRect">
+            <a:avLst>
+              <a:gd name="adj" fmla="val 5861"/>
+            </a:avLst>
+          </a:prstGeom>
+          <a:solidFill>
+            <a:schemeClr val="bg1">
+              <a:lumMod val="95000"/>
+            </a:schemeClr>
+          </a:solidFill>
+          <a:ln>
+            <a:solidFill>
+              <a:schemeClr val="tx1">
+                <a:lumMod val="50000"/>
+                <a:lumOff val="50000"/>
+              </a:schemeClr>
+            </a:solidFill>
+          </a:ln>
+        </p:spPr>
+        <p:style>
+          <a:lnRef idx="2">
+            <a:schemeClr val="accent1">
+              <a:shade val="50000"/>
+            </a:schemeClr>
+          </a:lnRef>
+          <a:fillRef idx="1">
+            <a:schemeClr val="accent1"/>
+          </a:fillRef>
+          <a:effectRef idx="0">
+            <a:schemeClr val="accent1"/>
+          </a:effectRef>
+          <a:fontRef idx="minor">
+            <a:schemeClr val="lt1"/>
+          </a:fontRef>
+        </p:style>
+        <p:txBody>
+          <a:bodyPr rot="0" spcFirstLastPara="0" vertOverflow="overflow" horzOverflow="overflow" vert="horz" wrap="square" lIns="101827" tIns="50913" rIns="101827" bIns="50913" numCol="1" spcCol="0" rtlCol="0" fromWordArt="0" anchor="ctr" anchorCtr="0" forceAA="0" compatLnSpc="1">
+            <a:prstTxWarp prst="textNoShape">
+              <a:avLst/>
+            </a:prstTxWarp>
+            <a:noAutofit/>
+          </a:bodyPr>
+          <a:lstStyle/>
+          <a:p>
+            <a:endParaRPr lang="en-US" altLang="ja-JP" sz="1225" dirty="0">
+              <a:solidFill>
+                <a:schemeClr val="tx1">
+                  <a:lumMod val="85000"/>
+                  <a:lumOff val="15000"/>
+                </a:schemeClr>
+              </a:solidFill>
+              <a:latin typeface="源ノ角ゴシック Light" panose="020B0300000000000000" pitchFamily="34" charset="-128"/>
+              <a:ea typeface="源ノ角ゴシック Light" panose="020B0300000000000000" pitchFamily="34" charset="-128"/>
+            </a:endParaRPr>
+          </a:p>
+          <a:p>
+            <a:endParaRPr lang="ja-JP" altLang="en-US" sz="1225" dirty="0">
+              <a:solidFill>
+                <a:schemeClr val="tx1">
+                  <a:lumMod val="85000"/>
+                  <a:lumOff val="15000"/>
+                </a:schemeClr>
+              </a:solidFill>
+              <a:latin typeface="源ノ角ゴシック Light" panose="020B0300000000000000" pitchFamily="34" charset="-128"/>
+              <a:ea typeface="源ノ角ゴシック Light" panose="020B0300000000000000" pitchFamily="34" charset="-128"/>
+            </a:endParaRPr>
+          </a:p>
+        </p:txBody>
+      </p:sp>
+      <p:sp>
+        <p:nvSpPr>
+          <p:cNvPr id="217" name="正方形/長方形 216"/>
+          <p:cNvSpPr/>
+          <p:nvPr/>
+        </p:nvSpPr>
+        <p:spPr>
+          <a:xfrm>
+            <a:off x="6668332" y="2177271"/>
+            <a:ext cx="74533" cy="576835"/>
+          </a:xfrm>
+          <a:prstGeom prst="rect">
+            <a:avLst/>
+          </a:prstGeom>
+          <a:solidFill>
+            <a:schemeClr val="accent6">
+              <a:lumMod val="60000"/>
+              <a:lumOff val="40000"/>
+            </a:schemeClr>
+          </a:solidFill>
+          <a:ln>
+            <a:solidFill>
+              <a:schemeClr val="accent6">
+                <a:lumMod val="60000"/>
+                <a:lumOff val="40000"/>
+              </a:schemeClr>
+            </a:solidFill>
+          </a:ln>
+        </p:spPr>
+        <p:style>
+          <a:lnRef idx="2">
+            <a:schemeClr val="accent1">
+              <a:shade val="50000"/>
+            </a:schemeClr>
+          </a:lnRef>
+          <a:fillRef idx="1">
+            <a:schemeClr val="accent1"/>
+          </a:fillRef>
+          <a:effectRef idx="0">
+            <a:schemeClr val="accent1"/>
+          </a:effectRef>
+          <a:fontRef idx="minor">
+            <a:schemeClr val="lt1"/>
+          </a:fontRef>
+        </p:style>
+        <p:txBody>
+          <a:bodyPr rot="0" spcFirstLastPara="0" vertOverflow="overflow" horzOverflow="overflow" vert="horz" wrap="square" lIns="101827" tIns="50913" rIns="101827" bIns="50913" numCol="1" spcCol="0" rtlCol="0" fromWordArt="0" anchor="ctr" anchorCtr="0" forceAA="0" compatLnSpc="1">
+            <a:prstTxWarp prst="textNoShape">
+              <a:avLst/>
+            </a:prstTxWarp>
+            <a:noAutofit/>
+          </a:bodyPr>
+          <a:lstStyle/>
+          <a:p>
+            <a:pPr algn="ctr"/>
+            <a:endParaRPr lang="ja-JP" altLang="en-US" sz="3086"/>
+          </a:p>
+        </p:txBody>
+      </p:sp>
+      <p:sp>
+        <p:nvSpPr>
           <p:cNvPr id="177" name="角丸四角形 176"/>
           <p:cNvSpPr/>
           <p:nvPr/>
         </p:nvSpPr>
         <p:spPr>
           <a:xfrm>
-            <a:off x="-1080698" y="3501880"/>
+            <a:off x="-1080698" y="3580887"/>
             <a:ext cx="17201322" cy="7835107"/>
           </a:xfrm>
           <a:prstGeom prst="roundRect">
@@ -4562,86 +4701,6 @@
           <a:p>
             <a:pPr algn="ctr"/>
             <a:endParaRPr lang="ja-JP" altLang="en-US" sz="3086"/>
-          </a:p>
-        </p:txBody>
-      </p:sp>
-      <p:sp>
-        <p:nvSpPr>
-          <p:cNvPr id="98" name="角丸四角形 97"/>
-          <p:cNvSpPr/>
-          <p:nvPr/>
-        </p:nvSpPr>
-        <p:spPr>
-          <a:xfrm>
-            <a:off x="2660080" y="731497"/>
-            <a:ext cx="4819964" cy="3107103"/>
-          </a:xfrm>
-          <a:prstGeom prst="roundRect">
-            <a:avLst>
-              <a:gd name="adj" fmla="val 5861"/>
-            </a:avLst>
-          </a:prstGeom>
-          <a:solidFill>
-            <a:schemeClr val="bg1">
-              <a:lumMod val="95000"/>
-            </a:schemeClr>
-          </a:solidFill>
-          <a:ln>
-            <a:solidFill>
-              <a:schemeClr val="tx1">
-                <a:lumMod val="50000"/>
-                <a:lumOff val="50000"/>
-              </a:schemeClr>
-            </a:solidFill>
-          </a:ln>
-        </p:spPr>
-        <p:style>
-          <a:lnRef idx="2">
-            <a:schemeClr val="accent1">
-              <a:shade val="50000"/>
-            </a:schemeClr>
-          </a:lnRef>
-          <a:fillRef idx="1">
-            <a:schemeClr val="accent1"/>
-          </a:fillRef>
-          <a:effectRef idx="0">
-            <a:schemeClr val="accent1"/>
-          </a:effectRef>
-          <a:fontRef idx="minor">
-            <a:schemeClr val="lt1"/>
-          </a:fontRef>
-        </p:style>
-        <p:txBody>
-          <a:bodyPr rot="0" spcFirstLastPara="0" vertOverflow="overflow" horzOverflow="overflow" vert="horz" wrap="square" lIns="101827" tIns="50913" rIns="101827" bIns="50913" numCol="1" spcCol="0" rtlCol="0" fromWordArt="0" anchor="ctr" anchorCtr="0" forceAA="0" compatLnSpc="1">
-            <a:prstTxWarp prst="textNoShape">
-              <a:avLst/>
-            </a:prstTxWarp>
-            <a:noAutofit/>
-          </a:bodyPr>
-          <a:lstStyle/>
-          <a:p>
-            <a:endParaRPr lang="en-US" altLang="ja-JP" sz="1225" dirty="0">
-              <a:solidFill>
-                <a:schemeClr val="tx1">
-                  <a:lumMod val="85000"/>
-                  <a:lumOff val="15000"/>
-                </a:schemeClr>
-              </a:solidFill>
-              <a:latin typeface="源ノ角ゴシック Light" panose="020B0300000000000000" pitchFamily="34" charset="-128"/>
-              <a:ea typeface="源ノ角ゴシック Light" panose="020B0300000000000000" pitchFamily="34" charset="-128"/>
-            </a:endParaRPr>
-          </a:p>
-          <a:p>
-            <a:endParaRPr lang="ja-JP" altLang="en-US" sz="1225" dirty="0">
-              <a:solidFill>
-                <a:schemeClr val="tx1">
-                  <a:lumMod val="85000"/>
-                  <a:lumOff val="15000"/>
-                </a:schemeClr>
-              </a:solidFill>
-              <a:latin typeface="源ノ角ゴシック Light" panose="020B0300000000000000" pitchFamily="34" charset="-128"/>
-              <a:ea typeface="源ノ角ゴシック Light" panose="020B0300000000000000" pitchFamily="34" charset="-128"/>
-            </a:endParaRPr>
           </a:p>
         </p:txBody>
       </p:sp>
@@ -6974,8 +7033,8 @@
         </p:nvSpPr>
         <p:spPr>
           <a:xfrm rot="16200000">
-            <a:off x="6258167" y="2043976"/>
-            <a:ext cx="87688" cy="327025"/>
+            <a:off x="6400327" y="1914971"/>
+            <a:ext cx="74533" cy="598189"/>
           </a:xfrm>
           <a:prstGeom prst="rect">
             <a:avLst/>
@@ -7033,7 +7092,7 @@
         </p:nvSpPr>
         <p:spPr>
           <a:xfrm>
-            <a:off x="6094050" y="2102814"/>
+            <a:off x="6178151" y="2117153"/>
             <a:ext cx="429524" cy="195118"/>
           </a:xfrm>
           <a:prstGeom prst="rect">
@@ -7195,8 +7254,8 @@
         </p:nvSpPr>
         <p:spPr>
           <a:xfrm rot="16200000">
-            <a:off x="4487779" y="2996438"/>
-            <a:ext cx="91657" cy="637816"/>
+            <a:off x="4704948" y="2775233"/>
+            <a:ext cx="95693" cy="1076190"/>
           </a:xfrm>
           <a:prstGeom prst="rect">
             <a:avLst/>
@@ -7287,7 +7346,7 @@
         <p:spPr>
           <a:xfrm>
             <a:off x="6480439" y="844686"/>
-            <a:ext cx="920486" cy="871317"/>
+            <a:ext cx="920486" cy="1224781"/>
           </a:xfrm>
           <a:prstGeom prst="roundRect">
             <a:avLst>
@@ -7365,8 +7424,8 @@
         </p:nvSpPr>
         <p:spPr>
           <a:xfrm>
-            <a:off x="6480439" y="1777646"/>
-            <a:ext cx="920486" cy="874432"/>
+            <a:off x="6480101" y="2761738"/>
+            <a:ext cx="920486" cy="908751"/>
           </a:xfrm>
           <a:prstGeom prst="roundRect">
             <a:avLst>
@@ -7444,7 +7503,7 @@
         </p:nvSpPr>
         <p:spPr>
           <a:xfrm>
-            <a:off x="11575926" y="212999"/>
+            <a:off x="10851980" y="200656"/>
             <a:ext cx="2492559" cy="297902"/>
           </a:xfrm>
           <a:prstGeom prst="rect">
@@ -7486,7 +7545,7 @@
         </p:nvSpPr>
         <p:spPr>
           <a:xfrm>
-            <a:off x="8436068" y="71538"/>
+            <a:off x="8152885" y="71538"/>
             <a:ext cx="2762945" cy="544123"/>
           </a:xfrm>
           <a:prstGeom prst="rect">
@@ -7570,7 +7629,7 @@
         </p:nvSpPr>
         <p:spPr>
           <a:xfrm>
-            <a:off x="11153775" y="214313"/>
+            <a:off x="10498919" y="190488"/>
             <a:ext cx="326231" cy="295275"/>
           </a:xfrm>
           <a:prstGeom prst="rect">
@@ -7627,7 +7686,7 @@
         </p:blipFill>
         <p:spPr>
           <a:xfrm>
-            <a:off x="11020680" y="59122"/>
+            <a:off x="10377175" y="47182"/>
             <a:ext cx="569720" cy="569720"/>
           </a:xfrm>
           <a:prstGeom prst="rect">
@@ -7685,7 +7744,7 @@
         </p:nvSpPr>
         <p:spPr>
           <a:xfrm>
-            <a:off x="6439017" y="1780587"/>
+            <a:off x="6559446" y="2795894"/>
             <a:ext cx="1557174" cy="200055"/>
           </a:xfrm>
           <a:prstGeom prst="rect">
@@ -7727,7 +7786,7 @@
         </p:nvSpPr>
         <p:spPr>
           <a:xfrm>
-            <a:off x="4863795" y="2806903"/>
+            <a:off x="5293760" y="2773382"/>
             <a:ext cx="970407" cy="908012"/>
           </a:xfrm>
           <a:prstGeom prst="roundRect">
@@ -7806,7 +7865,7 @@
         </p:nvSpPr>
         <p:spPr>
           <a:xfrm>
-            <a:off x="4830461" y="2803857"/>
+            <a:off x="5260426" y="2770336"/>
             <a:ext cx="1113581" cy="307777"/>
           </a:xfrm>
           <a:prstGeom prst="rect">
@@ -8231,7 +8290,7 @@
         </p:blipFill>
         <p:spPr>
           <a:xfrm>
-            <a:off x="4977523" y="3124295"/>
+            <a:off x="5407488" y="3090774"/>
             <a:ext cx="742950" cy="434975"/>
           </a:xfrm>
           <a:prstGeom prst="rect">
@@ -8261,7 +8320,7 @@
         </p:blipFill>
         <p:spPr>
           <a:xfrm>
-            <a:off x="6490432" y="1917760"/>
+            <a:off x="6503926" y="2939294"/>
             <a:ext cx="947432" cy="758964"/>
           </a:xfrm>
           <a:prstGeom prst="rect">
@@ -8307,7 +8366,7 @@
           </p:cNvPicPr>
           <p:nvPr/>
         </p:nvPicPr>
-        <p:blipFill>
+        <p:blipFill rotWithShape="1">
           <a:blip r:embed="rId10" cstate="print">
             <a:extLst>
               <a:ext uri="{28A0092B-C50C-407E-A947-70E740481C1C}">
@@ -8315,14 +8374,13 @@
               </a:ext>
             </a:extLst>
           </a:blip>
-          <a:stretch>
-            <a:fillRect/>
-          </a:stretch>
+          <a:srcRect l="13662" r="15322"/>
+          <a:stretch/>
         </p:blipFill>
         <p:spPr>
           <a:xfrm>
-            <a:off x="6502198" y="940416"/>
-            <a:ext cx="922463" cy="634385"/>
+            <a:off x="6539280" y="953447"/>
+            <a:ext cx="857250" cy="882460"/>
           </a:xfrm>
           <a:prstGeom prst="rect">
             <a:avLst/>
@@ -8336,13 +8394,13 @@
           <p:nvPr/>
         </p:nvCxnSpPr>
         <p:spPr>
-          <a:xfrm rot="10800000" flipV="1">
-            <a:off x="6714220" y="1485873"/>
-            <a:ext cx="126639" cy="123354"/>
+          <a:xfrm>
+            <a:off x="6957494" y="1722479"/>
+            <a:ext cx="235009" cy="217120"/>
           </a:xfrm>
           <a:prstGeom prst="bentConnector3">
             <a:avLst>
-              <a:gd name="adj1" fmla="val 166582"/>
+              <a:gd name="adj1" fmla="val -143195"/>
             </a:avLst>
           </a:prstGeom>
           <a:ln>
@@ -8374,8 +8432,8 @@
         </p:nvSpPr>
         <p:spPr>
           <a:xfrm>
-            <a:off x="6644097" y="1535224"/>
-            <a:ext cx="1557174" cy="153888"/>
+            <a:off x="6599092" y="1806649"/>
+            <a:ext cx="1537916" cy="153888"/>
           </a:xfrm>
           <a:prstGeom prst="rect">
             <a:avLst/>
@@ -13101,13 +13159,6 @@
               </a:rPr>
               <a:t>。</a:t>
             </a:r>
-            <a:endParaRPr lang="ja-JP" altLang="en-US" sz="1200" dirty="0">
-              <a:solidFill>
-                <a:schemeClr val="bg1"/>
-              </a:solidFill>
-              <a:latin typeface="源ノ角ゴシック Code JP L" panose="020B0300000000000000" pitchFamily="34" charset="-128"/>
-              <a:ea typeface="源ノ角ゴシック Code JP L" panose="020B0300000000000000" pitchFamily="34" charset="-128"/>
-            </a:endParaRPr>
           </a:p>
         </p:txBody>
       </p:sp>
@@ -13643,13 +13694,6 @@
               </a:rPr>
               <a:t>ことが可能になりました。</a:t>
             </a:r>
-            <a:endParaRPr lang="ja-JP" altLang="en-US" sz="1200" dirty="0">
-              <a:solidFill>
-                <a:schemeClr val="bg1"/>
-              </a:solidFill>
-              <a:latin typeface="源ノ角ゴシック Code JP L" panose="020B0300000000000000" pitchFamily="34" charset="-128"/>
-              <a:ea typeface="源ノ角ゴシック Code JP L" panose="020B0300000000000000" pitchFamily="34" charset="-128"/>
-            </a:endParaRPr>
           </a:p>
         </p:txBody>
       </p:sp>
@@ -14201,13 +14245,6 @@
               </a:rPr>
               <a:t>なりました。</a:t>
             </a:r>
-            <a:endParaRPr lang="ja-JP" altLang="en-US" sz="1200" dirty="0">
-              <a:solidFill>
-                <a:schemeClr val="bg1"/>
-              </a:solidFill>
-              <a:latin typeface="源ノ角ゴシック Code JP L" panose="020B0300000000000000" pitchFamily="34" charset="-128"/>
-              <a:ea typeface="源ノ角ゴシック Code JP L" panose="020B0300000000000000" pitchFamily="34" charset="-128"/>
-            </a:endParaRPr>
           </a:p>
         </p:txBody>
       </p:sp>
@@ -14614,13 +14651,6 @@
               </a:rPr>
               <a:t>になりました。</a:t>
             </a:r>
-            <a:endParaRPr lang="ja-JP" altLang="en-US" sz="1400" dirty="0">
-              <a:solidFill>
-                <a:schemeClr val="bg1"/>
-              </a:solidFill>
-              <a:latin typeface="源ノ角ゴシック Code JP L" panose="020B0300000000000000" pitchFamily="34" charset="-128"/>
-              <a:ea typeface="源ノ角ゴシック Code JP L" panose="020B0300000000000000" pitchFamily="34" charset="-128"/>
-            </a:endParaRPr>
           </a:p>
         </p:txBody>
       </p:sp>
@@ -15582,8 +15612,8 @@
         </p:nvSpPr>
         <p:spPr>
           <a:xfrm>
-            <a:off x="11944890" y="7499733"/>
-            <a:ext cx="2981941" cy="2308324"/>
+            <a:off x="11937463" y="7572746"/>
+            <a:ext cx="2981941" cy="2862322"/>
           </a:xfrm>
           <a:prstGeom prst="rect">
             <a:avLst/>
@@ -15691,7 +15721,17 @@
                 <a:latin typeface="源ノ角ゴシック Code JP L" panose="020B0300000000000000" pitchFamily="34" charset="-128"/>
                 <a:ea typeface="源ノ角ゴシック Code JP L" panose="020B0300000000000000" pitchFamily="34" charset="-128"/>
               </a:rPr>
-              <a:t>不可欠であると考えました。そこで、</a:t>
+              <a:t>不可欠であると考えました。そこで</a:t>
+            </a:r>
+            <a:r>
+              <a:rPr lang="ja-JP" altLang="en-US" sz="1200" dirty="0" smtClean="0">
+                <a:solidFill>
+                  <a:schemeClr val="bg1"/>
+                </a:solidFill>
+                <a:latin typeface="源ノ角ゴシック Code JP L" panose="020B0300000000000000" pitchFamily="34" charset="-128"/>
+                <a:ea typeface="源ノ角ゴシック Code JP L" panose="020B0300000000000000" pitchFamily="34" charset="-128"/>
+              </a:rPr>
+              <a:t>、</a:t>
             </a:r>
             <a:endParaRPr lang="en-US" altLang="ja-JP" sz="1200" dirty="0" smtClean="0">
               <a:solidFill>
@@ -15703,6 +15743,16 @@
           </a:p>
           <a:p>
             <a:r>
+              <a:rPr lang="ja-JP" altLang="en-US" sz="1200" dirty="0">
+                <a:solidFill>
+                  <a:schemeClr val="bg1"/>
+                </a:solidFill>
+                <a:latin typeface="源ノ角ゴシック Code JP L" panose="020B0300000000000000" pitchFamily="34" charset="-128"/>
+                <a:ea typeface="源ノ角ゴシック Code JP L" panose="020B0300000000000000" pitchFamily="34" charset="-128"/>
+              </a:rPr>
+              <a:t>今年</a:t>
+            </a:r>
+            <a:r>
               <a:rPr lang="ja-JP" altLang="en-US" sz="1200" dirty="0" smtClean="0">
                 <a:solidFill>
                   <a:schemeClr val="bg1"/>
@@ -15710,37 +15760,17 @@
                 <a:latin typeface="源ノ角ゴシック Code JP L" panose="020B0300000000000000" pitchFamily="34" charset="-128"/>
                 <a:ea typeface="源ノ角ゴシック Code JP L" panose="020B0300000000000000" pitchFamily="34" charset="-128"/>
               </a:rPr>
+              <a:t>からの試みとして</a:t>
+            </a:r>
+            <a:r>
+              <a:rPr lang="ja-JP" altLang="en-US" sz="1200" dirty="0" smtClean="0">
+                <a:solidFill>
+                  <a:schemeClr val="bg1"/>
+                </a:solidFill>
+                <a:latin typeface="源ノ角ゴシック Code JP L" panose="020B0300000000000000" pitchFamily="34" charset="-128"/>
+                <a:ea typeface="源ノ角ゴシック Code JP L" panose="020B0300000000000000" pitchFamily="34" charset="-128"/>
+              </a:rPr>
               <a:t>私たちで</a:t>
-            </a:r>
-            <a:r>
-              <a:rPr lang="en-US" altLang="ja-JP" sz="1200" dirty="0" smtClean="0">
-                <a:solidFill>
-                  <a:schemeClr val="bg1"/>
-                </a:solidFill>
-                <a:latin typeface="源ノ角ゴシック Code JP L" panose="020B0300000000000000" pitchFamily="34" charset="-128"/>
-                <a:ea typeface="源ノ角ゴシック Code JP L" panose="020B0300000000000000" pitchFamily="34" charset="-128"/>
-              </a:rPr>
-              <a:t>Twitter</a:t>
-            </a:r>
-            <a:r>
-              <a:rPr lang="ja-JP" altLang="en-US" sz="1200" dirty="0" smtClean="0">
-                <a:solidFill>
-                  <a:schemeClr val="bg1"/>
-                </a:solidFill>
-                <a:latin typeface="源ノ角ゴシック Code JP L" panose="020B0300000000000000" pitchFamily="34" charset="-128"/>
-                <a:ea typeface="源ノ角ゴシック Code JP L" panose="020B0300000000000000" pitchFamily="34" charset="-128"/>
-              </a:rPr>
-              <a:t>のアカウント</a:t>
-            </a:r>
-            <a:r>
-              <a:rPr lang="ja-JP" altLang="en-US" sz="1200" dirty="0">
-                <a:solidFill>
-                  <a:schemeClr val="bg1"/>
-                </a:solidFill>
-                <a:latin typeface="源ノ角ゴシック Code JP L" panose="020B0300000000000000" pitchFamily="34" charset="-128"/>
-                <a:ea typeface="源ノ角ゴシック Code JP L" panose="020B0300000000000000" pitchFamily="34" charset="-128"/>
-              </a:rPr>
-              <a:t>、</a:t>
             </a:r>
             <a:endParaRPr lang="en-US" altLang="ja-JP" sz="1200" dirty="0" smtClean="0">
               <a:solidFill>
@@ -15752,14 +15782,14 @@
           </a:p>
           <a:p>
             <a:r>
-              <a:rPr lang="ja-JP" altLang="en-US" sz="1200" dirty="0">
-                <a:solidFill>
-                  <a:schemeClr val="bg1"/>
-                </a:solidFill>
-                <a:latin typeface="源ノ角ゴシック Code JP L" panose="020B0300000000000000" pitchFamily="34" charset="-128"/>
-                <a:ea typeface="源ノ角ゴシック Code JP L" panose="020B0300000000000000" pitchFamily="34" charset="-128"/>
-              </a:rPr>
-              <a:t>ウェブ</a:t>
+              <a:rPr lang="en-US" altLang="ja-JP" sz="1200" dirty="0" smtClean="0">
+                <a:solidFill>
+                  <a:schemeClr val="bg1"/>
+                </a:solidFill>
+                <a:latin typeface="源ノ角ゴシック Code JP L" panose="020B0300000000000000" pitchFamily="34" charset="-128"/>
+                <a:ea typeface="源ノ角ゴシック Code JP L" panose="020B0300000000000000" pitchFamily="34" charset="-128"/>
+              </a:rPr>
+              <a:t>Twitter</a:t>
             </a:r>
             <a:r>
               <a:rPr lang="ja-JP" altLang="en-US" sz="1200" dirty="0" smtClean="0">
@@ -15769,7 +15799,57 @@
                 <a:latin typeface="源ノ角ゴシック Code JP L" panose="020B0300000000000000" pitchFamily="34" charset="-128"/>
                 <a:ea typeface="源ノ角ゴシック Code JP L" panose="020B0300000000000000" pitchFamily="34" charset="-128"/>
               </a:rPr>
-              <a:t>ブログを作成し、私たちが</a:t>
+              <a:t>のアカウント</a:t>
+            </a:r>
+            <a:r>
+              <a:rPr lang="ja-JP" altLang="en-US" sz="1200" dirty="0" smtClean="0">
+                <a:solidFill>
+                  <a:schemeClr val="bg1"/>
+                </a:solidFill>
+                <a:latin typeface="源ノ角ゴシック Code JP L" panose="020B0300000000000000" pitchFamily="34" charset="-128"/>
+                <a:ea typeface="源ノ角ゴシック Code JP L" panose="020B0300000000000000" pitchFamily="34" charset="-128"/>
+              </a:rPr>
+              <a:t>、ウェブブログを作成</a:t>
+            </a:r>
+            <a:r>
+              <a:rPr lang="ja-JP" altLang="en-US" sz="1200" dirty="0" smtClean="0">
+                <a:solidFill>
+                  <a:schemeClr val="bg1"/>
+                </a:solidFill>
+                <a:latin typeface="源ノ角ゴシック Code JP L" panose="020B0300000000000000" pitchFamily="34" charset="-128"/>
+                <a:ea typeface="源ノ角ゴシック Code JP L" panose="020B0300000000000000" pitchFamily="34" charset="-128"/>
+              </a:rPr>
+              <a:t>し</a:t>
+            </a:r>
+            <a:r>
+              <a:rPr lang="ja-JP" altLang="en-US" sz="1200" dirty="0" smtClean="0">
+                <a:solidFill>
+                  <a:schemeClr val="bg1"/>
+                </a:solidFill>
+                <a:latin typeface="源ノ角ゴシック Code JP L" panose="020B0300000000000000" pitchFamily="34" charset="-128"/>
+                <a:ea typeface="源ノ角ゴシック Code JP L" panose="020B0300000000000000" pitchFamily="34" charset="-128"/>
+              </a:rPr>
+              <a:t>、私たちが持って</a:t>
+            </a:r>
+            <a:r>
+              <a:rPr lang="ja-JP" altLang="en-US" sz="1200" dirty="0" smtClean="0">
+                <a:solidFill>
+                  <a:schemeClr val="bg1"/>
+                </a:solidFill>
+                <a:latin typeface="源ノ角ゴシック Code JP L" panose="020B0300000000000000" pitchFamily="34" charset="-128"/>
+                <a:ea typeface="源ノ角ゴシック Code JP L" panose="020B0300000000000000" pitchFamily="34" charset="-128"/>
+              </a:rPr>
+              <a:t>いる技術</a:t>
+            </a:r>
+            <a:r>
+              <a:rPr lang="ja-JP" altLang="en-US" sz="1200" dirty="0" smtClean="0">
+                <a:solidFill>
+                  <a:schemeClr val="bg1"/>
+                </a:solidFill>
+                <a:latin typeface="源ノ角ゴシック Code JP L" panose="020B0300000000000000" pitchFamily="34" charset="-128"/>
+                <a:ea typeface="源ノ角ゴシック Code JP L" panose="020B0300000000000000" pitchFamily="34" charset="-128"/>
+              </a:rPr>
+              <a:t>を</a:t>
             </a:r>
             <a:endParaRPr lang="en-US" altLang="ja-JP" sz="1200" dirty="0" smtClean="0">
               <a:solidFill>
@@ -15788,7 +15868,27 @@
                 <a:latin typeface="源ノ角ゴシック Code JP L" panose="020B0300000000000000" pitchFamily="34" charset="-128"/>
                 <a:ea typeface="源ノ角ゴシック Code JP L" panose="020B0300000000000000" pitchFamily="34" charset="-128"/>
               </a:rPr>
-              <a:t>持っている技術を公開・共有することで</a:t>
+              <a:t>公開</a:t>
+            </a:r>
+            <a:r>
+              <a:rPr lang="ja-JP" altLang="en-US" sz="1200" dirty="0" smtClean="0">
+                <a:solidFill>
+                  <a:schemeClr val="bg1"/>
+                </a:solidFill>
+                <a:latin typeface="源ノ角ゴシック Code JP L" panose="020B0300000000000000" pitchFamily="34" charset="-128"/>
+                <a:ea typeface="源ノ角ゴシック Code JP L" panose="020B0300000000000000" pitchFamily="34" charset="-128"/>
+              </a:rPr>
+              <a:t>・共有する</a:t>
+            </a:r>
+            <a:r>
+              <a:rPr lang="ja-JP" altLang="en-US" sz="1200" dirty="0" smtClean="0">
+                <a:solidFill>
+                  <a:schemeClr val="bg1"/>
+                </a:solidFill>
+                <a:latin typeface="源ノ角ゴシック Code JP L" panose="020B0300000000000000" pitchFamily="34" charset="-128"/>
+                <a:ea typeface="源ノ角ゴシック Code JP L" panose="020B0300000000000000" pitchFamily="34" charset="-128"/>
+              </a:rPr>
+              <a:t>ことにしました。</a:t>
             </a:r>
             <a:endParaRPr lang="en-US" altLang="ja-JP" sz="1200" dirty="0" smtClean="0">
               <a:solidFill>
@@ -15807,7 +15907,17 @@
                 <a:latin typeface="源ノ角ゴシック Code JP L" panose="020B0300000000000000" pitchFamily="34" charset="-128"/>
                 <a:ea typeface="源ノ角ゴシック Code JP L" panose="020B0300000000000000" pitchFamily="34" charset="-128"/>
               </a:rPr>
-              <a:t>チームの力を伸ばすことができます。</a:t>
+              <a:t>ロボット</a:t>
+            </a:r>
+            <a:r>
+              <a:rPr lang="ja-JP" altLang="en-US" sz="1200" dirty="0" smtClean="0">
+                <a:solidFill>
+                  <a:schemeClr val="bg1"/>
+                </a:solidFill>
+                <a:latin typeface="源ノ角ゴシック Code JP L" panose="020B0300000000000000" pitchFamily="34" charset="-128"/>
+                <a:ea typeface="源ノ角ゴシック Code JP L" panose="020B0300000000000000" pitchFamily="34" charset="-128"/>
+              </a:rPr>
+              <a:t>のハードウェア面、ソフト</a:t>
             </a:r>
             <a:endParaRPr lang="en-US" altLang="ja-JP" sz="1200" dirty="0" smtClean="0">
               <a:solidFill>
@@ -15826,7 +15936,7 @@
                 <a:latin typeface="源ノ角ゴシック Code JP L" panose="020B0300000000000000" pitchFamily="34" charset="-128"/>
                 <a:ea typeface="源ノ角ゴシック Code JP L" panose="020B0300000000000000" pitchFamily="34" charset="-128"/>
               </a:rPr>
-              <a:t>ロボットのハードウェア面、ソフト</a:t>
+              <a:t>ウェア面からの共有をすることも考えて</a:t>
             </a:r>
             <a:endParaRPr lang="en-US" altLang="ja-JP" sz="1200" dirty="0" smtClean="0">
               <a:solidFill>
@@ -15838,6 +15948,16 @@
           </a:p>
           <a:p>
             <a:r>
+              <a:rPr lang="ja-JP" altLang="en-US" sz="1200" dirty="0">
+                <a:solidFill>
+                  <a:schemeClr val="bg1"/>
+                </a:solidFill>
+                <a:latin typeface="源ノ角ゴシック Code JP L" panose="020B0300000000000000" pitchFamily="34" charset="-128"/>
+                <a:ea typeface="源ノ角ゴシック Code JP L" panose="020B0300000000000000" pitchFamily="34" charset="-128"/>
+              </a:rPr>
+              <a:t>いる</a:t>
+            </a:r>
+            <a:r>
               <a:rPr lang="ja-JP" altLang="en-US" sz="1200" dirty="0" smtClean="0">
                 <a:solidFill>
                   <a:schemeClr val="bg1"/>
@@ -15845,7 +15965,17 @@
                 <a:latin typeface="源ノ角ゴシック Code JP L" panose="020B0300000000000000" pitchFamily="34" charset="-128"/>
                 <a:ea typeface="源ノ角ゴシック Code JP L" panose="020B0300000000000000" pitchFamily="34" charset="-128"/>
               </a:rPr>
-              <a:t>ウェア面からの共有をすることも考えて</a:t>
+              <a:t>ため、ぜひ一度お越しください</a:t>
+            </a:r>
+            <a:r>
+              <a:rPr lang="ja-JP" altLang="en-US" sz="1200" dirty="0" smtClean="0">
+                <a:solidFill>
+                  <a:schemeClr val="bg1"/>
+                </a:solidFill>
+                <a:latin typeface="源ノ角ゴシック Code JP L" panose="020B0300000000000000" pitchFamily="34" charset="-128"/>
+                <a:ea typeface="源ノ角ゴシック Code JP L" panose="020B0300000000000000" pitchFamily="34" charset="-128"/>
+              </a:rPr>
+              <a:t>。</a:t>
             </a:r>
             <a:endParaRPr lang="en-US" altLang="ja-JP" sz="1200" dirty="0" smtClean="0">
               <a:solidFill>
@@ -15857,6 +15987,56 @@
           </a:p>
           <a:p>
             <a:r>
+              <a:rPr lang="en-US" altLang="ja-JP" sz="1200" dirty="0" smtClean="0">
+                <a:solidFill>
+                  <a:schemeClr val="bg1"/>
+                </a:solidFill>
+                <a:latin typeface="源ノ角ゴシック Code JP L" panose="020B0300000000000000" pitchFamily="34" charset="-128"/>
+                <a:ea typeface="源ノ角ゴシック Code JP L" panose="020B0300000000000000" pitchFamily="34" charset="-128"/>
+              </a:rPr>
+              <a:t>Twitter</a:t>
+            </a:r>
+            <a:r>
+              <a:rPr lang="en-US" altLang="ja-JP" sz="1200" dirty="0">
+                <a:solidFill>
+                  <a:schemeClr val="bg1"/>
+                </a:solidFill>
+                <a:latin typeface="源ノ角ゴシック Code JP L" panose="020B0300000000000000" pitchFamily="34" charset="-128"/>
+                <a:ea typeface="源ノ角ゴシック Code JP L" panose="020B0300000000000000" pitchFamily="34" charset="-128"/>
+              </a:rPr>
+              <a:t>,</a:t>
+            </a:r>
+            <a:r>
+              <a:rPr lang="ja-JP" altLang="en-US" sz="1200" dirty="0" smtClean="0">
+                <a:solidFill>
+                  <a:schemeClr val="bg1"/>
+                </a:solidFill>
+                <a:latin typeface="源ノ角ゴシック Code JP L" panose="020B0300000000000000" pitchFamily="34" charset="-128"/>
+                <a:ea typeface="源ノ角ゴシック Code JP L" panose="020B0300000000000000" pitchFamily="34" charset="-128"/>
+              </a:rPr>
+              <a:t>ブログの</a:t>
+            </a:r>
+            <a:r>
+              <a:rPr lang="en-US" altLang="ja-JP" sz="1200" dirty="0" smtClean="0">
+                <a:solidFill>
+                  <a:schemeClr val="bg1"/>
+                </a:solidFill>
+                <a:latin typeface="源ノ角ゴシック Code JP L" panose="020B0300000000000000" pitchFamily="34" charset="-128"/>
+                <a:ea typeface="源ノ角ゴシック Code JP L" panose="020B0300000000000000" pitchFamily="34" charset="-128"/>
+              </a:rPr>
+              <a:t>URL</a:t>
+            </a:r>
+            <a:r>
+              <a:rPr lang="ja-JP" altLang="en-US" sz="1200" dirty="0" smtClean="0">
+                <a:solidFill>
+                  <a:schemeClr val="bg1"/>
+                </a:solidFill>
+                <a:latin typeface="源ノ角ゴシック Code JP L" panose="020B0300000000000000" pitchFamily="34" charset="-128"/>
+                <a:ea typeface="源ノ角ゴシック Code JP L" panose="020B0300000000000000" pitchFamily="34" charset="-128"/>
+              </a:rPr>
+              <a:t>等は上の</a:t>
+            </a:r>
+            <a:r>
               <a:rPr lang="ja-JP" altLang="en-US" sz="1200" dirty="0">
                 <a:solidFill>
                   <a:schemeClr val="bg1"/>
@@ -15864,7 +16044,7 @@
                 <a:latin typeface="源ノ角ゴシック Code JP L" panose="020B0300000000000000" pitchFamily="34" charset="-128"/>
                 <a:ea typeface="源ノ角ゴシック Code JP L" panose="020B0300000000000000" pitchFamily="34" charset="-128"/>
               </a:rPr>
-              <a:t>いる</a:t>
+              <a:t>方</a:t>
             </a:r>
             <a:r>
               <a:rPr lang="ja-JP" altLang="en-US" sz="1200" dirty="0" smtClean="0">
@@ -15874,7 +16054,65 @@
                 <a:latin typeface="源ノ角ゴシック Code JP L" panose="020B0300000000000000" pitchFamily="34" charset="-128"/>
                 <a:ea typeface="源ノ角ゴシック Code JP L" panose="020B0300000000000000" pitchFamily="34" charset="-128"/>
               </a:rPr>
-              <a:t>ため、ぜひ一度お越しください。</a:t>
+              <a:t>に</a:t>
+            </a:r>
+            <a:endParaRPr lang="en-US" altLang="ja-JP" sz="1200" dirty="0" smtClean="0">
+              <a:solidFill>
+                <a:schemeClr val="bg1"/>
+              </a:solidFill>
+              <a:latin typeface="源ノ角ゴシック Code JP L" panose="020B0300000000000000" pitchFamily="34" charset="-128"/>
+              <a:ea typeface="源ノ角ゴシック Code JP L" panose="020B0300000000000000" pitchFamily="34" charset="-128"/>
+            </a:endParaRPr>
+          </a:p>
+          <a:p>
+            <a:r>
+              <a:rPr lang="ja-JP" altLang="en-US" sz="1200" dirty="0">
+                <a:solidFill>
+                  <a:schemeClr val="bg1"/>
+                </a:solidFill>
+                <a:latin typeface="源ノ角ゴシック Code JP L" panose="020B0300000000000000" pitchFamily="34" charset="-128"/>
+                <a:ea typeface="源ノ角ゴシック Code JP L" panose="020B0300000000000000" pitchFamily="34" charset="-128"/>
+              </a:rPr>
+              <a:t>記載しています</a:t>
+            </a:r>
+            <a:r>
+              <a:rPr lang="ja-JP" altLang="en-US" sz="1200" dirty="0" smtClean="0">
+                <a:solidFill>
+                  <a:schemeClr val="bg1"/>
+                </a:solidFill>
+                <a:latin typeface="源ノ角ゴシック Code JP L" panose="020B0300000000000000" pitchFamily="34" charset="-128"/>
+                <a:ea typeface="源ノ角ゴシック Code JP L" panose="020B0300000000000000" pitchFamily="34" charset="-128"/>
+              </a:rPr>
+              <a:t>ので</a:t>
+            </a:r>
+            <a:r>
+              <a:rPr lang="ja-JP" altLang="en-US" sz="1200" dirty="0" smtClean="0">
+                <a:solidFill>
+                  <a:schemeClr val="bg1"/>
+                </a:solidFill>
+                <a:latin typeface="源ノ角ゴシック Code JP L" panose="020B0300000000000000" pitchFamily="34" charset="-128"/>
+                <a:ea typeface="源ノ角ゴシック Code JP L" panose="020B0300000000000000" pitchFamily="34" charset="-128"/>
+              </a:rPr>
+              <a:t>、そこからアクセス</a:t>
+            </a:r>
+            <a:endParaRPr lang="en-US" altLang="ja-JP" sz="1200" dirty="0" smtClean="0">
+              <a:solidFill>
+                <a:schemeClr val="bg1"/>
+              </a:solidFill>
+              <a:latin typeface="源ノ角ゴシック Code JP L" panose="020B0300000000000000" pitchFamily="34" charset="-128"/>
+              <a:ea typeface="源ノ角ゴシック Code JP L" panose="020B0300000000000000" pitchFamily="34" charset="-128"/>
+            </a:endParaRPr>
+          </a:p>
+          <a:p>
+            <a:r>
+              <a:rPr lang="ja-JP" altLang="en-US" sz="1200" dirty="0" smtClean="0">
+                <a:solidFill>
+                  <a:schemeClr val="bg1"/>
+                </a:solidFill>
+                <a:latin typeface="源ノ角ゴシック Code JP L" panose="020B0300000000000000" pitchFamily="34" charset="-128"/>
+                <a:ea typeface="源ノ角ゴシック Code JP L" panose="020B0300000000000000" pitchFamily="34" charset="-128"/>
+              </a:rPr>
+              <a:t>することができます。</a:t>
             </a:r>
             <a:endParaRPr lang="ja-JP" altLang="en-US" sz="1200" dirty="0">
               <a:solidFill>
@@ -15915,87 +16153,6 @@
           </a:prstGeom>
         </p:spPr>
       </p:pic>
-      <p:sp>
-        <p:nvSpPr>
-          <p:cNvPr id="246" name="テキスト ボックス 245"/>
-          <p:cNvSpPr txBox="1"/>
-          <p:nvPr/>
-        </p:nvSpPr>
-        <p:spPr>
-          <a:xfrm>
-            <a:off x="11891550" y="9917578"/>
-            <a:ext cx="3521271" cy="415498"/>
-          </a:xfrm>
-          <a:prstGeom prst="rect">
-            <a:avLst/>
-          </a:prstGeom>
-          <a:noFill/>
-        </p:spPr>
-        <p:txBody>
-          <a:bodyPr wrap="square" rtlCol="0">
-            <a:spAutoFit/>
-          </a:bodyPr>
-          <a:lstStyle/>
-          <a:p>
-            <a:r>
-              <a:rPr lang="en-US" altLang="ja-JP" sz="1050" b="1" dirty="0" smtClean="0">
-                <a:solidFill>
-                  <a:schemeClr val="bg1"/>
-                </a:solidFill>
-                <a:latin typeface="源ノ角ゴシック Code JP L" panose="020B0300000000000000" pitchFamily="34" charset="-128"/>
-                <a:ea typeface="源ノ角ゴシック Code JP L" panose="020B0300000000000000" pitchFamily="34" charset="-128"/>
-              </a:rPr>
-              <a:t>Twitter:@</a:t>
-            </a:r>
-            <a:r>
-              <a:rPr lang="en-US" altLang="ja-JP" sz="1050" b="1" dirty="0" err="1" smtClean="0">
-                <a:solidFill>
-                  <a:schemeClr val="bg1"/>
-                </a:solidFill>
-                <a:latin typeface="源ノ角ゴシック Code JP L" panose="020B0300000000000000" pitchFamily="34" charset="-128"/>
-                <a:ea typeface="源ノ角ゴシック Code JP L" panose="020B0300000000000000" pitchFamily="34" charset="-128"/>
-              </a:rPr>
-              <a:t>munachu_artemis</a:t>
-            </a:r>
-            <a:endParaRPr lang="en-US" altLang="ja-JP" sz="1050" b="1" dirty="0" smtClean="0">
-              <a:solidFill>
-                <a:schemeClr val="bg1"/>
-              </a:solidFill>
-              <a:latin typeface="源ノ角ゴシック Code JP L" panose="020B0300000000000000" pitchFamily="34" charset="-128"/>
-              <a:ea typeface="源ノ角ゴシック Code JP L" panose="020B0300000000000000" pitchFamily="34" charset="-128"/>
-            </a:endParaRPr>
-          </a:p>
-          <a:p>
-            <a:r>
-              <a:rPr lang="en-US" altLang="ja-JP" sz="1050" b="1" dirty="0" err="1" smtClean="0">
-                <a:solidFill>
-                  <a:schemeClr val="bg1"/>
-                </a:solidFill>
-                <a:latin typeface="源ノ角ゴシック Code JP L" panose="020B0300000000000000" pitchFamily="34" charset="-128"/>
-                <a:ea typeface="源ノ角ゴシック Code JP L" panose="020B0300000000000000" pitchFamily="34" charset="-128"/>
-              </a:rPr>
-              <a:t>Blog:https</a:t>
-            </a:r>
-            <a:r>
-              <a:rPr lang="en-US" altLang="ja-JP" sz="1050" b="1" dirty="0" smtClean="0">
-                <a:solidFill>
-                  <a:schemeClr val="bg1"/>
-                </a:solidFill>
-                <a:latin typeface="源ノ角ゴシック Code JP L" panose="020B0300000000000000" pitchFamily="34" charset="-128"/>
-                <a:ea typeface="源ノ角ゴシック Code JP L" panose="020B0300000000000000" pitchFamily="34" charset="-128"/>
-              </a:rPr>
-              <a:t>://asahi-rcj.github.io</a:t>
-            </a:r>
-            <a:endParaRPr lang="ja-JP" altLang="en-US" sz="1050" b="1" dirty="0">
-              <a:solidFill>
-                <a:schemeClr val="bg1"/>
-              </a:solidFill>
-              <a:latin typeface="源ノ角ゴシック Code JP L" panose="020B0300000000000000" pitchFamily="34" charset="-128"/>
-              <a:ea typeface="源ノ角ゴシック Code JP L" panose="020B0300000000000000" pitchFamily="34" charset="-128"/>
-            </a:endParaRPr>
-          </a:p>
-        </p:txBody>
-      </p:sp>
       <p:pic>
         <p:nvPicPr>
           <p:cNvPr id="46" name="図 45"/>
@@ -16115,6 +16272,130 @@
           </a:prstGeom>
         </p:spPr>
       </p:pic>
+      <p:pic>
+        <p:nvPicPr>
+          <p:cNvPr id="23" name="図 22"/>
+          <p:cNvPicPr>
+            <a:picLocks noChangeAspect="1"/>
+          </p:cNvPicPr>
+          <p:nvPr/>
+        </p:nvPicPr>
+        <p:blipFill>
+          <a:blip r:embed="rId25" cstate="print">
+            <a:extLst>
+              <a:ext uri="{28A0092B-C50C-407E-A947-70E740481C1C}">
+                <a14:useLocalDpi xmlns:a14="http://schemas.microsoft.com/office/drawing/2010/main" val="0"/>
+              </a:ext>
+            </a:extLst>
+          </a:blip>
+          <a:stretch>
+            <a:fillRect/>
+          </a:stretch>
+        </p:blipFill>
+        <p:spPr>
+          <a:xfrm>
+            <a:off x="12884890" y="112325"/>
+            <a:ext cx="500751" cy="500751"/>
+          </a:xfrm>
+          <a:prstGeom prst="rect">
+            <a:avLst/>
+          </a:prstGeom>
+          <a:effectLst>
+            <a:softEdge rad="31750"/>
+          </a:effectLst>
+        </p:spPr>
+      </p:pic>
+      <p:sp>
+        <p:nvSpPr>
+          <p:cNvPr id="204" name="テキスト ボックス 203"/>
+          <p:cNvSpPr txBox="1"/>
+          <p:nvPr/>
+        </p:nvSpPr>
+        <p:spPr>
+          <a:xfrm>
+            <a:off x="13347391" y="143378"/>
+            <a:ext cx="1775254" cy="369332"/>
+          </a:xfrm>
+          <a:prstGeom prst="rect">
+            <a:avLst/>
+          </a:prstGeom>
+          <a:noFill/>
+        </p:spPr>
+        <p:txBody>
+          <a:bodyPr wrap="square" rtlCol="0">
+            <a:spAutoFit/>
+          </a:bodyPr>
+          <a:lstStyle/>
+          <a:p>
+            <a:r>
+              <a:rPr lang="en-US" altLang="ja-JP" sz="1050" b="1" dirty="0" smtClean="0">
+                <a:solidFill>
+                  <a:schemeClr val="bg1"/>
+                </a:solidFill>
+                <a:latin typeface="源ノ角ゴシック Code JP R" panose="020B0500000000000000" pitchFamily="34" charset="-128"/>
+                <a:ea typeface="源ノ角ゴシック Code JP R" panose="020B0500000000000000" pitchFamily="34" charset="-128"/>
+              </a:rPr>
+              <a:t>Our blog</a:t>
+            </a:r>
+          </a:p>
+          <a:p>
+            <a:r>
+              <a:rPr lang="en-US" altLang="ja-JP" sz="700" b="1" dirty="0" smtClean="0">
+                <a:solidFill>
+                  <a:schemeClr val="bg1"/>
+                </a:solidFill>
+                <a:latin typeface="源ノ角ゴシック Code JP R" panose="020B0500000000000000" pitchFamily="34" charset="-128"/>
+                <a:ea typeface="源ノ角ゴシック Code JP R" panose="020B0500000000000000" pitchFamily="34" charset="-128"/>
+              </a:rPr>
+              <a:t>https://asahi-rcj.github.io</a:t>
+            </a:r>
+            <a:endParaRPr lang="ja-JP" altLang="en-US" sz="1050" b="1" dirty="0">
+              <a:solidFill>
+                <a:schemeClr val="bg1"/>
+              </a:solidFill>
+              <a:latin typeface="源ノ角ゴシック Code JP R" panose="020B0500000000000000" pitchFamily="34" charset="-128"/>
+              <a:ea typeface="源ノ角ゴシック Code JP R" panose="020B0500000000000000" pitchFamily="34" charset="-128"/>
+            </a:endParaRPr>
+          </a:p>
+        </p:txBody>
+      </p:sp>
+      <p:cxnSp>
+        <p:nvCxnSpPr>
+          <p:cNvPr id="28" name="直線コネクタ 27"/>
+          <p:cNvCxnSpPr/>
+          <p:nvPr/>
+        </p:nvCxnSpPr>
+        <p:spPr>
+          <a:xfrm>
+            <a:off x="12815131" y="133245"/>
+            <a:ext cx="4810" cy="455863"/>
+          </a:xfrm>
+          <a:prstGeom prst="line">
+            <a:avLst/>
+          </a:prstGeom>
+          <a:ln w="19050">
+            <a:solidFill>
+              <a:schemeClr val="bg1">
+                <a:lumMod val="65000"/>
+              </a:schemeClr>
+            </a:solidFill>
+          </a:ln>
+        </p:spPr>
+        <p:style>
+          <a:lnRef idx="1">
+            <a:schemeClr val="dk1"/>
+          </a:lnRef>
+          <a:fillRef idx="0">
+            <a:schemeClr val="dk1"/>
+          </a:fillRef>
+          <a:effectRef idx="0">
+            <a:schemeClr val="dk1"/>
+          </a:effectRef>
+          <a:fontRef idx="minor">
+            <a:schemeClr val="tx1"/>
+          </a:fontRef>
+        </p:style>
+      </p:cxnSp>
     </p:spTree>
     <p:extLst>
       <p:ext uri="{BB962C8B-B14F-4D97-AF65-F5344CB8AC3E}">

--- a/KitakyusyuOpen2022/PresentationSeat/PresentationSeet.pptx
+++ b/KitakyusyuOpen2022/PresentationSeat/PresentationSeet.pptx
@@ -197,7 +197,7 @@
           <a:p>
             <a:fld id="{112A8008-FDA3-410E-9738-B862D3BEBCE1}" type="datetimeFigureOut">
               <a:rPr kumimoji="1" lang="ja-JP" altLang="en-US" smtClean="0"/>
-              <a:t>2022/8/2</a:t>
+              <a:t>2022/8/3</a:t>
             </a:fld>
             <a:endParaRPr kumimoji="1" lang="ja-JP" altLang="en-US"/>
           </a:p>
@@ -261,70 +261,69 @@
           <a:p>
             <a:pPr lvl="0"/>
             <a:r>
-              <a:rPr kumimoji="1" lang="ja-JP" altLang="en-US" smtClean="0"/>
+              <a:rPr kumimoji="1" lang="ja-JP" altLang="en-US"/>
               <a:t>マスター テキストの書式設定</a:t>
             </a:r>
           </a:p>
           <a:p>
             <a:pPr lvl="1"/>
             <a:r>
-              <a:rPr kumimoji="1" lang="ja-JP" altLang="en-US" smtClean="0"/>
+              <a:rPr kumimoji="1" lang="ja-JP" altLang="en-US"/>
               <a:t>第 </a:t>
             </a:r>
             <a:r>
-              <a:rPr kumimoji="1" lang="en-US" altLang="ja-JP" smtClean="0"/>
+              <a:rPr kumimoji="1" lang="en-US" altLang="ja-JP"/>
               <a:t>2 </a:t>
             </a:r>
             <a:r>
-              <a:rPr kumimoji="1" lang="ja-JP" altLang="en-US" smtClean="0"/>
+              <a:rPr kumimoji="1" lang="ja-JP" altLang="en-US"/>
               <a:t>レベル</a:t>
             </a:r>
           </a:p>
           <a:p>
             <a:pPr lvl="2"/>
             <a:r>
-              <a:rPr kumimoji="1" lang="ja-JP" altLang="en-US" smtClean="0"/>
+              <a:rPr kumimoji="1" lang="ja-JP" altLang="en-US"/>
               <a:t>第 </a:t>
             </a:r>
             <a:r>
-              <a:rPr kumimoji="1" lang="en-US" altLang="ja-JP" smtClean="0"/>
+              <a:rPr kumimoji="1" lang="en-US" altLang="ja-JP"/>
               <a:t>3 </a:t>
             </a:r>
             <a:r>
-              <a:rPr kumimoji="1" lang="ja-JP" altLang="en-US" smtClean="0"/>
+              <a:rPr kumimoji="1" lang="ja-JP" altLang="en-US"/>
               <a:t>レベル</a:t>
             </a:r>
           </a:p>
           <a:p>
             <a:pPr lvl="3"/>
             <a:r>
-              <a:rPr kumimoji="1" lang="ja-JP" altLang="en-US" smtClean="0"/>
+              <a:rPr kumimoji="1" lang="ja-JP" altLang="en-US"/>
               <a:t>第 </a:t>
             </a:r>
             <a:r>
-              <a:rPr kumimoji="1" lang="en-US" altLang="ja-JP" smtClean="0"/>
+              <a:rPr kumimoji="1" lang="en-US" altLang="ja-JP"/>
               <a:t>4 </a:t>
             </a:r>
             <a:r>
-              <a:rPr kumimoji="1" lang="ja-JP" altLang="en-US" smtClean="0"/>
+              <a:rPr kumimoji="1" lang="ja-JP" altLang="en-US"/>
               <a:t>レベル</a:t>
             </a:r>
           </a:p>
           <a:p>
             <a:pPr lvl="4"/>
             <a:r>
-              <a:rPr kumimoji="1" lang="ja-JP" altLang="en-US" smtClean="0"/>
+              <a:rPr kumimoji="1" lang="ja-JP" altLang="en-US"/>
               <a:t>第 </a:t>
             </a:r>
             <a:r>
-              <a:rPr kumimoji="1" lang="en-US" altLang="ja-JP" smtClean="0"/>
+              <a:rPr kumimoji="1" lang="en-US" altLang="ja-JP"/>
               <a:t>5 </a:t>
             </a:r>
             <a:r>
-              <a:rPr kumimoji="1" lang="ja-JP" altLang="en-US" smtClean="0"/>
+              <a:rPr kumimoji="1" lang="ja-JP" altLang="en-US"/>
               <a:t>レベル</a:t>
             </a:r>
-            <a:endParaRPr kumimoji="1" lang="ja-JP" altLang="en-US"/>
           </a:p>
         </p:txBody>
       </p:sp>
@@ -628,7 +627,7 @@
           </a:lstStyle>
           <a:p>
             <a:r>
-              <a:rPr lang="ja-JP" altLang="en-US" smtClean="0"/>
+              <a:rPr lang="ja-JP" altLang="en-US"/>
               <a:t>マスター タイトルの書式設定</a:t>
             </a:r>
             <a:endParaRPr lang="en-US" dirty="0"/>
@@ -693,7 +692,7 @@
           </a:lstStyle>
           <a:p>
             <a:r>
-              <a:rPr lang="ja-JP" altLang="en-US" smtClean="0"/>
+              <a:rPr lang="ja-JP" altLang="en-US"/>
               <a:t>マスター サブタイトルの書式設定</a:t>
             </a:r>
             <a:endParaRPr lang="en-US" dirty="0"/>
@@ -717,7 +716,7 @@
           <a:p>
             <a:fld id="{7A01C935-5042-4AD5-A86E-5E275E957866}" type="datetimeFigureOut">
               <a:rPr kumimoji="1" lang="ja-JP" altLang="en-US" smtClean="0"/>
-              <a:t>2022/8/2</a:t>
+              <a:t>2022/8/3</a:t>
             </a:fld>
             <a:endParaRPr kumimoji="1" lang="ja-JP" altLang="en-US"/>
           </a:p>
@@ -811,7 +810,7 @@
           <a:lstStyle/>
           <a:p>
             <a:r>
-              <a:rPr lang="ja-JP" altLang="en-US" smtClean="0"/>
+              <a:rPr lang="ja-JP" altLang="en-US"/>
               <a:t>マスター タイトルの書式設定</a:t>
             </a:r>
             <a:endParaRPr lang="en-US" dirty="0"/>
@@ -835,67 +834,67 @@
           <a:p>
             <a:pPr lvl="0"/>
             <a:r>
-              <a:rPr lang="ja-JP" altLang="en-US" smtClean="0"/>
+              <a:rPr lang="ja-JP" altLang="en-US"/>
               <a:t>マスター テキストの書式設定</a:t>
             </a:r>
           </a:p>
           <a:p>
             <a:pPr lvl="1"/>
             <a:r>
-              <a:rPr lang="ja-JP" altLang="en-US" smtClean="0"/>
+              <a:rPr lang="ja-JP" altLang="en-US"/>
               <a:t>第 </a:t>
             </a:r>
             <a:r>
-              <a:rPr lang="en-US" altLang="ja-JP" smtClean="0"/>
+              <a:rPr lang="en-US" altLang="ja-JP"/>
               <a:t>2 </a:t>
             </a:r>
             <a:r>
-              <a:rPr lang="ja-JP" altLang="en-US" smtClean="0"/>
+              <a:rPr lang="ja-JP" altLang="en-US"/>
               <a:t>レベル</a:t>
             </a:r>
           </a:p>
           <a:p>
             <a:pPr lvl="2"/>
             <a:r>
-              <a:rPr lang="ja-JP" altLang="en-US" smtClean="0"/>
+              <a:rPr lang="ja-JP" altLang="en-US"/>
               <a:t>第 </a:t>
             </a:r>
             <a:r>
-              <a:rPr lang="en-US" altLang="ja-JP" smtClean="0"/>
+              <a:rPr lang="en-US" altLang="ja-JP"/>
               <a:t>3 </a:t>
             </a:r>
             <a:r>
-              <a:rPr lang="ja-JP" altLang="en-US" smtClean="0"/>
+              <a:rPr lang="ja-JP" altLang="en-US"/>
               <a:t>レベル</a:t>
             </a:r>
           </a:p>
           <a:p>
             <a:pPr lvl="3"/>
             <a:r>
-              <a:rPr lang="ja-JP" altLang="en-US" smtClean="0"/>
+              <a:rPr lang="ja-JP" altLang="en-US"/>
               <a:t>第 </a:t>
             </a:r>
             <a:r>
-              <a:rPr lang="en-US" altLang="ja-JP" smtClean="0"/>
+              <a:rPr lang="en-US" altLang="ja-JP"/>
               <a:t>4 </a:t>
             </a:r>
             <a:r>
-              <a:rPr lang="ja-JP" altLang="en-US" smtClean="0"/>
+              <a:rPr lang="ja-JP" altLang="en-US"/>
               <a:t>レベル</a:t>
             </a:r>
           </a:p>
           <a:p>
             <a:pPr lvl="4"/>
             <a:r>
-              <a:rPr lang="ja-JP" altLang="en-US" smtClean="0"/>
+              <a:rPr lang="ja-JP" altLang="en-US"/>
               <a:t>第 </a:t>
             </a:r>
             <a:r>
-              <a:rPr lang="en-US" altLang="ja-JP" smtClean="0"/>
+              <a:rPr lang="en-US" altLang="ja-JP"/>
               <a:t>5 </a:t>
             </a:r>
             <a:r>
-              <a:rPr lang="ja-JP" altLang="en-US" smtClean="0"/>
+              <a:rPr lang="ja-JP" altLang="en-US"/>
               <a:t>レベル</a:t>
             </a:r>
             <a:endParaRPr lang="en-US" dirty="0"/>
@@ -919,7 +918,7 @@
           <a:p>
             <a:fld id="{7A01C935-5042-4AD5-A86E-5E275E957866}" type="datetimeFigureOut">
               <a:rPr kumimoji="1" lang="ja-JP" altLang="en-US" smtClean="0"/>
-              <a:t>2022/8/2</a:t>
+              <a:t>2022/8/3</a:t>
             </a:fld>
             <a:endParaRPr kumimoji="1" lang="ja-JP" altLang="en-US"/>
           </a:p>
@@ -1018,7 +1017,7 @@
           <a:lstStyle/>
           <a:p>
             <a:r>
-              <a:rPr lang="ja-JP" altLang="en-US" smtClean="0"/>
+              <a:rPr lang="ja-JP" altLang="en-US"/>
               <a:t>マスター タイトルの書式設定</a:t>
             </a:r>
             <a:endParaRPr lang="en-US" dirty="0"/>
@@ -1047,67 +1046,67 @@
           <a:p>
             <a:pPr lvl="0"/>
             <a:r>
-              <a:rPr lang="ja-JP" altLang="en-US" smtClean="0"/>
+              <a:rPr lang="ja-JP" altLang="en-US"/>
               <a:t>マスター テキストの書式設定</a:t>
             </a:r>
           </a:p>
           <a:p>
             <a:pPr lvl="1"/>
             <a:r>
-              <a:rPr lang="ja-JP" altLang="en-US" smtClean="0"/>
+              <a:rPr lang="ja-JP" altLang="en-US"/>
               <a:t>第 </a:t>
             </a:r>
             <a:r>
-              <a:rPr lang="en-US" altLang="ja-JP" smtClean="0"/>
+              <a:rPr lang="en-US" altLang="ja-JP"/>
               <a:t>2 </a:t>
             </a:r>
             <a:r>
-              <a:rPr lang="ja-JP" altLang="en-US" smtClean="0"/>
+              <a:rPr lang="ja-JP" altLang="en-US"/>
               <a:t>レベル</a:t>
             </a:r>
           </a:p>
           <a:p>
             <a:pPr lvl="2"/>
             <a:r>
-              <a:rPr lang="ja-JP" altLang="en-US" smtClean="0"/>
+              <a:rPr lang="ja-JP" altLang="en-US"/>
               <a:t>第 </a:t>
             </a:r>
             <a:r>
-              <a:rPr lang="en-US" altLang="ja-JP" smtClean="0"/>
+              <a:rPr lang="en-US" altLang="ja-JP"/>
               <a:t>3 </a:t>
             </a:r>
             <a:r>
-              <a:rPr lang="ja-JP" altLang="en-US" smtClean="0"/>
+              <a:rPr lang="ja-JP" altLang="en-US"/>
               <a:t>レベル</a:t>
             </a:r>
           </a:p>
           <a:p>
             <a:pPr lvl="3"/>
             <a:r>
-              <a:rPr lang="ja-JP" altLang="en-US" smtClean="0"/>
+              <a:rPr lang="ja-JP" altLang="en-US"/>
               <a:t>第 </a:t>
             </a:r>
             <a:r>
-              <a:rPr lang="en-US" altLang="ja-JP" smtClean="0"/>
+              <a:rPr lang="en-US" altLang="ja-JP"/>
               <a:t>4 </a:t>
             </a:r>
             <a:r>
-              <a:rPr lang="ja-JP" altLang="en-US" smtClean="0"/>
+              <a:rPr lang="ja-JP" altLang="en-US"/>
               <a:t>レベル</a:t>
             </a:r>
           </a:p>
           <a:p>
             <a:pPr lvl="4"/>
             <a:r>
-              <a:rPr lang="ja-JP" altLang="en-US" smtClean="0"/>
+              <a:rPr lang="ja-JP" altLang="en-US"/>
               <a:t>第 </a:t>
             </a:r>
             <a:r>
-              <a:rPr lang="en-US" altLang="ja-JP" smtClean="0"/>
+              <a:rPr lang="en-US" altLang="ja-JP"/>
               <a:t>5 </a:t>
             </a:r>
             <a:r>
-              <a:rPr lang="ja-JP" altLang="en-US" smtClean="0"/>
+              <a:rPr lang="ja-JP" altLang="en-US"/>
               <a:t>レベル</a:t>
             </a:r>
             <a:endParaRPr lang="en-US" dirty="0"/>
@@ -1131,7 +1130,7 @@
           <a:p>
             <a:fld id="{7A01C935-5042-4AD5-A86E-5E275E957866}" type="datetimeFigureOut">
               <a:rPr kumimoji="1" lang="ja-JP" altLang="en-US" smtClean="0"/>
-              <a:t>2022/8/2</a:t>
+              <a:t>2022/8/3</a:t>
             </a:fld>
             <a:endParaRPr kumimoji="1" lang="ja-JP" altLang="en-US"/>
           </a:p>
@@ -1225,7 +1224,7 @@
           <a:lstStyle/>
           <a:p>
             <a:r>
-              <a:rPr lang="ja-JP" altLang="en-US" smtClean="0"/>
+              <a:rPr lang="ja-JP" altLang="en-US"/>
               <a:t>マスター タイトルの書式設定</a:t>
             </a:r>
             <a:endParaRPr lang="en-US" dirty="0"/>
@@ -1249,67 +1248,67 @@
           <a:p>
             <a:pPr lvl="0"/>
             <a:r>
-              <a:rPr lang="ja-JP" altLang="en-US" smtClean="0"/>
+              <a:rPr lang="ja-JP" altLang="en-US"/>
               <a:t>マスター テキストの書式設定</a:t>
             </a:r>
           </a:p>
           <a:p>
             <a:pPr lvl="1"/>
             <a:r>
-              <a:rPr lang="ja-JP" altLang="en-US" smtClean="0"/>
+              <a:rPr lang="ja-JP" altLang="en-US"/>
               <a:t>第 </a:t>
             </a:r>
             <a:r>
-              <a:rPr lang="en-US" altLang="ja-JP" smtClean="0"/>
+              <a:rPr lang="en-US" altLang="ja-JP"/>
               <a:t>2 </a:t>
             </a:r>
             <a:r>
-              <a:rPr lang="ja-JP" altLang="en-US" smtClean="0"/>
+              <a:rPr lang="ja-JP" altLang="en-US"/>
               <a:t>レベル</a:t>
             </a:r>
           </a:p>
           <a:p>
             <a:pPr lvl="2"/>
             <a:r>
-              <a:rPr lang="ja-JP" altLang="en-US" smtClean="0"/>
+              <a:rPr lang="ja-JP" altLang="en-US"/>
               <a:t>第 </a:t>
             </a:r>
             <a:r>
-              <a:rPr lang="en-US" altLang="ja-JP" smtClean="0"/>
+              <a:rPr lang="en-US" altLang="ja-JP"/>
               <a:t>3 </a:t>
             </a:r>
             <a:r>
-              <a:rPr lang="ja-JP" altLang="en-US" smtClean="0"/>
+              <a:rPr lang="ja-JP" altLang="en-US"/>
               <a:t>レベル</a:t>
             </a:r>
           </a:p>
           <a:p>
             <a:pPr lvl="3"/>
             <a:r>
-              <a:rPr lang="ja-JP" altLang="en-US" smtClean="0"/>
+              <a:rPr lang="ja-JP" altLang="en-US"/>
               <a:t>第 </a:t>
             </a:r>
             <a:r>
-              <a:rPr lang="en-US" altLang="ja-JP" smtClean="0"/>
+              <a:rPr lang="en-US" altLang="ja-JP"/>
               <a:t>4 </a:t>
             </a:r>
             <a:r>
-              <a:rPr lang="ja-JP" altLang="en-US" smtClean="0"/>
+              <a:rPr lang="ja-JP" altLang="en-US"/>
               <a:t>レベル</a:t>
             </a:r>
           </a:p>
           <a:p>
             <a:pPr lvl="4"/>
             <a:r>
-              <a:rPr lang="ja-JP" altLang="en-US" smtClean="0"/>
+              <a:rPr lang="ja-JP" altLang="en-US"/>
               <a:t>第 </a:t>
             </a:r>
             <a:r>
-              <a:rPr lang="en-US" altLang="ja-JP" smtClean="0"/>
+              <a:rPr lang="en-US" altLang="ja-JP"/>
               <a:t>5 </a:t>
             </a:r>
             <a:r>
-              <a:rPr lang="ja-JP" altLang="en-US" smtClean="0"/>
+              <a:rPr lang="ja-JP" altLang="en-US"/>
               <a:t>レベル</a:t>
             </a:r>
             <a:endParaRPr lang="en-US" dirty="0"/>
@@ -1333,7 +1332,7 @@
           <a:p>
             <a:fld id="{7A01C935-5042-4AD5-A86E-5E275E957866}" type="datetimeFigureOut">
               <a:rPr kumimoji="1" lang="ja-JP" altLang="en-US" smtClean="0"/>
-              <a:t>2022/8/2</a:t>
+              <a:t>2022/8/3</a:t>
             </a:fld>
             <a:endParaRPr kumimoji="1" lang="ja-JP" altLang="en-US"/>
           </a:p>
@@ -1436,7 +1435,7 @@
           </a:lstStyle>
           <a:p>
             <a:r>
-              <a:rPr lang="ja-JP" altLang="en-US" smtClean="0"/>
+              <a:rPr lang="ja-JP" altLang="en-US"/>
               <a:t>マスター タイトルの書式設定</a:t>
             </a:r>
             <a:endParaRPr lang="en-US" dirty="0"/>
@@ -1554,7 +1553,7 @@
           <a:p>
             <a:pPr lvl="0"/>
             <a:r>
-              <a:rPr lang="ja-JP" altLang="en-US" smtClean="0"/>
+              <a:rPr lang="ja-JP" altLang="en-US"/>
               <a:t>マスター テキストの書式設定</a:t>
             </a:r>
           </a:p>
@@ -1577,7 +1576,7 @@
           <a:p>
             <a:fld id="{7A01C935-5042-4AD5-A86E-5E275E957866}" type="datetimeFigureOut">
               <a:rPr kumimoji="1" lang="ja-JP" altLang="en-US" smtClean="0"/>
-              <a:t>2022/8/2</a:t>
+              <a:t>2022/8/3</a:t>
             </a:fld>
             <a:endParaRPr kumimoji="1" lang="ja-JP" altLang="en-US"/>
           </a:p>
@@ -1671,7 +1670,7 @@
           <a:lstStyle/>
           <a:p>
             <a:r>
-              <a:rPr lang="ja-JP" altLang="en-US" smtClean="0"/>
+              <a:rPr lang="ja-JP" altLang="en-US"/>
               <a:t>マスター タイトルの書式設定</a:t>
             </a:r>
             <a:endParaRPr lang="en-US" dirty="0"/>
@@ -1700,67 +1699,67 @@
           <a:p>
             <a:pPr lvl="0"/>
             <a:r>
-              <a:rPr lang="ja-JP" altLang="en-US" smtClean="0"/>
+              <a:rPr lang="ja-JP" altLang="en-US"/>
               <a:t>マスター テキストの書式設定</a:t>
             </a:r>
           </a:p>
           <a:p>
             <a:pPr lvl="1"/>
             <a:r>
-              <a:rPr lang="ja-JP" altLang="en-US" smtClean="0"/>
+              <a:rPr lang="ja-JP" altLang="en-US"/>
               <a:t>第 </a:t>
             </a:r>
             <a:r>
-              <a:rPr lang="en-US" altLang="ja-JP" smtClean="0"/>
+              <a:rPr lang="en-US" altLang="ja-JP"/>
               <a:t>2 </a:t>
             </a:r>
             <a:r>
-              <a:rPr lang="ja-JP" altLang="en-US" smtClean="0"/>
+              <a:rPr lang="ja-JP" altLang="en-US"/>
               <a:t>レベル</a:t>
             </a:r>
           </a:p>
           <a:p>
             <a:pPr lvl="2"/>
             <a:r>
-              <a:rPr lang="ja-JP" altLang="en-US" smtClean="0"/>
+              <a:rPr lang="ja-JP" altLang="en-US"/>
               <a:t>第 </a:t>
             </a:r>
             <a:r>
-              <a:rPr lang="en-US" altLang="ja-JP" smtClean="0"/>
+              <a:rPr lang="en-US" altLang="ja-JP"/>
               <a:t>3 </a:t>
             </a:r>
             <a:r>
-              <a:rPr lang="ja-JP" altLang="en-US" smtClean="0"/>
+              <a:rPr lang="ja-JP" altLang="en-US"/>
               <a:t>レベル</a:t>
             </a:r>
           </a:p>
           <a:p>
             <a:pPr lvl="3"/>
             <a:r>
-              <a:rPr lang="ja-JP" altLang="en-US" smtClean="0"/>
+              <a:rPr lang="ja-JP" altLang="en-US"/>
               <a:t>第 </a:t>
             </a:r>
             <a:r>
-              <a:rPr lang="en-US" altLang="ja-JP" smtClean="0"/>
+              <a:rPr lang="en-US" altLang="ja-JP"/>
               <a:t>4 </a:t>
             </a:r>
             <a:r>
-              <a:rPr lang="ja-JP" altLang="en-US" smtClean="0"/>
+              <a:rPr lang="ja-JP" altLang="en-US"/>
               <a:t>レベル</a:t>
             </a:r>
           </a:p>
           <a:p>
             <a:pPr lvl="4"/>
             <a:r>
-              <a:rPr lang="ja-JP" altLang="en-US" smtClean="0"/>
+              <a:rPr lang="ja-JP" altLang="en-US"/>
               <a:t>第 </a:t>
             </a:r>
             <a:r>
-              <a:rPr lang="en-US" altLang="ja-JP" smtClean="0"/>
+              <a:rPr lang="en-US" altLang="ja-JP"/>
               <a:t>5 </a:t>
             </a:r>
             <a:r>
-              <a:rPr lang="ja-JP" altLang="en-US" smtClean="0"/>
+              <a:rPr lang="ja-JP" altLang="en-US"/>
               <a:t>レベル</a:t>
             </a:r>
             <a:endParaRPr lang="en-US" dirty="0"/>
@@ -1789,67 +1788,67 @@
           <a:p>
             <a:pPr lvl="0"/>
             <a:r>
-              <a:rPr lang="ja-JP" altLang="en-US" smtClean="0"/>
+              <a:rPr lang="ja-JP" altLang="en-US"/>
               <a:t>マスター テキストの書式設定</a:t>
             </a:r>
           </a:p>
           <a:p>
             <a:pPr lvl="1"/>
             <a:r>
-              <a:rPr lang="ja-JP" altLang="en-US" smtClean="0"/>
+              <a:rPr lang="ja-JP" altLang="en-US"/>
               <a:t>第 </a:t>
             </a:r>
             <a:r>
-              <a:rPr lang="en-US" altLang="ja-JP" smtClean="0"/>
+              <a:rPr lang="en-US" altLang="ja-JP"/>
               <a:t>2 </a:t>
             </a:r>
             <a:r>
-              <a:rPr lang="ja-JP" altLang="en-US" smtClean="0"/>
+              <a:rPr lang="ja-JP" altLang="en-US"/>
               <a:t>レベル</a:t>
             </a:r>
           </a:p>
           <a:p>
             <a:pPr lvl="2"/>
             <a:r>
-              <a:rPr lang="ja-JP" altLang="en-US" smtClean="0"/>
+              <a:rPr lang="ja-JP" altLang="en-US"/>
               <a:t>第 </a:t>
             </a:r>
             <a:r>
-              <a:rPr lang="en-US" altLang="ja-JP" smtClean="0"/>
+              <a:rPr lang="en-US" altLang="ja-JP"/>
               <a:t>3 </a:t>
             </a:r>
             <a:r>
-              <a:rPr lang="ja-JP" altLang="en-US" smtClean="0"/>
+              <a:rPr lang="ja-JP" altLang="en-US"/>
               <a:t>レベル</a:t>
             </a:r>
           </a:p>
           <a:p>
             <a:pPr lvl="3"/>
             <a:r>
-              <a:rPr lang="ja-JP" altLang="en-US" smtClean="0"/>
+              <a:rPr lang="ja-JP" altLang="en-US"/>
               <a:t>第 </a:t>
             </a:r>
             <a:r>
-              <a:rPr lang="en-US" altLang="ja-JP" smtClean="0"/>
+              <a:rPr lang="en-US" altLang="ja-JP"/>
               <a:t>4 </a:t>
             </a:r>
             <a:r>
-              <a:rPr lang="ja-JP" altLang="en-US" smtClean="0"/>
+              <a:rPr lang="ja-JP" altLang="en-US"/>
               <a:t>レベル</a:t>
             </a:r>
           </a:p>
           <a:p>
             <a:pPr lvl="4"/>
             <a:r>
-              <a:rPr lang="ja-JP" altLang="en-US" smtClean="0"/>
+              <a:rPr lang="ja-JP" altLang="en-US"/>
               <a:t>第 </a:t>
             </a:r>
             <a:r>
-              <a:rPr lang="en-US" altLang="ja-JP" smtClean="0"/>
+              <a:rPr lang="en-US" altLang="ja-JP"/>
               <a:t>5 </a:t>
             </a:r>
             <a:r>
-              <a:rPr lang="ja-JP" altLang="en-US" smtClean="0"/>
+              <a:rPr lang="ja-JP" altLang="en-US"/>
               <a:t>レベル</a:t>
             </a:r>
             <a:endParaRPr lang="en-US" dirty="0"/>
@@ -1873,7 +1872,7 @@
           <a:p>
             <a:fld id="{7A01C935-5042-4AD5-A86E-5E275E957866}" type="datetimeFigureOut">
               <a:rPr kumimoji="1" lang="ja-JP" altLang="en-US" smtClean="0"/>
-              <a:t>2022/8/2</a:t>
+              <a:t>2022/8/3</a:t>
             </a:fld>
             <a:endParaRPr kumimoji="1" lang="ja-JP" altLang="en-US"/>
           </a:p>
@@ -1972,7 +1971,7 @@
           <a:lstStyle/>
           <a:p>
             <a:r>
-              <a:rPr lang="ja-JP" altLang="en-US" smtClean="0"/>
+              <a:rPr lang="ja-JP" altLang="en-US"/>
               <a:t>マスター タイトルの書式設定</a:t>
             </a:r>
             <a:endParaRPr lang="en-US" dirty="0"/>
@@ -2038,7 +2037,7 @@
           <a:p>
             <a:pPr lvl="0"/>
             <a:r>
-              <a:rPr lang="ja-JP" altLang="en-US" smtClean="0"/>
+              <a:rPr lang="ja-JP" altLang="en-US"/>
               <a:t>マスター テキストの書式設定</a:t>
             </a:r>
           </a:p>
@@ -2066,67 +2065,67 @@
           <a:p>
             <a:pPr lvl="0"/>
             <a:r>
-              <a:rPr lang="ja-JP" altLang="en-US" smtClean="0"/>
+              <a:rPr lang="ja-JP" altLang="en-US"/>
               <a:t>マスター テキストの書式設定</a:t>
             </a:r>
           </a:p>
           <a:p>
             <a:pPr lvl="1"/>
             <a:r>
-              <a:rPr lang="ja-JP" altLang="en-US" smtClean="0"/>
+              <a:rPr lang="ja-JP" altLang="en-US"/>
               <a:t>第 </a:t>
             </a:r>
             <a:r>
-              <a:rPr lang="en-US" altLang="ja-JP" smtClean="0"/>
+              <a:rPr lang="en-US" altLang="ja-JP"/>
               <a:t>2 </a:t>
             </a:r>
             <a:r>
-              <a:rPr lang="ja-JP" altLang="en-US" smtClean="0"/>
+              <a:rPr lang="ja-JP" altLang="en-US"/>
               <a:t>レベル</a:t>
             </a:r>
           </a:p>
           <a:p>
             <a:pPr lvl="2"/>
             <a:r>
-              <a:rPr lang="ja-JP" altLang="en-US" smtClean="0"/>
+              <a:rPr lang="ja-JP" altLang="en-US"/>
               <a:t>第 </a:t>
             </a:r>
             <a:r>
-              <a:rPr lang="en-US" altLang="ja-JP" smtClean="0"/>
+              <a:rPr lang="en-US" altLang="ja-JP"/>
               <a:t>3 </a:t>
             </a:r>
             <a:r>
-              <a:rPr lang="ja-JP" altLang="en-US" smtClean="0"/>
+              <a:rPr lang="ja-JP" altLang="en-US"/>
               <a:t>レベル</a:t>
             </a:r>
           </a:p>
           <a:p>
             <a:pPr lvl="3"/>
             <a:r>
-              <a:rPr lang="ja-JP" altLang="en-US" smtClean="0"/>
+              <a:rPr lang="ja-JP" altLang="en-US"/>
               <a:t>第 </a:t>
             </a:r>
             <a:r>
-              <a:rPr lang="en-US" altLang="ja-JP" smtClean="0"/>
+              <a:rPr lang="en-US" altLang="ja-JP"/>
               <a:t>4 </a:t>
             </a:r>
             <a:r>
-              <a:rPr lang="ja-JP" altLang="en-US" smtClean="0"/>
+              <a:rPr lang="ja-JP" altLang="en-US"/>
               <a:t>レベル</a:t>
             </a:r>
           </a:p>
           <a:p>
             <a:pPr lvl="4"/>
             <a:r>
-              <a:rPr lang="ja-JP" altLang="en-US" smtClean="0"/>
+              <a:rPr lang="ja-JP" altLang="en-US"/>
               <a:t>第 </a:t>
             </a:r>
             <a:r>
-              <a:rPr lang="en-US" altLang="ja-JP" smtClean="0"/>
+              <a:rPr lang="en-US" altLang="ja-JP"/>
               <a:t>5 </a:t>
             </a:r>
             <a:r>
-              <a:rPr lang="ja-JP" altLang="en-US" smtClean="0"/>
+              <a:rPr lang="ja-JP" altLang="en-US"/>
               <a:t>レベル</a:t>
             </a:r>
             <a:endParaRPr lang="en-US" dirty="0"/>
@@ -2192,7 +2191,7 @@
           <a:p>
             <a:pPr lvl="0"/>
             <a:r>
-              <a:rPr lang="ja-JP" altLang="en-US" smtClean="0"/>
+              <a:rPr lang="ja-JP" altLang="en-US"/>
               <a:t>マスター テキストの書式設定</a:t>
             </a:r>
           </a:p>
@@ -2220,67 +2219,67 @@
           <a:p>
             <a:pPr lvl="0"/>
             <a:r>
-              <a:rPr lang="ja-JP" altLang="en-US" smtClean="0"/>
+              <a:rPr lang="ja-JP" altLang="en-US"/>
               <a:t>マスター テキストの書式設定</a:t>
             </a:r>
           </a:p>
           <a:p>
             <a:pPr lvl="1"/>
             <a:r>
-              <a:rPr lang="ja-JP" altLang="en-US" smtClean="0"/>
+              <a:rPr lang="ja-JP" altLang="en-US"/>
               <a:t>第 </a:t>
             </a:r>
             <a:r>
-              <a:rPr lang="en-US" altLang="ja-JP" smtClean="0"/>
+              <a:rPr lang="en-US" altLang="ja-JP"/>
               <a:t>2 </a:t>
             </a:r>
             <a:r>
-              <a:rPr lang="ja-JP" altLang="en-US" smtClean="0"/>
+              <a:rPr lang="ja-JP" altLang="en-US"/>
               <a:t>レベル</a:t>
             </a:r>
           </a:p>
           <a:p>
             <a:pPr lvl="2"/>
             <a:r>
-              <a:rPr lang="ja-JP" altLang="en-US" smtClean="0"/>
+              <a:rPr lang="ja-JP" altLang="en-US"/>
               <a:t>第 </a:t>
             </a:r>
             <a:r>
-              <a:rPr lang="en-US" altLang="ja-JP" smtClean="0"/>
+              <a:rPr lang="en-US" altLang="ja-JP"/>
               <a:t>3 </a:t>
             </a:r>
             <a:r>
-              <a:rPr lang="ja-JP" altLang="en-US" smtClean="0"/>
+              <a:rPr lang="ja-JP" altLang="en-US"/>
               <a:t>レベル</a:t>
             </a:r>
           </a:p>
           <a:p>
             <a:pPr lvl="3"/>
             <a:r>
-              <a:rPr lang="ja-JP" altLang="en-US" smtClean="0"/>
+              <a:rPr lang="ja-JP" altLang="en-US"/>
               <a:t>第 </a:t>
             </a:r>
             <a:r>
-              <a:rPr lang="en-US" altLang="ja-JP" smtClean="0"/>
+              <a:rPr lang="en-US" altLang="ja-JP"/>
               <a:t>4 </a:t>
             </a:r>
             <a:r>
-              <a:rPr lang="ja-JP" altLang="en-US" smtClean="0"/>
+              <a:rPr lang="ja-JP" altLang="en-US"/>
               <a:t>レベル</a:t>
             </a:r>
           </a:p>
           <a:p>
             <a:pPr lvl="4"/>
             <a:r>
-              <a:rPr lang="ja-JP" altLang="en-US" smtClean="0"/>
+              <a:rPr lang="ja-JP" altLang="en-US"/>
               <a:t>第 </a:t>
             </a:r>
             <a:r>
-              <a:rPr lang="en-US" altLang="ja-JP" smtClean="0"/>
+              <a:rPr lang="en-US" altLang="ja-JP"/>
               <a:t>5 </a:t>
             </a:r>
             <a:r>
-              <a:rPr lang="ja-JP" altLang="en-US" smtClean="0"/>
+              <a:rPr lang="ja-JP" altLang="en-US"/>
               <a:t>レベル</a:t>
             </a:r>
             <a:endParaRPr lang="en-US" dirty="0"/>
@@ -2304,7 +2303,7 @@
           <a:p>
             <a:fld id="{7A01C935-5042-4AD5-A86E-5E275E957866}" type="datetimeFigureOut">
               <a:rPr kumimoji="1" lang="ja-JP" altLang="en-US" smtClean="0"/>
-              <a:t>2022/8/2</a:t>
+              <a:t>2022/8/3</a:t>
             </a:fld>
             <a:endParaRPr kumimoji="1" lang="ja-JP" altLang="en-US"/>
           </a:p>
@@ -2398,7 +2397,7 @@
           <a:lstStyle/>
           <a:p>
             <a:r>
-              <a:rPr lang="ja-JP" altLang="en-US" smtClean="0"/>
+              <a:rPr lang="ja-JP" altLang="en-US"/>
               <a:t>マスター タイトルの書式設定</a:t>
             </a:r>
             <a:endParaRPr lang="en-US" dirty="0"/>
@@ -2422,7 +2421,7 @@
           <a:p>
             <a:fld id="{7A01C935-5042-4AD5-A86E-5E275E957866}" type="datetimeFigureOut">
               <a:rPr kumimoji="1" lang="ja-JP" altLang="en-US" smtClean="0"/>
-              <a:t>2022/8/2</a:t>
+              <a:t>2022/8/3</a:t>
             </a:fld>
             <a:endParaRPr kumimoji="1" lang="ja-JP" altLang="en-US"/>
           </a:p>
@@ -2517,7 +2516,7 @@
           <a:p>
             <a:fld id="{7A01C935-5042-4AD5-A86E-5E275E957866}" type="datetimeFigureOut">
               <a:rPr kumimoji="1" lang="ja-JP" altLang="en-US" smtClean="0"/>
-              <a:t>2022/8/2</a:t>
+              <a:t>2022/8/3</a:t>
             </a:fld>
             <a:endParaRPr kumimoji="1" lang="ja-JP" altLang="en-US"/>
           </a:p>
@@ -2620,7 +2619,7 @@
           </a:lstStyle>
           <a:p>
             <a:r>
-              <a:rPr lang="ja-JP" altLang="en-US" smtClean="0"/>
+              <a:rPr lang="ja-JP" altLang="en-US"/>
               <a:t>マスター タイトルの書式設定</a:t>
             </a:r>
             <a:endParaRPr lang="en-US" dirty="0"/>
@@ -2677,67 +2676,67 @@
           <a:p>
             <a:pPr lvl="0"/>
             <a:r>
-              <a:rPr lang="ja-JP" altLang="en-US" smtClean="0"/>
+              <a:rPr lang="ja-JP" altLang="en-US"/>
               <a:t>マスター テキストの書式設定</a:t>
             </a:r>
           </a:p>
           <a:p>
             <a:pPr lvl="1"/>
             <a:r>
-              <a:rPr lang="ja-JP" altLang="en-US" smtClean="0"/>
+              <a:rPr lang="ja-JP" altLang="en-US"/>
               <a:t>第 </a:t>
             </a:r>
             <a:r>
-              <a:rPr lang="en-US" altLang="ja-JP" smtClean="0"/>
+              <a:rPr lang="en-US" altLang="ja-JP"/>
               <a:t>2 </a:t>
             </a:r>
             <a:r>
-              <a:rPr lang="ja-JP" altLang="en-US" smtClean="0"/>
+              <a:rPr lang="ja-JP" altLang="en-US"/>
               <a:t>レベル</a:t>
             </a:r>
           </a:p>
           <a:p>
             <a:pPr lvl="2"/>
             <a:r>
-              <a:rPr lang="ja-JP" altLang="en-US" smtClean="0"/>
+              <a:rPr lang="ja-JP" altLang="en-US"/>
               <a:t>第 </a:t>
             </a:r>
             <a:r>
-              <a:rPr lang="en-US" altLang="ja-JP" smtClean="0"/>
+              <a:rPr lang="en-US" altLang="ja-JP"/>
               <a:t>3 </a:t>
             </a:r>
             <a:r>
-              <a:rPr lang="ja-JP" altLang="en-US" smtClean="0"/>
+              <a:rPr lang="ja-JP" altLang="en-US"/>
               <a:t>レベル</a:t>
             </a:r>
           </a:p>
           <a:p>
             <a:pPr lvl="3"/>
             <a:r>
-              <a:rPr lang="ja-JP" altLang="en-US" smtClean="0"/>
+              <a:rPr lang="ja-JP" altLang="en-US"/>
               <a:t>第 </a:t>
             </a:r>
             <a:r>
-              <a:rPr lang="en-US" altLang="ja-JP" smtClean="0"/>
+              <a:rPr lang="en-US" altLang="ja-JP"/>
               <a:t>4 </a:t>
             </a:r>
             <a:r>
-              <a:rPr lang="ja-JP" altLang="en-US" smtClean="0"/>
+              <a:rPr lang="ja-JP" altLang="en-US"/>
               <a:t>レベル</a:t>
             </a:r>
           </a:p>
           <a:p>
             <a:pPr lvl="4"/>
             <a:r>
-              <a:rPr lang="ja-JP" altLang="en-US" smtClean="0"/>
+              <a:rPr lang="ja-JP" altLang="en-US"/>
               <a:t>第 </a:t>
             </a:r>
             <a:r>
-              <a:rPr lang="en-US" altLang="ja-JP" smtClean="0"/>
+              <a:rPr lang="en-US" altLang="ja-JP"/>
               <a:t>5 </a:t>
             </a:r>
             <a:r>
-              <a:rPr lang="ja-JP" altLang="en-US" smtClean="0"/>
+              <a:rPr lang="ja-JP" altLang="en-US"/>
               <a:t>レベル</a:t>
             </a:r>
             <a:endParaRPr lang="en-US" dirty="0"/>
@@ -2803,7 +2802,7 @@
           <a:p>
             <a:pPr lvl="0"/>
             <a:r>
-              <a:rPr lang="ja-JP" altLang="en-US" smtClean="0"/>
+              <a:rPr lang="ja-JP" altLang="en-US"/>
               <a:t>マスター テキストの書式設定</a:t>
             </a:r>
           </a:p>
@@ -2826,7 +2825,7 @@
           <a:p>
             <a:fld id="{7A01C935-5042-4AD5-A86E-5E275E957866}" type="datetimeFigureOut">
               <a:rPr kumimoji="1" lang="ja-JP" altLang="en-US" smtClean="0"/>
-              <a:t>2022/8/2</a:t>
+              <a:t>2022/8/3</a:t>
             </a:fld>
             <a:endParaRPr kumimoji="1" lang="ja-JP" altLang="en-US"/>
           </a:p>
@@ -2929,7 +2928,7 @@
           </a:lstStyle>
           <a:p>
             <a:r>
-              <a:rPr lang="ja-JP" altLang="en-US" smtClean="0"/>
+              <a:rPr lang="ja-JP" altLang="en-US"/>
               <a:t>マスター タイトルの書式設定</a:t>
             </a:r>
             <a:endParaRPr lang="en-US" dirty="0"/>
@@ -2994,7 +2993,7 @@
           </a:lstStyle>
           <a:p>
             <a:r>
-              <a:rPr lang="ja-JP" altLang="en-US" smtClean="0"/>
+              <a:rPr lang="ja-JP" altLang="en-US"/>
               <a:t>図を追加</a:t>
             </a:r>
             <a:endParaRPr lang="en-US" dirty="0"/>
@@ -3060,7 +3059,7 @@
           <a:p>
             <a:pPr lvl="0"/>
             <a:r>
-              <a:rPr lang="ja-JP" altLang="en-US" smtClean="0"/>
+              <a:rPr lang="ja-JP" altLang="en-US"/>
               <a:t>マスター テキストの書式設定</a:t>
             </a:r>
           </a:p>
@@ -3083,7 +3082,7 @@
           <a:p>
             <a:fld id="{7A01C935-5042-4AD5-A86E-5E275E957866}" type="datetimeFigureOut">
               <a:rPr kumimoji="1" lang="ja-JP" altLang="en-US" smtClean="0"/>
-              <a:t>2022/8/2</a:t>
+              <a:t>2022/8/3</a:t>
             </a:fld>
             <a:endParaRPr kumimoji="1" lang="ja-JP" altLang="en-US"/>
           </a:p>
@@ -3192,7 +3191,7 @@
           <a:lstStyle/>
           <a:p>
             <a:r>
-              <a:rPr lang="ja-JP" altLang="en-US" smtClean="0"/>
+              <a:rPr lang="ja-JP" altLang="en-US"/>
               <a:t>マスター タイトルの書式設定</a:t>
             </a:r>
             <a:endParaRPr lang="en-US" dirty="0"/>
@@ -3226,67 +3225,67 @@
           <a:p>
             <a:pPr lvl="0"/>
             <a:r>
-              <a:rPr lang="ja-JP" altLang="en-US" smtClean="0"/>
+              <a:rPr lang="ja-JP" altLang="en-US"/>
               <a:t>マスター テキストの書式設定</a:t>
             </a:r>
           </a:p>
           <a:p>
             <a:pPr lvl="1"/>
             <a:r>
-              <a:rPr lang="ja-JP" altLang="en-US" smtClean="0"/>
+              <a:rPr lang="ja-JP" altLang="en-US"/>
               <a:t>第 </a:t>
             </a:r>
             <a:r>
-              <a:rPr lang="en-US" altLang="ja-JP" smtClean="0"/>
+              <a:rPr lang="en-US" altLang="ja-JP"/>
               <a:t>2 </a:t>
             </a:r>
             <a:r>
-              <a:rPr lang="ja-JP" altLang="en-US" smtClean="0"/>
+              <a:rPr lang="ja-JP" altLang="en-US"/>
               <a:t>レベル</a:t>
             </a:r>
           </a:p>
           <a:p>
             <a:pPr lvl="2"/>
             <a:r>
-              <a:rPr lang="ja-JP" altLang="en-US" smtClean="0"/>
+              <a:rPr lang="ja-JP" altLang="en-US"/>
               <a:t>第 </a:t>
             </a:r>
             <a:r>
-              <a:rPr lang="en-US" altLang="ja-JP" smtClean="0"/>
+              <a:rPr lang="en-US" altLang="ja-JP"/>
               <a:t>3 </a:t>
             </a:r>
             <a:r>
-              <a:rPr lang="ja-JP" altLang="en-US" smtClean="0"/>
+              <a:rPr lang="ja-JP" altLang="en-US"/>
               <a:t>レベル</a:t>
             </a:r>
           </a:p>
           <a:p>
             <a:pPr lvl="3"/>
             <a:r>
-              <a:rPr lang="ja-JP" altLang="en-US" smtClean="0"/>
+              <a:rPr lang="ja-JP" altLang="en-US"/>
               <a:t>第 </a:t>
             </a:r>
             <a:r>
-              <a:rPr lang="en-US" altLang="ja-JP" smtClean="0"/>
+              <a:rPr lang="en-US" altLang="ja-JP"/>
               <a:t>4 </a:t>
             </a:r>
             <a:r>
-              <a:rPr lang="ja-JP" altLang="en-US" smtClean="0"/>
+              <a:rPr lang="ja-JP" altLang="en-US"/>
               <a:t>レベル</a:t>
             </a:r>
           </a:p>
           <a:p>
             <a:pPr lvl="4"/>
             <a:r>
-              <a:rPr lang="ja-JP" altLang="en-US" smtClean="0"/>
+              <a:rPr lang="ja-JP" altLang="en-US"/>
               <a:t>第 </a:t>
             </a:r>
             <a:r>
-              <a:rPr lang="en-US" altLang="ja-JP" smtClean="0"/>
+              <a:rPr lang="en-US" altLang="ja-JP"/>
               <a:t>5 </a:t>
             </a:r>
             <a:r>
-              <a:rPr lang="ja-JP" altLang="en-US" smtClean="0"/>
+              <a:rPr lang="ja-JP" altLang="en-US"/>
               <a:t>レベル</a:t>
             </a:r>
             <a:endParaRPr lang="en-US" dirty="0"/>
@@ -3328,7 +3327,7 @@
           <a:p>
             <a:fld id="{7A01C935-5042-4AD5-A86E-5E275E957866}" type="datetimeFigureOut">
               <a:rPr kumimoji="1" lang="ja-JP" altLang="en-US" smtClean="0"/>
-              <a:t>2022/8/2</a:t>
+              <a:t>2022/8/3</a:t>
             </a:fld>
             <a:endParaRPr kumimoji="1" lang="ja-JP" altLang="en-US"/>
           </a:p>
@@ -3741,7 +3740,7 @@
         </p:nvSpPr>
         <p:spPr>
           <a:xfrm>
-            <a:off x="-1080698" y="3501880"/>
+            <a:off x="-1080698" y="3586661"/>
             <a:ext cx="17201322" cy="7835107"/>
           </a:xfrm>
           <a:prstGeom prst="roundRect">
@@ -3761,7 +3760,7 @@
             </a:solidFill>
           </a:ln>
           <a:effectLst>
-            <a:softEdge rad="444500"/>
+            <a:softEdge rad="419100"/>
           </a:effectLst>
         </p:spPr>
         <p:style>
@@ -3790,7 +3789,7 @@
           <a:lstStyle/>
           <a:p>
             <a:pPr algn="ctr"/>
-            <a:endParaRPr lang="ja-JP" altLang="en-US" sz="3086"/>
+            <a:endParaRPr lang="ja-JP" altLang="en-US" sz="3086" dirty="0"/>
           </a:p>
         </p:txBody>
       </p:sp>
@@ -4404,7 +4403,7 @@
           <a:lstStyle/>
           <a:p>
             <a:r>
-              <a:rPr lang="ja-JP" altLang="en-US" sz="1400" dirty="0" smtClean="0">
+              <a:rPr lang="ja-JP" altLang="en-US" sz="1400" dirty="0">
                 <a:solidFill>
                   <a:schemeClr val="bg1"/>
                 </a:solidFill>
@@ -4413,13 +4412,6 @@
               </a:rPr>
               <a:t>チームメンバー</a:t>
             </a:r>
-            <a:endParaRPr lang="ja-JP" altLang="en-US" sz="1400" dirty="0">
-              <a:solidFill>
-                <a:schemeClr val="bg1"/>
-              </a:solidFill>
-              <a:latin typeface="源ノ角ゴシック Code JP R" panose="020B0500000000000000" pitchFamily="34" charset="-128"/>
-              <a:ea typeface="源ノ角ゴシック Code JP R" panose="020B0500000000000000" pitchFamily="34" charset="-128"/>
-            </a:endParaRPr>
           </a:p>
         </p:txBody>
       </p:sp>
@@ -4863,37 +4855,17 @@
                 <a:latin typeface="源ノ角ゴシック Code JP R" panose="020B0500000000000000" pitchFamily="34" charset="-128"/>
                 <a:ea typeface="源ノ角ゴシック Code JP R" panose="020B0500000000000000" pitchFamily="34" charset="-128"/>
               </a:rPr>
-              <a:t>       </a:t>
-            </a:r>
-            <a:r>
-              <a:rPr lang="en-US" altLang="ja-JP" sz="780" b="1" dirty="0" smtClean="0">
+              <a:t>         </a:t>
+            </a:r>
+            <a:r>
+              <a:rPr lang="en-US" altLang="ja-JP" sz="780" dirty="0">
                 <a:solidFill>
                   <a:schemeClr val="bg1"/>
                 </a:solidFill>
                 <a:latin typeface="源ノ角ゴシック Code JP R" panose="020B0500000000000000" pitchFamily="34" charset="-128"/>
                 <a:ea typeface="源ノ角ゴシック Code JP R" panose="020B0500000000000000" pitchFamily="34" charset="-128"/>
               </a:rPr>
-              <a:t>  </a:t>
-            </a:r>
-            <a:r>
-              <a:rPr lang="en-US" altLang="ja-JP" sz="780" dirty="0" smtClean="0">
-                <a:solidFill>
-                  <a:schemeClr val="bg1"/>
-                </a:solidFill>
-                <a:latin typeface="源ノ角ゴシック Code JP R" panose="020B0500000000000000" pitchFamily="34" charset="-128"/>
-                <a:ea typeface="源ノ角ゴシック Code JP R" panose="020B0500000000000000" pitchFamily="34" charset="-128"/>
-              </a:rPr>
-              <a:t>7.4V </a:t>
-            </a:r>
-            <a:r>
-              <a:rPr lang="en-US" altLang="ja-JP" sz="780" dirty="0">
-                <a:solidFill>
-                  <a:schemeClr val="bg1"/>
-                </a:solidFill>
-                <a:latin typeface="源ノ角ゴシック Code JP R" panose="020B0500000000000000" pitchFamily="34" charset="-128"/>
-                <a:ea typeface="源ノ角ゴシック Code JP R" panose="020B0500000000000000" pitchFamily="34" charset="-128"/>
-              </a:rPr>
-              <a:t>2200mAh</a:t>
+              <a:t>7.4V 2200mAh</a:t>
             </a:r>
             <a:endParaRPr lang="ja-JP" altLang="en-US" sz="780" dirty="0">
               <a:solidFill>
@@ -6951,7 +6923,7 @@
           <a:lstStyle/>
           <a:p>
             <a:r>
-              <a:rPr lang="en-US" altLang="ja-JP" sz="668" dirty="0" smtClean="0">
+              <a:rPr lang="en-US" altLang="ja-JP" sz="668" dirty="0">
                 <a:solidFill>
                   <a:schemeClr val="bg1"/>
                 </a:solidFill>
@@ -7048,7 +7020,7 @@
           <a:lstStyle/>
           <a:p>
             <a:r>
-              <a:rPr lang="en-US" altLang="ja-JP" sz="668" dirty="0" smtClean="0">
+              <a:rPr lang="en-US" altLang="ja-JP" sz="668" dirty="0">
                 <a:solidFill>
                   <a:schemeClr val="tx1">
                     <a:lumMod val="65000"/>
@@ -7459,7 +7431,7 @@
           <a:lstStyle/>
           <a:p>
             <a:r>
-              <a:rPr lang="en-US" altLang="ja-JP" sz="1336" b="1" dirty="0" smtClean="0">
+              <a:rPr lang="en-US" altLang="ja-JP" sz="1336" b="1" dirty="0">
                 <a:solidFill>
                   <a:schemeClr val="bg1"/>
                 </a:solidFill>
@@ -7501,7 +7473,7 @@
           <a:lstStyle/>
           <a:p>
             <a:r>
-              <a:rPr lang="ja-JP" altLang="en-US" sz="1600" dirty="0" smtClean="0">
+              <a:rPr lang="ja-JP" altLang="en-US" sz="1600" dirty="0">
                 <a:solidFill>
                   <a:schemeClr val="bg1"/>
                 </a:solidFill>
@@ -7511,7 +7483,7 @@
               <a:t>所属</a:t>
             </a:r>
             <a:r>
-              <a:rPr lang="en-US" altLang="ja-JP" sz="1600" dirty="0" smtClean="0">
+              <a:rPr lang="en-US" altLang="ja-JP" sz="1600" dirty="0">
                 <a:solidFill>
                   <a:schemeClr val="bg1"/>
                 </a:solidFill>
@@ -7521,7 +7493,7 @@
               <a:t> </a:t>
             </a:r>
             <a:r>
-              <a:rPr lang="en-US" altLang="ja-JP" sz="1336" dirty="0" smtClean="0">
+              <a:rPr lang="en-US" altLang="ja-JP" sz="1336" dirty="0">
                 <a:solidFill>
                   <a:schemeClr val="bg1"/>
                 </a:solidFill>
@@ -7533,7 +7505,7 @@
           </a:p>
           <a:p>
             <a:r>
-              <a:rPr lang="en-US" altLang="ja-JP" sz="1336" dirty="0" smtClean="0">
+              <a:rPr lang="en-US" altLang="ja-JP" sz="1336" dirty="0">
                 <a:solidFill>
                   <a:schemeClr val="bg1"/>
                 </a:solidFill>
@@ -7543,7 +7515,7 @@
               <a:t>  </a:t>
             </a:r>
             <a:r>
-              <a:rPr lang="ja-JP" altLang="en-US" sz="1336" dirty="0" smtClean="0">
+              <a:rPr lang="ja-JP" altLang="en-US" sz="1336" dirty="0">
                 <a:solidFill>
                   <a:schemeClr val="bg1"/>
                 </a:solidFill>
@@ -7658,7 +7630,7 @@
           <a:lstStyle/>
           <a:p>
             <a:r>
-              <a:rPr lang="en-US" altLang="ja-JP" sz="700" b="1" dirty="0" smtClean="0">
+              <a:rPr lang="en-US" altLang="ja-JP" sz="700" b="1" dirty="0">
                 <a:solidFill>
                   <a:schemeClr val="bg1"/>
                 </a:solidFill>
@@ -7700,7 +7672,7 @@
           <a:lstStyle/>
           <a:p>
             <a:r>
-              <a:rPr lang="en-US" altLang="ja-JP" sz="700" b="1" dirty="0" smtClean="0">
+              <a:rPr lang="en-US" altLang="ja-JP" sz="700" b="1" dirty="0">
                 <a:solidFill>
                   <a:schemeClr val="bg1"/>
                 </a:solidFill>
@@ -7821,7 +7793,7 @@
           <a:lstStyle/>
           <a:p>
             <a:r>
-              <a:rPr lang="en-US" altLang="ja-JP" sz="700" b="1" dirty="0" smtClean="0">
+              <a:rPr lang="en-US" altLang="ja-JP" sz="700" b="1" dirty="0">
                 <a:solidFill>
                   <a:schemeClr val="bg1"/>
                 </a:solidFill>
@@ -7840,20 +7812,10 @@
                 <a:latin typeface="源ノ角ゴシック Code JP M" panose="020B0600000000000000" pitchFamily="34" charset="-128"/>
                 <a:ea typeface="源ノ角ゴシック Code JP M" panose="020B0600000000000000" pitchFamily="34" charset="-128"/>
               </a:rPr>
-              <a:t> </a:t>
-            </a:r>
-            <a:r>
-              <a:rPr lang="en-US" altLang="ja-JP" sz="700" b="1" dirty="0" smtClean="0">
-                <a:solidFill>
-                  <a:schemeClr val="bg1"/>
-                </a:solidFill>
-                <a:latin typeface="源ノ角ゴシック Code JP M" panose="020B0600000000000000" pitchFamily="34" charset="-128"/>
-                <a:ea typeface="源ノ角ゴシック Code JP M" panose="020B0600000000000000" pitchFamily="34" charset="-128"/>
-              </a:rPr>
-              <a:t> </a:t>
-            </a:r>
-            <a:r>
-              <a:rPr lang="en-US" altLang="ja-JP" sz="500" b="1" dirty="0" smtClean="0">
+              <a:t>  </a:t>
+            </a:r>
+            <a:r>
+              <a:rPr lang="en-US" altLang="ja-JP" sz="500" b="1" dirty="0">
                 <a:solidFill>
                   <a:schemeClr val="bg1"/>
                 </a:solidFill>
@@ -7895,7 +7857,7 @@
           <a:lstStyle/>
           <a:p>
             <a:r>
-              <a:rPr lang="en-US" altLang="ja-JP" sz="500" dirty="0" smtClean="0">
+              <a:rPr lang="en-US" altLang="ja-JP" sz="500" dirty="0">
                 <a:solidFill>
                   <a:schemeClr val="tx1">
                     <a:lumMod val="65000"/>
@@ -7939,7 +7901,7 @@
           <a:lstStyle/>
           <a:p>
             <a:r>
-              <a:rPr lang="en-US" altLang="ja-JP" sz="500" dirty="0" smtClean="0">
+              <a:rPr lang="en-US" altLang="ja-JP" sz="500" dirty="0">
                 <a:solidFill>
                   <a:schemeClr val="tx1">
                     <a:lumMod val="65000"/>
@@ -7983,7 +7945,7 @@
           <a:lstStyle/>
           <a:p>
             <a:r>
-              <a:rPr lang="en-US" altLang="ja-JP" sz="500" dirty="0" smtClean="0">
+              <a:rPr lang="en-US" altLang="ja-JP" sz="500" dirty="0">
                 <a:solidFill>
                   <a:schemeClr val="tx1">
                     <a:lumMod val="65000"/>
@@ -8145,7 +8107,7 @@
           <a:lstStyle/>
           <a:p>
             <a:r>
-              <a:rPr lang="en-US" altLang="ja-JP" sz="500" dirty="0" smtClean="0">
+              <a:rPr lang="en-US" altLang="ja-JP" sz="500" dirty="0">
                 <a:solidFill>
                   <a:schemeClr val="tx1">
                     <a:lumMod val="65000"/>
@@ -8189,7 +8151,7 @@
           <a:lstStyle/>
           <a:p>
             <a:r>
-              <a:rPr lang="en-US" altLang="ja-JP" sz="500" dirty="0" smtClean="0">
+              <a:rPr lang="en-US" altLang="ja-JP" sz="500" dirty="0">
                 <a:solidFill>
                   <a:schemeClr val="tx1">
                     <a:lumMod val="65000"/>
@@ -8290,8 +8252,8 @@
           </a:stretch>
         </p:blipFill>
         <p:spPr>
-          <a:xfrm rot="10800000">
-            <a:off x="3045140" y="2009531"/>
+          <a:xfrm>
+            <a:off x="3010020" y="1983447"/>
             <a:ext cx="848870" cy="682753"/>
           </a:xfrm>
           <a:prstGeom prst="rect">
@@ -8389,7 +8351,7 @@
           <a:lstStyle/>
           <a:p>
             <a:r>
-              <a:rPr lang="en-US" altLang="ja-JP" sz="400" b="1" dirty="0" smtClean="0">
+              <a:rPr lang="en-US" altLang="ja-JP" sz="400" b="1" dirty="0">
                 <a:solidFill>
                   <a:schemeClr val="bg1"/>
                 </a:solidFill>
@@ -8431,7 +8393,7 @@
           <a:lstStyle/>
           <a:p>
             <a:r>
-              <a:rPr lang="ja-JP" altLang="en-US" sz="2800" dirty="0" smtClean="0">
+              <a:rPr lang="ja-JP" altLang="en-US" sz="2800" dirty="0">
                 <a:solidFill>
                   <a:schemeClr val="bg1"/>
                 </a:solidFill>
@@ -8440,13 +8402,6 @@
               </a:rPr>
               <a:t>宗中アルテミス</a:t>
             </a:r>
-            <a:endParaRPr lang="ja-JP" altLang="en-US" sz="2800" dirty="0">
-              <a:solidFill>
-                <a:schemeClr val="bg1"/>
-              </a:solidFill>
-              <a:latin typeface="源ノ角ゴシック Code JP R" panose="020B0500000000000000" pitchFamily="34" charset="-128"/>
-              <a:ea typeface="源ノ角ゴシック Code JP R" panose="020B0500000000000000" pitchFamily="34" charset="-128"/>
-            </a:endParaRPr>
           </a:p>
         </p:txBody>
       </p:sp>
@@ -8546,7 +8501,7 @@
           <a:lstStyle/>
           <a:p>
             <a:r>
-              <a:rPr lang="en-US" altLang="ja-JP" sz="780" dirty="0" smtClean="0">
+              <a:rPr lang="en-US" altLang="ja-JP" sz="780" dirty="0">
                 <a:solidFill>
                   <a:schemeClr val="bg1"/>
                 </a:solidFill>
@@ -8588,7 +8543,7 @@
           <a:lstStyle/>
           <a:p>
             <a:r>
-              <a:rPr lang="en-US" altLang="ja-JP" sz="700" dirty="0" smtClean="0">
+              <a:rPr lang="en-US" altLang="ja-JP" sz="700" dirty="0">
                 <a:solidFill>
                   <a:schemeClr val="bg1"/>
                 </a:solidFill>
@@ -8837,49 +8792,19 @@
                 <a:latin typeface="源ノ角ゴシック Code JP M" panose="020B0600000000000000" pitchFamily="34" charset="-128"/>
                 <a:ea typeface="源ノ角ゴシック Code JP M" panose="020B0600000000000000" pitchFamily="34" charset="-128"/>
               </a:rPr>
-              <a:t>6</a:t>
-            </a:r>
-            <a:r>
-              <a:rPr lang="en-US" altLang="ja-JP" sz="445" b="1" dirty="0" smtClean="0">
+              <a:t>6ch Motor Control Board</a:t>
+            </a:r>
+          </a:p>
+          <a:p>
+            <a:r>
+              <a:rPr lang="en-US" altLang="ja-JP" sz="445" b="1" dirty="0">
                 <a:solidFill>
                   <a:schemeClr val="bg1"/>
                 </a:solidFill>
                 <a:latin typeface="源ノ角ゴシック Code JP M" panose="020B0600000000000000" pitchFamily="34" charset="-128"/>
                 <a:ea typeface="源ノ角ゴシック Code JP M" panose="020B0600000000000000" pitchFamily="34" charset="-128"/>
               </a:rPr>
-              <a:t>ch </a:t>
-            </a:r>
-            <a:r>
-              <a:rPr lang="en-US" altLang="ja-JP" sz="445" b="1" dirty="0">
-                <a:solidFill>
-                  <a:schemeClr val="bg1"/>
-                </a:solidFill>
-                <a:latin typeface="源ノ角ゴシック Code JP M" panose="020B0600000000000000" pitchFamily="34" charset="-128"/>
-                <a:ea typeface="源ノ角ゴシック Code JP M" panose="020B0600000000000000" pitchFamily="34" charset="-128"/>
-              </a:rPr>
-              <a:t>Motor Control Board</a:t>
-            </a:r>
-          </a:p>
-          <a:p>
-            <a:r>
-              <a:rPr lang="en-US" altLang="ja-JP" sz="445" b="1" dirty="0">
-                <a:solidFill>
-                  <a:schemeClr val="bg1"/>
-                </a:solidFill>
-                <a:latin typeface="源ノ角ゴシック Code JP M" panose="020B0600000000000000" pitchFamily="34" charset="-128"/>
-                <a:ea typeface="源ノ角ゴシック Code JP M" panose="020B0600000000000000" pitchFamily="34" charset="-128"/>
-              </a:rPr>
-              <a:t>      (DAISEN </a:t>
-            </a:r>
-            <a:r>
-              <a:rPr lang="en-US" altLang="ja-JP" sz="445" b="1" dirty="0" smtClean="0">
-                <a:solidFill>
-                  <a:schemeClr val="bg1"/>
-                </a:solidFill>
-                <a:latin typeface="源ノ角ゴシック Code JP M" panose="020B0600000000000000" pitchFamily="34" charset="-128"/>
-                <a:ea typeface="源ノ角ゴシック Code JP M" panose="020B0600000000000000" pitchFamily="34" charset="-128"/>
-              </a:rPr>
-              <a:t>DSR-1203) </a:t>
+              <a:t>      (DAISEN DSR-1203) </a:t>
             </a:r>
             <a:endParaRPr lang="ja-JP" altLang="en-US" sz="334" b="1" dirty="0">
               <a:solidFill>
@@ -9114,7 +9039,7 @@
           <a:lstStyle/>
           <a:p>
             <a:r>
-              <a:rPr lang="en-US" altLang="ja-JP" sz="600" b="1" dirty="0" smtClean="0">
+              <a:rPr lang="en-US" altLang="ja-JP" sz="600" b="1" dirty="0">
                 <a:solidFill>
                   <a:schemeClr val="bg1"/>
                 </a:solidFill>
@@ -9468,7 +9393,7 @@
           <a:lstStyle/>
           <a:p>
             <a:r>
-              <a:rPr lang="en-US" altLang="ja-JP" sz="780" dirty="0" smtClean="0">
+              <a:rPr lang="en-US" altLang="ja-JP" sz="780" dirty="0">
                 <a:solidFill>
                   <a:schemeClr val="bg1"/>
                 </a:solidFill>
@@ -9510,7 +9435,7 @@
           <a:lstStyle/>
           <a:p>
             <a:r>
-              <a:rPr lang="en-US" altLang="ja-JP" sz="700" dirty="0" smtClean="0">
+              <a:rPr lang="en-US" altLang="ja-JP" sz="700" dirty="0">
                 <a:solidFill>
                   <a:schemeClr val="bg1"/>
                 </a:solidFill>
@@ -10081,7 +10006,7 @@
           <a:lstStyle/>
           <a:p>
             <a:r>
-              <a:rPr lang="en-US" altLang="ja-JP" sz="891" b="1" dirty="0" smtClean="0">
+              <a:rPr lang="en-US" altLang="ja-JP" sz="891" b="1" dirty="0">
                 <a:solidFill>
                   <a:schemeClr val="bg1"/>
                 </a:solidFill>
@@ -10708,7 +10633,7 @@
           <a:lstStyle/>
           <a:p>
             <a:r>
-              <a:rPr lang="en-US" altLang="ja-JP" sz="800" b="1" dirty="0" smtClean="0">
+              <a:rPr lang="en-US" altLang="ja-JP" sz="800" b="1" dirty="0">
                 <a:solidFill>
                   <a:schemeClr val="bg1"/>
                 </a:solidFill>
@@ -10809,7 +10734,7 @@
           <a:lstStyle/>
           <a:p>
             <a:r>
-              <a:rPr lang="en-US" altLang="ja-JP" sz="800" b="1" dirty="0" smtClean="0">
+              <a:rPr lang="en-US" altLang="ja-JP" sz="800" b="1" dirty="0">
                 <a:solidFill>
                   <a:schemeClr val="bg1"/>
                 </a:solidFill>
@@ -10969,7 +10894,7 @@
           <a:lstStyle/>
           <a:p>
             <a:r>
-              <a:rPr lang="en-US" altLang="ja-JP" sz="668" dirty="0" smtClean="0">
+              <a:rPr lang="en-US" altLang="ja-JP" sz="668" dirty="0">
                 <a:solidFill>
                   <a:schemeClr val="tx1">
                     <a:lumMod val="65000"/>
@@ -11102,7 +11027,7 @@
           <a:lstStyle/>
           <a:p>
             <a:r>
-              <a:rPr lang="en-US" altLang="ja-JP" sz="668" dirty="0" smtClean="0">
+              <a:rPr lang="en-US" altLang="ja-JP" sz="668" dirty="0">
                 <a:solidFill>
                   <a:schemeClr val="tx1">
                     <a:lumMod val="65000"/>
@@ -11205,7 +11130,7 @@
           <a:lstStyle/>
           <a:p>
             <a:r>
-              <a:rPr lang="en-US" altLang="ja-JP" sz="600" b="1" dirty="0" smtClean="0">
+              <a:rPr lang="en-US" altLang="ja-JP" sz="600" b="1" dirty="0">
                 <a:solidFill>
                   <a:schemeClr val="bg1"/>
                 </a:solidFill>
@@ -11336,7 +11261,7 @@
           <a:lstStyle/>
           <a:p>
             <a:r>
-              <a:rPr lang="en-US" altLang="ja-JP" sz="668" dirty="0" smtClean="0">
+              <a:rPr lang="en-US" altLang="ja-JP" sz="668" dirty="0">
                 <a:solidFill>
                   <a:schemeClr val="tx1">
                     <a:lumMod val="65000"/>
@@ -11528,7 +11453,7 @@
           <a:lstStyle/>
           <a:p>
             <a:r>
-              <a:rPr lang="en-US" altLang="ja-JP" sz="668" dirty="0" smtClean="0">
+              <a:rPr lang="en-US" altLang="ja-JP" sz="668" dirty="0">
                 <a:solidFill>
                   <a:schemeClr val="tx1">
                     <a:lumMod val="65000"/>
@@ -11572,7 +11497,7 @@
           <a:lstStyle/>
           <a:p>
             <a:r>
-              <a:rPr lang="en-US" altLang="ja-JP" sz="800" b="1" dirty="0" smtClean="0">
+              <a:rPr lang="en-US" altLang="ja-JP" sz="800" b="1" dirty="0">
                 <a:solidFill>
                   <a:schemeClr val="bg1"/>
                 </a:solidFill>
@@ -11692,7 +11617,7 @@
           <a:p>
             <a:pPr algn="ctr"/>
             <a:r>
-              <a:rPr lang="en-US" altLang="ja-JP" sz="400" b="1" dirty="0" smtClean="0">
+              <a:rPr lang="en-US" altLang="ja-JP" sz="400" b="1" dirty="0">
                 <a:solidFill>
                   <a:schemeClr val="tx1">
                     <a:lumMod val="65000"/>
@@ -11708,7 +11633,7 @@
           <a:p>
             <a:pPr algn="ctr"/>
             <a:r>
-              <a:rPr lang="en-US" altLang="ja-JP" sz="400" b="1" dirty="0" smtClean="0">
+              <a:rPr lang="en-US" altLang="ja-JP" sz="400" b="1" dirty="0">
                 <a:solidFill>
                   <a:schemeClr val="tx1">
                     <a:lumMod val="65000"/>
@@ -11886,7 +11811,7 @@
           <a:lstStyle/>
           <a:p>
             <a:r>
-              <a:rPr lang="en-US" altLang="ja-JP" sz="668" dirty="0" smtClean="0">
+              <a:rPr lang="en-US" altLang="ja-JP" sz="668" dirty="0">
                 <a:solidFill>
                   <a:schemeClr val="tx1">
                     <a:lumMod val="65000"/>
@@ -11930,7 +11855,7 @@
           <a:lstStyle/>
           <a:p>
             <a:r>
-              <a:rPr lang="en-US" altLang="ja-JP" sz="668" dirty="0" smtClean="0">
+              <a:rPr lang="en-US" altLang="ja-JP" sz="668" dirty="0">
                 <a:solidFill>
                   <a:schemeClr val="tx1">
                     <a:lumMod val="65000"/>
@@ -11974,7 +11899,7 @@
           <a:lstStyle/>
           <a:p>
             <a:r>
-              <a:rPr lang="en-US" altLang="ja-JP" sz="668" dirty="0" smtClean="0">
+              <a:rPr lang="en-US" altLang="ja-JP" sz="668" dirty="0">
                 <a:solidFill>
                   <a:schemeClr val="tx1">
                     <a:lumMod val="65000"/>
@@ -12018,7 +11943,7 @@
           <a:lstStyle/>
           <a:p>
             <a:r>
-              <a:rPr lang="en-US" altLang="ja-JP" sz="668" dirty="0" smtClean="0">
+              <a:rPr lang="en-US" altLang="ja-JP" sz="668" dirty="0">
                 <a:solidFill>
                   <a:schemeClr val="tx1">
                     <a:lumMod val="65000"/>
@@ -12063,7 +11988,7 @@
           <a:p>
             <a:pPr algn="ctr"/>
             <a:r>
-              <a:rPr lang="en-US" altLang="ja-JP" sz="600" b="1" dirty="0" smtClean="0">
+              <a:rPr lang="en-US" altLang="ja-JP" sz="600" b="1" dirty="0">
                 <a:solidFill>
                   <a:schemeClr val="tx1">
                     <a:lumMod val="65000"/>
@@ -12454,7 +12379,7 @@
               </a:rPr>
               <a:t>　　</a:t>
             </a:r>
-            <a:endParaRPr lang="en-US" altLang="ja-JP" sz="1200" dirty="0" smtClean="0">
+            <a:endParaRPr lang="en-US" altLang="ja-JP" sz="1200" dirty="0">
               <a:solidFill>
                 <a:schemeClr val="bg1"/>
               </a:solidFill>
@@ -12464,45 +12389,54 @@
           </a:p>
           <a:p>
             <a:r>
-              <a:rPr lang="ja-JP" altLang="en-US" sz="1200" dirty="0" smtClean="0">
+              <a:rPr lang="ja-JP" altLang="en-US" sz="1200" dirty="0">
                 <a:solidFill>
                   <a:schemeClr val="bg1"/>
                 </a:solidFill>
                 <a:latin typeface="源ノ角ゴシック Code JP L" panose="020B0300000000000000" pitchFamily="34" charset="-128"/>
                 <a:ea typeface="源ノ角ゴシック Code JP L" panose="020B0300000000000000" pitchFamily="34" charset="-128"/>
               </a:rPr>
-              <a:t>これ</a:t>
-            </a:r>
-            <a:r>
-              <a:rPr lang="ja-JP" altLang="en-US" sz="1200" dirty="0">
+              <a:t>これまでは、電源を</a:t>
+            </a:r>
+            <a:r>
+              <a:rPr lang="en-US" altLang="ja-JP" sz="1200" dirty="0">
                 <a:solidFill>
                   <a:schemeClr val="bg1"/>
                 </a:solidFill>
                 <a:latin typeface="源ノ角ゴシック Code JP L" panose="020B0300000000000000" pitchFamily="34" charset="-128"/>
                 <a:ea typeface="源ノ角ゴシック Code JP L" panose="020B0300000000000000" pitchFamily="34" charset="-128"/>
               </a:rPr>
-              <a:t>までは、電源を</a:t>
-            </a:r>
-            <a:r>
-              <a:rPr lang="en-US" altLang="ja-JP" sz="1200" dirty="0">
+              <a:t>1</a:t>
+            </a:r>
+            <a:r>
+              <a:rPr lang="ja-JP" altLang="en-US" sz="1200" dirty="0" err="1">
                 <a:solidFill>
                   <a:schemeClr val="bg1"/>
                 </a:solidFill>
                 <a:latin typeface="源ノ角ゴシック Code JP L" panose="020B0300000000000000" pitchFamily="34" charset="-128"/>
                 <a:ea typeface="源ノ角ゴシック Code JP L" panose="020B0300000000000000" pitchFamily="34" charset="-128"/>
               </a:rPr>
-              <a:t>1</a:t>
-            </a:r>
-            <a:r>
-              <a:rPr lang="ja-JP" altLang="en-US" sz="1200" dirty="0" err="1">
+              <a:t>つの</a:t>
+            </a:r>
+            <a:r>
+              <a:rPr lang="ja-JP" altLang="en-US" sz="1200" dirty="0">
                 <a:solidFill>
                   <a:schemeClr val="bg1"/>
                 </a:solidFill>
                 <a:latin typeface="源ノ角ゴシック Code JP L" panose="020B0300000000000000" pitchFamily="34" charset="-128"/>
                 <a:ea typeface="源ノ角ゴシック Code JP L" panose="020B0300000000000000" pitchFamily="34" charset="-128"/>
               </a:rPr>
-              <a:t>つの</a:t>
-            </a:r>
+              <a:t>バッテリーから取ると、</a:t>
+            </a:r>
+            <a:endParaRPr lang="en-US" altLang="ja-JP" sz="1200" dirty="0">
+              <a:solidFill>
+                <a:schemeClr val="bg1"/>
+              </a:solidFill>
+              <a:latin typeface="源ノ角ゴシック Code JP L" panose="020B0300000000000000" pitchFamily="34" charset="-128"/>
+              <a:ea typeface="源ノ角ゴシック Code JP L" panose="020B0300000000000000" pitchFamily="34" charset="-128"/>
+            </a:endParaRPr>
+          </a:p>
+          <a:p>
             <a:r>
               <a:rPr lang="ja-JP" altLang="en-US" sz="1200" dirty="0">
                 <a:solidFill>
@@ -12511,19 +12445,28 @@
                 <a:latin typeface="源ノ角ゴシック Code JP L" panose="020B0300000000000000" pitchFamily="34" charset="-128"/>
                 <a:ea typeface="源ノ角ゴシック Code JP L" panose="020B0300000000000000" pitchFamily="34" charset="-128"/>
               </a:rPr>
-              <a:t>バッテリーから取ると</a:t>
-            </a:r>
-            <a:r>
-              <a:rPr lang="ja-JP" altLang="en-US" sz="1200" dirty="0" smtClean="0">
+              <a:t>モータの電圧降下により、制御部分のリセットが</a:t>
+            </a:r>
+            <a:endParaRPr lang="en-US" altLang="ja-JP" sz="1200" dirty="0">
+              <a:solidFill>
+                <a:schemeClr val="bg1"/>
+              </a:solidFill>
+              <a:latin typeface="源ノ角ゴシック Code JP L" panose="020B0300000000000000" pitchFamily="34" charset="-128"/>
+              <a:ea typeface="源ノ角ゴシック Code JP L" panose="020B0300000000000000" pitchFamily="34" charset="-128"/>
+            </a:endParaRPr>
+          </a:p>
+          <a:p>
+            <a:r>
+              <a:rPr lang="ja-JP" altLang="en-US" sz="1200" dirty="0">
                 <a:solidFill>
                   <a:schemeClr val="bg1"/>
                 </a:solidFill>
                 <a:latin typeface="源ノ角ゴシック Code JP L" panose="020B0300000000000000" pitchFamily="34" charset="-128"/>
                 <a:ea typeface="源ノ角ゴシック Code JP L" panose="020B0300000000000000" pitchFamily="34" charset="-128"/>
               </a:rPr>
-              <a:t>、</a:t>
-            </a:r>
-            <a:endParaRPr lang="en-US" altLang="ja-JP" sz="1200" dirty="0" smtClean="0">
+              <a:t>かかるという問題があったため、電源を制御用、</a:t>
+            </a:r>
+            <a:endParaRPr lang="en-US" altLang="ja-JP" sz="1200" dirty="0">
               <a:solidFill>
                 <a:schemeClr val="bg1"/>
               </a:solidFill>
@@ -12533,34 +12476,34 @@
           </a:p>
           <a:p>
             <a:r>
-              <a:rPr lang="ja-JP" altLang="en-US" sz="1200" dirty="0" smtClean="0">
+              <a:rPr lang="ja-JP" altLang="en-US" sz="1200" dirty="0">
                 <a:solidFill>
                   <a:schemeClr val="bg1"/>
                 </a:solidFill>
                 <a:latin typeface="源ノ角ゴシック Code JP L" panose="020B0300000000000000" pitchFamily="34" charset="-128"/>
                 <a:ea typeface="源ノ角ゴシック Code JP L" panose="020B0300000000000000" pitchFamily="34" charset="-128"/>
               </a:rPr>
-              <a:t>モータ</a:t>
-            </a:r>
-            <a:r>
-              <a:rPr lang="ja-JP" altLang="en-US" sz="1200" dirty="0">
+              <a:t>駆動用と</a:t>
+            </a:r>
+            <a:r>
+              <a:rPr lang="en-US" altLang="ja-JP" sz="1200" dirty="0">
                 <a:solidFill>
                   <a:schemeClr val="bg1"/>
                 </a:solidFill>
                 <a:latin typeface="源ノ角ゴシック Code JP L" panose="020B0300000000000000" pitchFamily="34" charset="-128"/>
                 <a:ea typeface="源ノ角ゴシック Code JP L" panose="020B0300000000000000" pitchFamily="34" charset="-128"/>
               </a:rPr>
-              <a:t>の電圧降下により</a:t>
-            </a:r>
-            <a:r>
-              <a:rPr lang="ja-JP" altLang="en-US" sz="1200" dirty="0" smtClean="0">
+              <a:t>2</a:t>
+            </a:r>
+            <a:r>
+              <a:rPr lang="ja-JP" altLang="en-US" sz="1200" dirty="0" err="1">
                 <a:solidFill>
                   <a:schemeClr val="bg1"/>
                 </a:solidFill>
                 <a:latin typeface="源ノ角ゴシック Code JP L" panose="020B0300000000000000" pitchFamily="34" charset="-128"/>
                 <a:ea typeface="源ノ角ゴシック Code JP L" panose="020B0300000000000000" pitchFamily="34" charset="-128"/>
               </a:rPr>
-              <a:t>、制</a:t>
+              <a:t>つに</a:t>
             </a:r>
             <a:r>
               <a:rPr lang="ja-JP" altLang="en-US" sz="1200" dirty="0">
@@ -12570,19 +12513,48 @@
                 <a:latin typeface="源ノ角ゴシック Code JP L" panose="020B0300000000000000" pitchFamily="34" charset="-128"/>
                 <a:ea typeface="源ノ角ゴシック Code JP L" panose="020B0300000000000000" pitchFamily="34" charset="-128"/>
               </a:rPr>
-              <a:t>御部分</a:t>
-            </a:r>
-            <a:r>
-              <a:rPr lang="ja-JP" altLang="en-US" sz="1200" dirty="0" smtClean="0">
+              <a:t>分ける必要がありました。</a:t>
+            </a:r>
+            <a:endParaRPr lang="en-US" altLang="ja-JP" sz="1200" dirty="0">
+              <a:solidFill>
+                <a:schemeClr val="bg1"/>
+              </a:solidFill>
+              <a:latin typeface="源ノ角ゴシック Code JP L" panose="020B0300000000000000" pitchFamily="34" charset="-128"/>
+              <a:ea typeface="源ノ角ゴシック Code JP L" panose="020B0300000000000000" pitchFamily="34" charset="-128"/>
+            </a:endParaRPr>
+          </a:p>
+          <a:p>
+            <a:r>
+              <a:rPr lang="ja-JP" altLang="en-US" sz="1200" dirty="0">
                 <a:solidFill>
                   <a:schemeClr val="bg1"/>
                 </a:solidFill>
                 <a:latin typeface="源ノ角ゴシック Code JP L" panose="020B0300000000000000" pitchFamily="34" charset="-128"/>
                 <a:ea typeface="源ノ角ゴシック Code JP L" panose="020B0300000000000000" pitchFamily="34" charset="-128"/>
               </a:rPr>
-              <a:t>のリセットが</a:t>
-            </a:r>
-            <a:endParaRPr lang="en-US" altLang="ja-JP" sz="1200" dirty="0" smtClean="0">
+              <a:t>今年は、安定化に</a:t>
+            </a:r>
+            <a:r>
+              <a:rPr lang="en-US" altLang="ja-JP" sz="1200" dirty="0">
+                <a:solidFill>
+                  <a:schemeClr val="bg1"/>
+                </a:solidFill>
+                <a:latin typeface="源ノ角ゴシック Code JP L" panose="020B0300000000000000" pitchFamily="34" charset="-128"/>
+                <a:ea typeface="源ノ角ゴシック Code JP L" panose="020B0300000000000000" pitchFamily="34" charset="-128"/>
+              </a:rPr>
+              <a:t>DCDC</a:t>
+            </a:r>
+            <a:r>
+              <a:rPr lang="ja-JP" altLang="en-US" sz="1200" dirty="0">
+                <a:solidFill>
+                  <a:schemeClr val="bg1"/>
+                </a:solidFill>
+                <a:latin typeface="源ノ角ゴシック Code JP L" panose="020B0300000000000000" pitchFamily="34" charset="-128"/>
+                <a:ea typeface="源ノ角ゴシック Code JP L" panose="020B0300000000000000" pitchFamily="34" charset="-128"/>
+              </a:rPr>
+              <a:t>コンバータを</a:t>
+            </a:r>
+            <a:endParaRPr lang="en-US" altLang="ja-JP" sz="1200" dirty="0">
               <a:solidFill>
                 <a:schemeClr val="bg1"/>
               </a:solidFill>
@@ -12592,36 +12564,36 @@
           </a:p>
           <a:p>
             <a:r>
-              <a:rPr lang="ja-JP" altLang="en-US" sz="1200" dirty="0" smtClean="0">
+              <a:rPr lang="ja-JP" altLang="en-US" sz="1200" dirty="0">
                 <a:solidFill>
                   <a:schemeClr val="bg1"/>
                 </a:solidFill>
                 <a:latin typeface="源ノ角ゴシック Code JP L" panose="020B0300000000000000" pitchFamily="34" charset="-128"/>
                 <a:ea typeface="源ノ角ゴシック Code JP L" panose="020B0300000000000000" pitchFamily="34" charset="-128"/>
               </a:rPr>
-              <a:t>かかる</a:t>
-            </a:r>
-            <a:r>
-              <a:rPr lang="ja-JP" altLang="en-US" sz="1200" dirty="0">
+              <a:t>採用することで、</a:t>
+            </a:r>
+            <a:r>
+              <a:rPr lang="en-US" altLang="ja-JP" sz="1200" dirty="0">
                 <a:solidFill>
                   <a:schemeClr val="bg1"/>
                 </a:solidFill>
                 <a:latin typeface="源ノ角ゴシック Code JP L" panose="020B0300000000000000" pitchFamily="34" charset="-128"/>
                 <a:ea typeface="源ノ角ゴシック Code JP L" panose="020B0300000000000000" pitchFamily="34" charset="-128"/>
               </a:rPr>
-              <a:t>という問題があったため、電源</a:t>
-            </a:r>
-            <a:r>
-              <a:rPr lang="ja-JP" altLang="en-US" sz="1200" dirty="0" smtClean="0">
+              <a:t>1</a:t>
+            </a:r>
+            <a:r>
+              <a:rPr lang="ja-JP" altLang="en-US" sz="1200" dirty="0" err="1">
                 <a:solidFill>
                   <a:schemeClr val="bg1"/>
                 </a:solidFill>
                 <a:latin typeface="源ノ角ゴシック Code JP L" panose="020B0300000000000000" pitchFamily="34" charset="-128"/>
                 <a:ea typeface="源ノ角ゴシック Code JP L" panose="020B0300000000000000" pitchFamily="34" charset="-128"/>
               </a:rPr>
-              <a:t>を制御用、</a:t>
-            </a:r>
-            <a:endParaRPr lang="en-US" altLang="ja-JP" sz="1200" dirty="0" smtClean="0">
+              <a:t>つの</a:t>
+            </a:r>
+            <a:endParaRPr lang="en-US" altLang="ja-JP" sz="1200" dirty="0">
               <a:solidFill>
                 <a:schemeClr val="bg1"/>
               </a:solidFill>
@@ -12631,15 +12603,24 @@
           </a:p>
           <a:p>
             <a:r>
-              <a:rPr lang="ja-JP" altLang="en-US" sz="1200" dirty="0" smtClean="0">
+              <a:rPr lang="ja-JP" altLang="en-US" sz="1200" dirty="0">
                 <a:solidFill>
                   <a:schemeClr val="bg1"/>
                 </a:solidFill>
                 <a:latin typeface="源ノ角ゴシック Code JP L" panose="020B0300000000000000" pitchFamily="34" charset="-128"/>
                 <a:ea typeface="源ノ角ゴシック Code JP L" panose="020B0300000000000000" pitchFamily="34" charset="-128"/>
               </a:rPr>
-              <a:t>駆動用</a:t>
-            </a:r>
+              <a:t>バッテリーから電源を取って</a:t>
+            </a:r>
+            <a:endParaRPr lang="en-US" altLang="ja-JP" sz="1200" dirty="0">
+              <a:solidFill>
+                <a:schemeClr val="bg1"/>
+              </a:solidFill>
+              <a:latin typeface="源ノ角ゴシック Code JP L" panose="020B0300000000000000" pitchFamily="34" charset="-128"/>
+              <a:ea typeface="源ノ角ゴシック Code JP L" panose="020B0300000000000000" pitchFamily="34" charset="-128"/>
+            </a:endParaRPr>
+          </a:p>
+          <a:p>
             <a:r>
               <a:rPr lang="ja-JP" altLang="en-US" sz="1200" dirty="0">
                 <a:solidFill>
@@ -12648,38 +12629,74 @@
                 <a:latin typeface="源ノ角ゴシック Code JP L" panose="020B0300000000000000" pitchFamily="34" charset="-128"/>
                 <a:ea typeface="源ノ角ゴシック Code JP L" panose="020B0300000000000000" pitchFamily="34" charset="-128"/>
               </a:rPr>
-              <a:t>と</a:t>
-            </a:r>
-            <a:r>
-              <a:rPr lang="en-US" altLang="ja-JP" sz="1200" dirty="0">
+              <a:t>もモータの電圧降下による</a:t>
+            </a:r>
+            <a:endParaRPr lang="en-US" altLang="ja-JP" sz="1200" dirty="0">
+              <a:solidFill>
+                <a:schemeClr val="bg1"/>
+              </a:solidFill>
+              <a:latin typeface="源ノ角ゴシック Code JP L" panose="020B0300000000000000" pitchFamily="34" charset="-128"/>
+              <a:ea typeface="源ノ角ゴシック Code JP L" panose="020B0300000000000000" pitchFamily="34" charset="-128"/>
+            </a:endParaRPr>
+          </a:p>
+          <a:p>
+            <a:r>
+              <a:rPr lang="ja-JP" altLang="en-US" sz="1200" dirty="0">
                 <a:solidFill>
                   <a:schemeClr val="bg1"/>
                 </a:solidFill>
                 <a:latin typeface="源ノ角ゴシック Code JP L" panose="020B0300000000000000" pitchFamily="34" charset="-128"/>
                 <a:ea typeface="源ノ角ゴシック Code JP L" panose="020B0300000000000000" pitchFamily="34" charset="-128"/>
               </a:rPr>
-              <a:t>2</a:t>
-            </a:r>
-            <a:r>
-              <a:rPr lang="ja-JP" altLang="en-US" sz="1200" dirty="0" err="1" smtClean="0">
+              <a:t>制御部分のリセットに対応</a:t>
+            </a:r>
+            <a:endParaRPr lang="en-US" altLang="ja-JP" sz="1200" dirty="0">
+              <a:solidFill>
+                <a:schemeClr val="bg1"/>
+              </a:solidFill>
+              <a:latin typeface="源ノ角ゴシック Code JP L" panose="020B0300000000000000" pitchFamily="34" charset="-128"/>
+              <a:ea typeface="源ノ角ゴシック Code JP L" panose="020B0300000000000000" pitchFamily="34" charset="-128"/>
+            </a:endParaRPr>
+          </a:p>
+          <a:p>
+            <a:r>
+              <a:rPr lang="ja-JP" altLang="en-US" sz="1200" dirty="0">
                 <a:solidFill>
                   <a:schemeClr val="bg1"/>
                 </a:solidFill>
                 <a:latin typeface="源ノ角ゴシック Code JP L" panose="020B0300000000000000" pitchFamily="34" charset="-128"/>
                 <a:ea typeface="源ノ角ゴシック Code JP L" panose="020B0300000000000000" pitchFamily="34" charset="-128"/>
               </a:rPr>
-              <a:t>つに</a:t>
-            </a:r>
-            <a:r>
-              <a:rPr lang="ja-JP" altLang="en-US" sz="1200" dirty="0" smtClean="0">
+              <a:t>しました。これにより、</a:t>
+            </a:r>
+            <a:endParaRPr lang="en-US" altLang="ja-JP" sz="1200" dirty="0">
+              <a:solidFill>
+                <a:schemeClr val="bg1"/>
+              </a:solidFill>
+              <a:latin typeface="源ノ角ゴシック Code JP L" panose="020B0300000000000000" pitchFamily="34" charset="-128"/>
+              <a:ea typeface="源ノ角ゴシック Code JP L" panose="020B0300000000000000" pitchFamily="34" charset="-128"/>
+            </a:endParaRPr>
+          </a:p>
+          <a:p>
+            <a:r>
+              <a:rPr lang="ja-JP" altLang="en-US" sz="1200" dirty="0">
                 <a:solidFill>
                   <a:schemeClr val="bg1"/>
                 </a:solidFill>
                 <a:latin typeface="源ノ角ゴシック Code JP L" panose="020B0300000000000000" pitchFamily="34" charset="-128"/>
                 <a:ea typeface="源ノ角ゴシック Code JP L" panose="020B0300000000000000" pitchFamily="34" charset="-128"/>
               </a:rPr>
-              <a:t>分ける</a:t>
-            </a:r>
+              <a:t>回路の簡易化、基板の</a:t>
+            </a:r>
+            <a:endParaRPr lang="en-US" altLang="ja-JP" sz="1200" dirty="0">
+              <a:solidFill>
+                <a:schemeClr val="bg1"/>
+              </a:solidFill>
+              <a:latin typeface="源ノ角ゴシック Code JP L" panose="020B0300000000000000" pitchFamily="34" charset="-128"/>
+              <a:ea typeface="源ノ角ゴシック Code JP L" panose="020B0300000000000000" pitchFamily="34" charset="-128"/>
+            </a:endParaRPr>
+          </a:p>
+          <a:p>
             <a:r>
               <a:rPr lang="ja-JP" altLang="en-US" sz="1200" dirty="0">
                 <a:solidFill>
@@ -12688,426 +12705,27 @@
                 <a:latin typeface="源ノ角ゴシック Code JP L" panose="020B0300000000000000" pitchFamily="34" charset="-128"/>
                 <a:ea typeface="源ノ角ゴシック Code JP L" panose="020B0300000000000000" pitchFamily="34" charset="-128"/>
               </a:rPr>
-              <a:t>必要がありました</a:t>
-            </a:r>
-            <a:r>
-              <a:rPr lang="ja-JP" altLang="en-US" sz="1200" dirty="0" smtClean="0">
+              <a:t>省スペース化を実現</a:t>
+            </a:r>
+            <a:endParaRPr lang="en-US" altLang="ja-JP" sz="1200" dirty="0">
+              <a:solidFill>
+                <a:schemeClr val="bg1"/>
+              </a:solidFill>
+              <a:latin typeface="源ノ角ゴシック Code JP L" panose="020B0300000000000000" pitchFamily="34" charset="-128"/>
+              <a:ea typeface="源ノ角ゴシック Code JP L" panose="020B0300000000000000" pitchFamily="34" charset="-128"/>
+            </a:endParaRPr>
+          </a:p>
+          <a:p>
+            <a:r>
+              <a:rPr lang="ja-JP" altLang="en-US" sz="1200" dirty="0">
                 <a:solidFill>
                   <a:schemeClr val="bg1"/>
                 </a:solidFill>
                 <a:latin typeface="源ノ角ゴシック Code JP L" panose="020B0300000000000000" pitchFamily="34" charset="-128"/>
                 <a:ea typeface="源ノ角ゴシック Code JP L" panose="020B0300000000000000" pitchFamily="34" charset="-128"/>
               </a:rPr>
-              <a:t>。</a:t>
-            </a:r>
-            <a:endParaRPr lang="en-US" altLang="ja-JP" sz="1200" dirty="0" smtClean="0">
-              <a:solidFill>
-                <a:schemeClr val="bg1"/>
-              </a:solidFill>
-              <a:latin typeface="源ノ角ゴシック Code JP L" panose="020B0300000000000000" pitchFamily="34" charset="-128"/>
-              <a:ea typeface="源ノ角ゴシック Code JP L" panose="020B0300000000000000" pitchFamily="34" charset="-128"/>
-            </a:endParaRPr>
-          </a:p>
-          <a:p>
-            <a:r>
-              <a:rPr lang="ja-JP" altLang="en-US" sz="1200" dirty="0" smtClean="0">
-                <a:solidFill>
-                  <a:schemeClr val="bg1"/>
-                </a:solidFill>
-                <a:latin typeface="源ノ角ゴシック Code JP L" panose="020B0300000000000000" pitchFamily="34" charset="-128"/>
-                <a:ea typeface="源ノ角ゴシック Code JP L" panose="020B0300000000000000" pitchFamily="34" charset="-128"/>
-              </a:rPr>
-              <a:t>今年</a:t>
-            </a:r>
-            <a:r>
-              <a:rPr lang="ja-JP" altLang="en-US" sz="1200" dirty="0">
-                <a:solidFill>
-                  <a:schemeClr val="bg1"/>
-                </a:solidFill>
-                <a:latin typeface="源ノ角ゴシック Code JP L" panose="020B0300000000000000" pitchFamily="34" charset="-128"/>
-                <a:ea typeface="源ノ角ゴシック Code JP L" panose="020B0300000000000000" pitchFamily="34" charset="-128"/>
-              </a:rPr>
-              <a:t>は</a:t>
-            </a:r>
-            <a:r>
-              <a:rPr lang="ja-JP" altLang="en-US" sz="1200" dirty="0" smtClean="0">
-                <a:solidFill>
-                  <a:schemeClr val="bg1"/>
-                </a:solidFill>
-                <a:latin typeface="源ノ角ゴシック Code JP L" panose="020B0300000000000000" pitchFamily="34" charset="-128"/>
-                <a:ea typeface="源ノ角ゴシック Code JP L" panose="020B0300000000000000" pitchFamily="34" charset="-128"/>
-              </a:rPr>
-              <a:t>、安定化</a:t>
-            </a:r>
-            <a:r>
-              <a:rPr lang="ja-JP" altLang="en-US" sz="1200" dirty="0">
-                <a:solidFill>
-                  <a:schemeClr val="bg1"/>
-                </a:solidFill>
-                <a:latin typeface="源ノ角ゴシック Code JP L" panose="020B0300000000000000" pitchFamily="34" charset="-128"/>
-                <a:ea typeface="源ノ角ゴシック Code JP L" panose="020B0300000000000000" pitchFamily="34" charset="-128"/>
-              </a:rPr>
-              <a:t>に</a:t>
-            </a:r>
-            <a:r>
-              <a:rPr lang="en-US" altLang="ja-JP" sz="1200" dirty="0">
-                <a:solidFill>
-                  <a:schemeClr val="bg1"/>
-                </a:solidFill>
-                <a:latin typeface="源ノ角ゴシック Code JP L" panose="020B0300000000000000" pitchFamily="34" charset="-128"/>
-                <a:ea typeface="源ノ角ゴシック Code JP L" panose="020B0300000000000000" pitchFamily="34" charset="-128"/>
-              </a:rPr>
-              <a:t>DCDC</a:t>
-            </a:r>
-            <a:r>
-              <a:rPr lang="ja-JP" altLang="en-US" sz="1200" dirty="0">
-                <a:solidFill>
-                  <a:schemeClr val="bg1"/>
-                </a:solidFill>
-                <a:latin typeface="源ノ角ゴシック Code JP L" panose="020B0300000000000000" pitchFamily="34" charset="-128"/>
-                <a:ea typeface="源ノ角ゴシック Code JP L" panose="020B0300000000000000" pitchFamily="34" charset="-128"/>
-              </a:rPr>
-              <a:t>コンバータ</a:t>
-            </a:r>
-            <a:r>
-              <a:rPr lang="ja-JP" altLang="en-US" sz="1200" dirty="0" smtClean="0">
-                <a:solidFill>
-                  <a:schemeClr val="bg1"/>
-                </a:solidFill>
-                <a:latin typeface="源ノ角ゴシック Code JP L" panose="020B0300000000000000" pitchFamily="34" charset="-128"/>
-                <a:ea typeface="源ノ角ゴシック Code JP L" panose="020B0300000000000000" pitchFamily="34" charset="-128"/>
-              </a:rPr>
-              <a:t>を</a:t>
-            </a:r>
-            <a:endParaRPr lang="en-US" altLang="ja-JP" sz="1200" dirty="0" smtClean="0">
-              <a:solidFill>
-                <a:schemeClr val="bg1"/>
-              </a:solidFill>
-              <a:latin typeface="源ノ角ゴシック Code JP L" panose="020B0300000000000000" pitchFamily="34" charset="-128"/>
-              <a:ea typeface="源ノ角ゴシック Code JP L" panose="020B0300000000000000" pitchFamily="34" charset="-128"/>
-            </a:endParaRPr>
-          </a:p>
-          <a:p>
-            <a:r>
-              <a:rPr lang="ja-JP" altLang="en-US" sz="1200" dirty="0" smtClean="0">
-                <a:solidFill>
-                  <a:schemeClr val="bg1"/>
-                </a:solidFill>
-                <a:latin typeface="源ノ角ゴシック Code JP L" panose="020B0300000000000000" pitchFamily="34" charset="-128"/>
-                <a:ea typeface="源ノ角ゴシック Code JP L" panose="020B0300000000000000" pitchFamily="34" charset="-128"/>
-              </a:rPr>
-              <a:t>採用すること</a:t>
-            </a:r>
-            <a:r>
-              <a:rPr lang="ja-JP" altLang="en-US" sz="1200" dirty="0">
-                <a:solidFill>
-                  <a:schemeClr val="bg1"/>
-                </a:solidFill>
-                <a:latin typeface="源ノ角ゴシック Code JP L" panose="020B0300000000000000" pitchFamily="34" charset="-128"/>
-                <a:ea typeface="源ノ角ゴシック Code JP L" panose="020B0300000000000000" pitchFamily="34" charset="-128"/>
-              </a:rPr>
-              <a:t>で</a:t>
-            </a:r>
-            <a:r>
-              <a:rPr lang="ja-JP" altLang="en-US" sz="1200" dirty="0" smtClean="0">
-                <a:solidFill>
-                  <a:schemeClr val="bg1"/>
-                </a:solidFill>
-                <a:latin typeface="源ノ角ゴシック Code JP L" panose="020B0300000000000000" pitchFamily="34" charset="-128"/>
-                <a:ea typeface="源ノ角ゴシック Code JP L" panose="020B0300000000000000" pitchFamily="34" charset="-128"/>
-              </a:rPr>
-              <a:t>、</a:t>
-            </a:r>
-            <a:r>
-              <a:rPr lang="en-US" altLang="ja-JP" sz="1200" dirty="0" smtClean="0">
-                <a:solidFill>
-                  <a:schemeClr val="bg1"/>
-                </a:solidFill>
-                <a:latin typeface="源ノ角ゴシック Code JP L" panose="020B0300000000000000" pitchFamily="34" charset="-128"/>
-                <a:ea typeface="源ノ角ゴシック Code JP L" panose="020B0300000000000000" pitchFamily="34" charset="-128"/>
-              </a:rPr>
-              <a:t>1</a:t>
-            </a:r>
-            <a:r>
-              <a:rPr lang="ja-JP" altLang="en-US" sz="1200" dirty="0" err="1" smtClean="0">
-                <a:solidFill>
-                  <a:schemeClr val="bg1"/>
-                </a:solidFill>
-                <a:latin typeface="源ノ角ゴシック Code JP L" panose="020B0300000000000000" pitchFamily="34" charset="-128"/>
-                <a:ea typeface="源ノ角ゴシック Code JP L" panose="020B0300000000000000" pitchFamily="34" charset="-128"/>
-              </a:rPr>
-              <a:t>つの</a:t>
-            </a:r>
-            <a:endParaRPr lang="en-US" altLang="ja-JP" sz="1200" dirty="0" smtClean="0">
-              <a:solidFill>
-                <a:schemeClr val="bg1"/>
-              </a:solidFill>
-              <a:latin typeface="源ノ角ゴシック Code JP L" panose="020B0300000000000000" pitchFamily="34" charset="-128"/>
-              <a:ea typeface="源ノ角ゴシック Code JP L" panose="020B0300000000000000" pitchFamily="34" charset="-128"/>
-            </a:endParaRPr>
-          </a:p>
-          <a:p>
-            <a:r>
-              <a:rPr lang="ja-JP" altLang="en-US" sz="1200" dirty="0" smtClean="0">
-                <a:solidFill>
-                  <a:schemeClr val="bg1"/>
-                </a:solidFill>
-                <a:latin typeface="源ノ角ゴシック Code JP L" panose="020B0300000000000000" pitchFamily="34" charset="-128"/>
-                <a:ea typeface="源ノ角ゴシック Code JP L" panose="020B0300000000000000" pitchFamily="34" charset="-128"/>
-              </a:rPr>
-              <a:t>バッテリー</a:t>
-            </a:r>
-            <a:r>
-              <a:rPr lang="ja-JP" altLang="en-US" sz="1200" dirty="0">
-                <a:solidFill>
-                  <a:schemeClr val="bg1"/>
-                </a:solidFill>
-                <a:latin typeface="源ノ角ゴシック Code JP L" panose="020B0300000000000000" pitchFamily="34" charset="-128"/>
-                <a:ea typeface="源ノ角ゴシック Code JP L" panose="020B0300000000000000" pitchFamily="34" charset="-128"/>
-              </a:rPr>
-              <a:t>から電源</a:t>
-            </a:r>
-            <a:r>
-              <a:rPr lang="ja-JP" altLang="en-US" sz="1200" dirty="0" smtClean="0">
-                <a:solidFill>
-                  <a:schemeClr val="bg1"/>
-                </a:solidFill>
-                <a:latin typeface="源ノ角ゴシック Code JP L" panose="020B0300000000000000" pitchFamily="34" charset="-128"/>
-                <a:ea typeface="源ノ角ゴシック Code JP L" panose="020B0300000000000000" pitchFamily="34" charset="-128"/>
-              </a:rPr>
-              <a:t>を取って</a:t>
-            </a:r>
-            <a:endParaRPr lang="en-US" altLang="ja-JP" sz="1200" dirty="0" smtClean="0">
-              <a:solidFill>
-                <a:schemeClr val="bg1"/>
-              </a:solidFill>
-              <a:latin typeface="源ノ角ゴシック Code JP L" panose="020B0300000000000000" pitchFamily="34" charset="-128"/>
-              <a:ea typeface="源ノ角ゴシック Code JP L" panose="020B0300000000000000" pitchFamily="34" charset="-128"/>
-            </a:endParaRPr>
-          </a:p>
-          <a:p>
-            <a:r>
-              <a:rPr lang="ja-JP" altLang="en-US" sz="1200" dirty="0" smtClean="0">
-                <a:solidFill>
-                  <a:schemeClr val="bg1"/>
-                </a:solidFill>
-                <a:latin typeface="源ノ角ゴシック Code JP L" panose="020B0300000000000000" pitchFamily="34" charset="-128"/>
-                <a:ea typeface="源ノ角ゴシック Code JP L" panose="020B0300000000000000" pitchFamily="34" charset="-128"/>
-              </a:rPr>
-              <a:t>もモータ</a:t>
-            </a:r>
-            <a:r>
-              <a:rPr lang="ja-JP" altLang="en-US" sz="1200" dirty="0">
-                <a:solidFill>
-                  <a:schemeClr val="bg1"/>
-                </a:solidFill>
-                <a:latin typeface="源ノ角ゴシック Code JP L" panose="020B0300000000000000" pitchFamily="34" charset="-128"/>
-                <a:ea typeface="源ノ角ゴシック Code JP L" panose="020B0300000000000000" pitchFamily="34" charset="-128"/>
-              </a:rPr>
-              <a:t>の電圧降下</a:t>
-            </a:r>
-            <a:r>
-              <a:rPr lang="ja-JP" altLang="en-US" sz="1200" dirty="0" smtClean="0">
-                <a:solidFill>
-                  <a:schemeClr val="bg1"/>
-                </a:solidFill>
-                <a:latin typeface="源ノ角ゴシック Code JP L" panose="020B0300000000000000" pitchFamily="34" charset="-128"/>
-                <a:ea typeface="源ノ角ゴシック Code JP L" panose="020B0300000000000000" pitchFamily="34" charset="-128"/>
-              </a:rPr>
-              <a:t>による</a:t>
-            </a:r>
-            <a:endParaRPr lang="en-US" altLang="ja-JP" sz="1200" dirty="0" smtClean="0">
-              <a:solidFill>
-                <a:schemeClr val="bg1"/>
-              </a:solidFill>
-              <a:latin typeface="源ノ角ゴシック Code JP L" panose="020B0300000000000000" pitchFamily="34" charset="-128"/>
-              <a:ea typeface="源ノ角ゴシック Code JP L" panose="020B0300000000000000" pitchFamily="34" charset="-128"/>
-            </a:endParaRPr>
-          </a:p>
-          <a:p>
-            <a:r>
-              <a:rPr lang="ja-JP" altLang="en-US" sz="1200" dirty="0" smtClean="0">
-                <a:solidFill>
-                  <a:schemeClr val="bg1"/>
-                </a:solidFill>
-                <a:latin typeface="源ノ角ゴシック Code JP L" panose="020B0300000000000000" pitchFamily="34" charset="-128"/>
-                <a:ea typeface="源ノ角ゴシック Code JP L" panose="020B0300000000000000" pitchFamily="34" charset="-128"/>
-              </a:rPr>
-              <a:t>制</a:t>
-            </a:r>
-            <a:r>
-              <a:rPr lang="ja-JP" altLang="en-US" sz="1200" dirty="0">
-                <a:solidFill>
-                  <a:schemeClr val="bg1"/>
-                </a:solidFill>
-                <a:latin typeface="源ノ角ゴシック Code JP L" panose="020B0300000000000000" pitchFamily="34" charset="-128"/>
-                <a:ea typeface="源ノ角ゴシック Code JP L" panose="020B0300000000000000" pitchFamily="34" charset="-128"/>
-              </a:rPr>
-              <a:t>御部分のリセット</a:t>
-            </a:r>
-            <a:r>
-              <a:rPr lang="ja-JP" altLang="en-US" sz="1200" dirty="0" smtClean="0">
-                <a:solidFill>
-                  <a:schemeClr val="bg1"/>
-                </a:solidFill>
-                <a:latin typeface="源ノ角ゴシック Code JP L" panose="020B0300000000000000" pitchFamily="34" charset="-128"/>
-                <a:ea typeface="源ノ角ゴシック Code JP L" panose="020B0300000000000000" pitchFamily="34" charset="-128"/>
-              </a:rPr>
-              <a:t>に対応</a:t>
-            </a:r>
-            <a:endParaRPr lang="en-US" altLang="ja-JP" sz="1200" dirty="0" smtClean="0">
-              <a:solidFill>
-                <a:schemeClr val="bg1"/>
-              </a:solidFill>
-              <a:latin typeface="源ノ角ゴシック Code JP L" panose="020B0300000000000000" pitchFamily="34" charset="-128"/>
-              <a:ea typeface="源ノ角ゴシック Code JP L" panose="020B0300000000000000" pitchFamily="34" charset="-128"/>
-            </a:endParaRPr>
-          </a:p>
-          <a:p>
-            <a:r>
-              <a:rPr lang="ja-JP" altLang="en-US" sz="1200" dirty="0" smtClean="0">
-                <a:solidFill>
-                  <a:schemeClr val="bg1"/>
-                </a:solidFill>
-                <a:latin typeface="源ノ角ゴシック Code JP L" panose="020B0300000000000000" pitchFamily="34" charset="-128"/>
-                <a:ea typeface="源ノ角ゴシック Code JP L" panose="020B0300000000000000" pitchFamily="34" charset="-128"/>
-              </a:rPr>
-              <a:t>しました。これ</a:t>
-            </a:r>
-            <a:r>
-              <a:rPr lang="ja-JP" altLang="en-US" sz="1200" dirty="0">
-                <a:solidFill>
-                  <a:schemeClr val="bg1"/>
-                </a:solidFill>
-                <a:latin typeface="源ノ角ゴシック Code JP L" panose="020B0300000000000000" pitchFamily="34" charset="-128"/>
-                <a:ea typeface="源ノ角ゴシック Code JP L" panose="020B0300000000000000" pitchFamily="34" charset="-128"/>
-              </a:rPr>
-              <a:t>により</a:t>
-            </a:r>
-            <a:r>
-              <a:rPr lang="ja-JP" altLang="en-US" sz="1200" dirty="0" smtClean="0">
-                <a:solidFill>
-                  <a:schemeClr val="bg1"/>
-                </a:solidFill>
-                <a:latin typeface="源ノ角ゴシック Code JP L" panose="020B0300000000000000" pitchFamily="34" charset="-128"/>
-                <a:ea typeface="源ノ角ゴシック Code JP L" panose="020B0300000000000000" pitchFamily="34" charset="-128"/>
-              </a:rPr>
-              <a:t>、</a:t>
-            </a:r>
-            <a:endParaRPr lang="en-US" altLang="ja-JP" sz="1200" dirty="0" smtClean="0">
-              <a:solidFill>
-                <a:schemeClr val="bg1"/>
-              </a:solidFill>
-              <a:latin typeface="源ノ角ゴシック Code JP L" panose="020B0300000000000000" pitchFamily="34" charset="-128"/>
-              <a:ea typeface="源ノ角ゴシック Code JP L" panose="020B0300000000000000" pitchFamily="34" charset="-128"/>
-            </a:endParaRPr>
-          </a:p>
-          <a:p>
-            <a:r>
-              <a:rPr lang="ja-JP" altLang="en-US" sz="1200" dirty="0" smtClean="0">
-                <a:solidFill>
-                  <a:schemeClr val="bg1"/>
-                </a:solidFill>
-                <a:latin typeface="源ノ角ゴシック Code JP L" panose="020B0300000000000000" pitchFamily="34" charset="-128"/>
-                <a:ea typeface="源ノ角ゴシック Code JP L" panose="020B0300000000000000" pitchFamily="34" charset="-128"/>
-              </a:rPr>
-              <a:t>回路の</a:t>
-            </a:r>
-            <a:r>
-              <a:rPr lang="ja-JP" altLang="en-US" sz="1200" dirty="0">
-                <a:solidFill>
-                  <a:schemeClr val="bg1"/>
-                </a:solidFill>
-                <a:latin typeface="源ノ角ゴシック Code JP L" panose="020B0300000000000000" pitchFamily="34" charset="-128"/>
-                <a:ea typeface="源ノ角ゴシック Code JP L" panose="020B0300000000000000" pitchFamily="34" charset="-128"/>
-              </a:rPr>
-              <a:t>簡易化</a:t>
-            </a:r>
-            <a:r>
-              <a:rPr lang="ja-JP" altLang="en-US" sz="1200" dirty="0" smtClean="0">
-                <a:solidFill>
-                  <a:schemeClr val="bg1"/>
-                </a:solidFill>
-                <a:latin typeface="源ノ角ゴシック Code JP L" panose="020B0300000000000000" pitchFamily="34" charset="-128"/>
-                <a:ea typeface="源ノ角ゴシック Code JP L" panose="020B0300000000000000" pitchFamily="34" charset="-128"/>
-              </a:rPr>
-              <a:t>、基板の</a:t>
-            </a:r>
-            <a:endParaRPr lang="en-US" altLang="ja-JP" sz="1200" dirty="0" smtClean="0">
-              <a:solidFill>
-                <a:schemeClr val="bg1"/>
-              </a:solidFill>
-              <a:latin typeface="源ノ角ゴシック Code JP L" panose="020B0300000000000000" pitchFamily="34" charset="-128"/>
-              <a:ea typeface="源ノ角ゴシック Code JP L" panose="020B0300000000000000" pitchFamily="34" charset="-128"/>
-            </a:endParaRPr>
-          </a:p>
-          <a:p>
-            <a:r>
-              <a:rPr lang="ja-JP" altLang="en-US" sz="1200" dirty="0" smtClean="0">
-                <a:solidFill>
-                  <a:schemeClr val="bg1"/>
-                </a:solidFill>
-                <a:latin typeface="源ノ角ゴシック Code JP L" panose="020B0300000000000000" pitchFamily="34" charset="-128"/>
-                <a:ea typeface="源ノ角ゴシック Code JP L" panose="020B0300000000000000" pitchFamily="34" charset="-128"/>
-              </a:rPr>
-              <a:t>省スペース化</a:t>
-            </a:r>
-            <a:r>
-              <a:rPr lang="ja-JP" altLang="en-US" sz="1200" dirty="0">
-                <a:solidFill>
-                  <a:schemeClr val="bg1"/>
-                </a:solidFill>
-                <a:latin typeface="源ノ角ゴシック Code JP L" panose="020B0300000000000000" pitchFamily="34" charset="-128"/>
-                <a:ea typeface="源ノ角ゴシック Code JP L" panose="020B0300000000000000" pitchFamily="34" charset="-128"/>
-              </a:rPr>
-              <a:t>を</a:t>
-            </a:r>
-            <a:r>
-              <a:rPr lang="ja-JP" altLang="en-US" sz="1200" dirty="0" smtClean="0">
-                <a:solidFill>
-                  <a:schemeClr val="bg1"/>
-                </a:solidFill>
-                <a:latin typeface="源ノ角ゴシック Code JP L" panose="020B0300000000000000" pitchFamily="34" charset="-128"/>
-                <a:ea typeface="源ノ角ゴシック Code JP L" panose="020B0300000000000000" pitchFamily="34" charset="-128"/>
-              </a:rPr>
-              <a:t>実現</a:t>
-            </a:r>
-            <a:endParaRPr lang="en-US" altLang="ja-JP" sz="1200" dirty="0" smtClean="0">
-              <a:solidFill>
-                <a:schemeClr val="bg1"/>
-              </a:solidFill>
-              <a:latin typeface="源ノ角ゴシック Code JP L" panose="020B0300000000000000" pitchFamily="34" charset="-128"/>
-              <a:ea typeface="源ノ角ゴシック Code JP L" panose="020B0300000000000000" pitchFamily="34" charset="-128"/>
-            </a:endParaRPr>
-          </a:p>
-          <a:p>
-            <a:r>
-              <a:rPr lang="ja-JP" altLang="en-US" sz="1200" dirty="0" smtClean="0">
-                <a:solidFill>
-                  <a:schemeClr val="bg1"/>
-                </a:solidFill>
-                <a:latin typeface="源ノ角ゴシック Code JP L" panose="020B0300000000000000" pitchFamily="34" charset="-128"/>
-                <a:ea typeface="源ノ角ゴシック Code JP L" panose="020B0300000000000000" pitchFamily="34" charset="-128"/>
-              </a:rPr>
-              <a:t>しました</a:t>
-            </a:r>
-            <a:r>
-              <a:rPr lang="ja-JP" altLang="en-US" sz="1200" dirty="0">
-                <a:solidFill>
-                  <a:schemeClr val="bg1"/>
-                </a:solidFill>
-                <a:latin typeface="源ノ角ゴシック Code JP L" panose="020B0300000000000000" pitchFamily="34" charset="-128"/>
-                <a:ea typeface="源ノ角ゴシック Code JP L" panose="020B0300000000000000" pitchFamily="34" charset="-128"/>
-              </a:rPr>
-              <a:t>。</a:t>
-            </a:r>
-            <a:endParaRPr lang="ja-JP" altLang="en-US" sz="1200" dirty="0">
-              <a:solidFill>
-                <a:schemeClr val="bg1"/>
-              </a:solidFill>
-              <a:latin typeface="源ノ角ゴシック Code JP L" panose="020B0300000000000000" pitchFamily="34" charset="-128"/>
-              <a:ea typeface="源ノ角ゴシック Code JP L" panose="020B0300000000000000" pitchFamily="34" charset="-128"/>
-            </a:endParaRPr>
+              <a:t>しました。</a:t>
+            </a:r>
           </a:p>
         </p:txBody>
       </p:sp>
@@ -13141,19 +12759,9 @@
                 <a:latin typeface="源ノ角ゴシック Code JP M" panose="020B0600000000000000" pitchFamily="34" charset="-128"/>
                 <a:ea typeface="源ノ角ゴシック Code JP M" panose="020B0600000000000000" pitchFamily="34" charset="-128"/>
               </a:rPr>
-              <a:t>カメラのライン</a:t>
-            </a:r>
-            <a:r>
-              <a:rPr lang="ja-JP" altLang="en-US" sz="2400" dirty="0" smtClean="0">
-                <a:solidFill>
-                  <a:schemeClr val="bg1"/>
-                </a:solidFill>
-                <a:latin typeface="源ノ角ゴシック Code JP M" panose="020B0600000000000000" pitchFamily="34" charset="-128"/>
-                <a:ea typeface="源ノ角ゴシック Code JP M" panose="020B0600000000000000" pitchFamily="34" charset="-128"/>
-              </a:rPr>
-              <a:t>制御</a:t>
-            </a:r>
-            <a:endParaRPr lang="en-US" altLang="ja-JP" sz="1200" dirty="0" smtClean="0">
+              <a:t>カメラのライン制御</a:t>
+            </a:r>
+            <a:endParaRPr lang="en-US" altLang="ja-JP" sz="1200" dirty="0">
               <a:solidFill>
                 <a:schemeClr val="bg1"/>
               </a:solidFill>
@@ -13170,19 +12778,28 @@
                 <a:latin typeface="源ノ角ゴシック Code JP L" panose="020B0300000000000000" pitchFamily="34" charset="-128"/>
                 <a:ea typeface="源ノ角ゴシック Code JP L" panose="020B0300000000000000" pitchFamily="34" charset="-128"/>
               </a:rPr>
-              <a:t>超音波センサーで壁との距離</a:t>
-            </a:r>
-            <a:r>
-              <a:rPr lang="ja-JP" altLang="en-US" sz="1200" dirty="0" smtClean="0">
+              <a:t>超音波センサーで壁との距離を測って</a:t>
+            </a:r>
+            <a:endParaRPr lang="en-US" altLang="ja-JP" sz="1200" dirty="0">
+              <a:solidFill>
+                <a:schemeClr val="bg1"/>
+              </a:solidFill>
+              <a:latin typeface="源ノ角ゴシック Code JP L" panose="020B0300000000000000" pitchFamily="34" charset="-128"/>
+              <a:ea typeface="源ノ角ゴシック Code JP L" panose="020B0300000000000000" pitchFamily="34" charset="-128"/>
+            </a:endParaRPr>
+          </a:p>
+          <a:p>
+            <a:r>
+              <a:rPr lang="ja-JP" altLang="en-US" sz="1200" dirty="0">
                 <a:solidFill>
                   <a:schemeClr val="bg1"/>
                 </a:solidFill>
                 <a:latin typeface="源ノ角ゴシック Code JP L" panose="020B0300000000000000" pitchFamily="34" charset="-128"/>
                 <a:ea typeface="源ノ角ゴシック Code JP L" panose="020B0300000000000000" pitchFamily="34" charset="-128"/>
               </a:rPr>
-              <a:t>を測って</a:t>
-            </a:r>
-            <a:endParaRPr lang="en-US" altLang="ja-JP" sz="1200" dirty="0" smtClean="0">
+              <a:t>ライン制御をするという制御方法から、カメラを用いてライン制御をする方法に変更し、コートの中心方向に移動する</a:t>
+            </a:r>
+            <a:endParaRPr lang="en-US" altLang="ja-JP" sz="1200" dirty="0">
               <a:solidFill>
                 <a:schemeClr val="bg1"/>
               </a:solidFill>
@@ -13192,15 +12809,24 @@
           </a:p>
           <a:p>
             <a:r>
-              <a:rPr lang="ja-JP" altLang="en-US" sz="1200" dirty="0" smtClean="0">
+              <a:rPr lang="ja-JP" altLang="en-US" sz="1200" dirty="0">
                 <a:solidFill>
                   <a:schemeClr val="bg1"/>
                 </a:solidFill>
                 <a:latin typeface="源ノ角ゴシック Code JP L" panose="020B0300000000000000" pitchFamily="34" charset="-128"/>
                 <a:ea typeface="源ノ角ゴシック Code JP L" panose="020B0300000000000000" pitchFamily="34" charset="-128"/>
               </a:rPr>
-              <a:t>ライン制御をする</a:t>
-            </a:r>
+              <a:t>アルゴリズムを実装しました。常に</a:t>
+            </a:r>
+            <a:endParaRPr lang="en-US" altLang="ja-JP" sz="1200" dirty="0">
+              <a:solidFill>
+                <a:schemeClr val="bg1"/>
+              </a:solidFill>
+              <a:latin typeface="源ノ角ゴシック Code JP L" panose="020B0300000000000000" pitchFamily="34" charset="-128"/>
+              <a:ea typeface="源ノ角ゴシック Code JP L" panose="020B0300000000000000" pitchFamily="34" charset="-128"/>
+            </a:endParaRPr>
+          </a:p>
+          <a:p>
             <a:r>
               <a:rPr lang="ja-JP" altLang="en-US" sz="1200" dirty="0">
                 <a:solidFill>
@@ -13209,18 +12835,36 @@
                 <a:latin typeface="源ノ角ゴシック Code JP L" panose="020B0300000000000000" pitchFamily="34" charset="-128"/>
                 <a:ea typeface="源ノ角ゴシック Code JP L" panose="020B0300000000000000" pitchFamily="34" charset="-128"/>
               </a:rPr>
-              <a:t>と</a:t>
-            </a:r>
-            <a:r>
-              <a:rPr lang="ja-JP" altLang="en-US" sz="1200" dirty="0" smtClean="0">
+              <a:t>カメラでコートの中心を取り続け、</a:t>
+            </a:r>
+            <a:endParaRPr lang="en-US" altLang="ja-JP" sz="1200" dirty="0">
+              <a:solidFill>
+                <a:schemeClr val="bg1"/>
+              </a:solidFill>
+              <a:latin typeface="源ノ角ゴシック Code JP L" panose="020B0300000000000000" pitchFamily="34" charset="-128"/>
+              <a:ea typeface="源ノ角ゴシック Code JP L" panose="020B0300000000000000" pitchFamily="34" charset="-128"/>
+            </a:endParaRPr>
+          </a:p>
+          <a:p>
+            <a:r>
+              <a:rPr lang="ja-JP" altLang="en-US" sz="1200" dirty="0">
                 <a:solidFill>
                   <a:schemeClr val="bg1"/>
                 </a:solidFill>
                 <a:latin typeface="源ノ角ゴシック Code JP L" panose="020B0300000000000000" pitchFamily="34" charset="-128"/>
                 <a:ea typeface="源ノ角ゴシック Code JP L" panose="020B0300000000000000" pitchFamily="34" charset="-128"/>
               </a:rPr>
-              <a:t>いう制</a:t>
-            </a:r>
+              <a:t>ロボットからコートの中心への角度を</a:t>
+            </a:r>
+            <a:endParaRPr lang="en-US" altLang="ja-JP" sz="1200" dirty="0">
+              <a:solidFill>
+                <a:schemeClr val="bg1"/>
+              </a:solidFill>
+              <a:latin typeface="源ノ角ゴシック Code JP L" panose="020B0300000000000000" pitchFamily="34" charset="-128"/>
+              <a:ea typeface="源ノ角ゴシック Code JP L" panose="020B0300000000000000" pitchFamily="34" charset="-128"/>
+            </a:endParaRPr>
+          </a:p>
+          <a:p>
             <a:r>
               <a:rPr lang="ja-JP" altLang="en-US" sz="1200" dirty="0">
                 <a:solidFill>
@@ -13229,18 +12873,36 @@
                 <a:latin typeface="源ノ角ゴシック Code JP L" panose="020B0300000000000000" pitchFamily="34" charset="-128"/>
                 <a:ea typeface="源ノ角ゴシック Code JP L" panose="020B0300000000000000" pitchFamily="34" charset="-128"/>
               </a:rPr>
-              <a:t>御方法から</a:t>
-            </a:r>
-            <a:r>
-              <a:rPr lang="ja-JP" altLang="en-US" sz="1200" dirty="0" smtClean="0">
+              <a:t>算出することによってラインが反応</a:t>
+            </a:r>
+            <a:endParaRPr lang="en-US" altLang="ja-JP" sz="1200" dirty="0">
+              <a:solidFill>
+                <a:schemeClr val="bg1"/>
+              </a:solidFill>
+              <a:latin typeface="源ノ角ゴシック Code JP L" panose="020B0300000000000000" pitchFamily="34" charset="-128"/>
+              <a:ea typeface="源ノ角ゴシック Code JP L" panose="020B0300000000000000" pitchFamily="34" charset="-128"/>
+            </a:endParaRPr>
+          </a:p>
+          <a:p>
+            <a:r>
+              <a:rPr lang="ja-JP" altLang="en-US" sz="1200" dirty="0">
                 <a:solidFill>
                   <a:schemeClr val="bg1"/>
                 </a:solidFill>
                 <a:latin typeface="源ノ角ゴシック Code JP L" panose="020B0300000000000000" pitchFamily="34" charset="-128"/>
                 <a:ea typeface="源ノ角ゴシック Code JP L" panose="020B0300000000000000" pitchFamily="34" charset="-128"/>
               </a:rPr>
-              <a:t>、カメラを用いてライン制御</a:t>
-            </a:r>
+              <a:t>したときにコートの中心方向へ移動する</a:t>
+            </a:r>
+            <a:endParaRPr lang="en-US" altLang="ja-JP" sz="1200" dirty="0">
+              <a:solidFill>
+                <a:schemeClr val="bg1"/>
+              </a:solidFill>
+              <a:latin typeface="源ノ角ゴシック Code JP L" panose="020B0300000000000000" pitchFamily="34" charset="-128"/>
+              <a:ea typeface="源ノ角ゴシック Code JP L" panose="020B0300000000000000" pitchFamily="34" charset="-128"/>
+            </a:endParaRPr>
+          </a:p>
+          <a:p>
             <a:r>
               <a:rPr lang="ja-JP" altLang="en-US" sz="1200" dirty="0">
                 <a:solidFill>
@@ -13249,18 +12911,36 @@
                 <a:latin typeface="源ノ角ゴシック Code JP L" panose="020B0300000000000000" pitchFamily="34" charset="-128"/>
                 <a:ea typeface="源ノ角ゴシック Code JP L" panose="020B0300000000000000" pitchFamily="34" charset="-128"/>
               </a:rPr>
-              <a:t>をする</a:t>
-            </a:r>
-            <a:r>
-              <a:rPr lang="ja-JP" altLang="en-US" sz="1200" dirty="0" smtClean="0">
+              <a:t>ことが可能になるだけでなく、</a:t>
+            </a:r>
+            <a:endParaRPr lang="en-US" altLang="ja-JP" sz="1200" dirty="0">
+              <a:solidFill>
+                <a:schemeClr val="bg1"/>
+              </a:solidFill>
+              <a:latin typeface="源ノ角ゴシック Code JP L" panose="020B0300000000000000" pitchFamily="34" charset="-128"/>
+              <a:ea typeface="源ノ角ゴシック Code JP L" panose="020B0300000000000000" pitchFamily="34" charset="-128"/>
+            </a:endParaRPr>
+          </a:p>
+          <a:p>
+            <a:r>
+              <a:rPr lang="ja-JP" altLang="en-US" sz="1200" dirty="0">
                 <a:solidFill>
                   <a:schemeClr val="bg1"/>
                 </a:solidFill>
                 <a:latin typeface="源ノ角ゴシック Code JP L" panose="020B0300000000000000" pitchFamily="34" charset="-128"/>
                 <a:ea typeface="源ノ角ゴシック Code JP L" panose="020B0300000000000000" pitchFamily="34" charset="-128"/>
               </a:rPr>
-              <a:t>方法に変更</a:t>
-            </a:r>
+              <a:t>ラインにどの角度で乗っても</a:t>
+            </a:r>
+            <a:endParaRPr lang="en-US" altLang="ja-JP" sz="1200" dirty="0">
+              <a:solidFill>
+                <a:schemeClr val="bg1"/>
+              </a:solidFill>
+              <a:latin typeface="源ノ角ゴシック Code JP L" panose="020B0300000000000000" pitchFamily="34" charset="-128"/>
+              <a:ea typeface="源ノ角ゴシック Code JP L" panose="020B0300000000000000" pitchFamily="34" charset="-128"/>
+            </a:endParaRPr>
+          </a:p>
+          <a:p>
             <a:r>
               <a:rPr lang="ja-JP" altLang="en-US" sz="1200" dirty="0">
                 <a:solidFill>
@@ -13269,387 +12949,8 @@
                 <a:latin typeface="源ノ角ゴシック Code JP L" panose="020B0300000000000000" pitchFamily="34" charset="-128"/>
                 <a:ea typeface="源ノ角ゴシック Code JP L" panose="020B0300000000000000" pitchFamily="34" charset="-128"/>
               </a:rPr>
-              <a:t>し</a:t>
-            </a:r>
-            <a:r>
-              <a:rPr lang="ja-JP" altLang="en-US" sz="1200" dirty="0" smtClean="0">
-                <a:solidFill>
-                  <a:schemeClr val="bg1"/>
-                </a:solidFill>
-                <a:latin typeface="源ノ角ゴシック Code JP L" panose="020B0300000000000000" pitchFamily="34" charset="-128"/>
-                <a:ea typeface="源ノ角ゴシック Code JP L" panose="020B0300000000000000" pitchFamily="34" charset="-128"/>
-              </a:rPr>
-              <a:t>、コート</a:t>
-            </a:r>
-            <a:r>
-              <a:rPr lang="ja-JP" altLang="en-US" sz="1200" dirty="0">
-                <a:solidFill>
-                  <a:schemeClr val="bg1"/>
-                </a:solidFill>
-                <a:latin typeface="源ノ角ゴシック Code JP L" panose="020B0300000000000000" pitchFamily="34" charset="-128"/>
-                <a:ea typeface="源ノ角ゴシック Code JP L" panose="020B0300000000000000" pitchFamily="34" charset="-128"/>
-              </a:rPr>
-              <a:t>の中心方向に移動</a:t>
-            </a:r>
-            <a:r>
-              <a:rPr lang="ja-JP" altLang="en-US" sz="1200" dirty="0" smtClean="0">
-                <a:solidFill>
-                  <a:schemeClr val="bg1"/>
-                </a:solidFill>
-                <a:latin typeface="源ノ角ゴシック Code JP L" panose="020B0300000000000000" pitchFamily="34" charset="-128"/>
-                <a:ea typeface="源ノ角ゴシック Code JP L" panose="020B0300000000000000" pitchFamily="34" charset="-128"/>
-              </a:rPr>
-              <a:t>する</a:t>
-            </a:r>
-            <a:endParaRPr lang="en-US" altLang="ja-JP" sz="1200" dirty="0" smtClean="0">
-              <a:solidFill>
-                <a:schemeClr val="bg1"/>
-              </a:solidFill>
-              <a:latin typeface="源ノ角ゴシック Code JP L" panose="020B0300000000000000" pitchFamily="34" charset="-128"/>
-              <a:ea typeface="源ノ角ゴシック Code JP L" panose="020B0300000000000000" pitchFamily="34" charset="-128"/>
-            </a:endParaRPr>
-          </a:p>
-          <a:p>
-            <a:r>
-              <a:rPr lang="ja-JP" altLang="en-US" sz="1200" dirty="0" smtClean="0">
-                <a:solidFill>
-                  <a:schemeClr val="bg1"/>
-                </a:solidFill>
-                <a:latin typeface="源ノ角ゴシック Code JP L" panose="020B0300000000000000" pitchFamily="34" charset="-128"/>
-                <a:ea typeface="源ノ角ゴシック Code JP L" panose="020B0300000000000000" pitchFamily="34" charset="-128"/>
-              </a:rPr>
-              <a:t>アルゴリズムを実装</a:t>
-            </a:r>
-            <a:r>
-              <a:rPr lang="ja-JP" altLang="en-US" sz="1200" dirty="0">
-                <a:solidFill>
-                  <a:schemeClr val="bg1"/>
-                </a:solidFill>
-                <a:latin typeface="源ノ角ゴシック Code JP L" panose="020B0300000000000000" pitchFamily="34" charset="-128"/>
-                <a:ea typeface="源ノ角ゴシック Code JP L" panose="020B0300000000000000" pitchFamily="34" charset="-128"/>
-              </a:rPr>
-              <a:t>しました</a:t>
-            </a:r>
-            <a:r>
-              <a:rPr lang="ja-JP" altLang="en-US" sz="1200" dirty="0" smtClean="0">
-                <a:solidFill>
-                  <a:schemeClr val="bg1"/>
-                </a:solidFill>
-                <a:latin typeface="源ノ角ゴシック Code JP L" panose="020B0300000000000000" pitchFamily="34" charset="-128"/>
-                <a:ea typeface="源ノ角ゴシック Code JP L" panose="020B0300000000000000" pitchFamily="34" charset="-128"/>
-              </a:rPr>
-              <a:t>。常に</a:t>
-            </a:r>
-            <a:endParaRPr lang="en-US" altLang="ja-JP" sz="1200" dirty="0" smtClean="0">
-              <a:solidFill>
-                <a:schemeClr val="bg1"/>
-              </a:solidFill>
-              <a:latin typeface="源ノ角ゴシック Code JP L" panose="020B0300000000000000" pitchFamily="34" charset="-128"/>
-              <a:ea typeface="源ノ角ゴシック Code JP L" panose="020B0300000000000000" pitchFamily="34" charset="-128"/>
-            </a:endParaRPr>
-          </a:p>
-          <a:p>
-            <a:r>
-              <a:rPr lang="ja-JP" altLang="en-US" sz="1200" dirty="0" smtClean="0">
-                <a:solidFill>
-                  <a:schemeClr val="bg1"/>
-                </a:solidFill>
-                <a:latin typeface="源ノ角ゴシック Code JP L" panose="020B0300000000000000" pitchFamily="34" charset="-128"/>
-                <a:ea typeface="源ノ角ゴシック Code JP L" panose="020B0300000000000000" pitchFamily="34" charset="-128"/>
-              </a:rPr>
-              <a:t>カメラ</a:t>
-            </a:r>
-            <a:r>
-              <a:rPr lang="ja-JP" altLang="en-US" sz="1200" dirty="0">
-                <a:solidFill>
-                  <a:schemeClr val="bg1"/>
-                </a:solidFill>
-                <a:latin typeface="源ノ角ゴシック Code JP L" panose="020B0300000000000000" pitchFamily="34" charset="-128"/>
-                <a:ea typeface="源ノ角ゴシック Code JP L" panose="020B0300000000000000" pitchFamily="34" charset="-128"/>
-              </a:rPr>
-              <a:t>でコート</a:t>
-            </a:r>
-            <a:r>
-              <a:rPr lang="ja-JP" altLang="en-US" sz="1200" dirty="0" smtClean="0">
-                <a:solidFill>
-                  <a:schemeClr val="bg1"/>
-                </a:solidFill>
-                <a:latin typeface="源ノ角ゴシック Code JP L" panose="020B0300000000000000" pitchFamily="34" charset="-128"/>
-                <a:ea typeface="源ノ角ゴシック Code JP L" panose="020B0300000000000000" pitchFamily="34" charset="-128"/>
-              </a:rPr>
-              <a:t>の中心を取り続け、</a:t>
-            </a:r>
-            <a:endParaRPr lang="en-US" altLang="ja-JP" sz="1200" dirty="0" smtClean="0">
-              <a:solidFill>
-                <a:schemeClr val="bg1"/>
-              </a:solidFill>
-              <a:latin typeface="源ノ角ゴシック Code JP L" panose="020B0300000000000000" pitchFamily="34" charset="-128"/>
-              <a:ea typeface="源ノ角ゴシック Code JP L" panose="020B0300000000000000" pitchFamily="34" charset="-128"/>
-            </a:endParaRPr>
-          </a:p>
-          <a:p>
-            <a:r>
-              <a:rPr lang="ja-JP" altLang="en-US" sz="1200" dirty="0" smtClean="0">
-                <a:solidFill>
-                  <a:schemeClr val="bg1"/>
-                </a:solidFill>
-                <a:latin typeface="源ノ角ゴシック Code JP L" panose="020B0300000000000000" pitchFamily="34" charset="-128"/>
-                <a:ea typeface="源ノ角ゴシック Code JP L" panose="020B0300000000000000" pitchFamily="34" charset="-128"/>
-              </a:rPr>
-              <a:t>ロボット</a:t>
-            </a:r>
-            <a:r>
-              <a:rPr lang="ja-JP" altLang="en-US" sz="1200" dirty="0">
-                <a:solidFill>
-                  <a:schemeClr val="bg1"/>
-                </a:solidFill>
-                <a:latin typeface="源ノ角ゴシック Code JP L" panose="020B0300000000000000" pitchFamily="34" charset="-128"/>
-                <a:ea typeface="源ノ角ゴシック Code JP L" panose="020B0300000000000000" pitchFamily="34" charset="-128"/>
-              </a:rPr>
-              <a:t>から</a:t>
-            </a:r>
-            <a:r>
-              <a:rPr lang="ja-JP" altLang="en-US" sz="1200" dirty="0" smtClean="0">
-                <a:solidFill>
-                  <a:schemeClr val="bg1"/>
-                </a:solidFill>
-                <a:latin typeface="源ノ角ゴシック Code JP L" panose="020B0300000000000000" pitchFamily="34" charset="-128"/>
-                <a:ea typeface="源ノ角ゴシック Code JP L" panose="020B0300000000000000" pitchFamily="34" charset="-128"/>
-              </a:rPr>
-              <a:t>コートの中心</a:t>
-            </a:r>
-            <a:r>
-              <a:rPr lang="ja-JP" altLang="en-US" sz="1200" dirty="0">
-                <a:solidFill>
-                  <a:schemeClr val="bg1"/>
-                </a:solidFill>
-                <a:latin typeface="源ノ角ゴシック Code JP L" panose="020B0300000000000000" pitchFamily="34" charset="-128"/>
-                <a:ea typeface="源ノ角ゴシック Code JP L" panose="020B0300000000000000" pitchFamily="34" charset="-128"/>
-              </a:rPr>
-              <a:t>へ</a:t>
-            </a:r>
-            <a:r>
-              <a:rPr lang="ja-JP" altLang="en-US" sz="1200" dirty="0" smtClean="0">
-                <a:solidFill>
-                  <a:schemeClr val="bg1"/>
-                </a:solidFill>
-                <a:latin typeface="源ノ角ゴシック Code JP L" panose="020B0300000000000000" pitchFamily="34" charset="-128"/>
-                <a:ea typeface="源ノ角ゴシック Code JP L" panose="020B0300000000000000" pitchFamily="34" charset="-128"/>
-              </a:rPr>
-              <a:t>の角度を</a:t>
-            </a:r>
-            <a:endParaRPr lang="en-US" altLang="ja-JP" sz="1200" dirty="0" smtClean="0">
-              <a:solidFill>
-                <a:schemeClr val="bg1"/>
-              </a:solidFill>
-              <a:latin typeface="源ノ角ゴシック Code JP L" panose="020B0300000000000000" pitchFamily="34" charset="-128"/>
-              <a:ea typeface="源ノ角ゴシック Code JP L" panose="020B0300000000000000" pitchFamily="34" charset="-128"/>
-            </a:endParaRPr>
-          </a:p>
-          <a:p>
-            <a:r>
-              <a:rPr lang="ja-JP" altLang="en-US" sz="1200" dirty="0" smtClean="0">
-                <a:solidFill>
-                  <a:schemeClr val="bg1"/>
-                </a:solidFill>
-                <a:latin typeface="源ノ角ゴシック Code JP L" panose="020B0300000000000000" pitchFamily="34" charset="-128"/>
-                <a:ea typeface="源ノ角ゴシック Code JP L" panose="020B0300000000000000" pitchFamily="34" charset="-128"/>
-              </a:rPr>
-              <a:t>算出することによって</a:t>
-            </a:r>
-            <a:r>
-              <a:rPr lang="ja-JP" altLang="en-US" sz="1200" dirty="0">
-                <a:solidFill>
-                  <a:schemeClr val="bg1"/>
-                </a:solidFill>
-                <a:latin typeface="源ノ角ゴシック Code JP L" panose="020B0300000000000000" pitchFamily="34" charset="-128"/>
-                <a:ea typeface="源ノ角ゴシック Code JP L" panose="020B0300000000000000" pitchFamily="34" charset="-128"/>
-              </a:rPr>
-              <a:t>ラインが</a:t>
-            </a:r>
-            <a:r>
-              <a:rPr lang="ja-JP" altLang="en-US" sz="1200" dirty="0" smtClean="0">
-                <a:solidFill>
-                  <a:schemeClr val="bg1"/>
-                </a:solidFill>
-                <a:latin typeface="源ノ角ゴシック Code JP L" panose="020B0300000000000000" pitchFamily="34" charset="-128"/>
-                <a:ea typeface="源ノ角ゴシック Code JP L" panose="020B0300000000000000" pitchFamily="34" charset="-128"/>
-              </a:rPr>
-              <a:t>反応</a:t>
-            </a:r>
-            <a:endParaRPr lang="en-US" altLang="ja-JP" sz="1200" dirty="0" smtClean="0">
-              <a:solidFill>
-                <a:schemeClr val="bg1"/>
-              </a:solidFill>
-              <a:latin typeface="源ノ角ゴシック Code JP L" panose="020B0300000000000000" pitchFamily="34" charset="-128"/>
-              <a:ea typeface="源ノ角ゴシック Code JP L" panose="020B0300000000000000" pitchFamily="34" charset="-128"/>
-            </a:endParaRPr>
-          </a:p>
-          <a:p>
-            <a:r>
-              <a:rPr lang="ja-JP" altLang="en-US" sz="1200" dirty="0" smtClean="0">
-                <a:solidFill>
-                  <a:schemeClr val="bg1"/>
-                </a:solidFill>
-                <a:latin typeface="源ノ角ゴシック Code JP L" panose="020B0300000000000000" pitchFamily="34" charset="-128"/>
-                <a:ea typeface="源ノ角ゴシック Code JP L" panose="020B0300000000000000" pitchFamily="34" charset="-128"/>
-              </a:rPr>
-              <a:t>したときに</a:t>
-            </a:r>
-            <a:r>
-              <a:rPr lang="ja-JP" altLang="en-US" sz="1200" dirty="0">
-                <a:solidFill>
-                  <a:schemeClr val="bg1"/>
-                </a:solidFill>
-                <a:latin typeface="源ノ角ゴシック Code JP L" panose="020B0300000000000000" pitchFamily="34" charset="-128"/>
-                <a:ea typeface="源ノ角ゴシック Code JP L" panose="020B0300000000000000" pitchFamily="34" charset="-128"/>
-              </a:rPr>
-              <a:t>コートの中心方向へ移動</a:t>
-            </a:r>
-            <a:r>
-              <a:rPr lang="ja-JP" altLang="en-US" sz="1200" dirty="0" smtClean="0">
-                <a:solidFill>
-                  <a:schemeClr val="bg1"/>
-                </a:solidFill>
-                <a:latin typeface="源ノ角ゴシック Code JP L" panose="020B0300000000000000" pitchFamily="34" charset="-128"/>
-                <a:ea typeface="源ノ角ゴシック Code JP L" panose="020B0300000000000000" pitchFamily="34" charset="-128"/>
-              </a:rPr>
-              <a:t>する</a:t>
-            </a:r>
-            <a:endParaRPr lang="en-US" altLang="ja-JP" sz="1200" dirty="0" smtClean="0">
-              <a:solidFill>
-                <a:schemeClr val="bg1"/>
-              </a:solidFill>
-              <a:latin typeface="源ノ角ゴシック Code JP L" panose="020B0300000000000000" pitchFamily="34" charset="-128"/>
-              <a:ea typeface="源ノ角ゴシック Code JP L" panose="020B0300000000000000" pitchFamily="34" charset="-128"/>
-            </a:endParaRPr>
-          </a:p>
-          <a:p>
-            <a:r>
-              <a:rPr lang="ja-JP" altLang="en-US" sz="1200" dirty="0" smtClean="0">
-                <a:solidFill>
-                  <a:schemeClr val="bg1"/>
-                </a:solidFill>
-                <a:latin typeface="源ノ角ゴシック Code JP L" panose="020B0300000000000000" pitchFamily="34" charset="-128"/>
-                <a:ea typeface="源ノ角ゴシック Code JP L" panose="020B0300000000000000" pitchFamily="34" charset="-128"/>
-              </a:rPr>
-              <a:t>こと</a:t>
-            </a:r>
-            <a:r>
-              <a:rPr lang="ja-JP" altLang="en-US" sz="1200" dirty="0">
-                <a:solidFill>
-                  <a:schemeClr val="bg1"/>
-                </a:solidFill>
-                <a:latin typeface="源ノ角ゴシック Code JP L" panose="020B0300000000000000" pitchFamily="34" charset="-128"/>
-                <a:ea typeface="源ノ角ゴシック Code JP L" panose="020B0300000000000000" pitchFamily="34" charset="-128"/>
-              </a:rPr>
-              <a:t>が可能になるだけ</a:t>
-            </a:r>
-            <a:r>
-              <a:rPr lang="ja-JP" altLang="en-US" sz="1200" dirty="0" smtClean="0">
-                <a:solidFill>
-                  <a:schemeClr val="bg1"/>
-                </a:solidFill>
-                <a:latin typeface="源ノ角ゴシック Code JP L" panose="020B0300000000000000" pitchFamily="34" charset="-128"/>
-                <a:ea typeface="源ノ角ゴシック Code JP L" panose="020B0300000000000000" pitchFamily="34" charset="-128"/>
-              </a:rPr>
-              <a:t>でなく、</a:t>
-            </a:r>
-            <a:endParaRPr lang="en-US" altLang="ja-JP" sz="1200" dirty="0" smtClean="0">
-              <a:solidFill>
-                <a:schemeClr val="bg1"/>
-              </a:solidFill>
-              <a:latin typeface="源ノ角ゴシック Code JP L" panose="020B0300000000000000" pitchFamily="34" charset="-128"/>
-              <a:ea typeface="源ノ角ゴシック Code JP L" panose="020B0300000000000000" pitchFamily="34" charset="-128"/>
-            </a:endParaRPr>
-          </a:p>
-          <a:p>
-            <a:r>
-              <a:rPr lang="ja-JP" altLang="en-US" sz="1200" dirty="0" smtClean="0">
-                <a:solidFill>
-                  <a:schemeClr val="bg1"/>
-                </a:solidFill>
-                <a:latin typeface="源ノ角ゴシック Code JP L" panose="020B0300000000000000" pitchFamily="34" charset="-128"/>
-                <a:ea typeface="源ノ角ゴシック Code JP L" panose="020B0300000000000000" pitchFamily="34" charset="-128"/>
-              </a:rPr>
-              <a:t>ラインにどの</a:t>
-            </a:r>
-            <a:r>
-              <a:rPr lang="ja-JP" altLang="en-US" sz="1200" dirty="0">
-                <a:solidFill>
-                  <a:schemeClr val="bg1"/>
-                </a:solidFill>
-                <a:latin typeface="源ノ角ゴシック Code JP L" panose="020B0300000000000000" pitchFamily="34" charset="-128"/>
-                <a:ea typeface="源ノ角ゴシック Code JP L" panose="020B0300000000000000" pitchFamily="34" charset="-128"/>
-              </a:rPr>
-              <a:t>角度で乗って</a:t>
-            </a:r>
-            <a:r>
-              <a:rPr lang="ja-JP" altLang="en-US" sz="1200" dirty="0" smtClean="0">
-                <a:solidFill>
-                  <a:schemeClr val="bg1"/>
-                </a:solidFill>
-                <a:latin typeface="源ノ角ゴシック Code JP L" panose="020B0300000000000000" pitchFamily="34" charset="-128"/>
-                <a:ea typeface="源ノ角ゴシック Code JP L" panose="020B0300000000000000" pitchFamily="34" charset="-128"/>
-              </a:rPr>
-              <a:t>も</a:t>
-            </a:r>
-            <a:endParaRPr lang="en-US" altLang="ja-JP" sz="1200" dirty="0" smtClean="0">
-              <a:solidFill>
-                <a:schemeClr val="bg1"/>
-              </a:solidFill>
-              <a:latin typeface="源ノ角ゴシック Code JP L" panose="020B0300000000000000" pitchFamily="34" charset="-128"/>
-              <a:ea typeface="源ノ角ゴシック Code JP L" panose="020B0300000000000000" pitchFamily="34" charset="-128"/>
-            </a:endParaRPr>
-          </a:p>
-          <a:p>
-            <a:r>
-              <a:rPr lang="ja-JP" altLang="en-US" sz="1200" dirty="0" smtClean="0">
-                <a:solidFill>
-                  <a:schemeClr val="bg1"/>
-                </a:solidFill>
-                <a:latin typeface="源ノ角ゴシック Code JP L" panose="020B0300000000000000" pitchFamily="34" charset="-128"/>
-                <a:ea typeface="源ノ角ゴシック Code JP L" panose="020B0300000000000000" pitchFamily="34" charset="-128"/>
-              </a:rPr>
-              <a:t>正確にコート内</a:t>
-            </a:r>
-            <a:r>
-              <a:rPr lang="ja-JP" altLang="en-US" sz="1200" dirty="0">
-                <a:solidFill>
-                  <a:schemeClr val="bg1"/>
-                </a:solidFill>
-                <a:latin typeface="源ノ角ゴシック Code JP L" panose="020B0300000000000000" pitchFamily="34" charset="-128"/>
-                <a:ea typeface="源ノ角ゴシック Code JP L" panose="020B0300000000000000" pitchFamily="34" charset="-128"/>
-              </a:rPr>
-              <a:t>に</a:t>
-            </a:r>
-            <a:r>
-              <a:rPr lang="ja-JP" altLang="en-US" sz="1200" dirty="0" smtClean="0">
-                <a:solidFill>
-                  <a:schemeClr val="bg1"/>
-                </a:solidFill>
-                <a:latin typeface="源ノ角ゴシック Code JP L" panose="020B0300000000000000" pitchFamily="34" charset="-128"/>
-                <a:ea typeface="源ノ角ゴシック Code JP L" panose="020B0300000000000000" pitchFamily="34" charset="-128"/>
-              </a:rPr>
-              <a:t>移動する</a:t>
-            </a:r>
-            <a:r>
-              <a:rPr lang="ja-JP" altLang="en-US" sz="1200" dirty="0">
-                <a:solidFill>
-                  <a:schemeClr val="bg1"/>
-                </a:solidFill>
-                <a:latin typeface="源ノ角ゴシック Code JP L" panose="020B0300000000000000" pitchFamily="34" charset="-128"/>
-                <a:ea typeface="源ノ角ゴシック Code JP L" panose="020B0300000000000000" pitchFamily="34" charset="-128"/>
-              </a:rPr>
-              <a:t>ことが可能になりました。</a:t>
-            </a:r>
-            <a:endParaRPr lang="ja-JP" altLang="en-US" sz="1200" dirty="0">
-              <a:solidFill>
-                <a:schemeClr val="bg1"/>
-              </a:solidFill>
-              <a:latin typeface="源ノ角ゴシック Code JP L" panose="020B0300000000000000" pitchFamily="34" charset="-128"/>
-              <a:ea typeface="源ノ角ゴシック Code JP L" panose="020B0300000000000000" pitchFamily="34" charset="-128"/>
-            </a:endParaRPr>
+              <a:t>正確にコート内に移動することが可能になりました。</a:t>
+            </a:r>
           </a:p>
         </p:txBody>
       </p:sp>
@@ -13765,37 +13066,7 @@
                 <a:latin typeface="源ノ角ゴシック Code JP M" panose="020B0600000000000000" pitchFamily="34" charset="-128"/>
                 <a:ea typeface="源ノ角ゴシック Code JP M" panose="020B0600000000000000" pitchFamily="34" charset="-128"/>
               </a:rPr>
-              <a:t>ボールセンサ</a:t>
-            </a:r>
-            <a:r>
-              <a:rPr lang="ja-JP" altLang="en-US" sz="2000" dirty="0" smtClean="0">
-                <a:solidFill>
-                  <a:schemeClr val="bg1"/>
-                </a:solidFill>
-                <a:latin typeface="源ノ角ゴシック Code JP M" panose="020B0600000000000000" pitchFamily="34" charset="-128"/>
-                <a:ea typeface="源ノ角ゴシック Code JP M" panose="020B0600000000000000" pitchFamily="34" charset="-128"/>
-              </a:rPr>
-              <a:t>の</a:t>
-            </a:r>
-            <a:r>
-              <a:rPr lang="ja-JP" altLang="en-US" sz="2000" dirty="0">
-                <a:solidFill>
-                  <a:schemeClr val="bg1"/>
-                </a:solidFill>
-                <a:latin typeface="源ノ角ゴシック Code JP M" panose="020B0600000000000000" pitchFamily="34" charset="-128"/>
-                <a:ea typeface="源ノ角ゴシック Code JP M" panose="020B0600000000000000" pitchFamily="34" charset="-128"/>
-              </a:rPr>
-              <a:t>制御 </a:t>
-            </a:r>
-            <a:r>
-              <a:rPr lang="ja-JP" altLang="en-US" sz="2000" dirty="0" smtClean="0">
-                <a:solidFill>
-                  <a:schemeClr val="bg1"/>
-                </a:solidFill>
-                <a:latin typeface="源ノ角ゴシック Code JP M" panose="020B0600000000000000" pitchFamily="34" charset="-128"/>
-                <a:ea typeface="源ノ角ゴシック Code JP M" panose="020B0600000000000000" pitchFamily="34" charset="-128"/>
-              </a:rPr>
-              <a:t> </a:t>
+              <a:t>ボールセンサの制御  </a:t>
             </a:r>
             <a:r>
               <a:rPr lang="ja-JP" altLang="en-US" sz="1200" dirty="0">
@@ -13807,7 +13078,7 @@
               </a:rPr>
               <a:t>　　</a:t>
             </a:r>
-            <a:endParaRPr lang="en-US" altLang="ja-JP" sz="1200" dirty="0" smtClean="0">
+            <a:endParaRPr lang="en-US" altLang="ja-JP" sz="1200" dirty="0">
               <a:solidFill>
                 <a:schemeClr val="bg1"/>
               </a:solidFill>
@@ -13824,18 +13095,36 @@
                 <a:latin typeface="源ノ角ゴシック Code JP L" panose="020B0300000000000000" pitchFamily="34" charset="-128"/>
                 <a:ea typeface="源ノ角ゴシック Code JP L" panose="020B0300000000000000" pitchFamily="34" charset="-128"/>
               </a:rPr>
-              <a:t>今まで</a:t>
-            </a:r>
-            <a:r>
-              <a:rPr lang="ja-JP" altLang="en-US" sz="1200" dirty="0" smtClean="0">
+              <a:t>今まではボールセンサーをすべて</a:t>
+            </a:r>
+            <a:endParaRPr lang="en-US" altLang="ja-JP" sz="1200" dirty="0">
+              <a:solidFill>
+                <a:schemeClr val="bg1"/>
+              </a:solidFill>
+              <a:latin typeface="源ノ角ゴシック Code JP L" panose="020B0300000000000000" pitchFamily="34" charset="-128"/>
+              <a:ea typeface="源ノ角ゴシック Code JP L" panose="020B0300000000000000" pitchFamily="34" charset="-128"/>
+            </a:endParaRPr>
+          </a:p>
+          <a:p>
+            <a:r>
+              <a:rPr lang="ja-JP" altLang="en-US" sz="1200" dirty="0">
                 <a:solidFill>
                   <a:schemeClr val="bg1"/>
                 </a:solidFill>
                 <a:latin typeface="源ノ角ゴシック Code JP L" panose="020B0300000000000000" pitchFamily="34" charset="-128"/>
                 <a:ea typeface="源ノ角ゴシック Code JP L" panose="020B0300000000000000" pitchFamily="34" charset="-128"/>
               </a:rPr>
-              <a:t>はボールセンサー</a:t>
-            </a:r>
+              <a:t>メインマイコンに接続し、反応したものの組み合わせで移動方向を判断する制御方法を使用してきました。今シーズンからボールセンサーを一度別マイコンに接続し、各ボールセンサの反応値から</a:t>
+            </a:r>
+            <a:endParaRPr lang="en-US" altLang="ja-JP" sz="1200" dirty="0">
+              <a:solidFill>
+                <a:schemeClr val="bg1"/>
+              </a:solidFill>
+              <a:latin typeface="源ノ角ゴシック Code JP L" panose="020B0300000000000000" pitchFamily="34" charset="-128"/>
+              <a:ea typeface="源ノ角ゴシック Code JP L" panose="020B0300000000000000" pitchFamily="34" charset="-128"/>
+            </a:endParaRPr>
+          </a:p>
+          <a:p>
             <a:r>
               <a:rPr lang="ja-JP" altLang="en-US" sz="1200" dirty="0">
                 <a:solidFill>
@@ -13844,19 +13133,28 @@
                 <a:latin typeface="源ノ角ゴシック Code JP L" panose="020B0300000000000000" pitchFamily="34" charset="-128"/>
                 <a:ea typeface="源ノ角ゴシック Code JP L" panose="020B0300000000000000" pitchFamily="34" charset="-128"/>
               </a:rPr>
-              <a:t>を</a:t>
-            </a:r>
-            <a:r>
-              <a:rPr lang="ja-JP" altLang="en-US" sz="1200" dirty="0" smtClean="0">
+              <a:t>ボールの角度を算出・出力し、</a:t>
+            </a:r>
+            <a:endParaRPr lang="en-US" altLang="ja-JP" sz="1200" dirty="0">
+              <a:solidFill>
+                <a:schemeClr val="bg1"/>
+              </a:solidFill>
+              <a:latin typeface="源ノ角ゴシック Code JP L" panose="020B0300000000000000" pitchFamily="34" charset="-128"/>
+              <a:ea typeface="源ノ角ゴシック Code JP L" panose="020B0300000000000000" pitchFamily="34" charset="-128"/>
+            </a:endParaRPr>
+          </a:p>
+          <a:p>
+            <a:r>
+              <a:rPr lang="ja-JP" altLang="en-US" sz="1200" dirty="0">
                 <a:solidFill>
                   <a:schemeClr val="bg1"/>
                 </a:solidFill>
                 <a:latin typeface="源ノ角ゴシック Code JP L" panose="020B0300000000000000" pitchFamily="34" charset="-128"/>
                 <a:ea typeface="源ノ角ゴシック Code JP L" panose="020B0300000000000000" pitchFamily="34" charset="-128"/>
               </a:rPr>
-              <a:t>すべて</a:t>
-            </a:r>
-            <a:endParaRPr lang="en-US" altLang="ja-JP" sz="1200" dirty="0" smtClean="0">
+              <a:t>それをもとに移動する制御方法に変更しました。センサーの数を</a:t>
+            </a:r>
+            <a:endParaRPr lang="en-US" altLang="ja-JP" sz="1200" dirty="0">
               <a:solidFill>
                 <a:schemeClr val="bg1"/>
               </a:solidFill>
@@ -13866,15 +13164,24 @@
           </a:p>
           <a:p>
             <a:r>
-              <a:rPr lang="ja-JP" altLang="en-US" sz="1200" dirty="0" smtClean="0">
+              <a:rPr lang="ja-JP" altLang="en-US" sz="1200" dirty="0">
                 <a:solidFill>
                   <a:schemeClr val="bg1"/>
                 </a:solidFill>
                 <a:latin typeface="源ノ角ゴシック Code JP L" panose="020B0300000000000000" pitchFamily="34" charset="-128"/>
                 <a:ea typeface="源ノ角ゴシック Code JP L" panose="020B0300000000000000" pitchFamily="34" charset="-128"/>
               </a:rPr>
-              <a:t>メインマイコンに接続</a:t>
-            </a:r>
+              <a:t>以前より追加したことで、より</a:t>
+            </a:r>
+            <a:endParaRPr lang="en-US" altLang="ja-JP" sz="1200" dirty="0">
+              <a:solidFill>
+                <a:schemeClr val="bg1"/>
+              </a:solidFill>
+              <a:latin typeface="源ノ角ゴシック Code JP L" panose="020B0300000000000000" pitchFamily="34" charset="-128"/>
+              <a:ea typeface="源ノ角ゴシック Code JP L" panose="020B0300000000000000" pitchFamily="34" charset="-128"/>
+            </a:endParaRPr>
+          </a:p>
+          <a:p>
             <a:r>
               <a:rPr lang="ja-JP" altLang="en-US" sz="1200" dirty="0">
                 <a:solidFill>
@@ -13883,331 +13190,8 @@
                 <a:latin typeface="源ノ角ゴシック Code JP L" panose="020B0300000000000000" pitchFamily="34" charset="-128"/>
                 <a:ea typeface="源ノ角ゴシック Code JP L" panose="020B0300000000000000" pitchFamily="34" charset="-128"/>
               </a:rPr>
-              <a:t>し、反応</a:t>
-            </a:r>
-            <a:r>
-              <a:rPr lang="ja-JP" altLang="en-US" sz="1200" dirty="0" smtClean="0">
-                <a:solidFill>
-                  <a:schemeClr val="bg1"/>
-                </a:solidFill>
-                <a:latin typeface="源ノ角ゴシック Code JP L" panose="020B0300000000000000" pitchFamily="34" charset="-128"/>
-                <a:ea typeface="源ノ角ゴシック Code JP L" panose="020B0300000000000000" pitchFamily="34" charset="-128"/>
-              </a:rPr>
-              <a:t>したものの組み合わせ</a:t>
-            </a:r>
-            <a:r>
-              <a:rPr lang="ja-JP" altLang="en-US" sz="1200" dirty="0">
-                <a:solidFill>
-                  <a:schemeClr val="bg1"/>
-                </a:solidFill>
-                <a:latin typeface="源ノ角ゴシック Code JP L" panose="020B0300000000000000" pitchFamily="34" charset="-128"/>
-                <a:ea typeface="源ノ角ゴシック Code JP L" panose="020B0300000000000000" pitchFamily="34" charset="-128"/>
-              </a:rPr>
-              <a:t>で移動方向を</a:t>
-            </a:r>
-            <a:r>
-              <a:rPr lang="ja-JP" altLang="en-US" sz="1200" dirty="0" smtClean="0">
-                <a:solidFill>
-                  <a:schemeClr val="bg1"/>
-                </a:solidFill>
-                <a:latin typeface="源ノ角ゴシック Code JP L" panose="020B0300000000000000" pitchFamily="34" charset="-128"/>
-                <a:ea typeface="源ノ角ゴシック Code JP L" panose="020B0300000000000000" pitchFamily="34" charset="-128"/>
-              </a:rPr>
-              <a:t>判断する制御</a:t>
-            </a:r>
-            <a:r>
-              <a:rPr lang="ja-JP" altLang="en-US" sz="1200" dirty="0">
-                <a:solidFill>
-                  <a:schemeClr val="bg1"/>
-                </a:solidFill>
-                <a:latin typeface="源ノ角ゴシック Code JP L" panose="020B0300000000000000" pitchFamily="34" charset="-128"/>
-                <a:ea typeface="源ノ角ゴシック Code JP L" panose="020B0300000000000000" pitchFamily="34" charset="-128"/>
-              </a:rPr>
-              <a:t>方法</a:t>
-            </a:r>
-            <a:r>
-              <a:rPr lang="ja-JP" altLang="en-US" sz="1200" dirty="0" smtClean="0">
-                <a:solidFill>
-                  <a:schemeClr val="bg1"/>
-                </a:solidFill>
-                <a:latin typeface="源ノ角ゴシック Code JP L" panose="020B0300000000000000" pitchFamily="34" charset="-128"/>
-                <a:ea typeface="源ノ角ゴシック Code JP L" panose="020B0300000000000000" pitchFamily="34" charset="-128"/>
-              </a:rPr>
-              <a:t>を使用</a:t>
-            </a:r>
-            <a:r>
-              <a:rPr lang="ja-JP" altLang="en-US" sz="1200" dirty="0">
-                <a:solidFill>
-                  <a:schemeClr val="bg1"/>
-                </a:solidFill>
-                <a:latin typeface="源ノ角ゴシック Code JP L" panose="020B0300000000000000" pitchFamily="34" charset="-128"/>
-                <a:ea typeface="源ノ角ゴシック Code JP L" panose="020B0300000000000000" pitchFamily="34" charset="-128"/>
-              </a:rPr>
-              <a:t>してきました</a:t>
-            </a:r>
-            <a:r>
-              <a:rPr lang="ja-JP" altLang="en-US" sz="1200" dirty="0" smtClean="0">
-                <a:solidFill>
-                  <a:schemeClr val="bg1"/>
-                </a:solidFill>
-                <a:latin typeface="源ノ角ゴシック Code JP L" panose="020B0300000000000000" pitchFamily="34" charset="-128"/>
-                <a:ea typeface="源ノ角ゴシック Code JP L" panose="020B0300000000000000" pitchFamily="34" charset="-128"/>
-              </a:rPr>
-              <a:t>。今</a:t>
-            </a:r>
-            <a:r>
-              <a:rPr lang="ja-JP" altLang="en-US" sz="1200" dirty="0">
-                <a:solidFill>
-                  <a:schemeClr val="bg1"/>
-                </a:solidFill>
-                <a:latin typeface="源ノ角ゴシック Code JP L" panose="020B0300000000000000" pitchFamily="34" charset="-128"/>
-                <a:ea typeface="源ノ角ゴシック Code JP L" panose="020B0300000000000000" pitchFamily="34" charset="-128"/>
-              </a:rPr>
-              <a:t>シーズン</a:t>
-            </a:r>
-            <a:r>
-              <a:rPr lang="ja-JP" altLang="en-US" sz="1200" dirty="0" smtClean="0">
-                <a:solidFill>
-                  <a:schemeClr val="bg1"/>
-                </a:solidFill>
-                <a:latin typeface="源ノ角ゴシック Code JP L" panose="020B0300000000000000" pitchFamily="34" charset="-128"/>
-                <a:ea typeface="源ノ角ゴシック Code JP L" panose="020B0300000000000000" pitchFamily="34" charset="-128"/>
-              </a:rPr>
-              <a:t>からボールセンサーを一度別</a:t>
-            </a:r>
-            <a:r>
-              <a:rPr lang="ja-JP" altLang="en-US" sz="1200" dirty="0">
-                <a:solidFill>
-                  <a:schemeClr val="bg1"/>
-                </a:solidFill>
-                <a:latin typeface="源ノ角ゴシック Code JP L" panose="020B0300000000000000" pitchFamily="34" charset="-128"/>
-                <a:ea typeface="源ノ角ゴシック Code JP L" panose="020B0300000000000000" pitchFamily="34" charset="-128"/>
-              </a:rPr>
-              <a:t>マイコンに接続</a:t>
-            </a:r>
-            <a:r>
-              <a:rPr lang="ja-JP" altLang="en-US" sz="1200" dirty="0" smtClean="0">
-                <a:solidFill>
-                  <a:schemeClr val="bg1"/>
-                </a:solidFill>
-                <a:latin typeface="源ノ角ゴシック Code JP L" panose="020B0300000000000000" pitchFamily="34" charset="-128"/>
-                <a:ea typeface="源ノ角ゴシック Code JP L" panose="020B0300000000000000" pitchFamily="34" charset="-128"/>
-              </a:rPr>
-              <a:t>し、各ボールセンサの反応値から</a:t>
-            </a:r>
-            <a:endParaRPr lang="en-US" altLang="ja-JP" sz="1200" dirty="0" smtClean="0">
-              <a:solidFill>
-                <a:schemeClr val="bg1"/>
-              </a:solidFill>
-              <a:latin typeface="源ノ角ゴシック Code JP L" panose="020B0300000000000000" pitchFamily="34" charset="-128"/>
-              <a:ea typeface="源ノ角ゴシック Code JP L" panose="020B0300000000000000" pitchFamily="34" charset="-128"/>
-            </a:endParaRPr>
-          </a:p>
-          <a:p>
-            <a:r>
-              <a:rPr lang="ja-JP" altLang="en-US" sz="1200" dirty="0" smtClean="0">
-                <a:solidFill>
-                  <a:schemeClr val="bg1"/>
-                </a:solidFill>
-                <a:latin typeface="源ノ角ゴシック Code JP L" panose="020B0300000000000000" pitchFamily="34" charset="-128"/>
-                <a:ea typeface="源ノ角ゴシック Code JP L" panose="020B0300000000000000" pitchFamily="34" charset="-128"/>
-              </a:rPr>
-              <a:t>ボールの角度を算出・出力</a:t>
-            </a:r>
-            <a:r>
-              <a:rPr lang="ja-JP" altLang="en-US" sz="1200" dirty="0">
-                <a:solidFill>
-                  <a:schemeClr val="bg1"/>
-                </a:solidFill>
-                <a:latin typeface="源ノ角ゴシック Code JP L" panose="020B0300000000000000" pitchFamily="34" charset="-128"/>
-                <a:ea typeface="源ノ角ゴシック Code JP L" panose="020B0300000000000000" pitchFamily="34" charset="-128"/>
-              </a:rPr>
-              <a:t>し</a:t>
-            </a:r>
-            <a:r>
-              <a:rPr lang="ja-JP" altLang="en-US" sz="1200" dirty="0" smtClean="0">
-                <a:solidFill>
-                  <a:schemeClr val="bg1"/>
-                </a:solidFill>
-                <a:latin typeface="源ノ角ゴシック Code JP L" panose="020B0300000000000000" pitchFamily="34" charset="-128"/>
-                <a:ea typeface="源ノ角ゴシック Code JP L" panose="020B0300000000000000" pitchFamily="34" charset="-128"/>
-              </a:rPr>
-              <a:t>、</a:t>
-            </a:r>
-            <a:endParaRPr lang="en-US" altLang="ja-JP" sz="1200" dirty="0" smtClean="0">
-              <a:solidFill>
-                <a:schemeClr val="bg1"/>
-              </a:solidFill>
-              <a:latin typeface="源ノ角ゴシック Code JP L" panose="020B0300000000000000" pitchFamily="34" charset="-128"/>
-              <a:ea typeface="源ノ角ゴシック Code JP L" panose="020B0300000000000000" pitchFamily="34" charset="-128"/>
-            </a:endParaRPr>
-          </a:p>
-          <a:p>
-            <a:r>
-              <a:rPr lang="ja-JP" altLang="en-US" sz="1200" dirty="0" smtClean="0">
-                <a:solidFill>
-                  <a:schemeClr val="bg1"/>
-                </a:solidFill>
-                <a:latin typeface="源ノ角ゴシック Code JP L" panose="020B0300000000000000" pitchFamily="34" charset="-128"/>
-                <a:ea typeface="源ノ角ゴシック Code JP L" panose="020B0300000000000000" pitchFamily="34" charset="-128"/>
-              </a:rPr>
-              <a:t>それ</a:t>
-            </a:r>
-            <a:r>
-              <a:rPr lang="ja-JP" altLang="en-US" sz="1200" dirty="0">
-                <a:solidFill>
-                  <a:schemeClr val="bg1"/>
-                </a:solidFill>
-                <a:latin typeface="源ノ角ゴシック Code JP L" panose="020B0300000000000000" pitchFamily="34" charset="-128"/>
-                <a:ea typeface="源ノ角ゴシック Code JP L" panose="020B0300000000000000" pitchFamily="34" charset="-128"/>
-              </a:rPr>
-              <a:t>をもと</a:t>
-            </a:r>
-            <a:r>
-              <a:rPr lang="ja-JP" altLang="en-US" sz="1200" dirty="0" smtClean="0">
-                <a:solidFill>
-                  <a:schemeClr val="bg1"/>
-                </a:solidFill>
-                <a:latin typeface="源ノ角ゴシック Code JP L" panose="020B0300000000000000" pitchFamily="34" charset="-128"/>
-                <a:ea typeface="源ノ角ゴシック Code JP L" panose="020B0300000000000000" pitchFamily="34" charset="-128"/>
-              </a:rPr>
-              <a:t>に移動する制御</a:t>
-            </a:r>
-            <a:r>
-              <a:rPr lang="ja-JP" altLang="en-US" sz="1200" dirty="0">
-                <a:solidFill>
-                  <a:schemeClr val="bg1"/>
-                </a:solidFill>
-                <a:latin typeface="源ノ角ゴシック Code JP L" panose="020B0300000000000000" pitchFamily="34" charset="-128"/>
-                <a:ea typeface="源ノ角ゴシック Code JP L" panose="020B0300000000000000" pitchFamily="34" charset="-128"/>
-              </a:rPr>
-              <a:t>方法に</a:t>
-            </a:r>
-            <a:r>
-              <a:rPr lang="ja-JP" altLang="en-US" sz="1200" dirty="0" smtClean="0">
-                <a:solidFill>
-                  <a:schemeClr val="bg1"/>
-                </a:solidFill>
-                <a:latin typeface="源ノ角ゴシック Code JP L" panose="020B0300000000000000" pitchFamily="34" charset="-128"/>
-                <a:ea typeface="源ノ角ゴシック Code JP L" panose="020B0300000000000000" pitchFamily="34" charset="-128"/>
-              </a:rPr>
-              <a:t>変更しました。センサーの数を</a:t>
-            </a:r>
-            <a:endParaRPr lang="en-US" altLang="ja-JP" sz="1200" dirty="0" smtClean="0">
-              <a:solidFill>
-                <a:schemeClr val="bg1"/>
-              </a:solidFill>
-              <a:latin typeface="源ノ角ゴシック Code JP L" panose="020B0300000000000000" pitchFamily="34" charset="-128"/>
-              <a:ea typeface="源ノ角ゴシック Code JP L" panose="020B0300000000000000" pitchFamily="34" charset="-128"/>
-            </a:endParaRPr>
-          </a:p>
-          <a:p>
-            <a:r>
-              <a:rPr lang="ja-JP" altLang="en-US" sz="1200" dirty="0" smtClean="0">
-                <a:solidFill>
-                  <a:schemeClr val="bg1"/>
-                </a:solidFill>
-                <a:latin typeface="源ノ角ゴシック Code JP L" panose="020B0300000000000000" pitchFamily="34" charset="-128"/>
-                <a:ea typeface="源ノ角ゴシック Code JP L" panose="020B0300000000000000" pitchFamily="34" charset="-128"/>
-              </a:rPr>
-              <a:t>以前</a:t>
-            </a:r>
-            <a:r>
-              <a:rPr lang="ja-JP" altLang="en-US" sz="1200" dirty="0">
-                <a:solidFill>
-                  <a:schemeClr val="bg1"/>
-                </a:solidFill>
-                <a:latin typeface="源ノ角ゴシック Code JP L" panose="020B0300000000000000" pitchFamily="34" charset="-128"/>
-                <a:ea typeface="源ノ角ゴシック Code JP L" panose="020B0300000000000000" pitchFamily="34" charset="-128"/>
-              </a:rPr>
-              <a:t>より追加</a:t>
-            </a:r>
-            <a:r>
-              <a:rPr lang="ja-JP" altLang="en-US" sz="1200" dirty="0" smtClean="0">
-                <a:solidFill>
-                  <a:schemeClr val="bg1"/>
-                </a:solidFill>
-                <a:latin typeface="源ノ角ゴシック Code JP L" panose="020B0300000000000000" pitchFamily="34" charset="-128"/>
-                <a:ea typeface="源ノ角ゴシック Code JP L" panose="020B0300000000000000" pitchFamily="34" charset="-128"/>
-              </a:rPr>
-              <a:t>したこと</a:t>
-            </a:r>
-            <a:r>
-              <a:rPr lang="ja-JP" altLang="en-US" sz="1200" dirty="0">
-                <a:solidFill>
-                  <a:schemeClr val="bg1"/>
-                </a:solidFill>
-                <a:latin typeface="源ノ角ゴシック Code JP L" panose="020B0300000000000000" pitchFamily="34" charset="-128"/>
-                <a:ea typeface="源ノ角ゴシック Code JP L" panose="020B0300000000000000" pitchFamily="34" charset="-128"/>
-              </a:rPr>
-              <a:t>で、</a:t>
-            </a:r>
-            <a:r>
-              <a:rPr lang="ja-JP" altLang="en-US" sz="1200" dirty="0" smtClean="0">
-                <a:solidFill>
-                  <a:schemeClr val="bg1"/>
-                </a:solidFill>
-                <a:latin typeface="源ノ角ゴシック Code JP L" panose="020B0300000000000000" pitchFamily="34" charset="-128"/>
-                <a:ea typeface="源ノ角ゴシック Code JP L" panose="020B0300000000000000" pitchFamily="34" charset="-128"/>
-              </a:rPr>
-              <a:t>より</a:t>
-            </a:r>
-            <a:endParaRPr lang="en-US" altLang="ja-JP" sz="1200" dirty="0" smtClean="0">
-              <a:solidFill>
-                <a:schemeClr val="bg1"/>
-              </a:solidFill>
-              <a:latin typeface="源ノ角ゴシック Code JP L" panose="020B0300000000000000" pitchFamily="34" charset="-128"/>
-              <a:ea typeface="源ノ角ゴシック Code JP L" panose="020B0300000000000000" pitchFamily="34" charset="-128"/>
-            </a:endParaRPr>
-          </a:p>
-          <a:p>
-            <a:r>
-              <a:rPr lang="ja-JP" altLang="en-US" sz="1200" dirty="0" smtClean="0">
-                <a:solidFill>
-                  <a:schemeClr val="bg1"/>
-                </a:solidFill>
-                <a:latin typeface="源ノ角ゴシック Code JP L" panose="020B0300000000000000" pitchFamily="34" charset="-128"/>
-                <a:ea typeface="源ノ角ゴシック Code JP L" panose="020B0300000000000000" pitchFamily="34" charset="-128"/>
-              </a:rPr>
-              <a:t>正確なボール</a:t>
-            </a:r>
-            <a:r>
-              <a:rPr lang="ja-JP" altLang="en-US" sz="1200" dirty="0">
-                <a:solidFill>
-                  <a:schemeClr val="bg1"/>
-                </a:solidFill>
-                <a:latin typeface="源ノ角ゴシック Code JP L" panose="020B0300000000000000" pitchFamily="34" charset="-128"/>
-                <a:ea typeface="源ノ角ゴシック Code JP L" panose="020B0300000000000000" pitchFamily="34" charset="-128"/>
-              </a:rPr>
-              <a:t>の</a:t>
-            </a:r>
-            <a:r>
-              <a:rPr lang="ja-JP" altLang="en-US" sz="1200" dirty="0" smtClean="0">
-                <a:solidFill>
-                  <a:schemeClr val="bg1"/>
-                </a:solidFill>
-                <a:latin typeface="源ノ角ゴシック Code JP L" panose="020B0300000000000000" pitchFamily="34" charset="-128"/>
-                <a:ea typeface="源ノ角ゴシック Code JP L" panose="020B0300000000000000" pitchFamily="34" charset="-128"/>
-              </a:rPr>
-              <a:t>位置の把握、回り込みができるように</a:t>
-            </a:r>
-            <a:r>
-              <a:rPr lang="ja-JP" altLang="en-US" sz="1200" dirty="0">
-                <a:solidFill>
-                  <a:schemeClr val="bg1"/>
-                </a:solidFill>
-                <a:latin typeface="源ノ角ゴシック Code JP L" panose="020B0300000000000000" pitchFamily="34" charset="-128"/>
-                <a:ea typeface="源ノ角ゴシック Code JP L" panose="020B0300000000000000" pitchFamily="34" charset="-128"/>
-              </a:rPr>
-              <a:t>なりました。</a:t>
-            </a:r>
-            <a:endParaRPr lang="ja-JP" altLang="en-US" sz="1200" dirty="0">
-              <a:solidFill>
-                <a:schemeClr val="bg1"/>
-              </a:solidFill>
-              <a:latin typeface="源ノ角ゴシック Code JP L" panose="020B0300000000000000" pitchFamily="34" charset="-128"/>
-              <a:ea typeface="源ノ角ゴシック Code JP L" panose="020B0300000000000000" pitchFamily="34" charset="-128"/>
-            </a:endParaRPr>
+              <a:t>正確なボールの位置の把握、回り込みができるようになりました。</a:t>
+            </a:r>
           </a:p>
         </p:txBody>
       </p:sp>
@@ -14220,7 +13204,7 @@
         <p:spPr>
           <a:xfrm>
             <a:off x="237203" y="7541968"/>
-            <a:ext cx="3934941" cy="2893100"/>
+            <a:ext cx="3934941" cy="2923877"/>
           </a:xfrm>
           <a:prstGeom prst="rect">
             <a:avLst/>
@@ -14234,24 +13218,14 @@
           <a:lstStyle/>
           <a:p>
             <a:r>
-              <a:rPr lang="ja-JP" altLang="en-US" sz="2800" dirty="0" smtClean="0">
+              <a:rPr lang="ja-JP" altLang="en-US" sz="2800" dirty="0">
                 <a:solidFill>
                   <a:schemeClr val="bg1"/>
                 </a:solidFill>
                 <a:latin typeface="源ノ角ゴシック Code JP M" panose="020B0600000000000000" pitchFamily="34" charset="-128"/>
                 <a:ea typeface="源ノ角ゴシック Code JP M" panose="020B0600000000000000" pitchFamily="34" charset="-128"/>
               </a:rPr>
-              <a:t>円形</a:t>
-            </a:r>
-            <a:r>
-              <a:rPr lang="ja-JP" altLang="en-US" sz="2800" dirty="0">
-                <a:solidFill>
-                  <a:schemeClr val="bg1"/>
-                </a:solidFill>
-                <a:latin typeface="源ノ角ゴシック Code JP M" panose="020B0600000000000000" pitchFamily="34" charset="-128"/>
-                <a:ea typeface="源ノ角ゴシック Code JP M" panose="020B0600000000000000" pitchFamily="34" charset="-128"/>
-              </a:rPr>
-              <a:t>ライン</a:t>
+              <a:t>円形ライン</a:t>
             </a:r>
             <a:r>
               <a:rPr lang="ja-JP" altLang="en-US" sz="1200" dirty="0">
@@ -14263,7 +13237,7 @@
               </a:rPr>
               <a:t>　　</a:t>
             </a:r>
-            <a:endParaRPr lang="en-US" altLang="ja-JP" sz="1200" dirty="0" smtClean="0">
+            <a:endParaRPr lang="en-US" altLang="ja-JP" sz="1200" dirty="0">
               <a:solidFill>
                 <a:schemeClr val="bg1"/>
               </a:solidFill>
@@ -14273,86 +13247,131 @@
           </a:p>
           <a:p>
             <a:r>
-              <a:rPr lang="ja-JP" altLang="en-US" sz="1400" dirty="0">
+              <a:rPr lang="ja-JP" altLang="en-US" sz="1300" dirty="0">
                 <a:solidFill>
                   <a:schemeClr val="bg1"/>
                 </a:solidFill>
                 <a:latin typeface="源ノ角ゴシック Code JP L" panose="020B0300000000000000" pitchFamily="34" charset="-128"/>
                 <a:ea typeface="源ノ角ゴシック Code JP L" panose="020B0300000000000000" pitchFamily="34" charset="-128"/>
               </a:rPr>
-              <a:t>今年は</a:t>
-            </a:r>
-            <a:r>
-              <a:rPr lang="ja-JP" altLang="en-US" sz="1400" dirty="0" smtClean="0">
+              <a:t>今年は、小サイズのラインセンサー数個から、センサー</a:t>
+            </a:r>
+            <a:r>
+              <a:rPr lang="en-US" altLang="ja-JP" sz="1300" dirty="0">
                 <a:solidFill>
                   <a:schemeClr val="bg1"/>
                 </a:solidFill>
                 <a:latin typeface="源ノ角ゴシック Code JP L" panose="020B0300000000000000" pitchFamily="34" charset="-128"/>
                 <a:ea typeface="源ノ角ゴシック Code JP L" panose="020B0300000000000000" pitchFamily="34" charset="-128"/>
               </a:rPr>
-              <a:t>、小サイズのラインセンサー</a:t>
-            </a:r>
-            <a:r>
-              <a:rPr lang="ja-JP" altLang="en-US" sz="1400" dirty="0">
+              <a:t>16</a:t>
+            </a:r>
+            <a:r>
+              <a:rPr lang="ja-JP" altLang="en-US" sz="1300" dirty="0">
                 <a:solidFill>
                   <a:schemeClr val="bg1"/>
                 </a:solidFill>
                 <a:latin typeface="源ノ角ゴシック Code JP L" panose="020B0300000000000000" pitchFamily="34" charset="-128"/>
                 <a:ea typeface="源ノ角ゴシック Code JP L" panose="020B0300000000000000" pitchFamily="34" charset="-128"/>
               </a:rPr>
-              <a:t>数個から、センサー</a:t>
-            </a:r>
-            <a:r>
-              <a:rPr lang="en-US" altLang="ja-JP" sz="1400" dirty="0">
+              <a:t>個を円形に配置したものに変更。円形することでどのような状態でもラインに</a:t>
+            </a:r>
+            <a:endParaRPr lang="en-US" altLang="ja-JP" sz="1300" dirty="0">
+              <a:solidFill>
+                <a:schemeClr val="bg1"/>
+              </a:solidFill>
+              <a:latin typeface="源ノ角ゴシック Code JP L" panose="020B0300000000000000" pitchFamily="34" charset="-128"/>
+              <a:ea typeface="源ノ角ゴシック Code JP L" panose="020B0300000000000000" pitchFamily="34" charset="-128"/>
+            </a:endParaRPr>
+          </a:p>
+          <a:p>
+            <a:r>
+              <a:rPr lang="ja-JP" altLang="en-US" sz="1300" dirty="0">
                 <a:solidFill>
                   <a:schemeClr val="bg1"/>
                 </a:solidFill>
                 <a:latin typeface="源ノ角ゴシック Code JP L" panose="020B0300000000000000" pitchFamily="34" charset="-128"/>
                 <a:ea typeface="源ノ角ゴシック Code JP L" panose="020B0300000000000000" pitchFamily="34" charset="-128"/>
               </a:rPr>
-              <a:t>16</a:t>
-            </a:r>
-            <a:r>
-              <a:rPr lang="ja-JP" altLang="en-US" sz="1400" dirty="0">
+              <a:t>反応するようになり</a:t>
+            </a:r>
+            <a:endParaRPr lang="en-US" altLang="ja-JP" sz="1300" dirty="0">
+              <a:solidFill>
+                <a:schemeClr val="bg1"/>
+              </a:solidFill>
+              <a:latin typeface="源ノ角ゴシック Code JP L" panose="020B0300000000000000" pitchFamily="34" charset="-128"/>
+              <a:ea typeface="源ノ角ゴシック Code JP L" panose="020B0300000000000000" pitchFamily="34" charset="-128"/>
+            </a:endParaRPr>
+          </a:p>
+          <a:p>
+            <a:r>
+              <a:rPr lang="ja-JP" altLang="en-US" sz="1300" dirty="0">
                 <a:solidFill>
                   <a:schemeClr val="bg1"/>
                 </a:solidFill>
                 <a:latin typeface="源ノ角ゴシック Code JP L" panose="020B0300000000000000" pitchFamily="34" charset="-128"/>
                 <a:ea typeface="源ノ角ゴシック Code JP L" panose="020B0300000000000000" pitchFamily="34" charset="-128"/>
               </a:rPr>
-              <a:t>個を円形に配置したものに変更</a:t>
-            </a:r>
-            <a:r>
-              <a:rPr lang="ja-JP" altLang="en-US" sz="1400" dirty="0" smtClean="0">
+              <a:t>ました。前年からの</a:t>
+            </a:r>
+            <a:endParaRPr lang="en-US" altLang="ja-JP" sz="1300" dirty="0">
+              <a:solidFill>
+                <a:schemeClr val="bg1"/>
+              </a:solidFill>
+              <a:latin typeface="源ノ角ゴシック Code JP L" panose="020B0300000000000000" pitchFamily="34" charset="-128"/>
+              <a:ea typeface="源ノ角ゴシック Code JP L" panose="020B0300000000000000" pitchFamily="34" charset="-128"/>
+            </a:endParaRPr>
+          </a:p>
+          <a:p>
+            <a:r>
+              <a:rPr lang="ja-JP" altLang="en-US" sz="1300" dirty="0">
                 <a:solidFill>
                   <a:schemeClr val="bg1"/>
                 </a:solidFill>
                 <a:latin typeface="源ノ角ゴシック Code JP L" panose="020B0300000000000000" pitchFamily="34" charset="-128"/>
                 <a:ea typeface="源ノ角ゴシック Code JP L" panose="020B0300000000000000" pitchFamily="34" charset="-128"/>
               </a:rPr>
-              <a:t>。円形する</a:t>
-            </a:r>
-            <a:r>
-              <a:rPr lang="ja-JP" altLang="en-US" sz="1400" dirty="0">
+              <a:t>課題の「スピードが</a:t>
+            </a:r>
+            <a:endParaRPr lang="en-US" altLang="ja-JP" sz="1300" dirty="0">
+              <a:solidFill>
+                <a:schemeClr val="bg1"/>
+              </a:solidFill>
+              <a:latin typeface="源ノ角ゴシック Code JP L" panose="020B0300000000000000" pitchFamily="34" charset="-128"/>
+              <a:ea typeface="源ノ角ゴシック Code JP L" panose="020B0300000000000000" pitchFamily="34" charset="-128"/>
+            </a:endParaRPr>
+          </a:p>
+          <a:p>
+            <a:r>
+              <a:rPr lang="ja-JP" altLang="en-US" sz="1300" dirty="0">
                 <a:solidFill>
                   <a:schemeClr val="bg1"/>
                 </a:solidFill>
                 <a:latin typeface="源ノ角ゴシック Code JP L" panose="020B0300000000000000" pitchFamily="34" charset="-128"/>
                 <a:ea typeface="源ノ角ゴシック Code JP L" panose="020B0300000000000000" pitchFamily="34" charset="-128"/>
               </a:rPr>
-              <a:t>こと</a:t>
-            </a:r>
-            <a:r>
-              <a:rPr lang="ja-JP" altLang="en-US" sz="1400" dirty="0" smtClean="0">
+              <a:t>速すぎてラインから</a:t>
+            </a:r>
+            <a:endParaRPr lang="en-US" altLang="ja-JP" sz="1300" dirty="0">
+              <a:solidFill>
+                <a:schemeClr val="bg1"/>
+              </a:solidFill>
+              <a:latin typeface="源ノ角ゴシック Code JP L" panose="020B0300000000000000" pitchFamily="34" charset="-128"/>
+              <a:ea typeface="源ノ角ゴシック Code JP L" panose="020B0300000000000000" pitchFamily="34" charset="-128"/>
+            </a:endParaRPr>
+          </a:p>
+          <a:p>
+            <a:r>
+              <a:rPr lang="ja-JP" altLang="en-US" sz="1300" dirty="0">
                 <a:solidFill>
                   <a:schemeClr val="bg1"/>
                 </a:solidFill>
                 <a:latin typeface="源ノ角ゴシック Code JP L" panose="020B0300000000000000" pitchFamily="34" charset="-128"/>
                 <a:ea typeface="源ノ角ゴシック Code JP L" panose="020B0300000000000000" pitchFamily="34" charset="-128"/>
               </a:rPr>
-              <a:t>でどのような状態でもラインに</a:t>
-            </a:r>
-            <a:endParaRPr lang="en-US" altLang="ja-JP" sz="1400" dirty="0" smtClean="0">
+              <a:t>出る」というのも</a:t>
+            </a:r>
+            <a:endParaRPr lang="en-US" altLang="ja-JP" sz="1300" dirty="0">
               <a:solidFill>
                 <a:schemeClr val="bg1"/>
               </a:solidFill>
@@ -14362,16 +13381,16 @@
           </a:p>
           <a:p>
             <a:r>
-              <a:rPr lang="ja-JP" altLang="en-US" sz="1400" dirty="0" smtClean="0">
+              <a:rPr lang="ja-JP" altLang="en-US" sz="1300" dirty="0">
                 <a:solidFill>
                   <a:schemeClr val="bg1"/>
                 </a:solidFill>
                 <a:latin typeface="源ノ角ゴシック Code JP L" panose="020B0300000000000000" pitchFamily="34" charset="-128"/>
                 <a:ea typeface="源ノ角ゴシック Code JP L" panose="020B0300000000000000" pitchFamily="34" charset="-128"/>
               </a:rPr>
-              <a:t>反応するようになり</a:t>
-            </a:r>
-            <a:endParaRPr lang="en-US" altLang="ja-JP" sz="1400" dirty="0" smtClean="0">
+              <a:t>解決し、スピードを</a:t>
+            </a:r>
+            <a:endParaRPr lang="en-US" altLang="ja-JP" sz="1300" dirty="0">
               <a:solidFill>
                 <a:schemeClr val="bg1"/>
               </a:solidFill>
@@ -14381,16 +13400,16 @@
           </a:p>
           <a:p>
             <a:r>
-              <a:rPr lang="ja-JP" altLang="en-US" sz="1400" dirty="0" smtClean="0">
+              <a:rPr lang="ja-JP" altLang="en-US" sz="1300" dirty="0">
                 <a:solidFill>
                   <a:schemeClr val="bg1"/>
                 </a:solidFill>
                 <a:latin typeface="源ノ角ゴシック Code JP L" panose="020B0300000000000000" pitchFamily="34" charset="-128"/>
                 <a:ea typeface="源ノ角ゴシック Code JP L" panose="020B0300000000000000" pitchFamily="34" charset="-128"/>
               </a:rPr>
-              <a:t>ました。前年からの</a:t>
-            </a:r>
-            <a:endParaRPr lang="en-US" altLang="ja-JP" sz="1400" dirty="0" smtClean="0">
+              <a:t>気にせずに制御が</a:t>
+            </a:r>
+            <a:endParaRPr lang="en-US" altLang="ja-JP" sz="1300" dirty="0">
               <a:solidFill>
                 <a:schemeClr val="bg1"/>
               </a:solidFill>
@@ -14400,227 +13419,34 @@
           </a:p>
           <a:p>
             <a:r>
-              <a:rPr lang="ja-JP" altLang="en-US" sz="1400" dirty="0" smtClean="0">
+              <a:rPr lang="ja-JP" altLang="en-US" sz="1300" dirty="0">
                 <a:solidFill>
                   <a:schemeClr val="bg1"/>
                 </a:solidFill>
                 <a:latin typeface="源ノ角ゴシック Code JP L" panose="020B0300000000000000" pitchFamily="34" charset="-128"/>
                 <a:ea typeface="源ノ角ゴシック Code JP L" panose="020B0300000000000000" pitchFamily="34" charset="-128"/>
               </a:rPr>
-              <a:t>課題の「</a:t>
-            </a:r>
-            <a:r>
-              <a:rPr lang="ja-JP" altLang="en-US" sz="1400" dirty="0">
+              <a:t>できるように</a:t>
+            </a:r>
+            <a:endParaRPr lang="en-US" altLang="ja-JP" sz="1300" dirty="0">
+              <a:solidFill>
+                <a:schemeClr val="bg1"/>
+              </a:solidFill>
+              <a:latin typeface="源ノ角ゴシック Code JP L" panose="020B0300000000000000" pitchFamily="34" charset="-128"/>
+              <a:ea typeface="源ノ角ゴシック Code JP L" panose="020B0300000000000000" pitchFamily="34" charset="-128"/>
+            </a:endParaRPr>
+          </a:p>
+          <a:p>
+            <a:r>
+              <a:rPr lang="ja-JP" altLang="en-US" sz="1300" dirty="0">
                 <a:solidFill>
                   <a:schemeClr val="bg1"/>
                 </a:solidFill>
                 <a:latin typeface="源ノ角ゴシック Code JP L" panose="020B0300000000000000" pitchFamily="34" charset="-128"/>
                 <a:ea typeface="源ノ角ゴシック Code JP L" panose="020B0300000000000000" pitchFamily="34" charset="-128"/>
               </a:rPr>
-              <a:t>スピード</a:t>
-            </a:r>
-            <a:r>
-              <a:rPr lang="ja-JP" altLang="en-US" sz="1400" dirty="0" smtClean="0">
-                <a:solidFill>
-                  <a:schemeClr val="bg1"/>
-                </a:solidFill>
-                <a:latin typeface="源ノ角ゴシック Code JP L" panose="020B0300000000000000" pitchFamily="34" charset="-128"/>
-                <a:ea typeface="源ノ角ゴシック Code JP L" panose="020B0300000000000000" pitchFamily="34" charset="-128"/>
-              </a:rPr>
-              <a:t>が</a:t>
-            </a:r>
-            <a:endParaRPr lang="en-US" altLang="ja-JP" sz="1400" dirty="0" smtClean="0">
-              <a:solidFill>
-                <a:schemeClr val="bg1"/>
-              </a:solidFill>
-              <a:latin typeface="源ノ角ゴシック Code JP L" panose="020B0300000000000000" pitchFamily="34" charset="-128"/>
-              <a:ea typeface="源ノ角ゴシック Code JP L" panose="020B0300000000000000" pitchFamily="34" charset="-128"/>
-            </a:endParaRPr>
-          </a:p>
-          <a:p>
-            <a:r>
-              <a:rPr lang="ja-JP" altLang="en-US" sz="1400" dirty="0" smtClean="0">
-                <a:solidFill>
-                  <a:schemeClr val="bg1"/>
-                </a:solidFill>
-                <a:latin typeface="源ノ角ゴシック Code JP L" panose="020B0300000000000000" pitchFamily="34" charset="-128"/>
-                <a:ea typeface="源ノ角ゴシック Code JP L" panose="020B0300000000000000" pitchFamily="34" charset="-128"/>
-              </a:rPr>
-              <a:t>速すぎて</a:t>
-            </a:r>
-            <a:r>
-              <a:rPr lang="ja-JP" altLang="en-US" sz="1400" dirty="0">
-                <a:solidFill>
-                  <a:schemeClr val="bg1"/>
-                </a:solidFill>
-                <a:latin typeface="源ノ角ゴシック Code JP L" panose="020B0300000000000000" pitchFamily="34" charset="-128"/>
-                <a:ea typeface="源ノ角ゴシック Code JP L" panose="020B0300000000000000" pitchFamily="34" charset="-128"/>
-              </a:rPr>
-              <a:t>ライン</a:t>
-            </a:r>
-            <a:r>
-              <a:rPr lang="ja-JP" altLang="en-US" sz="1400" dirty="0" smtClean="0">
-                <a:solidFill>
-                  <a:schemeClr val="bg1"/>
-                </a:solidFill>
-                <a:latin typeface="源ノ角ゴシック Code JP L" panose="020B0300000000000000" pitchFamily="34" charset="-128"/>
-                <a:ea typeface="源ノ角ゴシック Code JP L" panose="020B0300000000000000" pitchFamily="34" charset="-128"/>
-              </a:rPr>
-              <a:t>から</a:t>
-            </a:r>
-            <a:endParaRPr lang="en-US" altLang="ja-JP" sz="1400" dirty="0" smtClean="0">
-              <a:solidFill>
-                <a:schemeClr val="bg1"/>
-              </a:solidFill>
-              <a:latin typeface="源ノ角ゴシック Code JP L" panose="020B0300000000000000" pitchFamily="34" charset="-128"/>
-              <a:ea typeface="源ノ角ゴシック Code JP L" panose="020B0300000000000000" pitchFamily="34" charset="-128"/>
-            </a:endParaRPr>
-          </a:p>
-          <a:p>
-            <a:r>
-              <a:rPr lang="ja-JP" altLang="en-US" sz="1400" dirty="0" smtClean="0">
-                <a:solidFill>
-                  <a:schemeClr val="bg1"/>
-                </a:solidFill>
-                <a:latin typeface="源ノ角ゴシック Code JP L" panose="020B0300000000000000" pitchFamily="34" charset="-128"/>
-                <a:ea typeface="源ノ角ゴシック Code JP L" panose="020B0300000000000000" pitchFamily="34" charset="-128"/>
-              </a:rPr>
-              <a:t>出る</a:t>
-            </a:r>
-            <a:r>
-              <a:rPr lang="ja-JP" altLang="en-US" sz="1400" dirty="0">
-                <a:solidFill>
-                  <a:schemeClr val="bg1"/>
-                </a:solidFill>
-                <a:latin typeface="源ノ角ゴシック Code JP L" panose="020B0300000000000000" pitchFamily="34" charset="-128"/>
-                <a:ea typeface="源ノ角ゴシック Code JP L" panose="020B0300000000000000" pitchFamily="34" charset="-128"/>
-              </a:rPr>
-              <a:t>」というの</a:t>
-            </a:r>
-            <a:r>
-              <a:rPr lang="ja-JP" altLang="en-US" sz="1400" dirty="0" smtClean="0">
-                <a:solidFill>
-                  <a:schemeClr val="bg1"/>
-                </a:solidFill>
-                <a:latin typeface="源ノ角ゴシック Code JP L" panose="020B0300000000000000" pitchFamily="34" charset="-128"/>
-                <a:ea typeface="源ノ角ゴシック Code JP L" panose="020B0300000000000000" pitchFamily="34" charset="-128"/>
-              </a:rPr>
-              <a:t>も</a:t>
-            </a:r>
-            <a:endParaRPr lang="en-US" altLang="ja-JP" sz="1400" dirty="0" smtClean="0">
-              <a:solidFill>
-                <a:schemeClr val="bg1"/>
-              </a:solidFill>
-              <a:latin typeface="源ノ角ゴシック Code JP L" panose="020B0300000000000000" pitchFamily="34" charset="-128"/>
-              <a:ea typeface="源ノ角ゴシック Code JP L" panose="020B0300000000000000" pitchFamily="34" charset="-128"/>
-            </a:endParaRPr>
-          </a:p>
-          <a:p>
-            <a:r>
-              <a:rPr lang="ja-JP" altLang="en-US" sz="1400" dirty="0" smtClean="0">
-                <a:solidFill>
-                  <a:schemeClr val="bg1"/>
-                </a:solidFill>
-                <a:latin typeface="源ノ角ゴシック Code JP L" panose="020B0300000000000000" pitchFamily="34" charset="-128"/>
-                <a:ea typeface="源ノ角ゴシック Code JP L" panose="020B0300000000000000" pitchFamily="34" charset="-128"/>
-              </a:rPr>
-              <a:t>解決</a:t>
-            </a:r>
-            <a:r>
-              <a:rPr lang="ja-JP" altLang="en-US" sz="1400" dirty="0">
-                <a:solidFill>
-                  <a:schemeClr val="bg1"/>
-                </a:solidFill>
-                <a:latin typeface="源ノ角ゴシック Code JP L" panose="020B0300000000000000" pitchFamily="34" charset="-128"/>
-                <a:ea typeface="源ノ角ゴシック Code JP L" panose="020B0300000000000000" pitchFamily="34" charset="-128"/>
-              </a:rPr>
-              <a:t>し、スピード</a:t>
-            </a:r>
-            <a:r>
-              <a:rPr lang="ja-JP" altLang="en-US" sz="1400" dirty="0" smtClean="0">
-                <a:solidFill>
-                  <a:schemeClr val="bg1"/>
-                </a:solidFill>
-                <a:latin typeface="源ノ角ゴシック Code JP L" panose="020B0300000000000000" pitchFamily="34" charset="-128"/>
-                <a:ea typeface="源ノ角ゴシック Code JP L" panose="020B0300000000000000" pitchFamily="34" charset="-128"/>
-              </a:rPr>
-              <a:t>を</a:t>
-            </a:r>
-            <a:endParaRPr lang="en-US" altLang="ja-JP" sz="1400" dirty="0" smtClean="0">
-              <a:solidFill>
-                <a:schemeClr val="bg1"/>
-              </a:solidFill>
-              <a:latin typeface="源ノ角ゴシック Code JP L" panose="020B0300000000000000" pitchFamily="34" charset="-128"/>
-              <a:ea typeface="源ノ角ゴシック Code JP L" panose="020B0300000000000000" pitchFamily="34" charset="-128"/>
-            </a:endParaRPr>
-          </a:p>
-          <a:p>
-            <a:r>
-              <a:rPr lang="ja-JP" altLang="en-US" sz="1400" dirty="0" smtClean="0">
-                <a:solidFill>
-                  <a:schemeClr val="bg1"/>
-                </a:solidFill>
-                <a:latin typeface="源ノ角ゴシック Code JP L" panose="020B0300000000000000" pitchFamily="34" charset="-128"/>
-                <a:ea typeface="源ノ角ゴシック Code JP L" panose="020B0300000000000000" pitchFamily="34" charset="-128"/>
-              </a:rPr>
-              <a:t>気</a:t>
-            </a:r>
-            <a:r>
-              <a:rPr lang="ja-JP" altLang="en-US" sz="1400" dirty="0">
-                <a:solidFill>
-                  <a:schemeClr val="bg1"/>
-                </a:solidFill>
-                <a:latin typeface="源ノ角ゴシック Code JP L" panose="020B0300000000000000" pitchFamily="34" charset="-128"/>
-                <a:ea typeface="源ノ角ゴシック Code JP L" panose="020B0300000000000000" pitchFamily="34" charset="-128"/>
-              </a:rPr>
-              <a:t>にせず</a:t>
-            </a:r>
-            <a:r>
-              <a:rPr lang="ja-JP" altLang="en-US" sz="1400" dirty="0" smtClean="0">
-                <a:solidFill>
-                  <a:schemeClr val="bg1"/>
-                </a:solidFill>
-                <a:latin typeface="源ノ角ゴシック Code JP L" panose="020B0300000000000000" pitchFamily="34" charset="-128"/>
-                <a:ea typeface="源ノ角ゴシック Code JP L" panose="020B0300000000000000" pitchFamily="34" charset="-128"/>
-              </a:rPr>
-              <a:t>に制御が</a:t>
-            </a:r>
-            <a:endParaRPr lang="en-US" altLang="ja-JP" sz="1400" dirty="0" smtClean="0">
-              <a:solidFill>
-                <a:schemeClr val="bg1"/>
-              </a:solidFill>
-              <a:latin typeface="源ノ角ゴシック Code JP L" panose="020B0300000000000000" pitchFamily="34" charset="-128"/>
-              <a:ea typeface="源ノ角ゴシック Code JP L" panose="020B0300000000000000" pitchFamily="34" charset="-128"/>
-            </a:endParaRPr>
-          </a:p>
-          <a:p>
-            <a:r>
-              <a:rPr lang="ja-JP" altLang="en-US" sz="1400" dirty="0" smtClean="0">
-                <a:solidFill>
-                  <a:schemeClr val="bg1"/>
-                </a:solidFill>
-                <a:latin typeface="源ノ角ゴシック Code JP L" panose="020B0300000000000000" pitchFamily="34" charset="-128"/>
-                <a:ea typeface="源ノ角ゴシック Code JP L" panose="020B0300000000000000" pitchFamily="34" charset="-128"/>
-              </a:rPr>
-              <a:t>可能</a:t>
-            </a:r>
-            <a:r>
-              <a:rPr lang="ja-JP" altLang="en-US" sz="1400" dirty="0">
-                <a:solidFill>
-                  <a:schemeClr val="bg1"/>
-                </a:solidFill>
-                <a:latin typeface="源ノ角ゴシック Code JP L" panose="020B0300000000000000" pitchFamily="34" charset="-128"/>
-                <a:ea typeface="源ノ角ゴシック Code JP L" panose="020B0300000000000000" pitchFamily="34" charset="-128"/>
-              </a:rPr>
-              <a:t>になりました。</a:t>
-            </a:r>
-            <a:endParaRPr lang="ja-JP" altLang="en-US" sz="1400" dirty="0">
-              <a:solidFill>
-                <a:schemeClr val="bg1"/>
-              </a:solidFill>
-              <a:latin typeface="源ノ角ゴシック Code JP L" panose="020B0300000000000000" pitchFamily="34" charset="-128"/>
-              <a:ea typeface="源ノ角ゴシック Code JP L" panose="020B0300000000000000" pitchFamily="34" charset="-128"/>
-            </a:endParaRPr>
+              <a:t>なりました。</a:t>
+            </a:r>
           </a:p>
         </p:txBody>
       </p:sp>
@@ -14728,7 +13554,7 @@
           <a:lstStyle/>
           <a:p>
             <a:r>
-              <a:rPr lang="ja-JP" altLang="en-US" sz="2800" dirty="0" smtClean="0">
+              <a:rPr lang="ja-JP" altLang="en-US" sz="2800" dirty="0">
                 <a:solidFill>
                   <a:schemeClr val="bg1"/>
                 </a:solidFill>
@@ -14747,7 +13573,7 @@
               </a:rPr>
               <a:t>　</a:t>
             </a:r>
-            <a:endParaRPr lang="en-US" altLang="ja-JP" sz="1050" dirty="0" smtClean="0">
+            <a:endParaRPr lang="en-US" altLang="ja-JP" sz="1050" dirty="0">
               <a:solidFill>
                 <a:schemeClr val="bg1"/>
               </a:solidFill>
@@ -14794,19 +13620,68 @@
                 <a:latin typeface="源ノ角ゴシック Code JP L" panose="020B0300000000000000" pitchFamily="34" charset="-128"/>
                 <a:ea typeface="源ノ角ゴシック Code JP L" panose="020B0300000000000000" pitchFamily="34" charset="-128"/>
               </a:rPr>
-              <a:t>を用いてほぼすべての部品を独自</a:t>
-            </a:r>
-            <a:r>
-              <a:rPr lang="ja-JP" altLang="en-US" sz="1200" dirty="0" smtClean="0">
+              <a:t>を用いてほぼすべての部品を独自で</a:t>
+            </a:r>
+            <a:endParaRPr lang="en-US" altLang="ja-JP" sz="1200" dirty="0">
+              <a:solidFill>
+                <a:schemeClr val="bg1"/>
+              </a:solidFill>
+              <a:latin typeface="源ノ角ゴシック Code JP L" panose="020B0300000000000000" pitchFamily="34" charset="-128"/>
+              <a:ea typeface="源ノ角ゴシック Code JP L" panose="020B0300000000000000" pitchFamily="34" charset="-128"/>
+            </a:endParaRPr>
+          </a:p>
+          <a:p>
+            <a:r>
+              <a:rPr lang="ja-JP" altLang="en-US" sz="1200" dirty="0">
                 <a:solidFill>
                   <a:schemeClr val="bg1"/>
                 </a:solidFill>
                 <a:latin typeface="源ノ角ゴシック Code JP L" panose="020B0300000000000000" pitchFamily="34" charset="-128"/>
                 <a:ea typeface="源ノ角ゴシック Code JP L" panose="020B0300000000000000" pitchFamily="34" charset="-128"/>
               </a:rPr>
-              <a:t>で</a:t>
-            </a:r>
-            <a:endParaRPr lang="en-US" altLang="ja-JP" sz="1200" dirty="0" smtClean="0">
+              <a:t>設計しています。また、</a:t>
+            </a:r>
+            <a:r>
+              <a:rPr lang="en-US" altLang="ja-JP" sz="1200" dirty="0">
+                <a:solidFill>
+                  <a:schemeClr val="bg1"/>
+                </a:solidFill>
+                <a:latin typeface="源ノ角ゴシック Code JP L" panose="020B0300000000000000" pitchFamily="34" charset="-128"/>
+                <a:ea typeface="源ノ角ゴシック Code JP L" panose="020B0300000000000000" pitchFamily="34" charset="-128"/>
+              </a:rPr>
+              <a:t>3D</a:t>
+            </a:r>
+            <a:r>
+              <a:rPr lang="ja-JP" altLang="en-US" sz="1200" dirty="0">
+                <a:solidFill>
+                  <a:schemeClr val="bg1"/>
+                </a:solidFill>
+                <a:latin typeface="源ノ角ゴシック Code JP L" panose="020B0300000000000000" pitchFamily="34" charset="-128"/>
+                <a:ea typeface="源ノ角ゴシック Code JP L" panose="020B0300000000000000" pitchFamily="34" charset="-128"/>
+              </a:rPr>
+              <a:t>プリンタや</a:t>
+            </a:r>
+            <a:r>
+              <a:rPr lang="en-US" altLang="ja-JP" sz="1200" dirty="0">
+                <a:solidFill>
+                  <a:schemeClr val="bg1"/>
+                </a:solidFill>
+                <a:latin typeface="源ノ角ゴシック Code JP L" panose="020B0300000000000000" pitchFamily="34" charset="-128"/>
+                <a:ea typeface="源ノ角ゴシック Code JP L" panose="020B0300000000000000" pitchFamily="34" charset="-128"/>
+              </a:rPr>
+              <a:t>CNC</a:t>
+            </a:r>
+            <a:r>
+              <a:rPr lang="ja-JP" altLang="en-US" sz="1200" dirty="0">
+                <a:solidFill>
+                  <a:schemeClr val="bg1"/>
+                </a:solidFill>
+                <a:latin typeface="源ノ角ゴシック Code JP L" panose="020B0300000000000000" pitchFamily="34" charset="-128"/>
+                <a:ea typeface="源ノ角ゴシック Code JP L" panose="020B0300000000000000" pitchFamily="34" charset="-128"/>
+              </a:rPr>
+              <a:t>を使用することで、</a:t>
+            </a:r>
+            <a:endParaRPr lang="en-US" altLang="ja-JP" sz="1200" dirty="0">
               <a:solidFill>
                 <a:schemeClr val="bg1"/>
               </a:solidFill>
@@ -14816,15 +13691,24 @@
           </a:p>
           <a:p>
             <a:r>
-              <a:rPr lang="ja-JP" altLang="en-US" sz="1200" dirty="0" smtClean="0">
+              <a:rPr lang="ja-JP" altLang="en-US" sz="1200" dirty="0">
                 <a:solidFill>
                   <a:schemeClr val="bg1"/>
                 </a:solidFill>
                 <a:latin typeface="源ノ角ゴシック Code JP L" panose="020B0300000000000000" pitchFamily="34" charset="-128"/>
                 <a:ea typeface="源ノ角ゴシック Code JP L" panose="020B0300000000000000" pitchFamily="34" charset="-128"/>
               </a:rPr>
-              <a:t>設計</a:t>
-            </a:r>
+              <a:t>さらに正確に短時間での部品の製作、量産が可能になりました。</a:t>
+            </a:r>
+            <a:endParaRPr lang="en-US" altLang="ja-JP" sz="1200" dirty="0">
+              <a:solidFill>
+                <a:schemeClr val="bg1"/>
+              </a:solidFill>
+              <a:latin typeface="源ノ角ゴシック Code JP L" panose="020B0300000000000000" pitchFamily="34" charset="-128"/>
+              <a:ea typeface="源ノ角ゴシック Code JP L" panose="020B0300000000000000" pitchFamily="34" charset="-128"/>
+            </a:endParaRPr>
+          </a:p>
+          <a:p>
             <a:r>
               <a:rPr lang="ja-JP" altLang="en-US" sz="1200" dirty="0">
                 <a:solidFill>
@@ -14833,48 +13717,75 @@
                 <a:latin typeface="源ノ角ゴシック Code JP L" panose="020B0300000000000000" pitchFamily="34" charset="-128"/>
                 <a:ea typeface="源ノ角ゴシック Code JP L" panose="020B0300000000000000" pitchFamily="34" charset="-128"/>
               </a:rPr>
-              <a:t>しています</a:t>
-            </a:r>
-            <a:r>
-              <a:rPr lang="ja-JP" altLang="en-US" sz="1200" dirty="0" smtClean="0">
+              <a:t>基板類も、発注基板によって自分たちのロボットに特化した</a:t>
+            </a:r>
+            <a:endParaRPr lang="en-US" altLang="ja-JP" sz="1200" dirty="0">
+              <a:solidFill>
+                <a:schemeClr val="bg1"/>
+              </a:solidFill>
+              <a:latin typeface="源ノ角ゴシック Code JP L" panose="020B0300000000000000" pitchFamily="34" charset="-128"/>
+              <a:ea typeface="源ノ角ゴシック Code JP L" panose="020B0300000000000000" pitchFamily="34" charset="-128"/>
+            </a:endParaRPr>
+          </a:p>
+          <a:p>
+            <a:r>
+              <a:rPr lang="ja-JP" altLang="en-US" sz="1200" dirty="0">
                 <a:solidFill>
                   <a:schemeClr val="bg1"/>
                 </a:solidFill>
                 <a:latin typeface="源ノ角ゴシック Code JP L" panose="020B0300000000000000" pitchFamily="34" charset="-128"/>
                 <a:ea typeface="源ノ角ゴシック Code JP L" panose="020B0300000000000000" pitchFamily="34" charset="-128"/>
               </a:rPr>
-              <a:t>。また、</a:t>
-            </a:r>
-            <a:r>
-              <a:rPr lang="en-US" altLang="ja-JP" sz="1200" dirty="0" smtClean="0">
+              <a:t>機能、形のものを実現可能になりました。また、チーム内での</a:t>
+            </a:r>
+            <a:endParaRPr lang="en-US" altLang="ja-JP" sz="1200" dirty="0">
+              <a:solidFill>
+                <a:schemeClr val="bg1"/>
+              </a:solidFill>
+              <a:latin typeface="源ノ角ゴシック Code JP L" panose="020B0300000000000000" pitchFamily="34" charset="-128"/>
+              <a:ea typeface="源ノ角ゴシック Code JP L" panose="020B0300000000000000" pitchFamily="34" charset="-128"/>
+            </a:endParaRPr>
+          </a:p>
+          <a:p>
+            <a:r>
+              <a:rPr lang="ja-JP" altLang="en-US" sz="1200" dirty="0">
                 <a:solidFill>
                   <a:schemeClr val="bg1"/>
                 </a:solidFill>
                 <a:latin typeface="源ノ角ゴシック Code JP L" panose="020B0300000000000000" pitchFamily="34" charset="-128"/>
                 <a:ea typeface="源ノ角ゴシック Code JP L" panose="020B0300000000000000" pitchFamily="34" charset="-128"/>
               </a:rPr>
-              <a:t>3D</a:t>
-            </a:r>
-            <a:r>
-              <a:rPr lang="ja-JP" altLang="en-US" sz="1200" dirty="0">
+              <a:t>ファイル共有のために</a:t>
+            </a:r>
+            <a:r>
+              <a:rPr lang="en-US" altLang="ja-JP" sz="1200" dirty="0" err="1">
                 <a:solidFill>
                   <a:schemeClr val="bg1"/>
                 </a:solidFill>
                 <a:latin typeface="源ノ角ゴシック Code JP L" panose="020B0300000000000000" pitchFamily="34" charset="-128"/>
                 <a:ea typeface="源ノ角ゴシック Code JP L" panose="020B0300000000000000" pitchFamily="34" charset="-128"/>
               </a:rPr>
-              <a:t>プリンタや</a:t>
-            </a:r>
-            <a:r>
-              <a:rPr lang="en-US" altLang="ja-JP" sz="1200" dirty="0">
+              <a:t>Github</a:t>
+            </a:r>
+            <a:r>
+              <a:rPr lang="ja-JP" altLang="en-US" sz="1200" dirty="0">
                 <a:solidFill>
                   <a:schemeClr val="bg1"/>
                 </a:solidFill>
                 <a:latin typeface="源ノ角ゴシック Code JP L" panose="020B0300000000000000" pitchFamily="34" charset="-128"/>
                 <a:ea typeface="源ノ角ゴシック Code JP L" panose="020B0300000000000000" pitchFamily="34" charset="-128"/>
               </a:rPr>
-              <a:t>CNC</a:t>
-            </a:r>
+              <a:t>を用いることで、複数での</a:t>
+            </a:r>
+            <a:endParaRPr lang="en-US" altLang="ja-JP" sz="1200" dirty="0">
+              <a:solidFill>
+                <a:schemeClr val="bg1"/>
+              </a:solidFill>
+              <a:latin typeface="源ノ角ゴシック Code JP L" panose="020B0300000000000000" pitchFamily="34" charset="-128"/>
+              <a:ea typeface="源ノ角ゴシック Code JP L" panose="020B0300000000000000" pitchFamily="34" charset="-128"/>
+            </a:endParaRPr>
+          </a:p>
+          <a:p>
             <a:r>
               <a:rPr lang="ja-JP" altLang="en-US" sz="1200" dirty="0">
                 <a:solidFill>
@@ -14883,460 +13794,145 @@
                 <a:latin typeface="源ノ角ゴシック Code JP L" panose="020B0300000000000000" pitchFamily="34" charset="-128"/>
                 <a:ea typeface="源ノ角ゴシック Code JP L" panose="020B0300000000000000" pitchFamily="34" charset="-128"/>
               </a:rPr>
-              <a:t>を使用することで</a:t>
-            </a:r>
-            <a:r>
-              <a:rPr lang="ja-JP" altLang="en-US" sz="1200" dirty="0" smtClean="0">
+              <a:t>大規模プロジェクト開発が容易に行えるようになりました。</a:t>
+            </a:r>
+            <a:endParaRPr lang="en-US" altLang="ja-JP" sz="1200" dirty="0">
+              <a:solidFill>
+                <a:schemeClr val="bg1"/>
+              </a:solidFill>
+              <a:latin typeface="源ノ角ゴシック Code JP L" panose="020B0300000000000000" pitchFamily="34" charset="-128"/>
+              <a:ea typeface="源ノ角ゴシック Code JP L" panose="020B0300000000000000" pitchFamily="34" charset="-128"/>
+            </a:endParaRPr>
+          </a:p>
+          <a:p>
+            <a:endParaRPr lang="en-US" altLang="ja-JP" sz="1200" dirty="0">
+              <a:solidFill>
+                <a:schemeClr val="bg1"/>
+              </a:solidFill>
+              <a:latin typeface="源ノ角ゴシック Code JP L" panose="020B0300000000000000" pitchFamily="34" charset="-128"/>
+              <a:ea typeface="源ノ角ゴシック Code JP L" panose="020B0300000000000000" pitchFamily="34" charset="-128"/>
+            </a:endParaRPr>
+          </a:p>
+          <a:p>
+            <a:r>
+              <a:rPr lang="ja-JP" altLang="en-US" sz="1100" dirty="0">
                 <a:solidFill>
                   <a:schemeClr val="bg1"/>
                 </a:solidFill>
                 <a:latin typeface="源ノ角ゴシック Code JP L" panose="020B0300000000000000" pitchFamily="34" charset="-128"/>
                 <a:ea typeface="源ノ角ゴシック Code JP L" panose="020B0300000000000000" pitchFamily="34" charset="-128"/>
               </a:rPr>
-              <a:t>、</a:t>
-            </a:r>
-            <a:endParaRPr lang="en-US" altLang="ja-JP" sz="1200" dirty="0" smtClean="0">
-              <a:solidFill>
-                <a:schemeClr val="bg1"/>
-              </a:solidFill>
-              <a:latin typeface="源ノ角ゴシック Code JP L" panose="020B0300000000000000" pitchFamily="34" charset="-128"/>
-              <a:ea typeface="源ノ角ゴシック Code JP L" panose="020B0300000000000000" pitchFamily="34" charset="-128"/>
-            </a:endParaRPr>
-          </a:p>
-          <a:p>
-            <a:r>
-              <a:rPr lang="ja-JP" altLang="en-US" sz="1200" dirty="0" smtClean="0">
+              <a:t>部品設計：</a:t>
+            </a:r>
+            <a:r>
+              <a:rPr lang="en-US" altLang="ja-JP" sz="1100" dirty="0">
                 <a:solidFill>
                   <a:schemeClr val="bg1"/>
                 </a:solidFill>
                 <a:latin typeface="源ノ角ゴシック Code JP L" panose="020B0300000000000000" pitchFamily="34" charset="-128"/>
                 <a:ea typeface="源ノ角ゴシック Code JP L" panose="020B0300000000000000" pitchFamily="34" charset="-128"/>
               </a:rPr>
-              <a:t>さらに</a:t>
-            </a:r>
-            <a:r>
-              <a:rPr lang="ja-JP" altLang="en-US" sz="1200" dirty="0">
+              <a:t>Fusion360</a:t>
+            </a:r>
+          </a:p>
+          <a:p>
+            <a:r>
+              <a:rPr lang="ja-JP" altLang="en-US" sz="1100" dirty="0">
                 <a:solidFill>
                   <a:schemeClr val="bg1"/>
                 </a:solidFill>
                 <a:latin typeface="源ノ角ゴシック Code JP L" panose="020B0300000000000000" pitchFamily="34" charset="-128"/>
                 <a:ea typeface="源ノ角ゴシック Code JP L" panose="020B0300000000000000" pitchFamily="34" charset="-128"/>
               </a:rPr>
-              <a:t>正確に短時間での部品の製作、量産</a:t>
-            </a:r>
-            <a:r>
-              <a:rPr lang="ja-JP" altLang="en-US" sz="1200" dirty="0" smtClean="0">
+              <a:t>基板設計：</a:t>
+            </a:r>
+            <a:r>
+              <a:rPr lang="en-US" altLang="ja-JP" sz="1100" dirty="0">
                 <a:solidFill>
                   <a:schemeClr val="bg1"/>
                 </a:solidFill>
                 <a:latin typeface="源ノ角ゴシック Code JP L" panose="020B0300000000000000" pitchFamily="34" charset="-128"/>
                 <a:ea typeface="源ノ角ゴシック Code JP L" panose="020B0300000000000000" pitchFamily="34" charset="-128"/>
               </a:rPr>
-              <a:t>が可能</a:t>
-            </a:r>
-            <a:r>
-              <a:rPr lang="ja-JP" altLang="en-US" sz="1200" dirty="0">
+              <a:t>KiCad</a:t>
+            </a:r>
+          </a:p>
+          <a:p>
+            <a:r>
+              <a:rPr lang="ja-JP" altLang="en-US" sz="1100" dirty="0">
                 <a:solidFill>
                   <a:schemeClr val="bg1"/>
                 </a:solidFill>
                 <a:latin typeface="源ノ角ゴシック Code JP L" panose="020B0300000000000000" pitchFamily="34" charset="-128"/>
                 <a:ea typeface="源ノ角ゴシック Code JP L" panose="020B0300000000000000" pitchFamily="34" charset="-128"/>
               </a:rPr>
-              <a:t>に</a:t>
-            </a:r>
-            <a:r>
-              <a:rPr lang="ja-JP" altLang="en-US" sz="1200" dirty="0" smtClean="0">
+              <a:t>基板発注：</a:t>
+            </a:r>
+            <a:r>
+              <a:rPr lang="en-US" altLang="ja-JP" sz="1100" dirty="0">
                 <a:solidFill>
                   <a:schemeClr val="bg1"/>
                 </a:solidFill>
                 <a:latin typeface="源ノ角ゴシック Code JP L" panose="020B0300000000000000" pitchFamily="34" charset="-128"/>
                 <a:ea typeface="源ノ角ゴシック Code JP L" panose="020B0300000000000000" pitchFamily="34" charset="-128"/>
               </a:rPr>
-              <a:t>なりました。</a:t>
-            </a:r>
-            <a:endParaRPr lang="en-US" altLang="ja-JP" sz="1200" dirty="0" smtClean="0">
-              <a:solidFill>
-                <a:schemeClr val="bg1"/>
-              </a:solidFill>
-              <a:latin typeface="源ノ角ゴシック Code JP L" panose="020B0300000000000000" pitchFamily="34" charset="-128"/>
-              <a:ea typeface="源ノ角ゴシック Code JP L" panose="020B0300000000000000" pitchFamily="34" charset="-128"/>
-            </a:endParaRPr>
-          </a:p>
-          <a:p>
-            <a:r>
-              <a:rPr lang="ja-JP" altLang="en-US" sz="1200" dirty="0" smtClean="0">
+              <a:t>JLCPCB</a:t>
+            </a:r>
+          </a:p>
+          <a:p>
+            <a:r>
+              <a:rPr lang="ja-JP" altLang="en-US" sz="1100" dirty="0">
                 <a:solidFill>
                   <a:schemeClr val="bg1"/>
                 </a:solidFill>
                 <a:latin typeface="源ノ角ゴシック Code JP L" panose="020B0300000000000000" pitchFamily="34" charset="-128"/>
                 <a:ea typeface="源ノ角ゴシック Code JP L" panose="020B0300000000000000" pitchFamily="34" charset="-128"/>
               </a:rPr>
-              <a:t>基板類</a:t>
-            </a:r>
-            <a:r>
-              <a:rPr lang="ja-JP" altLang="en-US" sz="1200" dirty="0">
+              <a:t>部品製作：</a:t>
+            </a:r>
+            <a:r>
+              <a:rPr lang="en-US" altLang="ja-JP" sz="1050" dirty="0">
                 <a:solidFill>
                   <a:schemeClr val="bg1"/>
                 </a:solidFill>
                 <a:latin typeface="源ノ角ゴシック Code JP L" panose="020B0300000000000000" pitchFamily="34" charset="-128"/>
                 <a:ea typeface="源ノ角ゴシック Code JP L" panose="020B0300000000000000" pitchFamily="34" charset="-128"/>
               </a:rPr>
-              <a:t>も</a:t>
-            </a:r>
-            <a:r>
-              <a:rPr lang="ja-JP" altLang="en-US" sz="1200" dirty="0" smtClean="0">
+              <a:t>Originalmind kitmill CL100</a:t>
+            </a:r>
+          </a:p>
+          <a:p>
+            <a:r>
+              <a:rPr lang="ja-JP" altLang="en-US" sz="1100" dirty="0">
                 <a:solidFill>
                   <a:schemeClr val="bg1"/>
                 </a:solidFill>
                 <a:latin typeface="源ノ角ゴシック Code JP L" panose="020B0300000000000000" pitchFamily="34" charset="-128"/>
                 <a:ea typeface="源ノ角ゴシック Code JP L" panose="020B0300000000000000" pitchFamily="34" charset="-128"/>
               </a:rPr>
-              <a:t>、発注</a:t>
-            </a:r>
-            <a:r>
-              <a:rPr lang="ja-JP" altLang="en-US" sz="1200" dirty="0">
+              <a:t>　　　　　</a:t>
+            </a:r>
+            <a:r>
+              <a:rPr lang="en-US" altLang="ja-JP" sz="1050" dirty="0">
                 <a:solidFill>
                   <a:schemeClr val="bg1"/>
                 </a:solidFill>
                 <a:latin typeface="源ノ角ゴシック Code JP L" panose="020B0300000000000000" pitchFamily="34" charset="-128"/>
                 <a:ea typeface="源ノ角ゴシック Code JP L" panose="020B0300000000000000" pitchFamily="34" charset="-128"/>
               </a:rPr>
-              <a:t>基板によって自分たちのロボットに特化</a:t>
-            </a:r>
-            <a:r>
-              <a:rPr lang="ja-JP" altLang="en-US" sz="1200" dirty="0" smtClean="0">
+              <a:t>FLASHFORGE Adventurer3 lite</a:t>
+            </a:r>
+          </a:p>
+          <a:p>
+            <a:r>
+              <a:rPr lang="ja-JP" altLang="en-US" sz="1100" dirty="0">
                 <a:solidFill>
                   <a:schemeClr val="bg1"/>
                 </a:solidFill>
                 <a:latin typeface="源ノ角ゴシック Code JP L" panose="020B0300000000000000" pitchFamily="34" charset="-128"/>
                 <a:ea typeface="源ノ角ゴシック Code JP L" panose="020B0300000000000000" pitchFamily="34" charset="-128"/>
               </a:rPr>
-              <a:t>した</a:t>
-            </a:r>
-            <a:endParaRPr lang="en-US" altLang="ja-JP" sz="1200" dirty="0" smtClean="0">
-              <a:solidFill>
-                <a:schemeClr val="bg1"/>
-              </a:solidFill>
-              <a:latin typeface="源ノ角ゴシック Code JP L" panose="020B0300000000000000" pitchFamily="34" charset="-128"/>
-              <a:ea typeface="源ノ角ゴシック Code JP L" panose="020B0300000000000000" pitchFamily="34" charset="-128"/>
-            </a:endParaRPr>
-          </a:p>
-          <a:p>
-            <a:r>
-              <a:rPr lang="ja-JP" altLang="en-US" sz="1200" dirty="0" smtClean="0">
-                <a:solidFill>
-                  <a:schemeClr val="bg1"/>
-                </a:solidFill>
-                <a:latin typeface="源ノ角ゴシック Code JP L" panose="020B0300000000000000" pitchFamily="34" charset="-128"/>
-                <a:ea typeface="源ノ角ゴシック Code JP L" panose="020B0300000000000000" pitchFamily="34" charset="-128"/>
-              </a:rPr>
-              <a:t>機能</a:t>
-            </a:r>
-            <a:r>
-              <a:rPr lang="ja-JP" altLang="en-US" sz="1200" dirty="0">
-                <a:solidFill>
-                  <a:schemeClr val="bg1"/>
-                </a:solidFill>
-                <a:latin typeface="源ノ角ゴシック Code JP L" panose="020B0300000000000000" pitchFamily="34" charset="-128"/>
-                <a:ea typeface="源ノ角ゴシック Code JP L" panose="020B0300000000000000" pitchFamily="34" charset="-128"/>
-              </a:rPr>
-              <a:t>、形のものを実現可能になりました</a:t>
-            </a:r>
-            <a:r>
-              <a:rPr lang="ja-JP" altLang="en-US" sz="1200" dirty="0" smtClean="0">
-                <a:solidFill>
-                  <a:schemeClr val="bg1"/>
-                </a:solidFill>
-                <a:latin typeface="源ノ角ゴシック Code JP L" panose="020B0300000000000000" pitchFamily="34" charset="-128"/>
-                <a:ea typeface="源ノ角ゴシック Code JP L" panose="020B0300000000000000" pitchFamily="34" charset="-128"/>
-              </a:rPr>
-              <a:t>。また、チーム内での</a:t>
-            </a:r>
-            <a:endParaRPr lang="en-US" altLang="ja-JP" sz="1200" dirty="0" smtClean="0">
-              <a:solidFill>
-                <a:schemeClr val="bg1"/>
-              </a:solidFill>
-              <a:latin typeface="源ノ角ゴシック Code JP L" panose="020B0300000000000000" pitchFamily="34" charset="-128"/>
-              <a:ea typeface="源ノ角ゴシック Code JP L" panose="020B0300000000000000" pitchFamily="34" charset="-128"/>
-            </a:endParaRPr>
-          </a:p>
-          <a:p>
-            <a:r>
-              <a:rPr lang="ja-JP" altLang="en-US" sz="1200" dirty="0" smtClean="0">
-                <a:solidFill>
-                  <a:schemeClr val="bg1"/>
-                </a:solidFill>
-                <a:latin typeface="源ノ角ゴシック Code JP L" panose="020B0300000000000000" pitchFamily="34" charset="-128"/>
-                <a:ea typeface="源ノ角ゴシック Code JP L" panose="020B0300000000000000" pitchFamily="34" charset="-128"/>
-              </a:rPr>
-              <a:t>ファイル共有のために</a:t>
-            </a:r>
-            <a:r>
-              <a:rPr lang="en-US" altLang="ja-JP" sz="1200" dirty="0" err="1" smtClean="0">
-                <a:solidFill>
-                  <a:schemeClr val="bg1"/>
-                </a:solidFill>
-                <a:latin typeface="源ノ角ゴシック Code JP L" panose="020B0300000000000000" pitchFamily="34" charset="-128"/>
-                <a:ea typeface="源ノ角ゴシック Code JP L" panose="020B0300000000000000" pitchFamily="34" charset="-128"/>
-              </a:rPr>
-              <a:t>Github</a:t>
-            </a:r>
-            <a:r>
-              <a:rPr lang="ja-JP" altLang="en-US" sz="1200" dirty="0" smtClean="0">
-                <a:solidFill>
-                  <a:schemeClr val="bg1"/>
-                </a:solidFill>
-                <a:latin typeface="源ノ角ゴシック Code JP L" panose="020B0300000000000000" pitchFamily="34" charset="-128"/>
-                <a:ea typeface="源ノ角ゴシック Code JP L" panose="020B0300000000000000" pitchFamily="34" charset="-128"/>
-              </a:rPr>
-              <a:t>を用いることで、複数での</a:t>
-            </a:r>
-            <a:endParaRPr lang="en-US" altLang="ja-JP" sz="1200" dirty="0" smtClean="0">
-              <a:solidFill>
-                <a:schemeClr val="bg1"/>
-              </a:solidFill>
-              <a:latin typeface="源ノ角ゴシック Code JP L" panose="020B0300000000000000" pitchFamily="34" charset="-128"/>
-              <a:ea typeface="源ノ角ゴシック Code JP L" panose="020B0300000000000000" pitchFamily="34" charset="-128"/>
-            </a:endParaRPr>
-          </a:p>
-          <a:p>
-            <a:r>
-              <a:rPr lang="ja-JP" altLang="en-US" sz="1200" dirty="0" smtClean="0">
-                <a:solidFill>
-                  <a:schemeClr val="bg1"/>
-                </a:solidFill>
-                <a:latin typeface="源ノ角ゴシック Code JP L" panose="020B0300000000000000" pitchFamily="34" charset="-128"/>
-                <a:ea typeface="源ノ角ゴシック Code JP L" panose="020B0300000000000000" pitchFamily="34" charset="-128"/>
-              </a:rPr>
-              <a:t>大規模プロジェクト開発が容易に行えるようになりました。</a:t>
-            </a:r>
-            <a:endParaRPr lang="en-US" altLang="ja-JP" sz="1200" dirty="0" smtClean="0">
-              <a:solidFill>
-                <a:schemeClr val="bg1"/>
-              </a:solidFill>
-              <a:latin typeface="源ノ角ゴシック Code JP L" panose="020B0300000000000000" pitchFamily="34" charset="-128"/>
-              <a:ea typeface="源ノ角ゴシック Code JP L" panose="020B0300000000000000" pitchFamily="34" charset="-128"/>
-            </a:endParaRPr>
-          </a:p>
-          <a:p>
-            <a:endParaRPr lang="en-US" altLang="ja-JP" sz="1200" dirty="0" smtClean="0">
-              <a:solidFill>
-                <a:schemeClr val="bg1"/>
-              </a:solidFill>
-              <a:latin typeface="源ノ角ゴシック Code JP L" panose="020B0300000000000000" pitchFamily="34" charset="-128"/>
-              <a:ea typeface="源ノ角ゴシック Code JP L" panose="020B0300000000000000" pitchFamily="34" charset="-128"/>
-            </a:endParaRPr>
-          </a:p>
-          <a:p>
-            <a:r>
-              <a:rPr lang="ja-JP" altLang="en-US" sz="1100" dirty="0" smtClean="0">
-                <a:solidFill>
-                  <a:schemeClr val="bg1"/>
-                </a:solidFill>
-                <a:latin typeface="源ノ角ゴシック Code JP L" panose="020B0300000000000000" pitchFamily="34" charset="-128"/>
-                <a:ea typeface="源ノ角ゴシック Code JP L" panose="020B0300000000000000" pitchFamily="34" charset="-128"/>
-              </a:rPr>
-              <a:t>部品</a:t>
-            </a:r>
-            <a:r>
-              <a:rPr lang="ja-JP" altLang="en-US" sz="1100" dirty="0">
-                <a:solidFill>
-                  <a:schemeClr val="bg1"/>
-                </a:solidFill>
-                <a:latin typeface="源ノ角ゴシック Code JP L" panose="020B0300000000000000" pitchFamily="34" charset="-128"/>
-                <a:ea typeface="源ノ角ゴシック Code JP L" panose="020B0300000000000000" pitchFamily="34" charset="-128"/>
-              </a:rPr>
-              <a:t>設計：</a:t>
-            </a:r>
-            <a:r>
-              <a:rPr lang="en-US" altLang="ja-JP" sz="1100" dirty="0">
-                <a:solidFill>
-                  <a:schemeClr val="bg1"/>
-                </a:solidFill>
-                <a:latin typeface="源ノ角ゴシック Code JP L" panose="020B0300000000000000" pitchFamily="34" charset="-128"/>
-                <a:ea typeface="源ノ角ゴシック Code JP L" panose="020B0300000000000000" pitchFamily="34" charset="-128"/>
-              </a:rPr>
-              <a:t>Fusion360</a:t>
-            </a:r>
-          </a:p>
-          <a:p>
-            <a:r>
-              <a:rPr lang="ja-JP" altLang="en-US" sz="1100" dirty="0" smtClean="0">
-                <a:solidFill>
-                  <a:schemeClr val="bg1"/>
-                </a:solidFill>
-                <a:latin typeface="源ノ角ゴシック Code JP L" panose="020B0300000000000000" pitchFamily="34" charset="-128"/>
-                <a:ea typeface="源ノ角ゴシック Code JP L" panose="020B0300000000000000" pitchFamily="34" charset="-128"/>
-              </a:rPr>
-              <a:t>基板</a:t>
-            </a:r>
-            <a:r>
-              <a:rPr lang="ja-JP" altLang="en-US" sz="1100" dirty="0">
-                <a:solidFill>
-                  <a:schemeClr val="bg1"/>
-                </a:solidFill>
-                <a:latin typeface="源ノ角ゴシック Code JP L" panose="020B0300000000000000" pitchFamily="34" charset="-128"/>
-                <a:ea typeface="源ノ角ゴシック Code JP L" panose="020B0300000000000000" pitchFamily="34" charset="-128"/>
-              </a:rPr>
-              <a:t>設計：</a:t>
-            </a:r>
-            <a:r>
-              <a:rPr lang="en-US" altLang="ja-JP" sz="1100" dirty="0">
-                <a:solidFill>
-                  <a:schemeClr val="bg1"/>
-                </a:solidFill>
-                <a:latin typeface="源ノ角ゴシック Code JP L" panose="020B0300000000000000" pitchFamily="34" charset="-128"/>
-                <a:ea typeface="源ノ角ゴシック Code JP L" panose="020B0300000000000000" pitchFamily="34" charset="-128"/>
-              </a:rPr>
-              <a:t>KiCad</a:t>
-            </a:r>
-          </a:p>
-          <a:p>
-            <a:r>
-              <a:rPr lang="ja-JP" altLang="en-US" sz="1100" dirty="0" smtClean="0">
-                <a:solidFill>
-                  <a:schemeClr val="bg1"/>
-                </a:solidFill>
-                <a:latin typeface="源ノ角ゴシック Code JP L" panose="020B0300000000000000" pitchFamily="34" charset="-128"/>
-                <a:ea typeface="源ノ角ゴシック Code JP L" panose="020B0300000000000000" pitchFamily="34" charset="-128"/>
-              </a:rPr>
-              <a:t>基板</a:t>
-            </a:r>
-            <a:r>
-              <a:rPr lang="ja-JP" altLang="en-US" sz="1100" dirty="0">
-                <a:solidFill>
-                  <a:schemeClr val="bg1"/>
-                </a:solidFill>
-                <a:latin typeface="源ノ角ゴシック Code JP L" panose="020B0300000000000000" pitchFamily="34" charset="-128"/>
-                <a:ea typeface="源ノ角ゴシック Code JP L" panose="020B0300000000000000" pitchFamily="34" charset="-128"/>
-              </a:rPr>
-              <a:t>発注：</a:t>
-            </a:r>
-            <a:r>
-              <a:rPr lang="en-US" altLang="ja-JP" sz="1100" dirty="0">
-                <a:solidFill>
-                  <a:schemeClr val="bg1"/>
-                </a:solidFill>
-                <a:latin typeface="源ノ角ゴシック Code JP L" panose="020B0300000000000000" pitchFamily="34" charset="-128"/>
-                <a:ea typeface="源ノ角ゴシック Code JP L" panose="020B0300000000000000" pitchFamily="34" charset="-128"/>
-              </a:rPr>
-              <a:t>JLCPCB</a:t>
-            </a:r>
-          </a:p>
-          <a:p>
-            <a:r>
-              <a:rPr lang="ja-JP" altLang="en-US" sz="1100" dirty="0" smtClean="0">
-                <a:solidFill>
-                  <a:schemeClr val="bg1"/>
-                </a:solidFill>
-                <a:latin typeface="源ノ角ゴシック Code JP L" panose="020B0300000000000000" pitchFamily="34" charset="-128"/>
-                <a:ea typeface="源ノ角ゴシック Code JP L" panose="020B0300000000000000" pitchFamily="34" charset="-128"/>
-              </a:rPr>
-              <a:t>部品</a:t>
-            </a:r>
-            <a:r>
-              <a:rPr lang="ja-JP" altLang="en-US" sz="1100" dirty="0">
-                <a:solidFill>
-                  <a:schemeClr val="bg1"/>
-                </a:solidFill>
-                <a:latin typeface="源ノ角ゴシック Code JP L" panose="020B0300000000000000" pitchFamily="34" charset="-128"/>
-                <a:ea typeface="源ノ角ゴシック Code JP L" panose="020B0300000000000000" pitchFamily="34" charset="-128"/>
-              </a:rPr>
-              <a:t>製作：</a:t>
-            </a:r>
-            <a:r>
-              <a:rPr lang="en-US" altLang="ja-JP" sz="1050" dirty="0">
-                <a:solidFill>
-                  <a:schemeClr val="bg1"/>
-                </a:solidFill>
-                <a:latin typeface="源ノ角ゴシック Code JP L" panose="020B0300000000000000" pitchFamily="34" charset="-128"/>
-                <a:ea typeface="源ノ角ゴシック Code JP L" panose="020B0300000000000000" pitchFamily="34" charset="-128"/>
-              </a:rPr>
-              <a:t>Originalmind </a:t>
-            </a:r>
-            <a:r>
-              <a:rPr lang="en-US" altLang="ja-JP" sz="1050" dirty="0" smtClean="0">
-                <a:solidFill>
-                  <a:schemeClr val="bg1"/>
-                </a:solidFill>
-                <a:latin typeface="源ノ角ゴシック Code JP L" panose="020B0300000000000000" pitchFamily="34" charset="-128"/>
-                <a:ea typeface="源ノ角ゴシック Code JP L" panose="020B0300000000000000" pitchFamily="34" charset="-128"/>
-              </a:rPr>
-              <a:t>kitmill </a:t>
-            </a:r>
-            <a:r>
-              <a:rPr lang="en-US" altLang="ja-JP" sz="1050" dirty="0">
-                <a:solidFill>
-                  <a:schemeClr val="bg1"/>
-                </a:solidFill>
-                <a:latin typeface="源ノ角ゴシック Code JP L" panose="020B0300000000000000" pitchFamily="34" charset="-128"/>
-                <a:ea typeface="源ノ角ゴシック Code JP L" panose="020B0300000000000000" pitchFamily="34" charset="-128"/>
-              </a:rPr>
-              <a:t>CL100</a:t>
-            </a:r>
-          </a:p>
-          <a:p>
-            <a:r>
-              <a:rPr lang="ja-JP" altLang="en-US" sz="1100" dirty="0">
-                <a:solidFill>
-                  <a:schemeClr val="bg1"/>
-                </a:solidFill>
-                <a:latin typeface="源ノ角ゴシック Code JP L" panose="020B0300000000000000" pitchFamily="34" charset="-128"/>
-                <a:ea typeface="源ノ角ゴシック Code JP L" panose="020B0300000000000000" pitchFamily="34" charset="-128"/>
-              </a:rPr>
-              <a:t>　　　　　</a:t>
-            </a:r>
-            <a:r>
-              <a:rPr lang="en-US" altLang="ja-JP" sz="1050" dirty="0">
-                <a:solidFill>
-                  <a:schemeClr val="bg1"/>
-                </a:solidFill>
-                <a:latin typeface="源ノ角ゴシック Code JP L" panose="020B0300000000000000" pitchFamily="34" charset="-128"/>
-                <a:ea typeface="源ノ角ゴシック Code JP L" panose="020B0300000000000000" pitchFamily="34" charset="-128"/>
-              </a:rPr>
-              <a:t>FLASHFORGE </a:t>
-            </a:r>
-            <a:r>
-              <a:rPr lang="en-US" altLang="ja-JP" sz="1050" dirty="0" smtClean="0">
-                <a:solidFill>
-                  <a:schemeClr val="bg1"/>
-                </a:solidFill>
-                <a:latin typeface="源ノ角ゴシック Code JP L" panose="020B0300000000000000" pitchFamily="34" charset="-128"/>
-                <a:ea typeface="源ノ角ゴシック Code JP L" panose="020B0300000000000000" pitchFamily="34" charset="-128"/>
-              </a:rPr>
-              <a:t>Adventurer3 </a:t>
-            </a:r>
-            <a:r>
-              <a:rPr lang="en-US" altLang="ja-JP" sz="1050" dirty="0">
-                <a:solidFill>
-                  <a:schemeClr val="bg1"/>
-                </a:solidFill>
-                <a:latin typeface="源ノ角ゴシック Code JP L" panose="020B0300000000000000" pitchFamily="34" charset="-128"/>
-                <a:ea typeface="源ノ角ゴシック Code JP L" panose="020B0300000000000000" pitchFamily="34" charset="-128"/>
-              </a:rPr>
-              <a:t>lite</a:t>
-            </a:r>
-          </a:p>
-          <a:p>
-            <a:r>
-              <a:rPr lang="ja-JP" altLang="en-US" sz="1100" dirty="0" smtClean="0">
-                <a:solidFill>
-                  <a:schemeClr val="bg1"/>
-                </a:solidFill>
-                <a:latin typeface="源ノ角ゴシック Code JP L" panose="020B0300000000000000" pitchFamily="34" charset="-128"/>
-                <a:ea typeface="源ノ角ゴシック Code JP L" panose="020B0300000000000000" pitchFamily="34" charset="-128"/>
-              </a:rPr>
-              <a:t>基盤制作</a:t>
-            </a:r>
-            <a:r>
-              <a:rPr lang="ja-JP" altLang="en-US" sz="1100" dirty="0">
-                <a:solidFill>
-                  <a:schemeClr val="bg1"/>
-                </a:solidFill>
-                <a:latin typeface="源ノ角ゴシック Code JP L" panose="020B0300000000000000" pitchFamily="34" charset="-128"/>
-                <a:ea typeface="源ノ角ゴシック Code JP L" panose="020B0300000000000000" pitchFamily="34" charset="-128"/>
-              </a:rPr>
-              <a:t>：</a:t>
+              <a:t>基盤制作：</a:t>
             </a:r>
             <a:r>
               <a:rPr lang="en-US" altLang="ja-JP" sz="1050" dirty="0">
@@ -15597,7 +14193,7 @@
           <a:lstStyle/>
           <a:p>
             <a:r>
-              <a:rPr lang="ja-JP" altLang="en-US" sz="2400" dirty="0" smtClean="0">
+              <a:rPr lang="ja-JP" altLang="en-US" sz="2400" dirty="0">
                 <a:solidFill>
                   <a:schemeClr val="bg1"/>
                 </a:solidFill>
@@ -15606,7 +14202,7 @@
               </a:rPr>
               <a:t>技術共有</a:t>
             </a:r>
-            <a:endParaRPr lang="en-US" altLang="ja-JP" sz="2400" dirty="0" smtClean="0">
+            <a:endParaRPr lang="en-US" altLang="ja-JP" sz="2400" dirty="0">
               <a:solidFill>
                 <a:schemeClr val="bg1"/>
               </a:solidFill>
@@ -15623,39 +14219,48 @@
                 <a:latin typeface="源ノ角ゴシック Code JP L" panose="020B0300000000000000" pitchFamily="34" charset="-128"/>
                 <a:ea typeface="源ノ角ゴシック Code JP L" panose="020B0300000000000000" pitchFamily="34" charset="-128"/>
               </a:rPr>
-              <a:t>私たち</a:t>
-            </a:r>
-            <a:r>
-              <a:rPr lang="ja-JP" altLang="en-US" sz="1200" dirty="0" smtClean="0">
+              <a:t>私たちは、</a:t>
+            </a:r>
+            <a:r>
+              <a:rPr lang="en-US" altLang="ja-JP" sz="1200" dirty="0" err="1">
                 <a:solidFill>
                   <a:schemeClr val="bg1"/>
                 </a:solidFill>
                 <a:latin typeface="源ノ角ゴシック Code JP L" panose="020B0300000000000000" pitchFamily="34" charset="-128"/>
                 <a:ea typeface="源ノ角ゴシック Code JP L" panose="020B0300000000000000" pitchFamily="34" charset="-128"/>
               </a:rPr>
-              <a:t>は、</a:t>
-            </a:r>
-            <a:r>
-              <a:rPr lang="en-US" altLang="ja-JP" sz="1200" dirty="0" err="1" smtClean="0">
+              <a:t>RoboCupJunior</a:t>
+            </a:r>
+            <a:r>
+              <a:rPr lang="ja-JP" altLang="en-US" sz="1200" dirty="0">
                 <a:solidFill>
                   <a:schemeClr val="bg1"/>
                 </a:solidFill>
                 <a:latin typeface="源ノ角ゴシック Code JP L" panose="020B0300000000000000" pitchFamily="34" charset="-128"/>
                 <a:ea typeface="源ノ角ゴシック Code JP L" panose="020B0300000000000000" pitchFamily="34" charset="-128"/>
               </a:rPr>
-              <a:t>RoboCupJunior</a:t>
-            </a:r>
-            <a:r>
-              <a:rPr lang="ja-JP" altLang="en-US" sz="1200" dirty="0" smtClean="0">
+              <a:t>に参加</a:t>
+            </a:r>
+            <a:endParaRPr lang="en-US" altLang="ja-JP" sz="1200" dirty="0">
+              <a:solidFill>
+                <a:schemeClr val="bg1"/>
+              </a:solidFill>
+              <a:latin typeface="源ノ角ゴシック Code JP L" panose="020B0300000000000000" pitchFamily="34" charset="-128"/>
+              <a:ea typeface="源ノ角ゴシック Code JP L" panose="020B0300000000000000" pitchFamily="34" charset="-128"/>
+            </a:endParaRPr>
+          </a:p>
+          <a:p>
+            <a:r>
+              <a:rPr lang="ja-JP" altLang="en-US" sz="1200" dirty="0">
                 <a:solidFill>
                   <a:schemeClr val="bg1"/>
                 </a:solidFill>
                 <a:latin typeface="源ノ角ゴシック Code JP L" panose="020B0300000000000000" pitchFamily="34" charset="-128"/>
                 <a:ea typeface="源ノ角ゴシック Code JP L" panose="020B0300000000000000" pitchFamily="34" charset="-128"/>
               </a:rPr>
-              <a:t>に参加</a:t>
-            </a:r>
-            <a:endParaRPr lang="en-US" altLang="ja-JP" sz="1200" dirty="0" smtClean="0">
+              <a:t>する上で、技術の共有をすることは必要</a:t>
+            </a:r>
+            <a:endParaRPr lang="en-US" altLang="ja-JP" sz="1200" dirty="0">
               <a:solidFill>
                 <a:schemeClr val="bg1"/>
               </a:solidFill>
@@ -15665,16 +14270,16 @@
           </a:p>
           <a:p>
             <a:r>
-              <a:rPr lang="ja-JP" altLang="en-US" sz="1200" dirty="0" smtClean="0">
+              <a:rPr lang="ja-JP" altLang="en-US" sz="1200" dirty="0">
                 <a:solidFill>
                   <a:schemeClr val="bg1"/>
                 </a:solidFill>
                 <a:latin typeface="源ノ角ゴシック Code JP L" panose="020B0300000000000000" pitchFamily="34" charset="-128"/>
                 <a:ea typeface="源ノ角ゴシック Code JP L" panose="020B0300000000000000" pitchFamily="34" charset="-128"/>
               </a:rPr>
-              <a:t>する上で、技術の共有をすることは必要</a:t>
-            </a:r>
-            <a:endParaRPr lang="en-US" altLang="ja-JP" sz="1200" dirty="0" smtClean="0">
+              <a:t>不可欠であると考えました。そこで、</a:t>
+            </a:r>
+            <a:endParaRPr lang="en-US" altLang="ja-JP" sz="1200" dirty="0">
               <a:solidFill>
                 <a:schemeClr val="bg1"/>
               </a:solidFill>
@@ -15684,16 +14289,36 @@
           </a:p>
           <a:p>
             <a:r>
-              <a:rPr lang="ja-JP" altLang="en-US" sz="1200" dirty="0" smtClean="0">
+              <a:rPr lang="ja-JP" altLang="en-US" sz="1200" dirty="0">
                 <a:solidFill>
                   <a:schemeClr val="bg1"/>
                 </a:solidFill>
                 <a:latin typeface="源ノ角ゴシック Code JP L" panose="020B0300000000000000" pitchFamily="34" charset="-128"/>
                 <a:ea typeface="源ノ角ゴシック Code JP L" panose="020B0300000000000000" pitchFamily="34" charset="-128"/>
               </a:rPr>
-              <a:t>不可欠であると考えました。そこで、</a:t>
-            </a:r>
-            <a:endParaRPr lang="en-US" altLang="ja-JP" sz="1200" dirty="0" smtClean="0">
+              <a:t>私たちで</a:t>
+            </a:r>
+            <a:r>
+              <a:rPr lang="en-US" altLang="ja-JP" sz="1200" dirty="0">
+                <a:solidFill>
+                  <a:schemeClr val="bg1"/>
+                </a:solidFill>
+                <a:latin typeface="源ノ角ゴシック Code JP L" panose="020B0300000000000000" pitchFamily="34" charset="-128"/>
+                <a:ea typeface="源ノ角ゴシック Code JP L" panose="020B0300000000000000" pitchFamily="34" charset="-128"/>
+              </a:rPr>
+              <a:t>Twitter</a:t>
+            </a:r>
+            <a:r>
+              <a:rPr lang="ja-JP" altLang="en-US" sz="1200" dirty="0">
+                <a:solidFill>
+                  <a:schemeClr val="bg1"/>
+                </a:solidFill>
+                <a:latin typeface="源ノ角ゴシック Code JP L" panose="020B0300000000000000" pitchFamily="34" charset="-128"/>
+                <a:ea typeface="源ノ角ゴシック Code JP L" panose="020B0300000000000000" pitchFamily="34" charset="-128"/>
+              </a:rPr>
+              <a:t>のアカウント、</a:t>
+            </a:r>
+            <a:endParaRPr lang="en-US" altLang="ja-JP" sz="1200" dirty="0">
               <a:solidFill>
                 <a:schemeClr val="bg1"/>
               </a:solidFill>
@@ -15703,35 +14328,62 @@
           </a:p>
           <a:p>
             <a:r>
-              <a:rPr lang="ja-JP" altLang="en-US" sz="1200" dirty="0" smtClean="0">
+              <a:rPr lang="ja-JP" altLang="en-US" sz="1200" dirty="0">
                 <a:solidFill>
                   <a:schemeClr val="bg1"/>
                 </a:solidFill>
                 <a:latin typeface="源ノ角ゴシック Code JP L" panose="020B0300000000000000" pitchFamily="34" charset="-128"/>
                 <a:ea typeface="源ノ角ゴシック Code JP L" panose="020B0300000000000000" pitchFamily="34" charset="-128"/>
               </a:rPr>
-              <a:t>私たちで</a:t>
-            </a:r>
-            <a:r>
-              <a:rPr lang="en-US" altLang="ja-JP" sz="1200" dirty="0" smtClean="0">
+              <a:t>ウェブブログを作成し、私たちが</a:t>
+            </a:r>
+            <a:endParaRPr lang="en-US" altLang="ja-JP" sz="1200" dirty="0">
+              <a:solidFill>
+                <a:schemeClr val="bg1"/>
+              </a:solidFill>
+              <a:latin typeface="源ノ角ゴシック Code JP L" panose="020B0300000000000000" pitchFamily="34" charset="-128"/>
+              <a:ea typeface="源ノ角ゴシック Code JP L" panose="020B0300000000000000" pitchFamily="34" charset="-128"/>
+            </a:endParaRPr>
+          </a:p>
+          <a:p>
+            <a:r>
+              <a:rPr lang="ja-JP" altLang="en-US" sz="1200" dirty="0">
                 <a:solidFill>
                   <a:schemeClr val="bg1"/>
                 </a:solidFill>
                 <a:latin typeface="源ノ角ゴシック Code JP L" panose="020B0300000000000000" pitchFamily="34" charset="-128"/>
                 <a:ea typeface="源ノ角ゴシック Code JP L" panose="020B0300000000000000" pitchFamily="34" charset="-128"/>
               </a:rPr>
-              <a:t>Twitter</a:t>
-            </a:r>
-            <a:r>
-              <a:rPr lang="ja-JP" altLang="en-US" sz="1200" dirty="0" smtClean="0">
+              <a:t>持っている技術を公開・共有することで</a:t>
+            </a:r>
+            <a:endParaRPr lang="en-US" altLang="ja-JP" sz="1200" dirty="0">
+              <a:solidFill>
+                <a:schemeClr val="bg1"/>
+              </a:solidFill>
+              <a:latin typeface="源ノ角ゴシック Code JP L" panose="020B0300000000000000" pitchFamily="34" charset="-128"/>
+              <a:ea typeface="源ノ角ゴシック Code JP L" panose="020B0300000000000000" pitchFamily="34" charset="-128"/>
+            </a:endParaRPr>
+          </a:p>
+          <a:p>
+            <a:r>
+              <a:rPr lang="ja-JP" altLang="en-US" sz="1200" dirty="0">
                 <a:solidFill>
                   <a:schemeClr val="bg1"/>
                 </a:solidFill>
                 <a:latin typeface="源ノ角ゴシック Code JP L" panose="020B0300000000000000" pitchFamily="34" charset="-128"/>
                 <a:ea typeface="源ノ角ゴシック Code JP L" panose="020B0300000000000000" pitchFamily="34" charset="-128"/>
               </a:rPr>
-              <a:t>のアカウント</a:t>
-            </a:r>
+              <a:t>チームの力を伸ばすことができます。</a:t>
+            </a:r>
+            <a:endParaRPr lang="en-US" altLang="ja-JP" sz="1200" dirty="0">
+              <a:solidFill>
+                <a:schemeClr val="bg1"/>
+              </a:solidFill>
+              <a:latin typeface="源ノ角ゴシック Code JP L" panose="020B0300000000000000" pitchFamily="34" charset="-128"/>
+              <a:ea typeface="源ノ角ゴシック Code JP L" panose="020B0300000000000000" pitchFamily="34" charset="-128"/>
+            </a:endParaRPr>
+          </a:p>
+          <a:p>
             <a:r>
               <a:rPr lang="ja-JP" altLang="en-US" sz="1200" dirty="0">
                 <a:solidFill>
@@ -15740,9 +14392,9 @@
                 <a:latin typeface="源ノ角ゴシック Code JP L" panose="020B0300000000000000" pitchFamily="34" charset="-128"/>
                 <a:ea typeface="源ノ角ゴシック Code JP L" panose="020B0300000000000000" pitchFamily="34" charset="-128"/>
               </a:rPr>
-              <a:t>、</a:t>
-            </a:r>
-            <a:endParaRPr lang="en-US" altLang="ja-JP" sz="1200" dirty="0" smtClean="0">
+              <a:t>ロボットのハードウェア面、ソフト</a:t>
+            </a:r>
+            <a:endParaRPr lang="en-US" altLang="ja-JP" sz="1200" dirty="0">
               <a:solidFill>
                 <a:schemeClr val="bg1"/>
               </a:solidFill>
@@ -15759,130 +14411,27 @@
                 <a:latin typeface="源ノ角ゴシック Code JP L" panose="020B0300000000000000" pitchFamily="34" charset="-128"/>
                 <a:ea typeface="源ノ角ゴシック Code JP L" panose="020B0300000000000000" pitchFamily="34" charset="-128"/>
               </a:rPr>
-              <a:t>ウェブ</a:t>
-            </a:r>
-            <a:r>
-              <a:rPr lang="ja-JP" altLang="en-US" sz="1200" dirty="0" smtClean="0">
+              <a:t>ウェア面からの共有をすることも考えて</a:t>
+            </a:r>
+            <a:endParaRPr lang="en-US" altLang="ja-JP" sz="1200" dirty="0">
+              <a:solidFill>
+                <a:schemeClr val="bg1"/>
+              </a:solidFill>
+              <a:latin typeface="源ノ角ゴシック Code JP L" panose="020B0300000000000000" pitchFamily="34" charset="-128"/>
+              <a:ea typeface="源ノ角ゴシック Code JP L" panose="020B0300000000000000" pitchFamily="34" charset="-128"/>
+            </a:endParaRPr>
+          </a:p>
+          <a:p>
+            <a:r>
+              <a:rPr lang="ja-JP" altLang="en-US" sz="1200" dirty="0">
                 <a:solidFill>
                   <a:schemeClr val="bg1"/>
                 </a:solidFill>
                 <a:latin typeface="源ノ角ゴシック Code JP L" panose="020B0300000000000000" pitchFamily="34" charset="-128"/>
                 <a:ea typeface="源ノ角ゴシック Code JP L" panose="020B0300000000000000" pitchFamily="34" charset="-128"/>
               </a:rPr>
-              <a:t>ブログを作成し、私たちが</a:t>
-            </a:r>
-            <a:endParaRPr lang="en-US" altLang="ja-JP" sz="1200" dirty="0" smtClean="0">
-              <a:solidFill>
-                <a:schemeClr val="bg1"/>
-              </a:solidFill>
-              <a:latin typeface="源ノ角ゴシック Code JP L" panose="020B0300000000000000" pitchFamily="34" charset="-128"/>
-              <a:ea typeface="源ノ角ゴシック Code JP L" panose="020B0300000000000000" pitchFamily="34" charset="-128"/>
-            </a:endParaRPr>
-          </a:p>
-          <a:p>
-            <a:r>
-              <a:rPr lang="ja-JP" altLang="en-US" sz="1200" dirty="0" smtClean="0">
-                <a:solidFill>
-                  <a:schemeClr val="bg1"/>
-                </a:solidFill>
-                <a:latin typeface="源ノ角ゴシック Code JP L" panose="020B0300000000000000" pitchFamily="34" charset="-128"/>
-                <a:ea typeface="源ノ角ゴシック Code JP L" panose="020B0300000000000000" pitchFamily="34" charset="-128"/>
-              </a:rPr>
-              <a:t>持っている技術を公開・共有することで</a:t>
-            </a:r>
-            <a:endParaRPr lang="en-US" altLang="ja-JP" sz="1200" dirty="0" smtClean="0">
-              <a:solidFill>
-                <a:schemeClr val="bg1"/>
-              </a:solidFill>
-              <a:latin typeface="源ノ角ゴシック Code JP L" panose="020B0300000000000000" pitchFamily="34" charset="-128"/>
-              <a:ea typeface="源ノ角ゴシック Code JP L" panose="020B0300000000000000" pitchFamily="34" charset="-128"/>
-            </a:endParaRPr>
-          </a:p>
-          <a:p>
-            <a:r>
-              <a:rPr lang="ja-JP" altLang="en-US" sz="1200" dirty="0" smtClean="0">
-                <a:solidFill>
-                  <a:schemeClr val="bg1"/>
-                </a:solidFill>
-                <a:latin typeface="源ノ角ゴシック Code JP L" panose="020B0300000000000000" pitchFamily="34" charset="-128"/>
-                <a:ea typeface="源ノ角ゴシック Code JP L" panose="020B0300000000000000" pitchFamily="34" charset="-128"/>
-              </a:rPr>
-              <a:t>チームの力を伸ばすことができます。</a:t>
-            </a:r>
-            <a:endParaRPr lang="en-US" altLang="ja-JP" sz="1200" dirty="0" smtClean="0">
-              <a:solidFill>
-                <a:schemeClr val="bg1"/>
-              </a:solidFill>
-              <a:latin typeface="源ノ角ゴシック Code JP L" panose="020B0300000000000000" pitchFamily="34" charset="-128"/>
-              <a:ea typeface="源ノ角ゴシック Code JP L" panose="020B0300000000000000" pitchFamily="34" charset="-128"/>
-            </a:endParaRPr>
-          </a:p>
-          <a:p>
-            <a:r>
-              <a:rPr lang="ja-JP" altLang="en-US" sz="1200" dirty="0" smtClean="0">
-                <a:solidFill>
-                  <a:schemeClr val="bg1"/>
-                </a:solidFill>
-                <a:latin typeface="源ノ角ゴシック Code JP L" panose="020B0300000000000000" pitchFamily="34" charset="-128"/>
-                <a:ea typeface="源ノ角ゴシック Code JP L" panose="020B0300000000000000" pitchFamily="34" charset="-128"/>
-              </a:rPr>
-              <a:t>ロボットのハードウェア面、ソフト</a:t>
-            </a:r>
-            <a:endParaRPr lang="en-US" altLang="ja-JP" sz="1200" dirty="0" smtClean="0">
-              <a:solidFill>
-                <a:schemeClr val="bg1"/>
-              </a:solidFill>
-              <a:latin typeface="源ノ角ゴシック Code JP L" panose="020B0300000000000000" pitchFamily="34" charset="-128"/>
-              <a:ea typeface="源ノ角ゴシック Code JP L" panose="020B0300000000000000" pitchFamily="34" charset="-128"/>
-            </a:endParaRPr>
-          </a:p>
-          <a:p>
-            <a:r>
-              <a:rPr lang="ja-JP" altLang="en-US" sz="1200" dirty="0" smtClean="0">
-                <a:solidFill>
-                  <a:schemeClr val="bg1"/>
-                </a:solidFill>
-                <a:latin typeface="源ノ角ゴシック Code JP L" panose="020B0300000000000000" pitchFamily="34" charset="-128"/>
-                <a:ea typeface="源ノ角ゴシック Code JP L" panose="020B0300000000000000" pitchFamily="34" charset="-128"/>
-              </a:rPr>
-              <a:t>ウェア面からの共有をすることも考えて</a:t>
-            </a:r>
-            <a:endParaRPr lang="en-US" altLang="ja-JP" sz="1200" dirty="0" smtClean="0">
-              <a:solidFill>
-                <a:schemeClr val="bg1"/>
-              </a:solidFill>
-              <a:latin typeface="源ノ角ゴシック Code JP L" panose="020B0300000000000000" pitchFamily="34" charset="-128"/>
-              <a:ea typeface="源ノ角ゴシック Code JP L" panose="020B0300000000000000" pitchFamily="34" charset="-128"/>
-            </a:endParaRPr>
-          </a:p>
-          <a:p>
-            <a:r>
-              <a:rPr lang="ja-JP" altLang="en-US" sz="1200" dirty="0">
-                <a:solidFill>
-                  <a:schemeClr val="bg1"/>
-                </a:solidFill>
-                <a:latin typeface="源ノ角ゴシック Code JP L" panose="020B0300000000000000" pitchFamily="34" charset="-128"/>
-                <a:ea typeface="源ノ角ゴシック Code JP L" panose="020B0300000000000000" pitchFamily="34" charset="-128"/>
-              </a:rPr>
-              <a:t>いる</a:t>
-            </a:r>
-            <a:r>
-              <a:rPr lang="ja-JP" altLang="en-US" sz="1200" dirty="0" smtClean="0">
-                <a:solidFill>
-                  <a:schemeClr val="bg1"/>
-                </a:solidFill>
-                <a:latin typeface="源ノ角ゴシック Code JP L" panose="020B0300000000000000" pitchFamily="34" charset="-128"/>
-                <a:ea typeface="源ノ角ゴシック Code JP L" panose="020B0300000000000000" pitchFamily="34" charset="-128"/>
-              </a:rPr>
-              <a:t>ため、ぜひ一度お越しください。</a:t>
-            </a:r>
-            <a:endParaRPr lang="ja-JP" altLang="en-US" sz="1200" dirty="0">
-              <a:solidFill>
-                <a:schemeClr val="bg1"/>
-              </a:solidFill>
-              <a:latin typeface="源ノ角ゴシック Code JP L" panose="020B0300000000000000" pitchFamily="34" charset="-128"/>
-              <a:ea typeface="源ノ角ゴシック Code JP L" panose="020B0300000000000000" pitchFamily="34" charset="-128"/>
-            </a:endParaRPr>
+              <a:t>いるため、ぜひ一度お越しください。</a:t>
+            </a:r>
           </a:p>
         </p:txBody>
       </p:sp>
@@ -15938,7 +14487,7 @@
           <a:lstStyle/>
           <a:p>
             <a:r>
-              <a:rPr lang="en-US" altLang="ja-JP" sz="1050" b="1" dirty="0" smtClean="0">
+              <a:rPr lang="en-US" altLang="ja-JP" sz="1050" b="1" dirty="0">
                 <a:solidFill>
                   <a:schemeClr val="bg1"/>
                 </a:solidFill>
@@ -15948,7 +14497,7 @@
               <a:t>Twitter:@</a:t>
             </a:r>
             <a:r>
-              <a:rPr lang="en-US" altLang="ja-JP" sz="1050" b="1" dirty="0" err="1" smtClean="0">
+              <a:rPr lang="en-US" altLang="ja-JP" sz="1050" b="1" dirty="0" err="1">
                 <a:solidFill>
                   <a:schemeClr val="bg1"/>
                 </a:solidFill>
@@ -15957,7 +14506,7 @@
               </a:rPr>
               <a:t>munachu_artemis</a:t>
             </a:r>
-            <a:endParaRPr lang="en-US" altLang="ja-JP" sz="1050" b="1" dirty="0" smtClean="0">
+            <a:endParaRPr lang="en-US" altLang="ja-JP" sz="1050" b="1" dirty="0">
               <a:solidFill>
                 <a:schemeClr val="bg1"/>
               </a:solidFill>
@@ -15967,7 +14516,7 @@
           </a:p>
           <a:p>
             <a:r>
-              <a:rPr lang="en-US" altLang="ja-JP" sz="1050" b="1" dirty="0" err="1" smtClean="0">
+              <a:rPr lang="en-US" altLang="ja-JP" sz="1050" b="1" dirty="0" err="1">
                 <a:solidFill>
                   <a:schemeClr val="bg1"/>
                 </a:solidFill>
@@ -15977,7 +14526,7 @@
               <a:t>Blog:https</a:t>
             </a:r>
             <a:r>
-              <a:rPr lang="en-US" altLang="ja-JP" sz="1050" b="1" dirty="0" smtClean="0">
+              <a:rPr lang="en-US" altLang="ja-JP" sz="1050" b="1" dirty="0">
                 <a:solidFill>
                   <a:schemeClr val="bg1"/>
                 </a:solidFill>
@@ -16017,7 +14566,7 @@
         </p:blipFill>
         <p:spPr>
           <a:xfrm>
-            <a:off x="8210724" y="9961152"/>
+            <a:off x="7996191" y="9962400"/>
             <a:ext cx="606776" cy="535110"/>
           </a:xfrm>
           <a:prstGeom prst="rect">
@@ -16047,7 +14596,7 @@
         </p:blipFill>
         <p:spPr>
           <a:xfrm>
-            <a:off x="8698217" y="9521788"/>
+            <a:off x="8539848" y="9618816"/>
             <a:ext cx="682999" cy="682999"/>
           </a:xfrm>
           <a:prstGeom prst="rect">
@@ -16077,7 +14626,7 @@
         </p:blipFill>
         <p:spPr>
           <a:xfrm>
-            <a:off x="9221401" y="9826365"/>
+            <a:off x="9240736" y="9736061"/>
             <a:ext cx="2325383" cy="682264"/>
           </a:xfrm>
           <a:prstGeom prst="rect">
@@ -16107,8 +14656,68 @@
         </p:blipFill>
         <p:spPr>
           <a:xfrm>
-            <a:off x="7591048" y="9360293"/>
+            <a:off x="7320954" y="9351731"/>
             <a:ext cx="1003386" cy="885163"/>
+          </a:xfrm>
+          <a:prstGeom prst="rect">
+            <a:avLst/>
+          </a:prstGeom>
+        </p:spPr>
+      </p:pic>
+      <p:pic>
+        <p:nvPicPr>
+          <p:cNvPr id="24" name="図 23">
+            <a:extLst>
+              <a:ext uri="{FF2B5EF4-FFF2-40B4-BE49-F238E27FC236}">
+                <a16:creationId xmlns:a16="http://schemas.microsoft.com/office/drawing/2014/main" id="{38164A6C-0691-9201-B00C-47BB12CE7D1E}"/>
+              </a:ext>
+            </a:extLst>
+          </p:cNvPr>
+          <p:cNvPicPr>
+            <a:picLocks noChangeAspect="1"/>
+          </p:cNvPicPr>
+          <p:nvPr/>
+        </p:nvPicPr>
+        <p:blipFill>
+          <a:blip r:embed="rId25"/>
+          <a:stretch>
+            <a:fillRect/>
+          </a:stretch>
+        </p:blipFill>
+        <p:spPr>
+          <a:xfrm>
+            <a:off x="9914556" y="8618835"/>
+            <a:ext cx="1728551" cy="1079645"/>
+          </a:xfrm>
+          <a:prstGeom prst="rect">
+            <a:avLst/>
+          </a:prstGeom>
+        </p:spPr>
+      </p:pic>
+      <p:pic>
+        <p:nvPicPr>
+          <p:cNvPr id="31" name="図 30">
+            <a:extLst>
+              <a:ext uri="{FF2B5EF4-FFF2-40B4-BE49-F238E27FC236}">
+                <a16:creationId xmlns:a16="http://schemas.microsoft.com/office/drawing/2014/main" id="{5A506B3D-14EF-F923-B6A8-4D972CAF3B96}"/>
+              </a:ext>
+            </a:extLst>
+          </p:cNvPr>
+          <p:cNvPicPr>
+            <a:picLocks noChangeAspect="1"/>
+          </p:cNvPicPr>
+          <p:nvPr/>
+        </p:nvPicPr>
+        <p:blipFill>
+          <a:blip r:embed="rId26"/>
+          <a:stretch>
+            <a:fillRect/>
+          </a:stretch>
+        </p:blipFill>
+        <p:spPr>
+          <a:xfrm>
+            <a:off x="8958493" y="8000597"/>
+            <a:ext cx="1480580" cy="1216088"/>
           </a:xfrm>
           <a:prstGeom prst="rect">
             <a:avLst/>
@@ -16125,13 +14734,6 @@
   <p:clrMapOvr>
     <a:masterClrMapping/>
   </p:clrMapOvr>
-  <p:timing>
-    <p:tnLst>
-      <p:par>
-        <p:cTn id="1" dur="indefinite" restart="never" nodeType="tmRoot"/>
-      </p:par>
-    </p:tnLst>
-  </p:timing>
 </p:sld>
 </file>
 

--- a/KitakyusyuOpen2022/PresentationSeat/PresentationSeet.pptx
+++ b/KitakyusyuOpen2022/PresentationSeat/PresentationSeet.pptx
@@ -197,7 +197,7 @@
           <a:p>
             <a:fld id="{112A8008-FDA3-410E-9738-B862D3BEBCE1}" type="datetimeFigureOut">
               <a:rPr kumimoji="1" lang="ja-JP" altLang="en-US" smtClean="0"/>
-              <a:t>2022/8/3</a:t>
+              <a:t>2022/8/4</a:t>
             </a:fld>
             <a:endParaRPr kumimoji="1" lang="ja-JP" altLang="en-US"/>
           </a:p>
@@ -717,7 +717,7 @@
           <a:p>
             <a:fld id="{7A01C935-5042-4AD5-A86E-5E275E957866}" type="datetimeFigureOut">
               <a:rPr kumimoji="1" lang="ja-JP" altLang="en-US" smtClean="0"/>
-              <a:t>2022/8/3</a:t>
+              <a:t>2022/8/4</a:t>
             </a:fld>
             <a:endParaRPr kumimoji="1" lang="ja-JP" altLang="en-US"/>
           </a:p>
@@ -919,7 +919,7 @@
           <a:p>
             <a:fld id="{7A01C935-5042-4AD5-A86E-5E275E957866}" type="datetimeFigureOut">
               <a:rPr kumimoji="1" lang="ja-JP" altLang="en-US" smtClean="0"/>
-              <a:t>2022/8/3</a:t>
+              <a:t>2022/8/4</a:t>
             </a:fld>
             <a:endParaRPr kumimoji="1" lang="ja-JP" altLang="en-US"/>
           </a:p>
@@ -1131,7 +1131,7 @@
           <a:p>
             <a:fld id="{7A01C935-5042-4AD5-A86E-5E275E957866}" type="datetimeFigureOut">
               <a:rPr kumimoji="1" lang="ja-JP" altLang="en-US" smtClean="0"/>
-              <a:t>2022/8/3</a:t>
+              <a:t>2022/8/4</a:t>
             </a:fld>
             <a:endParaRPr kumimoji="1" lang="ja-JP" altLang="en-US"/>
           </a:p>
@@ -1333,7 +1333,7 @@
           <a:p>
             <a:fld id="{7A01C935-5042-4AD5-A86E-5E275E957866}" type="datetimeFigureOut">
               <a:rPr kumimoji="1" lang="ja-JP" altLang="en-US" smtClean="0"/>
-              <a:t>2022/8/3</a:t>
+              <a:t>2022/8/4</a:t>
             </a:fld>
             <a:endParaRPr kumimoji="1" lang="ja-JP" altLang="en-US"/>
           </a:p>
@@ -1577,7 +1577,7 @@
           <a:p>
             <a:fld id="{7A01C935-5042-4AD5-A86E-5E275E957866}" type="datetimeFigureOut">
               <a:rPr kumimoji="1" lang="ja-JP" altLang="en-US" smtClean="0"/>
-              <a:t>2022/8/3</a:t>
+              <a:t>2022/8/4</a:t>
             </a:fld>
             <a:endParaRPr kumimoji="1" lang="ja-JP" altLang="en-US"/>
           </a:p>
@@ -1873,7 +1873,7 @@
           <a:p>
             <a:fld id="{7A01C935-5042-4AD5-A86E-5E275E957866}" type="datetimeFigureOut">
               <a:rPr kumimoji="1" lang="ja-JP" altLang="en-US" smtClean="0"/>
-              <a:t>2022/8/3</a:t>
+              <a:t>2022/8/4</a:t>
             </a:fld>
             <a:endParaRPr kumimoji="1" lang="ja-JP" altLang="en-US"/>
           </a:p>
@@ -2304,7 +2304,7 @@
           <a:p>
             <a:fld id="{7A01C935-5042-4AD5-A86E-5E275E957866}" type="datetimeFigureOut">
               <a:rPr kumimoji="1" lang="ja-JP" altLang="en-US" smtClean="0"/>
-              <a:t>2022/8/3</a:t>
+              <a:t>2022/8/4</a:t>
             </a:fld>
             <a:endParaRPr kumimoji="1" lang="ja-JP" altLang="en-US"/>
           </a:p>
@@ -2422,7 +2422,7 @@
           <a:p>
             <a:fld id="{7A01C935-5042-4AD5-A86E-5E275E957866}" type="datetimeFigureOut">
               <a:rPr kumimoji="1" lang="ja-JP" altLang="en-US" smtClean="0"/>
-              <a:t>2022/8/3</a:t>
+              <a:t>2022/8/4</a:t>
             </a:fld>
             <a:endParaRPr kumimoji="1" lang="ja-JP" altLang="en-US"/>
           </a:p>
@@ -2517,7 +2517,7 @@
           <a:p>
             <a:fld id="{7A01C935-5042-4AD5-A86E-5E275E957866}" type="datetimeFigureOut">
               <a:rPr kumimoji="1" lang="ja-JP" altLang="en-US" smtClean="0"/>
-              <a:t>2022/8/3</a:t>
+              <a:t>2022/8/4</a:t>
             </a:fld>
             <a:endParaRPr kumimoji="1" lang="ja-JP" altLang="en-US"/>
           </a:p>
@@ -2826,7 +2826,7 @@
           <a:p>
             <a:fld id="{7A01C935-5042-4AD5-A86E-5E275E957866}" type="datetimeFigureOut">
               <a:rPr kumimoji="1" lang="ja-JP" altLang="en-US" smtClean="0"/>
-              <a:t>2022/8/3</a:t>
+              <a:t>2022/8/4</a:t>
             </a:fld>
             <a:endParaRPr kumimoji="1" lang="ja-JP" altLang="en-US"/>
           </a:p>
@@ -3083,7 +3083,7 @@
           <a:p>
             <a:fld id="{7A01C935-5042-4AD5-A86E-5E275E957866}" type="datetimeFigureOut">
               <a:rPr kumimoji="1" lang="ja-JP" altLang="en-US" smtClean="0"/>
-              <a:t>2022/8/3</a:t>
+              <a:t>2022/8/4</a:t>
             </a:fld>
             <a:endParaRPr kumimoji="1" lang="ja-JP" altLang="en-US"/>
           </a:p>
@@ -3328,7 +3328,7 @@
           <a:p>
             <a:fld id="{7A01C935-5042-4AD5-A86E-5E275E957866}" type="datetimeFigureOut">
               <a:rPr kumimoji="1" lang="ja-JP" altLang="en-US" smtClean="0"/>
-              <a:t>2022/8/3</a:t>
+              <a:t>2022/8/4</a:t>
             </a:fld>
             <a:endParaRPr kumimoji="1" lang="ja-JP" altLang="en-US"/>
           </a:p>
@@ -15721,17 +15721,7 @@
                 <a:latin typeface="源ノ角ゴシック Code JP L" panose="020B0300000000000000" pitchFamily="34" charset="-128"/>
                 <a:ea typeface="源ノ角ゴシック Code JP L" panose="020B0300000000000000" pitchFamily="34" charset="-128"/>
               </a:rPr>
-              <a:t>不可欠であると考えました。そこで</a:t>
-            </a:r>
-            <a:r>
-              <a:rPr lang="ja-JP" altLang="en-US" sz="1200" dirty="0" smtClean="0">
-                <a:solidFill>
-                  <a:schemeClr val="bg1"/>
-                </a:solidFill>
-                <a:latin typeface="源ノ角ゴシック Code JP L" panose="020B0300000000000000" pitchFamily="34" charset="-128"/>
-                <a:ea typeface="源ノ角ゴシック Code JP L" panose="020B0300000000000000" pitchFamily="34" charset="-128"/>
-              </a:rPr>
-              <a:t>、</a:t>
+              <a:t>不可欠であると考えました。そこで、</a:t>
             </a:r>
             <a:endParaRPr lang="en-US" altLang="ja-JP" sz="1200" dirty="0" smtClean="0">
               <a:solidFill>
@@ -15760,17 +15750,7 @@
                 <a:latin typeface="源ノ角ゴシック Code JP L" panose="020B0300000000000000" pitchFamily="34" charset="-128"/>
                 <a:ea typeface="源ノ角ゴシック Code JP L" panose="020B0300000000000000" pitchFamily="34" charset="-128"/>
               </a:rPr>
-              <a:t>からの試みとして</a:t>
-            </a:r>
-            <a:r>
-              <a:rPr lang="ja-JP" altLang="en-US" sz="1200" dirty="0" smtClean="0">
-                <a:solidFill>
-                  <a:schemeClr val="bg1"/>
-                </a:solidFill>
-                <a:latin typeface="源ノ角ゴシック Code JP L" panose="020B0300000000000000" pitchFamily="34" charset="-128"/>
-                <a:ea typeface="源ノ角ゴシック Code JP L" panose="020B0300000000000000" pitchFamily="34" charset="-128"/>
-              </a:rPr>
-              <a:t>私たちで</a:t>
+              <a:t>からの試みとして私たちで</a:t>
             </a:r>
             <a:endParaRPr lang="en-US" altLang="ja-JP" sz="1200" dirty="0" smtClean="0">
               <a:solidFill>
@@ -15799,57 +15779,7 @@
                 <a:latin typeface="源ノ角ゴシック Code JP L" panose="020B0300000000000000" pitchFamily="34" charset="-128"/>
                 <a:ea typeface="源ノ角ゴシック Code JP L" panose="020B0300000000000000" pitchFamily="34" charset="-128"/>
               </a:rPr>
-              <a:t>のアカウント</a:t>
-            </a:r>
-            <a:r>
-              <a:rPr lang="ja-JP" altLang="en-US" sz="1200" dirty="0" smtClean="0">
-                <a:solidFill>
-                  <a:schemeClr val="bg1"/>
-                </a:solidFill>
-                <a:latin typeface="源ノ角ゴシック Code JP L" panose="020B0300000000000000" pitchFamily="34" charset="-128"/>
-                <a:ea typeface="源ノ角ゴシック Code JP L" panose="020B0300000000000000" pitchFamily="34" charset="-128"/>
-              </a:rPr>
-              <a:t>、ウェブブログを作成</a:t>
-            </a:r>
-            <a:r>
-              <a:rPr lang="ja-JP" altLang="en-US" sz="1200" dirty="0" smtClean="0">
-                <a:solidFill>
-                  <a:schemeClr val="bg1"/>
-                </a:solidFill>
-                <a:latin typeface="源ノ角ゴシック Code JP L" panose="020B0300000000000000" pitchFamily="34" charset="-128"/>
-                <a:ea typeface="源ノ角ゴシック Code JP L" panose="020B0300000000000000" pitchFamily="34" charset="-128"/>
-              </a:rPr>
-              <a:t>し</a:t>
-            </a:r>
-            <a:r>
-              <a:rPr lang="ja-JP" altLang="en-US" sz="1200" dirty="0" smtClean="0">
-                <a:solidFill>
-                  <a:schemeClr val="bg1"/>
-                </a:solidFill>
-                <a:latin typeface="源ノ角ゴシック Code JP L" panose="020B0300000000000000" pitchFamily="34" charset="-128"/>
-                <a:ea typeface="源ノ角ゴシック Code JP L" panose="020B0300000000000000" pitchFamily="34" charset="-128"/>
-              </a:rPr>
-              <a:t>、私たちが持って</a:t>
-            </a:r>
-            <a:r>
-              <a:rPr lang="ja-JP" altLang="en-US" sz="1200" dirty="0" smtClean="0">
-                <a:solidFill>
-                  <a:schemeClr val="bg1"/>
-                </a:solidFill>
-                <a:latin typeface="源ノ角ゴシック Code JP L" panose="020B0300000000000000" pitchFamily="34" charset="-128"/>
-                <a:ea typeface="源ノ角ゴシック Code JP L" panose="020B0300000000000000" pitchFamily="34" charset="-128"/>
-              </a:rPr>
-              <a:t>いる技術</a:t>
-            </a:r>
-            <a:r>
-              <a:rPr lang="ja-JP" altLang="en-US" sz="1200" dirty="0" smtClean="0">
-                <a:solidFill>
-                  <a:schemeClr val="bg1"/>
-                </a:solidFill>
-                <a:latin typeface="源ノ角ゴシック Code JP L" panose="020B0300000000000000" pitchFamily="34" charset="-128"/>
-                <a:ea typeface="源ノ角ゴシック Code JP L" panose="020B0300000000000000" pitchFamily="34" charset="-128"/>
-              </a:rPr>
-              <a:t>を</a:t>
+              <a:t>のアカウント、ウェブブログを作成し、私たちが持っている技術を</a:t>
             </a:r>
             <a:endParaRPr lang="en-US" altLang="ja-JP" sz="1200" dirty="0" smtClean="0">
               <a:solidFill>
@@ -15868,27 +15798,7 @@
                 <a:latin typeface="源ノ角ゴシック Code JP L" panose="020B0300000000000000" pitchFamily="34" charset="-128"/>
                 <a:ea typeface="源ノ角ゴシック Code JP L" panose="020B0300000000000000" pitchFamily="34" charset="-128"/>
               </a:rPr>
-              <a:t>公開</a:t>
-            </a:r>
-            <a:r>
-              <a:rPr lang="ja-JP" altLang="en-US" sz="1200" dirty="0" smtClean="0">
-                <a:solidFill>
-                  <a:schemeClr val="bg1"/>
-                </a:solidFill>
-                <a:latin typeface="源ノ角ゴシック Code JP L" panose="020B0300000000000000" pitchFamily="34" charset="-128"/>
-                <a:ea typeface="源ノ角ゴシック Code JP L" panose="020B0300000000000000" pitchFamily="34" charset="-128"/>
-              </a:rPr>
-              <a:t>・共有する</a:t>
-            </a:r>
-            <a:r>
-              <a:rPr lang="ja-JP" altLang="en-US" sz="1200" dirty="0" smtClean="0">
-                <a:solidFill>
-                  <a:schemeClr val="bg1"/>
-                </a:solidFill>
-                <a:latin typeface="源ノ角ゴシック Code JP L" panose="020B0300000000000000" pitchFamily="34" charset="-128"/>
-                <a:ea typeface="源ノ角ゴシック Code JP L" panose="020B0300000000000000" pitchFamily="34" charset="-128"/>
-              </a:rPr>
-              <a:t>ことにしました。</a:t>
+              <a:t>公開・共有することにしました。</a:t>
             </a:r>
             <a:endParaRPr lang="en-US" altLang="ja-JP" sz="1200" dirty="0" smtClean="0">
               <a:solidFill>
@@ -15907,17 +15817,7 @@
                 <a:latin typeface="源ノ角ゴシック Code JP L" panose="020B0300000000000000" pitchFamily="34" charset="-128"/>
                 <a:ea typeface="源ノ角ゴシック Code JP L" panose="020B0300000000000000" pitchFamily="34" charset="-128"/>
               </a:rPr>
-              <a:t>ロボット</a:t>
-            </a:r>
-            <a:r>
-              <a:rPr lang="ja-JP" altLang="en-US" sz="1200" dirty="0" smtClean="0">
-                <a:solidFill>
-                  <a:schemeClr val="bg1"/>
-                </a:solidFill>
-                <a:latin typeface="源ノ角ゴシック Code JP L" panose="020B0300000000000000" pitchFamily="34" charset="-128"/>
-                <a:ea typeface="源ノ角ゴシック Code JP L" panose="020B0300000000000000" pitchFamily="34" charset="-128"/>
-              </a:rPr>
-              <a:t>のハードウェア面、ソフト</a:t>
+              <a:t>ロボットのハードウェア面、ソフト</a:t>
             </a:r>
             <a:endParaRPr lang="en-US" altLang="ja-JP" sz="1200" dirty="0" smtClean="0">
               <a:solidFill>
@@ -15965,17 +15865,7 @@
                 <a:latin typeface="源ノ角ゴシック Code JP L" panose="020B0300000000000000" pitchFamily="34" charset="-128"/>
                 <a:ea typeface="源ノ角ゴシック Code JP L" panose="020B0300000000000000" pitchFamily="34" charset="-128"/>
               </a:rPr>
-              <a:t>ため、ぜひ一度お越しください</a:t>
-            </a:r>
-            <a:r>
-              <a:rPr lang="ja-JP" altLang="en-US" sz="1200" dirty="0" smtClean="0">
-                <a:solidFill>
-                  <a:schemeClr val="bg1"/>
-                </a:solidFill>
-                <a:latin typeface="源ノ角ゴシック Code JP L" panose="020B0300000000000000" pitchFamily="34" charset="-128"/>
-                <a:ea typeface="源ノ角ゴシック Code JP L" panose="020B0300000000000000" pitchFamily="34" charset="-128"/>
-              </a:rPr>
-              <a:t>。</a:t>
+              <a:t>ため、ぜひ一度お越しください。</a:t>
             </a:r>
             <a:endParaRPr lang="en-US" altLang="ja-JP" sz="1200" dirty="0" smtClean="0">
               <a:solidFill>
@@ -16083,17 +15973,7 @@
                 <a:latin typeface="源ノ角ゴシック Code JP L" panose="020B0300000000000000" pitchFamily="34" charset="-128"/>
                 <a:ea typeface="源ノ角ゴシック Code JP L" panose="020B0300000000000000" pitchFamily="34" charset="-128"/>
               </a:rPr>
-              <a:t>ので</a:t>
-            </a:r>
-            <a:r>
-              <a:rPr lang="ja-JP" altLang="en-US" sz="1200" dirty="0" smtClean="0">
-                <a:solidFill>
-                  <a:schemeClr val="bg1"/>
-                </a:solidFill>
-                <a:latin typeface="源ノ角ゴシック Code JP L" panose="020B0300000000000000" pitchFamily="34" charset="-128"/>
-                <a:ea typeface="源ノ角ゴシック Code JP L" panose="020B0300000000000000" pitchFamily="34" charset="-128"/>
-              </a:rPr>
-              <a:t>、そこからアクセス</a:t>
+              <a:t>ので、そこからアクセス</a:t>
             </a:r>
             <a:endParaRPr lang="en-US" altLang="ja-JP" sz="1200" dirty="0" smtClean="0">
               <a:solidFill>
@@ -16396,6 +16276,76 @@
           </a:fontRef>
         </p:style>
       </p:cxnSp>
+      <p:pic>
+        <p:nvPicPr>
+          <p:cNvPr id="24" name="図 23"/>
+          <p:cNvPicPr>
+            <a:picLocks noChangeAspect="1"/>
+          </p:cNvPicPr>
+          <p:nvPr/>
+        </p:nvPicPr>
+        <p:blipFill rotWithShape="1">
+          <a:blip r:embed="rId26">
+            <a:extLst>
+              <a:ext uri="{28A0092B-C50C-407E-A947-70E740481C1C}">
+                <a14:useLocalDpi xmlns:a14="http://schemas.microsoft.com/office/drawing/2010/main" val="0"/>
+              </a:ext>
+            </a:extLst>
+          </a:blip>
+          <a:srcRect l="16074" r="23486"/>
+          <a:stretch/>
+        </p:blipFill>
+        <p:spPr>
+          <a:xfrm>
+            <a:off x="92241" y="764462"/>
+            <a:ext cx="2507182" cy="3110003"/>
+          </a:xfrm>
+          <a:prstGeom prst="rect">
+            <a:avLst/>
+          </a:prstGeom>
+          <a:ln>
+            <a:noFill/>
+          </a:ln>
+          <a:effectLst>
+            <a:softEdge rad="112500"/>
+          </a:effectLst>
+        </p:spPr>
+      </p:pic>
+      <p:pic>
+        <p:nvPicPr>
+          <p:cNvPr id="31" name="図 30"/>
+          <p:cNvPicPr>
+            <a:picLocks noChangeAspect="1"/>
+          </p:cNvPicPr>
+          <p:nvPr/>
+        </p:nvPicPr>
+        <p:blipFill rotWithShape="1">
+          <a:blip r:embed="rId27">
+            <a:extLst>
+              <a:ext uri="{28A0092B-C50C-407E-A947-70E740481C1C}">
+                <a14:useLocalDpi xmlns:a14="http://schemas.microsoft.com/office/drawing/2010/main" val="0"/>
+              </a:ext>
+            </a:extLst>
+          </a:blip>
+          <a:srcRect l="20531" t="12791" r="19639"/>
+          <a:stretch/>
+        </p:blipFill>
+        <p:spPr>
+          <a:xfrm>
+            <a:off x="7567732" y="976633"/>
+            <a:ext cx="2410597" cy="2762154"/>
+          </a:xfrm>
+          <a:prstGeom prst="rect">
+            <a:avLst/>
+          </a:prstGeom>
+          <a:ln>
+            <a:noFill/>
+          </a:ln>
+          <a:effectLst>
+            <a:softEdge rad="112500"/>
+          </a:effectLst>
+        </p:spPr>
+      </p:pic>
     </p:spTree>
     <p:extLst>
       <p:ext uri="{BB962C8B-B14F-4D97-AF65-F5344CB8AC3E}">

--- a/KitakyusyuOpen2022/PresentationSeat/PresentationSeet.pptx
+++ b/KitakyusyuOpen2022/PresentationSeat/PresentationSeet.pptx
@@ -197,7 +197,7 @@
           <a:p>
             <a:fld id="{112A8008-FDA3-410E-9738-B862D3BEBCE1}" type="datetimeFigureOut">
               <a:rPr kumimoji="1" lang="ja-JP" altLang="en-US" smtClean="0"/>
-              <a:t>2022/8/4</a:t>
+              <a:t>2022/8/5</a:t>
             </a:fld>
             <a:endParaRPr kumimoji="1" lang="ja-JP" altLang="en-US"/>
           </a:p>
@@ -261,70 +261,69 @@
           <a:p>
             <a:pPr lvl="0"/>
             <a:r>
-              <a:rPr kumimoji="1" lang="ja-JP" altLang="en-US" smtClean="0"/>
+              <a:rPr kumimoji="1" lang="ja-JP" altLang="en-US"/>
               <a:t>マスター テキストの書式設定</a:t>
             </a:r>
           </a:p>
           <a:p>
             <a:pPr lvl="1"/>
             <a:r>
-              <a:rPr kumimoji="1" lang="ja-JP" altLang="en-US" smtClean="0"/>
+              <a:rPr kumimoji="1" lang="ja-JP" altLang="en-US"/>
               <a:t>第 </a:t>
             </a:r>
             <a:r>
-              <a:rPr kumimoji="1" lang="en-US" altLang="ja-JP" smtClean="0"/>
+              <a:rPr kumimoji="1" lang="en-US" altLang="ja-JP"/>
               <a:t>2 </a:t>
             </a:r>
             <a:r>
-              <a:rPr kumimoji="1" lang="ja-JP" altLang="en-US" smtClean="0"/>
+              <a:rPr kumimoji="1" lang="ja-JP" altLang="en-US"/>
               <a:t>レベル</a:t>
             </a:r>
           </a:p>
           <a:p>
             <a:pPr lvl="2"/>
             <a:r>
-              <a:rPr kumimoji="1" lang="ja-JP" altLang="en-US" smtClean="0"/>
+              <a:rPr kumimoji="1" lang="ja-JP" altLang="en-US"/>
               <a:t>第 </a:t>
             </a:r>
             <a:r>
-              <a:rPr kumimoji="1" lang="en-US" altLang="ja-JP" smtClean="0"/>
+              <a:rPr kumimoji="1" lang="en-US" altLang="ja-JP"/>
               <a:t>3 </a:t>
             </a:r>
             <a:r>
-              <a:rPr kumimoji="1" lang="ja-JP" altLang="en-US" smtClean="0"/>
+              <a:rPr kumimoji="1" lang="ja-JP" altLang="en-US"/>
               <a:t>レベル</a:t>
             </a:r>
           </a:p>
           <a:p>
             <a:pPr lvl="3"/>
             <a:r>
-              <a:rPr kumimoji="1" lang="ja-JP" altLang="en-US" smtClean="0"/>
+              <a:rPr kumimoji="1" lang="ja-JP" altLang="en-US"/>
               <a:t>第 </a:t>
             </a:r>
             <a:r>
-              <a:rPr kumimoji="1" lang="en-US" altLang="ja-JP" smtClean="0"/>
+              <a:rPr kumimoji="1" lang="en-US" altLang="ja-JP"/>
               <a:t>4 </a:t>
             </a:r>
             <a:r>
-              <a:rPr kumimoji="1" lang="ja-JP" altLang="en-US" smtClean="0"/>
+              <a:rPr kumimoji="1" lang="ja-JP" altLang="en-US"/>
               <a:t>レベル</a:t>
             </a:r>
           </a:p>
           <a:p>
             <a:pPr lvl="4"/>
             <a:r>
-              <a:rPr kumimoji="1" lang="ja-JP" altLang="en-US" smtClean="0"/>
+              <a:rPr kumimoji="1" lang="ja-JP" altLang="en-US"/>
               <a:t>第 </a:t>
             </a:r>
             <a:r>
-              <a:rPr kumimoji="1" lang="en-US" altLang="ja-JP" smtClean="0"/>
+              <a:rPr kumimoji="1" lang="en-US" altLang="ja-JP"/>
               <a:t>5 </a:t>
             </a:r>
             <a:r>
-              <a:rPr kumimoji="1" lang="ja-JP" altLang="en-US" smtClean="0"/>
+              <a:rPr kumimoji="1" lang="ja-JP" altLang="en-US"/>
               <a:t>レベル</a:t>
             </a:r>
-            <a:endParaRPr kumimoji="1" lang="ja-JP" altLang="en-US"/>
           </a:p>
         </p:txBody>
       </p:sp>
@@ -628,7 +627,7 @@
           </a:lstStyle>
           <a:p>
             <a:r>
-              <a:rPr lang="ja-JP" altLang="en-US" smtClean="0"/>
+              <a:rPr lang="ja-JP" altLang="en-US"/>
               <a:t>マスター タイトルの書式設定</a:t>
             </a:r>
             <a:endParaRPr lang="en-US" dirty="0"/>
@@ -693,7 +692,7 @@
           </a:lstStyle>
           <a:p>
             <a:r>
-              <a:rPr lang="ja-JP" altLang="en-US" smtClean="0"/>
+              <a:rPr lang="ja-JP" altLang="en-US"/>
               <a:t>マスター サブタイトルの書式設定</a:t>
             </a:r>
             <a:endParaRPr lang="en-US" dirty="0"/>
@@ -717,7 +716,7 @@
           <a:p>
             <a:fld id="{7A01C935-5042-4AD5-A86E-5E275E957866}" type="datetimeFigureOut">
               <a:rPr kumimoji="1" lang="ja-JP" altLang="en-US" smtClean="0"/>
-              <a:t>2022/8/4</a:t>
+              <a:t>2022/8/5</a:t>
             </a:fld>
             <a:endParaRPr kumimoji="1" lang="ja-JP" altLang="en-US"/>
           </a:p>
@@ -811,7 +810,7 @@
           <a:lstStyle/>
           <a:p>
             <a:r>
-              <a:rPr lang="ja-JP" altLang="en-US" smtClean="0"/>
+              <a:rPr lang="ja-JP" altLang="en-US"/>
               <a:t>マスター タイトルの書式設定</a:t>
             </a:r>
             <a:endParaRPr lang="en-US" dirty="0"/>
@@ -835,67 +834,67 @@
           <a:p>
             <a:pPr lvl="0"/>
             <a:r>
-              <a:rPr lang="ja-JP" altLang="en-US" smtClean="0"/>
+              <a:rPr lang="ja-JP" altLang="en-US"/>
               <a:t>マスター テキストの書式設定</a:t>
             </a:r>
           </a:p>
           <a:p>
             <a:pPr lvl="1"/>
             <a:r>
-              <a:rPr lang="ja-JP" altLang="en-US" smtClean="0"/>
+              <a:rPr lang="ja-JP" altLang="en-US"/>
               <a:t>第 </a:t>
             </a:r>
             <a:r>
-              <a:rPr lang="en-US" altLang="ja-JP" smtClean="0"/>
+              <a:rPr lang="en-US" altLang="ja-JP"/>
               <a:t>2 </a:t>
             </a:r>
             <a:r>
-              <a:rPr lang="ja-JP" altLang="en-US" smtClean="0"/>
+              <a:rPr lang="ja-JP" altLang="en-US"/>
               <a:t>レベル</a:t>
             </a:r>
           </a:p>
           <a:p>
             <a:pPr lvl="2"/>
             <a:r>
-              <a:rPr lang="ja-JP" altLang="en-US" smtClean="0"/>
+              <a:rPr lang="ja-JP" altLang="en-US"/>
               <a:t>第 </a:t>
             </a:r>
             <a:r>
-              <a:rPr lang="en-US" altLang="ja-JP" smtClean="0"/>
+              <a:rPr lang="en-US" altLang="ja-JP"/>
               <a:t>3 </a:t>
             </a:r>
             <a:r>
-              <a:rPr lang="ja-JP" altLang="en-US" smtClean="0"/>
+              <a:rPr lang="ja-JP" altLang="en-US"/>
               <a:t>レベル</a:t>
             </a:r>
           </a:p>
           <a:p>
             <a:pPr lvl="3"/>
             <a:r>
-              <a:rPr lang="ja-JP" altLang="en-US" smtClean="0"/>
+              <a:rPr lang="ja-JP" altLang="en-US"/>
               <a:t>第 </a:t>
             </a:r>
             <a:r>
-              <a:rPr lang="en-US" altLang="ja-JP" smtClean="0"/>
+              <a:rPr lang="en-US" altLang="ja-JP"/>
               <a:t>4 </a:t>
             </a:r>
             <a:r>
-              <a:rPr lang="ja-JP" altLang="en-US" smtClean="0"/>
+              <a:rPr lang="ja-JP" altLang="en-US"/>
               <a:t>レベル</a:t>
             </a:r>
           </a:p>
           <a:p>
             <a:pPr lvl="4"/>
             <a:r>
-              <a:rPr lang="ja-JP" altLang="en-US" smtClean="0"/>
+              <a:rPr lang="ja-JP" altLang="en-US"/>
               <a:t>第 </a:t>
             </a:r>
             <a:r>
-              <a:rPr lang="en-US" altLang="ja-JP" smtClean="0"/>
+              <a:rPr lang="en-US" altLang="ja-JP"/>
               <a:t>5 </a:t>
             </a:r>
             <a:r>
-              <a:rPr lang="ja-JP" altLang="en-US" smtClean="0"/>
+              <a:rPr lang="ja-JP" altLang="en-US"/>
               <a:t>レベル</a:t>
             </a:r>
             <a:endParaRPr lang="en-US" dirty="0"/>
@@ -919,7 +918,7 @@
           <a:p>
             <a:fld id="{7A01C935-5042-4AD5-A86E-5E275E957866}" type="datetimeFigureOut">
               <a:rPr kumimoji="1" lang="ja-JP" altLang="en-US" smtClean="0"/>
-              <a:t>2022/8/4</a:t>
+              <a:t>2022/8/5</a:t>
             </a:fld>
             <a:endParaRPr kumimoji="1" lang="ja-JP" altLang="en-US"/>
           </a:p>
@@ -1018,7 +1017,7 @@
           <a:lstStyle/>
           <a:p>
             <a:r>
-              <a:rPr lang="ja-JP" altLang="en-US" smtClean="0"/>
+              <a:rPr lang="ja-JP" altLang="en-US"/>
               <a:t>マスター タイトルの書式設定</a:t>
             </a:r>
             <a:endParaRPr lang="en-US" dirty="0"/>
@@ -1047,67 +1046,67 @@
           <a:p>
             <a:pPr lvl="0"/>
             <a:r>
-              <a:rPr lang="ja-JP" altLang="en-US" smtClean="0"/>
+              <a:rPr lang="ja-JP" altLang="en-US"/>
               <a:t>マスター テキストの書式設定</a:t>
             </a:r>
           </a:p>
           <a:p>
             <a:pPr lvl="1"/>
             <a:r>
-              <a:rPr lang="ja-JP" altLang="en-US" smtClean="0"/>
+              <a:rPr lang="ja-JP" altLang="en-US"/>
               <a:t>第 </a:t>
             </a:r>
             <a:r>
-              <a:rPr lang="en-US" altLang="ja-JP" smtClean="0"/>
+              <a:rPr lang="en-US" altLang="ja-JP"/>
               <a:t>2 </a:t>
             </a:r>
             <a:r>
-              <a:rPr lang="ja-JP" altLang="en-US" smtClean="0"/>
+              <a:rPr lang="ja-JP" altLang="en-US"/>
               <a:t>レベル</a:t>
             </a:r>
           </a:p>
           <a:p>
             <a:pPr lvl="2"/>
             <a:r>
-              <a:rPr lang="ja-JP" altLang="en-US" smtClean="0"/>
+              <a:rPr lang="ja-JP" altLang="en-US"/>
               <a:t>第 </a:t>
             </a:r>
             <a:r>
-              <a:rPr lang="en-US" altLang="ja-JP" smtClean="0"/>
+              <a:rPr lang="en-US" altLang="ja-JP"/>
               <a:t>3 </a:t>
             </a:r>
             <a:r>
-              <a:rPr lang="ja-JP" altLang="en-US" smtClean="0"/>
+              <a:rPr lang="ja-JP" altLang="en-US"/>
               <a:t>レベル</a:t>
             </a:r>
           </a:p>
           <a:p>
             <a:pPr lvl="3"/>
             <a:r>
-              <a:rPr lang="ja-JP" altLang="en-US" smtClean="0"/>
+              <a:rPr lang="ja-JP" altLang="en-US"/>
               <a:t>第 </a:t>
             </a:r>
             <a:r>
-              <a:rPr lang="en-US" altLang="ja-JP" smtClean="0"/>
+              <a:rPr lang="en-US" altLang="ja-JP"/>
               <a:t>4 </a:t>
             </a:r>
             <a:r>
-              <a:rPr lang="ja-JP" altLang="en-US" smtClean="0"/>
+              <a:rPr lang="ja-JP" altLang="en-US"/>
               <a:t>レベル</a:t>
             </a:r>
           </a:p>
           <a:p>
             <a:pPr lvl="4"/>
             <a:r>
-              <a:rPr lang="ja-JP" altLang="en-US" smtClean="0"/>
+              <a:rPr lang="ja-JP" altLang="en-US"/>
               <a:t>第 </a:t>
             </a:r>
             <a:r>
-              <a:rPr lang="en-US" altLang="ja-JP" smtClean="0"/>
+              <a:rPr lang="en-US" altLang="ja-JP"/>
               <a:t>5 </a:t>
             </a:r>
             <a:r>
-              <a:rPr lang="ja-JP" altLang="en-US" smtClean="0"/>
+              <a:rPr lang="ja-JP" altLang="en-US"/>
               <a:t>レベル</a:t>
             </a:r>
             <a:endParaRPr lang="en-US" dirty="0"/>
@@ -1131,7 +1130,7 @@
           <a:p>
             <a:fld id="{7A01C935-5042-4AD5-A86E-5E275E957866}" type="datetimeFigureOut">
               <a:rPr kumimoji="1" lang="ja-JP" altLang="en-US" smtClean="0"/>
-              <a:t>2022/8/4</a:t>
+              <a:t>2022/8/5</a:t>
             </a:fld>
             <a:endParaRPr kumimoji="1" lang="ja-JP" altLang="en-US"/>
           </a:p>
@@ -1225,7 +1224,7 @@
           <a:lstStyle/>
           <a:p>
             <a:r>
-              <a:rPr lang="ja-JP" altLang="en-US" smtClean="0"/>
+              <a:rPr lang="ja-JP" altLang="en-US"/>
               <a:t>マスター タイトルの書式設定</a:t>
             </a:r>
             <a:endParaRPr lang="en-US" dirty="0"/>
@@ -1249,67 +1248,67 @@
           <a:p>
             <a:pPr lvl="0"/>
             <a:r>
-              <a:rPr lang="ja-JP" altLang="en-US" smtClean="0"/>
+              <a:rPr lang="ja-JP" altLang="en-US"/>
               <a:t>マスター テキストの書式設定</a:t>
             </a:r>
           </a:p>
           <a:p>
             <a:pPr lvl="1"/>
             <a:r>
-              <a:rPr lang="ja-JP" altLang="en-US" smtClean="0"/>
+              <a:rPr lang="ja-JP" altLang="en-US"/>
               <a:t>第 </a:t>
             </a:r>
             <a:r>
-              <a:rPr lang="en-US" altLang="ja-JP" smtClean="0"/>
+              <a:rPr lang="en-US" altLang="ja-JP"/>
               <a:t>2 </a:t>
             </a:r>
             <a:r>
-              <a:rPr lang="ja-JP" altLang="en-US" smtClean="0"/>
+              <a:rPr lang="ja-JP" altLang="en-US"/>
               <a:t>レベル</a:t>
             </a:r>
           </a:p>
           <a:p>
             <a:pPr lvl="2"/>
             <a:r>
-              <a:rPr lang="ja-JP" altLang="en-US" smtClean="0"/>
+              <a:rPr lang="ja-JP" altLang="en-US"/>
               <a:t>第 </a:t>
             </a:r>
             <a:r>
-              <a:rPr lang="en-US" altLang="ja-JP" smtClean="0"/>
+              <a:rPr lang="en-US" altLang="ja-JP"/>
               <a:t>3 </a:t>
             </a:r>
             <a:r>
-              <a:rPr lang="ja-JP" altLang="en-US" smtClean="0"/>
+              <a:rPr lang="ja-JP" altLang="en-US"/>
               <a:t>レベル</a:t>
             </a:r>
           </a:p>
           <a:p>
             <a:pPr lvl="3"/>
             <a:r>
-              <a:rPr lang="ja-JP" altLang="en-US" smtClean="0"/>
+              <a:rPr lang="ja-JP" altLang="en-US"/>
               <a:t>第 </a:t>
             </a:r>
             <a:r>
-              <a:rPr lang="en-US" altLang="ja-JP" smtClean="0"/>
+              <a:rPr lang="en-US" altLang="ja-JP"/>
               <a:t>4 </a:t>
             </a:r>
             <a:r>
-              <a:rPr lang="ja-JP" altLang="en-US" smtClean="0"/>
+              <a:rPr lang="ja-JP" altLang="en-US"/>
               <a:t>レベル</a:t>
             </a:r>
           </a:p>
           <a:p>
             <a:pPr lvl="4"/>
             <a:r>
-              <a:rPr lang="ja-JP" altLang="en-US" smtClean="0"/>
+              <a:rPr lang="ja-JP" altLang="en-US"/>
               <a:t>第 </a:t>
             </a:r>
             <a:r>
-              <a:rPr lang="en-US" altLang="ja-JP" smtClean="0"/>
+              <a:rPr lang="en-US" altLang="ja-JP"/>
               <a:t>5 </a:t>
             </a:r>
             <a:r>
-              <a:rPr lang="ja-JP" altLang="en-US" smtClean="0"/>
+              <a:rPr lang="ja-JP" altLang="en-US"/>
               <a:t>レベル</a:t>
             </a:r>
             <a:endParaRPr lang="en-US" dirty="0"/>
@@ -1333,7 +1332,7 @@
           <a:p>
             <a:fld id="{7A01C935-5042-4AD5-A86E-5E275E957866}" type="datetimeFigureOut">
               <a:rPr kumimoji="1" lang="ja-JP" altLang="en-US" smtClean="0"/>
-              <a:t>2022/8/4</a:t>
+              <a:t>2022/8/5</a:t>
             </a:fld>
             <a:endParaRPr kumimoji="1" lang="ja-JP" altLang="en-US"/>
           </a:p>
@@ -1436,7 +1435,7 @@
           </a:lstStyle>
           <a:p>
             <a:r>
-              <a:rPr lang="ja-JP" altLang="en-US" smtClean="0"/>
+              <a:rPr lang="ja-JP" altLang="en-US"/>
               <a:t>マスター タイトルの書式設定</a:t>
             </a:r>
             <a:endParaRPr lang="en-US" dirty="0"/>
@@ -1554,7 +1553,7 @@
           <a:p>
             <a:pPr lvl="0"/>
             <a:r>
-              <a:rPr lang="ja-JP" altLang="en-US" smtClean="0"/>
+              <a:rPr lang="ja-JP" altLang="en-US"/>
               <a:t>マスター テキストの書式設定</a:t>
             </a:r>
           </a:p>
@@ -1577,7 +1576,7 @@
           <a:p>
             <a:fld id="{7A01C935-5042-4AD5-A86E-5E275E957866}" type="datetimeFigureOut">
               <a:rPr kumimoji="1" lang="ja-JP" altLang="en-US" smtClean="0"/>
-              <a:t>2022/8/4</a:t>
+              <a:t>2022/8/5</a:t>
             </a:fld>
             <a:endParaRPr kumimoji="1" lang="ja-JP" altLang="en-US"/>
           </a:p>
@@ -1671,7 +1670,7 @@
           <a:lstStyle/>
           <a:p>
             <a:r>
-              <a:rPr lang="ja-JP" altLang="en-US" smtClean="0"/>
+              <a:rPr lang="ja-JP" altLang="en-US"/>
               <a:t>マスター タイトルの書式設定</a:t>
             </a:r>
             <a:endParaRPr lang="en-US" dirty="0"/>
@@ -1700,67 +1699,67 @@
           <a:p>
             <a:pPr lvl="0"/>
             <a:r>
-              <a:rPr lang="ja-JP" altLang="en-US" smtClean="0"/>
+              <a:rPr lang="ja-JP" altLang="en-US"/>
               <a:t>マスター テキストの書式設定</a:t>
             </a:r>
           </a:p>
           <a:p>
             <a:pPr lvl="1"/>
             <a:r>
-              <a:rPr lang="ja-JP" altLang="en-US" smtClean="0"/>
+              <a:rPr lang="ja-JP" altLang="en-US"/>
               <a:t>第 </a:t>
             </a:r>
             <a:r>
-              <a:rPr lang="en-US" altLang="ja-JP" smtClean="0"/>
+              <a:rPr lang="en-US" altLang="ja-JP"/>
               <a:t>2 </a:t>
             </a:r>
             <a:r>
-              <a:rPr lang="ja-JP" altLang="en-US" smtClean="0"/>
+              <a:rPr lang="ja-JP" altLang="en-US"/>
               <a:t>レベル</a:t>
             </a:r>
           </a:p>
           <a:p>
             <a:pPr lvl="2"/>
             <a:r>
-              <a:rPr lang="ja-JP" altLang="en-US" smtClean="0"/>
+              <a:rPr lang="ja-JP" altLang="en-US"/>
               <a:t>第 </a:t>
             </a:r>
             <a:r>
-              <a:rPr lang="en-US" altLang="ja-JP" smtClean="0"/>
+              <a:rPr lang="en-US" altLang="ja-JP"/>
               <a:t>3 </a:t>
             </a:r>
             <a:r>
-              <a:rPr lang="ja-JP" altLang="en-US" smtClean="0"/>
+              <a:rPr lang="ja-JP" altLang="en-US"/>
               <a:t>レベル</a:t>
             </a:r>
           </a:p>
           <a:p>
             <a:pPr lvl="3"/>
             <a:r>
-              <a:rPr lang="ja-JP" altLang="en-US" smtClean="0"/>
+              <a:rPr lang="ja-JP" altLang="en-US"/>
               <a:t>第 </a:t>
             </a:r>
             <a:r>
-              <a:rPr lang="en-US" altLang="ja-JP" smtClean="0"/>
+              <a:rPr lang="en-US" altLang="ja-JP"/>
               <a:t>4 </a:t>
             </a:r>
             <a:r>
-              <a:rPr lang="ja-JP" altLang="en-US" smtClean="0"/>
+              <a:rPr lang="ja-JP" altLang="en-US"/>
               <a:t>レベル</a:t>
             </a:r>
           </a:p>
           <a:p>
             <a:pPr lvl="4"/>
             <a:r>
-              <a:rPr lang="ja-JP" altLang="en-US" smtClean="0"/>
+              <a:rPr lang="ja-JP" altLang="en-US"/>
               <a:t>第 </a:t>
             </a:r>
             <a:r>
-              <a:rPr lang="en-US" altLang="ja-JP" smtClean="0"/>
+              <a:rPr lang="en-US" altLang="ja-JP"/>
               <a:t>5 </a:t>
             </a:r>
             <a:r>
-              <a:rPr lang="ja-JP" altLang="en-US" smtClean="0"/>
+              <a:rPr lang="ja-JP" altLang="en-US"/>
               <a:t>レベル</a:t>
             </a:r>
             <a:endParaRPr lang="en-US" dirty="0"/>
@@ -1789,67 +1788,67 @@
           <a:p>
             <a:pPr lvl="0"/>
             <a:r>
-              <a:rPr lang="ja-JP" altLang="en-US" smtClean="0"/>
+              <a:rPr lang="ja-JP" altLang="en-US"/>
               <a:t>マスター テキストの書式設定</a:t>
             </a:r>
           </a:p>
           <a:p>
             <a:pPr lvl="1"/>
             <a:r>
-              <a:rPr lang="ja-JP" altLang="en-US" smtClean="0"/>
+              <a:rPr lang="ja-JP" altLang="en-US"/>
               <a:t>第 </a:t>
             </a:r>
             <a:r>
-              <a:rPr lang="en-US" altLang="ja-JP" smtClean="0"/>
+              <a:rPr lang="en-US" altLang="ja-JP"/>
               <a:t>2 </a:t>
             </a:r>
             <a:r>
-              <a:rPr lang="ja-JP" altLang="en-US" smtClean="0"/>
+              <a:rPr lang="ja-JP" altLang="en-US"/>
               <a:t>レベル</a:t>
             </a:r>
           </a:p>
           <a:p>
             <a:pPr lvl="2"/>
             <a:r>
-              <a:rPr lang="ja-JP" altLang="en-US" smtClean="0"/>
+              <a:rPr lang="ja-JP" altLang="en-US"/>
               <a:t>第 </a:t>
             </a:r>
             <a:r>
-              <a:rPr lang="en-US" altLang="ja-JP" smtClean="0"/>
+              <a:rPr lang="en-US" altLang="ja-JP"/>
               <a:t>3 </a:t>
             </a:r>
             <a:r>
-              <a:rPr lang="ja-JP" altLang="en-US" smtClean="0"/>
+              <a:rPr lang="ja-JP" altLang="en-US"/>
               <a:t>レベル</a:t>
             </a:r>
           </a:p>
           <a:p>
             <a:pPr lvl="3"/>
             <a:r>
-              <a:rPr lang="ja-JP" altLang="en-US" smtClean="0"/>
+              <a:rPr lang="ja-JP" altLang="en-US"/>
               <a:t>第 </a:t>
             </a:r>
             <a:r>
-              <a:rPr lang="en-US" altLang="ja-JP" smtClean="0"/>
+              <a:rPr lang="en-US" altLang="ja-JP"/>
               <a:t>4 </a:t>
             </a:r>
             <a:r>
-              <a:rPr lang="ja-JP" altLang="en-US" smtClean="0"/>
+              <a:rPr lang="ja-JP" altLang="en-US"/>
               <a:t>レベル</a:t>
             </a:r>
           </a:p>
           <a:p>
             <a:pPr lvl="4"/>
             <a:r>
-              <a:rPr lang="ja-JP" altLang="en-US" smtClean="0"/>
+              <a:rPr lang="ja-JP" altLang="en-US"/>
               <a:t>第 </a:t>
             </a:r>
             <a:r>
-              <a:rPr lang="en-US" altLang="ja-JP" smtClean="0"/>
+              <a:rPr lang="en-US" altLang="ja-JP"/>
               <a:t>5 </a:t>
             </a:r>
             <a:r>
-              <a:rPr lang="ja-JP" altLang="en-US" smtClean="0"/>
+              <a:rPr lang="ja-JP" altLang="en-US"/>
               <a:t>レベル</a:t>
             </a:r>
             <a:endParaRPr lang="en-US" dirty="0"/>
@@ -1873,7 +1872,7 @@
           <a:p>
             <a:fld id="{7A01C935-5042-4AD5-A86E-5E275E957866}" type="datetimeFigureOut">
               <a:rPr kumimoji="1" lang="ja-JP" altLang="en-US" smtClean="0"/>
-              <a:t>2022/8/4</a:t>
+              <a:t>2022/8/5</a:t>
             </a:fld>
             <a:endParaRPr kumimoji="1" lang="ja-JP" altLang="en-US"/>
           </a:p>
@@ -1972,7 +1971,7 @@
           <a:lstStyle/>
           <a:p>
             <a:r>
-              <a:rPr lang="ja-JP" altLang="en-US" smtClean="0"/>
+              <a:rPr lang="ja-JP" altLang="en-US"/>
               <a:t>マスター タイトルの書式設定</a:t>
             </a:r>
             <a:endParaRPr lang="en-US" dirty="0"/>
@@ -2038,7 +2037,7 @@
           <a:p>
             <a:pPr lvl="0"/>
             <a:r>
-              <a:rPr lang="ja-JP" altLang="en-US" smtClean="0"/>
+              <a:rPr lang="ja-JP" altLang="en-US"/>
               <a:t>マスター テキストの書式設定</a:t>
             </a:r>
           </a:p>
@@ -2066,67 +2065,67 @@
           <a:p>
             <a:pPr lvl="0"/>
             <a:r>
-              <a:rPr lang="ja-JP" altLang="en-US" smtClean="0"/>
+              <a:rPr lang="ja-JP" altLang="en-US"/>
               <a:t>マスター テキストの書式設定</a:t>
             </a:r>
           </a:p>
           <a:p>
             <a:pPr lvl="1"/>
             <a:r>
-              <a:rPr lang="ja-JP" altLang="en-US" smtClean="0"/>
+              <a:rPr lang="ja-JP" altLang="en-US"/>
               <a:t>第 </a:t>
             </a:r>
             <a:r>
-              <a:rPr lang="en-US" altLang="ja-JP" smtClean="0"/>
+              <a:rPr lang="en-US" altLang="ja-JP"/>
               <a:t>2 </a:t>
             </a:r>
             <a:r>
-              <a:rPr lang="ja-JP" altLang="en-US" smtClean="0"/>
+              <a:rPr lang="ja-JP" altLang="en-US"/>
               <a:t>レベル</a:t>
             </a:r>
           </a:p>
           <a:p>
             <a:pPr lvl="2"/>
             <a:r>
-              <a:rPr lang="ja-JP" altLang="en-US" smtClean="0"/>
+              <a:rPr lang="ja-JP" altLang="en-US"/>
               <a:t>第 </a:t>
             </a:r>
             <a:r>
-              <a:rPr lang="en-US" altLang="ja-JP" smtClean="0"/>
+              <a:rPr lang="en-US" altLang="ja-JP"/>
               <a:t>3 </a:t>
             </a:r>
             <a:r>
-              <a:rPr lang="ja-JP" altLang="en-US" smtClean="0"/>
+              <a:rPr lang="ja-JP" altLang="en-US"/>
               <a:t>レベル</a:t>
             </a:r>
           </a:p>
           <a:p>
             <a:pPr lvl="3"/>
             <a:r>
-              <a:rPr lang="ja-JP" altLang="en-US" smtClean="0"/>
+              <a:rPr lang="ja-JP" altLang="en-US"/>
               <a:t>第 </a:t>
             </a:r>
             <a:r>
-              <a:rPr lang="en-US" altLang="ja-JP" smtClean="0"/>
+              <a:rPr lang="en-US" altLang="ja-JP"/>
               <a:t>4 </a:t>
             </a:r>
             <a:r>
-              <a:rPr lang="ja-JP" altLang="en-US" smtClean="0"/>
+              <a:rPr lang="ja-JP" altLang="en-US"/>
               <a:t>レベル</a:t>
             </a:r>
           </a:p>
           <a:p>
             <a:pPr lvl="4"/>
             <a:r>
-              <a:rPr lang="ja-JP" altLang="en-US" smtClean="0"/>
+              <a:rPr lang="ja-JP" altLang="en-US"/>
               <a:t>第 </a:t>
             </a:r>
             <a:r>
-              <a:rPr lang="en-US" altLang="ja-JP" smtClean="0"/>
+              <a:rPr lang="en-US" altLang="ja-JP"/>
               <a:t>5 </a:t>
             </a:r>
             <a:r>
-              <a:rPr lang="ja-JP" altLang="en-US" smtClean="0"/>
+              <a:rPr lang="ja-JP" altLang="en-US"/>
               <a:t>レベル</a:t>
             </a:r>
             <a:endParaRPr lang="en-US" dirty="0"/>
@@ -2192,7 +2191,7 @@
           <a:p>
             <a:pPr lvl="0"/>
             <a:r>
-              <a:rPr lang="ja-JP" altLang="en-US" smtClean="0"/>
+              <a:rPr lang="ja-JP" altLang="en-US"/>
               <a:t>マスター テキストの書式設定</a:t>
             </a:r>
           </a:p>
@@ -2220,67 +2219,67 @@
           <a:p>
             <a:pPr lvl="0"/>
             <a:r>
-              <a:rPr lang="ja-JP" altLang="en-US" smtClean="0"/>
+              <a:rPr lang="ja-JP" altLang="en-US"/>
               <a:t>マスター テキストの書式設定</a:t>
             </a:r>
           </a:p>
           <a:p>
             <a:pPr lvl="1"/>
             <a:r>
-              <a:rPr lang="ja-JP" altLang="en-US" smtClean="0"/>
+              <a:rPr lang="ja-JP" altLang="en-US"/>
               <a:t>第 </a:t>
             </a:r>
             <a:r>
-              <a:rPr lang="en-US" altLang="ja-JP" smtClean="0"/>
+              <a:rPr lang="en-US" altLang="ja-JP"/>
               <a:t>2 </a:t>
             </a:r>
             <a:r>
-              <a:rPr lang="ja-JP" altLang="en-US" smtClean="0"/>
+              <a:rPr lang="ja-JP" altLang="en-US"/>
               <a:t>レベル</a:t>
             </a:r>
           </a:p>
           <a:p>
             <a:pPr lvl="2"/>
             <a:r>
-              <a:rPr lang="ja-JP" altLang="en-US" smtClean="0"/>
+              <a:rPr lang="ja-JP" altLang="en-US"/>
               <a:t>第 </a:t>
             </a:r>
             <a:r>
-              <a:rPr lang="en-US" altLang="ja-JP" smtClean="0"/>
+              <a:rPr lang="en-US" altLang="ja-JP"/>
               <a:t>3 </a:t>
             </a:r>
             <a:r>
-              <a:rPr lang="ja-JP" altLang="en-US" smtClean="0"/>
+              <a:rPr lang="ja-JP" altLang="en-US"/>
               <a:t>レベル</a:t>
             </a:r>
           </a:p>
           <a:p>
             <a:pPr lvl="3"/>
             <a:r>
-              <a:rPr lang="ja-JP" altLang="en-US" smtClean="0"/>
+              <a:rPr lang="ja-JP" altLang="en-US"/>
               <a:t>第 </a:t>
             </a:r>
             <a:r>
-              <a:rPr lang="en-US" altLang="ja-JP" smtClean="0"/>
+              <a:rPr lang="en-US" altLang="ja-JP"/>
               <a:t>4 </a:t>
             </a:r>
             <a:r>
-              <a:rPr lang="ja-JP" altLang="en-US" smtClean="0"/>
+              <a:rPr lang="ja-JP" altLang="en-US"/>
               <a:t>レベル</a:t>
             </a:r>
           </a:p>
           <a:p>
             <a:pPr lvl="4"/>
             <a:r>
-              <a:rPr lang="ja-JP" altLang="en-US" smtClean="0"/>
+              <a:rPr lang="ja-JP" altLang="en-US"/>
               <a:t>第 </a:t>
             </a:r>
             <a:r>
-              <a:rPr lang="en-US" altLang="ja-JP" smtClean="0"/>
+              <a:rPr lang="en-US" altLang="ja-JP"/>
               <a:t>5 </a:t>
             </a:r>
             <a:r>
-              <a:rPr lang="ja-JP" altLang="en-US" smtClean="0"/>
+              <a:rPr lang="ja-JP" altLang="en-US"/>
               <a:t>レベル</a:t>
             </a:r>
             <a:endParaRPr lang="en-US" dirty="0"/>
@@ -2304,7 +2303,7 @@
           <a:p>
             <a:fld id="{7A01C935-5042-4AD5-A86E-5E275E957866}" type="datetimeFigureOut">
               <a:rPr kumimoji="1" lang="ja-JP" altLang="en-US" smtClean="0"/>
-              <a:t>2022/8/4</a:t>
+              <a:t>2022/8/5</a:t>
             </a:fld>
             <a:endParaRPr kumimoji="1" lang="ja-JP" altLang="en-US"/>
           </a:p>
@@ -2398,7 +2397,7 @@
           <a:lstStyle/>
           <a:p>
             <a:r>
-              <a:rPr lang="ja-JP" altLang="en-US" smtClean="0"/>
+              <a:rPr lang="ja-JP" altLang="en-US"/>
               <a:t>マスター タイトルの書式設定</a:t>
             </a:r>
             <a:endParaRPr lang="en-US" dirty="0"/>
@@ -2422,7 +2421,7 @@
           <a:p>
             <a:fld id="{7A01C935-5042-4AD5-A86E-5E275E957866}" type="datetimeFigureOut">
               <a:rPr kumimoji="1" lang="ja-JP" altLang="en-US" smtClean="0"/>
-              <a:t>2022/8/4</a:t>
+              <a:t>2022/8/5</a:t>
             </a:fld>
             <a:endParaRPr kumimoji="1" lang="ja-JP" altLang="en-US"/>
           </a:p>
@@ -2517,7 +2516,7 @@
           <a:p>
             <a:fld id="{7A01C935-5042-4AD5-A86E-5E275E957866}" type="datetimeFigureOut">
               <a:rPr kumimoji="1" lang="ja-JP" altLang="en-US" smtClean="0"/>
-              <a:t>2022/8/4</a:t>
+              <a:t>2022/8/5</a:t>
             </a:fld>
             <a:endParaRPr kumimoji="1" lang="ja-JP" altLang="en-US"/>
           </a:p>
@@ -2620,7 +2619,7 @@
           </a:lstStyle>
           <a:p>
             <a:r>
-              <a:rPr lang="ja-JP" altLang="en-US" smtClean="0"/>
+              <a:rPr lang="ja-JP" altLang="en-US"/>
               <a:t>マスター タイトルの書式設定</a:t>
             </a:r>
             <a:endParaRPr lang="en-US" dirty="0"/>
@@ -2677,67 +2676,67 @@
           <a:p>
             <a:pPr lvl="0"/>
             <a:r>
-              <a:rPr lang="ja-JP" altLang="en-US" smtClean="0"/>
+              <a:rPr lang="ja-JP" altLang="en-US"/>
               <a:t>マスター テキストの書式設定</a:t>
             </a:r>
           </a:p>
           <a:p>
             <a:pPr lvl="1"/>
             <a:r>
-              <a:rPr lang="ja-JP" altLang="en-US" smtClean="0"/>
+              <a:rPr lang="ja-JP" altLang="en-US"/>
               <a:t>第 </a:t>
             </a:r>
             <a:r>
-              <a:rPr lang="en-US" altLang="ja-JP" smtClean="0"/>
+              <a:rPr lang="en-US" altLang="ja-JP"/>
               <a:t>2 </a:t>
             </a:r>
             <a:r>
-              <a:rPr lang="ja-JP" altLang="en-US" smtClean="0"/>
+              <a:rPr lang="ja-JP" altLang="en-US"/>
               <a:t>レベル</a:t>
             </a:r>
           </a:p>
           <a:p>
             <a:pPr lvl="2"/>
             <a:r>
-              <a:rPr lang="ja-JP" altLang="en-US" smtClean="0"/>
+              <a:rPr lang="ja-JP" altLang="en-US"/>
               <a:t>第 </a:t>
             </a:r>
             <a:r>
-              <a:rPr lang="en-US" altLang="ja-JP" smtClean="0"/>
+              <a:rPr lang="en-US" altLang="ja-JP"/>
               <a:t>3 </a:t>
             </a:r>
             <a:r>
-              <a:rPr lang="ja-JP" altLang="en-US" smtClean="0"/>
+              <a:rPr lang="ja-JP" altLang="en-US"/>
               <a:t>レベル</a:t>
             </a:r>
           </a:p>
           <a:p>
             <a:pPr lvl="3"/>
             <a:r>
-              <a:rPr lang="ja-JP" altLang="en-US" smtClean="0"/>
+              <a:rPr lang="ja-JP" altLang="en-US"/>
               <a:t>第 </a:t>
             </a:r>
             <a:r>
-              <a:rPr lang="en-US" altLang="ja-JP" smtClean="0"/>
+              <a:rPr lang="en-US" altLang="ja-JP"/>
               <a:t>4 </a:t>
             </a:r>
             <a:r>
-              <a:rPr lang="ja-JP" altLang="en-US" smtClean="0"/>
+              <a:rPr lang="ja-JP" altLang="en-US"/>
               <a:t>レベル</a:t>
             </a:r>
           </a:p>
           <a:p>
             <a:pPr lvl="4"/>
             <a:r>
-              <a:rPr lang="ja-JP" altLang="en-US" smtClean="0"/>
+              <a:rPr lang="ja-JP" altLang="en-US"/>
               <a:t>第 </a:t>
             </a:r>
             <a:r>
-              <a:rPr lang="en-US" altLang="ja-JP" smtClean="0"/>
+              <a:rPr lang="en-US" altLang="ja-JP"/>
               <a:t>5 </a:t>
             </a:r>
             <a:r>
-              <a:rPr lang="ja-JP" altLang="en-US" smtClean="0"/>
+              <a:rPr lang="ja-JP" altLang="en-US"/>
               <a:t>レベル</a:t>
             </a:r>
             <a:endParaRPr lang="en-US" dirty="0"/>
@@ -2803,7 +2802,7 @@
           <a:p>
             <a:pPr lvl="0"/>
             <a:r>
-              <a:rPr lang="ja-JP" altLang="en-US" smtClean="0"/>
+              <a:rPr lang="ja-JP" altLang="en-US"/>
               <a:t>マスター テキストの書式設定</a:t>
             </a:r>
           </a:p>
@@ -2826,7 +2825,7 @@
           <a:p>
             <a:fld id="{7A01C935-5042-4AD5-A86E-5E275E957866}" type="datetimeFigureOut">
               <a:rPr kumimoji="1" lang="ja-JP" altLang="en-US" smtClean="0"/>
-              <a:t>2022/8/4</a:t>
+              <a:t>2022/8/5</a:t>
             </a:fld>
             <a:endParaRPr kumimoji="1" lang="ja-JP" altLang="en-US"/>
           </a:p>
@@ -2929,7 +2928,7 @@
           </a:lstStyle>
           <a:p>
             <a:r>
-              <a:rPr lang="ja-JP" altLang="en-US" smtClean="0"/>
+              <a:rPr lang="ja-JP" altLang="en-US"/>
               <a:t>マスター タイトルの書式設定</a:t>
             </a:r>
             <a:endParaRPr lang="en-US" dirty="0"/>
@@ -2994,7 +2993,7 @@
           </a:lstStyle>
           <a:p>
             <a:r>
-              <a:rPr lang="ja-JP" altLang="en-US" smtClean="0"/>
+              <a:rPr lang="ja-JP" altLang="en-US"/>
               <a:t>図を追加</a:t>
             </a:r>
             <a:endParaRPr lang="en-US" dirty="0"/>
@@ -3060,7 +3059,7 @@
           <a:p>
             <a:pPr lvl="0"/>
             <a:r>
-              <a:rPr lang="ja-JP" altLang="en-US" smtClean="0"/>
+              <a:rPr lang="ja-JP" altLang="en-US"/>
               <a:t>マスター テキストの書式設定</a:t>
             </a:r>
           </a:p>
@@ -3083,7 +3082,7 @@
           <a:p>
             <a:fld id="{7A01C935-5042-4AD5-A86E-5E275E957866}" type="datetimeFigureOut">
               <a:rPr kumimoji="1" lang="ja-JP" altLang="en-US" smtClean="0"/>
-              <a:t>2022/8/4</a:t>
+              <a:t>2022/8/5</a:t>
             </a:fld>
             <a:endParaRPr kumimoji="1" lang="ja-JP" altLang="en-US"/>
           </a:p>
@@ -3192,7 +3191,7 @@
           <a:lstStyle/>
           <a:p>
             <a:r>
-              <a:rPr lang="ja-JP" altLang="en-US" smtClean="0"/>
+              <a:rPr lang="ja-JP" altLang="en-US"/>
               <a:t>マスター タイトルの書式設定</a:t>
             </a:r>
             <a:endParaRPr lang="en-US" dirty="0"/>
@@ -3226,67 +3225,67 @@
           <a:p>
             <a:pPr lvl="0"/>
             <a:r>
-              <a:rPr lang="ja-JP" altLang="en-US" smtClean="0"/>
+              <a:rPr lang="ja-JP" altLang="en-US"/>
               <a:t>マスター テキストの書式設定</a:t>
             </a:r>
           </a:p>
           <a:p>
             <a:pPr lvl="1"/>
             <a:r>
-              <a:rPr lang="ja-JP" altLang="en-US" smtClean="0"/>
+              <a:rPr lang="ja-JP" altLang="en-US"/>
               <a:t>第 </a:t>
             </a:r>
             <a:r>
-              <a:rPr lang="en-US" altLang="ja-JP" smtClean="0"/>
+              <a:rPr lang="en-US" altLang="ja-JP"/>
               <a:t>2 </a:t>
             </a:r>
             <a:r>
-              <a:rPr lang="ja-JP" altLang="en-US" smtClean="0"/>
+              <a:rPr lang="ja-JP" altLang="en-US"/>
               <a:t>レベル</a:t>
             </a:r>
           </a:p>
           <a:p>
             <a:pPr lvl="2"/>
             <a:r>
-              <a:rPr lang="ja-JP" altLang="en-US" smtClean="0"/>
+              <a:rPr lang="ja-JP" altLang="en-US"/>
               <a:t>第 </a:t>
             </a:r>
             <a:r>
-              <a:rPr lang="en-US" altLang="ja-JP" smtClean="0"/>
+              <a:rPr lang="en-US" altLang="ja-JP"/>
               <a:t>3 </a:t>
             </a:r>
             <a:r>
-              <a:rPr lang="ja-JP" altLang="en-US" smtClean="0"/>
+              <a:rPr lang="ja-JP" altLang="en-US"/>
               <a:t>レベル</a:t>
             </a:r>
           </a:p>
           <a:p>
             <a:pPr lvl="3"/>
             <a:r>
-              <a:rPr lang="ja-JP" altLang="en-US" smtClean="0"/>
+              <a:rPr lang="ja-JP" altLang="en-US"/>
               <a:t>第 </a:t>
             </a:r>
             <a:r>
-              <a:rPr lang="en-US" altLang="ja-JP" smtClean="0"/>
+              <a:rPr lang="en-US" altLang="ja-JP"/>
               <a:t>4 </a:t>
             </a:r>
             <a:r>
-              <a:rPr lang="ja-JP" altLang="en-US" smtClean="0"/>
+              <a:rPr lang="ja-JP" altLang="en-US"/>
               <a:t>レベル</a:t>
             </a:r>
           </a:p>
           <a:p>
             <a:pPr lvl="4"/>
             <a:r>
-              <a:rPr lang="ja-JP" altLang="en-US" smtClean="0"/>
+              <a:rPr lang="ja-JP" altLang="en-US"/>
               <a:t>第 </a:t>
             </a:r>
             <a:r>
-              <a:rPr lang="en-US" altLang="ja-JP" smtClean="0"/>
+              <a:rPr lang="en-US" altLang="ja-JP"/>
               <a:t>5 </a:t>
             </a:r>
             <a:r>
-              <a:rPr lang="ja-JP" altLang="en-US" smtClean="0"/>
+              <a:rPr lang="ja-JP" altLang="en-US"/>
               <a:t>レベル</a:t>
             </a:r>
             <a:endParaRPr lang="en-US" dirty="0"/>
@@ -3328,7 +3327,7 @@
           <a:p>
             <a:fld id="{7A01C935-5042-4AD5-A86E-5E275E957866}" type="datetimeFigureOut">
               <a:rPr kumimoji="1" lang="ja-JP" altLang="en-US" smtClean="0"/>
-              <a:t>2022/8/4</a:t>
+              <a:t>2022/8/5</a:t>
             </a:fld>
             <a:endParaRPr kumimoji="1" lang="ja-JP" altLang="en-US"/>
           </a:p>
@@ -3735,14 +3734,340 @@
       </p:grpSpPr>
       <p:sp>
         <p:nvSpPr>
-          <p:cNvPr id="98" name="角丸四角形 97"/>
+          <p:cNvPr id="177" name="角丸四角形 176"/>
           <p:cNvSpPr/>
           <p:nvPr/>
         </p:nvSpPr>
         <p:spPr>
           <a:xfrm>
-            <a:off x="2660080" y="731497"/>
-            <a:ext cx="4819964" cy="3107103"/>
+            <a:off x="-1080698" y="3586661"/>
+            <a:ext cx="17201322" cy="7835107"/>
+          </a:xfrm>
+          <a:prstGeom prst="roundRect">
+            <a:avLst>
+              <a:gd name="adj" fmla="val 0"/>
+            </a:avLst>
+          </a:prstGeom>
+          <a:solidFill>
+            <a:schemeClr val="tx1"/>
+          </a:solidFill>
+          <a:ln>
+            <a:solidFill>
+              <a:schemeClr val="tx1">
+                <a:lumMod val="65000"/>
+                <a:lumOff val="35000"/>
+              </a:schemeClr>
+            </a:solidFill>
+          </a:ln>
+          <a:effectLst>
+            <a:softEdge rad="419100"/>
+          </a:effectLst>
+        </p:spPr>
+        <p:style>
+          <a:lnRef idx="2">
+            <a:schemeClr val="dk1">
+              <a:shade val="50000"/>
+            </a:schemeClr>
+          </a:lnRef>
+          <a:fillRef idx="1">
+            <a:schemeClr val="dk1"/>
+          </a:fillRef>
+          <a:effectRef idx="0">
+            <a:schemeClr val="dk1"/>
+          </a:effectRef>
+          <a:fontRef idx="minor">
+            <a:schemeClr val="lt1"/>
+          </a:fontRef>
+        </p:style>
+        <p:txBody>
+          <a:bodyPr rot="0" spcFirstLastPara="0" vertOverflow="overflow" horzOverflow="overflow" vert="horz" wrap="square" lIns="101827" tIns="50913" rIns="101827" bIns="50913" numCol="1" spcCol="0" rtlCol="0" fromWordArt="0" anchor="ctr" anchorCtr="0" forceAA="0" compatLnSpc="1">
+            <a:prstTxWarp prst="textNoShape">
+              <a:avLst/>
+            </a:prstTxWarp>
+            <a:noAutofit/>
+          </a:bodyPr>
+          <a:lstStyle/>
+          <a:p>
+            <a:pPr algn="ctr"/>
+            <a:endParaRPr lang="ja-JP" altLang="en-US" sz="3086" dirty="0"/>
+          </a:p>
+        </p:txBody>
+      </p:sp>
+      <p:sp>
+        <p:nvSpPr>
+          <p:cNvPr id="219" name="角丸四角形 218"/>
+          <p:cNvSpPr/>
+          <p:nvPr/>
+        </p:nvSpPr>
+        <p:spPr>
+          <a:xfrm>
+            <a:off x="4185193" y="4234983"/>
+            <a:ext cx="8048306" cy="3101597"/>
+          </a:xfrm>
+          <a:prstGeom prst="roundRect">
+            <a:avLst>
+              <a:gd name="adj" fmla="val 8185"/>
+            </a:avLst>
+          </a:prstGeom>
+          <a:solidFill>
+            <a:schemeClr val="tx1">
+              <a:lumMod val="85000"/>
+              <a:lumOff val="15000"/>
+            </a:schemeClr>
+          </a:solidFill>
+        </p:spPr>
+        <p:style>
+          <a:lnRef idx="2">
+            <a:schemeClr val="dk1">
+              <a:shade val="50000"/>
+            </a:schemeClr>
+          </a:lnRef>
+          <a:fillRef idx="1">
+            <a:schemeClr val="dk1"/>
+          </a:fillRef>
+          <a:effectRef idx="0">
+            <a:schemeClr val="dk1"/>
+          </a:effectRef>
+          <a:fontRef idx="minor">
+            <a:schemeClr val="lt1"/>
+          </a:fontRef>
+        </p:style>
+        <p:txBody>
+          <a:bodyPr rot="0" spcFirstLastPara="0" vertOverflow="overflow" horzOverflow="overflow" vert="horz" wrap="square" lIns="101827" tIns="50913" rIns="101827" bIns="50913" numCol="1" spcCol="0" rtlCol="0" fromWordArt="0" anchor="ctr" anchorCtr="0" forceAA="0" compatLnSpc="1">
+            <a:prstTxWarp prst="textNoShape">
+              <a:avLst/>
+            </a:prstTxWarp>
+            <a:noAutofit/>
+          </a:bodyPr>
+          <a:lstStyle/>
+          <a:p>
+            <a:pPr algn="ctr"/>
+            <a:endParaRPr lang="ja-JP" altLang="en-US" sz="3086"/>
+          </a:p>
+        </p:txBody>
+      </p:sp>
+      <p:sp>
+        <p:nvSpPr>
+          <p:cNvPr id="221" name="角丸四角形 220"/>
+          <p:cNvSpPr/>
+          <p:nvPr/>
+        </p:nvSpPr>
+        <p:spPr>
+          <a:xfrm>
+            <a:off x="184942" y="4235217"/>
+            <a:ext cx="3882390" cy="3101363"/>
+          </a:xfrm>
+          <a:prstGeom prst="roundRect">
+            <a:avLst>
+              <a:gd name="adj" fmla="val 8185"/>
+            </a:avLst>
+          </a:prstGeom>
+          <a:solidFill>
+            <a:schemeClr val="tx1">
+              <a:lumMod val="85000"/>
+              <a:lumOff val="15000"/>
+            </a:schemeClr>
+          </a:solidFill>
+        </p:spPr>
+        <p:style>
+          <a:lnRef idx="2">
+            <a:schemeClr val="dk1">
+              <a:shade val="50000"/>
+            </a:schemeClr>
+          </a:lnRef>
+          <a:fillRef idx="1">
+            <a:schemeClr val="dk1"/>
+          </a:fillRef>
+          <a:effectRef idx="0">
+            <a:schemeClr val="dk1"/>
+          </a:effectRef>
+          <a:fontRef idx="minor">
+            <a:schemeClr val="lt1"/>
+          </a:fontRef>
+        </p:style>
+        <p:txBody>
+          <a:bodyPr rot="0" spcFirstLastPara="0" vertOverflow="overflow" horzOverflow="overflow" vert="horz" wrap="square" lIns="101827" tIns="50913" rIns="101827" bIns="50913" numCol="1" spcCol="0" rtlCol="0" fromWordArt="0" anchor="ctr" anchorCtr="0" forceAA="0" compatLnSpc="1">
+            <a:prstTxWarp prst="textNoShape">
+              <a:avLst/>
+            </a:prstTxWarp>
+            <a:noAutofit/>
+          </a:bodyPr>
+          <a:lstStyle/>
+          <a:p>
+            <a:pPr algn="ctr"/>
+            <a:endParaRPr lang="ja-JP" altLang="en-US" sz="3086"/>
+          </a:p>
+        </p:txBody>
+      </p:sp>
+      <p:sp>
+        <p:nvSpPr>
+          <p:cNvPr id="222" name="角丸四角形 221"/>
+          <p:cNvSpPr/>
+          <p:nvPr/>
+        </p:nvSpPr>
+        <p:spPr>
+          <a:xfrm>
+            <a:off x="189747" y="7485839"/>
+            <a:ext cx="3995827" cy="3101363"/>
+          </a:xfrm>
+          <a:prstGeom prst="roundRect">
+            <a:avLst>
+              <a:gd name="adj" fmla="val 8185"/>
+            </a:avLst>
+          </a:prstGeom>
+          <a:solidFill>
+            <a:schemeClr val="tx1">
+              <a:lumMod val="85000"/>
+              <a:lumOff val="15000"/>
+            </a:schemeClr>
+          </a:solidFill>
+        </p:spPr>
+        <p:style>
+          <a:lnRef idx="2">
+            <a:schemeClr val="dk1">
+              <a:shade val="50000"/>
+            </a:schemeClr>
+          </a:lnRef>
+          <a:fillRef idx="1">
+            <a:schemeClr val="dk1"/>
+          </a:fillRef>
+          <a:effectRef idx="0">
+            <a:schemeClr val="dk1"/>
+          </a:effectRef>
+          <a:fontRef idx="minor">
+            <a:schemeClr val="lt1"/>
+          </a:fontRef>
+        </p:style>
+        <p:txBody>
+          <a:bodyPr rot="0" spcFirstLastPara="0" vertOverflow="overflow" horzOverflow="overflow" vert="horz" wrap="square" lIns="101827" tIns="50913" rIns="101827" bIns="50913" numCol="1" spcCol="0" rtlCol="0" fromWordArt="0" anchor="ctr" anchorCtr="0" forceAA="0" compatLnSpc="1">
+            <a:prstTxWarp prst="textNoShape">
+              <a:avLst/>
+            </a:prstTxWarp>
+            <a:noAutofit/>
+          </a:bodyPr>
+          <a:lstStyle/>
+          <a:p>
+            <a:pPr algn="ctr"/>
+            <a:endParaRPr lang="ja-JP" altLang="en-US" sz="3086"/>
+          </a:p>
+        </p:txBody>
+      </p:sp>
+      <p:sp>
+        <p:nvSpPr>
+          <p:cNvPr id="223" name="角丸四角形 222"/>
+          <p:cNvSpPr/>
+          <p:nvPr/>
+        </p:nvSpPr>
+        <p:spPr>
+          <a:xfrm>
+            <a:off x="4319119" y="7481494"/>
+            <a:ext cx="7423146" cy="3101363"/>
+          </a:xfrm>
+          <a:prstGeom prst="roundRect">
+            <a:avLst>
+              <a:gd name="adj" fmla="val 8185"/>
+            </a:avLst>
+          </a:prstGeom>
+          <a:solidFill>
+            <a:schemeClr val="tx1">
+              <a:lumMod val="85000"/>
+              <a:lumOff val="15000"/>
+            </a:schemeClr>
+          </a:solidFill>
+        </p:spPr>
+        <p:style>
+          <a:lnRef idx="2">
+            <a:schemeClr val="dk1">
+              <a:shade val="50000"/>
+            </a:schemeClr>
+          </a:lnRef>
+          <a:fillRef idx="1">
+            <a:schemeClr val="dk1"/>
+          </a:fillRef>
+          <a:effectRef idx="0">
+            <a:schemeClr val="dk1"/>
+          </a:effectRef>
+          <a:fontRef idx="minor">
+            <a:schemeClr val="lt1"/>
+          </a:fontRef>
+        </p:style>
+        <p:txBody>
+          <a:bodyPr rot="0" spcFirstLastPara="0" vertOverflow="overflow" horzOverflow="overflow" vert="horz" wrap="square" lIns="101827" tIns="50913" rIns="101827" bIns="50913" numCol="1" spcCol="0" rtlCol="0" fromWordArt="0" anchor="ctr" anchorCtr="0" forceAA="0" compatLnSpc="1">
+            <a:prstTxWarp prst="textNoShape">
+              <a:avLst/>
+            </a:prstTxWarp>
+            <a:noAutofit/>
+          </a:bodyPr>
+          <a:lstStyle/>
+          <a:p>
+            <a:pPr algn="ctr"/>
+            <a:endParaRPr lang="ja-JP" altLang="en-US" sz="3086"/>
+          </a:p>
+        </p:txBody>
+      </p:sp>
+      <p:sp>
+        <p:nvSpPr>
+          <p:cNvPr id="224" name="角丸四角形 223"/>
+          <p:cNvSpPr/>
+          <p:nvPr/>
+        </p:nvSpPr>
+        <p:spPr>
+          <a:xfrm>
+            <a:off x="12404907" y="4222942"/>
+            <a:ext cx="2561784" cy="3101363"/>
+          </a:xfrm>
+          <a:prstGeom prst="roundRect">
+            <a:avLst>
+              <a:gd name="adj" fmla="val 8185"/>
+            </a:avLst>
+          </a:prstGeom>
+          <a:solidFill>
+            <a:schemeClr val="tx1">
+              <a:lumMod val="85000"/>
+              <a:lumOff val="15000"/>
+            </a:schemeClr>
+          </a:solidFill>
+        </p:spPr>
+        <p:style>
+          <a:lnRef idx="2">
+            <a:schemeClr val="dk1">
+              <a:shade val="50000"/>
+            </a:schemeClr>
+          </a:lnRef>
+          <a:fillRef idx="1">
+            <a:schemeClr val="dk1"/>
+          </a:fillRef>
+          <a:effectRef idx="0">
+            <a:schemeClr val="dk1"/>
+          </a:effectRef>
+          <a:fontRef idx="minor">
+            <a:schemeClr val="lt1"/>
+          </a:fontRef>
+        </p:style>
+        <p:txBody>
+          <a:bodyPr rot="0" spcFirstLastPara="0" vertOverflow="overflow" horzOverflow="overflow" vert="horz" wrap="square" lIns="101827" tIns="50913" rIns="101827" bIns="50913" numCol="1" spcCol="0" rtlCol="0" fromWordArt="0" anchor="ctr" anchorCtr="0" forceAA="0" compatLnSpc="1">
+            <a:prstTxWarp prst="textNoShape">
+              <a:avLst/>
+            </a:prstTxWarp>
+            <a:noAutofit/>
+          </a:bodyPr>
+          <a:lstStyle/>
+          <a:p>
+            <a:pPr algn="ctr"/>
+            <a:endParaRPr lang="ja-JP" altLang="en-US" sz="3086"/>
+          </a:p>
+        </p:txBody>
+      </p:sp>
+      <p:sp>
+        <p:nvSpPr>
+          <p:cNvPr id="57" name="角丸四角形 56"/>
+          <p:cNvSpPr/>
+          <p:nvPr/>
+        </p:nvSpPr>
+        <p:spPr>
+          <a:xfrm>
+            <a:off x="10061002" y="747555"/>
+            <a:ext cx="4905689" cy="3069245"/>
           </a:xfrm>
           <a:prstGeom prst="roundRect">
             <a:avLst>
@@ -3815,14 +4140,14 @@
       </p:sp>
       <p:sp>
         <p:nvSpPr>
-          <p:cNvPr id="217" name="正方形/長方形 216"/>
+          <p:cNvPr id="198" name="正方形/長方形 197"/>
           <p:cNvSpPr/>
           <p:nvPr/>
         </p:nvSpPr>
         <p:spPr>
-          <a:xfrm>
-            <a:off x="6668332" y="2177271"/>
-            <a:ext cx="74533" cy="576835"/>
+          <a:xfrm rot="16200000">
+            <a:off x="13372041" y="3202134"/>
+            <a:ext cx="87688" cy="280318"/>
           </a:xfrm>
           <a:prstGeom prst="rect">
             <a:avLst/>
@@ -3874,356 +4199,29 @@
       </p:sp>
       <p:sp>
         <p:nvSpPr>
-          <p:cNvPr id="177" name="角丸四角形 176"/>
+          <p:cNvPr id="190" name="正方形/長方形 189"/>
           <p:cNvSpPr/>
           <p:nvPr/>
         </p:nvSpPr>
         <p:spPr>
-          <a:xfrm>
-            <a:off x="-1080698" y="3580887"/>
-            <a:ext cx="17201322" cy="7835107"/>
-          </a:xfrm>
-          <a:prstGeom prst="roundRect">
-            <a:avLst>
-              <a:gd name="adj" fmla="val 0"/>
-            </a:avLst>
+          <a:xfrm rot="5400000">
+            <a:off x="13269352" y="2167450"/>
+            <a:ext cx="87688" cy="485691"/>
+          </a:xfrm>
+          <a:prstGeom prst="rect">
+            <a:avLst/>
           </a:prstGeom>
           <a:solidFill>
-            <a:schemeClr val="tx1"/>
-          </a:solidFill>
-          <a:ln>
-            <a:solidFill>
-              <a:schemeClr val="tx1">
-                <a:lumMod val="65000"/>
-                <a:lumOff val="35000"/>
-              </a:schemeClr>
-            </a:solidFill>
-          </a:ln>
-          <a:effectLst>
-            <a:softEdge rad="444500"/>
-          </a:effectLst>
-        </p:spPr>
-        <p:style>
-          <a:lnRef idx="2">
-            <a:schemeClr val="dk1">
-              <a:shade val="50000"/>
-            </a:schemeClr>
-          </a:lnRef>
-          <a:fillRef idx="1">
-            <a:schemeClr val="dk1"/>
-          </a:fillRef>
-          <a:effectRef idx="0">
-            <a:schemeClr val="dk1"/>
-          </a:effectRef>
-          <a:fontRef idx="minor">
-            <a:schemeClr val="lt1"/>
-          </a:fontRef>
-        </p:style>
-        <p:txBody>
-          <a:bodyPr rot="0" spcFirstLastPara="0" vertOverflow="overflow" horzOverflow="overflow" vert="horz" wrap="square" lIns="101827" tIns="50913" rIns="101827" bIns="50913" numCol="1" spcCol="0" rtlCol="0" fromWordArt="0" anchor="ctr" anchorCtr="0" forceAA="0" compatLnSpc="1">
-            <a:prstTxWarp prst="textNoShape">
-              <a:avLst/>
-            </a:prstTxWarp>
-            <a:noAutofit/>
-          </a:bodyPr>
-          <a:lstStyle/>
-          <a:p>
-            <a:pPr algn="ctr"/>
-            <a:endParaRPr lang="ja-JP" altLang="en-US" sz="3086"/>
-          </a:p>
-        </p:txBody>
-      </p:sp>
-      <p:sp>
-        <p:nvSpPr>
-          <p:cNvPr id="219" name="角丸四角形 218"/>
-          <p:cNvSpPr/>
-          <p:nvPr/>
-        </p:nvSpPr>
-        <p:spPr>
-          <a:xfrm>
-            <a:off x="4185193" y="4234983"/>
-            <a:ext cx="8048306" cy="3101597"/>
-          </a:xfrm>
-          <a:prstGeom prst="roundRect">
-            <a:avLst>
-              <a:gd name="adj" fmla="val 8185"/>
-            </a:avLst>
-          </a:prstGeom>
-          <a:solidFill>
-            <a:schemeClr val="tx1">
-              <a:lumMod val="85000"/>
-              <a:lumOff val="15000"/>
-            </a:schemeClr>
-          </a:solidFill>
-        </p:spPr>
-        <p:style>
-          <a:lnRef idx="2">
-            <a:schemeClr val="dk1">
-              <a:shade val="50000"/>
-            </a:schemeClr>
-          </a:lnRef>
-          <a:fillRef idx="1">
-            <a:schemeClr val="dk1"/>
-          </a:fillRef>
-          <a:effectRef idx="0">
-            <a:schemeClr val="dk1"/>
-          </a:effectRef>
-          <a:fontRef idx="minor">
-            <a:schemeClr val="lt1"/>
-          </a:fontRef>
-        </p:style>
-        <p:txBody>
-          <a:bodyPr rot="0" spcFirstLastPara="0" vertOverflow="overflow" horzOverflow="overflow" vert="horz" wrap="square" lIns="101827" tIns="50913" rIns="101827" bIns="50913" numCol="1" spcCol="0" rtlCol="0" fromWordArt="0" anchor="ctr" anchorCtr="0" forceAA="0" compatLnSpc="1">
-            <a:prstTxWarp prst="textNoShape">
-              <a:avLst/>
-            </a:prstTxWarp>
-            <a:noAutofit/>
-          </a:bodyPr>
-          <a:lstStyle/>
-          <a:p>
-            <a:pPr algn="ctr"/>
-            <a:endParaRPr lang="ja-JP" altLang="en-US" sz="3086"/>
-          </a:p>
-        </p:txBody>
-      </p:sp>
-      <p:sp>
-        <p:nvSpPr>
-          <p:cNvPr id="221" name="角丸四角形 220"/>
-          <p:cNvSpPr/>
-          <p:nvPr/>
-        </p:nvSpPr>
-        <p:spPr>
-          <a:xfrm>
-            <a:off x="184942" y="4235217"/>
-            <a:ext cx="3882390" cy="3101363"/>
-          </a:xfrm>
-          <a:prstGeom prst="roundRect">
-            <a:avLst>
-              <a:gd name="adj" fmla="val 8185"/>
-            </a:avLst>
-          </a:prstGeom>
-          <a:solidFill>
-            <a:schemeClr val="tx1">
-              <a:lumMod val="85000"/>
-              <a:lumOff val="15000"/>
-            </a:schemeClr>
-          </a:solidFill>
-        </p:spPr>
-        <p:style>
-          <a:lnRef idx="2">
-            <a:schemeClr val="dk1">
-              <a:shade val="50000"/>
-            </a:schemeClr>
-          </a:lnRef>
-          <a:fillRef idx="1">
-            <a:schemeClr val="dk1"/>
-          </a:fillRef>
-          <a:effectRef idx="0">
-            <a:schemeClr val="dk1"/>
-          </a:effectRef>
-          <a:fontRef idx="minor">
-            <a:schemeClr val="lt1"/>
-          </a:fontRef>
-        </p:style>
-        <p:txBody>
-          <a:bodyPr rot="0" spcFirstLastPara="0" vertOverflow="overflow" horzOverflow="overflow" vert="horz" wrap="square" lIns="101827" tIns="50913" rIns="101827" bIns="50913" numCol="1" spcCol="0" rtlCol="0" fromWordArt="0" anchor="ctr" anchorCtr="0" forceAA="0" compatLnSpc="1">
-            <a:prstTxWarp prst="textNoShape">
-              <a:avLst/>
-            </a:prstTxWarp>
-            <a:noAutofit/>
-          </a:bodyPr>
-          <a:lstStyle/>
-          <a:p>
-            <a:pPr algn="ctr"/>
-            <a:endParaRPr lang="ja-JP" altLang="en-US" sz="3086"/>
-          </a:p>
-        </p:txBody>
-      </p:sp>
-      <p:sp>
-        <p:nvSpPr>
-          <p:cNvPr id="222" name="角丸四角形 221"/>
-          <p:cNvSpPr/>
-          <p:nvPr/>
-        </p:nvSpPr>
-        <p:spPr>
-          <a:xfrm>
-            <a:off x="189747" y="7485839"/>
-            <a:ext cx="3995827" cy="3101363"/>
-          </a:xfrm>
-          <a:prstGeom prst="roundRect">
-            <a:avLst>
-              <a:gd name="adj" fmla="val 8185"/>
-            </a:avLst>
-          </a:prstGeom>
-          <a:solidFill>
-            <a:schemeClr val="tx1">
-              <a:lumMod val="85000"/>
-              <a:lumOff val="15000"/>
-            </a:schemeClr>
-          </a:solidFill>
-        </p:spPr>
-        <p:style>
-          <a:lnRef idx="2">
-            <a:schemeClr val="dk1">
-              <a:shade val="50000"/>
-            </a:schemeClr>
-          </a:lnRef>
-          <a:fillRef idx="1">
-            <a:schemeClr val="dk1"/>
-          </a:fillRef>
-          <a:effectRef idx="0">
-            <a:schemeClr val="dk1"/>
-          </a:effectRef>
-          <a:fontRef idx="minor">
-            <a:schemeClr val="lt1"/>
-          </a:fontRef>
-        </p:style>
-        <p:txBody>
-          <a:bodyPr rot="0" spcFirstLastPara="0" vertOverflow="overflow" horzOverflow="overflow" vert="horz" wrap="square" lIns="101827" tIns="50913" rIns="101827" bIns="50913" numCol="1" spcCol="0" rtlCol="0" fromWordArt="0" anchor="ctr" anchorCtr="0" forceAA="0" compatLnSpc="1">
-            <a:prstTxWarp prst="textNoShape">
-              <a:avLst/>
-            </a:prstTxWarp>
-            <a:noAutofit/>
-          </a:bodyPr>
-          <a:lstStyle/>
-          <a:p>
-            <a:pPr algn="ctr"/>
-            <a:endParaRPr lang="ja-JP" altLang="en-US" sz="3086"/>
-          </a:p>
-        </p:txBody>
-      </p:sp>
-      <p:sp>
-        <p:nvSpPr>
-          <p:cNvPr id="223" name="角丸四角形 222"/>
-          <p:cNvSpPr/>
-          <p:nvPr/>
-        </p:nvSpPr>
-        <p:spPr>
-          <a:xfrm>
-            <a:off x="4319119" y="7481494"/>
-            <a:ext cx="7423146" cy="3101363"/>
-          </a:xfrm>
-          <a:prstGeom prst="roundRect">
-            <a:avLst>
-              <a:gd name="adj" fmla="val 8185"/>
-            </a:avLst>
-          </a:prstGeom>
-          <a:solidFill>
-            <a:schemeClr val="tx1">
-              <a:lumMod val="85000"/>
-              <a:lumOff val="15000"/>
-            </a:schemeClr>
-          </a:solidFill>
-        </p:spPr>
-        <p:style>
-          <a:lnRef idx="2">
-            <a:schemeClr val="dk1">
-              <a:shade val="50000"/>
-            </a:schemeClr>
-          </a:lnRef>
-          <a:fillRef idx="1">
-            <a:schemeClr val="dk1"/>
-          </a:fillRef>
-          <a:effectRef idx="0">
-            <a:schemeClr val="dk1"/>
-          </a:effectRef>
-          <a:fontRef idx="minor">
-            <a:schemeClr val="lt1"/>
-          </a:fontRef>
-        </p:style>
-        <p:txBody>
-          <a:bodyPr rot="0" spcFirstLastPara="0" vertOverflow="overflow" horzOverflow="overflow" vert="horz" wrap="square" lIns="101827" tIns="50913" rIns="101827" bIns="50913" numCol="1" spcCol="0" rtlCol="0" fromWordArt="0" anchor="ctr" anchorCtr="0" forceAA="0" compatLnSpc="1">
-            <a:prstTxWarp prst="textNoShape">
-              <a:avLst/>
-            </a:prstTxWarp>
-            <a:noAutofit/>
-          </a:bodyPr>
-          <a:lstStyle/>
-          <a:p>
-            <a:pPr algn="ctr"/>
-            <a:endParaRPr lang="ja-JP" altLang="en-US" sz="3086"/>
-          </a:p>
-        </p:txBody>
-      </p:sp>
-      <p:sp>
-        <p:nvSpPr>
-          <p:cNvPr id="224" name="角丸四角形 223"/>
-          <p:cNvSpPr/>
-          <p:nvPr/>
-        </p:nvSpPr>
-        <p:spPr>
-          <a:xfrm>
-            <a:off x="12404907" y="4222942"/>
-            <a:ext cx="2561784" cy="3101363"/>
-          </a:xfrm>
-          <a:prstGeom prst="roundRect">
-            <a:avLst>
-              <a:gd name="adj" fmla="val 8185"/>
-            </a:avLst>
-          </a:prstGeom>
-          <a:solidFill>
-            <a:schemeClr val="tx1">
-              <a:lumMod val="85000"/>
-              <a:lumOff val="15000"/>
-            </a:schemeClr>
-          </a:solidFill>
-        </p:spPr>
-        <p:style>
-          <a:lnRef idx="2">
-            <a:schemeClr val="dk1">
-              <a:shade val="50000"/>
-            </a:schemeClr>
-          </a:lnRef>
-          <a:fillRef idx="1">
-            <a:schemeClr val="dk1"/>
-          </a:fillRef>
-          <a:effectRef idx="0">
-            <a:schemeClr val="dk1"/>
-          </a:effectRef>
-          <a:fontRef idx="minor">
-            <a:schemeClr val="lt1"/>
-          </a:fontRef>
-        </p:style>
-        <p:txBody>
-          <a:bodyPr rot="0" spcFirstLastPara="0" vertOverflow="overflow" horzOverflow="overflow" vert="horz" wrap="square" lIns="101827" tIns="50913" rIns="101827" bIns="50913" numCol="1" spcCol="0" rtlCol="0" fromWordArt="0" anchor="ctr" anchorCtr="0" forceAA="0" compatLnSpc="1">
-            <a:prstTxWarp prst="textNoShape">
-              <a:avLst/>
-            </a:prstTxWarp>
-            <a:noAutofit/>
-          </a:bodyPr>
-          <a:lstStyle/>
-          <a:p>
-            <a:pPr algn="ctr"/>
-            <a:endParaRPr lang="ja-JP" altLang="en-US" sz="3086"/>
-          </a:p>
-        </p:txBody>
-      </p:sp>
-      <p:sp>
-        <p:nvSpPr>
-          <p:cNvPr id="57" name="角丸四角形 56"/>
-          <p:cNvSpPr/>
-          <p:nvPr/>
-        </p:nvSpPr>
-        <p:spPr>
-          <a:xfrm>
-            <a:off x="10061002" y="747555"/>
-            <a:ext cx="4905689" cy="3069245"/>
-          </a:xfrm>
-          <a:prstGeom prst="roundRect">
-            <a:avLst>
-              <a:gd name="adj" fmla="val 5861"/>
-            </a:avLst>
-          </a:prstGeom>
-          <a:solidFill>
-            <a:schemeClr val="bg1">
-              <a:lumMod val="95000"/>
+            <a:schemeClr val="accent6">
+              <a:lumMod val="60000"/>
+              <a:lumOff val="40000"/>
             </a:schemeClr>
           </a:solidFill>
           <a:ln>
             <a:solidFill>
-              <a:schemeClr val="tx1">
-                <a:lumMod val="50000"/>
-                <a:lumOff val="50000"/>
+              <a:schemeClr val="accent6">
+                <a:lumMod val="60000"/>
+                <a:lumOff val="40000"/>
               </a:schemeClr>
             </a:solidFill>
           </a:ln>
@@ -4253,54 +4251,34 @@
           </a:bodyPr>
           <a:lstStyle/>
           <a:p>
-            <a:endParaRPr lang="en-US" altLang="ja-JP" sz="1225" dirty="0">
-              <a:solidFill>
-                <a:schemeClr val="tx1">
-                  <a:lumMod val="85000"/>
-                  <a:lumOff val="15000"/>
-                </a:schemeClr>
-              </a:solidFill>
-              <a:latin typeface="源ノ角ゴシック Light" panose="020B0300000000000000" pitchFamily="34" charset="-128"/>
-              <a:ea typeface="源ノ角ゴシック Light" panose="020B0300000000000000" pitchFamily="34" charset="-128"/>
-            </a:endParaRPr>
-          </a:p>
-          <a:p>
-            <a:endParaRPr lang="ja-JP" altLang="en-US" sz="1225" dirty="0">
-              <a:solidFill>
-                <a:schemeClr val="tx1">
-                  <a:lumMod val="85000"/>
-                  <a:lumOff val="15000"/>
-                </a:schemeClr>
-              </a:solidFill>
-              <a:latin typeface="源ノ角ゴシック Light" panose="020B0300000000000000" pitchFamily="34" charset="-128"/>
-              <a:ea typeface="源ノ角ゴシック Light" panose="020B0300000000000000" pitchFamily="34" charset="-128"/>
-            </a:endParaRPr>
-          </a:p>
-        </p:txBody>
-      </p:sp>
-      <p:sp>
-        <p:nvSpPr>
-          <p:cNvPr id="198" name="正方形/長方形 197"/>
+            <a:pPr algn="ctr"/>
+            <a:endParaRPr lang="ja-JP" altLang="en-US" sz="3086"/>
+          </a:p>
+        </p:txBody>
+      </p:sp>
+      <p:sp>
+        <p:nvSpPr>
+          <p:cNvPr id="139" name="正方形/長方形 138"/>
           <p:cNvSpPr/>
           <p:nvPr/>
         </p:nvSpPr>
         <p:spPr>
-          <a:xfrm rot="16200000">
-            <a:off x="13372041" y="3202134"/>
-            <a:ext cx="87688" cy="280318"/>
+          <a:xfrm>
+            <a:off x="11072637" y="2162829"/>
+            <a:ext cx="87688" cy="690770"/>
           </a:xfrm>
           <a:prstGeom prst="rect">
             <a:avLst/>
           </a:prstGeom>
           <a:solidFill>
-            <a:schemeClr val="accent6">
+            <a:schemeClr val="accent4">
               <a:lumMod val="60000"/>
               <a:lumOff val="40000"/>
             </a:schemeClr>
           </a:solidFill>
           <a:ln>
             <a:solidFill>
-              <a:schemeClr val="accent6">
+              <a:schemeClr val="accent4">
                 <a:lumMod val="60000"/>
                 <a:lumOff val="40000"/>
               </a:schemeClr>
@@ -4339,30 +4317,27 @@
       </p:sp>
       <p:sp>
         <p:nvSpPr>
-          <p:cNvPr id="190" name="正方形/長方形 189"/>
+          <p:cNvPr id="5" name="正方形/長方形 4"/>
           <p:cNvSpPr/>
           <p:nvPr/>
         </p:nvSpPr>
         <p:spPr>
-          <a:xfrm rot="5400000">
-            <a:off x="13269352" y="2167450"/>
-            <a:ext cx="87688" cy="485691"/>
+          <a:xfrm>
+            <a:off x="0" y="6"/>
+            <a:ext cx="15119350" cy="676241"/>
           </a:xfrm>
           <a:prstGeom prst="rect">
             <a:avLst/>
           </a:prstGeom>
           <a:solidFill>
-            <a:schemeClr val="accent6">
-              <a:lumMod val="60000"/>
-              <a:lumOff val="40000"/>
+            <a:schemeClr val="tx1">
+              <a:lumMod val="65000"/>
+              <a:lumOff val="35000"/>
             </a:schemeClr>
           </a:solidFill>
           <a:ln>
             <a:solidFill>
-              <a:schemeClr val="accent6">
-                <a:lumMod val="60000"/>
-                <a:lumOff val="40000"/>
-              </a:schemeClr>
+              <a:srgbClr val="595959"/>
             </a:solidFill>
           </a:ln>
         </p:spPr>
@@ -4391,36 +4366,176 @@
           </a:bodyPr>
           <a:lstStyle/>
           <a:p>
-            <a:pPr algn="ctr"/>
-            <a:endParaRPr lang="ja-JP" altLang="en-US" sz="3086"/>
-          </a:p>
-        </p:txBody>
-      </p:sp>
-      <p:sp>
-        <p:nvSpPr>
-          <p:cNvPr id="139" name="正方形/長方形 138"/>
+            <a:r>
+              <a:rPr lang="ja-JP" altLang="en-US" sz="3086" dirty="0">
+                <a:latin typeface="源ノ角ゴシック Code JP R" panose="020B0500000000000000" pitchFamily="34" charset="-128"/>
+                <a:ea typeface="源ノ角ゴシック Code JP R" panose="020B0500000000000000" pitchFamily="34" charset="-128"/>
+              </a:rPr>
+              <a:t> </a:t>
+            </a:r>
+            <a:endParaRPr lang="ja-JP" altLang="en-US" sz="3118" dirty="0">
+              <a:latin typeface="源ノ角ゴシック Code JP R" panose="020B0500000000000000" pitchFamily="34" charset="-128"/>
+              <a:ea typeface="源ノ角ゴシック Code JP R" panose="020B0500000000000000" pitchFamily="34" charset="-128"/>
+            </a:endParaRPr>
+          </a:p>
+        </p:txBody>
+      </p:sp>
+      <p:sp>
+        <p:nvSpPr>
+          <p:cNvPr id="6" name="テキスト ボックス 5"/>
+          <p:cNvSpPr txBox="1"/>
+          <p:nvPr/>
+        </p:nvSpPr>
+        <p:spPr>
+          <a:xfrm>
+            <a:off x="3405491" y="71538"/>
+            <a:ext cx="2053507" cy="307777"/>
+          </a:xfrm>
+          <a:prstGeom prst="rect">
+            <a:avLst/>
+          </a:prstGeom>
+          <a:noFill/>
+        </p:spPr>
+        <p:txBody>
+          <a:bodyPr wrap="square" rtlCol="0">
+            <a:spAutoFit/>
+          </a:bodyPr>
+          <a:lstStyle/>
+          <a:p>
+            <a:r>
+              <a:rPr lang="ja-JP" altLang="en-US" sz="1400" dirty="0">
+                <a:solidFill>
+                  <a:schemeClr val="bg1"/>
+                </a:solidFill>
+                <a:latin typeface="源ノ角ゴシック Code JP R" panose="020B0500000000000000" pitchFamily="34" charset="-128"/>
+                <a:ea typeface="源ノ角ゴシック Code JP R" panose="020B0500000000000000" pitchFamily="34" charset="-128"/>
+              </a:rPr>
+              <a:t>チームメンバー</a:t>
+            </a:r>
+          </a:p>
+        </p:txBody>
+      </p:sp>
+      <p:sp>
+        <p:nvSpPr>
+          <p:cNvPr id="92" name="テキスト ボックス 91"/>
+          <p:cNvSpPr txBox="1"/>
+          <p:nvPr/>
+        </p:nvSpPr>
+        <p:spPr>
+          <a:xfrm>
+            <a:off x="3650780" y="317593"/>
+            <a:ext cx="4606955" cy="297902"/>
+          </a:xfrm>
+          <a:prstGeom prst="rect">
+            <a:avLst/>
+          </a:prstGeom>
+          <a:noFill/>
+        </p:spPr>
+        <p:txBody>
+          <a:bodyPr wrap="square" rtlCol="0">
+            <a:spAutoFit/>
+          </a:bodyPr>
+          <a:lstStyle/>
+          <a:p>
+            <a:r>
+              <a:rPr lang="ja-JP" altLang="en-US" sz="1336" dirty="0">
+                <a:solidFill>
+                  <a:schemeClr val="bg1"/>
+                </a:solidFill>
+                <a:latin typeface="源ノ角ゴシック Code JP R" panose="020B0500000000000000" pitchFamily="34" charset="-128"/>
+                <a:ea typeface="源ノ角ゴシック Code JP R" panose="020B0500000000000000" pitchFamily="34" charset="-128"/>
+              </a:rPr>
+              <a:t>熊抱 崚太 </a:t>
+            </a:r>
+            <a:r>
+              <a:rPr lang="en-US" altLang="ja-JP" sz="1336" dirty="0">
+                <a:solidFill>
+                  <a:schemeClr val="bg1"/>
+                </a:solidFill>
+                <a:latin typeface="源ノ角ゴシック Code JP R" panose="020B0500000000000000" pitchFamily="34" charset="-128"/>
+                <a:ea typeface="源ノ角ゴシック Code JP R" panose="020B0500000000000000" pitchFamily="34" charset="-128"/>
+              </a:rPr>
+              <a:t>/ </a:t>
+            </a:r>
+            <a:r>
+              <a:rPr lang="ja-JP" altLang="en-US" sz="1336" dirty="0">
+                <a:solidFill>
+                  <a:schemeClr val="bg1"/>
+                </a:solidFill>
+                <a:latin typeface="源ノ角ゴシック Code JP R" panose="020B0500000000000000" pitchFamily="34" charset="-128"/>
+                <a:ea typeface="源ノ角ゴシック Code JP R" panose="020B0500000000000000" pitchFamily="34" charset="-128"/>
+              </a:rPr>
+              <a:t>石原 廉太郎 </a:t>
+            </a:r>
+            <a:r>
+              <a:rPr lang="en-US" altLang="ja-JP" sz="1336" dirty="0">
+                <a:solidFill>
+                  <a:schemeClr val="bg1"/>
+                </a:solidFill>
+                <a:latin typeface="源ノ角ゴシック Code JP R" panose="020B0500000000000000" pitchFamily="34" charset="-128"/>
+                <a:ea typeface="源ノ角ゴシック Code JP R" panose="020B0500000000000000" pitchFamily="34" charset="-128"/>
+              </a:rPr>
+              <a:t>/</a:t>
+            </a:r>
+            <a:r>
+              <a:rPr lang="ja-JP" altLang="en-US" sz="1336" dirty="0">
+                <a:solidFill>
+                  <a:schemeClr val="bg1"/>
+                </a:solidFill>
+                <a:latin typeface="源ノ角ゴシック Code JP R" panose="020B0500000000000000" pitchFamily="34" charset="-128"/>
+                <a:ea typeface="源ノ角ゴシック Code JP R" panose="020B0500000000000000" pitchFamily="34" charset="-128"/>
+              </a:rPr>
+              <a:t> 松田 魁琉 </a:t>
+            </a:r>
+            <a:r>
+              <a:rPr lang="en-US" altLang="ja-JP" sz="1336" dirty="0">
+                <a:solidFill>
+                  <a:schemeClr val="bg1"/>
+                </a:solidFill>
+                <a:latin typeface="源ノ角ゴシック Code JP R" panose="020B0500000000000000" pitchFamily="34" charset="-128"/>
+                <a:ea typeface="源ノ角ゴシック Code JP R" panose="020B0500000000000000" pitchFamily="34" charset="-128"/>
+              </a:rPr>
+              <a:t>/</a:t>
+            </a:r>
+            <a:r>
+              <a:rPr lang="ja-JP" altLang="en-US" sz="1336" dirty="0">
+                <a:solidFill>
+                  <a:schemeClr val="bg1"/>
+                </a:solidFill>
+                <a:latin typeface="源ノ角ゴシック Code JP R" panose="020B0500000000000000" pitchFamily="34" charset="-128"/>
+                <a:ea typeface="源ノ角ゴシック Code JP R" panose="020B0500000000000000" pitchFamily="34" charset="-128"/>
+              </a:rPr>
+              <a:t> 目野 優輝 </a:t>
+            </a:r>
+          </a:p>
+        </p:txBody>
+      </p:sp>
+      <p:sp>
+        <p:nvSpPr>
+          <p:cNvPr id="98" name="角丸四角形 97"/>
           <p:cNvSpPr/>
           <p:nvPr/>
         </p:nvSpPr>
         <p:spPr>
           <a:xfrm>
-            <a:off x="11072637" y="2162829"/>
-            <a:ext cx="87688" cy="690770"/>
-          </a:xfrm>
-          <a:prstGeom prst="rect">
-            <a:avLst/>
+            <a:off x="2660080" y="731497"/>
+            <a:ext cx="4819964" cy="3107103"/>
+          </a:xfrm>
+          <a:prstGeom prst="roundRect">
+            <a:avLst>
+              <a:gd name="adj" fmla="val 5861"/>
+            </a:avLst>
           </a:prstGeom>
           <a:solidFill>
-            <a:schemeClr val="accent4">
-              <a:lumMod val="60000"/>
-              <a:lumOff val="40000"/>
+            <a:schemeClr val="bg1">
+              <a:lumMod val="95000"/>
             </a:schemeClr>
           </a:solidFill>
           <a:ln>
             <a:solidFill>
-              <a:schemeClr val="accent4">
-                <a:lumMod val="60000"/>
-                <a:lumOff val="40000"/>
+              <a:schemeClr val="tx1">
+                <a:lumMod val="50000"/>
+                <a:lumOff val="50000"/>
               </a:schemeClr>
             </a:solidFill>
           </a:ln>
@@ -4450,257 +4565,28 @@
           </a:bodyPr>
           <a:lstStyle/>
           <a:p>
-            <a:pPr algn="ctr"/>
-            <a:endParaRPr lang="ja-JP" altLang="en-US" sz="3086"/>
-          </a:p>
-        </p:txBody>
-      </p:sp>
-      <p:sp>
-        <p:nvSpPr>
-          <p:cNvPr id="5" name="正方形/長方形 4"/>
-          <p:cNvSpPr/>
-          <p:nvPr/>
-        </p:nvSpPr>
-        <p:spPr>
-          <a:xfrm>
-            <a:off x="0" y="6"/>
-            <a:ext cx="15119350" cy="676241"/>
-          </a:xfrm>
-          <a:prstGeom prst="rect">
-            <a:avLst/>
-          </a:prstGeom>
-          <a:solidFill>
-            <a:schemeClr val="tx1">
-              <a:lumMod val="65000"/>
-              <a:lumOff val="35000"/>
-            </a:schemeClr>
-          </a:solidFill>
-          <a:ln>
-            <a:solidFill>
-              <a:srgbClr val="595959"/>
-            </a:solidFill>
-          </a:ln>
-        </p:spPr>
-        <p:style>
-          <a:lnRef idx="2">
-            <a:schemeClr val="accent1">
-              <a:shade val="50000"/>
-            </a:schemeClr>
-          </a:lnRef>
-          <a:fillRef idx="1">
-            <a:schemeClr val="accent1"/>
-          </a:fillRef>
-          <a:effectRef idx="0">
-            <a:schemeClr val="accent1"/>
-          </a:effectRef>
-          <a:fontRef idx="minor">
-            <a:schemeClr val="lt1"/>
-          </a:fontRef>
-        </p:style>
-        <p:txBody>
-          <a:bodyPr rot="0" spcFirstLastPara="0" vertOverflow="overflow" horzOverflow="overflow" vert="horz" wrap="square" lIns="101827" tIns="50913" rIns="101827" bIns="50913" numCol="1" spcCol="0" rtlCol="0" fromWordArt="0" anchor="ctr" anchorCtr="0" forceAA="0" compatLnSpc="1">
-            <a:prstTxWarp prst="textNoShape">
-              <a:avLst/>
-            </a:prstTxWarp>
-            <a:noAutofit/>
-          </a:bodyPr>
-          <a:lstStyle/>
-          <a:p>
-            <a:r>
-              <a:rPr lang="ja-JP" altLang="en-US" sz="3086" dirty="0">
-                <a:latin typeface="源ノ角ゴシック Code JP R" panose="020B0500000000000000" pitchFamily="34" charset="-128"/>
-                <a:ea typeface="源ノ角ゴシック Code JP R" panose="020B0500000000000000" pitchFamily="34" charset="-128"/>
-              </a:rPr>
-              <a:t> </a:t>
-            </a:r>
-            <a:endParaRPr lang="ja-JP" altLang="en-US" sz="3118" dirty="0">
-              <a:latin typeface="源ノ角ゴシック Code JP R" panose="020B0500000000000000" pitchFamily="34" charset="-128"/>
-              <a:ea typeface="源ノ角ゴシック Code JP R" panose="020B0500000000000000" pitchFamily="34" charset="-128"/>
-            </a:endParaRPr>
-          </a:p>
-        </p:txBody>
-      </p:sp>
-      <p:sp>
-        <p:nvSpPr>
-          <p:cNvPr id="6" name="テキスト ボックス 5"/>
-          <p:cNvSpPr txBox="1"/>
-          <p:nvPr/>
-        </p:nvSpPr>
-        <p:spPr>
-          <a:xfrm>
-            <a:off x="3405491" y="71538"/>
-            <a:ext cx="2053507" cy="307777"/>
-          </a:xfrm>
-          <a:prstGeom prst="rect">
-            <a:avLst/>
-          </a:prstGeom>
-          <a:noFill/>
-        </p:spPr>
-        <p:txBody>
-          <a:bodyPr wrap="square" rtlCol="0">
-            <a:spAutoFit/>
-          </a:bodyPr>
-          <a:lstStyle/>
-          <a:p>
-            <a:r>
-              <a:rPr lang="ja-JP" altLang="en-US" sz="1400" dirty="0" smtClean="0">
-                <a:solidFill>
-                  <a:schemeClr val="bg1"/>
-                </a:solidFill>
-                <a:latin typeface="源ノ角ゴシック Code JP R" panose="020B0500000000000000" pitchFamily="34" charset="-128"/>
-                <a:ea typeface="源ノ角ゴシック Code JP R" panose="020B0500000000000000" pitchFamily="34" charset="-128"/>
-              </a:rPr>
-              <a:t>チームメンバー</a:t>
-            </a:r>
-            <a:endParaRPr lang="ja-JP" altLang="en-US" sz="1400" dirty="0">
-              <a:solidFill>
-                <a:schemeClr val="bg1"/>
-              </a:solidFill>
-              <a:latin typeface="源ノ角ゴシック Code JP R" panose="020B0500000000000000" pitchFamily="34" charset="-128"/>
-              <a:ea typeface="源ノ角ゴシック Code JP R" panose="020B0500000000000000" pitchFamily="34" charset="-128"/>
-            </a:endParaRPr>
-          </a:p>
-        </p:txBody>
-      </p:sp>
-      <p:sp>
-        <p:nvSpPr>
-          <p:cNvPr id="92" name="テキスト ボックス 91"/>
-          <p:cNvSpPr txBox="1"/>
-          <p:nvPr/>
-        </p:nvSpPr>
-        <p:spPr>
-          <a:xfrm>
-            <a:off x="3650780" y="317593"/>
-            <a:ext cx="4606955" cy="297902"/>
-          </a:xfrm>
-          <a:prstGeom prst="rect">
-            <a:avLst/>
-          </a:prstGeom>
-          <a:noFill/>
-        </p:spPr>
-        <p:txBody>
-          <a:bodyPr wrap="square" rtlCol="0">
-            <a:spAutoFit/>
-          </a:bodyPr>
-          <a:lstStyle/>
-          <a:p>
-            <a:r>
-              <a:rPr lang="ja-JP" altLang="en-US" sz="1336" dirty="0">
-                <a:solidFill>
-                  <a:schemeClr val="bg1"/>
-                </a:solidFill>
-                <a:latin typeface="源ノ角ゴシック Code JP R" panose="020B0500000000000000" pitchFamily="34" charset="-128"/>
-                <a:ea typeface="源ノ角ゴシック Code JP R" panose="020B0500000000000000" pitchFamily="34" charset="-128"/>
-              </a:rPr>
-              <a:t>熊抱 崚太 </a:t>
-            </a:r>
-            <a:r>
-              <a:rPr lang="en-US" altLang="ja-JP" sz="1336" dirty="0">
-                <a:solidFill>
-                  <a:schemeClr val="bg1"/>
-                </a:solidFill>
-                <a:latin typeface="源ノ角ゴシック Code JP R" panose="020B0500000000000000" pitchFamily="34" charset="-128"/>
-                <a:ea typeface="源ノ角ゴシック Code JP R" panose="020B0500000000000000" pitchFamily="34" charset="-128"/>
-              </a:rPr>
-              <a:t>/ </a:t>
-            </a:r>
-            <a:r>
-              <a:rPr lang="ja-JP" altLang="en-US" sz="1336" dirty="0">
-                <a:solidFill>
-                  <a:schemeClr val="bg1"/>
-                </a:solidFill>
-                <a:latin typeface="源ノ角ゴシック Code JP R" panose="020B0500000000000000" pitchFamily="34" charset="-128"/>
-                <a:ea typeface="源ノ角ゴシック Code JP R" panose="020B0500000000000000" pitchFamily="34" charset="-128"/>
-              </a:rPr>
-              <a:t>石原 廉太郎 </a:t>
-            </a:r>
-            <a:r>
-              <a:rPr lang="en-US" altLang="ja-JP" sz="1336" dirty="0">
-                <a:solidFill>
-                  <a:schemeClr val="bg1"/>
-                </a:solidFill>
-                <a:latin typeface="源ノ角ゴシック Code JP R" panose="020B0500000000000000" pitchFamily="34" charset="-128"/>
-                <a:ea typeface="源ノ角ゴシック Code JP R" panose="020B0500000000000000" pitchFamily="34" charset="-128"/>
-              </a:rPr>
-              <a:t>/</a:t>
-            </a:r>
-            <a:r>
-              <a:rPr lang="ja-JP" altLang="en-US" sz="1336" dirty="0">
-                <a:solidFill>
-                  <a:schemeClr val="bg1"/>
-                </a:solidFill>
-                <a:latin typeface="源ノ角ゴシック Code JP R" panose="020B0500000000000000" pitchFamily="34" charset="-128"/>
-                <a:ea typeface="源ノ角ゴシック Code JP R" panose="020B0500000000000000" pitchFamily="34" charset="-128"/>
-              </a:rPr>
-              <a:t> 松田 魁琉 </a:t>
-            </a:r>
-            <a:r>
-              <a:rPr lang="en-US" altLang="ja-JP" sz="1336" dirty="0">
-                <a:solidFill>
-                  <a:schemeClr val="bg1"/>
-                </a:solidFill>
-                <a:latin typeface="源ノ角ゴシック Code JP R" panose="020B0500000000000000" pitchFamily="34" charset="-128"/>
-                <a:ea typeface="源ノ角ゴシック Code JP R" panose="020B0500000000000000" pitchFamily="34" charset="-128"/>
-              </a:rPr>
-              <a:t>/</a:t>
-            </a:r>
-            <a:r>
-              <a:rPr lang="ja-JP" altLang="en-US" sz="1336" dirty="0">
-                <a:solidFill>
-                  <a:schemeClr val="bg1"/>
-                </a:solidFill>
-                <a:latin typeface="源ノ角ゴシック Code JP R" panose="020B0500000000000000" pitchFamily="34" charset="-128"/>
-                <a:ea typeface="源ノ角ゴシック Code JP R" panose="020B0500000000000000" pitchFamily="34" charset="-128"/>
-              </a:rPr>
-              <a:t> 目野 優輝 </a:t>
-            </a:r>
-          </a:p>
-        </p:txBody>
-      </p:sp>
-      <p:sp>
-        <p:nvSpPr>
-          <p:cNvPr id="7" name="角丸四角形 6"/>
-          <p:cNvSpPr/>
-          <p:nvPr/>
-        </p:nvSpPr>
-        <p:spPr>
-          <a:xfrm>
-            <a:off x="91842" y="731497"/>
-            <a:ext cx="2501120" cy="3101363"/>
-          </a:xfrm>
-          <a:prstGeom prst="roundRect">
-            <a:avLst>
-              <a:gd name="adj" fmla="val 8185"/>
-            </a:avLst>
-          </a:prstGeom>
-        </p:spPr>
-        <p:style>
-          <a:lnRef idx="2">
-            <a:schemeClr val="dk1">
-              <a:shade val="50000"/>
-            </a:schemeClr>
-          </a:lnRef>
-          <a:fillRef idx="1">
-            <a:schemeClr val="dk1"/>
-          </a:fillRef>
-          <a:effectRef idx="0">
-            <a:schemeClr val="dk1"/>
-          </a:effectRef>
-          <a:fontRef idx="minor">
-            <a:schemeClr val="lt1"/>
-          </a:fontRef>
-        </p:style>
-        <p:txBody>
-          <a:bodyPr rot="0" spcFirstLastPara="0" vertOverflow="overflow" horzOverflow="overflow" vert="horz" wrap="square" lIns="101827" tIns="50913" rIns="101827" bIns="50913" numCol="1" spcCol="0" rtlCol="0" fromWordArt="0" anchor="ctr" anchorCtr="0" forceAA="0" compatLnSpc="1">
-            <a:prstTxWarp prst="textNoShape">
-              <a:avLst/>
-            </a:prstTxWarp>
-            <a:noAutofit/>
-          </a:bodyPr>
-          <a:lstStyle/>
-          <a:p>
-            <a:pPr algn="ctr"/>
-            <a:endParaRPr lang="ja-JP" altLang="en-US" sz="3086"/>
+            <a:endParaRPr lang="en-US" altLang="ja-JP" sz="1225" dirty="0">
+              <a:solidFill>
+                <a:schemeClr val="tx1">
+                  <a:lumMod val="85000"/>
+                  <a:lumOff val="15000"/>
+                </a:schemeClr>
+              </a:solidFill>
+              <a:latin typeface="源ノ角ゴシック Light" panose="020B0300000000000000" pitchFamily="34" charset="-128"/>
+              <a:ea typeface="源ノ角ゴシック Light" panose="020B0300000000000000" pitchFamily="34" charset="-128"/>
+            </a:endParaRPr>
+          </a:p>
+          <a:p>
+            <a:endParaRPr lang="ja-JP" altLang="en-US" sz="1225" dirty="0">
+              <a:solidFill>
+                <a:schemeClr val="tx1">
+                  <a:lumMod val="85000"/>
+                  <a:lumOff val="15000"/>
+                </a:schemeClr>
+              </a:solidFill>
+              <a:latin typeface="源ノ角ゴシック Light" panose="020B0300000000000000" pitchFamily="34" charset="-128"/>
+              <a:ea typeface="源ノ角ゴシック Light" panose="020B0300000000000000" pitchFamily="34" charset="-128"/>
+            </a:endParaRPr>
           </a:p>
         </p:txBody>
       </p:sp>
@@ -4922,37 +4808,17 @@
                 <a:latin typeface="源ノ角ゴシック Code JP R" panose="020B0500000000000000" pitchFamily="34" charset="-128"/>
                 <a:ea typeface="源ノ角ゴシック Code JP R" panose="020B0500000000000000" pitchFamily="34" charset="-128"/>
               </a:rPr>
-              <a:t>       </a:t>
-            </a:r>
-            <a:r>
-              <a:rPr lang="en-US" altLang="ja-JP" sz="780" b="1" dirty="0" smtClean="0">
+              <a:t>         </a:t>
+            </a:r>
+            <a:r>
+              <a:rPr lang="en-US" altLang="ja-JP" sz="780" dirty="0">
                 <a:solidFill>
                   <a:schemeClr val="bg1"/>
                 </a:solidFill>
                 <a:latin typeface="源ノ角ゴシック Code JP R" panose="020B0500000000000000" pitchFamily="34" charset="-128"/>
                 <a:ea typeface="源ノ角ゴシック Code JP R" panose="020B0500000000000000" pitchFamily="34" charset="-128"/>
               </a:rPr>
-              <a:t>  </a:t>
-            </a:r>
-            <a:r>
-              <a:rPr lang="en-US" altLang="ja-JP" sz="780" dirty="0" smtClean="0">
-                <a:solidFill>
-                  <a:schemeClr val="bg1"/>
-                </a:solidFill>
-                <a:latin typeface="源ノ角ゴシック Code JP R" panose="020B0500000000000000" pitchFamily="34" charset="-128"/>
-                <a:ea typeface="源ノ角ゴシック Code JP R" panose="020B0500000000000000" pitchFamily="34" charset="-128"/>
-              </a:rPr>
-              <a:t>7.4V </a:t>
-            </a:r>
-            <a:r>
-              <a:rPr lang="en-US" altLang="ja-JP" sz="780" dirty="0">
-                <a:solidFill>
-                  <a:schemeClr val="bg1"/>
-                </a:solidFill>
-                <a:latin typeface="源ノ角ゴシック Code JP R" panose="020B0500000000000000" pitchFamily="34" charset="-128"/>
-                <a:ea typeface="源ノ角ゴシック Code JP R" panose="020B0500000000000000" pitchFamily="34" charset="-128"/>
-              </a:rPr>
-              <a:t>2200mAh</a:t>
+              <a:t>7.4V 2200mAh</a:t>
             </a:r>
             <a:endParaRPr lang="ja-JP" altLang="en-US" sz="780" dirty="0">
               <a:solidFill>
@@ -6885,53 +6751,6 @@
       </p:sp>
       <p:sp>
         <p:nvSpPr>
-          <p:cNvPr id="56" name="角丸四角形 55"/>
-          <p:cNvSpPr/>
-          <p:nvPr/>
-        </p:nvSpPr>
-        <p:spPr>
-          <a:xfrm>
-            <a:off x="7519963" y="731497"/>
-            <a:ext cx="2501120" cy="3101363"/>
-          </a:xfrm>
-          <a:prstGeom prst="roundRect">
-            <a:avLst>
-              <a:gd name="adj" fmla="val 8185"/>
-            </a:avLst>
-          </a:prstGeom>
-        </p:spPr>
-        <p:style>
-          <a:lnRef idx="2">
-            <a:schemeClr val="dk1">
-              <a:shade val="50000"/>
-            </a:schemeClr>
-          </a:lnRef>
-          <a:fillRef idx="1">
-            <a:schemeClr val="dk1"/>
-          </a:fillRef>
-          <a:effectRef idx="0">
-            <a:schemeClr val="dk1"/>
-          </a:effectRef>
-          <a:fontRef idx="minor">
-            <a:schemeClr val="lt1"/>
-          </a:fontRef>
-        </p:style>
-        <p:txBody>
-          <a:bodyPr rot="0" spcFirstLastPara="0" vertOverflow="overflow" horzOverflow="overflow" vert="horz" wrap="square" lIns="101827" tIns="50913" rIns="101827" bIns="50913" numCol="1" spcCol="0" rtlCol="0" fromWordArt="0" anchor="ctr" anchorCtr="0" forceAA="0" compatLnSpc="1">
-            <a:prstTxWarp prst="textNoShape">
-              <a:avLst/>
-            </a:prstTxWarp>
-            <a:noAutofit/>
-          </a:bodyPr>
-          <a:lstStyle/>
-          <a:p>
-            <a:pPr algn="ctr"/>
-            <a:endParaRPr lang="ja-JP" altLang="en-US" sz="3086"/>
-          </a:p>
-        </p:txBody>
-      </p:sp>
-      <p:sp>
-        <p:nvSpPr>
           <p:cNvPr id="58" name="正方形/長方形 57"/>
           <p:cNvSpPr/>
           <p:nvPr/>
@@ -7010,7 +6829,7 @@
           <a:lstStyle/>
           <a:p>
             <a:r>
-              <a:rPr lang="en-US" altLang="ja-JP" sz="668" dirty="0" smtClean="0">
+              <a:rPr lang="en-US" altLang="ja-JP" sz="668" dirty="0">
                 <a:solidFill>
                   <a:schemeClr val="bg1"/>
                 </a:solidFill>
@@ -7033,8 +6852,8 @@
         </p:nvSpPr>
         <p:spPr>
           <a:xfrm rot="16200000">
-            <a:off x="6400327" y="1914971"/>
-            <a:ext cx="74533" cy="598189"/>
+            <a:off x="6258167" y="2043976"/>
+            <a:ext cx="87688" cy="327025"/>
           </a:xfrm>
           <a:prstGeom prst="rect">
             <a:avLst/>
@@ -7092,7 +6911,7 @@
         </p:nvSpPr>
         <p:spPr>
           <a:xfrm>
-            <a:off x="6178151" y="2117153"/>
+            <a:off x="6094050" y="2102814"/>
             <a:ext cx="429524" cy="195118"/>
           </a:xfrm>
           <a:prstGeom prst="rect">
@@ -7107,7 +6926,7 @@
           <a:lstStyle/>
           <a:p>
             <a:r>
-              <a:rPr lang="en-US" altLang="ja-JP" sz="668" dirty="0" smtClean="0">
+              <a:rPr lang="en-US" altLang="ja-JP" sz="668" dirty="0">
                 <a:solidFill>
                   <a:schemeClr val="tx1">
                     <a:lumMod val="65000"/>
@@ -7254,8 +7073,8 @@
         </p:nvSpPr>
         <p:spPr>
           <a:xfrm rot="16200000">
-            <a:off x="4704948" y="2775233"/>
-            <a:ext cx="95693" cy="1076190"/>
+            <a:off x="4487779" y="2996438"/>
+            <a:ext cx="91657" cy="637816"/>
           </a:xfrm>
           <a:prstGeom prst="rect">
             <a:avLst/>
@@ -7346,7 +7165,7 @@
         <p:spPr>
           <a:xfrm>
             <a:off x="6480439" y="844686"/>
-            <a:ext cx="920486" cy="1224781"/>
+            <a:ext cx="920486" cy="871317"/>
           </a:xfrm>
           <a:prstGeom prst="roundRect">
             <a:avLst>
@@ -7424,8 +7243,8 @@
         </p:nvSpPr>
         <p:spPr>
           <a:xfrm>
-            <a:off x="6480101" y="2761738"/>
-            <a:ext cx="920486" cy="908751"/>
+            <a:off x="6480439" y="1777646"/>
+            <a:ext cx="920486" cy="874432"/>
           </a:xfrm>
           <a:prstGeom prst="roundRect">
             <a:avLst>
@@ -7503,7 +7322,7 @@
         </p:nvSpPr>
         <p:spPr>
           <a:xfrm>
-            <a:off x="10851980" y="200656"/>
+            <a:off x="11575926" y="212999"/>
             <a:ext cx="2492559" cy="297902"/>
           </a:xfrm>
           <a:prstGeom prst="rect">
@@ -7518,7 +7337,7 @@
           <a:lstStyle/>
           <a:p>
             <a:r>
-              <a:rPr lang="en-US" altLang="ja-JP" sz="1336" b="1" dirty="0" smtClean="0">
+              <a:rPr lang="en-US" altLang="ja-JP" sz="1336" b="1" dirty="0">
                 <a:solidFill>
                   <a:schemeClr val="bg1"/>
                 </a:solidFill>
@@ -7545,7 +7364,7 @@
         </p:nvSpPr>
         <p:spPr>
           <a:xfrm>
-            <a:off x="8152885" y="71538"/>
+            <a:off x="8436068" y="71538"/>
             <a:ext cx="2762945" cy="544123"/>
           </a:xfrm>
           <a:prstGeom prst="rect">
@@ -7560,7 +7379,7 @@
           <a:lstStyle/>
           <a:p>
             <a:r>
-              <a:rPr lang="ja-JP" altLang="en-US" sz="1600" dirty="0" smtClean="0">
+              <a:rPr lang="ja-JP" altLang="en-US" sz="1600" dirty="0">
                 <a:solidFill>
                   <a:schemeClr val="bg1"/>
                 </a:solidFill>
@@ -7570,7 +7389,7 @@
               <a:t>所属</a:t>
             </a:r>
             <a:r>
-              <a:rPr lang="en-US" altLang="ja-JP" sz="1600" dirty="0" smtClean="0">
+              <a:rPr lang="en-US" altLang="ja-JP" sz="1600" dirty="0">
                 <a:solidFill>
                   <a:schemeClr val="bg1"/>
                 </a:solidFill>
@@ -7580,7 +7399,7 @@
               <a:t> </a:t>
             </a:r>
             <a:r>
-              <a:rPr lang="en-US" altLang="ja-JP" sz="1336" dirty="0" smtClean="0">
+              <a:rPr lang="en-US" altLang="ja-JP" sz="1336" dirty="0">
                 <a:solidFill>
                   <a:schemeClr val="bg1"/>
                 </a:solidFill>
@@ -7592,7 +7411,7 @@
           </a:p>
           <a:p>
             <a:r>
-              <a:rPr lang="en-US" altLang="ja-JP" sz="1336" dirty="0" smtClean="0">
+              <a:rPr lang="en-US" altLang="ja-JP" sz="1336" dirty="0">
                 <a:solidFill>
                   <a:schemeClr val="bg1"/>
                 </a:solidFill>
@@ -7602,7 +7421,7 @@
               <a:t>  </a:t>
             </a:r>
             <a:r>
-              <a:rPr lang="ja-JP" altLang="en-US" sz="1336" dirty="0" smtClean="0">
+              <a:rPr lang="ja-JP" altLang="en-US" sz="1336" dirty="0">
                 <a:solidFill>
                   <a:schemeClr val="bg1"/>
                 </a:solidFill>
@@ -7629,7 +7448,7 @@
         </p:nvSpPr>
         <p:spPr>
           <a:xfrm>
-            <a:off x="10498919" y="190488"/>
+            <a:off x="11153775" y="214313"/>
             <a:ext cx="326231" cy="295275"/>
           </a:xfrm>
           <a:prstGeom prst="rect">
@@ -7686,7 +7505,7 @@
         </p:blipFill>
         <p:spPr>
           <a:xfrm>
-            <a:off x="10377175" y="47182"/>
+            <a:off x="11020680" y="59122"/>
             <a:ext cx="569720" cy="569720"/>
           </a:xfrm>
           <a:prstGeom prst="rect">
@@ -7717,7 +7536,7 @@
           <a:lstStyle/>
           <a:p>
             <a:r>
-              <a:rPr lang="en-US" altLang="ja-JP" sz="700" b="1" dirty="0" smtClean="0">
+              <a:rPr lang="en-US" altLang="ja-JP" sz="700" b="1" dirty="0">
                 <a:solidFill>
                   <a:schemeClr val="bg1"/>
                 </a:solidFill>
@@ -7744,7 +7563,7 @@
         </p:nvSpPr>
         <p:spPr>
           <a:xfrm>
-            <a:off x="6559446" y="2795894"/>
+            <a:off x="6439017" y="1780587"/>
             <a:ext cx="1557174" cy="200055"/>
           </a:xfrm>
           <a:prstGeom prst="rect">
@@ -7759,7 +7578,7 @@
           <a:lstStyle/>
           <a:p>
             <a:r>
-              <a:rPr lang="en-US" altLang="ja-JP" sz="700" b="1" dirty="0" smtClean="0">
+              <a:rPr lang="en-US" altLang="ja-JP" sz="700" b="1" dirty="0">
                 <a:solidFill>
                   <a:schemeClr val="bg1"/>
                 </a:solidFill>
@@ -7786,7 +7605,7 @@
         </p:nvSpPr>
         <p:spPr>
           <a:xfrm>
-            <a:off x="5293760" y="2773382"/>
+            <a:off x="4863795" y="2806903"/>
             <a:ext cx="970407" cy="908012"/>
           </a:xfrm>
           <a:prstGeom prst="roundRect">
@@ -7865,7 +7684,7 @@
         </p:nvSpPr>
         <p:spPr>
           <a:xfrm>
-            <a:off x="5260426" y="2770336"/>
+            <a:off x="4830461" y="2803857"/>
             <a:ext cx="1113581" cy="307777"/>
           </a:xfrm>
           <a:prstGeom prst="rect">
@@ -7880,7 +7699,7 @@
           <a:lstStyle/>
           <a:p>
             <a:r>
-              <a:rPr lang="en-US" altLang="ja-JP" sz="700" b="1" dirty="0" smtClean="0">
+              <a:rPr lang="en-US" altLang="ja-JP" sz="700" b="1" dirty="0">
                 <a:solidFill>
                   <a:schemeClr val="bg1"/>
                 </a:solidFill>
@@ -7899,20 +7718,10 @@
                 <a:latin typeface="源ノ角ゴシック Code JP M" panose="020B0600000000000000" pitchFamily="34" charset="-128"/>
                 <a:ea typeface="源ノ角ゴシック Code JP M" panose="020B0600000000000000" pitchFamily="34" charset="-128"/>
               </a:rPr>
-              <a:t> </a:t>
-            </a:r>
-            <a:r>
-              <a:rPr lang="en-US" altLang="ja-JP" sz="700" b="1" dirty="0" smtClean="0">
-                <a:solidFill>
-                  <a:schemeClr val="bg1"/>
-                </a:solidFill>
-                <a:latin typeface="源ノ角ゴシック Code JP M" panose="020B0600000000000000" pitchFamily="34" charset="-128"/>
-                <a:ea typeface="源ノ角ゴシック Code JP M" panose="020B0600000000000000" pitchFamily="34" charset="-128"/>
-              </a:rPr>
-              <a:t> </a:t>
-            </a:r>
-            <a:r>
-              <a:rPr lang="en-US" altLang="ja-JP" sz="500" b="1" dirty="0" smtClean="0">
+              <a:t>  </a:t>
+            </a:r>
+            <a:r>
+              <a:rPr lang="en-US" altLang="ja-JP" sz="500" b="1" dirty="0">
                 <a:solidFill>
                   <a:schemeClr val="bg1"/>
                 </a:solidFill>
@@ -7954,7 +7763,7 @@
           <a:lstStyle/>
           <a:p>
             <a:r>
-              <a:rPr lang="en-US" altLang="ja-JP" sz="500" dirty="0" smtClean="0">
+              <a:rPr lang="en-US" altLang="ja-JP" sz="500" dirty="0">
                 <a:solidFill>
                   <a:schemeClr val="tx1">
                     <a:lumMod val="65000"/>
@@ -7998,7 +7807,7 @@
           <a:lstStyle/>
           <a:p>
             <a:r>
-              <a:rPr lang="en-US" altLang="ja-JP" sz="500" dirty="0" smtClean="0">
+              <a:rPr lang="en-US" altLang="ja-JP" sz="500" dirty="0">
                 <a:solidFill>
                   <a:schemeClr val="tx1">
                     <a:lumMod val="65000"/>
@@ -8042,7 +7851,7 @@
           <a:lstStyle/>
           <a:p>
             <a:r>
-              <a:rPr lang="en-US" altLang="ja-JP" sz="500" dirty="0" smtClean="0">
+              <a:rPr lang="en-US" altLang="ja-JP" sz="500" dirty="0">
                 <a:solidFill>
                   <a:schemeClr val="tx1">
                     <a:lumMod val="65000"/>
@@ -8204,7 +8013,7 @@
           <a:lstStyle/>
           <a:p>
             <a:r>
-              <a:rPr lang="en-US" altLang="ja-JP" sz="500" dirty="0" smtClean="0">
+              <a:rPr lang="en-US" altLang="ja-JP" sz="500" dirty="0">
                 <a:solidFill>
                   <a:schemeClr val="tx1">
                     <a:lumMod val="65000"/>
@@ -8248,7 +8057,7 @@
           <a:lstStyle/>
           <a:p>
             <a:r>
-              <a:rPr lang="en-US" altLang="ja-JP" sz="500" dirty="0" smtClean="0">
+              <a:rPr lang="en-US" altLang="ja-JP" sz="500" dirty="0">
                 <a:solidFill>
                   <a:schemeClr val="tx1">
                     <a:lumMod val="65000"/>
@@ -8290,7 +8099,7 @@
         </p:blipFill>
         <p:spPr>
           <a:xfrm>
-            <a:off x="5407488" y="3090774"/>
+            <a:off x="4977523" y="3124295"/>
             <a:ext cx="742950" cy="434975"/>
           </a:xfrm>
           <a:prstGeom prst="rect">
@@ -8320,7 +8129,7 @@
         </p:blipFill>
         <p:spPr>
           <a:xfrm>
-            <a:off x="6503926" y="2939294"/>
+            <a:off x="6490432" y="1917760"/>
             <a:ext cx="947432" cy="758964"/>
           </a:xfrm>
           <a:prstGeom prst="rect">
@@ -8349,8 +8158,8 @@
           </a:stretch>
         </p:blipFill>
         <p:spPr>
-          <a:xfrm rot="10800000">
-            <a:off x="3045140" y="2009531"/>
+          <a:xfrm>
+            <a:off x="3010020" y="1983447"/>
             <a:ext cx="848870" cy="682753"/>
           </a:xfrm>
           <a:prstGeom prst="rect">
@@ -8366,7 +8175,7 @@
           </p:cNvPicPr>
           <p:nvPr/>
         </p:nvPicPr>
-        <p:blipFill rotWithShape="1">
+        <p:blipFill>
           <a:blip r:embed="rId10" cstate="print">
             <a:extLst>
               <a:ext uri="{28A0092B-C50C-407E-A947-70E740481C1C}">
@@ -8374,13 +8183,14 @@
               </a:ext>
             </a:extLst>
           </a:blip>
-          <a:srcRect l="13662" r="15322"/>
-          <a:stretch/>
+          <a:stretch>
+            <a:fillRect/>
+          </a:stretch>
         </p:blipFill>
         <p:spPr>
           <a:xfrm>
-            <a:off x="6539280" y="953447"/>
-            <a:ext cx="857250" cy="882460"/>
+            <a:off x="6502198" y="940416"/>
+            <a:ext cx="922463" cy="634385"/>
           </a:xfrm>
           <a:prstGeom prst="rect">
             <a:avLst/>
@@ -8394,13 +8204,13 @@
           <p:nvPr/>
         </p:nvCxnSpPr>
         <p:spPr>
-          <a:xfrm>
-            <a:off x="6957494" y="1722479"/>
-            <a:ext cx="235009" cy="217120"/>
+          <a:xfrm rot="10800000" flipV="1">
+            <a:off x="6714220" y="1485873"/>
+            <a:ext cx="126639" cy="123354"/>
           </a:xfrm>
           <a:prstGeom prst="bentConnector3">
             <a:avLst>
-              <a:gd name="adj1" fmla="val -143195"/>
+              <a:gd name="adj1" fmla="val 166582"/>
             </a:avLst>
           </a:prstGeom>
           <a:ln>
@@ -8432,8 +8242,8 @@
         </p:nvSpPr>
         <p:spPr>
           <a:xfrm>
-            <a:off x="6599092" y="1806649"/>
-            <a:ext cx="1537916" cy="153888"/>
+            <a:off x="6644097" y="1535224"/>
+            <a:ext cx="1557174" cy="153888"/>
           </a:xfrm>
           <a:prstGeom prst="rect">
             <a:avLst/>
@@ -8447,7 +8257,7 @@
           <a:lstStyle/>
           <a:p>
             <a:r>
-              <a:rPr lang="en-US" altLang="ja-JP" sz="400" b="1" dirty="0" smtClean="0">
+              <a:rPr lang="en-US" altLang="ja-JP" sz="400" b="1" dirty="0">
                 <a:solidFill>
                   <a:schemeClr val="bg1"/>
                 </a:solidFill>
@@ -8489,7 +8299,7 @@
           <a:lstStyle/>
           <a:p>
             <a:r>
-              <a:rPr lang="ja-JP" altLang="en-US" sz="2800" dirty="0" smtClean="0">
+              <a:rPr lang="ja-JP" altLang="en-US" sz="2800" dirty="0">
                 <a:solidFill>
                   <a:schemeClr val="bg1"/>
                 </a:solidFill>
@@ -8498,13 +8308,6 @@
               </a:rPr>
               <a:t>宗中アルテミス</a:t>
             </a:r>
-            <a:endParaRPr lang="ja-JP" altLang="en-US" sz="2800" dirty="0">
-              <a:solidFill>
-                <a:schemeClr val="bg1"/>
-              </a:solidFill>
-              <a:latin typeface="源ノ角ゴシック Code JP R" panose="020B0500000000000000" pitchFamily="34" charset="-128"/>
-              <a:ea typeface="源ノ角ゴシック Code JP R" panose="020B0500000000000000" pitchFamily="34" charset="-128"/>
-            </a:endParaRPr>
           </a:p>
         </p:txBody>
       </p:sp>
@@ -8604,7 +8407,7 @@
           <a:lstStyle/>
           <a:p>
             <a:r>
-              <a:rPr lang="en-US" altLang="ja-JP" sz="780" dirty="0" smtClean="0">
+              <a:rPr lang="en-US" altLang="ja-JP" sz="780" dirty="0">
                 <a:solidFill>
                   <a:schemeClr val="bg1"/>
                 </a:solidFill>
@@ -8646,7 +8449,7 @@
           <a:lstStyle/>
           <a:p>
             <a:r>
-              <a:rPr lang="en-US" altLang="ja-JP" sz="700" dirty="0" smtClean="0">
+              <a:rPr lang="en-US" altLang="ja-JP" sz="700" dirty="0">
                 <a:solidFill>
                   <a:schemeClr val="bg1"/>
                 </a:solidFill>
@@ -8895,49 +8698,19 @@
                 <a:latin typeface="源ノ角ゴシック Code JP M" panose="020B0600000000000000" pitchFamily="34" charset="-128"/>
                 <a:ea typeface="源ノ角ゴシック Code JP M" panose="020B0600000000000000" pitchFamily="34" charset="-128"/>
               </a:rPr>
-              <a:t>6</a:t>
-            </a:r>
-            <a:r>
-              <a:rPr lang="en-US" altLang="ja-JP" sz="445" b="1" dirty="0" smtClean="0">
+              <a:t>6ch Motor Control Board</a:t>
+            </a:r>
+          </a:p>
+          <a:p>
+            <a:r>
+              <a:rPr lang="en-US" altLang="ja-JP" sz="445" b="1" dirty="0">
                 <a:solidFill>
                   <a:schemeClr val="bg1"/>
                 </a:solidFill>
                 <a:latin typeface="源ノ角ゴシック Code JP M" panose="020B0600000000000000" pitchFamily="34" charset="-128"/>
                 <a:ea typeface="源ノ角ゴシック Code JP M" panose="020B0600000000000000" pitchFamily="34" charset="-128"/>
               </a:rPr>
-              <a:t>ch </a:t>
-            </a:r>
-            <a:r>
-              <a:rPr lang="en-US" altLang="ja-JP" sz="445" b="1" dirty="0">
-                <a:solidFill>
-                  <a:schemeClr val="bg1"/>
-                </a:solidFill>
-                <a:latin typeface="源ノ角ゴシック Code JP M" panose="020B0600000000000000" pitchFamily="34" charset="-128"/>
-                <a:ea typeface="源ノ角ゴシック Code JP M" panose="020B0600000000000000" pitchFamily="34" charset="-128"/>
-              </a:rPr>
-              <a:t>Motor Control Board</a:t>
-            </a:r>
-          </a:p>
-          <a:p>
-            <a:r>
-              <a:rPr lang="en-US" altLang="ja-JP" sz="445" b="1" dirty="0">
-                <a:solidFill>
-                  <a:schemeClr val="bg1"/>
-                </a:solidFill>
-                <a:latin typeface="源ノ角ゴシック Code JP M" panose="020B0600000000000000" pitchFamily="34" charset="-128"/>
-                <a:ea typeface="源ノ角ゴシック Code JP M" panose="020B0600000000000000" pitchFamily="34" charset="-128"/>
-              </a:rPr>
-              <a:t>      (DAISEN </a:t>
-            </a:r>
-            <a:r>
-              <a:rPr lang="en-US" altLang="ja-JP" sz="445" b="1" dirty="0" smtClean="0">
-                <a:solidFill>
-                  <a:schemeClr val="bg1"/>
-                </a:solidFill>
-                <a:latin typeface="源ノ角ゴシック Code JP M" panose="020B0600000000000000" pitchFamily="34" charset="-128"/>
-                <a:ea typeface="源ノ角ゴシック Code JP M" panose="020B0600000000000000" pitchFamily="34" charset="-128"/>
-              </a:rPr>
-              <a:t>DSR-1203) </a:t>
+              <a:t>      (DAISEN DSR-1203) </a:t>
             </a:r>
             <a:endParaRPr lang="ja-JP" altLang="en-US" sz="334" b="1" dirty="0">
               <a:solidFill>
@@ -9172,7 +8945,7 @@
           <a:lstStyle/>
           <a:p>
             <a:r>
-              <a:rPr lang="en-US" altLang="ja-JP" sz="600" b="1" dirty="0" smtClean="0">
+              <a:rPr lang="en-US" altLang="ja-JP" sz="600" b="1" dirty="0">
                 <a:solidFill>
                   <a:schemeClr val="bg1"/>
                 </a:solidFill>
@@ -9526,7 +9299,7 @@
           <a:lstStyle/>
           <a:p>
             <a:r>
-              <a:rPr lang="en-US" altLang="ja-JP" sz="780" dirty="0" smtClean="0">
+              <a:rPr lang="en-US" altLang="ja-JP" sz="780" dirty="0">
                 <a:solidFill>
                   <a:schemeClr val="bg1"/>
                 </a:solidFill>
@@ -9568,7 +9341,7 @@
           <a:lstStyle/>
           <a:p>
             <a:r>
-              <a:rPr lang="en-US" altLang="ja-JP" sz="700" dirty="0" smtClean="0">
+              <a:rPr lang="en-US" altLang="ja-JP" sz="700" dirty="0">
                 <a:solidFill>
                   <a:schemeClr val="bg1"/>
                 </a:solidFill>
@@ -10139,7 +9912,7 @@
           <a:lstStyle/>
           <a:p>
             <a:r>
-              <a:rPr lang="en-US" altLang="ja-JP" sz="891" b="1" dirty="0" smtClean="0">
+              <a:rPr lang="en-US" altLang="ja-JP" sz="891" b="1" dirty="0">
                 <a:solidFill>
                   <a:schemeClr val="bg1"/>
                 </a:solidFill>
@@ -10766,7 +10539,7 @@
           <a:lstStyle/>
           <a:p>
             <a:r>
-              <a:rPr lang="en-US" altLang="ja-JP" sz="800" b="1" dirty="0" smtClean="0">
+              <a:rPr lang="en-US" altLang="ja-JP" sz="800" b="1" dirty="0">
                 <a:solidFill>
                   <a:schemeClr val="bg1"/>
                 </a:solidFill>
@@ -10867,7 +10640,7 @@
           <a:lstStyle/>
           <a:p>
             <a:r>
-              <a:rPr lang="en-US" altLang="ja-JP" sz="800" b="1" dirty="0" smtClean="0">
+              <a:rPr lang="en-US" altLang="ja-JP" sz="800" b="1" dirty="0">
                 <a:solidFill>
                   <a:schemeClr val="bg1"/>
                 </a:solidFill>
@@ -11027,7 +10800,7 @@
           <a:lstStyle/>
           <a:p>
             <a:r>
-              <a:rPr lang="en-US" altLang="ja-JP" sz="668" dirty="0" smtClean="0">
+              <a:rPr lang="en-US" altLang="ja-JP" sz="668" dirty="0">
                 <a:solidFill>
                   <a:schemeClr val="tx1">
                     <a:lumMod val="65000"/>
@@ -11160,7 +10933,7 @@
           <a:lstStyle/>
           <a:p>
             <a:r>
-              <a:rPr lang="en-US" altLang="ja-JP" sz="668" dirty="0" smtClean="0">
+              <a:rPr lang="en-US" altLang="ja-JP" sz="668" dirty="0">
                 <a:solidFill>
                   <a:schemeClr val="tx1">
                     <a:lumMod val="65000"/>
@@ -11263,7 +11036,7 @@
           <a:lstStyle/>
           <a:p>
             <a:r>
-              <a:rPr lang="en-US" altLang="ja-JP" sz="600" b="1" dirty="0" smtClean="0">
+              <a:rPr lang="en-US" altLang="ja-JP" sz="600" b="1" dirty="0">
                 <a:solidFill>
                   <a:schemeClr val="bg1"/>
                 </a:solidFill>
@@ -11394,7 +11167,7 @@
           <a:lstStyle/>
           <a:p>
             <a:r>
-              <a:rPr lang="en-US" altLang="ja-JP" sz="668" dirty="0" smtClean="0">
+              <a:rPr lang="en-US" altLang="ja-JP" sz="668" dirty="0">
                 <a:solidFill>
                   <a:schemeClr val="tx1">
                     <a:lumMod val="65000"/>
@@ -11586,7 +11359,7 @@
           <a:lstStyle/>
           <a:p>
             <a:r>
-              <a:rPr lang="en-US" altLang="ja-JP" sz="668" dirty="0" smtClean="0">
+              <a:rPr lang="en-US" altLang="ja-JP" sz="668" dirty="0">
                 <a:solidFill>
                   <a:schemeClr val="tx1">
                     <a:lumMod val="65000"/>
@@ -11630,7 +11403,7 @@
           <a:lstStyle/>
           <a:p>
             <a:r>
-              <a:rPr lang="en-US" altLang="ja-JP" sz="800" b="1" dirty="0" smtClean="0">
+              <a:rPr lang="en-US" altLang="ja-JP" sz="800" b="1" dirty="0">
                 <a:solidFill>
                   <a:schemeClr val="bg1"/>
                 </a:solidFill>
@@ -11750,7 +11523,7 @@
           <a:p>
             <a:pPr algn="ctr"/>
             <a:r>
-              <a:rPr lang="en-US" altLang="ja-JP" sz="400" b="1" dirty="0" smtClean="0">
+              <a:rPr lang="en-US" altLang="ja-JP" sz="400" b="1" dirty="0">
                 <a:solidFill>
                   <a:schemeClr val="tx1">
                     <a:lumMod val="65000"/>
@@ -11766,7 +11539,7 @@
           <a:p>
             <a:pPr algn="ctr"/>
             <a:r>
-              <a:rPr lang="en-US" altLang="ja-JP" sz="400" b="1" dirty="0" smtClean="0">
+              <a:rPr lang="en-US" altLang="ja-JP" sz="400" b="1" dirty="0">
                 <a:solidFill>
                   <a:schemeClr val="tx1">
                     <a:lumMod val="65000"/>
@@ -11944,7 +11717,7 @@
           <a:lstStyle/>
           <a:p>
             <a:r>
-              <a:rPr lang="en-US" altLang="ja-JP" sz="668" dirty="0" smtClean="0">
+              <a:rPr lang="en-US" altLang="ja-JP" sz="668" dirty="0">
                 <a:solidFill>
                   <a:schemeClr val="tx1">
                     <a:lumMod val="65000"/>
@@ -11988,7 +11761,7 @@
           <a:lstStyle/>
           <a:p>
             <a:r>
-              <a:rPr lang="en-US" altLang="ja-JP" sz="668" dirty="0" smtClean="0">
+              <a:rPr lang="en-US" altLang="ja-JP" sz="668" dirty="0">
                 <a:solidFill>
                   <a:schemeClr val="tx1">
                     <a:lumMod val="65000"/>
@@ -12032,7 +11805,7 @@
           <a:lstStyle/>
           <a:p>
             <a:r>
-              <a:rPr lang="en-US" altLang="ja-JP" sz="668" dirty="0" smtClean="0">
+              <a:rPr lang="en-US" altLang="ja-JP" sz="668" dirty="0">
                 <a:solidFill>
                   <a:schemeClr val="tx1">
                     <a:lumMod val="65000"/>
@@ -12076,7 +11849,7 @@
           <a:lstStyle/>
           <a:p>
             <a:r>
-              <a:rPr lang="en-US" altLang="ja-JP" sz="668" dirty="0" smtClean="0">
+              <a:rPr lang="en-US" altLang="ja-JP" sz="668" dirty="0">
                 <a:solidFill>
                   <a:schemeClr val="tx1">
                     <a:lumMod val="65000"/>
@@ -12121,7 +11894,7 @@
           <a:p>
             <a:pPr algn="ctr"/>
             <a:r>
-              <a:rPr lang="en-US" altLang="ja-JP" sz="600" b="1" dirty="0" smtClean="0">
+              <a:rPr lang="en-US" altLang="ja-JP" sz="600" b="1" dirty="0">
                 <a:solidFill>
                   <a:schemeClr val="tx1">
                     <a:lumMod val="65000"/>
@@ -12512,7 +12285,7 @@
               </a:rPr>
               <a:t>　　</a:t>
             </a:r>
-            <a:endParaRPr lang="en-US" altLang="ja-JP" sz="1200" dirty="0" smtClean="0">
+            <a:endParaRPr lang="en-US" altLang="ja-JP" sz="1200" dirty="0">
               <a:solidFill>
                 <a:schemeClr val="bg1"/>
               </a:solidFill>
@@ -12522,45 +12295,54 @@
           </a:p>
           <a:p>
             <a:r>
-              <a:rPr lang="ja-JP" altLang="en-US" sz="1200" dirty="0" smtClean="0">
+              <a:rPr lang="ja-JP" altLang="en-US" sz="1200" dirty="0">
                 <a:solidFill>
                   <a:schemeClr val="bg1"/>
                 </a:solidFill>
                 <a:latin typeface="源ノ角ゴシック Code JP L" panose="020B0300000000000000" pitchFamily="34" charset="-128"/>
                 <a:ea typeface="源ノ角ゴシック Code JP L" panose="020B0300000000000000" pitchFamily="34" charset="-128"/>
               </a:rPr>
-              <a:t>これ</a:t>
-            </a:r>
-            <a:r>
-              <a:rPr lang="ja-JP" altLang="en-US" sz="1200" dirty="0">
+              <a:t>これまでは、電源を</a:t>
+            </a:r>
+            <a:r>
+              <a:rPr lang="en-US" altLang="ja-JP" sz="1200" dirty="0">
                 <a:solidFill>
                   <a:schemeClr val="bg1"/>
                 </a:solidFill>
                 <a:latin typeface="源ノ角ゴシック Code JP L" panose="020B0300000000000000" pitchFamily="34" charset="-128"/>
                 <a:ea typeface="源ノ角ゴシック Code JP L" panose="020B0300000000000000" pitchFamily="34" charset="-128"/>
               </a:rPr>
-              <a:t>までは、電源を</a:t>
-            </a:r>
-            <a:r>
-              <a:rPr lang="en-US" altLang="ja-JP" sz="1200" dirty="0">
+              <a:t>1</a:t>
+            </a:r>
+            <a:r>
+              <a:rPr lang="ja-JP" altLang="en-US" sz="1200" dirty="0" err="1">
                 <a:solidFill>
                   <a:schemeClr val="bg1"/>
                 </a:solidFill>
                 <a:latin typeface="源ノ角ゴシック Code JP L" panose="020B0300000000000000" pitchFamily="34" charset="-128"/>
                 <a:ea typeface="源ノ角ゴシック Code JP L" panose="020B0300000000000000" pitchFamily="34" charset="-128"/>
               </a:rPr>
-              <a:t>1</a:t>
-            </a:r>
-            <a:r>
-              <a:rPr lang="ja-JP" altLang="en-US" sz="1200" dirty="0" err="1">
+              <a:t>つの</a:t>
+            </a:r>
+            <a:r>
+              <a:rPr lang="ja-JP" altLang="en-US" sz="1200" dirty="0">
                 <a:solidFill>
                   <a:schemeClr val="bg1"/>
                 </a:solidFill>
                 <a:latin typeface="源ノ角ゴシック Code JP L" panose="020B0300000000000000" pitchFamily="34" charset="-128"/>
                 <a:ea typeface="源ノ角ゴシック Code JP L" panose="020B0300000000000000" pitchFamily="34" charset="-128"/>
               </a:rPr>
-              <a:t>つの</a:t>
-            </a:r>
+              <a:t>バッテリーから取ると、</a:t>
+            </a:r>
+            <a:endParaRPr lang="en-US" altLang="ja-JP" sz="1200" dirty="0">
+              <a:solidFill>
+                <a:schemeClr val="bg1"/>
+              </a:solidFill>
+              <a:latin typeface="源ノ角ゴシック Code JP L" panose="020B0300000000000000" pitchFamily="34" charset="-128"/>
+              <a:ea typeface="源ノ角ゴシック Code JP L" panose="020B0300000000000000" pitchFamily="34" charset="-128"/>
+            </a:endParaRPr>
+          </a:p>
+          <a:p>
             <a:r>
               <a:rPr lang="ja-JP" altLang="en-US" sz="1200" dirty="0">
                 <a:solidFill>
@@ -12569,19 +12351,28 @@
                 <a:latin typeface="源ノ角ゴシック Code JP L" panose="020B0300000000000000" pitchFamily="34" charset="-128"/>
                 <a:ea typeface="源ノ角ゴシック Code JP L" panose="020B0300000000000000" pitchFamily="34" charset="-128"/>
               </a:rPr>
-              <a:t>バッテリーから取ると</a:t>
-            </a:r>
-            <a:r>
-              <a:rPr lang="ja-JP" altLang="en-US" sz="1200" dirty="0" smtClean="0">
+              <a:t>モータの電圧降下により、制御部分のリセットが</a:t>
+            </a:r>
+            <a:endParaRPr lang="en-US" altLang="ja-JP" sz="1200" dirty="0">
+              <a:solidFill>
+                <a:schemeClr val="bg1"/>
+              </a:solidFill>
+              <a:latin typeface="源ノ角ゴシック Code JP L" panose="020B0300000000000000" pitchFamily="34" charset="-128"/>
+              <a:ea typeface="源ノ角ゴシック Code JP L" panose="020B0300000000000000" pitchFamily="34" charset="-128"/>
+            </a:endParaRPr>
+          </a:p>
+          <a:p>
+            <a:r>
+              <a:rPr lang="ja-JP" altLang="en-US" sz="1200" dirty="0">
                 <a:solidFill>
                   <a:schemeClr val="bg1"/>
                 </a:solidFill>
                 <a:latin typeface="源ノ角ゴシック Code JP L" panose="020B0300000000000000" pitchFamily="34" charset="-128"/>
                 <a:ea typeface="源ノ角ゴシック Code JP L" panose="020B0300000000000000" pitchFamily="34" charset="-128"/>
               </a:rPr>
-              <a:t>、</a:t>
-            </a:r>
-            <a:endParaRPr lang="en-US" altLang="ja-JP" sz="1200" dirty="0" smtClean="0">
+              <a:t>かかるという問題があったため、電源を制御用、</a:t>
+            </a:r>
+            <a:endParaRPr lang="en-US" altLang="ja-JP" sz="1200" dirty="0">
               <a:solidFill>
                 <a:schemeClr val="bg1"/>
               </a:solidFill>
@@ -12591,34 +12382,34 @@
           </a:p>
           <a:p>
             <a:r>
-              <a:rPr lang="ja-JP" altLang="en-US" sz="1200" dirty="0" smtClean="0">
+              <a:rPr lang="ja-JP" altLang="en-US" sz="1200" dirty="0">
                 <a:solidFill>
                   <a:schemeClr val="bg1"/>
                 </a:solidFill>
                 <a:latin typeface="源ノ角ゴシック Code JP L" panose="020B0300000000000000" pitchFamily="34" charset="-128"/>
                 <a:ea typeface="源ノ角ゴシック Code JP L" panose="020B0300000000000000" pitchFamily="34" charset="-128"/>
               </a:rPr>
-              <a:t>モータ</a:t>
-            </a:r>
-            <a:r>
-              <a:rPr lang="ja-JP" altLang="en-US" sz="1200" dirty="0">
+              <a:t>駆動用と</a:t>
+            </a:r>
+            <a:r>
+              <a:rPr lang="en-US" altLang="ja-JP" sz="1200" dirty="0">
                 <a:solidFill>
                   <a:schemeClr val="bg1"/>
                 </a:solidFill>
                 <a:latin typeface="源ノ角ゴシック Code JP L" panose="020B0300000000000000" pitchFamily="34" charset="-128"/>
                 <a:ea typeface="源ノ角ゴシック Code JP L" panose="020B0300000000000000" pitchFamily="34" charset="-128"/>
               </a:rPr>
-              <a:t>の電圧降下により</a:t>
-            </a:r>
-            <a:r>
-              <a:rPr lang="ja-JP" altLang="en-US" sz="1200" dirty="0" smtClean="0">
+              <a:t>2</a:t>
+            </a:r>
+            <a:r>
+              <a:rPr lang="ja-JP" altLang="en-US" sz="1200" dirty="0" err="1">
                 <a:solidFill>
                   <a:schemeClr val="bg1"/>
                 </a:solidFill>
                 <a:latin typeface="源ノ角ゴシック Code JP L" panose="020B0300000000000000" pitchFamily="34" charset="-128"/>
                 <a:ea typeface="源ノ角ゴシック Code JP L" panose="020B0300000000000000" pitchFamily="34" charset="-128"/>
               </a:rPr>
-              <a:t>、制</a:t>
+              <a:t>つに</a:t>
             </a:r>
             <a:r>
               <a:rPr lang="ja-JP" altLang="en-US" sz="1200" dirty="0">
@@ -12628,19 +12419,48 @@
                 <a:latin typeface="源ノ角ゴシック Code JP L" panose="020B0300000000000000" pitchFamily="34" charset="-128"/>
                 <a:ea typeface="源ノ角ゴシック Code JP L" panose="020B0300000000000000" pitchFamily="34" charset="-128"/>
               </a:rPr>
-              <a:t>御部分</a:t>
-            </a:r>
-            <a:r>
-              <a:rPr lang="ja-JP" altLang="en-US" sz="1200" dirty="0" smtClean="0">
+              <a:t>分ける必要がありました。</a:t>
+            </a:r>
+            <a:endParaRPr lang="en-US" altLang="ja-JP" sz="1200" dirty="0">
+              <a:solidFill>
+                <a:schemeClr val="bg1"/>
+              </a:solidFill>
+              <a:latin typeface="源ノ角ゴシック Code JP L" panose="020B0300000000000000" pitchFamily="34" charset="-128"/>
+              <a:ea typeface="源ノ角ゴシック Code JP L" panose="020B0300000000000000" pitchFamily="34" charset="-128"/>
+            </a:endParaRPr>
+          </a:p>
+          <a:p>
+            <a:r>
+              <a:rPr lang="ja-JP" altLang="en-US" sz="1200" dirty="0">
                 <a:solidFill>
                   <a:schemeClr val="bg1"/>
                 </a:solidFill>
                 <a:latin typeface="源ノ角ゴシック Code JP L" panose="020B0300000000000000" pitchFamily="34" charset="-128"/>
                 <a:ea typeface="源ノ角ゴシック Code JP L" panose="020B0300000000000000" pitchFamily="34" charset="-128"/>
               </a:rPr>
-              <a:t>のリセットが</a:t>
-            </a:r>
-            <a:endParaRPr lang="en-US" altLang="ja-JP" sz="1200" dirty="0" smtClean="0">
+              <a:t>今年は、安定化に</a:t>
+            </a:r>
+            <a:r>
+              <a:rPr lang="en-US" altLang="ja-JP" sz="1200" dirty="0">
+                <a:solidFill>
+                  <a:schemeClr val="bg1"/>
+                </a:solidFill>
+                <a:latin typeface="源ノ角ゴシック Code JP L" panose="020B0300000000000000" pitchFamily="34" charset="-128"/>
+                <a:ea typeface="源ノ角ゴシック Code JP L" panose="020B0300000000000000" pitchFamily="34" charset="-128"/>
+              </a:rPr>
+              <a:t>DCDC</a:t>
+            </a:r>
+            <a:r>
+              <a:rPr lang="ja-JP" altLang="en-US" sz="1200" dirty="0">
+                <a:solidFill>
+                  <a:schemeClr val="bg1"/>
+                </a:solidFill>
+                <a:latin typeface="源ノ角ゴシック Code JP L" panose="020B0300000000000000" pitchFamily="34" charset="-128"/>
+                <a:ea typeface="源ノ角ゴシック Code JP L" panose="020B0300000000000000" pitchFamily="34" charset="-128"/>
+              </a:rPr>
+              <a:t>コンバータを</a:t>
+            </a:r>
+            <a:endParaRPr lang="en-US" altLang="ja-JP" sz="1200" dirty="0">
               <a:solidFill>
                 <a:schemeClr val="bg1"/>
               </a:solidFill>
@@ -12650,36 +12470,36 @@
           </a:p>
           <a:p>
             <a:r>
-              <a:rPr lang="ja-JP" altLang="en-US" sz="1200" dirty="0" smtClean="0">
+              <a:rPr lang="ja-JP" altLang="en-US" sz="1200" dirty="0">
                 <a:solidFill>
                   <a:schemeClr val="bg1"/>
                 </a:solidFill>
                 <a:latin typeface="源ノ角ゴシック Code JP L" panose="020B0300000000000000" pitchFamily="34" charset="-128"/>
                 <a:ea typeface="源ノ角ゴシック Code JP L" panose="020B0300000000000000" pitchFamily="34" charset="-128"/>
               </a:rPr>
-              <a:t>かかる</a:t>
-            </a:r>
-            <a:r>
-              <a:rPr lang="ja-JP" altLang="en-US" sz="1200" dirty="0">
+              <a:t>採用することで、</a:t>
+            </a:r>
+            <a:r>
+              <a:rPr lang="en-US" altLang="ja-JP" sz="1200" dirty="0">
                 <a:solidFill>
                   <a:schemeClr val="bg1"/>
                 </a:solidFill>
                 <a:latin typeface="源ノ角ゴシック Code JP L" panose="020B0300000000000000" pitchFamily="34" charset="-128"/>
                 <a:ea typeface="源ノ角ゴシック Code JP L" panose="020B0300000000000000" pitchFamily="34" charset="-128"/>
               </a:rPr>
-              <a:t>という問題があったため、電源</a:t>
-            </a:r>
-            <a:r>
-              <a:rPr lang="ja-JP" altLang="en-US" sz="1200" dirty="0" smtClean="0">
+              <a:t>1</a:t>
+            </a:r>
+            <a:r>
+              <a:rPr lang="ja-JP" altLang="en-US" sz="1200" dirty="0" err="1">
                 <a:solidFill>
                   <a:schemeClr val="bg1"/>
                 </a:solidFill>
                 <a:latin typeface="源ノ角ゴシック Code JP L" panose="020B0300000000000000" pitchFamily="34" charset="-128"/>
                 <a:ea typeface="源ノ角ゴシック Code JP L" panose="020B0300000000000000" pitchFamily="34" charset="-128"/>
               </a:rPr>
-              <a:t>を制御用、</a:t>
-            </a:r>
-            <a:endParaRPr lang="en-US" altLang="ja-JP" sz="1200" dirty="0" smtClean="0">
+              <a:t>つの</a:t>
+            </a:r>
+            <a:endParaRPr lang="en-US" altLang="ja-JP" sz="1200" dirty="0">
               <a:solidFill>
                 <a:schemeClr val="bg1"/>
               </a:solidFill>
@@ -12689,15 +12509,24 @@
           </a:p>
           <a:p>
             <a:r>
-              <a:rPr lang="ja-JP" altLang="en-US" sz="1200" dirty="0" smtClean="0">
+              <a:rPr lang="ja-JP" altLang="en-US" sz="1200" dirty="0">
                 <a:solidFill>
                   <a:schemeClr val="bg1"/>
                 </a:solidFill>
                 <a:latin typeface="源ノ角ゴシック Code JP L" panose="020B0300000000000000" pitchFamily="34" charset="-128"/>
                 <a:ea typeface="源ノ角ゴシック Code JP L" panose="020B0300000000000000" pitchFamily="34" charset="-128"/>
               </a:rPr>
-              <a:t>駆動用</a:t>
-            </a:r>
+              <a:t>バッテリーから電源を取って</a:t>
+            </a:r>
+            <a:endParaRPr lang="en-US" altLang="ja-JP" sz="1200" dirty="0">
+              <a:solidFill>
+                <a:schemeClr val="bg1"/>
+              </a:solidFill>
+              <a:latin typeface="源ノ角ゴシック Code JP L" panose="020B0300000000000000" pitchFamily="34" charset="-128"/>
+              <a:ea typeface="源ノ角ゴシック Code JP L" panose="020B0300000000000000" pitchFamily="34" charset="-128"/>
+            </a:endParaRPr>
+          </a:p>
+          <a:p>
             <a:r>
               <a:rPr lang="ja-JP" altLang="en-US" sz="1200" dirty="0">
                 <a:solidFill>
@@ -12706,38 +12535,74 @@
                 <a:latin typeface="源ノ角ゴシック Code JP L" panose="020B0300000000000000" pitchFamily="34" charset="-128"/>
                 <a:ea typeface="源ノ角ゴシック Code JP L" panose="020B0300000000000000" pitchFamily="34" charset="-128"/>
               </a:rPr>
-              <a:t>と</a:t>
-            </a:r>
-            <a:r>
-              <a:rPr lang="en-US" altLang="ja-JP" sz="1200" dirty="0">
+              <a:t>もモータの電圧降下による</a:t>
+            </a:r>
+            <a:endParaRPr lang="en-US" altLang="ja-JP" sz="1200" dirty="0">
+              <a:solidFill>
+                <a:schemeClr val="bg1"/>
+              </a:solidFill>
+              <a:latin typeface="源ノ角ゴシック Code JP L" panose="020B0300000000000000" pitchFamily="34" charset="-128"/>
+              <a:ea typeface="源ノ角ゴシック Code JP L" panose="020B0300000000000000" pitchFamily="34" charset="-128"/>
+            </a:endParaRPr>
+          </a:p>
+          <a:p>
+            <a:r>
+              <a:rPr lang="ja-JP" altLang="en-US" sz="1200" dirty="0">
                 <a:solidFill>
                   <a:schemeClr val="bg1"/>
                 </a:solidFill>
                 <a:latin typeface="源ノ角ゴシック Code JP L" panose="020B0300000000000000" pitchFamily="34" charset="-128"/>
                 <a:ea typeface="源ノ角ゴシック Code JP L" panose="020B0300000000000000" pitchFamily="34" charset="-128"/>
               </a:rPr>
-              <a:t>2</a:t>
-            </a:r>
-            <a:r>
-              <a:rPr lang="ja-JP" altLang="en-US" sz="1200" dirty="0" err="1" smtClean="0">
+              <a:t>制御部分のリセットに対応</a:t>
+            </a:r>
+            <a:endParaRPr lang="en-US" altLang="ja-JP" sz="1200" dirty="0">
+              <a:solidFill>
+                <a:schemeClr val="bg1"/>
+              </a:solidFill>
+              <a:latin typeface="源ノ角ゴシック Code JP L" panose="020B0300000000000000" pitchFamily="34" charset="-128"/>
+              <a:ea typeface="源ノ角ゴシック Code JP L" panose="020B0300000000000000" pitchFamily="34" charset="-128"/>
+            </a:endParaRPr>
+          </a:p>
+          <a:p>
+            <a:r>
+              <a:rPr lang="ja-JP" altLang="en-US" sz="1200" dirty="0">
                 <a:solidFill>
                   <a:schemeClr val="bg1"/>
                 </a:solidFill>
                 <a:latin typeface="源ノ角ゴシック Code JP L" panose="020B0300000000000000" pitchFamily="34" charset="-128"/>
                 <a:ea typeface="源ノ角ゴシック Code JP L" panose="020B0300000000000000" pitchFamily="34" charset="-128"/>
               </a:rPr>
-              <a:t>つに</a:t>
-            </a:r>
-            <a:r>
-              <a:rPr lang="ja-JP" altLang="en-US" sz="1200" dirty="0" smtClean="0">
+              <a:t>しました。これにより、</a:t>
+            </a:r>
+            <a:endParaRPr lang="en-US" altLang="ja-JP" sz="1200" dirty="0">
+              <a:solidFill>
+                <a:schemeClr val="bg1"/>
+              </a:solidFill>
+              <a:latin typeface="源ノ角ゴシック Code JP L" panose="020B0300000000000000" pitchFamily="34" charset="-128"/>
+              <a:ea typeface="源ノ角ゴシック Code JP L" panose="020B0300000000000000" pitchFamily="34" charset="-128"/>
+            </a:endParaRPr>
+          </a:p>
+          <a:p>
+            <a:r>
+              <a:rPr lang="ja-JP" altLang="en-US" sz="1200" dirty="0">
                 <a:solidFill>
                   <a:schemeClr val="bg1"/>
                 </a:solidFill>
                 <a:latin typeface="源ノ角ゴシック Code JP L" panose="020B0300000000000000" pitchFamily="34" charset="-128"/>
                 <a:ea typeface="源ノ角ゴシック Code JP L" panose="020B0300000000000000" pitchFamily="34" charset="-128"/>
               </a:rPr>
-              <a:t>分ける</a:t>
-            </a:r>
+              <a:t>回路の簡易化、基板の</a:t>
+            </a:r>
+            <a:endParaRPr lang="en-US" altLang="ja-JP" sz="1200" dirty="0">
+              <a:solidFill>
+                <a:schemeClr val="bg1"/>
+              </a:solidFill>
+              <a:latin typeface="源ノ角ゴシック Code JP L" panose="020B0300000000000000" pitchFamily="34" charset="-128"/>
+              <a:ea typeface="源ノ角ゴシック Code JP L" panose="020B0300000000000000" pitchFamily="34" charset="-128"/>
+            </a:endParaRPr>
+          </a:p>
+          <a:p>
             <a:r>
               <a:rPr lang="ja-JP" altLang="en-US" sz="1200" dirty="0">
                 <a:solidFill>
@@ -12746,418 +12611,26 @@
                 <a:latin typeface="源ノ角ゴシック Code JP L" panose="020B0300000000000000" pitchFamily="34" charset="-128"/>
                 <a:ea typeface="源ノ角ゴシック Code JP L" panose="020B0300000000000000" pitchFamily="34" charset="-128"/>
               </a:rPr>
-              <a:t>必要がありました</a:t>
-            </a:r>
-            <a:r>
-              <a:rPr lang="ja-JP" altLang="en-US" sz="1200" dirty="0" smtClean="0">
+              <a:t>省スペース化を実現</a:t>
+            </a:r>
+            <a:endParaRPr lang="en-US" altLang="ja-JP" sz="1200" dirty="0">
+              <a:solidFill>
+                <a:schemeClr val="bg1"/>
+              </a:solidFill>
+              <a:latin typeface="源ノ角ゴシック Code JP L" panose="020B0300000000000000" pitchFamily="34" charset="-128"/>
+              <a:ea typeface="源ノ角ゴシック Code JP L" panose="020B0300000000000000" pitchFamily="34" charset="-128"/>
+            </a:endParaRPr>
+          </a:p>
+          <a:p>
+            <a:r>
+              <a:rPr lang="ja-JP" altLang="en-US" sz="1200" dirty="0">
                 <a:solidFill>
                   <a:schemeClr val="bg1"/>
                 </a:solidFill>
                 <a:latin typeface="源ノ角ゴシック Code JP L" panose="020B0300000000000000" pitchFamily="34" charset="-128"/>
                 <a:ea typeface="源ノ角ゴシック Code JP L" panose="020B0300000000000000" pitchFamily="34" charset="-128"/>
               </a:rPr>
-              <a:t>。</a:t>
-            </a:r>
-            <a:endParaRPr lang="en-US" altLang="ja-JP" sz="1200" dirty="0" smtClean="0">
-              <a:solidFill>
-                <a:schemeClr val="bg1"/>
-              </a:solidFill>
-              <a:latin typeface="源ノ角ゴシック Code JP L" panose="020B0300000000000000" pitchFamily="34" charset="-128"/>
-              <a:ea typeface="源ノ角ゴシック Code JP L" panose="020B0300000000000000" pitchFamily="34" charset="-128"/>
-            </a:endParaRPr>
-          </a:p>
-          <a:p>
-            <a:r>
-              <a:rPr lang="ja-JP" altLang="en-US" sz="1200" dirty="0" smtClean="0">
-                <a:solidFill>
-                  <a:schemeClr val="bg1"/>
-                </a:solidFill>
-                <a:latin typeface="源ノ角ゴシック Code JP L" panose="020B0300000000000000" pitchFamily="34" charset="-128"/>
-                <a:ea typeface="源ノ角ゴシック Code JP L" panose="020B0300000000000000" pitchFamily="34" charset="-128"/>
-              </a:rPr>
-              <a:t>今年</a:t>
-            </a:r>
-            <a:r>
-              <a:rPr lang="ja-JP" altLang="en-US" sz="1200" dirty="0">
-                <a:solidFill>
-                  <a:schemeClr val="bg1"/>
-                </a:solidFill>
-                <a:latin typeface="源ノ角ゴシック Code JP L" panose="020B0300000000000000" pitchFamily="34" charset="-128"/>
-                <a:ea typeface="源ノ角ゴシック Code JP L" panose="020B0300000000000000" pitchFamily="34" charset="-128"/>
-              </a:rPr>
-              <a:t>は</a:t>
-            </a:r>
-            <a:r>
-              <a:rPr lang="ja-JP" altLang="en-US" sz="1200" dirty="0" smtClean="0">
-                <a:solidFill>
-                  <a:schemeClr val="bg1"/>
-                </a:solidFill>
-                <a:latin typeface="源ノ角ゴシック Code JP L" panose="020B0300000000000000" pitchFamily="34" charset="-128"/>
-                <a:ea typeface="源ノ角ゴシック Code JP L" panose="020B0300000000000000" pitchFamily="34" charset="-128"/>
-              </a:rPr>
-              <a:t>、安定化</a:t>
-            </a:r>
-            <a:r>
-              <a:rPr lang="ja-JP" altLang="en-US" sz="1200" dirty="0">
-                <a:solidFill>
-                  <a:schemeClr val="bg1"/>
-                </a:solidFill>
-                <a:latin typeface="源ノ角ゴシック Code JP L" panose="020B0300000000000000" pitchFamily="34" charset="-128"/>
-                <a:ea typeface="源ノ角ゴシック Code JP L" panose="020B0300000000000000" pitchFamily="34" charset="-128"/>
-              </a:rPr>
-              <a:t>に</a:t>
-            </a:r>
-            <a:r>
-              <a:rPr lang="en-US" altLang="ja-JP" sz="1200" dirty="0">
-                <a:solidFill>
-                  <a:schemeClr val="bg1"/>
-                </a:solidFill>
-                <a:latin typeface="源ノ角ゴシック Code JP L" panose="020B0300000000000000" pitchFamily="34" charset="-128"/>
-                <a:ea typeface="源ノ角ゴシック Code JP L" panose="020B0300000000000000" pitchFamily="34" charset="-128"/>
-              </a:rPr>
-              <a:t>DCDC</a:t>
-            </a:r>
-            <a:r>
-              <a:rPr lang="ja-JP" altLang="en-US" sz="1200" dirty="0">
-                <a:solidFill>
-                  <a:schemeClr val="bg1"/>
-                </a:solidFill>
-                <a:latin typeface="源ノ角ゴシック Code JP L" panose="020B0300000000000000" pitchFamily="34" charset="-128"/>
-                <a:ea typeface="源ノ角ゴシック Code JP L" panose="020B0300000000000000" pitchFamily="34" charset="-128"/>
-              </a:rPr>
-              <a:t>コンバータ</a:t>
-            </a:r>
-            <a:r>
-              <a:rPr lang="ja-JP" altLang="en-US" sz="1200" dirty="0" smtClean="0">
-                <a:solidFill>
-                  <a:schemeClr val="bg1"/>
-                </a:solidFill>
-                <a:latin typeface="源ノ角ゴシック Code JP L" panose="020B0300000000000000" pitchFamily="34" charset="-128"/>
-                <a:ea typeface="源ノ角ゴシック Code JP L" panose="020B0300000000000000" pitchFamily="34" charset="-128"/>
-              </a:rPr>
-              <a:t>を</a:t>
-            </a:r>
-            <a:endParaRPr lang="en-US" altLang="ja-JP" sz="1200" dirty="0" smtClean="0">
-              <a:solidFill>
-                <a:schemeClr val="bg1"/>
-              </a:solidFill>
-              <a:latin typeface="源ノ角ゴシック Code JP L" panose="020B0300000000000000" pitchFamily="34" charset="-128"/>
-              <a:ea typeface="源ノ角ゴシック Code JP L" panose="020B0300000000000000" pitchFamily="34" charset="-128"/>
-            </a:endParaRPr>
-          </a:p>
-          <a:p>
-            <a:r>
-              <a:rPr lang="ja-JP" altLang="en-US" sz="1200" dirty="0" smtClean="0">
-                <a:solidFill>
-                  <a:schemeClr val="bg1"/>
-                </a:solidFill>
-                <a:latin typeface="源ノ角ゴシック Code JP L" panose="020B0300000000000000" pitchFamily="34" charset="-128"/>
-                <a:ea typeface="源ノ角ゴシック Code JP L" panose="020B0300000000000000" pitchFamily="34" charset="-128"/>
-              </a:rPr>
-              <a:t>採用すること</a:t>
-            </a:r>
-            <a:r>
-              <a:rPr lang="ja-JP" altLang="en-US" sz="1200" dirty="0">
-                <a:solidFill>
-                  <a:schemeClr val="bg1"/>
-                </a:solidFill>
-                <a:latin typeface="源ノ角ゴシック Code JP L" panose="020B0300000000000000" pitchFamily="34" charset="-128"/>
-                <a:ea typeface="源ノ角ゴシック Code JP L" panose="020B0300000000000000" pitchFamily="34" charset="-128"/>
-              </a:rPr>
-              <a:t>で</a:t>
-            </a:r>
-            <a:r>
-              <a:rPr lang="ja-JP" altLang="en-US" sz="1200" dirty="0" smtClean="0">
-                <a:solidFill>
-                  <a:schemeClr val="bg1"/>
-                </a:solidFill>
-                <a:latin typeface="源ノ角ゴシック Code JP L" panose="020B0300000000000000" pitchFamily="34" charset="-128"/>
-                <a:ea typeface="源ノ角ゴシック Code JP L" panose="020B0300000000000000" pitchFamily="34" charset="-128"/>
-              </a:rPr>
-              <a:t>、</a:t>
-            </a:r>
-            <a:r>
-              <a:rPr lang="en-US" altLang="ja-JP" sz="1200" dirty="0" smtClean="0">
-                <a:solidFill>
-                  <a:schemeClr val="bg1"/>
-                </a:solidFill>
-                <a:latin typeface="源ノ角ゴシック Code JP L" panose="020B0300000000000000" pitchFamily="34" charset="-128"/>
-                <a:ea typeface="源ノ角ゴシック Code JP L" panose="020B0300000000000000" pitchFamily="34" charset="-128"/>
-              </a:rPr>
-              <a:t>1</a:t>
-            </a:r>
-            <a:r>
-              <a:rPr lang="ja-JP" altLang="en-US" sz="1200" dirty="0" err="1" smtClean="0">
-                <a:solidFill>
-                  <a:schemeClr val="bg1"/>
-                </a:solidFill>
-                <a:latin typeface="源ノ角ゴシック Code JP L" panose="020B0300000000000000" pitchFamily="34" charset="-128"/>
-                <a:ea typeface="源ノ角ゴシック Code JP L" panose="020B0300000000000000" pitchFamily="34" charset="-128"/>
-              </a:rPr>
-              <a:t>つの</a:t>
-            </a:r>
-            <a:endParaRPr lang="en-US" altLang="ja-JP" sz="1200" dirty="0" smtClean="0">
-              <a:solidFill>
-                <a:schemeClr val="bg1"/>
-              </a:solidFill>
-              <a:latin typeface="源ノ角ゴシック Code JP L" panose="020B0300000000000000" pitchFamily="34" charset="-128"/>
-              <a:ea typeface="源ノ角ゴシック Code JP L" panose="020B0300000000000000" pitchFamily="34" charset="-128"/>
-            </a:endParaRPr>
-          </a:p>
-          <a:p>
-            <a:r>
-              <a:rPr lang="ja-JP" altLang="en-US" sz="1200" dirty="0" smtClean="0">
-                <a:solidFill>
-                  <a:schemeClr val="bg1"/>
-                </a:solidFill>
-                <a:latin typeface="源ノ角ゴシック Code JP L" panose="020B0300000000000000" pitchFamily="34" charset="-128"/>
-                <a:ea typeface="源ノ角ゴシック Code JP L" panose="020B0300000000000000" pitchFamily="34" charset="-128"/>
-              </a:rPr>
-              <a:t>バッテリー</a:t>
-            </a:r>
-            <a:r>
-              <a:rPr lang="ja-JP" altLang="en-US" sz="1200" dirty="0">
-                <a:solidFill>
-                  <a:schemeClr val="bg1"/>
-                </a:solidFill>
-                <a:latin typeface="源ノ角ゴシック Code JP L" panose="020B0300000000000000" pitchFamily="34" charset="-128"/>
-                <a:ea typeface="源ノ角ゴシック Code JP L" panose="020B0300000000000000" pitchFamily="34" charset="-128"/>
-              </a:rPr>
-              <a:t>から電源</a:t>
-            </a:r>
-            <a:r>
-              <a:rPr lang="ja-JP" altLang="en-US" sz="1200" dirty="0" smtClean="0">
-                <a:solidFill>
-                  <a:schemeClr val="bg1"/>
-                </a:solidFill>
-                <a:latin typeface="源ノ角ゴシック Code JP L" panose="020B0300000000000000" pitchFamily="34" charset="-128"/>
-                <a:ea typeface="源ノ角ゴシック Code JP L" panose="020B0300000000000000" pitchFamily="34" charset="-128"/>
-              </a:rPr>
-              <a:t>を取って</a:t>
-            </a:r>
-            <a:endParaRPr lang="en-US" altLang="ja-JP" sz="1200" dirty="0" smtClean="0">
-              <a:solidFill>
-                <a:schemeClr val="bg1"/>
-              </a:solidFill>
-              <a:latin typeface="源ノ角ゴシック Code JP L" panose="020B0300000000000000" pitchFamily="34" charset="-128"/>
-              <a:ea typeface="源ノ角ゴシック Code JP L" panose="020B0300000000000000" pitchFamily="34" charset="-128"/>
-            </a:endParaRPr>
-          </a:p>
-          <a:p>
-            <a:r>
-              <a:rPr lang="ja-JP" altLang="en-US" sz="1200" dirty="0" smtClean="0">
-                <a:solidFill>
-                  <a:schemeClr val="bg1"/>
-                </a:solidFill>
-                <a:latin typeface="源ノ角ゴシック Code JP L" panose="020B0300000000000000" pitchFamily="34" charset="-128"/>
-                <a:ea typeface="源ノ角ゴシック Code JP L" panose="020B0300000000000000" pitchFamily="34" charset="-128"/>
-              </a:rPr>
-              <a:t>もモータ</a:t>
-            </a:r>
-            <a:r>
-              <a:rPr lang="ja-JP" altLang="en-US" sz="1200" dirty="0">
-                <a:solidFill>
-                  <a:schemeClr val="bg1"/>
-                </a:solidFill>
-                <a:latin typeface="源ノ角ゴシック Code JP L" panose="020B0300000000000000" pitchFamily="34" charset="-128"/>
-                <a:ea typeface="源ノ角ゴシック Code JP L" panose="020B0300000000000000" pitchFamily="34" charset="-128"/>
-              </a:rPr>
-              <a:t>の電圧降下</a:t>
-            </a:r>
-            <a:r>
-              <a:rPr lang="ja-JP" altLang="en-US" sz="1200" dirty="0" smtClean="0">
-                <a:solidFill>
-                  <a:schemeClr val="bg1"/>
-                </a:solidFill>
-                <a:latin typeface="源ノ角ゴシック Code JP L" panose="020B0300000000000000" pitchFamily="34" charset="-128"/>
-                <a:ea typeface="源ノ角ゴシック Code JP L" panose="020B0300000000000000" pitchFamily="34" charset="-128"/>
-              </a:rPr>
-              <a:t>による</a:t>
-            </a:r>
-            <a:endParaRPr lang="en-US" altLang="ja-JP" sz="1200" dirty="0" smtClean="0">
-              <a:solidFill>
-                <a:schemeClr val="bg1"/>
-              </a:solidFill>
-              <a:latin typeface="源ノ角ゴシック Code JP L" panose="020B0300000000000000" pitchFamily="34" charset="-128"/>
-              <a:ea typeface="源ノ角ゴシック Code JP L" panose="020B0300000000000000" pitchFamily="34" charset="-128"/>
-            </a:endParaRPr>
-          </a:p>
-          <a:p>
-            <a:r>
-              <a:rPr lang="ja-JP" altLang="en-US" sz="1200" dirty="0" smtClean="0">
-                <a:solidFill>
-                  <a:schemeClr val="bg1"/>
-                </a:solidFill>
-                <a:latin typeface="源ノ角ゴシック Code JP L" panose="020B0300000000000000" pitchFamily="34" charset="-128"/>
-                <a:ea typeface="源ノ角ゴシック Code JP L" panose="020B0300000000000000" pitchFamily="34" charset="-128"/>
-              </a:rPr>
-              <a:t>制</a:t>
-            </a:r>
-            <a:r>
-              <a:rPr lang="ja-JP" altLang="en-US" sz="1200" dirty="0">
-                <a:solidFill>
-                  <a:schemeClr val="bg1"/>
-                </a:solidFill>
-                <a:latin typeface="源ノ角ゴシック Code JP L" panose="020B0300000000000000" pitchFamily="34" charset="-128"/>
-                <a:ea typeface="源ノ角ゴシック Code JP L" panose="020B0300000000000000" pitchFamily="34" charset="-128"/>
-              </a:rPr>
-              <a:t>御部分のリセット</a:t>
-            </a:r>
-            <a:r>
-              <a:rPr lang="ja-JP" altLang="en-US" sz="1200" dirty="0" smtClean="0">
-                <a:solidFill>
-                  <a:schemeClr val="bg1"/>
-                </a:solidFill>
-                <a:latin typeface="源ノ角ゴシック Code JP L" panose="020B0300000000000000" pitchFamily="34" charset="-128"/>
-                <a:ea typeface="源ノ角ゴシック Code JP L" panose="020B0300000000000000" pitchFamily="34" charset="-128"/>
-              </a:rPr>
-              <a:t>に対応</a:t>
-            </a:r>
-            <a:endParaRPr lang="en-US" altLang="ja-JP" sz="1200" dirty="0" smtClean="0">
-              <a:solidFill>
-                <a:schemeClr val="bg1"/>
-              </a:solidFill>
-              <a:latin typeface="源ノ角ゴシック Code JP L" panose="020B0300000000000000" pitchFamily="34" charset="-128"/>
-              <a:ea typeface="源ノ角ゴシック Code JP L" panose="020B0300000000000000" pitchFamily="34" charset="-128"/>
-            </a:endParaRPr>
-          </a:p>
-          <a:p>
-            <a:r>
-              <a:rPr lang="ja-JP" altLang="en-US" sz="1200" dirty="0" smtClean="0">
-                <a:solidFill>
-                  <a:schemeClr val="bg1"/>
-                </a:solidFill>
-                <a:latin typeface="源ノ角ゴシック Code JP L" panose="020B0300000000000000" pitchFamily="34" charset="-128"/>
-                <a:ea typeface="源ノ角ゴシック Code JP L" panose="020B0300000000000000" pitchFamily="34" charset="-128"/>
-              </a:rPr>
-              <a:t>しました。これ</a:t>
-            </a:r>
-            <a:r>
-              <a:rPr lang="ja-JP" altLang="en-US" sz="1200" dirty="0">
-                <a:solidFill>
-                  <a:schemeClr val="bg1"/>
-                </a:solidFill>
-                <a:latin typeface="源ノ角ゴシック Code JP L" panose="020B0300000000000000" pitchFamily="34" charset="-128"/>
-                <a:ea typeface="源ノ角ゴシック Code JP L" panose="020B0300000000000000" pitchFamily="34" charset="-128"/>
-              </a:rPr>
-              <a:t>により</a:t>
-            </a:r>
-            <a:r>
-              <a:rPr lang="ja-JP" altLang="en-US" sz="1200" dirty="0" smtClean="0">
-                <a:solidFill>
-                  <a:schemeClr val="bg1"/>
-                </a:solidFill>
-                <a:latin typeface="源ノ角ゴシック Code JP L" panose="020B0300000000000000" pitchFamily="34" charset="-128"/>
-                <a:ea typeface="源ノ角ゴシック Code JP L" panose="020B0300000000000000" pitchFamily="34" charset="-128"/>
-              </a:rPr>
-              <a:t>、</a:t>
-            </a:r>
-            <a:endParaRPr lang="en-US" altLang="ja-JP" sz="1200" dirty="0" smtClean="0">
-              <a:solidFill>
-                <a:schemeClr val="bg1"/>
-              </a:solidFill>
-              <a:latin typeface="源ノ角ゴシック Code JP L" panose="020B0300000000000000" pitchFamily="34" charset="-128"/>
-              <a:ea typeface="源ノ角ゴシック Code JP L" panose="020B0300000000000000" pitchFamily="34" charset="-128"/>
-            </a:endParaRPr>
-          </a:p>
-          <a:p>
-            <a:r>
-              <a:rPr lang="ja-JP" altLang="en-US" sz="1200" dirty="0" smtClean="0">
-                <a:solidFill>
-                  <a:schemeClr val="bg1"/>
-                </a:solidFill>
-                <a:latin typeface="源ノ角ゴシック Code JP L" panose="020B0300000000000000" pitchFamily="34" charset="-128"/>
-                <a:ea typeface="源ノ角ゴシック Code JP L" panose="020B0300000000000000" pitchFamily="34" charset="-128"/>
-              </a:rPr>
-              <a:t>回路の</a:t>
-            </a:r>
-            <a:r>
-              <a:rPr lang="ja-JP" altLang="en-US" sz="1200" dirty="0">
-                <a:solidFill>
-                  <a:schemeClr val="bg1"/>
-                </a:solidFill>
-                <a:latin typeface="源ノ角ゴシック Code JP L" panose="020B0300000000000000" pitchFamily="34" charset="-128"/>
-                <a:ea typeface="源ノ角ゴシック Code JP L" panose="020B0300000000000000" pitchFamily="34" charset="-128"/>
-              </a:rPr>
-              <a:t>簡易化</a:t>
-            </a:r>
-            <a:r>
-              <a:rPr lang="ja-JP" altLang="en-US" sz="1200" dirty="0" smtClean="0">
-                <a:solidFill>
-                  <a:schemeClr val="bg1"/>
-                </a:solidFill>
-                <a:latin typeface="源ノ角ゴシック Code JP L" panose="020B0300000000000000" pitchFamily="34" charset="-128"/>
-                <a:ea typeface="源ノ角ゴシック Code JP L" panose="020B0300000000000000" pitchFamily="34" charset="-128"/>
-              </a:rPr>
-              <a:t>、基板の</a:t>
-            </a:r>
-            <a:endParaRPr lang="en-US" altLang="ja-JP" sz="1200" dirty="0" smtClean="0">
-              <a:solidFill>
-                <a:schemeClr val="bg1"/>
-              </a:solidFill>
-              <a:latin typeface="源ノ角ゴシック Code JP L" panose="020B0300000000000000" pitchFamily="34" charset="-128"/>
-              <a:ea typeface="源ノ角ゴシック Code JP L" panose="020B0300000000000000" pitchFamily="34" charset="-128"/>
-            </a:endParaRPr>
-          </a:p>
-          <a:p>
-            <a:r>
-              <a:rPr lang="ja-JP" altLang="en-US" sz="1200" dirty="0" smtClean="0">
-                <a:solidFill>
-                  <a:schemeClr val="bg1"/>
-                </a:solidFill>
-                <a:latin typeface="源ノ角ゴシック Code JP L" panose="020B0300000000000000" pitchFamily="34" charset="-128"/>
-                <a:ea typeface="源ノ角ゴシック Code JP L" panose="020B0300000000000000" pitchFamily="34" charset="-128"/>
-              </a:rPr>
-              <a:t>省スペース化</a:t>
-            </a:r>
-            <a:r>
-              <a:rPr lang="ja-JP" altLang="en-US" sz="1200" dirty="0">
-                <a:solidFill>
-                  <a:schemeClr val="bg1"/>
-                </a:solidFill>
-                <a:latin typeface="源ノ角ゴシック Code JP L" panose="020B0300000000000000" pitchFamily="34" charset="-128"/>
-                <a:ea typeface="源ノ角ゴシック Code JP L" panose="020B0300000000000000" pitchFamily="34" charset="-128"/>
-              </a:rPr>
-              <a:t>を</a:t>
-            </a:r>
-            <a:r>
-              <a:rPr lang="ja-JP" altLang="en-US" sz="1200" dirty="0" smtClean="0">
-                <a:solidFill>
-                  <a:schemeClr val="bg1"/>
-                </a:solidFill>
-                <a:latin typeface="源ノ角ゴシック Code JP L" panose="020B0300000000000000" pitchFamily="34" charset="-128"/>
-                <a:ea typeface="源ノ角ゴシック Code JP L" panose="020B0300000000000000" pitchFamily="34" charset="-128"/>
-              </a:rPr>
-              <a:t>実現</a:t>
-            </a:r>
-            <a:endParaRPr lang="en-US" altLang="ja-JP" sz="1200" dirty="0" smtClean="0">
-              <a:solidFill>
-                <a:schemeClr val="bg1"/>
-              </a:solidFill>
-              <a:latin typeface="源ノ角ゴシック Code JP L" panose="020B0300000000000000" pitchFamily="34" charset="-128"/>
-              <a:ea typeface="源ノ角ゴシック Code JP L" panose="020B0300000000000000" pitchFamily="34" charset="-128"/>
-            </a:endParaRPr>
-          </a:p>
-          <a:p>
-            <a:r>
-              <a:rPr lang="ja-JP" altLang="en-US" sz="1200" dirty="0" smtClean="0">
-                <a:solidFill>
-                  <a:schemeClr val="bg1"/>
-                </a:solidFill>
-                <a:latin typeface="源ノ角ゴシック Code JP L" panose="020B0300000000000000" pitchFamily="34" charset="-128"/>
-                <a:ea typeface="源ノ角ゴシック Code JP L" panose="020B0300000000000000" pitchFamily="34" charset="-128"/>
-              </a:rPr>
-              <a:t>しました</a:t>
-            </a:r>
-            <a:r>
-              <a:rPr lang="ja-JP" altLang="en-US" sz="1200" dirty="0">
-                <a:solidFill>
-                  <a:schemeClr val="bg1"/>
-                </a:solidFill>
-                <a:latin typeface="源ノ角ゴシック Code JP L" panose="020B0300000000000000" pitchFamily="34" charset="-128"/>
-                <a:ea typeface="源ノ角ゴシック Code JP L" panose="020B0300000000000000" pitchFamily="34" charset="-128"/>
-              </a:rPr>
-              <a:t>。</a:t>
+              <a:t>しました。</a:t>
             </a:r>
           </a:p>
         </p:txBody>
@@ -13192,19 +12665,9 @@
                 <a:latin typeface="源ノ角ゴシック Code JP M" panose="020B0600000000000000" pitchFamily="34" charset="-128"/>
                 <a:ea typeface="源ノ角ゴシック Code JP M" panose="020B0600000000000000" pitchFamily="34" charset="-128"/>
               </a:rPr>
-              <a:t>カメラのライン</a:t>
-            </a:r>
-            <a:r>
-              <a:rPr lang="ja-JP" altLang="en-US" sz="2400" dirty="0" smtClean="0">
-                <a:solidFill>
-                  <a:schemeClr val="bg1"/>
-                </a:solidFill>
-                <a:latin typeface="源ノ角ゴシック Code JP M" panose="020B0600000000000000" pitchFamily="34" charset="-128"/>
-                <a:ea typeface="源ノ角ゴシック Code JP M" panose="020B0600000000000000" pitchFamily="34" charset="-128"/>
-              </a:rPr>
-              <a:t>制御</a:t>
-            </a:r>
-            <a:endParaRPr lang="en-US" altLang="ja-JP" sz="1200" dirty="0" smtClean="0">
+              <a:t>カメラのライン制御</a:t>
+            </a:r>
+            <a:endParaRPr lang="en-US" altLang="ja-JP" sz="1200" dirty="0">
               <a:solidFill>
                 <a:schemeClr val="bg1"/>
               </a:solidFill>
@@ -13221,19 +12684,28 @@
                 <a:latin typeface="源ノ角ゴシック Code JP L" panose="020B0300000000000000" pitchFamily="34" charset="-128"/>
                 <a:ea typeface="源ノ角ゴシック Code JP L" panose="020B0300000000000000" pitchFamily="34" charset="-128"/>
               </a:rPr>
-              <a:t>超音波センサーで壁との距離</a:t>
-            </a:r>
-            <a:r>
-              <a:rPr lang="ja-JP" altLang="en-US" sz="1200" dirty="0" smtClean="0">
+              <a:t>超音波センサーで壁との距離を測って</a:t>
+            </a:r>
+            <a:endParaRPr lang="en-US" altLang="ja-JP" sz="1200" dirty="0">
+              <a:solidFill>
+                <a:schemeClr val="bg1"/>
+              </a:solidFill>
+              <a:latin typeface="源ノ角ゴシック Code JP L" panose="020B0300000000000000" pitchFamily="34" charset="-128"/>
+              <a:ea typeface="源ノ角ゴシック Code JP L" panose="020B0300000000000000" pitchFamily="34" charset="-128"/>
+            </a:endParaRPr>
+          </a:p>
+          <a:p>
+            <a:r>
+              <a:rPr lang="ja-JP" altLang="en-US" sz="1200" dirty="0">
                 <a:solidFill>
                   <a:schemeClr val="bg1"/>
                 </a:solidFill>
                 <a:latin typeface="源ノ角ゴシック Code JP L" panose="020B0300000000000000" pitchFamily="34" charset="-128"/>
                 <a:ea typeface="源ノ角ゴシック Code JP L" panose="020B0300000000000000" pitchFamily="34" charset="-128"/>
               </a:rPr>
-              <a:t>を測って</a:t>
-            </a:r>
-            <a:endParaRPr lang="en-US" altLang="ja-JP" sz="1200" dirty="0" smtClean="0">
+              <a:t>ライン制御をするという制御方法から、カメラを用いてライン制御をする方法に変更し、コートの中心方向に移動する</a:t>
+            </a:r>
+            <a:endParaRPr lang="en-US" altLang="ja-JP" sz="1200" dirty="0">
               <a:solidFill>
                 <a:schemeClr val="bg1"/>
               </a:solidFill>
@@ -13243,15 +12715,24 @@
           </a:p>
           <a:p>
             <a:r>
-              <a:rPr lang="ja-JP" altLang="en-US" sz="1200" dirty="0" smtClean="0">
+              <a:rPr lang="ja-JP" altLang="en-US" sz="1200" dirty="0">
                 <a:solidFill>
                   <a:schemeClr val="bg1"/>
                 </a:solidFill>
                 <a:latin typeface="源ノ角ゴシック Code JP L" panose="020B0300000000000000" pitchFamily="34" charset="-128"/>
                 <a:ea typeface="源ノ角ゴシック Code JP L" panose="020B0300000000000000" pitchFamily="34" charset="-128"/>
               </a:rPr>
-              <a:t>ライン制御をする</a:t>
-            </a:r>
+              <a:t>アルゴリズムを実装しました。常に</a:t>
+            </a:r>
+            <a:endParaRPr lang="en-US" altLang="ja-JP" sz="1200" dirty="0">
+              <a:solidFill>
+                <a:schemeClr val="bg1"/>
+              </a:solidFill>
+              <a:latin typeface="源ノ角ゴシック Code JP L" panose="020B0300000000000000" pitchFamily="34" charset="-128"/>
+              <a:ea typeface="源ノ角ゴシック Code JP L" panose="020B0300000000000000" pitchFamily="34" charset="-128"/>
+            </a:endParaRPr>
+          </a:p>
+          <a:p>
             <a:r>
               <a:rPr lang="ja-JP" altLang="en-US" sz="1200" dirty="0">
                 <a:solidFill>
@@ -13260,18 +12741,36 @@
                 <a:latin typeface="源ノ角ゴシック Code JP L" panose="020B0300000000000000" pitchFamily="34" charset="-128"/>
                 <a:ea typeface="源ノ角ゴシック Code JP L" panose="020B0300000000000000" pitchFamily="34" charset="-128"/>
               </a:rPr>
-              <a:t>と</a:t>
-            </a:r>
-            <a:r>
-              <a:rPr lang="ja-JP" altLang="en-US" sz="1200" dirty="0" smtClean="0">
+              <a:t>カメラでコートの中心を取り続け、</a:t>
+            </a:r>
+            <a:endParaRPr lang="en-US" altLang="ja-JP" sz="1200" dirty="0">
+              <a:solidFill>
+                <a:schemeClr val="bg1"/>
+              </a:solidFill>
+              <a:latin typeface="源ノ角ゴシック Code JP L" panose="020B0300000000000000" pitchFamily="34" charset="-128"/>
+              <a:ea typeface="源ノ角ゴシック Code JP L" panose="020B0300000000000000" pitchFamily="34" charset="-128"/>
+            </a:endParaRPr>
+          </a:p>
+          <a:p>
+            <a:r>
+              <a:rPr lang="ja-JP" altLang="en-US" sz="1200" dirty="0">
                 <a:solidFill>
                   <a:schemeClr val="bg1"/>
                 </a:solidFill>
                 <a:latin typeface="源ノ角ゴシック Code JP L" panose="020B0300000000000000" pitchFamily="34" charset="-128"/>
                 <a:ea typeface="源ノ角ゴシック Code JP L" panose="020B0300000000000000" pitchFamily="34" charset="-128"/>
               </a:rPr>
-              <a:t>いう制</a:t>
-            </a:r>
+              <a:t>ロボットからコートの中心への角度を</a:t>
+            </a:r>
+            <a:endParaRPr lang="en-US" altLang="ja-JP" sz="1200" dirty="0">
+              <a:solidFill>
+                <a:schemeClr val="bg1"/>
+              </a:solidFill>
+              <a:latin typeface="源ノ角ゴシック Code JP L" panose="020B0300000000000000" pitchFamily="34" charset="-128"/>
+              <a:ea typeface="源ノ角ゴシック Code JP L" panose="020B0300000000000000" pitchFamily="34" charset="-128"/>
+            </a:endParaRPr>
+          </a:p>
+          <a:p>
             <a:r>
               <a:rPr lang="ja-JP" altLang="en-US" sz="1200" dirty="0">
                 <a:solidFill>
@@ -13280,18 +12779,36 @@
                 <a:latin typeface="源ノ角ゴシック Code JP L" panose="020B0300000000000000" pitchFamily="34" charset="-128"/>
                 <a:ea typeface="源ノ角ゴシック Code JP L" panose="020B0300000000000000" pitchFamily="34" charset="-128"/>
               </a:rPr>
-              <a:t>御方法から</a:t>
-            </a:r>
-            <a:r>
-              <a:rPr lang="ja-JP" altLang="en-US" sz="1200" dirty="0" smtClean="0">
+              <a:t>算出することによってラインが反応</a:t>
+            </a:r>
+            <a:endParaRPr lang="en-US" altLang="ja-JP" sz="1200" dirty="0">
+              <a:solidFill>
+                <a:schemeClr val="bg1"/>
+              </a:solidFill>
+              <a:latin typeface="源ノ角ゴシック Code JP L" panose="020B0300000000000000" pitchFamily="34" charset="-128"/>
+              <a:ea typeface="源ノ角ゴシック Code JP L" panose="020B0300000000000000" pitchFamily="34" charset="-128"/>
+            </a:endParaRPr>
+          </a:p>
+          <a:p>
+            <a:r>
+              <a:rPr lang="ja-JP" altLang="en-US" sz="1200" dirty="0">
                 <a:solidFill>
                   <a:schemeClr val="bg1"/>
                 </a:solidFill>
                 <a:latin typeface="源ノ角ゴシック Code JP L" panose="020B0300000000000000" pitchFamily="34" charset="-128"/>
                 <a:ea typeface="源ノ角ゴシック Code JP L" panose="020B0300000000000000" pitchFamily="34" charset="-128"/>
               </a:rPr>
-              <a:t>、カメラを用いてライン制御</a:t>
-            </a:r>
+              <a:t>したときにコートの中心方向へ移動する</a:t>
+            </a:r>
+            <a:endParaRPr lang="en-US" altLang="ja-JP" sz="1200" dirty="0">
+              <a:solidFill>
+                <a:schemeClr val="bg1"/>
+              </a:solidFill>
+              <a:latin typeface="源ノ角ゴシック Code JP L" panose="020B0300000000000000" pitchFamily="34" charset="-128"/>
+              <a:ea typeface="源ノ角ゴシック Code JP L" panose="020B0300000000000000" pitchFamily="34" charset="-128"/>
+            </a:endParaRPr>
+          </a:p>
+          <a:p>
             <a:r>
               <a:rPr lang="ja-JP" altLang="en-US" sz="1200" dirty="0">
                 <a:solidFill>
@@ -13300,18 +12817,36 @@
                 <a:latin typeface="源ノ角ゴシック Code JP L" panose="020B0300000000000000" pitchFamily="34" charset="-128"/>
                 <a:ea typeface="源ノ角ゴシック Code JP L" panose="020B0300000000000000" pitchFamily="34" charset="-128"/>
               </a:rPr>
-              <a:t>をする</a:t>
-            </a:r>
-            <a:r>
-              <a:rPr lang="ja-JP" altLang="en-US" sz="1200" dirty="0" smtClean="0">
+              <a:t>ことが可能になるだけでなく、</a:t>
+            </a:r>
+            <a:endParaRPr lang="en-US" altLang="ja-JP" sz="1200" dirty="0">
+              <a:solidFill>
+                <a:schemeClr val="bg1"/>
+              </a:solidFill>
+              <a:latin typeface="源ノ角ゴシック Code JP L" panose="020B0300000000000000" pitchFamily="34" charset="-128"/>
+              <a:ea typeface="源ノ角ゴシック Code JP L" panose="020B0300000000000000" pitchFamily="34" charset="-128"/>
+            </a:endParaRPr>
+          </a:p>
+          <a:p>
+            <a:r>
+              <a:rPr lang="ja-JP" altLang="en-US" sz="1200" dirty="0">
                 <a:solidFill>
                   <a:schemeClr val="bg1"/>
                 </a:solidFill>
                 <a:latin typeface="源ノ角ゴシック Code JP L" panose="020B0300000000000000" pitchFamily="34" charset="-128"/>
                 <a:ea typeface="源ノ角ゴシック Code JP L" panose="020B0300000000000000" pitchFamily="34" charset="-128"/>
               </a:rPr>
-              <a:t>方法に変更</a:t>
-            </a:r>
+              <a:t>ラインにどの角度で乗っても</a:t>
+            </a:r>
+            <a:endParaRPr lang="en-US" altLang="ja-JP" sz="1200" dirty="0">
+              <a:solidFill>
+                <a:schemeClr val="bg1"/>
+              </a:solidFill>
+              <a:latin typeface="源ノ角ゴシック Code JP L" panose="020B0300000000000000" pitchFamily="34" charset="-128"/>
+              <a:ea typeface="源ノ角ゴシック Code JP L" panose="020B0300000000000000" pitchFamily="34" charset="-128"/>
+            </a:endParaRPr>
+          </a:p>
+          <a:p>
             <a:r>
               <a:rPr lang="ja-JP" altLang="en-US" sz="1200" dirty="0">
                 <a:solidFill>
@@ -13320,465 +12855,11 @@
                 <a:latin typeface="源ノ角ゴシック Code JP L" panose="020B0300000000000000" pitchFamily="34" charset="-128"/>
                 <a:ea typeface="源ノ角ゴシック Code JP L" panose="020B0300000000000000" pitchFamily="34" charset="-128"/>
               </a:rPr>
-              <a:t>し</a:t>
-            </a:r>
-            <a:r>
-              <a:rPr lang="ja-JP" altLang="en-US" sz="1200" dirty="0" smtClean="0">
-                <a:solidFill>
-                  <a:schemeClr val="bg1"/>
-                </a:solidFill>
-                <a:latin typeface="源ノ角ゴシック Code JP L" panose="020B0300000000000000" pitchFamily="34" charset="-128"/>
-                <a:ea typeface="源ノ角ゴシック Code JP L" panose="020B0300000000000000" pitchFamily="34" charset="-128"/>
-              </a:rPr>
-              <a:t>、コート</a:t>
-            </a:r>
-            <a:r>
-              <a:rPr lang="ja-JP" altLang="en-US" sz="1200" dirty="0">
-                <a:solidFill>
-                  <a:schemeClr val="bg1"/>
-                </a:solidFill>
-                <a:latin typeface="源ノ角ゴシック Code JP L" panose="020B0300000000000000" pitchFamily="34" charset="-128"/>
-                <a:ea typeface="源ノ角ゴシック Code JP L" panose="020B0300000000000000" pitchFamily="34" charset="-128"/>
-              </a:rPr>
-              <a:t>の中心方向に移動</a:t>
-            </a:r>
-            <a:r>
-              <a:rPr lang="ja-JP" altLang="en-US" sz="1200" dirty="0" smtClean="0">
-                <a:solidFill>
-                  <a:schemeClr val="bg1"/>
-                </a:solidFill>
-                <a:latin typeface="源ノ角ゴシック Code JP L" panose="020B0300000000000000" pitchFamily="34" charset="-128"/>
-                <a:ea typeface="源ノ角ゴシック Code JP L" panose="020B0300000000000000" pitchFamily="34" charset="-128"/>
-              </a:rPr>
-              <a:t>する</a:t>
-            </a:r>
-            <a:endParaRPr lang="en-US" altLang="ja-JP" sz="1200" dirty="0" smtClean="0">
-              <a:solidFill>
-                <a:schemeClr val="bg1"/>
-              </a:solidFill>
-              <a:latin typeface="源ノ角ゴシック Code JP L" panose="020B0300000000000000" pitchFamily="34" charset="-128"/>
-              <a:ea typeface="源ノ角ゴシック Code JP L" panose="020B0300000000000000" pitchFamily="34" charset="-128"/>
-            </a:endParaRPr>
-          </a:p>
-          <a:p>
-            <a:r>
-              <a:rPr lang="ja-JP" altLang="en-US" sz="1200" dirty="0" smtClean="0">
-                <a:solidFill>
-                  <a:schemeClr val="bg1"/>
-                </a:solidFill>
-                <a:latin typeface="源ノ角ゴシック Code JP L" panose="020B0300000000000000" pitchFamily="34" charset="-128"/>
-                <a:ea typeface="源ノ角ゴシック Code JP L" panose="020B0300000000000000" pitchFamily="34" charset="-128"/>
-              </a:rPr>
-              <a:t>アルゴリズムを実装</a:t>
-            </a:r>
-            <a:r>
-              <a:rPr lang="ja-JP" altLang="en-US" sz="1200" dirty="0">
-                <a:solidFill>
-                  <a:schemeClr val="bg1"/>
-                </a:solidFill>
-                <a:latin typeface="源ノ角ゴシック Code JP L" panose="020B0300000000000000" pitchFamily="34" charset="-128"/>
-                <a:ea typeface="源ノ角ゴシック Code JP L" panose="020B0300000000000000" pitchFamily="34" charset="-128"/>
-              </a:rPr>
-              <a:t>しました</a:t>
-            </a:r>
-            <a:r>
-              <a:rPr lang="ja-JP" altLang="en-US" sz="1200" dirty="0" smtClean="0">
-                <a:solidFill>
-                  <a:schemeClr val="bg1"/>
-                </a:solidFill>
-                <a:latin typeface="源ノ角ゴシック Code JP L" panose="020B0300000000000000" pitchFamily="34" charset="-128"/>
-                <a:ea typeface="源ノ角ゴシック Code JP L" panose="020B0300000000000000" pitchFamily="34" charset="-128"/>
-              </a:rPr>
-              <a:t>。常に</a:t>
-            </a:r>
-            <a:endParaRPr lang="en-US" altLang="ja-JP" sz="1200" dirty="0" smtClean="0">
-              <a:solidFill>
-                <a:schemeClr val="bg1"/>
-              </a:solidFill>
-              <a:latin typeface="源ノ角ゴシック Code JP L" panose="020B0300000000000000" pitchFamily="34" charset="-128"/>
-              <a:ea typeface="源ノ角ゴシック Code JP L" panose="020B0300000000000000" pitchFamily="34" charset="-128"/>
-            </a:endParaRPr>
-          </a:p>
-          <a:p>
-            <a:r>
-              <a:rPr lang="ja-JP" altLang="en-US" sz="1200" dirty="0" smtClean="0">
-                <a:solidFill>
-                  <a:schemeClr val="bg1"/>
-                </a:solidFill>
-                <a:latin typeface="源ノ角ゴシック Code JP L" panose="020B0300000000000000" pitchFamily="34" charset="-128"/>
-                <a:ea typeface="源ノ角ゴシック Code JP L" panose="020B0300000000000000" pitchFamily="34" charset="-128"/>
-              </a:rPr>
-              <a:t>カメラ</a:t>
-            </a:r>
-            <a:r>
-              <a:rPr lang="ja-JP" altLang="en-US" sz="1200" dirty="0">
-                <a:solidFill>
-                  <a:schemeClr val="bg1"/>
-                </a:solidFill>
-                <a:latin typeface="源ノ角ゴシック Code JP L" panose="020B0300000000000000" pitchFamily="34" charset="-128"/>
-                <a:ea typeface="源ノ角ゴシック Code JP L" panose="020B0300000000000000" pitchFamily="34" charset="-128"/>
-              </a:rPr>
-              <a:t>でコート</a:t>
-            </a:r>
-            <a:r>
-              <a:rPr lang="ja-JP" altLang="en-US" sz="1200" dirty="0" smtClean="0">
-                <a:solidFill>
-                  <a:schemeClr val="bg1"/>
-                </a:solidFill>
-                <a:latin typeface="源ノ角ゴシック Code JP L" panose="020B0300000000000000" pitchFamily="34" charset="-128"/>
-                <a:ea typeface="源ノ角ゴシック Code JP L" panose="020B0300000000000000" pitchFamily="34" charset="-128"/>
-              </a:rPr>
-              <a:t>の中心を取り続け、</a:t>
-            </a:r>
-            <a:endParaRPr lang="en-US" altLang="ja-JP" sz="1200" dirty="0" smtClean="0">
-              <a:solidFill>
-                <a:schemeClr val="bg1"/>
-              </a:solidFill>
-              <a:latin typeface="源ノ角ゴシック Code JP L" panose="020B0300000000000000" pitchFamily="34" charset="-128"/>
-              <a:ea typeface="源ノ角ゴシック Code JP L" panose="020B0300000000000000" pitchFamily="34" charset="-128"/>
-            </a:endParaRPr>
-          </a:p>
-          <a:p>
-            <a:r>
-              <a:rPr lang="ja-JP" altLang="en-US" sz="1200" dirty="0" smtClean="0">
-                <a:solidFill>
-                  <a:schemeClr val="bg1"/>
-                </a:solidFill>
-                <a:latin typeface="源ノ角ゴシック Code JP L" panose="020B0300000000000000" pitchFamily="34" charset="-128"/>
-                <a:ea typeface="源ノ角ゴシック Code JP L" panose="020B0300000000000000" pitchFamily="34" charset="-128"/>
-              </a:rPr>
-              <a:t>ロボット</a:t>
-            </a:r>
-            <a:r>
-              <a:rPr lang="ja-JP" altLang="en-US" sz="1200" dirty="0">
-                <a:solidFill>
-                  <a:schemeClr val="bg1"/>
-                </a:solidFill>
-                <a:latin typeface="源ノ角ゴシック Code JP L" panose="020B0300000000000000" pitchFamily="34" charset="-128"/>
-                <a:ea typeface="源ノ角ゴシック Code JP L" panose="020B0300000000000000" pitchFamily="34" charset="-128"/>
-              </a:rPr>
-              <a:t>から</a:t>
-            </a:r>
-            <a:r>
-              <a:rPr lang="ja-JP" altLang="en-US" sz="1200" dirty="0" smtClean="0">
-                <a:solidFill>
-                  <a:schemeClr val="bg1"/>
-                </a:solidFill>
-                <a:latin typeface="源ノ角ゴシック Code JP L" panose="020B0300000000000000" pitchFamily="34" charset="-128"/>
-                <a:ea typeface="源ノ角ゴシック Code JP L" panose="020B0300000000000000" pitchFamily="34" charset="-128"/>
-              </a:rPr>
-              <a:t>コートの中心</a:t>
-            </a:r>
-            <a:r>
-              <a:rPr lang="ja-JP" altLang="en-US" sz="1200" dirty="0">
-                <a:solidFill>
-                  <a:schemeClr val="bg1"/>
-                </a:solidFill>
-                <a:latin typeface="源ノ角ゴシック Code JP L" panose="020B0300000000000000" pitchFamily="34" charset="-128"/>
-                <a:ea typeface="源ノ角ゴシック Code JP L" panose="020B0300000000000000" pitchFamily="34" charset="-128"/>
-              </a:rPr>
-              <a:t>へ</a:t>
-            </a:r>
-            <a:r>
-              <a:rPr lang="ja-JP" altLang="en-US" sz="1200" dirty="0" smtClean="0">
-                <a:solidFill>
-                  <a:schemeClr val="bg1"/>
-                </a:solidFill>
-                <a:latin typeface="源ノ角ゴシック Code JP L" panose="020B0300000000000000" pitchFamily="34" charset="-128"/>
-                <a:ea typeface="源ノ角ゴシック Code JP L" panose="020B0300000000000000" pitchFamily="34" charset="-128"/>
-              </a:rPr>
-              <a:t>の角度を</a:t>
-            </a:r>
-            <a:endParaRPr lang="en-US" altLang="ja-JP" sz="1200" dirty="0" smtClean="0">
-              <a:solidFill>
-                <a:schemeClr val="bg1"/>
-              </a:solidFill>
-              <a:latin typeface="源ノ角ゴシック Code JP L" panose="020B0300000000000000" pitchFamily="34" charset="-128"/>
-              <a:ea typeface="源ノ角ゴシック Code JP L" panose="020B0300000000000000" pitchFamily="34" charset="-128"/>
-            </a:endParaRPr>
-          </a:p>
-          <a:p>
-            <a:r>
-              <a:rPr lang="ja-JP" altLang="en-US" sz="1200" dirty="0" smtClean="0">
-                <a:solidFill>
-                  <a:schemeClr val="bg1"/>
-                </a:solidFill>
-                <a:latin typeface="源ノ角ゴシック Code JP L" panose="020B0300000000000000" pitchFamily="34" charset="-128"/>
-                <a:ea typeface="源ノ角ゴシック Code JP L" panose="020B0300000000000000" pitchFamily="34" charset="-128"/>
-              </a:rPr>
-              <a:t>算出することによって</a:t>
-            </a:r>
-            <a:r>
-              <a:rPr lang="ja-JP" altLang="en-US" sz="1200" dirty="0">
-                <a:solidFill>
-                  <a:schemeClr val="bg1"/>
-                </a:solidFill>
-                <a:latin typeface="源ノ角ゴシック Code JP L" panose="020B0300000000000000" pitchFamily="34" charset="-128"/>
-                <a:ea typeface="源ノ角ゴシック Code JP L" panose="020B0300000000000000" pitchFamily="34" charset="-128"/>
-              </a:rPr>
-              <a:t>ラインが</a:t>
-            </a:r>
-            <a:r>
-              <a:rPr lang="ja-JP" altLang="en-US" sz="1200" dirty="0" smtClean="0">
-                <a:solidFill>
-                  <a:schemeClr val="bg1"/>
-                </a:solidFill>
-                <a:latin typeface="源ノ角ゴシック Code JP L" panose="020B0300000000000000" pitchFamily="34" charset="-128"/>
-                <a:ea typeface="源ノ角ゴシック Code JP L" panose="020B0300000000000000" pitchFamily="34" charset="-128"/>
-              </a:rPr>
-              <a:t>反応</a:t>
-            </a:r>
-            <a:endParaRPr lang="en-US" altLang="ja-JP" sz="1200" dirty="0" smtClean="0">
-              <a:solidFill>
-                <a:schemeClr val="bg1"/>
-              </a:solidFill>
-              <a:latin typeface="源ノ角ゴシック Code JP L" panose="020B0300000000000000" pitchFamily="34" charset="-128"/>
-              <a:ea typeface="源ノ角ゴシック Code JP L" panose="020B0300000000000000" pitchFamily="34" charset="-128"/>
-            </a:endParaRPr>
-          </a:p>
-          <a:p>
-            <a:r>
-              <a:rPr lang="ja-JP" altLang="en-US" sz="1200" dirty="0" smtClean="0">
-                <a:solidFill>
-                  <a:schemeClr val="bg1"/>
-                </a:solidFill>
-                <a:latin typeface="源ノ角ゴシック Code JP L" panose="020B0300000000000000" pitchFamily="34" charset="-128"/>
-                <a:ea typeface="源ノ角ゴシック Code JP L" panose="020B0300000000000000" pitchFamily="34" charset="-128"/>
-              </a:rPr>
-              <a:t>したときに</a:t>
-            </a:r>
-            <a:r>
-              <a:rPr lang="ja-JP" altLang="en-US" sz="1200" dirty="0">
-                <a:solidFill>
-                  <a:schemeClr val="bg1"/>
-                </a:solidFill>
-                <a:latin typeface="源ノ角ゴシック Code JP L" panose="020B0300000000000000" pitchFamily="34" charset="-128"/>
-                <a:ea typeface="源ノ角ゴシック Code JP L" panose="020B0300000000000000" pitchFamily="34" charset="-128"/>
-              </a:rPr>
-              <a:t>コートの中心方向へ移動</a:t>
-            </a:r>
-            <a:r>
-              <a:rPr lang="ja-JP" altLang="en-US" sz="1200" dirty="0" smtClean="0">
-                <a:solidFill>
-                  <a:schemeClr val="bg1"/>
-                </a:solidFill>
-                <a:latin typeface="源ノ角ゴシック Code JP L" panose="020B0300000000000000" pitchFamily="34" charset="-128"/>
-                <a:ea typeface="源ノ角ゴシック Code JP L" panose="020B0300000000000000" pitchFamily="34" charset="-128"/>
-              </a:rPr>
-              <a:t>する</a:t>
-            </a:r>
-            <a:endParaRPr lang="en-US" altLang="ja-JP" sz="1200" dirty="0" smtClean="0">
-              <a:solidFill>
-                <a:schemeClr val="bg1"/>
-              </a:solidFill>
-              <a:latin typeface="源ノ角ゴシック Code JP L" panose="020B0300000000000000" pitchFamily="34" charset="-128"/>
-              <a:ea typeface="源ノ角ゴシック Code JP L" panose="020B0300000000000000" pitchFamily="34" charset="-128"/>
-            </a:endParaRPr>
-          </a:p>
-          <a:p>
-            <a:r>
-              <a:rPr lang="ja-JP" altLang="en-US" sz="1200" dirty="0" smtClean="0">
-                <a:solidFill>
-                  <a:schemeClr val="bg1"/>
-                </a:solidFill>
-                <a:latin typeface="源ノ角ゴシック Code JP L" panose="020B0300000000000000" pitchFamily="34" charset="-128"/>
-                <a:ea typeface="源ノ角ゴシック Code JP L" panose="020B0300000000000000" pitchFamily="34" charset="-128"/>
-              </a:rPr>
-              <a:t>こと</a:t>
-            </a:r>
-            <a:r>
-              <a:rPr lang="ja-JP" altLang="en-US" sz="1200" dirty="0">
-                <a:solidFill>
-                  <a:schemeClr val="bg1"/>
-                </a:solidFill>
-                <a:latin typeface="源ノ角ゴシック Code JP L" panose="020B0300000000000000" pitchFamily="34" charset="-128"/>
-                <a:ea typeface="源ノ角ゴシック Code JP L" panose="020B0300000000000000" pitchFamily="34" charset="-128"/>
-              </a:rPr>
-              <a:t>が可能になるだけ</a:t>
-            </a:r>
-            <a:r>
-              <a:rPr lang="ja-JP" altLang="en-US" sz="1200" dirty="0" smtClean="0">
-                <a:solidFill>
-                  <a:schemeClr val="bg1"/>
-                </a:solidFill>
-                <a:latin typeface="源ノ角ゴシック Code JP L" panose="020B0300000000000000" pitchFamily="34" charset="-128"/>
-                <a:ea typeface="源ノ角ゴシック Code JP L" panose="020B0300000000000000" pitchFamily="34" charset="-128"/>
-              </a:rPr>
-              <a:t>でなく、</a:t>
-            </a:r>
-            <a:endParaRPr lang="en-US" altLang="ja-JP" sz="1200" dirty="0" smtClean="0">
-              <a:solidFill>
-                <a:schemeClr val="bg1"/>
-              </a:solidFill>
-              <a:latin typeface="源ノ角ゴシック Code JP L" panose="020B0300000000000000" pitchFamily="34" charset="-128"/>
-              <a:ea typeface="源ノ角ゴシック Code JP L" panose="020B0300000000000000" pitchFamily="34" charset="-128"/>
-            </a:endParaRPr>
-          </a:p>
-          <a:p>
-            <a:r>
-              <a:rPr lang="ja-JP" altLang="en-US" sz="1200" dirty="0" smtClean="0">
-                <a:solidFill>
-                  <a:schemeClr val="bg1"/>
-                </a:solidFill>
-                <a:latin typeface="源ノ角ゴシック Code JP L" panose="020B0300000000000000" pitchFamily="34" charset="-128"/>
-                <a:ea typeface="源ノ角ゴシック Code JP L" panose="020B0300000000000000" pitchFamily="34" charset="-128"/>
-              </a:rPr>
-              <a:t>ラインにどの</a:t>
-            </a:r>
-            <a:r>
-              <a:rPr lang="ja-JP" altLang="en-US" sz="1200" dirty="0">
-                <a:solidFill>
-                  <a:schemeClr val="bg1"/>
-                </a:solidFill>
-                <a:latin typeface="源ノ角ゴシック Code JP L" panose="020B0300000000000000" pitchFamily="34" charset="-128"/>
-                <a:ea typeface="源ノ角ゴシック Code JP L" panose="020B0300000000000000" pitchFamily="34" charset="-128"/>
-              </a:rPr>
-              <a:t>角度で乗って</a:t>
-            </a:r>
-            <a:r>
-              <a:rPr lang="ja-JP" altLang="en-US" sz="1200" dirty="0" smtClean="0">
-                <a:solidFill>
-                  <a:schemeClr val="bg1"/>
-                </a:solidFill>
-                <a:latin typeface="源ノ角ゴシック Code JP L" panose="020B0300000000000000" pitchFamily="34" charset="-128"/>
-                <a:ea typeface="源ノ角ゴシック Code JP L" panose="020B0300000000000000" pitchFamily="34" charset="-128"/>
-              </a:rPr>
-              <a:t>も</a:t>
-            </a:r>
-            <a:endParaRPr lang="en-US" altLang="ja-JP" sz="1200" dirty="0" smtClean="0">
-              <a:solidFill>
-                <a:schemeClr val="bg1"/>
-              </a:solidFill>
-              <a:latin typeface="源ノ角ゴシック Code JP L" panose="020B0300000000000000" pitchFamily="34" charset="-128"/>
-              <a:ea typeface="源ノ角ゴシック Code JP L" panose="020B0300000000000000" pitchFamily="34" charset="-128"/>
-            </a:endParaRPr>
-          </a:p>
-          <a:p>
-            <a:r>
-              <a:rPr lang="ja-JP" altLang="en-US" sz="1200" dirty="0" smtClean="0">
-                <a:solidFill>
-                  <a:schemeClr val="bg1"/>
-                </a:solidFill>
-                <a:latin typeface="源ノ角ゴシック Code JP L" panose="020B0300000000000000" pitchFamily="34" charset="-128"/>
-                <a:ea typeface="源ノ角ゴシック Code JP L" panose="020B0300000000000000" pitchFamily="34" charset="-128"/>
-              </a:rPr>
-              <a:t>正確にコート内</a:t>
-            </a:r>
-            <a:r>
-              <a:rPr lang="ja-JP" altLang="en-US" sz="1200" dirty="0">
-                <a:solidFill>
-                  <a:schemeClr val="bg1"/>
-                </a:solidFill>
-                <a:latin typeface="源ノ角ゴシック Code JP L" panose="020B0300000000000000" pitchFamily="34" charset="-128"/>
-                <a:ea typeface="源ノ角ゴシック Code JP L" panose="020B0300000000000000" pitchFamily="34" charset="-128"/>
-              </a:rPr>
-              <a:t>に</a:t>
-            </a:r>
-            <a:r>
-              <a:rPr lang="ja-JP" altLang="en-US" sz="1200" dirty="0" smtClean="0">
-                <a:solidFill>
-                  <a:schemeClr val="bg1"/>
-                </a:solidFill>
-                <a:latin typeface="源ノ角ゴシック Code JP L" panose="020B0300000000000000" pitchFamily="34" charset="-128"/>
-                <a:ea typeface="源ノ角ゴシック Code JP L" panose="020B0300000000000000" pitchFamily="34" charset="-128"/>
-              </a:rPr>
-              <a:t>移動する</a:t>
-            </a:r>
-            <a:r>
-              <a:rPr lang="ja-JP" altLang="en-US" sz="1200" dirty="0">
-                <a:solidFill>
-                  <a:schemeClr val="bg1"/>
-                </a:solidFill>
-                <a:latin typeface="源ノ角ゴシック Code JP L" panose="020B0300000000000000" pitchFamily="34" charset="-128"/>
-                <a:ea typeface="源ノ角ゴシック Code JP L" panose="020B0300000000000000" pitchFamily="34" charset="-128"/>
-              </a:rPr>
-              <a:t>ことが可能になりました。</a:t>
-            </a:r>
-          </a:p>
-        </p:txBody>
-      </p:sp>
-      <p:sp>
-        <p:nvSpPr>
-          <p:cNvPr id="232" name="角丸四角形 231"/>
-          <p:cNvSpPr/>
-          <p:nvPr/>
-        </p:nvSpPr>
-        <p:spPr>
-          <a:xfrm>
-            <a:off x="2359934" y="5740850"/>
-            <a:ext cx="1592544" cy="1490415"/>
-          </a:xfrm>
-          <a:prstGeom prst="roundRect">
-            <a:avLst>
-              <a:gd name="adj" fmla="val 8185"/>
-            </a:avLst>
-          </a:prstGeom>
-          <a:solidFill>
-            <a:schemeClr val="bg2">
-              <a:lumMod val="25000"/>
-            </a:schemeClr>
-          </a:solidFill>
-        </p:spPr>
-        <p:style>
-          <a:lnRef idx="2">
-            <a:schemeClr val="dk1">
-              <a:shade val="50000"/>
-            </a:schemeClr>
-          </a:lnRef>
-          <a:fillRef idx="1">
-            <a:schemeClr val="dk1"/>
-          </a:fillRef>
-          <a:effectRef idx="0">
-            <a:schemeClr val="dk1"/>
-          </a:effectRef>
-          <a:fontRef idx="minor">
-            <a:schemeClr val="lt1"/>
-          </a:fontRef>
-        </p:style>
-        <p:txBody>
-          <a:bodyPr rot="0" spcFirstLastPara="0" vertOverflow="overflow" horzOverflow="overflow" vert="horz" wrap="square" lIns="101827" tIns="50913" rIns="101827" bIns="50913" numCol="1" spcCol="0" rtlCol="0" fromWordArt="0" anchor="ctr" anchorCtr="0" forceAA="0" compatLnSpc="1">
-            <a:prstTxWarp prst="textNoShape">
-              <a:avLst/>
-            </a:prstTxWarp>
-            <a:noAutofit/>
-          </a:bodyPr>
-          <a:lstStyle/>
-          <a:p>
-            <a:pPr algn="ctr"/>
-            <a:endParaRPr lang="ja-JP" altLang="en-US" sz="3086"/>
-          </a:p>
-        </p:txBody>
-      </p:sp>
-      <p:pic>
-        <p:nvPicPr>
-          <p:cNvPr id="231" name="図 230"/>
-          <p:cNvPicPr>
-            <a:picLocks noChangeAspect="1"/>
-          </p:cNvPicPr>
-          <p:nvPr/>
-        </p:nvPicPr>
-        <p:blipFill>
-          <a:blip r:embed="rId9" cstate="print">
-            <a:extLst>
-              <a:ext uri="{28A0092B-C50C-407E-A947-70E740481C1C}">
-                <a14:useLocalDpi xmlns:a14="http://schemas.microsoft.com/office/drawing/2010/main" val="0"/>
-              </a:ext>
-            </a:extLst>
-          </a:blip>
-          <a:stretch>
-            <a:fillRect/>
-          </a:stretch>
-        </p:blipFill>
-        <p:spPr>
-          <a:xfrm rot="10800000">
-            <a:off x="2303397" y="5785898"/>
-            <a:ext cx="1763935" cy="1418747"/>
-          </a:xfrm>
-          <a:prstGeom prst="rect">
-            <a:avLst/>
-          </a:prstGeom>
-        </p:spPr>
-      </p:pic>
+              <a:t>正確にコート内に移動することが可能になりました。</a:t>
+            </a:r>
+          </a:p>
+        </p:txBody>
+      </p:sp>
       <p:sp>
         <p:nvSpPr>
           <p:cNvPr id="233" name="テキスト ボックス 232"/>
@@ -13809,37 +12890,7 @@
                 <a:latin typeface="源ノ角ゴシック Code JP M" panose="020B0600000000000000" pitchFamily="34" charset="-128"/>
                 <a:ea typeface="源ノ角ゴシック Code JP M" panose="020B0600000000000000" pitchFamily="34" charset="-128"/>
               </a:rPr>
-              <a:t>ボールセンサ</a:t>
-            </a:r>
-            <a:r>
-              <a:rPr lang="ja-JP" altLang="en-US" sz="2000" dirty="0" smtClean="0">
-                <a:solidFill>
-                  <a:schemeClr val="bg1"/>
-                </a:solidFill>
-                <a:latin typeface="源ノ角ゴシック Code JP M" panose="020B0600000000000000" pitchFamily="34" charset="-128"/>
-                <a:ea typeface="源ノ角ゴシック Code JP M" panose="020B0600000000000000" pitchFamily="34" charset="-128"/>
-              </a:rPr>
-              <a:t>の</a:t>
-            </a:r>
-            <a:r>
-              <a:rPr lang="ja-JP" altLang="en-US" sz="2000" dirty="0">
-                <a:solidFill>
-                  <a:schemeClr val="bg1"/>
-                </a:solidFill>
-                <a:latin typeface="源ノ角ゴシック Code JP M" panose="020B0600000000000000" pitchFamily="34" charset="-128"/>
-                <a:ea typeface="源ノ角ゴシック Code JP M" panose="020B0600000000000000" pitchFamily="34" charset="-128"/>
-              </a:rPr>
-              <a:t>制御 </a:t>
-            </a:r>
-            <a:r>
-              <a:rPr lang="ja-JP" altLang="en-US" sz="2000" dirty="0" smtClean="0">
-                <a:solidFill>
-                  <a:schemeClr val="bg1"/>
-                </a:solidFill>
-                <a:latin typeface="源ノ角ゴシック Code JP M" panose="020B0600000000000000" pitchFamily="34" charset="-128"/>
-                <a:ea typeface="源ノ角ゴシック Code JP M" panose="020B0600000000000000" pitchFamily="34" charset="-128"/>
-              </a:rPr>
-              <a:t> </a:t>
+              <a:t>ボールセンサの制御  </a:t>
             </a:r>
             <a:r>
               <a:rPr lang="ja-JP" altLang="en-US" sz="1200" dirty="0">
@@ -13851,7 +12902,7 @@
               </a:rPr>
               <a:t>　　</a:t>
             </a:r>
-            <a:endParaRPr lang="en-US" altLang="ja-JP" sz="1200" dirty="0" smtClean="0">
+            <a:endParaRPr lang="en-US" altLang="ja-JP" sz="1200" dirty="0">
               <a:solidFill>
                 <a:schemeClr val="bg1"/>
               </a:solidFill>
@@ -13868,18 +12919,36 @@
                 <a:latin typeface="源ノ角ゴシック Code JP L" panose="020B0300000000000000" pitchFamily="34" charset="-128"/>
                 <a:ea typeface="源ノ角ゴシック Code JP L" panose="020B0300000000000000" pitchFamily="34" charset="-128"/>
               </a:rPr>
-              <a:t>今まで</a:t>
-            </a:r>
-            <a:r>
-              <a:rPr lang="ja-JP" altLang="en-US" sz="1200" dirty="0" smtClean="0">
+              <a:t>今まではボールセンサーをすべて</a:t>
+            </a:r>
+            <a:endParaRPr lang="en-US" altLang="ja-JP" sz="1200" dirty="0">
+              <a:solidFill>
+                <a:schemeClr val="bg1"/>
+              </a:solidFill>
+              <a:latin typeface="源ノ角ゴシック Code JP L" panose="020B0300000000000000" pitchFamily="34" charset="-128"/>
+              <a:ea typeface="源ノ角ゴシック Code JP L" panose="020B0300000000000000" pitchFamily="34" charset="-128"/>
+            </a:endParaRPr>
+          </a:p>
+          <a:p>
+            <a:r>
+              <a:rPr lang="ja-JP" altLang="en-US" sz="1200" dirty="0">
                 <a:solidFill>
                   <a:schemeClr val="bg1"/>
                 </a:solidFill>
                 <a:latin typeface="源ノ角ゴシック Code JP L" panose="020B0300000000000000" pitchFamily="34" charset="-128"/>
                 <a:ea typeface="源ノ角ゴシック Code JP L" panose="020B0300000000000000" pitchFamily="34" charset="-128"/>
               </a:rPr>
-              <a:t>はボールセンサー</a:t>
-            </a:r>
+              <a:t>メインマイコンに接続し、反応したものの組み合わせで移動方向を判断する制御方法を使用してきました。今シーズンからボールセンサーを一度別マイコンに接続し、各ボールセンサの反応値から</a:t>
+            </a:r>
+            <a:endParaRPr lang="en-US" altLang="ja-JP" sz="1200" dirty="0">
+              <a:solidFill>
+                <a:schemeClr val="bg1"/>
+              </a:solidFill>
+              <a:latin typeface="源ノ角ゴシック Code JP L" panose="020B0300000000000000" pitchFamily="34" charset="-128"/>
+              <a:ea typeface="源ノ角ゴシック Code JP L" panose="020B0300000000000000" pitchFamily="34" charset="-128"/>
+            </a:endParaRPr>
+          </a:p>
+          <a:p>
             <a:r>
               <a:rPr lang="ja-JP" altLang="en-US" sz="1200" dirty="0">
                 <a:solidFill>
@@ -13888,19 +12957,28 @@
                 <a:latin typeface="源ノ角ゴシック Code JP L" panose="020B0300000000000000" pitchFamily="34" charset="-128"/>
                 <a:ea typeface="源ノ角ゴシック Code JP L" panose="020B0300000000000000" pitchFamily="34" charset="-128"/>
               </a:rPr>
-              <a:t>を</a:t>
-            </a:r>
-            <a:r>
-              <a:rPr lang="ja-JP" altLang="en-US" sz="1200" dirty="0" smtClean="0">
+              <a:t>ボールの角度を算出・出力し、</a:t>
+            </a:r>
+            <a:endParaRPr lang="en-US" altLang="ja-JP" sz="1200" dirty="0">
+              <a:solidFill>
+                <a:schemeClr val="bg1"/>
+              </a:solidFill>
+              <a:latin typeface="源ノ角ゴシック Code JP L" panose="020B0300000000000000" pitchFamily="34" charset="-128"/>
+              <a:ea typeface="源ノ角ゴシック Code JP L" panose="020B0300000000000000" pitchFamily="34" charset="-128"/>
+            </a:endParaRPr>
+          </a:p>
+          <a:p>
+            <a:r>
+              <a:rPr lang="ja-JP" altLang="en-US" sz="1200" dirty="0">
                 <a:solidFill>
                   <a:schemeClr val="bg1"/>
                 </a:solidFill>
                 <a:latin typeface="源ノ角ゴシック Code JP L" panose="020B0300000000000000" pitchFamily="34" charset="-128"/>
                 <a:ea typeface="源ノ角ゴシック Code JP L" panose="020B0300000000000000" pitchFamily="34" charset="-128"/>
               </a:rPr>
-              <a:t>すべて</a:t>
-            </a:r>
-            <a:endParaRPr lang="en-US" altLang="ja-JP" sz="1200" dirty="0" smtClean="0">
+              <a:t>それをもとに移動する制御方法に変更しました。センサーの数を</a:t>
+            </a:r>
+            <a:endParaRPr lang="en-US" altLang="ja-JP" sz="1200" dirty="0">
               <a:solidFill>
                 <a:schemeClr val="bg1"/>
               </a:solidFill>
@@ -13910,15 +12988,24 @@
           </a:p>
           <a:p>
             <a:r>
-              <a:rPr lang="ja-JP" altLang="en-US" sz="1200" dirty="0" smtClean="0">
+              <a:rPr lang="ja-JP" altLang="en-US" sz="1200" dirty="0">
                 <a:solidFill>
                   <a:schemeClr val="bg1"/>
                 </a:solidFill>
                 <a:latin typeface="源ノ角ゴシック Code JP L" panose="020B0300000000000000" pitchFamily="34" charset="-128"/>
                 <a:ea typeface="源ノ角ゴシック Code JP L" panose="020B0300000000000000" pitchFamily="34" charset="-128"/>
               </a:rPr>
-              <a:t>メインマイコンに接続</a:t>
-            </a:r>
+              <a:t>以前より追加したことで、より</a:t>
+            </a:r>
+            <a:endParaRPr lang="en-US" altLang="ja-JP" sz="1200" dirty="0">
+              <a:solidFill>
+                <a:schemeClr val="bg1"/>
+              </a:solidFill>
+              <a:latin typeface="源ノ角ゴシック Code JP L" panose="020B0300000000000000" pitchFamily="34" charset="-128"/>
+              <a:ea typeface="源ノ角ゴシック Code JP L" panose="020B0300000000000000" pitchFamily="34" charset="-128"/>
+            </a:endParaRPr>
+          </a:p>
+          <a:p>
             <a:r>
               <a:rPr lang="ja-JP" altLang="en-US" sz="1200" dirty="0">
                 <a:solidFill>
@@ -13927,323 +13014,7 @@
                 <a:latin typeface="源ノ角ゴシック Code JP L" panose="020B0300000000000000" pitchFamily="34" charset="-128"/>
                 <a:ea typeface="源ノ角ゴシック Code JP L" panose="020B0300000000000000" pitchFamily="34" charset="-128"/>
               </a:rPr>
-              <a:t>し、反応</a:t>
-            </a:r>
-            <a:r>
-              <a:rPr lang="ja-JP" altLang="en-US" sz="1200" dirty="0" smtClean="0">
-                <a:solidFill>
-                  <a:schemeClr val="bg1"/>
-                </a:solidFill>
-                <a:latin typeface="源ノ角ゴシック Code JP L" panose="020B0300000000000000" pitchFamily="34" charset="-128"/>
-                <a:ea typeface="源ノ角ゴシック Code JP L" panose="020B0300000000000000" pitchFamily="34" charset="-128"/>
-              </a:rPr>
-              <a:t>したものの組み合わせ</a:t>
-            </a:r>
-            <a:r>
-              <a:rPr lang="ja-JP" altLang="en-US" sz="1200" dirty="0">
-                <a:solidFill>
-                  <a:schemeClr val="bg1"/>
-                </a:solidFill>
-                <a:latin typeface="源ノ角ゴシック Code JP L" panose="020B0300000000000000" pitchFamily="34" charset="-128"/>
-                <a:ea typeface="源ノ角ゴシック Code JP L" panose="020B0300000000000000" pitchFamily="34" charset="-128"/>
-              </a:rPr>
-              <a:t>で移動方向を</a:t>
-            </a:r>
-            <a:r>
-              <a:rPr lang="ja-JP" altLang="en-US" sz="1200" dirty="0" smtClean="0">
-                <a:solidFill>
-                  <a:schemeClr val="bg1"/>
-                </a:solidFill>
-                <a:latin typeface="源ノ角ゴシック Code JP L" panose="020B0300000000000000" pitchFamily="34" charset="-128"/>
-                <a:ea typeface="源ノ角ゴシック Code JP L" panose="020B0300000000000000" pitchFamily="34" charset="-128"/>
-              </a:rPr>
-              <a:t>判断する制御</a:t>
-            </a:r>
-            <a:r>
-              <a:rPr lang="ja-JP" altLang="en-US" sz="1200" dirty="0">
-                <a:solidFill>
-                  <a:schemeClr val="bg1"/>
-                </a:solidFill>
-                <a:latin typeface="源ノ角ゴシック Code JP L" panose="020B0300000000000000" pitchFamily="34" charset="-128"/>
-                <a:ea typeface="源ノ角ゴシック Code JP L" panose="020B0300000000000000" pitchFamily="34" charset="-128"/>
-              </a:rPr>
-              <a:t>方法</a:t>
-            </a:r>
-            <a:r>
-              <a:rPr lang="ja-JP" altLang="en-US" sz="1200" dirty="0" smtClean="0">
-                <a:solidFill>
-                  <a:schemeClr val="bg1"/>
-                </a:solidFill>
-                <a:latin typeface="源ノ角ゴシック Code JP L" panose="020B0300000000000000" pitchFamily="34" charset="-128"/>
-                <a:ea typeface="源ノ角ゴシック Code JP L" panose="020B0300000000000000" pitchFamily="34" charset="-128"/>
-              </a:rPr>
-              <a:t>を使用</a:t>
-            </a:r>
-            <a:r>
-              <a:rPr lang="ja-JP" altLang="en-US" sz="1200" dirty="0">
-                <a:solidFill>
-                  <a:schemeClr val="bg1"/>
-                </a:solidFill>
-                <a:latin typeface="源ノ角ゴシック Code JP L" panose="020B0300000000000000" pitchFamily="34" charset="-128"/>
-                <a:ea typeface="源ノ角ゴシック Code JP L" panose="020B0300000000000000" pitchFamily="34" charset="-128"/>
-              </a:rPr>
-              <a:t>してきました</a:t>
-            </a:r>
-            <a:r>
-              <a:rPr lang="ja-JP" altLang="en-US" sz="1200" dirty="0" smtClean="0">
-                <a:solidFill>
-                  <a:schemeClr val="bg1"/>
-                </a:solidFill>
-                <a:latin typeface="源ノ角ゴシック Code JP L" panose="020B0300000000000000" pitchFamily="34" charset="-128"/>
-                <a:ea typeface="源ノ角ゴシック Code JP L" panose="020B0300000000000000" pitchFamily="34" charset="-128"/>
-              </a:rPr>
-              <a:t>。今</a:t>
-            </a:r>
-            <a:r>
-              <a:rPr lang="ja-JP" altLang="en-US" sz="1200" dirty="0">
-                <a:solidFill>
-                  <a:schemeClr val="bg1"/>
-                </a:solidFill>
-                <a:latin typeface="源ノ角ゴシック Code JP L" panose="020B0300000000000000" pitchFamily="34" charset="-128"/>
-                <a:ea typeface="源ノ角ゴシック Code JP L" panose="020B0300000000000000" pitchFamily="34" charset="-128"/>
-              </a:rPr>
-              <a:t>シーズン</a:t>
-            </a:r>
-            <a:r>
-              <a:rPr lang="ja-JP" altLang="en-US" sz="1200" dirty="0" smtClean="0">
-                <a:solidFill>
-                  <a:schemeClr val="bg1"/>
-                </a:solidFill>
-                <a:latin typeface="源ノ角ゴシック Code JP L" panose="020B0300000000000000" pitchFamily="34" charset="-128"/>
-                <a:ea typeface="源ノ角ゴシック Code JP L" panose="020B0300000000000000" pitchFamily="34" charset="-128"/>
-              </a:rPr>
-              <a:t>からボールセンサーを一度別</a:t>
-            </a:r>
-            <a:r>
-              <a:rPr lang="ja-JP" altLang="en-US" sz="1200" dirty="0">
-                <a:solidFill>
-                  <a:schemeClr val="bg1"/>
-                </a:solidFill>
-                <a:latin typeface="源ノ角ゴシック Code JP L" panose="020B0300000000000000" pitchFamily="34" charset="-128"/>
-                <a:ea typeface="源ノ角ゴシック Code JP L" panose="020B0300000000000000" pitchFamily="34" charset="-128"/>
-              </a:rPr>
-              <a:t>マイコンに接続</a:t>
-            </a:r>
-            <a:r>
-              <a:rPr lang="ja-JP" altLang="en-US" sz="1200" dirty="0" smtClean="0">
-                <a:solidFill>
-                  <a:schemeClr val="bg1"/>
-                </a:solidFill>
-                <a:latin typeface="源ノ角ゴシック Code JP L" panose="020B0300000000000000" pitchFamily="34" charset="-128"/>
-                <a:ea typeface="源ノ角ゴシック Code JP L" panose="020B0300000000000000" pitchFamily="34" charset="-128"/>
-              </a:rPr>
-              <a:t>し、各ボールセンサの反応値から</a:t>
-            </a:r>
-            <a:endParaRPr lang="en-US" altLang="ja-JP" sz="1200" dirty="0" smtClean="0">
-              <a:solidFill>
-                <a:schemeClr val="bg1"/>
-              </a:solidFill>
-              <a:latin typeface="源ノ角ゴシック Code JP L" panose="020B0300000000000000" pitchFamily="34" charset="-128"/>
-              <a:ea typeface="源ノ角ゴシック Code JP L" panose="020B0300000000000000" pitchFamily="34" charset="-128"/>
-            </a:endParaRPr>
-          </a:p>
-          <a:p>
-            <a:r>
-              <a:rPr lang="ja-JP" altLang="en-US" sz="1200" dirty="0" smtClean="0">
-                <a:solidFill>
-                  <a:schemeClr val="bg1"/>
-                </a:solidFill>
-                <a:latin typeface="源ノ角ゴシック Code JP L" panose="020B0300000000000000" pitchFamily="34" charset="-128"/>
-                <a:ea typeface="源ノ角ゴシック Code JP L" panose="020B0300000000000000" pitchFamily="34" charset="-128"/>
-              </a:rPr>
-              <a:t>ボールの角度を算出・出力</a:t>
-            </a:r>
-            <a:r>
-              <a:rPr lang="ja-JP" altLang="en-US" sz="1200" dirty="0">
-                <a:solidFill>
-                  <a:schemeClr val="bg1"/>
-                </a:solidFill>
-                <a:latin typeface="源ノ角ゴシック Code JP L" panose="020B0300000000000000" pitchFamily="34" charset="-128"/>
-                <a:ea typeface="源ノ角ゴシック Code JP L" panose="020B0300000000000000" pitchFamily="34" charset="-128"/>
-              </a:rPr>
-              <a:t>し</a:t>
-            </a:r>
-            <a:r>
-              <a:rPr lang="ja-JP" altLang="en-US" sz="1200" dirty="0" smtClean="0">
-                <a:solidFill>
-                  <a:schemeClr val="bg1"/>
-                </a:solidFill>
-                <a:latin typeface="源ノ角ゴシック Code JP L" panose="020B0300000000000000" pitchFamily="34" charset="-128"/>
-                <a:ea typeface="源ノ角ゴシック Code JP L" panose="020B0300000000000000" pitchFamily="34" charset="-128"/>
-              </a:rPr>
-              <a:t>、</a:t>
-            </a:r>
-            <a:endParaRPr lang="en-US" altLang="ja-JP" sz="1200" dirty="0" smtClean="0">
-              <a:solidFill>
-                <a:schemeClr val="bg1"/>
-              </a:solidFill>
-              <a:latin typeface="源ノ角ゴシック Code JP L" panose="020B0300000000000000" pitchFamily="34" charset="-128"/>
-              <a:ea typeface="源ノ角ゴシック Code JP L" panose="020B0300000000000000" pitchFamily="34" charset="-128"/>
-            </a:endParaRPr>
-          </a:p>
-          <a:p>
-            <a:r>
-              <a:rPr lang="ja-JP" altLang="en-US" sz="1200" dirty="0" smtClean="0">
-                <a:solidFill>
-                  <a:schemeClr val="bg1"/>
-                </a:solidFill>
-                <a:latin typeface="源ノ角ゴシック Code JP L" panose="020B0300000000000000" pitchFamily="34" charset="-128"/>
-                <a:ea typeface="源ノ角ゴシック Code JP L" panose="020B0300000000000000" pitchFamily="34" charset="-128"/>
-              </a:rPr>
-              <a:t>それ</a:t>
-            </a:r>
-            <a:r>
-              <a:rPr lang="ja-JP" altLang="en-US" sz="1200" dirty="0">
-                <a:solidFill>
-                  <a:schemeClr val="bg1"/>
-                </a:solidFill>
-                <a:latin typeface="源ノ角ゴシック Code JP L" panose="020B0300000000000000" pitchFamily="34" charset="-128"/>
-                <a:ea typeface="源ノ角ゴシック Code JP L" panose="020B0300000000000000" pitchFamily="34" charset="-128"/>
-              </a:rPr>
-              <a:t>をもと</a:t>
-            </a:r>
-            <a:r>
-              <a:rPr lang="ja-JP" altLang="en-US" sz="1200" dirty="0" smtClean="0">
-                <a:solidFill>
-                  <a:schemeClr val="bg1"/>
-                </a:solidFill>
-                <a:latin typeface="源ノ角ゴシック Code JP L" panose="020B0300000000000000" pitchFamily="34" charset="-128"/>
-                <a:ea typeface="源ノ角ゴシック Code JP L" panose="020B0300000000000000" pitchFamily="34" charset="-128"/>
-              </a:rPr>
-              <a:t>に移動する制御</a:t>
-            </a:r>
-            <a:r>
-              <a:rPr lang="ja-JP" altLang="en-US" sz="1200" dirty="0">
-                <a:solidFill>
-                  <a:schemeClr val="bg1"/>
-                </a:solidFill>
-                <a:latin typeface="源ノ角ゴシック Code JP L" panose="020B0300000000000000" pitchFamily="34" charset="-128"/>
-                <a:ea typeface="源ノ角ゴシック Code JP L" panose="020B0300000000000000" pitchFamily="34" charset="-128"/>
-              </a:rPr>
-              <a:t>方法に</a:t>
-            </a:r>
-            <a:r>
-              <a:rPr lang="ja-JP" altLang="en-US" sz="1200" dirty="0" smtClean="0">
-                <a:solidFill>
-                  <a:schemeClr val="bg1"/>
-                </a:solidFill>
-                <a:latin typeface="源ノ角ゴシック Code JP L" panose="020B0300000000000000" pitchFamily="34" charset="-128"/>
-                <a:ea typeface="源ノ角ゴシック Code JP L" panose="020B0300000000000000" pitchFamily="34" charset="-128"/>
-              </a:rPr>
-              <a:t>変更しました。センサーの数を</a:t>
-            </a:r>
-            <a:endParaRPr lang="en-US" altLang="ja-JP" sz="1200" dirty="0" smtClean="0">
-              <a:solidFill>
-                <a:schemeClr val="bg1"/>
-              </a:solidFill>
-              <a:latin typeface="源ノ角ゴシック Code JP L" panose="020B0300000000000000" pitchFamily="34" charset="-128"/>
-              <a:ea typeface="源ノ角ゴシック Code JP L" panose="020B0300000000000000" pitchFamily="34" charset="-128"/>
-            </a:endParaRPr>
-          </a:p>
-          <a:p>
-            <a:r>
-              <a:rPr lang="ja-JP" altLang="en-US" sz="1200" dirty="0" smtClean="0">
-                <a:solidFill>
-                  <a:schemeClr val="bg1"/>
-                </a:solidFill>
-                <a:latin typeface="源ノ角ゴシック Code JP L" panose="020B0300000000000000" pitchFamily="34" charset="-128"/>
-                <a:ea typeface="源ノ角ゴシック Code JP L" panose="020B0300000000000000" pitchFamily="34" charset="-128"/>
-              </a:rPr>
-              <a:t>以前</a:t>
-            </a:r>
-            <a:r>
-              <a:rPr lang="ja-JP" altLang="en-US" sz="1200" dirty="0">
-                <a:solidFill>
-                  <a:schemeClr val="bg1"/>
-                </a:solidFill>
-                <a:latin typeface="源ノ角ゴシック Code JP L" panose="020B0300000000000000" pitchFamily="34" charset="-128"/>
-                <a:ea typeface="源ノ角ゴシック Code JP L" panose="020B0300000000000000" pitchFamily="34" charset="-128"/>
-              </a:rPr>
-              <a:t>より追加</a:t>
-            </a:r>
-            <a:r>
-              <a:rPr lang="ja-JP" altLang="en-US" sz="1200" dirty="0" smtClean="0">
-                <a:solidFill>
-                  <a:schemeClr val="bg1"/>
-                </a:solidFill>
-                <a:latin typeface="源ノ角ゴシック Code JP L" panose="020B0300000000000000" pitchFamily="34" charset="-128"/>
-                <a:ea typeface="源ノ角ゴシック Code JP L" panose="020B0300000000000000" pitchFamily="34" charset="-128"/>
-              </a:rPr>
-              <a:t>したこと</a:t>
-            </a:r>
-            <a:r>
-              <a:rPr lang="ja-JP" altLang="en-US" sz="1200" dirty="0">
-                <a:solidFill>
-                  <a:schemeClr val="bg1"/>
-                </a:solidFill>
-                <a:latin typeface="源ノ角ゴシック Code JP L" panose="020B0300000000000000" pitchFamily="34" charset="-128"/>
-                <a:ea typeface="源ノ角ゴシック Code JP L" panose="020B0300000000000000" pitchFamily="34" charset="-128"/>
-              </a:rPr>
-              <a:t>で、</a:t>
-            </a:r>
-            <a:r>
-              <a:rPr lang="ja-JP" altLang="en-US" sz="1200" dirty="0" smtClean="0">
-                <a:solidFill>
-                  <a:schemeClr val="bg1"/>
-                </a:solidFill>
-                <a:latin typeface="源ノ角ゴシック Code JP L" panose="020B0300000000000000" pitchFamily="34" charset="-128"/>
-                <a:ea typeface="源ノ角ゴシック Code JP L" panose="020B0300000000000000" pitchFamily="34" charset="-128"/>
-              </a:rPr>
-              <a:t>より</a:t>
-            </a:r>
-            <a:endParaRPr lang="en-US" altLang="ja-JP" sz="1200" dirty="0" smtClean="0">
-              <a:solidFill>
-                <a:schemeClr val="bg1"/>
-              </a:solidFill>
-              <a:latin typeface="源ノ角ゴシック Code JP L" panose="020B0300000000000000" pitchFamily="34" charset="-128"/>
-              <a:ea typeface="源ノ角ゴシック Code JP L" panose="020B0300000000000000" pitchFamily="34" charset="-128"/>
-            </a:endParaRPr>
-          </a:p>
-          <a:p>
-            <a:r>
-              <a:rPr lang="ja-JP" altLang="en-US" sz="1200" dirty="0" smtClean="0">
-                <a:solidFill>
-                  <a:schemeClr val="bg1"/>
-                </a:solidFill>
-                <a:latin typeface="源ノ角ゴシック Code JP L" panose="020B0300000000000000" pitchFamily="34" charset="-128"/>
-                <a:ea typeface="源ノ角ゴシック Code JP L" panose="020B0300000000000000" pitchFamily="34" charset="-128"/>
-              </a:rPr>
-              <a:t>正確なボール</a:t>
-            </a:r>
-            <a:r>
-              <a:rPr lang="ja-JP" altLang="en-US" sz="1200" dirty="0">
-                <a:solidFill>
-                  <a:schemeClr val="bg1"/>
-                </a:solidFill>
-                <a:latin typeface="源ノ角ゴシック Code JP L" panose="020B0300000000000000" pitchFamily="34" charset="-128"/>
-                <a:ea typeface="源ノ角ゴシック Code JP L" panose="020B0300000000000000" pitchFamily="34" charset="-128"/>
-              </a:rPr>
-              <a:t>の</a:t>
-            </a:r>
-            <a:r>
-              <a:rPr lang="ja-JP" altLang="en-US" sz="1200" dirty="0" smtClean="0">
-                <a:solidFill>
-                  <a:schemeClr val="bg1"/>
-                </a:solidFill>
-                <a:latin typeface="源ノ角ゴシック Code JP L" panose="020B0300000000000000" pitchFamily="34" charset="-128"/>
-                <a:ea typeface="源ノ角ゴシック Code JP L" panose="020B0300000000000000" pitchFamily="34" charset="-128"/>
-              </a:rPr>
-              <a:t>位置の把握、回り込みができるように</a:t>
-            </a:r>
-            <a:r>
-              <a:rPr lang="ja-JP" altLang="en-US" sz="1200" dirty="0">
-                <a:solidFill>
-                  <a:schemeClr val="bg1"/>
-                </a:solidFill>
-                <a:latin typeface="源ノ角ゴシック Code JP L" panose="020B0300000000000000" pitchFamily="34" charset="-128"/>
-                <a:ea typeface="源ノ角ゴシック Code JP L" panose="020B0300000000000000" pitchFamily="34" charset="-128"/>
-              </a:rPr>
-              <a:t>なりました。</a:t>
+              <a:t>正確なボールの位置の把握、回り込みができるようになりました。</a:t>
             </a:r>
           </a:p>
         </p:txBody>
@@ -14257,7 +13028,7 @@
         <p:spPr>
           <a:xfrm>
             <a:off x="237203" y="7541968"/>
-            <a:ext cx="3934941" cy="2893100"/>
+            <a:ext cx="3934941" cy="2923877"/>
           </a:xfrm>
           <a:prstGeom prst="rect">
             <a:avLst/>
@@ -14271,24 +13042,14 @@
           <a:lstStyle/>
           <a:p>
             <a:r>
-              <a:rPr lang="ja-JP" altLang="en-US" sz="2800" dirty="0" smtClean="0">
+              <a:rPr lang="ja-JP" altLang="en-US" sz="2800" dirty="0">
                 <a:solidFill>
                   <a:schemeClr val="bg1"/>
                 </a:solidFill>
                 <a:latin typeface="源ノ角ゴシック Code JP M" panose="020B0600000000000000" pitchFamily="34" charset="-128"/>
                 <a:ea typeface="源ノ角ゴシック Code JP M" panose="020B0600000000000000" pitchFamily="34" charset="-128"/>
               </a:rPr>
-              <a:t>円形</a:t>
-            </a:r>
-            <a:r>
-              <a:rPr lang="ja-JP" altLang="en-US" sz="2800" dirty="0">
-                <a:solidFill>
-                  <a:schemeClr val="bg1"/>
-                </a:solidFill>
-                <a:latin typeface="源ノ角ゴシック Code JP M" panose="020B0600000000000000" pitchFamily="34" charset="-128"/>
-                <a:ea typeface="源ノ角ゴシック Code JP M" panose="020B0600000000000000" pitchFamily="34" charset="-128"/>
-              </a:rPr>
-              <a:t>ライン</a:t>
+              <a:t>円形ライン</a:t>
             </a:r>
             <a:r>
               <a:rPr lang="ja-JP" altLang="en-US" sz="1200" dirty="0">
@@ -14300,7 +13061,7 @@
               </a:rPr>
               <a:t>　　</a:t>
             </a:r>
-            <a:endParaRPr lang="en-US" altLang="ja-JP" sz="1200" dirty="0" smtClean="0">
+            <a:endParaRPr lang="en-US" altLang="ja-JP" sz="1200" dirty="0">
               <a:solidFill>
                 <a:schemeClr val="bg1"/>
               </a:solidFill>
@@ -14310,86 +13071,131 @@
           </a:p>
           <a:p>
             <a:r>
-              <a:rPr lang="ja-JP" altLang="en-US" sz="1400" dirty="0">
+              <a:rPr lang="ja-JP" altLang="en-US" sz="1300" dirty="0">
                 <a:solidFill>
                   <a:schemeClr val="bg1"/>
                 </a:solidFill>
                 <a:latin typeface="源ノ角ゴシック Code JP L" panose="020B0300000000000000" pitchFamily="34" charset="-128"/>
                 <a:ea typeface="源ノ角ゴシック Code JP L" panose="020B0300000000000000" pitchFamily="34" charset="-128"/>
               </a:rPr>
-              <a:t>今年は</a:t>
-            </a:r>
-            <a:r>
-              <a:rPr lang="ja-JP" altLang="en-US" sz="1400" dirty="0" smtClean="0">
+              <a:t>今年は、小サイズのラインセンサー数個から、センサー</a:t>
+            </a:r>
+            <a:r>
+              <a:rPr lang="en-US" altLang="ja-JP" sz="1300" dirty="0">
                 <a:solidFill>
                   <a:schemeClr val="bg1"/>
                 </a:solidFill>
                 <a:latin typeface="源ノ角ゴシック Code JP L" panose="020B0300000000000000" pitchFamily="34" charset="-128"/>
                 <a:ea typeface="源ノ角ゴシック Code JP L" panose="020B0300000000000000" pitchFamily="34" charset="-128"/>
               </a:rPr>
-              <a:t>、小サイズのラインセンサー</a:t>
-            </a:r>
-            <a:r>
-              <a:rPr lang="ja-JP" altLang="en-US" sz="1400" dirty="0">
+              <a:t>16</a:t>
+            </a:r>
+            <a:r>
+              <a:rPr lang="ja-JP" altLang="en-US" sz="1300" dirty="0">
                 <a:solidFill>
                   <a:schemeClr val="bg1"/>
                 </a:solidFill>
                 <a:latin typeface="源ノ角ゴシック Code JP L" panose="020B0300000000000000" pitchFamily="34" charset="-128"/>
                 <a:ea typeface="源ノ角ゴシック Code JP L" panose="020B0300000000000000" pitchFamily="34" charset="-128"/>
               </a:rPr>
-              <a:t>数個から、センサー</a:t>
-            </a:r>
-            <a:r>
-              <a:rPr lang="en-US" altLang="ja-JP" sz="1400" dirty="0">
+              <a:t>個を円形に配置したものに変更。円形することでどのような状態でもラインに</a:t>
+            </a:r>
+            <a:endParaRPr lang="en-US" altLang="ja-JP" sz="1300" dirty="0">
+              <a:solidFill>
+                <a:schemeClr val="bg1"/>
+              </a:solidFill>
+              <a:latin typeface="源ノ角ゴシック Code JP L" panose="020B0300000000000000" pitchFamily="34" charset="-128"/>
+              <a:ea typeface="源ノ角ゴシック Code JP L" panose="020B0300000000000000" pitchFamily="34" charset="-128"/>
+            </a:endParaRPr>
+          </a:p>
+          <a:p>
+            <a:r>
+              <a:rPr lang="ja-JP" altLang="en-US" sz="1300" dirty="0">
                 <a:solidFill>
                   <a:schemeClr val="bg1"/>
                 </a:solidFill>
                 <a:latin typeface="源ノ角ゴシック Code JP L" panose="020B0300000000000000" pitchFamily="34" charset="-128"/>
                 <a:ea typeface="源ノ角ゴシック Code JP L" panose="020B0300000000000000" pitchFamily="34" charset="-128"/>
               </a:rPr>
-              <a:t>16</a:t>
-            </a:r>
-            <a:r>
-              <a:rPr lang="ja-JP" altLang="en-US" sz="1400" dirty="0">
+              <a:t>反応するようになり</a:t>
+            </a:r>
+            <a:endParaRPr lang="en-US" altLang="ja-JP" sz="1300" dirty="0">
+              <a:solidFill>
+                <a:schemeClr val="bg1"/>
+              </a:solidFill>
+              <a:latin typeface="源ノ角ゴシック Code JP L" panose="020B0300000000000000" pitchFamily="34" charset="-128"/>
+              <a:ea typeface="源ノ角ゴシック Code JP L" panose="020B0300000000000000" pitchFamily="34" charset="-128"/>
+            </a:endParaRPr>
+          </a:p>
+          <a:p>
+            <a:r>
+              <a:rPr lang="ja-JP" altLang="en-US" sz="1300" dirty="0">
                 <a:solidFill>
                   <a:schemeClr val="bg1"/>
                 </a:solidFill>
                 <a:latin typeface="源ノ角ゴシック Code JP L" panose="020B0300000000000000" pitchFamily="34" charset="-128"/>
                 <a:ea typeface="源ノ角ゴシック Code JP L" panose="020B0300000000000000" pitchFamily="34" charset="-128"/>
               </a:rPr>
-              <a:t>個を円形に配置したものに変更</a:t>
-            </a:r>
-            <a:r>
-              <a:rPr lang="ja-JP" altLang="en-US" sz="1400" dirty="0" smtClean="0">
+              <a:t>ました。前年からの</a:t>
+            </a:r>
+            <a:endParaRPr lang="en-US" altLang="ja-JP" sz="1300" dirty="0">
+              <a:solidFill>
+                <a:schemeClr val="bg1"/>
+              </a:solidFill>
+              <a:latin typeface="源ノ角ゴシック Code JP L" panose="020B0300000000000000" pitchFamily="34" charset="-128"/>
+              <a:ea typeface="源ノ角ゴシック Code JP L" panose="020B0300000000000000" pitchFamily="34" charset="-128"/>
+            </a:endParaRPr>
+          </a:p>
+          <a:p>
+            <a:r>
+              <a:rPr lang="ja-JP" altLang="en-US" sz="1300" dirty="0">
                 <a:solidFill>
                   <a:schemeClr val="bg1"/>
                 </a:solidFill>
                 <a:latin typeface="源ノ角ゴシック Code JP L" panose="020B0300000000000000" pitchFamily="34" charset="-128"/>
                 <a:ea typeface="源ノ角ゴシック Code JP L" panose="020B0300000000000000" pitchFamily="34" charset="-128"/>
               </a:rPr>
-              <a:t>。円形する</a:t>
-            </a:r>
-            <a:r>
-              <a:rPr lang="ja-JP" altLang="en-US" sz="1400" dirty="0">
+              <a:t>課題の「スピードが</a:t>
+            </a:r>
+            <a:endParaRPr lang="en-US" altLang="ja-JP" sz="1300" dirty="0">
+              <a:solidFill>
+                <a:schemeClr val="bg1"/>
+              </a:solidFill>
+              <a:latin typeface="源ノ角ゴシック Code JP L" panose="020B0300000000000000" pitchFamily="34" charset="-128"/>
+              <a:ea typeface="源ノ角ゴシック Code JP L" panose="020B0300000000000000" pitchFamily="34" charset="-128"/>
+            </a:endParaRPr>
+          </a:p>
+          <a:p>
+            <a:r>
+              <a:rPr lang="ja-JP" altLang="en-US" sz="1300" dirty="0">
                 <a:solidFill>
                   <a:schemeClr val="bg1"/>
                 </a:solidFill>
                 <a:latin typeface="源ノ角ゴシック Code JP L" panose="020B0300000000000000" pitchFamily="34" charset="-128"/>
                 <a:ea typeface="源ノ角ゴシック Code JP L" panose="020B0300000000000000" pitchFamily="34" charset="-128"/>
               </a:rPr>
-              <a:t>こと</a:t>
-            </a:r>
-            <a:r>
-              <a:rPr lang="ja-JP" altLang="en-US" sz="1400" dirty="0" smtClean="0">
+              <a:t>速すぎてラインから</a:t>
+            </a:r>
+            <a:endParaRPr lang="en-US" altLang="ja-JP" sz="1300" dirty="0">
+              <a:solidFill>
+                <a:schemeClr val="bg1"/>
+              </a:solidFill>
+              <a:latin typeface="源ノ角ゴシック Code JP L" panose="020B0300000000000000" pitchFamily="34" charset="-128"/>
+              <a:ea typeface="源ノ角ゴシック Code JP L" panose="020B0300000000000000" pitchFamily="34" charset="-128"/>
+            </a:endParaRPr>
+          </a:p>
+          <a:p>
+            <a:r>
+              <a:rPr lang="ja-JP" altLang="en-US" sz="1300" dirty="0">
                 <a:solidFill>
                   <a:schemeClr val="bg1"/>
                 </a:solidFill>
                 <a:latin typeface="源ノ角ゴシック Code JP L" panose="020B0300000000000000" pitchFamily="34" charset="-128"/>
                 <a:ea typeface="源ノ角ゴシック Code JP L" panose="020B0300000000000000" pitchFamily="34" charset="-128"/>
               </a:rPr>
-              <a:t>でどのような状態でもラインに</a:t>
-            </a:r>
-            <a:endParaRPr lang="en-US" altLang="ja-JP" sz="1400" dirty="0" smtClean="0">
+              <a:t>出る」というのも</a:t>
+            </a:r>
+            <a:endParaRPr lang="en-US" altLang="ja-JP" sz="1300" dirty="0">
               <a:solidFill>
                 <a:schemeClr val="bg1"/>
               </a:solidFill>
@@ -14399,16 +13205,16 @@
           </a:p>
           <a:p>
             <a:r>
-              <a:rPr lang="ja-JP" altLang="en-US" sz="1400" dirty="0" smtClean="0">
+              <a:rPr lang="ja-JP" altLang="en-US" sz="1300" dirty="0">
                 <a:solidFill>
                   <a:schemeClr val="bg1"/>
                 </a:solidFill>
                 <a:latin typeface="源ノ角ゴシック Code JP L" panose="020B0300000000000000" pitchFamily="34" charset="-128"/>
                 <a:ea typeface="源ノ角ゴシック Code JP L" panose="020B0300000000000000" pitchFamily="34" charset="-128"/>
               </a:rPr>
-              <a:t>反応するようになり</a:t>
-            </a:r>
-            <a:endParaRPr lang="en-US" altLang="ja-JP" sz="1400" dirty="0" smtClean="0">
+              <a:t>解決し、スピードを</a:t>
+            </a:r>
+            <a:endParaRPr lang="en-US" altLang="ja-JP" sz="1300" dirty="0">
               <a:solidFill>
                 <a:schemeClr val="bg1"/>
               </a:solidFill>
@@ -14418,16 +13224,16 @@
           </a:p>
           <a:p>
             <a:r>
-              <a:rPr lang="ja-JP" altLang="en-US" sz="1400" dirty="0" smtClean="0">
+              <a:rPr lang="ja-JP" altLang="en-US" sz="1300" dirty="0">
                 <a:solidFill>
                   <a:schemeClr val="bg1"/>
                 </a:solidFill>
                 <a:latin typeface="源ノ角ゴシック Code JP L" panose="020B0300000000000000" pitchFamily="34" charset="-128"/>
                 <a:ea typeface="源ノ角ゴシック Code JP L" panose="020B0300000000000000" pitchFamily="34" charset="-128"/>
               </a:rPr>
-              <a:t>ました。前年からの</a:t>
-            </a:r>
-            <a:endParaRPr lang="en-US" altLang="ja-JP" sz="1400" dirty="0" smtClean="0">
+              <a:t>気にせずに制御が</a:t>
+            </a:r>
+            <a:endParaRPr lang="en-US" altLang="ja-JP" sz="1300" dirty="0">
               <a:solidFill>
                 <a:schemeClr val="bg1"/>
               </a:solidFill>
@@ -14437,304 +13243,37 @@
           </a:p>
           <a:p>
             <a:r>
-              <a:rPr lang="ja-JP" altLang="en-US" sz="1400" dirty="0" smtClean="0">
+              <a:rPr lang="ja-JP" altLang="en-US" sz="1300" dirty="0">
                 <a:solidFill>
                   <a:schemeClr val="bg1"/>
                 </a:solidFill>
                 <a:latin typeface="源ノ角ゴシック Code JP L" panose="020B0300000000000000" pitchFamily="34" charset="-128"/>
                 <a:ea typeface="源ノ角ゴシック Code JP L" panose="020B0300000000000000" pitchFamily="34" charset="-128"/>
               </a:rPr>
-              <a:t>課題の「</a:t>
-            </a:r>
-            <a:r>
-              <a:rPr lang="ja-JP" altLang="en-US" sz="1400" dirty="0">
+              <a:t>できるように</a:t>
+            </a:r>
+            <a:endParaRPr lang="en-US" altLang="ja-JP" sz="1300" dirty="0">
+              <a:solidFill>
+                <a:schemeClr val="bg1"/>
+              </a:solidFill>
+              <a:latin typeface="源ノ角ゴシック Code JP L" panose="020B0300000000000000" pitchFamily="34" charset="-128"/>
+              <a:ea typeface="源ノ角ゴシック Code JP L" panose="020B0300000000000000" pitchFamily="34" charset="-128"/>
+            </a:endParaRPr>
+          </a:p>
+          <a:p>
+            <a:r>
+              <a:rPr lang="ja-JP" altLang="en-US" sz="1300" dirty="0">
                 <a:solidFill>
                   <a:schemeClr val="bg1"/>
                 </a:solidFill>
                 <a:latin typeface="源ノ角ゴシック Code JP L" panose="020B0300000000000000" pitchFamily="34" charset="-128"/>
                 <a:ea typeface="源ノ角ゴシック Code JP L" panose="020B0300000000000000" pitchFamily="34" charset="-128"/>
               </a:rPr>
-              <a:t>スピード</a:t>
-            </a:r>
-            <a:r>
-              <a:rPr lang="ja-JP" altLang="en-US" sz="1400" dirty="0" smtClean="0">
-                <a:solidFill>
-                  <a:schemeClr val="bg1"/>
-                </a:solidFill>
-                <a:latin typeface="源ノ角ゴシック Code JP L" panose="020B0300000000000000" pitchFamily="34" charset="-128"/>
-                <a:ea typeface="源ノ角ゴシック Code JP L" panose="020B0300000000000000" pitchFamily="34" charset="-128"/>
-              </a:rPr>
-              <a:t>が</a:t>
-            </a:r>
-            <a:endParaRPr lang="en-US" altLang="ja-JP" sz="1400" dirty="0" smtClean="0">
-              <a:solidFill>
-                <a:schemeClr val="bg1"/>
-              </a:solidFill>
-              <a:latin typeface="源ノ角ゴシック Code JP L" panose="020B0300000000000000" pitchFamily="34" charset="-128"/>
-              <a:ea typeface="源ノ角ゴシック Code JP L" panose="020B0300000000000000" pitchFamily="34" charset="-128"/>
-            </a:endParaRPr>
-          </a:p>
-          <a:p>
-            <a:r>
-              <a:rPr lang="ja-JP" altLang="en-US" sz="1400" dirty="0" smtClean="0">
-                <a:solidFill>
-                  <a:schemeClr val="bg1"/>
-                </a:solidFill>
-                <a:latin typeface="源ノ角ゴシック Code JP L" panose="020B0300000000000000" pitchFamily="34" charset="-128"/>
-                <a:ea typeface="源ノ角ゴシック Code JP L" panose="020B0300000000000000" pitchFamily="34" charset="-128"/>
-              </a:rPr>
-              <a:t>速すぎて</a:t>
-            </a:r>
-            <a:r>
-              <a:rPr lang="ja-JP" altLang="en-US" sz="1400" dirty="0">
-                <a:solidFill>
-                  <a:schemeClr val="bg1"/>
-                </a:solidFill>
-                <a:latin typeface="源ノ角ゴシック Code JP L" panose="020B0300000000000000" pitchFamily="34" charset="-128"/>
-                <a:ea typeface="源ノ角ゴシック Code JP L" panose="020B0300000000000000" pitchFamily="34" charset="-128"/>
-              </a:rPr>
-              <a:t>ライン</a:t>
-            </a:r>
-            <a:r>
-              <a:rPr lang="ja-JP" altLang="en-US" sz="1400" dirty="0" smtClean="0">
-                <a:solidFill>
-                  <a:schemeClr val="bg1"/>
-                </a:solidFill>
-                <a:latin typeface="源ノ角ゴシック Code JP L" panose="020B0300000000000000" pitchFamily="34" charset="-128"/>
-                <a:ea typeface="源ノ角ゴシック Code JP L" panose="020B0300000000000000" pitchFamily="34" charset="-128"/>
-              </a:rPr>
-              <a:t>から</a:t>
-            </a:r>
-            <a:endParaRPr lang="en-US" altLang="ja-JP" sz="1400" dirty="0" smtClean="0">
-              <a:solidFill>
-                <a:schemeClr val="bg1"/>
-              </a:solidFill>
-              <a:latin typeface="源ノ角ゴシック Code JP L" panose="020B0300000000000000" pitchFamily="34" charset="-128"/>
-              <a:ea typeface="源ノ角ゴシック Code JP L" panose="020B0300000000000000" pitchFamily="34" charset="-128"/>
-            </a:endParaRPr>
-          </a:p>
-          <a:p>
-            <a:r>
-              <a:rPr lang="ja-JP" altLang="en-US" sz="1400" dirty="0" smtClean="0">
-                <a:solidFill>
-                  <a:schemeClr val="bg1"/>
-                </a:solidFill>
-                <a:latin typeface="源ノ角ゴシック Code JP L" panose="020B0300000000000000" pitchFamily="34" charset="-128"/>
-                <a:ea typeface="源ノ角ゴシック Code JP L" panose="020B0300000000000000" pitchFamily="34" charset="-128"/>
-              </a:rPr>
-              <a:t>出る</a:t>
-            </a:r>
-            <a:r>
-              <a:rPr lang="ja-JP" altLang="en-US" sz="1400" dirty="0">
-                <a:solidFill>
-                  <a:schemeClr val="bg1"/>
-                </a:solidFill>
-                <a:latin typeface="源ノ角ゴシック Code JP L" panose="020B0300000000000000" pitchFamily="34" charset="-128"/>
-                <a:ea typeface="源ノ角ゴシック Code JP L" panose="020B0300000000000000" pitchFamily="34" charset="-128"/>
-              </a:rPr>
-              <a:t>」というの</a:t>
-            </a:r>
-            <a:r>
-              <a:rPr lang="ja-JP" altLang="en-US" sz="1400" dirty="0" smtClean="0">
-                <a:solidFill>
-                  <a:schemeClr val="bg1"/>
-                </a:solidFill>
-                <a:latin typeface="源ノ角ゴシック Code JP L" panose="020B0300000000000000" pitchFamily="34" charset="-128"/>
-                <a:ea typeface="源ノ角ゴシック Code JP L" panose="020B0300000000000000" pitchFamily="34" charset="-128"/>
-              </a:rPr>
-              <a:t>も</a:t>
-            </a:r>
-            <a:endParaRPr lang="en-US" altLang="ja-JP" sz="1400" dirty="0" smtClean="0">
-              <a:solidFill>
-                <a:schemeClr val="bg1"/>
-              </a:solidFill>
-              <a:latin typeface="源ノ角ゴシック Code JP L" panose="020B0300000000000000" pitchFamily="34" charset="-128"/>
-              <a:ea typeface="源ノ角ゴシック Code JP L" panose="020B0300000000000000" pitchFamily="34" charset="-128"/>
-            </a:endParaRPr>
-          </a:p>
-          <a:p>
-            <a:r>
-              <a:rPr lang="ja-JP" altLang="en-US" sz="1400" dirty="0" smtClean="0">
-                <a:solidFill>
-                  <a:schemeClr val="bg1"/>
-                </a:solidFill>
-                <a:latin typeface="源ノ角ゴシック Code JP L" panose="020B0300000000000000" pitchFamily="34" charset="-128"/>
-                <a:ea typeface="源ノ角ゴシック Code JP L" panose="020B0300000000000000" pitchFamily="34" charset="-128"/>
-              </a:rPr>
-              <a:t>解決</a:t>
-            </a:r>
-            <a:r>
-              <a:rPr lang="ja-JP" altLang="en-US" sz="1400" dirty="0">
-                <a:solidFill>
-                  <a:schemeClr val="bg1"/>
-                </a:solidFill>
-                <a:latin typeface="源ノ角ゴシック Code JP L" panose="020B0300000000000000" pitchFamily="34" charset="-128"/>
-                <a:ea typeface="源ノ角ゴシック Code JP L" panose="020B0300000000000000" pitchFamily="34" charset="-128"/>
-              </a:rPr>
-              <a:t>し、スピード</a:t>
-            </a:r>
-            <a:r>
-              <a:rPr lang="ja-JP" altLang="en-US" sz="1400" dirty="0" smtClean="0">
-                <a:solidFill>
-                  <a:schemeClr val="bg1"/>
-                </a:solidFill>
-                <a:latin typeface="源ノ角ゴシック Code JP L" panose="020B0300000000000000" pitchFamily="34" charset="-128"/>
-                <a:ea typeface="源ノ角ゴシック Code JP L" panose="020B0300000000000000" pitchFamily="34" charset="-128"/>
-              </a:rPr>
-              <a:t>を</a:t>
-            </a:r>
-            <a:endParaRPr lang="en-US" altLang="ja-JP" sz="1400" dirty="0" smtClean="0">
-              <a:solidFill>
-                <a:schemeClr val="bg1"/>
-              </a:solidFill>
-              <a:latin typeface="源ノ角ゴシック Code JP L" panose="020B0300000000000000" pitchFamily="34" charset="-128"/>
-              <a:ea typeface="源ノ角ゴシック Code JP L" panose="020B0300000000000000" pitchFamily="34" charset="-128"/>
-            </a:endParaRPr>
-          </a:p>
-          <a:p>
-            <a:r>
-              <a:rPr lang="ja-JP" altLang="en-US" sz="1400" dirty="0" smtClean="0">
-                <a:solidFill>
-                  <a:schemeClr val="bg1"/>
-                </a:solidFill>
-                <a:latin typeface="源ノ角ゴシック Code JP L" panose="020B0300000000000000" pitchFamily="34" charset="-128"/>
-                <a:ea typeface="源ノ角ゴシック Code JP L" panose="020B0300000000000000" pitchFamily="34" charset="-128"/>
-              </a:rPr>
-              <a:t>気</a:t>
-            </a:r>
-            <a:r>
-              <a:rPr lang="ja-JP" altLang="en-US" sz="1400" dirty="0">
-                <a:solidFill>
-                  <a:schemeClr val="bg1"/>
-                </a:solidFill>
-                <a:latin typeface="源ノ角ゴシック Code JP L" panose="020B0300000000000000" pitchFamily="34" charset="-128"/>
-                <a:ea typeface="源ノ角ゴシック Code JP L" panose="020B0300000000000000" pitchFamily="34" charset="-128"/>
-              </a:rPr>
-              <a:t>にせず</a:t>
-            </a:r>
-            <a:r>
-              <a:rPr lang="ja-JP" altLang="en-US" sz="1400" dirty="0" smtClean="0">
-                <a:solidFill>
-                  <a:schemeClr val="bg1"/>
-                </a:solidFill>
-                <a:latin typeface="源ノ角ゴシック Code JP L" panose="020B0300000000000000" pitchFamily="34" charset="-128"/>
-                <a:ea typeface="源ノ角ゴシック Code JP L" panose="020B0300000000000000" pitchFamily="34" charset="-128"/>
-              </a:rPr>
-              <a:t>に制御が</a:t>
-            </a:r>
-            <a:endParaRPr lang="en-US" altLang="ja-JP" sz="1400" dirty="0" smtClean="0">
-              <a:solidFill>
-                <a:schemeClr val="bg1"/>
-              </a:solidFill>
-              <a:latin typeface="源ノ角ゴシック Code JP L" panose="020B0300000000000000" pitchFamily="34" charset="-128"/>
-              <a:ea typeface="源ノ角ゴシック Code JP L" panose="020B0300000000000000" pitchFamily="34" charset="-128"/>
-            </a:endParaRPr>
-          </a:p>
-          <a:p>
-            <a:r>
-              <a:rPr lang="ja-JP" altLang="en-US" sz="1400" dirty="0" smtClean="0">
-                <a:solidFill>
-                  <a:schemeClr val="bg1"/>
-                </a:solidFill>
-                <a:latin typeface="源ノ角ゴシック Code JP L" panose="020B0300000000000000" pitchFamily="34" charset="-128"/>
-                <a:ea typeface="源ノ角ゴシック Code JP L" panose="020B0300000000000000" pitchFamily="34" charset="-128"/>
-              </a:rPr>
-              <a:t>可能</a:t>
-            </a:r>
-            <a:r>
-              <a:rPr lang="ja-JP" altLang="en-US" sz="1400" dirty="0">
-                <a:solidFill>
-                  <a:schemeClr val="bg1"/>
-                </a:solidFill>
-                <a:latin typeface="源ノ角ゴシック Code JP L" panose="020B0300000000000000" pitchFamily="34" charset="-128"/>
-                <a:ea typeface="源ノ角ゴシック Code JP L" panose="020B0300000000000000" pitchFamily="34" charset="-128"/>
-              </a:rPr>
-              <a:t>になりました。</a:t>
-            </a:r>
-          </a:p>
-        </p:txBody>
-      </p:sp>
-      <p:sp>
-        <p:nvSpPr>
-          <p:cNvPr id="236" name="角丸四角形 235"/>
-          <p:cNvSpPr/>
-          <p:nvPr/>
-        </p:nvSpPr>
-        <p:spPr>
-          <a:xfrm>
-            <a:off x="2042159" y="8700755"/>
-            <a:ext cx="1961539" cy="1717570"/>
-          </a:xfrm>
-          <a:prstGeom prst="roundRect">
-            <a:avLst>
-              <a:gd name="adj" fmla="val 8185"/>
-            </a:avLst>
-          </a:prstGeom>
-          <a:solidFill>
-            <a:schemeClr val="bg2">
-              <a:lumMod val="25000"/>
-            </a:schemeClr>
-          </a:solidFill>
-        </p:spPr>
-        <p:style>
-          <a:lnRef idx="2">
-            <a:schemeClr val="dk1">
-              <a:shade val="50000"/>
-            </a:schemeClr>
-          </a:lnRef>
-          <a:fillRef idx="1">
-            <a:schemeClr val="dk1"/>
-          </a:fillRef>
-          <a:effectRef idx="0">
-            <a:schemeClr val="dk1"/>
-          </a:effectRef>
-          <a:fontRef idx="minor">
-            <a:schemeClr val="lt1"/>
-          </a:fontRef>
-        </p:style>
-        <p:txBody>
-          <a:bodyPr rot="0" spcFirstLastPara="0" vertOverflow="overflow" horzOverflow="overflow" vert="horz" wrap="square" lIns="101827" tIns="50913" rIns="101827" bIns="50913" numCol="1" spcCol="0" rtlCol="0" fromWordArt="0" anchor="ctr" anchorCtr="0" forceAA="0" compatLnSpc="1">
-            <a:prstTxWarp prst="textNoShape">
-              <a:avLst/>
-            </a:prstTxWarp>
-            <a:noAutofit/>
-          </a:bodyPr>
-          <a:lstStyle/>
-          <a:p>
-            <a:pPr algn="ctr"/>
-            <a:endParaRPr lang="ja-JP" altLang="en-US" sz="3086"/>
-          </a:p>
-        </p:txBody>
-      </p:sp>
-      <p:pic>
-        <p:nvPicPr>
-          <p:cNvPr id="237" name="図 236"/>
-          <p:cNvPicPr>
-            <a:picLocks noChangeAspect="1"/>
-          </p:cNvPicPr>
-          <p:nvPr/>
-        </p:nvPicPr>
-        <p:blipFill rotWithShape="1">
-          <a:blip r:embed="rId8" cstate="print">
-            <a:extLst>
-              <a:ext uri="{28A0092B-C50C-407E-A947-70E740481C1C}">
-                <a14:useLocalDpi xmlns:a14="http://schemas.microsoft.com/office/drawing/2010/main" val="0"/>
-              </a:ext>
-            </a:extLst>
-          </a:blip>
-          <a:srcRect l="9730" r="11306"/>
-          <a:stretch/>
-        </p:blipFill>
-        <p:spPr>
-          <a:xfrm>
-            <a:off x="2118909" y="8655574"/>
-            <a:ext cx="1798320" cy="1824361"/>
-          </a:xfrm>
-          <a:prstGeom prst="rect">
-            <a:avLst/>
-          </a:prstGeom>
-        </p:spPr>
-      </p:pic>
+              <a:t>なりました。</a:t>
+            </a:r>
+          </a:p>
+        </p:txBody>
+      </p:sp>
       <p:sp>
         <p:nvSpPr>
           <p:cNvPr id="240" name="テキスト ボックス 239"/>
@@ -14758,7 +13297,7 @@
           <a:lstStyle/>
           <a:p>
             <a:r>
-              <a:rPr lang="ja-JP" altLang="en-US" sz="2800" dirty="0" smtClean="0">
+              <a:rPr lang="ja-JP" altLang="en-US" sz="2800" dirty="0">
                 <a:solidFill>
                   <a:schemeClr val="bg1"/>
                 </a:solidFill>
@@ -14777,7 +13316,7 @@
               </a:rPr>
               <a:t>　</a:t>
             </a:r>
-            <a:endParaRPr lang="en-US" altLang="ja-JP" sz="1050" dirty="0" smtClean="0">
+            <a:endParaRPr lang="en-US" altLang="ja-JP" sz="1050" dirty="0">
               <a:solidFill>
                 <a:schemeClr val="bg1"/>
               </a:solidFill>
@@ -14824,19 +13363,68 @@
                 <a:latin typeface="源ノ角ゴシック Code JP L" panose="020B0300000000000000" pitchFamily="34" charset="-128"/>
                 <a:ea typeface="源ノ角ゴシック Code JP L" panose="020B0300000000000000" pitchFamily="34" charset="-128"/>
               </a:rPr>
-              <a:t>を用いてほぼすべての部品を独自</a:t>
-            </a:r>
-            <a:r>
-              <a:rPr lang="ja-JP" altLang="en-US" sz="1200" dirty="0" smtClean="0">
+              <a:t>を用いてほぼすべての部品を独自で</a:t>
+            </a:r>
+            <a:endParaRPr lang="en-US" altLang="ja-JP" sz="1200" dirty="0">
+              <a:solidFill>
+                <a:schemeClr val="bg1"/>
+              </a:solidFill>
+              <a:latin typeface="源ノ角ゴシック Code JP L" panose="020B0300000000000000" pitchFamily="34" charset="-128"/>
+              <a:ea typeface="源ノ角ゴシック Code JP L" panose="020B0300000000000000" pitchFamily="34" charset="-128"/>
+            </a:endParaRPr>
+          </a:p>
+          <a:p>
+            <a:r>
+              <a:rPr lang="ja-JP" altLang="en-US" sz="1200" dirty="0">
                 <a:solidFill>
                   <a:schemeClr val="bg1"/>
                 </a:solidFill>
                 <a:latin typeface="源ノ角ゴシック Code JP L" panose="020B0300000000000000" pitchFamily="34" charset="-128"/>
                 <a:ea typeface="源ノ角ゴシック Code JP L" panose="020B0300000000000000" pitchFamily="34" charset="-128"/>
               </a:rPr>
-              <a:t>で</a:t>
-            </a:r>
-            <a:endParaRPr lang="en-US" altLang="ja-JP" sz="1200" dirty="0" smtClean="0">
+              <a:t>設計しています。また、</a:t>
+            </a:r>
+            <a:r>
+              <a:rPr lang="en-US" altLang="ja-JP" sz="1200" dirty="0">
+                <a:solidFill>
+                  <a:schemeClr val="bg1"/>
+                </a:solidFill>
+                <a:latin typeface="源ノ角ゴシック Code JP L" panose="020B0300000000000000" pitchFamily="34" charset="-128"/>
+                <a:ea typeface="源ノ角ゴシック Code JP L" panose="020B0300000000000000" pitchFamily="34" charset="-128"/>
+              </a:rPr>
+              <a:t>3D</a:t>
+            </a:r>
+            <a:r>
+              <a:rPr lang="ja-JP" altLang="en-US" sz="1200" dirty="0">
+                <a:solidFill>
+                  <a:schemeClr val="bg1"/>
+                </a:solidFill>
+                <a:latin typeface="源ノ角ゴシック Code JP L" panose="020B0300000000000000" pitchFamily="34" charset="-128"/>
+                <a:ea typeface="源ノ角ゴシック Code JP L" panose="020B0300000000000000" pitchFamily="34" charset="-128"/>
+              </a:rPr>
+              <a:t>プリンタや</a:t>
+            </a:r>
+            <a:r>
+              <a:rPr lang="en-US" altLang="ja-JP" sz="1200" dirty="0">
+                <a:solidFill>
+                  <a:schemeClr val="bg1"/>
+                </a:solidFill>
+                <a:latin typeface="源ノ角ゴシック Code JP L" panose="020B0300000000000000" pitchFamily="34" charset="-128"/>
+                <a:ea typeface="源ノ角ゴシック Code JP L" panose="020B0300000000000000" pitchFamily="34" charset="-128"/>
+              </a:rPr>
+              <a:t>CNC</a:t>
+            </a:r>
+            <a:r>
+              <a:rPr lang="ja-JP" altLang="en-US" sz="1200" dirty="0">
+                <a:solidFill>
+                  <a:schemeClr val="bg1"/>
+                </a:solidFill>
+                <a:latin typeface="源ノ角ゴシック Code JP L" panose="020B0300000000000000" pitchFamily="34" charset="-128"/>
+                <a:ea typeface="源ノ角ゴシック Code JP L" panose="020B0300000000000000" pitchFamily="34" charset="-128"/>
+              </a:rPr>
+              <a:t>を使用することで、</a:t>
+            </a:r>
+            <a:endParaRPr lang="en-US" altLang="ja-JP" sz="1200" dirty="0">
               <a:solidFill>
                 <a:schemeClr val="bg1"/>
               </a:solidFill>
@@ -14846,15 +13434,24 @@
           </a:p>
           <a:p>
             <a:r>
-              <a:rPr lang="ja-JP" altLang="en-US" sz="1200" dirty="0" smtClean="0">
+              <a:rPr lang="ja-JP" altLang="en-US" sz="1200" dirty="0">
                 <a:solidFill>
                   <a:schemeClr val="bg1"/>
                 </a:solidFill>
                 <a:latin typeface="源ノ角ゴシック Code JP L" panose="020B0300000000000000" pitchFamily="34" charset="-128"/>
                 <a:ea typeface="源ノ角ゴシック Code JP L" panose="020B0300000000000000" pitchFamily="34" charset="-128"/>
               </a:rPr>
-              <a:t>設計</a:t>
-            </a:r>
+              <a:t>さらに正確に短時間での部品の製作、量産が可能になりました。</a:t>
+            </a:r>
+            <a:endParaRPr lang="en-US" altLang="ja-JP" sz="1200" dirty="0">
+              <a:solidFill>
+                <a:schemeClr val="bg1"/>
+              </a:solidFill>
+              <a:latin typeface="源ノ角ゴシック Code JP L" panose="020B0300000000000000" pitchFamily="34" charset="-128"/>
+              <a:ea typeface="源ノ角ゴシック Code JP L" panose="020B0300000000000000" pitchFamily="34" charset="-128"/>
+            </a:endParaRPr>
+          </a:p>
+          <a:p>
             <a:r>
               <a:rPr lang="ja-JP" altLang="en-US" sz="1200" dirty="0">
                 <a:solidFill>
@@ -14863,48 +13460,75 @@
                 <a:latin typeface="源ノ角ゴシック Code JP L" panose="020B0300000000000000" pitchFamily="34" charset="-128"/>
                 <a:ea typeface="源ノ角ゴシック Code JP L" panose="020B0300000000000000" pitchFamily="34" charset="-128"/>
               </a:rPr>
-              <a:t>しています</a:t>
-            </a:r>
-            <a:r>
-              <a:rPr lang="ja-JP" altLang="en-US" sz="1200" dirty="0" smtClean="0">
+              <a:t>基板類も、発注基板によって自分たちのロボットに特化した</a:t>
+            </a:r>
+            <a:endParaRPr lang="en-US" altLang="ja-JP" sz="1200" dirty="0">
+              <a:solidFill>
+                <a:schemeClr val="bg1"/>
+              </a:solidFill>
+              <a:latin typeface="源ノ角ゴシック Code JP L" panose="020B0300000000000000" pitchFamily="34" charset="-128"/>
+              <a:ea typeface="源ノ角ゴシック Code JP L" panose="020B0300000000000000" pitchFamily="34" charset="-128"/>
+            </a:endParaRPr>
+          </a:p>
+          <a:p>
+            <a:r>
+              <a:rPr lang="ja-JP" altLang="en-US" sz="1200" dirty="0">
                 <a:solidFill>
                   <a:schemeClr val="bg1"/>
                 </a:solidFill>
                 <a:latin typeface="源ノ角ゴシック Code JP L" panose="020B0300000000000000" pitchFamily="34" charset="-128"/>
                 <a:ea typeface="源ノ角ゴシック Code JP L" panose="020B0300000000000000" pitchFamily="34" charset="-128"/>
               </a:rPr>
-              <a:t>。また、</a:t>
-            </a:r>
-            <a:r>
-              <a:rPr lang="en-US" altLang="ja-JP" sz="1200" dirty="0" smtClean="0">
+              <a:t>機能、形のものを実現可能になりました。また、チーム内での</a:t>
+            </a:r>
+            <a:endParaRPr lang="en-US" altLang="ja-JP" sz="1200" dirty="0">
+              <a:solidFill>
+                <a:schemeClr val="bg1"/>
+              </a:solidFill>
+              <a:latin typeface="源ノ角ゴシック Code JP L" panose="020B0300000000000000" pitchFamily="34" charset="-128"/>
+              <a:ea typeface="源ノ角ゴシック Code JP L" panose="020B0300000000000000" pitchFamily="34" charset="-128"/>
+            </a:endParaRPr>
+          </a:p>
+          <a:p>
+            <a:r>
+              <a:rPr lang="ja-JP" altLang="en-US" sz="1200" dirty="0">
                 <a:solidFill>
                   <a:schemeClr val="bg1"/>
                 </a:solidFill>
                 <a:latin typeface="源ノ角ゴシック Code JP L" panose="020B0300000000000000" pitchFamily="34" charset="-128"/>
                 <a:ea typeface="源ノ角ゴシック Code JP L" panose="020B0300000000000000" pitchFamily="34" charset="-128"/>
               </a:rPr>
-              <a:t>3D</a:t>
-            </a:r>
-            <a:r>
-              <a:rPr lang="ja-JP" altLang="en-US" sz="1200" dirty="0">
+              <a:t>ファイル共有のために</a:t>
+            </a:r>
+            <a:r>
+              <a:rPr lang="en-US" altLang="ja-JP" sz="1200" dirty="0" err="1">
                 <a:solidFill>
                   <a:schemeClr val="bg1"/>
                 </a:solidFill>
                 <a:latin typeface="源ノ角ゴシック Code JP L" panose="020B0300000000000000" pitchFamily="34" charset="-128"/>
                 <a:ea typeface="源ノ角ゴシック Code JP L" panose="020B0300000000000000" pitchFamily="34" charset="-128"/>
               </a:rPr>
-              <a:t>プリンタや</a:t>
-            </a:r>
-            <a:r>
-              <a:rPr lang="en-US" altLang="ja-JP" sz="1200" dirty="0">
+              <a:t>Github</a:t>
+            </a:r>
+            <a:r>
+              <a:rPr lang="ja-JP" altLang="en-US" sz="1200" dirty="0">
                 <a:solidFill>
                   <a:schemeClr val="bg1"/>
                 </a:solidFill>
                 <a:latin typeface="源ノ角ゴシック Code JP L" panose="020B0300000000000000" pitchFamily="34" charset="-128"/>
                 <a:ea typeface="源ノ角ゴシック Code JP L" panose="020B0300000000000000" pitchFamily="34" charset="-128"/>
               </a:rPr>
-              <a:t>CNC</a:t>
-            </a:r>
+              <a:t>を用いることで、複数での</a:t>
+            </a:r>
+            <a:endParaRPr lang="en-US" altLang="ja-JP" sz="1200" dirty="0">
+              <a:solidFill>
+                <a:schemeClr val="bg1"/>
+              </a:solidFill>
+              <a:latin typeface="源ノ角ゴシック Code JP L" panose="020B0300000000000000" pitchFamily="34" charset="-128"/>
+              <a:ea typeface="源ノ角ゴシック Code JP L" panose="020B0300000000000000" pitchFamily="34" charset="-128"/>
+            </a:endParaRPr>
+          </a:p>
+          <a:p>
             <a:r>
               <a:rPr lang="ja-JP" altLang="en-US" sz="1200" dirty="0">
                 <a:solidFill>
@@ -14913,460 +13537,145 @@
                 <a:latin typeface="源ノ角ゴシック Code JP L" panose="020B0300000000000000" pitchFamily="34" charset="-128"/>
                 <a:ea typeface="源ノ角ゴシック Code JP L" panose="020B0300000000000000" pitchFamily="34" charset="-128"/>
               </a:rPr>
-              <a:t>を使用することで</a:t>
-            </a:r>
-            <a:r>
-              <a:rPr lang="ja-JP" altLang="en-US" sz="1200" dirty="0" smtClean="0">
+              <a:t>大規模プロジェクト開発が容易に行えるようになりました。</a:t>
+            </a:r>
+            <a:endParaRPr lang="en-US" altLang="ja-JP" sz="1200" dirty="0">
+              <a:solidFill>
+                <a:schemeClr val="bg1"/>
+              </a:solidFill>
+              <a:latin typeface="源ノ角ゴシック Code JP L" panose="020B0300000000000000" pitchFamily="34" charset="-128"/>
+              <a:ea typeface="源ノ角ゴシック Code JP L" panose="020B0300000000000000" pitchFamily="34" charset="-128"/>
+            </a:endParaRPr>
+          </a:p>
+          <a:p>
+            <a:endParaRPr lang="en-US" altLang="ja-JP" sz="1200" dirty="0">
+              <a:solidFill>
+                <a:schemeClr val="bg1"/>
+              </a:solidFill>
+              <a:latin typeface="源ノ角ゴシック Code JP L" panose="020B0300000000000000" pitchFamily="34" charset="-128"/>
+              <a:ea typeface="源ノ角ゴシック Code JP L" panose="020B0300000000000000" pitchFamily="34" charset="-128"/>
+            </a:endParaRPr>
+          </a:p>
+          <a:p>
+            <a:r>
+              <a:rPr lang="ja-JP" altLang="en-US" sz="1100" dirty="0">
                 <a:solidFill>
                   <a:schemeClr val="bg1"/>
                 </a:solidFill>
                 <a:latin typeface="源ノ角ゴシック Code JP L" panose="020B0300000000000000" pitchFamily="34" charset="-128"/>
                 <a:ea typeface="源ノ角ゴシック Code JP L" panose="020B0300000000000000" pitchFamily="34" charset="-128"/>
               </a:rPr>
-              <a:t>、</a:t>
-            </a:r>
-            <a:endParaRPr lang="en-US" altLang="ja-JP" sz="1200" dirty="0" smtClean="0">
-              <a:solidFill>
-                <a:schemeClr val="bg1"/>
-              </a:solidFill>
-              <a:latin typeface="源ノ角ゴシック Code JP L" panose="020B0300000000000000" pitchFamily="34" charset="-128"/>
-              <a:ea typeface="源ノ角ゴシック Code JP L" panose="020B0300000000000000" pitchFamily="34" charset="-128"/>
-            </a:endParaRPr>
-          </a:p>
-          <a:p>
-            <a:r>
-              <a:rPr lang="ja-JP" altLang="en-US" sz="1200" dirty="0" smtClean="0">
+              <a:t>部品設計：</a:t>
+            </a:r>
+            <a:r>
+              <a:rPr lang="en-US" altLang="ja-JP" sz="1100" dirty="0">
                 <a:solidFill>
                   <a:schemeClr val="bg1"/>
                 </a:solidFill>
                 <a:latin typeface="源ノ角ゴシック Code JP L" panose="020B0300000000000000" pitchFamily="34" charset="-128"/>
                 <a:ea typeface="源ノ角ゴシック Code JP L" panose="020B0300000000000000" pitchFamily="34" charset="-128"/>
               </a:rPr>
-              <a:t>さらに</a:t>
-            </a:r>
-            <a:r>
-              <a:rPr lang="ja-JP" altLang="en-US" sz="1200" dirty="0">
+              <a:t>Fusion360</a:t>
+            </a:r>
+          </a:p>
+          <a:p>
+            <a:r>
+              <a:rPr lang="ja-JP" altLang="en-US" sz="1100" dirty="0">
                 <a:solidFill>
                   <a:schemeClr val="bg1"/>
                 </a:solidFill>
                 <a:latin typeface="源ノ角ゴシック Code JP L" panose="020B0300000000000000" pitchFamily="34" charset="-128"/>
                 <a:ea typeface="源ノ角ゴシック Code JP L" panose="020B0300000000000000" pitchFamily="34" charset="-128"/>
               </a:rPr>
-              <a:t>正確に短時間での部品の製作、量産</a:t>
-            </a:r>
-            <a:r>
-              <a:rPr lang="ja-JP" altLang="en-US" sz="1200" dirty="0" smtClean="0">
+              <a:t>基板設計：</a:t>
+            </a:r>
+            <a:r>
+              <a:rPr lang="en-US" altLang="ja-JP" sz="1100" dirty="0">
                 <a:solidFill>
                   <a:schemeClr val="bg1"/>
                 </a:solidFill>
                 <a:latin typeface="源ノ角ゴシック Code JP L" panose="020B0300000000000000" pitchFamily="34" charset="-128"/>
                 <a:ea typeface="源ノ角ゴシック Code JP L" panose="020B0300000000000000" pitchFamily="34" charset="-128"/>
               </a:rPr>
-              <a:t>が可能</a:t>
-            </a:r>
-            <a:r>
-              <a:rPr lang="ja-JP" altLang="en-US" sz="1200" dirty="0">
+              <a:t>KiCad</a:t>
+            </a:r>
+          </a:p>
+          <a:p>
+            <a:r>
+              <a:rPr lang="ja-JP" altLang="en-US" sz="1100" dirty="0">
                 <a:solidFill>
                   <a:schemeClr val="bg1"/>
                 </a:solidFill>
                 <a:latin typeface="源ノ角ゴシック Code JP L" panose="020B0300000000000000" pitchFamily="34" charset="-128"/>
                 <a:ea typeface="源ノ角ゴシック Code JP L" panose="020B0300000000000000" pitchFamily="34" charset="-128"/>
               </a:rPr>
-              <a:t>に</a:t>
-            </a:r>
-            <a:r>
-              <a:rPr lang="ja-JP" altLang="en-US" sz="1200" dirty="0" smtClean="0">
+              <a:t>基板発注：</a:t>
+            </a:r>
+            <a:r>
+              <a:rPr lang="en-US" altLang="ja-JP" sz="1100" dirty="0">
                 <a:solidFill>
                   <a:schemeClr val="bg1"/>
                 </a:solidFill>
                 <a:latin typeface="源ノ角ゴシック Code JP L" panose="020B0300000000000000" pitchFamily="34" charset="-128"/>
                 <a:ea typeface="源ノ角ゴシック Code JP L" panose="020B0300000000000000" pitchFamily="34" charset="-128"/>
               </a:rPr>
-              <a:t>なりました。</a:t>
-            </a:r>
-            <a:endParaRPr lang="en-US" altLang="ja-JP" sz="1200" dirty="0" smtClean="0">
-              <a:solidFill>
-                <a:schemeClr val="bg1"/>
-              </a:solidFill>
-              <a:latin typeface="源ノ角ゴシック Code JP L" panose="020B0300000000000000" pitchFamily="34" charset="-128"/>
-              <a:ea typeface="源ノ角ゴシック Code JP L" panose="020B0300000000000000" pitchFamily="34" charset="-128"/>
-            </a:endParaRPr>
-          </a:p>
-          <a:p>
-            <a:r>
-              <a:rPr lang="ja-JP" altLang="en-US" sz="1200" dirty="0" smtClean="0">
+              <a:t>JLCPCB</a:t>
+            </a:r>
+          </a:p>
+          <a:p>
+            <a:r>
+              <a:rPr lang="ja-JP" altLang="en-US" sz="1100" dirty="0">
                 <a:solidFill>
                   <a:schemeClr val="bg1"/>
                 </a:solidFill>
                 <a:latin typeface="源ノ角ゴシック Code JP L" panose="020B0300000000000000" pitchFamily="34" charset="-128"/>
                 <a:ea typeface="源ノ角ゴシック Code JP L" panose="020B0300000000000000" pitchFamily="34" charset="-128"/>
               </a:rPr>
-              <a:t>基板類</a:t>
-            </a:r>
-            <a:r>
-              <a:rPr lang="ja-JP" altLang="en-US" sz="1200" dirty="0">
+              <a:t>部品製作：</a:t>
+            </a:r>
+            <a:r>
+              <a:rPr lang="en-US" altLang="ja-JP" sz="1050" dirty="0">
                 <a:solidFill>
                   <a:schemeClr val="bg1"/>
                 </a:solidFill>
                 <a:latin typeface="源ノ角ゴシック Code JP L" panose="020B0300000000000000" pitchFamily="34" charset="-128"/>
                 <a:ea typeface="源ノ角ゴシック Code JP L" panose="020B0300000000000000" pitchFamily="34" charset="-128"/>
               </a:rPr>
-              <a:t>も</a:t>
-            </a:r>
-            <a:r>
-              <a:rPr lang="ja-JP" altLang="en-US" sz="1200" dirty="0" smtClean="0">
+              <a:t>Originalmind kitmill CL100</a:t>
+            </a:r>
+          </a:p>
+          <a:p>
+            <a:r>
+              <a:rPr lang="ja-JP" altLang="en-US" sz="1100" dirty="0">
                 <a:solidFill>
                   <a:schemeClr val="bg1"/>
                 </a:solidFill>
                 <a:latin typeface="源ノ角ゴシック Code JP L" panose="020B0300000000000000" pitchFamily="34" charset="-128"/>
                 <a:ea typeface="源ノ角ゴシック Code JP L" panose="020B0300000000000000" pitchFamily="34" charset="-128"/>
               </a:rPr>
-              <a:t>、発注</a:t>
-            </a:r>
-            <a:r>
-              <a:rPr lang="ja-JP" altLang="en-US" sz="1200" dirty="0">
+              <a:t>　　　　　</a:t>
+            </a:r>
+            <a:r>
+              <a:rPr lang="en-US" altLang="ja-JP" sz="1050" dirty="0">
                 <a:solidFill>
                   <a:schemeClr val="bg1"/>
                 </a:solidFill>
                 <a:latin typeface="源ノ角ゴシック Code JP L" panose="020B0300000000000000" pitchFamily="34" charset="-128"/>
                 <a:ea typeface="源ノ角ゴシック Code JP L" panose="020B0300000000000000" pitchFamily="34" charset="-128"/>
               </a:rPr>
-              <a:t>基板によって自分たちのロボットに特化</a:t>
-            </a:r>
-            <a:r>
-              <a:rPr lang="ja-JP" altLang="en-US" sz="1200" dirty="0" smtClean="0">
+              <a:t>FLASHFORGE Adventurer3 lite</a:t>
+            </a:r>
+          </a:p>
+          <a:p>
+            <a:r>
+              <a:rPr lang="ja-JP" altLang="en-US" sz="1100" dirty="0">
                 <a:solidFill>
                   <a:schemeClr val="bg1"/>
                 </a:solidFill>
                 <a:latin typeface="源ノ角ゴシック Code JP L" panose="020B0300000000000000" pitchFamily="34" charset="-128"/>
                 <a:ea typeface="源ノ角ゴシック Code JP L" panose="020B0300000000000000" pitchFamily="34" charset="-128"/>
               </a:rPr>
-              <a:t>した</a:t>
-            </a:r>
-            <a:endParaRPr lang="en-US" altLang="ja-JP" sz="1200" dirty="0" smtClean="0">
-              <a:solidFill>
-                <a:schemeClr val="bg1"/>
-              </a:solidFill>
-              <a:latin typeface="源ノ角ゴシック Code JP L" panose="020B0300000000000000" pitchFamily="34" charset="-128"/>
-              <a:ea typeface="源ノ角ゴシック Code JP L" panose="020B0300000000000000" pitchFamily="34" charset="-128"/>
-            </a:endParaRPr>
-          </a:p>
-          <a:p>
-            <a:r>
-              <a:rPr lang="ja-JP" altLang="en-US" sz="1200" dirty="0" smtClean="0">
-                <a:solidFill>
-                  <a:schemeClr val="bg1"/>
-                </a:solidFill>
-                <a:latin typeface="源ノ角ゴシック Code JP L" panose="020B0300000000000000" pitchFamily="34" charset="-128"/>
-                <a:ea typeface="源ノ角ゴシック Code JP L" panose="020B0300000000000000" pitchFamily="34" charset="-128"/>
-              </a:rPr>
-              <a:t>機能</a:t>
-            </a:r>
-            <a:r>
-              <a:rPr lang="ja-JP" altLang="en-US" sz="1200" dirty="0">
-                <a:solidFill>
-                  <a:schemeClr val="bg1"/>
-                </a:solidFill>
-                <a:latin typeface="源ノ角ゴシック Code JP L" panose="020B0300000000000000" pitchFamily="34" charset="-128"/>
-                <a:ea typeface="源ノ角ゴシック Code JP L" panose="020B0300000000000000" pitchFamily="34" charset="-128"/>
-              </a:rPr>
-              <a:t>、形のものを実現可能になりました</a:t>
-            </a:r>
-            <a:r>
-              <a:rPr lang="ja-JP" altLang="en-US" sz="1200" dirty="0" smtClean="0">
-                <a:solidFill>
-                  <a:schemeClr val="bg1"/>
-                </a:solidFill>
-                <a:latin typeface="源ノ角ゴシック Code JP L" panose="020B0300000000000000" pitchFamily="34" charset="-128"/>
-                <a:ea typeface="源ノ角ゴシック Code JP L" panose="020B0300000000000000" pitchFamily="34" charset="-128"/>
-              </a:rPr>
-              <a:t>。また、チーム内での</a:t>
-            </a:r>
-            <a:endParaRPr lang="en-US" altLang="ja-JP" sz="1200" dirty="0" smtClean="0">
-              <a:solidFill>
-                <a:schemeClr val="bg1"/>
-              </a:solidFill>
-              <a:latin typeface="源ノ角ゴシック Code JP L" panose="020B0300000000000000" pitchFamily="34" charset="-128"/>
-              <a:ea typeface="源ノ角ゴシック Code JP L" panose="020B0300000000000000" pitchFamily="34" charset="-128"/>
-            </a:endParaRPr>
-          </a:p>
-          <a:p>
-            <a:r>
-              <a:rPr lang="ja-JP" altLang="en-US" sz="1200" dirty="0" smtClean="0">
-                <a:solidFill>
-                  <a:schemeClr val="bg1"/>
-                </a:solidFill>
-                <a:latin typeface="源ノ角ゴシック Code JP L" panose="020B0300000000000000" pitchFamily="34" charset="-128"/>
-                <a:ea typeface="源ノ角ゴシック Code JP L" panose="020B0300000000000000" pitchFamily="34" charset="-128"/>
-              </a:rPr>
-              <a:t>ファイル共有のために</a:t>
-            </a:r>
-            <a:r>
-              <a:rPr lang="en-US" altLang="ja-JP" sz="1200" dirty="0" err="1" smtClean="0">
-                <a:solidFill>
-                  <a:schemeClr val="bg1"/>
-                </a:solidFill>
-                <a:latin typeface="源ノ角ゴシック Code JP L" panose="020B0300000000000000" pitchFamily="34" charset="-128"/>
-                <a:ea typeface="源ノ角ゴシック Code JP L" panose="020B0300000000000000" pitchFamily="34" charset="-128"/>
-              </a:rPr>
-              <a:t>Github</a:t>
-            </a:r>
-            <a:r>
-              <a:rPr lang="ja-JP" altLang="en-US" sz="1200" dirty="0" smtClean="0">
-                <a:solidFill>
-                  <a:schemeClr val="bg1"/>
-                </a:solidFill>
-                <a:latin typeface="源ノ角ゴシック Code JP L" panose="020B0300000000000000" pitchFamily="34" charset="-128"/>
-                <a:ea typeface="源ノ角ゴシック Code JP L" panose="020B0300000000000000" pitchFamily="34" charset="-128"/>
-              </a:rPr>
-              <a:t>を用いることで、複数での</a:t>
-            </a:r>
-            <a:endParaRPr lang="en-US" altLang="ja-JP" sz="1200" dirty="0" smtClean="0">
-              <a:solidFill>
-                <a:schemeClr val="bg1"/>
-              </a:solidFill>
-              <a:latin typeface="源ノ角ゴシック Code JP L" panose="020B0300000000000000" pitchFamily="34" charset="-128"/>
-              <a:ea typeface="源ノ角ゴシック Code JP L" panose="020B0300000000000000" pitchFamily="34" charset="-128"/>
-            </a:endParaRPr>
-          </a:p>
-          <a:p>
-            <a:r>
-              <a:rPr lang="ja-JP" altLang="en-US" sz="1200" dirty="0" smtClean="0">
-                <a:solidFill>
-                  <a:schemeClr val="bg1"/>
-                </a:solidFill>
-                <a:latin typeface="源ノ角ゴシック Code JP L" panose="020B0300000000000000" pitchFamily="34" charset="-128"/>
-                <a:ea typeface="源ノ角ゴシック Code JP L" panose="020B0300000000000000" pitchFamily="34" charset="-128"/>
-              </a:rPr>
-              <a:t>大規模プロジェクト開発が容易に行えるようになりました。</a:t>
-            </a:r>
-            <a:endParaRPr lang="en-US" altLang="ja-JP" sz="1200" dirty="0" smtClean="0">
-              <a:solidFill>
-                <a:schemeClr val="bg1"/>
-              </a:solidFill>
-              <a:latin typeface="源ノ角ゴシック Code JP L" panose="020B0300000000000000" pitchFamily="34" charset="-128"/>
-              <a:ea typeface="源ノ角ゴシック Code JP L" panose="020B0300000000000000" pitchFamily="34" charset="-128"/>
-            </a:endParaRPr>
-          </a:p>
-          <a:p>
-            <a:endParaRPr lang="en-US" altLang="ja-JP" sz="1200" dirty="0" smtClean="0">
-              <a:solidFill>
-                <a:schemeClr val="bg1"/>
-              </a:solidFill>
-              <a:latin typeface="源ノ角ゴシック Code JP L" panose="020B0300000000000000" pitchFamily="34" charset="-128"/>
-              <a:ea typeface="源ノ角ゴシック Code JP L" panose="020B0300000000000000" pitchFamily="34" charset="-128"/>
-            </a:endParaRPr>
-          </a:p>
-          <a:p>
-            <a:r>
-              <a:rPr lang="ja-JP" altLang="en-US" sz="1100" dirty="0" smtClean="0">
-                <a:solidFill>
-                  <a:schemeClr val="bg1"/>
-                </a:solidFill>
-                <a:latin typeface="源ノ角ゴシック Code JP L" panose="020B0300000000000000" pitchFamily="34" charset="-128"/>
-                <a:ea typeface="源ノ角ゴシック Code JP L" panose="020B0300000000000000" pitchFamily="34" charset="-128"/>
-              </a:rPr>
-              <a:t>部品</a:t>
-            </a:r>
-            <a:r>
-              <a:rPr lang="ja-JP" altLang="en-US" sz="1100" dirty="0">
-                <a:solidFill>
-                  <a:schemeClr val="bg1"/>
-                </a:solidFill>
-                <a:latin typeface="源ノ角ゴシック Code JP L" panose="020B0300000000000000" pitchFamily="34" charset="-128"/>
-                <a:ea typeface="源ノ角ゴシック Code JP L" panose="020B0300000000000000" pitchFamily="34" charset="-128"/>
-              </a:rPr>
-              <a:t>設計：</a:t>
-            </a:r>
-            <a:r>
-              <a:rPr lang="en-US" altLang="ja-JP" sz="1100" dirty="0">
-                <a:solidFill>
-                  <a:schemeClr val="bg1"/>
-                </a:solidFill>
-                <a:latin typeface="源ノ角ゴシック Code JP L" panose="020B0300000000000000" pitchFamily="34" charset="-128"/>
-                <a:ea typeface="源ノ角ゴシック Code JP L" panose="020B0300000000000000" pitchFamily="34" charset="-128"/>
-              </a:rPr>
-              <a:t>Fusion360</a:t>
-            </a:r>
-          </a:p>
-          <a:p>
-            <a:r>
-              <a:rPr lang="ja-JP" altLang="en-US" sz="1100" dirty="0" smtClean="0">
-                <a:solidFill>
-                  <a:schemeClr val="bg1"/>
-                </a:solidFill>
-                <a:latin typeface="源ノ角ゴシック Code JP L" panose="020B0300000000000000" pitchFamily="34" charset="-128"/>
-                <a:ea typeface="源ノ角ゴシック Code JP L" panose="020B0300000000000000" pitchFamily="34" charset="-128"/>
-              </a:rPr>
-              <a:t>基板</a:t>
-            </a:r>
-            <a:r>
-              <a:rPr lang="ja-JP" altLang="en-US" sz="1100" dirty="0">
-                <a:solidFill>
-                  <a:schemeClr val="bg1"/>
-                </a:solidFill>
-                <a:latin typeface="源ノ角ゴシック Code JP L" panose="020B0300000000000000" pitchFamily="34" charset="-128"/>
-                <a:ea typeface="源ノ角ゴシック Code JP L" panose="020B0300000000000000" pitchFamily="34" charset="-128"/>
-              </a:rPr>
-              <a:t>設計：</a:t>
-            </a:r>
-            <a:r>
-              <a:rPr lang="en-US" altLang="ja-JP" sz="1100" dirty="0">
-                <a:solidFill>
-                  <a:schemeClr val="bg1"/>
-                </a:solidFill>
-                <a:latin typeface="源ノ角ゴシック Code JP L" panose="020B0300000000000000" pitchFamily="34" charset="-128"/>
-                <a:ea typeface="源ノ角ゴシック Code JP L" panose="020B0300000000000000" pitchFamily="34" charset="-128"/>
-              </a:rPr>
-              <a:t>KiCad</a:t>
-            </a:r>
-          </a:p>
-          <a:p>
-            <a:r>
-              <a:rPr lang="ja-JP" altLang="en-US" sz="1100" dirty="0" smtClean="0">
-                <a:solidFill>
-                  <a:schemeClr val="bg1"/>
-                </a:solidFill>
-                <a:latin typeface="源ノ角ゴシック Code JP L" panose="020B0300000000000000" pitchFamily="34" charset="-128"/>
-                <a:ea typeface="源ノ角ゴシック Code JP L" panose="020B0300000000000000" pitchFamily="34" charset="-128"/>
-              </a:rPr>
-              <a:t>基板</a:t>
-            </a:r>
-            <a:r>
-              <a:rPr lang="ja-JP" altLang="en-US" sz="1100" dirty="0">
-                <a:solidFill>
-                  <a:schemeClr val="bg1"/>
-                </a:solidFill>
-                <a:latin typeface="源ノ角ゴシック Code JP L" panose="020B0300000000000000" pitchFamily="34" charset="-128"/>
-                <a:ea typeface="源ノ角ゴシック Code JP L" panose="020B0300000000000000" pitchFamily="34" charset="-128"/>
-              </a:rPr>
-              <a:t>発注：</a:t>
-            </a:r>
-            <a:r>
-              <a:rPr lang="en-US" altLang="ja-JP" sz="1100" dirty="0">
-                <a:solidFill>
-                  <a:schemeClr val="bg1"/>
-                </a:solidFill>
-                <a:latin typeface="源ノ角ゴシック Code JP L" panose="020B0300000000000000" pitchFamily="34" charset="-128"/>
-                <a:ea typeface="源ノ角ゴシック Code JP L" panose="020B0300000000000000" pitchFamily="34" charset="-128"/>
-              </a:rPr>
-              <a:t>JLCPCB</a:t>
-            </a:r>
-          </a:p>
-          <a:p>
-            <a:r>
-              <a:rPr lang="ja-JP" altLang="en-US" sz="1100" dirty="0" smtClean="0">
-                <a:solidFill>
-                  <a:schemeClr val="bg1"/>
-                </a:solidFill>
-                <a:latin typeface="源ノ角ゴシック Code JP L" panose="020B0300000000000000" pitchFamily="34" charset="-128"/>
-                <a:ea typeface="源ノ角ゴシック Code JP L" panose="020B0300000000000000" pitchFamily="34" charset="-128"/>
-              </a:rPr>
-              <a:t>部品</a:t>
-            </a:r>
-            <a:r>
-              <a:rPr lang="ja-JP" altLang="en-US" sz="1100" dirty="0">
-                <a:solidFill>
-                  <a:schemeClr val="bg1"/>
-                </a:solidFill>
-                <a:latin typeface="源ノ角ゴシック Code JP L" panose="020B0300000000000000" pitchFamily="34" charset="-128"/>
-                <a:ea typeface="源ノ角ゴシック Code JP L" panose="020B0300000000000000" pitchFamily="34" charset="-128"/>
-              </a:rPr>
-              <a:t>製作：</a:t>
-            </a:r>
-            <a:r>
-              <a:rPr lang="en-US" altLang="ja-JP" sz="1050" dirty="0">
-                <a:solidFill>
-                  <a:schemeClr val="bg1"/>
-                </a:solidFill>
-                <a:latin typeface="源ノ角ゴシック Code JP L" panose="020B0300000000000000" pitchFamily="34" charset="-128"/>
-                <a:ea typeface="源ノ角ゴシック Code JP L" panose="020B0300000000000000" pitchFamily="34" charset="-128"/>
-              </a:rPr>
-              <a:t>Originalmind </a:t>
-            </a:r>
-            <a:r>
-              <a:rPr lang="en-US" altLang="ja-JP" sz="1050" dirty="0" smtClean="0">
-                <a:solidFill>
-                  <a:schemeClr val="bg1"/>
-                </a:solidFill>
-                <a:latin typeface="源ノ角ゴシック Code JP L" panose="020B0300000000000000" pitchFamily="34" charset="-128"/>
-                <a:ea typeface="源ノ角ゴシック Code JP L" panose="020B0300000000000000" pitchFamily="34" charset="-128"/>
-              </a:rPr>
-              <a:t>kitmill </a:t>
-            </a:r>
-            <a:r>
-              <a:rPr lang="en-US" altLang="ja-JP" sz="1050" dirty="0">
-                <a:solidFill>
-                  <a:schemeClr val="bg1"/>
-                </a:solidFill>
-                <a:latin typeface="源ノ角ゴシック Code JP L" panose="020B0300000000000000" pitchFamily="34" charset="-128"/>
-                <a:ea typeface="源ノ角ゴシック Code JP L" panose="020B0300000000000000" pitchFamily="34" charset="-128"/>
-              </a:rPr>
-              <a:t>CL100</a:t>
-            </a:r>
-          </a:p>
-          <a:p>
-            <a:r>
-              <a:rPr lang="ja-JP" altLang="en-US" sz="1100" dirty="0">
-                <a:solidFill>
-                  <a:schemeClr val="bg1"/>
-                </a:solidFill>
-                <a:latin typeface="源ノ角ゴシック Code JP L" panose="020B0300000000000000" pitchFamily="34" charset="-128"/>
-                <a:ea typeface="源ノ角ゴシック Code JP L" panose="020B0300000000000000" pitchFamily="34" charset="-128"/>
-              </a:rPr>
-              <a:t>　　　　　</a:t>
-            </a:r>
-            <a:r>
-              <a:rPr lang="en-US" altLang="ja-JP" sz="1050" dirty="0">
-                <a:solidFill>
-                  <a:schemeClr val="bg1"/>
-                </a:solidFill>
-                <a:latin typeface="源ノ角ゴシック Code JP L" panose="020B0300000000000000" pitchFamily="34" charset="-128"/>
-                <a:ea typeface="源ノ角ゴシック Code JP L" panose="020B0300000000000000" pitchFamily="34" charset="-128"/>
-              </a:rPr>
-              <a:t>FLASHFORGE </a:t>
-            </a:r>
-            <a:r>
-              <a:rPr lang="en-US" altLang="ja-JP" sz="1050" dirty="0" smtClean="0">
-                <a:solidFill>
-                  <a:schemeClr val="bg1"/>
-                </a:solidFill>
-                <a:latin typeface="源ノ角ゴシック Code JP L" panose="020B0300000000000000" pitchFamily="34" charset="-128"/>
-                <a:ea typeface="源ノ角ゴシック Code JP L" panose="020B0300000000000000" pitchFamily="34" charset="-128"/>
-              </a:rPr>
-              <a:t>Adventurer3 </a:t>
-            </a:r>
-            <a:r>
-              <a:rPr lang="en-US" altLang="ja-JP" sz="1050" dirty="0">
-                <a:solidFill>
-                  <a:schemeClr val="bg1"/>
-                </a:solidFill>
-                <a:latin typeface="源ノ角ゴシック Code JP L" panose="020B0300000000000000" pitchFamily="34" charset="-128"/>
-                <a:ea typeface="源ノ角ゴシック Code JP L" panose="020B0300000000000000" pitchFamily="34" charset="-128"/>
-              </a:rPr>
-              <a:t>lite</a:t>
-            </a:r>
-          </a:p>
-          <a:p>
-            <a:r>
-              <a:rPr lang="ja-JP" altLang="en-US" sz="1100" dirty="0" smtClean="0">
-                <a:solidFill>
-                  <a:schemeClr val="bg1"/>
-                </a:solidFill>
-                <a:latin typeface="源ノ角ゴシック Code JP L" panose="020B0300000000000000" pitchFamily="34" charset="-128"/>
-                <a:ea typeface="源ノ角ゴシック Code JP L" panose="020B0300000000000000" pitchFamily="34" charset="-128"/>
-              </a:rPr>
-              <a:t>基盤制作</a:t>
-            </a:r>
-            <a:r>
-              <a:rPr lang="ja-JP" altLang="en-US" sz="1100" dirty="0">
-                <a:solidFill>
-                  <a:schemeClr val="bg1"/>
-                </a:solidFill>
-                <a:latin typeface="源ノ角ゴシック Code JP L" panose="020B0300000000000000" pitchFamily="34" charset="-128"/>
-                <a:ea typeface="源ノ角ゴシック Code JP L" panose="020B0300000000000000" pitchFamily="34" charset="-128"/>
-              </a:rPr>
-              <a:t>：</a:t>
+              <a:t>基盤制作：</a:t>
             </a:r>
             <a:r>
               <a:rPr lang="en-US" altLang="ja-JP" sz="1050" dirty="0">
@@ -15612,8 +13921,8 @@
         </p:nvSpPr>
         <p:spPr>
           <a:xfrm>
-            <a:off x="11937463" y="7572746"/>
-            <a:ext cx="2981941" cy="2862322"/>
+            <a:off x="11944890" y="7499733"/>
+            <a:ext cx="2981941" cy="2308324"/>
           </a:xfrm>
           <a:prstGeom prst="rect">
             <a:avLst/>
@@ -15627,7 +13936,7 @@
           <a:lstStyle/>
           <a:p>
             <a:r>
-              <a:rPr lang="ja-JP" altLang="en-US" sz="2400" dirty="0" smtClean="0">
+              <a:rPr lang="ja-JP" altLang="en-US" sz="2400" dirty="0">
                 <a:solidFill>
                   <a:schemeClr val="bg1"/>
                 </a:solidFill>
@@ -15636,7 +13945,7 @@
               </a:rPr>
               <a:t>技術共有</a:t>
             </a:r>
-            <a:endParaRPr lang="en-US" altLang="ja-JP" sz="2400" dirty="0" smtClean="0">
+            <a:endParaRPr lang="en-US" altLang="ja-JP" sz="2400" dirty="0">
               <a:solidFill>
                 <a:schemeClr val="bg1"/>
               </a:solidFill>
@@ -15653,39 +13962,48 @@
                 <a:latin typeface="源ノ角ゴシック Code JP L" panose="020B0300000000000000" pitchFamily="34" charset="-128"/>
                 <a:ea typeface="源ノ角ゴシック Code JP L" panose="020B0300000000000000" pitchFamily="34" charset="-128"/>
               </a:rPr>
-              <a:t>私たち</a:t>
-            </a:r>
-            <a:r>
-              <a:rPr lang="ja-JP" altLang="en-US" sz="1200" dirty="0" smtClean="0">
+              <a:t>私たちは、</a:t>
+            </a:r>
+            <a:r>
+              <a:rPr lang="en-US" altLang="ja-JP" sz="1200" dirty="0" err="1">
                 <a:solidFill>
                   <a:schemeClr val="bg1"/>
                 </a:solidFill>
                 <a:latin typeface="源ノ角ゴシック Code JP L" panose="020B0300000000000000" pitchFamily="34" charset="-128"/>
                 <a:ea typeface="源ノ角ゴシック Code JP L" panose="020B0300000000000000" pitchFamily="34" charset="-128"/>
               </a:rPr>
-              <a:t>は、</a:t>
-            </a:r>
-            <a:r>
-              <a:rPr lang="en-US" altLang="ja-JP" sz="1200" dirty="0" err="1" smtClean="0">
+              <a:t>RoboCupJunior</a:t>
+            </a:r>
+            <a:r>
+              <a:rPr lang="ja-JP" altLang="en-US" sz="1200" dirty="0">
                 <a:solidFill>
                   <a:schemeClr val="bg1"/>
                 </a:solidFill>
                 <a:latin typeface="源ノ角ゴシック Code JP L" panose="020B0300000000000000" pitchFamily="34" charset="-128"/>
                 <a:ea typeface="源ノ角ゴシック Code JP L" panose="020B0300000000000000" pitchFamily="34" charset="-128"/>
               </a:rPr>
-              <a:t>RoboCupJunior</a:t>
-            </a:r>
-            <a:r>
-              <a:rPr lang="ja-JP" altLang="en-US" sz="1200" dirty="0" smtClean="0">
+              <a:t>に参加</a:t>
+            </a:r>
+            <a:endParaRPr lang="en-US" altLang="ja-JP" sz="1200" dirty="0">
+              <a:solidFill>
+                <a:schemeClr val="bg1"/>
+              </a:solidFill>
+              <a:latin typeface="源ノ角ゴシック Code JP L" panose="020B0300000000000000" pitchFamily="34" charset="-128"/>
+              <a:ea typeface="源ノ角ゴシック Code JP L" panose="020B0300000000000000" pitchFamily="34" charset="-128"/>
+            </a:endParaRPr>
+          </a:p>
+          <a:p>
+            <a:r>
+              <a:rPr lang="ja-JP" altLang="en-US" sz="1200" dirty="0">
                 <a:solidFill>
                   <a:schemeClr val="bg1"/>
                 </a:solidFill>
                 <a:latin typeface="源ノ角ゴシック Code JP L" panose="020B0300000000000000" pitchFamily="34" charset="-128"/>
                 <a:ea typeface="源ノ角ゴシック Code JP L" panose="020B0300000000000000" pitchFamily="34" charset="-128"/>
               </a:rPr>
-              <a:t>に参加</a:t>
-            </a:r>
-            <a:endParaRPr lang="en-US" altLang="ja-JP" sz="1200" dirty="0" smtClean="0">
+              <a:t>する上で、技術の共有をすることは必要</a:t>
+            </a:r>
+            <a:endParaRPr lang="en-US" altLang="ja-JP" sz="1200" dirty="0">
               <a:solidFill>
                 <a:schemeClr val="bg1"/>
               </a:solidFill>
@@ -15695,16 +14013,16 @@
           </a:p>
           <a:p>
             <a:r>
-              <a:rPr lang="ja-JP" altLang="en-US" sz="1200" dirty="0" smtClean="0">
+              <a:rPr lang="ja-JP" altLang="en-US" sz="1200" dirty="0">
                 <a:solidFill>
                   <a:schemeClr val="bg1"/>
                 </a:solidFill>
                 <a:latin typeface="源ノ角ゴシック Code JP L" panose="020B0300000000000000" pitchFamily="34" charset="-128"/>
                 <a:ea typeface="源ノ角ゴシック Code JP L" panose="020B0300000000000000" pitchFamily="34" charset="-128"/>
               </a:rPr>
-              <a:t>する上で、技術の共有をすることは必要</a:t>
-            </a:r>
-            <a:endParaRPr lang="en-US" altLang="ja-JP" sz="1200" dirty="0" smtClean="0">
+              <a:t>不可欠であると考えました。そこで、</a:t>
+            </a:r>
+            <a:endParaRPr lang="en-US" altLang="ja-JP" sz="1200" dirty="0">
               <a:solidFill>
                 <a:schemeClr val="bg1"/>
               </a:solidFill>
@@ -15714,16 +14032,36 @@
           </a:p>
           <a:p>
             <a:r>
-              <a:rPr lang="ja-JP" altLang="en-US" sz="1200" dirty="0" smtClean="0">
+              <a:rPr lang="ja-JP" altLang="en-US" sz="1200" dirty="0">
                 <a:solidFill>
                   <a:schemeClr val="bg1"/>
                 </a:solidFill>
                 <a:latin typeface="源ノ角ゴシック Code JP L" panose="020B0300000000000000" pitchFamily="34" charset="-128"/>
                 <a:ea typeface="源ノ角ゴシック Code JP L" panose="020B0300000000000000" pitchFamily="34" charset="-128"/>
               </a:rPr>
-              <a:t>不可欠であると考えました。そこで、</a:t>
-            </a:r>
-            <a:endParaRPr lang="en-US" altLang="ja-JP" sz="1200" dirty="0" smtClean="0">
+              <a:t>私たちで</a:t>
+            </a:r>
+            <a:r>
+              <a:rPr lang="en-US" altLang="ja-JP" sz="1200" dirty="0">
+                <a:solidFill>
+                  <a:schemeClr val="bg1"/>
+                </a:solidFill>
+                <a:latin typeface="源ノ角ゴシック Code JP L" panose="020B0300000000000000" pitchFamily="34" charset="-128"/>
+                <a:ea typeface="源ノ角ゴシック Code JP L" panose="020B0300000000000000" pitchFamily="34" charset="-128"/>
+              </a:rPr>
+              <a:t>Twitter</a:t>
+            </a:r>
+            <a:r>
+              <a:rPr lang="ja-JP" altLang="en-US" sz="1200" dirty="0">
+                <a:solidFill>
+                  <a:schemeClr val="bg1"/>
+                </a:solidFill>
+                <a:latin typeface="源ノ角ゴシック Code JP L" panose="020B0300000000000000" pitchFamily="34" charset="-128"/>
+                <a:ea typeface="源ノ角ゴシック Code JP L" panose="020B0300000000000000" pitchFamily="34" charset="-128"/>
+              </a:rPr>
+              <a:t>のアカウント、</a:t>
+            </a:r>
+            <a:endParaRPr lang="en-US" altLang="ja-JP" sz="1200" dirty="0">
               <a:solidFill>
                 <a:schemeClr val="bg1"/>
               </a:solidFill>
@@ -15740,19 +14078,28 @@
                 <a:latin typeface="源ノ角ゴシック Code JP L" panose="020B0300000000000000" pitchFamily="34" charset="-128"/>
                 <a:ea typeface="源ノ角ゴシック Code JP L" panose="020B0300000000000000" pitchFamily="34" charset="-128"/>
               </a:rPr>
-              <a:t>今年</a:t>
-            </a:r>
-            <a:r>
-              <a:rPr lang="ja-JP" altLang="en-US" sz="1200" dirty="0" smtClean="0">
+              <a:t>ウェブブログを作成し、私たちが</a:t>
+            </a:r>
+            <a:endParaRPr lang="en-US" altLang="ja-JP" sz="1200" dirty="0">
+              <a:solidFill>
+                <a:schemeClr val="bg1"/>
+              </a:solidFill>
+              <a:latin typeface="源ノ角ゴシック Code JP L" panose="020B0300000000000000" pitchFamily="34" charset="-128"/>
+              <a:ea typeface="源ノ角ゴシック Code JP L" panose="020B0300000000000000" pitchFamily="34" charset="-128"/>
+            </a:endParaRPr>
+          </a:p>
+          <a:p>
+            <a:r>
+              <a:rPr lang="ja-JP" altLang="en-US" sz="1200" dirty="0">
                 <a:solidFill>
                   <a:schemeClr val="bg1"/>
                 </a:solidFill>
                 <a:latin typeface="源ノ角ゴシック Code JP L" panose="020B0300000000000000" pitchFamily="34" charset="-128"/>
                 <a:ea typeface="源ノ角ゴシック Code JP L" panose="020B0300000000000000" pitchFamily="34" charset="-128"/>
               </a:rPr>
-              <a:t>からの試みとして私たちで</a:t>
-            </a:r>
-            <a:endParaRPr lang="en-US" altLang="ja-JP" sz="1200" dirty="0" smtClean="0">
+              <a:t>持っている技術を公開・共有することで</a:t>
+            </a:r>
+            <a:endParaRPr lang="en-US" altLang="ja-JP" sz="1200" dirty="0">
               <a:solidFill>
                 <a:schemeClr val="bg1"/>
               </a:solidFill>
@@ -15762,26 +14109,35 @@
           </a:p>
           <a:p>
             <a:r>
-              <a:rPr lang="en-US" altLang="ja-JP" sz="1200" dirty="0" smtClean="0">
+              <a:rPr lang="ja-JP" altLang="en-US" sz="1200" dirty="0">
                 <a:solidFill>
                   <a:schemeClr val="bg1"/>
                 </a:solidFill>
                 <a:latin typeface="源ノ角ゴシック Code JP L" panose="020B0300000000000000" pitchFamily="34" charset="-128"/>
                 <a:ea typeface="源ノ角ゴシック Code JP L" panose="020B0300000000000000" pitchFamily="34" charset="-128"/>
               </a:rPr>
-              <a:t>Twitter</a:t>
-            </a:r>
-            <a:r>
-              <a:rPr lang="ja-JP" altLang="en-US" sz="1200" dirty="0" smtClean="0">
+              <a:t>チームの力を伸ばすことができます。</a:t>
+            </a:r>
+            <a:endParaRPr lang="en-US" altLang="ja-JP" sz="1200" dirty="0">
+              <a:solidFill>
+                <a:schemeClr val="bg1"/>
+              </a:solidFill>
+              <a:latin typeface="源ノ角ゴシック Code JP L" panose="020B0300000000000000" pitchFamily="34" charset="-128"/>
+              <a:ea typeface="源ノ角ゴシック Code JP L" panose="020B0300000000000000" pitchFamily="34" charset="-128"/>
+            </a:endParaRPr>
+          </a:p>
+          <a:p>
+            <a:r>
+              <a:rPr lang="ja-JP" altLang="en-US" sz="1200" dirty="0">
                 <a:solidFill>
                   <a:schemeClr val="bg1"/>
                 </a:solidFill>
                 <a:latin typeface="源ノ角ゴシック Code JP L" panose="020B0300000000000000" pitchFamily="34" charset="-128"/>
                 <a:ea typeface="源ノ角ゴシック Code JP L" panose="020B0300000000000000" pitchFamily="34" charset="-128"/>
               </a:rPr>
-              <a:t>のアカウント、ウェブブログを作成し、私たちが持っている技術を</a:t>
-            </a:r>
-            <a:endParaRPr lang="en-US" altLang="ja-JP" sz="1200" dirty="0" smtClean="0">
+              <a:t>ロボットのハードウェア面、ソフト</a:t>
+            </a:r>
+            <a:endParaRPr lang="en-US" altLang="ja-JP" sz="1200" dirty="0">
               <a:solidFill>
                 <a:schemeClr val="bg1"/>
               </a:solidFill>
@@ -15791,16 +14147,16 @@
           </a:p>
           <a:p>
             <a:r>
-              <a:rPr lang="ja-JP" altLang="en-US" sz="1200" dirty="0" smtClean="0">
+              <a:rPr lang="ja-JP" altLang="en-US" sz="1200" dirty="0">
                 <a:solidFill>
                   <a:schemeClr val="bg1"/>
                 </a:solidFill>
                 <a:latin typeface="源ノ角ゴシック Code JP L" panose="020B0300000000000000" pitchFamily="34" charset="-128"/>
                 <a:ea typeface="源ノ角ゴシック Code JP L" panose="020B0300000000000000" pitchFamily="34" charset="-128"/>
               </a:rPr>
-              <a:t>公開・共有することにしました。</a:t>
-            </a:r>
-            <a:endParaRPr lang="en-US" altLang="ja-JP" sz="1200" dirty="0" smtClean="0">
+              <a:t>ウェア面からの共有をすることも考えて</a:t>
+            </a:r>
+            <a:endParaRPr lang="en-US" altLang="ja-JP" sz="1200" dirty="0">
               <a:solidFill>
                 <a:schemeClr val="bg1"/>
               </a:solidFill>
@@ -15810,16 +14166,61 @@
           </a:p>
           <a:p>
             <a:r>
-              <a:rPr lang="ja-JP" altLang="en-US" sz="1200" dirty="0" smtClean="0">
+              <a:rPr lang="ja-JP" altLang="en-US" sz="1200" dirty="0">
                 <a:solidFill>
                   <a:schemeClr val="bg1"/>
                 </a:solidFill>
                 <a:latin typeface="源ノ角ゴシック Code JP L" panose="020B0300000000000000" pitchFamily="34" charset="-128"/>
                 <a:ea typeface="源ノ角ゴシック Code JP L" panose="020B0300000000000000" pitchFamily="34" charset="-128"/>
               </a:rPr>
-              <a:t>ロボットのハードウェア面、ソフト</a:t>
-            </a:r>
-            <a:endParaRPr lang="en-US" altLang="ja-JP" sz="1200" dirty="0" smtClean="0">
+              <a:t>いるため、ぜひ一度お越しください。</a:t>
+            </a:r>
+          </a:p>
+        </p:txBody>
+      </p:sp>
+      <p:sp>
+        <p:nvSpPr>
+          <p:cNvPr id="246" name="テキスト ボックス 245"/>
+          <p:cNvSpPr txBox="1"/>
+          <p:nvPr/>
+        </p:nvSpPr>
+        <p:spPr>
+          <a:xfrm>
+            <a:off x="11891550" y="9917578"/>
+            <a:ext cx="3521271" cy="415498"/>
+          </a:xfrm>
+          <a:prstGeom prst="rect">
+            <a:avLst/>
+          </a:prstGeom>
+          <a:noFill/>
+        </p:spPr>
+        <p:txBody>
+          <a:bodyPr wrap="square" rtlCol="0">
+            <a:spAutoFit/>
+          </a:bodyPr>
+          <a:lstStyle/>
+          <a:p>
+            <a:r>
+              <a:rPr lang="en-US" altLang="ja-JP" sz="1050" b="1" dirty="0">
+                <a:solidFill>
+                  <a:schemeClr val="bg1"/>
+                </a:solidFill>
+                <a:latin typeface="源ノ角ゴシック Code JP L" panose="020B0300000000000000" pitchFamily="34" charset="-128"/>
+                <a:ea typeface="源ノ角ゴシック Code JP L" panose="020B0300000000000000" pitchFamily="34" charset="-128"/>
+              </a:rPr>
+              <a:t>Twitter:@</a:t>
+            </a:r>
+            <a:r>
+              <a:rPr lang="en-US" altLang="ja-JP" sz="1050" b="1" dirty="0" err="1">
+                <a:solidFill>
+                  <a:schemeClr val="bg1"/>
+                </a:solidFill>
+                <a:latin typeface="源ノ角ゴシック Code JP L" panose="020B0300000000000000" pitchFamily="34" charset="-128"/>
+                <a:ea typeface="源ノ角ゴシック Code JP L" panose="020B0300000000000000" pitchFamily="34" charset="-128"/>
+              </a:rPr>
+              <a:t>munachu_artemis</a:t>
+            </a:r>
+            <a:endParaRPr lang="en-US" altLang="ja-JP" sz="1050" b="1" dirty="0">
               <a:solidFill>
                 <a:schemeClr val="bg1"/>
               </a:solidFill>
@@ -15829,16 +14230,26 @@
           </a:p>
           <a:p>
             <a:r>
-              <a:rPr lang="ja-JP" altLang="en-US" sz="1200" dirty="0" smtClean="0">
+              <a:rPr lang="en-US" altLang="ja-JP" sz="1050" b="1" dirty="0" err="1">
                 <a:solidFill>
                   <a:schemeClr val="bg1"/>
                 </a:solidFill>
                 <a:latin typeface="源ノ角ゴシック Code JP L" panose="020B0300000000000000" pitchFamily="34" charset="-128"/>
                 <a:ea typeface="源ノ角ゴシック Code JP L" panose="020B0300000000000000" pitchFamily="34" charset="-128"/>
               </a:rPr>
-              <a:t>ウェア面からの共有をすることも考えて</a:t>
-            </a:r>
-            <a:endParaRPr lang="en-US" altLang="ja-JP" sz="1200" dirty="0" smtClean="0">
+              <a:t>Blog:https</a:t>
+            </a:r>
+            <a:r>
+              <a:rPr lang="en-US" altLang="ja-JP" sz="1050" b="1" dirty="0">
+                <a:solidFill>
+                  <a:schemeClr val="bg1"/>
+                </a:solidFill>
+                <a:latin typeface="源ノ角ゴシック Code JP L" panose="020B0300000000000000" pitchFamily="34" charset="-128"/>
+                <a:ea typeface="源ノ角ゴシック Code JP L" panose="020B0300000000000000" pitchFamily="34" charset="-128"/>
+              </a:rPr>
+              <a:t>://asahi-rcj.github.io</a:t>
+            </a:r>
+            <a:endParaRPr lang="ja-JP" altLang="en-US" sz="1050" b="1" dirty="0">
               <a:solidFill>
                 <a:schemeClr val="bg1"/>
               </a:solidFill>
@@ -15846,193 +14257,8 @@
               <a:ea typeface="源ノ角ゴシック Code JP L" panose="020B0300000000000000" pitchFamily="34" charset="-128"/>
             </a:endParaRPr>
           </a:p>
-          <a:p>
-            <a:r>
-              <a:rPr lang="ja-JP" altLang="en-US" sz="1200" dirty="0">
-                <a:solidFill>
-                  <a:schemeClr val="bg1"/>
-                </a:solidFill>
-                <a:latin typeface="源ノ角ゴシック Code JP L" panose="020B0300000000000000" pitchFamily="34" charset="-128"/>
-                <a:ea typeface="源ノ角ゴシック Code JP L" panose="020B0300000000000000" pitchFamily="34" charset="-128"/>
-              </a:rPr>
-              <a:t>いる</a:t>
-            </a:r>
-            <a:r>
-              <a:rPr lang="ja-JP" altLang="en-US" sz="1200" dirty="0" smtClean="0">
-                <a:solidFill>
-                  <a:schemeClr val="bg1"/>
-                </a:solidFill>
-                <a:latin typeface="源ノ角ゴシック Code JP L" panose="020B0300000000000000" pitchFamily="34" charset="-128"/>
-                <a:ea typeface="源ノ角ゴシック Code JP L" panose="020B0300000000000000" pitchFamily="34" charset="-128"/>
-              </a:rPr>
-              <a:t>ため、ぜひ一度お越しください。</a:t>
-            </a:r>
-            <a:endParaRPr lang="en-US" altLang="ja-JP" sz="1200" dirty="0" smtClean="0">
-              <a:solidFill>
-                <a:schemeClr val="bg1"/>
-              </a:solidFill>
-              <a:latin typeface="源ノ角ゴシック Code JP L" panose="020B0300000000000000" pitchFamily="34" charset="-128"/>
-              <a:ea typeface="源ノ角ゴシック Code JP L" panose="020B0300000000000000" pitchFamily="34" charset="-128"/>
-            </a:endParaRPr>
-          </a:p>
-          <a:p>
-            <a:r>
-              <a:rPr lang="en-US" altLang="ja-JP" sz="1200" dirty="0" smtClean="0">
-                <a:solidFill>
-                  <a:schemeClr val="bg1"/>
-                </a:solidFill>
-                <a:latin typeface="源ノ角ゴシック Code JP L" panose="020B0300000000000000" pitchFamily="34" charset="-128"/>
-                <a:ea typeface="源ノ角ゴシック Code JP L" panose="020B0300000000000000" pitchFamily="34" charset="-128"/>
-              </a:rPr>
-              <a:t>Twitter</a:t>
-            </a:r>
-            <a:r>
-              <a:rPr lang="en-US" altLang="ja-JP" sz="1200" dirty="0">
-                <a:solidFill>
-                  <a:schemeClr val="bg1"/>
-                </a:solidFill>
-                <a:latin typeface="源ノ角ゴシック Code JP L" panose="020B0300000000000000" pitchFamily="34" charset="-128"/>
-                <a:ea typeface="源ノ角ゴシック Code JP L" panose="020B0300000000000000" pitchFamily="34" charset="-128"/>
-              </a:rPr>
-              <a:t>,</a:t>
-            </a:r>
-            <a:r>
-              <a:rPr lang="ja-JP" altLang="en-US" sz="1200" dirty="0" smtClean="0">
-                <a:solidFill>
-                  <a:schemeClr val="bg1"/>
-                </a:solidFill>
-                <a:latin typeface="源ノ角ゴシック Code JP L" panose="020B0300000000000000" pitchFamily="34" charset="-128"/>
-                <a:ea typeface="源ノ角ゴシック Code JP L" panose="020B0300000000000000" pitchFamily="34" charset="-128"/>
-              </a:rPr>
-              <a:t>ブログの</a:t>
-            </a:r>
-            <a:r>
-              <a:rPr lang="en-US" altLang="ja-JP" sz="1200" dirty="0" smtClean="0">
-                <a:solidFill>
-                  <a:schemeClr val="bg1"/>
-                </a:solidFill>
-                <a:latin typeface="源ノ角ゴシック Code JP L" panose="020B0300000000000000" pitchFamily="34" charset="-128"/>
-                <a:ea typeface="源ノ角ゴシック Code JP L" panose="020B0300000000000000" pitchFamily="34" charset="-128"/>
-              </a:rPr>
-              <a:t>URL</a:t>
-            </a:r>
-            <a:r>
-              <a:rPr lang="ja-JP" altLang="en-US" sz="1200" dirty="0" smtClean="0">
-                <a:solidFill>
-                  <a:schemeClr val="bg1"/>
-                </a:solidFill>
-                <a:latin typeface="源ノ角ゴシック Code JP L" panose="020B0300000000000000" pitchFamily="34" charset="-128"/>
-                <a:ea typeface="源ノ角ゴシック Code JP L" panose="020B0300000000000000" pitchFamily="34" charset="-128"/>
-              </a:rPr>
-              <a:t>等は上の</a:t>
-            </a:r>
-            <a:r>
-              <a:rPr lang="ja-JP" altLang="en-US" sz="1200" dirty="0">
-                <a:solidFill>
-                  <a:schemeClr val="bg1"/>
-                </a:solidFill>
-                <a:latin typeface="源ノ角ゴシック Code JP L" panose="020B0300000000000000" pitchFamily="34" charset="-128"/>
-                <a:ea typeface="源ノ角ゴシック Code JP L" panose="020B0300000000000000" pitchFamily="34" charset="-128"/>
-              </a:rPr>
-              <a:t>方</a:t>
-            </a:r>
-            <a:r>
-              <a:rPr lang="ja-JP" altLang="en-US" sz="1200" dirty="0" smtClean="0">
-                <a:solidFill>
-                  <a:schemeClr val="bg1"/>
-                </a:solidFill>
-                <a:latin typeface="源ノ角ゴシック Code JP L" panose="020B0300000000000000" pitchFamily="34" charset="-128"/>
-                <a:ea typeface="源ノ角ゴシック Code JP L" panose="020B0300000000000000" pitchFamily="34" charset="-128"/>
-              </a:rPr>
-              <a:t>に</a:t>
-            </a:r>
-            <a:endParaRPr lang="en-US" altLang="ja-JP" sz="1200" dirty="0" smtClean="0">
-              <a:solidFill>
-                <a:schemeClr val="bg1"/>
-              </a:solidFill>
-              <a:latin typeface="源ノ角ゴシック Code JP L" panose="020B0300000000000000" pitchFamily="34" charset="-128"/>
-              <a:ea typeface="源ノ角ゴシック Code JP L" panose="020B0300000000000000" pitchFamily="34" charset="-128"/>
-            </a:endParaRPr>
-          </a:p>
-          <a:p>
-            <a:r>
-              <a:rPr lang="ja-JP" altLang="en-US" sz="1200" dirty="0">
-                <a:solidFill>
-                  <a:schemeClr val="bg1"/>
-                </a:solidFill>
-                <a:latin typeface="源ノ角ゴシック Code JP L" panose="020B0300000000000000" pitchFamily="34" charset="-128"/>
-                <a:ea typeface="源ノ角ゴシック Code JP L" panose="020B0300000000000000" pitchFamily="34" charset="-128"/>
-              </a:rPr>
-              <a:t>記載しています</a:t>
-            </a:r>
-            <a:r>
-              <a:rPr lang="ja-JP" altLang="en-US" sz="1200" dirty="0" smtClean="0">
-                <a:solidFill>
-                  <a:schemeClr val="bg1"/>
-                </a:solidFill>
-                <a:latin typeface="源ノ角ゴシック Code JP L" panose="020B0300000000000000" pitchFamily="34" charset="-128"/>
-                <a:ea typeface="源ノ角ゴシック Code JP L" panose="020B0300000000000000" pitchFamily="34" charset="-128"/>
-              </a:rPr>
-              <a:t>ので、そこからアクセス</a:t>
-            </a:r>
-            <a:endParaRPr lang="en-US" altLang="ja-JP" sz="1200" dirty="0" smtClean="0">
-              <a:solidFill>
-                <a:schemeClr val="bg1"/>
-              </a:solidFill>
-              <a:latin typeface="源ノ角ゴシック Code JP L" panose="020B0300000000000000" pitchFamily="34" charset="-128"/>
-              <a:ea typeface="源ノ角ゴシック Code JP L" panose="020B0300000000000000" pitchFamily="34" charset="-128"/>
-            </a:endParaRPr>
-          </a:p>
-          <a:p>
-            <a:r>
-              <a:rPr lang="ja-JP" altLang="en-US" sz="1200" dirty="0" smtClean="0">
-                <a:solidFill>
-                  <a:schemeClr val="bg1"/>
-                </a:solidFill>
-                <a:latin typeface="源ノ角ゴシック Code JP L" panose="020B0300000000000000" pitchFamily="34" charset="-128"/>
-                <a:ea typeface="源ノ角ゴシック Code JP L" panose="020B0300000000000000" pitchFamily="34" charset="-128"/>
-              </a:rPr>
-              <a:t>することができます。</a:t>
-            </a:r>
-            <a:endParaRPr lang="ja-JP" altLang="en-US" sz="1200" dirty="0">
-              <a:solidFill>
-                <a:schemeClr val="bg1"/>
-              </a:solidFill>
-              <a:latin typeface="源ノ角ゴシック Code JP L" panose="020B0300000000000000" pitchFamily="34" charset="-128"/>
-              <a:ea typeface="源ノ角ゴシック Code JP L" panose="020B0300000000000000" pitchFamily="34" charset="-128"/>
-            </a:endParaRPr>
-          </a:p>
-        </p:txBody>
-      </p:sp>
-      <p:pic>
-        <p:nvPicPr>
-          <p:cNvPr id="38" name="図 37"/>
-          <p:cNvPicPr>
-            <a:picLocks noChangeAspect="1"/>
-          </p:cNvPicPr>
-          <p:nvPr/>
-        </p:nvPicPr>
-        <p:blipFill rotWithShape="1">
-          <a:blip r:embed="rId20">
-            <a:extLst>
-              <a:ext uri="{28A0092B-C50C-407E-A947-70E740481C1C}">
-                <a14:useLocalDpi xmlns:a14="http://schemas.microsoft.com/office/drawing/2010/main" val="0"/>
-              </a:ext>
-            </a:extLst>
-          </a:blip>
-          <a:srcRect l="15594" r="5142"/>
-          <a:stretch/>
-        </p:blipFill>
-        <p:spPr>
-          <a:xfrm>
-            <a:off x="9778470" y="4728690"/>
-            <a:ext cx="2368249" cy="2240860"/>
-          </a:xfrm>
-          <a:prstGeom prst="rect">
-            <a:avLst/>
-          </a:prstGeom>
-        </p:spPr>
-      </p:pic>
+        </p:txBody>
+      </p:sp>
       <p:pic>
         <p:nvPicPr>
           <p:cNvPr id="46" name="図 45"/>
@@ -16042,7 +14268,7 @@
           <p:nvPr/>
         </p:nvPicPr>
         <p:blipFill rotWithShape="1">
-          <a:blip r:embed="rId21" cstate="print">
+          <a:blip r:embed="rId20" cstate="print">
             <a:extLst>
               <a:ext uri="{28A0092B-C50C-407E-A947-70E740481C1C}">
                 <a14:useLocalDpi xmlns:a14="http://schemas.microsoft.com/office/drawing/2010/main" val="0"/>
@@ -16054,7 +14280,7 @@
         </p:blipFill>
         <p:spPr>
           <a:xfrm>
-            <a:off x="8210724" y="9961152"/>
+            <a:off x="7996191" y="9962400"/>
             <a:ext cx="606776" cy="535110"/>
           </a:xfrm>
           <a:prstGeom prst="rect">
@@ -16065,6 +14291,36 @@
       <p:pic>
         <p:nvPicPr>
           <p:cNvPr id="39" name="図 38"/>
+          <p:cNvPicPr>
+            <a:picLocks noChangeAspect="1"/>
+          </p:cNvPicPr>
+          <p:nvPr/>
+        </p:nvPicPr>
+        <p:blipFill>
+          <a:blip r:embed="rId21" cstate="print">
+            <a:extLst>
+              <a:ext uri="{28A0092B-C50C-407E-A947-70E740481C1C}">
+                <a14:useLocalDpi xmlns:a14="http://schemas.microsoft.com/office/drawing/2010/main" val="0"/>
+              </a:ext>
+            </a:extLst>
+          </a:blip>
+          <a:stretch>
+            <a:fillRect/>
+          </a:stretch>
+        </p:blipFill>
+        <p:spPr>
+          <a:xfrm>
+            <a:off x="8539848" y="9618816"/>
+            <a:ext cx="682999" cy="682999"/>
+          </a:xfrm>
+          <a:prstGeom prst="rect">
+            <a:avLst/>
+          </a:prstGeom>
+        </p:spPr>
+      </p:pic>
+      <p:pic>
+        <p:nvPicPr>
+          <p:cNvPr id="44" name="図 43"/>
           <p:cNvPicPr>
             <a:picLocks noChangeAspect="1"/>
           </p:cNvPicPr>
@@ -16084,8 +14340,8 @@
         </p:blipFill>
         <p:spPr>
           <a:xfrm>
-            <a:off x="8698217" y="9521788"/>
-            <a:ext cx="682999" cy="682999"/>
+            <a:off x="9240736" y="9736061"/>
+            <a:ext cx="2325383" cy="682264"/>
           </a:xfrm>
           <a:prstGeom prst="rect">
             <a:avLst/>
@@ -16094,7 +14350,7 @@
       </p:pic>
       <p:pic>
         <p:nvPicPr>
-          <p:cNvPr id="44" name="図 43"/>
+          <p:cNvPr id="37" name="図 36"/>
           <p:cNvPicPr>
             <a:picLocks noChangeAspect="1"/>
           </p:cNvPicPr>
@@ -16114,8 +14370,8 @@
         </p:blipFill>
         <p:spPr>
           <a:xfrm>
-            <a:off x="9221401" y="9826365"/>
-            <a:ext cx="2325383" cy="682264"/>
+            <a:off x="7320954" y="9351731"/>
+            <a:ext cx="1003386" cy="885163"/>
           </a:xfrm>
           <a:prstGeom prst="rect">
             <a:avLst/>
@@ -16124,14 +14380,185 @@
       </p:pic>
       <p:pic>
         <p:nvPicPr>
-          <p:cNvPr id="37" name="図 36"/>
+          <p:cNvPr id="24" name="図 23">
+            <a:extLst>
+              <a:ext uri="{FF2B5EF4-FFF2-40B4-BE49-F238E27FC236}">
+                <a16:creationId xmlns:a16="http://schemas.microsoft.com/office/drawing/2014/main" id="{38164A6C-0691-9201-B00C-47BB12CE7D1E}"/>
+              </a:ext>
+            </a:extLst>
+          </p:cNvPr>
           <p:cNvPicPr>
             <a:picLocks noChangeAspect="1"/>
           </p:cNvPicPr>
           <p:nvPr/>
         </p:nvPicPr>
         <p:blipFill>
-          <a:blip r:embed="rId24" cstate="print">
+          <a:blip r:embed="rId24"/>
+          <a:stretch>
+            <a:fillRect/>
+          </a:stretch>
+        </p:blipFill>
+        <p:spPr>
+          <a:xfrm>
+            <a:off x="9914556" y="8618835"/>
+            <a:ext cx="1728551" cy="1079645"/>
+          </a:xfrm>
+          <a:prstGeom prst="rect">
+            <a:avLst/>
+          </a:prstGeom>
+        </p:spPr>
+      </p:pic>
+      <p:pic>
+        <p:nvPicPr>
+          <p:cNvPr id="31" name="図 30">
+            <a:extLst>
+              <a:ext uri="{FF2B5EF4-FFF2-40B4-BE49-F238E27FC236}">
+                <a16:creationId xmlns:a16="http://schemas.microsoft.com/office/drawing/2014/main" id="{5A506B3D-14EF-F923-B6A8-4D972CAF3B96}"/>
+              </a:ext>
+            </a:extLst>
+          </p:cNvPr>
+          <p:cNvPicPr>
+            <a:picLocks noChangeAspect="1"/>
+          </p:cNvPicPr>
+          <p:nvPr/>
+        </p:nvPicPr>
+        <p:blipFill>
+          <a:blip r:embed="rId25"/>
+          <a:stretch>
+            <a:fillRect/>
+          </a:stretch>
+        </p:blipFill>
+        <p:spPr>
+          <a:xfrm>
+            <a:off x="8958493" y="8000597"/>
+            <a:ext cx="1480580" cy="1216088"/>
+          </a:xfrm>
+          <a:prstGeom prst="rect">
+            <a:avLst/>
+          </a:prstGeom>
+        </p:spPr>
+      </p:pic>
+      <p:pic>
+        <p:nvPicPr>
+          <p:cNvPr id="28" name="図 27">
+            <a:extLst>
+              <a:ext uri="{FF2B5EF4-FFF2-40B4-BE49-F238E27FC236}">
+                <a16:creationId xmlns:a16="http://schemas.microsoft.com/office/drawing/2014/main" id="{77585FF6-C77A-5041-43BB-C8D171A6EC8F}"/>
+              </a:ext>
+            </a:extLst>
+          </p:cNvPr>
+          <p:cNvPicPr>
+            <a:picLocks noChangeAspect="1"/>
+          </p:cNvPicPr>
+          <p:nvPr/>
+        </p:nvPicPr>
+        <p:blipFill rotWithShape="1">
+          <a:blip r:embed="rId26" cstate="print">
+            <a:extLst>
+              <a:ext uri="{28A0092B-C50C-407E-A947-70E740481C1C}">
+                <a14:useLocalDpi xmlns:a14="http://schemas.microsoft.com/office/drawing/2010/main" val="0"/>
+              </a:ext>
+            </a:extLst>
+          </a:blip>
+          <a:srcRect l="22914" t="-2548" r="15999" b="4948"/>
+          <a:stretch/>
+        </p:blipFill>
+        <p:spPr>
+          <a:xfrm>
+            <a:off x="69734" y="709127"/>
+            <a:ext cx="2554766" cy="3061351"/>
+          </a:xfrm>
+          <a:prstGeom prst="rect">
+            <a:avLst/>
+          </a:prstGeom>
+        </p:spPr>
+      </p:pic>
+      <p:pic>
+        <p:nvPicPr>
+          <p:cNvPr id="33" name="図 32">
+            <a:extLst>
+              <a:ext uri="{FF2B5EF4-FFF2-40B4-BE49-F238E27FC236}">
+                <a16:creationId xmlns:a16="http://schemas.microsoft.com/office/drawing/2014/main" id="{BBB4551F-FD79-6454-8E2D-E2CBB0F0F7F0}"/>
+              </a:ext>
+            </a:extLst>
+          </p:cNvPr>
+          <p:cNvPicPr>
+            <a:picLocks noChangeAspect="1"/>
+          </p:cNvPicPr>
+          <p:nvPr/>
+        </p:nvPicPr>
+        <p:blipFill rotWithShape="1">
+          <a:blip r:embed="rId27" cstate="print">
+            <a:extLst>
+              <a:ext uri="{28A0092B-C50C-407E-A947-70E740481C1C}">
+                <a14:useLocalDpi xmlns:a14="http://schemas.microsoft.com/office/drawing/2010/main" val="0"/>
+              </a:ext>
+            </a:extLst>
+          </a:blip>
+          <a:srcRect l="21967" r="15192"/>
+          <a:stretch/>
+        </p:blipFill>
+        <p:spPr>
+          <a:xfrm>
+            <a:off x="7490810" y="735561"/>
+            <a:ext cx="2553080" cy="3047062"/>
+          </a:xfrm>
+          <a:prstGeom prst="rect">
+            <a:avLst/>
+          </a:prstGeom>
+        </p:spPr>
+      </p:pic>
+      <p:pic>
+        <p:nvPicPr>
+          <p:cNvPr id="40" name="図 39">
+            <a:extLst>
+              <a:ext uri="{FF2B5EF4-FFF2-40B4-BE49-F238E27FC236}">
+                <a16:creationId xmlns:a16="http://schemas.microsoft.com/office/drawing/2014/main" id="{81467D52-0506-0C1C-0284-1E442AD8755D}"/>
+              </a:ext>
+            </a:extLst>
+          </p:cNvPr>
+          <p:cNvPicPr>
+            <a:picLocks noChangeAspect="1"/>
+          </p:cNvPicPr>
+          <p:nvPr/>
+        </p:nvPicPr>
+        <p:blipFill rotWithShape="1">
+          <a:blip r:embed="rId28" cstate="print">
+            <a:extLst>
+              <a:ext uri="{28A0092B-C50C-407E-A947-70E740481C1C}">
+                <a14:useLocalDpi xmlns:a14="http://schemas.microsoft.com/office/drawing/2010/main" val="0"/>
+              </a:ext>
+            </a:extLst>
+          </a:blip>
+          <a:srcRect l="6970" r="4011"/>
+          <a:stretch/>
+        </p:blipFill>
+        <p:spPr>
+          <a:xfrm>
+            <a:off x="9718168" y="4805986"/>
+            <a:ext cx="2427532" cy="2061071"/>
+          </a:xfrm>
+          <a:prstGeom prst="rect">
+            <a:avLst/>
+          </a:prstGeom>
+        </p:spPr>
+      </p:pic>
+      <p:pic>
+        <p:nvPicPr>
+          <p:cNvPr id="45" name="図 44">
+            <a:extLst>
+              <a:ext uri="{FF2B5EF4-FFF2-40B4-BE49-F238E27FC236}">
+                <a16:creationId xmlns:a16="http://schemas.microsoft.com/office/drawing/2014/main" id="{82BBACEA-A094-E4E9-791B-DD1C311E9C41}"/>
+              </a:ext>
+            </a:extLst>
+          </p:cNvPr>
+          <p:cNvPicPr>
+            <a:picLocks noChangeAspect="1"/>
+          </p:cNvPicPr>
+          <p:nvPr/>
+        </p:nvPicPr>
+        <p:blipFill>
+          <a:blip r:embed="rId29">
             <a:extLst>
               <a:ext uri="{28A0092B-C50C-407E-A947-70E740481C1C}">
                 <a14:useLocalDpi xmlns:a14="http://schemas.microsoft.com/office/drawing/2010/main" val="0"/>
@@ -16144,8 +14571,8 @@
         </p:blipFill>
         <p:spPr>
           <a:xfrm>
-            <a:off x="7591048" y="9360293"/>
-            <a:ext cx="1003386" cy="885163"/>
+            <a:off x="2059926" y="8638081"/>
+            <a:ext cx="1855156" cy="1855156"/>
           </a:xfrm>
           <a:prstGeom prst="rect">
             <a:avLst/>
@@ -16154,14 +14581,20 @@
       </p:pic>
       <p:pic>
         <p:nvPicPr>
-          <p:cNvPr id="23" name="図 22"/>
+          <p:cNvPr id="48" name="図 47">
+            <a:extLst>
+              <a:ext uri="{FF2B5EF4-FFF2-40B4-BE49-F238E27FC236}">
+                <a16:creationId xmlns:a16="http://schemas.microsoft.com/office/drawing/2014/main" id="{857B7C14-6842-D79E-276B-D2271C79BD4B}"/>
+              </a:ext>
+            </a:extLst>
+          </p:cNvPr>
           <p:cNvPicPr>
             <a:picLocks noChangeAspect="1"/>
           </p:cNvPicPr>
           <p:nvPr/>
         </p:nvPicPr>
         <p:blipFill>
-          <a:blip r:embed="rId25" cstate="print">
+          <a:blip r:embed="rId30">
             <a:extLst>
               <a:ext uri="{28A0092B-C50C-407E-A947-70E740481C1C}">
                 <a14:useLocalDpi xmlns:a14="http://schemas.microsoft.com/office/drawing/2010/main" val="0"/>
@@ -16173,177 +14606,13 @@
           </a:stretch>
         </p:blipFill>
         <p:spPr>
-          <a:xfrm>
-            <a:off x="12884890" y="112325"/>
-            <a:ext cx="500751" cy="500751"/>
-          </a:xfrm>
-          <a:prstGeom prst="rect">
-            <a:avLst/>
-          </a:prstGeom>
-          <a:effectLst>
-            <a:softEdge rad="31750"/>
-          </a:effectLst>
-        </p:spPr>
-      </p:pic>
-      <p:sp>
-        <p:nvSpPr>
-          <p:cNvPr id="204" name="テキスト ボックス 203"/>
-          <p:cNvSpPr txBox="1"/>
-          <p:nvPr/>
-        </p:nvSpPr>
-        <p:spPr>
-          <a:xfrm>
-            <a:off x="13347391" y="143378"/>
-            <a:ext cx="1775254" cy="369332"/>
-          </a:xfrm>
-          <a:prstGeom prst="rect">
-            <a:avLst/>
-          </a:prstGeom>
-          <a:noFill/>
-        </p:spPr>
-        <p:txBody>
-          <a:bodyPr wrap="square" rtlCol="0">
-            <a:spAutoFit/>
-          </a:bodyPr>
-          <a:lstStyle/>
-          <a:p>
-            <a:r>
-              <a:rPr lang="en-US" altLang="ja-JP" sz="1050" b="1" dirty="0" smtClean="0">
-                <a:solidFill>
-                  <a:schemeClr val="bg1"/>
-                </a:solidFill>
-                <a:latin typeface="源ノ角ゴシック Code JP R" panose="020B0500000000000000" pitchFamily="34" charset="-128"/>
-                <a:ea typeface="源ノ角ゴシック Code JP R" panose="020B0500000000000000" pitchFamily="34" charset="-128"/>
-              </a:rPr>
-              <a:t>Our blog</a:t>
-            </a:r>
-          </a:p>
-          <a:p>
-            <a:r>
-              <a:rPr lang="en-US" altLang="ja-JP" sz="700" b="1" dirty="0" smtClean="0">
-                <a:solidFill>
-                  <a:schemeClr val="bg1"/>
-                </a:solidFill>
-                <a:latin typeface="源ノ角ゴシック Code JP R" panose="020B0500000000000000" pitchFamily="34" charset="-128"/>
-                <a:ea typeface="源ノ角ゴシック Code JP R" panose="020B0500000000000000" pitchFamily="34" charset="-128"/>
-              </a:rPr>
-              <a:t>https://asahi-rcj.github.io</a:t>
-            </a:r>
-            <a:endParaRPr lang="ja-JP" altLang="en-US" sz="1050" b="1" dirty="0">
-              <a:solidFill>
-                <a:schemeClr val="bg1"/>
-              </a:solidFill>
-              <a:latin typeface="源ノ角ゴシック Code JP R" panose="020B0500000000000000" pitchFamily="34" charset="-128"/>
-              <a:ea typeface="源ノ角ゴシック Code JP R" panose="020B0500000000000000" pitchFamily="34" charset="-128"/>
-            </a:endParaRPr>
-          </a:p>
-        </p:txBody>
-      </p:sp>
-      <p:cxnSp>
-        <p:nvCxnSpPr>
-          <p:cNvPr id="28" name="直線コネクタ 27"/>
-          <p:cNvCxnSpPr/>
-          <p:nvPr/>
-        </p:nvCxnSpPr>
-        <p:spPr>
-          <a:xfrm>
-            <a:off x="12815131" y="133245"/>
-            <a:ext cx="4810" cy="455863"/>
-          </a:xfrm>
-          <a:prstGeom prst="line">
-            <a:avLst/>
-          </a:prstGeom>
-          <a:ln w="19050">
-            <a:solidFill>
-              <a:schemeClr val="bg1">
-                <a:lumMod val="65000"/>
-              </a:schemeClr>
-            </a:solidFill>
-          </a:ln>
-        </p:spPr>
-        <p:style>
-          <a:lnRef idx="1">
-            <a:schemeClr val="dk1"/>
-          </a:lnRef>
-          <a:fillRef idx="0">
-            <a:schemeClr val="dk1"/>
-          </a:fillRef>
-          <a:effectRef idx="0">
-            <a:schemeClr val="dk1"/>
-          </a:effectRef>
-          <a:fontRef idx="minor">
-            <a:schemeClr val="tx1"/>
-          </a:fontRef>
-        </p:style>
-      </p:cxnSp>
-      <p:pic>
-        <p:nvPicPr>
-          <p:cNvPr id="24" name="図 23"/>
-          <p:cNvPicPr>
-            <a:picLocks noChangeAspect="1"/>
-          </p:cNvPicPr>
-          <p:nvPr/>
-        </p:nvPicPr>
-        <p:blipFill rotWithShape="1">
-          <a:blip r:embed="rId26">
-            <a:extLst>
-              <a:ext uri="{28A0092B-C50C-407E-A947-70E740481C1C}">
-                <a14:useLocalDpi xmlns:a14="http://schemas.microsoft.com/office/drawing/2010/main" val="0"/>
-              </a:ext>
-            </a:extLst>
-          </a:blip>
-          <a:srcRect l="16074" r="23486"/>
-          <a:stretch/>
-        </p:blipFill>
-        <p:spPr>
-          <a:xfrm>
-            <a:off x="92241" y="764462"/>
-            <a:ext cx="2507182" cy="3110003"/>
-          </a:xfrm>
-          <a:prstGeom prst="rect">
-            <a:avLst/>
-          </a:prstGeom>
-          <a:ln>
-            <a:noFill/>
-          </a:ln>
-          <a:effectLst>
-            <a:softEdge rad="112500"/>
-          </a:effectLst>
-        </p:spPr>
-      </p:pic>
-      <p:pic>
-        <p:nvPicPr>
-          <p:cNvPr id="31" name="図 30"/>
-          <p:cNvPicPr>
-            <a:picLocks noChangeAspect="1"/>
-          </p:cNvPicPr>
-          <p:nvPr/>
-        </p:nvPicPr>
-        <p:blipFill rotWithShape="1">
-          <a:blip r:embed="rId27">
-            <a:extLst>
-              <a:ext uri="{28A0092B-C50C-407E-A947-70E740481C1C}">
-                <a14:useLocalDpi xmlns:a14="http://schemas.microsoft.com/office/drawing/2010/main" val="0"/>
-              </a:ext>
-            </a:extLst>
-          </a:blip>
-          <a:srcRect l="20531" t="12791" r="19639"/>
-          <a:stretch/>
-        </p:blipFill>
-        <p:spPr>
-          <a:xfrm>
-            <a:off x="7567732" y="976633"/>
-            <a:ext cx="2410597" cy="2762154"/>
-          </a:xfrm>
-          <a:prstGeom prst="rect">
-            <a:avLst/>
-          </a:prstGeom>
-          <a:ln>
-            <a:noFill/>
-          </a:ln>
-          <a:effectLst>
-            <a:softEdge rad="112500"/>
-          </a:effectLst>
+          <a:xfrm rot="372101">
+            <a:off x="1469258" y="5253658"/>
+            <a:ext cx="3356024" cy="2518472"/>
+          </a:xfrm>
+          <a:prstGeom prst="rect">
+            <a:avLst/>
+          </a:prstGeom>
         </p:spPr>
       </p:pic>
     </p:spTree>
@@ -16356,13 +14625,6 @@
   <p:clrMapOvr>
     <a:masterClrMapping/>
   </p:clrMapOvr>
-  <p:timing>
-    <p:tnLst>
-      <p:par>
-        <p:cTn id="1" dur="indefinite" restart="never" nodeType="tmRoot"/>
-      </p:par>
-    </p:tnLst>
-  </p:timing>
 </p:sld>
 </file>
 
